--- a/reference/QCATC777-Hazard-Curve.pptx
+++ b/reference/QCATC777-Hazard-Curve.pptx
@@ -2359,7 +2359,7 @@
           </p:nvSpPr>
           <p:spPr>
             <a:xfrm>
-              <a:off x="1461154" y="3574459"/>
+              <a:off x="1461154" y="3581668"/>
               <a:ext cx="4200976" cy="0"/>
             </a:xfrm>
             <a:custGeom>
@@ -2402,7 +2402,7 @@
           </p:nvSpPr>
           <p:spPr>
             <a:xfrm>
-              <a:off x="1461154" y="2674227"/>
+              <a:off x="1461154" y="2668788"/>
               <a:ext cx="4200976" cy="0"/>
             </a:xfrm>
             <a:custGeom>
@@ -2445,7 +2445,7 @@
           </p:nvSpPr>
           <p:spPr>
             <a:xfrm>
-              <a:off x="1461154" y="1773994"/>
+              <a:off x="1461154" y="1755907"/>
               <a:ext cx="4200976" cy="0"/>
             </a:xfrm>
             <a:custGeom>
@@ -3176,7 +3176,7 @@
           </p:nvSpPr>
           <p:spPr>
             <a:xfrm>
-              <a:off x="1461154" y="4024576"/>
+              <a:off x="1461154" y="4038109"/>
               <a:ext cx="4200976" cy="0"/>
             </a:xfrm>
             <a:custGeom>
@@ -3219,7 +3219,7 @@
           </p:nvSpPr>
           <p:spPr>
             <a:xfrm>
-              <a:off x="1461154" y="3124343"/>
+              <a:off x="1461154" y="3125228"/>
               <a:ext cx="4200976" cy="0"/>
             </a:xfrm>
             <a:custGeom>
@@ -3262,7 +3262,7 @@
           </p:nvSpPr>
           <p:spPr>
             <a:xfrm>
-              <a:off x="1461154" y="2224110"/>
+              <a:off x="1461154" y="2212348"/>
               <a:ext cx="4200976" cy="0"/>
             </a:xfrm>
             <a:custGeom>
@@ -3305,7 +3305,7 @@
           </p:nvSpPr>
           <p:spPr>
             <a:xfrm>
-              <a:off x="1461154" y="1323878"/>
+              <a:off x="1461154" y="1299467"/>
               <a:ext cx="4200976" cy="0"/>
             </a:xfrm>
             <a:custGeom>
@@ -3950,174 +3950,87 @@
           </p:nvSpPr>
           <p:spPr>
             <a:xfrm>
-              <a:off x="1687470" y="1254816"/>
-              <a:ext cx="3748346" cy="2769759"/>
+              <a:off x="2465428" y="1287576"/>
+              <a:ext cx="2864302" cy="2736199"/>
             </a:xfrm>
             <a:custGeom>
               <a:avLst/>
               <a:pathLst>
-                <a:path w="3748346" h="2769759">
+                <a:path w="2864302" h="2736199">
                   <a:moveTo>
-                    <a:pt x="0" y="2769759"/>
+                    <a:pt x="0" y="2736199"/>
                   </a:moveTo>
                   <a:lnTo>
-                    <a:pt x="70723" y="2769758"/>
-                  </a:lnTo>
-                  <a:lnTo>
-                    <a:pt x="141447" y="2769757"/>
-                  </a:lnTo>
-                  <a:lnTo>
-                    <a:pt x="212170" y="2769756"/>
-                  </a:lnTo>
-                  <a:lnTo>
-                    <a:pt x="282894" y="2769753"/>
-                  </a:lnTo>
-                  <a:lnTo>
-                    <a:pt x="353617" y="2769747"/>
-                  </a:lnTo>
-                  <a:lnTo>
-                    <a:pt x="424341" y="2769738"/>
-                  </a:lnTo>
-                  <a:lnTo>
-                    <a:pt x="495064" y="2769722"/>
-                  </a:lnTo>
-                  <a:lnTo>
-                    <a:pt x="565788" y="2769694"/>
-                  </a:lnTo>
-                  <a:lnTo>
-                    <a:pt x="636511" y="2769646"/>
-                  </a:lnTo>
-                  <a:lnTo>
-                    <a:pt x="707235" y="2769561"/>
-                  </a:lnTo>
-                  <a:lnTo>
-                    <a:pt x="777958" y="2769414"/>
-                  </a:lnTo>
-                  <a:lnTo>
-                    <a:pt x="848682" y="2769158"/>
-                  </a:lnTo>
-                  <a:lnTo>
-                    <a:pt x="919405" y="2768713"/>
-                  </a:lnTo>
-                  <a:lnTo>
-                    <a:pt x="990129" y="2767937"/>
-                  </a:lnTo>
-                  <a:lnTo>
-                    <a:pt x="1060852" y="2766590"/>
-                  </a:lnTo>
-                  <a:lnTo>
-                    <a:pt x="1131576" y="2764249"/>
-                  </a:lnTo>
-                  <a:lnTo>
-                    <a:pt x="1202299" y="2760198"/>
-                  </a:lnTo>
-                  <a:lnTo>
-                    <a:pt x="1273023" y="2753207"/>
-                  </a:lnTo>
-                  <a:lnTo>
-                    <a:pt x="1343746" y="2741229"/>
-                  </a:lnTo>
-                  <a:lnTo>
-                    <a:pt x="1414470" y="2721066"/>
-                  </a:lnTo>
-                  <a:lnTo>
-                    <a:pt x="1485193" y="2687280"/>
-                  </a:lnTo>
-                  <a:lnTo>
-                    <a:pt x="1555917" y="2635036"/>
-                  </a:lnTo>
-                  <a:lnTo>
-                    <a:pt x="1626640" y="2552221"/>
-                  </a:lnTo>
-                  <a:lnTo>
-                    <a:pt x="1697364" y="2442504"/>
-                  </a:lnTo>
-                  <a:lnTo>
-                    <a:pt x="1768087" y="2299367"/>
-                  </a:lnTo>
-                  <a:lnTo>
-                    <a:pt x="1838811" y="2173206"/>
-                  </a:lnTo>
-                  <a:lnTo>
-                    <a:pt x="1909534" y="2033410"/>
-                  </a:lnTo>
-                  <a:lnTo>
-                    <a:pt x="1980258" y="1885124"/>
-                  </a:lnTo>
-                  <a:lnTo>
-                    <a:pt x="2050981" y="1658425"/>
-                  </a:lnTo>
-                  <a:lnTo>
-                    <a:pt x="2121705" y="1350767"/>
-                  </a:lnTo>
-                  <a:lnTo>
-                    <a:pt x="2192428" y="997457"/>
-                  </a:lnTo>
-                  <a:lnTo>
-                    <a:pt x="2263152" y="594238"/>
-                  </a:lnTo>
-                  <a:lnTo>
-                    <a:pt x="2333875" y="270681"/>
-                  </a:lnTo>
-                  <a:lnTo>
-                    <a:pt x="2404599" y="46500"/>
-                  </a:lnTo>
-                  <a:lnTo>
-                    <a:pt x="2475322" y="0"/>
-                  </a:lnTo>
-                  <a:lnTo>
-                    <a:pt x="2546046" y="289267"/>
-                  </a:lnTo>
-                  <a:lnTo>
-                    <a:pt x="2616769" y="685247"/>
-                  </a:lnTo>
-                  <a:lnTo>
-                    <a:pt x="2687493" y="1033129"/>
-                  </a:lnTo>
-                  <a:lnTo>
-                    <a:pt x="2758216" y="1320498"/>
-                  </a:lnTo>
-                  <a:lnTo>
-                    <a:pt x="2828940" y="1539226"/>
-                  </a:lnTo>
-                  <a:lnTo>
-                    <a:pt x="2899663" y="1658423"/>
-                  </a:lnTo>
-                  <a:lnTo>
-                    <a:pt x="2970387" y="1653154"/>
-                  </a:lnTo>
-                  <a:lnTo>
-                    <a:pt x="3041110" y="1574137"/>
-                  </a:lnTo>
-                  <a:lnTo>
-                    <a:pt x="3111834" y="1434041"/>
-                  </a:lnTo>
-                  <a:lnTo>
-                    <a:pt x="3182557" y="1356121"/>
-                  </a:lnTo>
-                  <a:lnTo>
-                    <a:pt x="3253281" y="1305302"/>
-                  </a:lnTo>
-                  <a:lnTo>
-                    <a:pt x="3324004" y="1461135"/>
-                  </a:lnTo>
-                  <a:lnTo>
-                    <a:pt x="3394728" y="1668364"/>
-                  </a:lnTo>
-                  <a:lnTo>
-                    <a:pt x="3465451" y="1963675"/>
-                  </a:lnTo>
-                  <a:lnTo>
-                    <a:pt x="3536175" y="2198724"/>
-                  </a:lnTo>
-                  <a:lnTo>
-                    <a:pt x="3606899" y="2376608"/>
-                  </a:lnTo>
-                  <a:lnTo>
-                    <a:pt x="3677622" y="2493999"/>
-                  </a:lnTo>
-                  <a:lnTo>
-                    <a:pt x="3748346" y="2575241"/>
+                    <a:pt x="919405" y="2301162"/>
+                  </a:lnTo>
+                  <a:lnTo>
+                    <a:pt x="1060852" y="2139670"/>
+                  </a:lnTo>
+                  <a:lnTo>
+                    <a:pt x="1166937" y="1981961"/>
+                  </a:lnTo>
+                  <a:lnTo>
+                    <a:pt x="1273023" y="1677668"/>
+                  </a:lnTo>
+                  <a:lnTo>
+                    <a:pt x="1343746" y="1365577"/>
+                  </a:lnTo>
+                  <a:lnTo>
+                    <a:pt x="1414470" y="979728"/>
+                  </a:lnTo>
+                  <a:lnTo>
+                    <a:pt x="1485193" y="603313"/>
+                  </a:lnTo>
+                  <a:lnTo>
+                    <a:pt x="1555917" y="262478"/>
+                  </a:lnTo>
+                  <a:lnTo>
+                    <a:pt x="1626640" y="0"/>
+                  </a:lnTo>
+                  <a:lnTo>
+                    <a:pt x="1697364" y="7769"/>
+                  </a:lnTo>
+                  <a:lnTo>
+                    <a:pt x="1768087" y="256870"/>
+                  </a:lnTo>
+                  <a:lnTo>
+                    <a:pt x="1838811" y="603392"/>
+                  </a:lnTo>
+                  <a:lnTo>
+                    <a:pt x="1909534" y="951912"/>
+                  </a:lnTo>
+                  <a:lnTo>
+                    <a:pt x="1980258" y="1230962"/>
+                  </a:lnTo>
+                  <a:lnTo>
+                    <a:pt x="2050981" y="1434639"/>
+                  </a:lnTo>
+                  <a:lnTo>
+                    <a:pt x="2157067" y="1576174"/>
+                  </a:lnTo>
+                  <a:lnTo>
+                    <a:pt x="2263152" y="1515489"/>
+                  </a:lnTo>
+                  <a:lnTo>
+                    <a:pt x="2333875" y="1420300"/>
+                  </a:lnTo>
+                  <a:lnTo>
+                    <a:pt x="2404599" y="1330334"/>
+                  </a:lnTo>
+                  <a:lnTo>
+                    <a:pt x="2475322" y="1288598"/>
+                  </a:lnTo>
+                  <a:lnTo>
+                    <a:pt x="2546046" y="1404169"/>
+                  </a:lnTo>
+                  <a:lnTo>
+                    <a:pt x="2616769" y="1628083"/>
+                  </a:lnTo>
+                  <a:lnTo>
+                    <a:pt x="2687493" y="1898865"/>
+                  </a:lnTo>
+                  <a:lnTo>
+                    <a:pt x="2864302" y="2436110"/>
                   </a:lnTo>
                 </a:path>
               </a:pathLst>
@@ -4146,174 +4059,96 @@
           </p:nvSpPr>
           <p:spPr>
             <a:xfrm>
-              <a:off x="1687470" y="1128778"/>
-              <a:ext cx="3748346" cy="2867765"/>
+              <a:off x="1793555" y="1128778"/>
+              <a:ext cx="3500813" cy="2870829"/>
             </a:xfrm>
             <a:custGeom>
               <a:avLst/>
               <a:pathLst>
-                <a:path w="3748346" h="2867765">
+                <a:path w="3500813" h="2870829">
                   <a:moveTo>
-                    <a:pt x="0" y="2857035"/>
+                    <a:pt x="0" y="2849024"/>
                   </a:moveTo>
                   <a:lnTo>
-                    <a:pt x="70723" y="2856451"/>
-                  </a:lnTo>
-                  <a:lnTo>
-                    <a:pt x="141447" y="2855893"/>
-                  </a:lnTo>
-                  <a:lnTo>
-                    <a:pt x="212170" y="2855445"/>
-                  </a:lnTo>
-                  <a:lnTo>
-                    <a:pt x="282894" y="2855110"/>
-                  </a:lnTo>
-                  <a:lnTo>
-                    <a:pt x="353617" y="2854906"/>
-                  </a:lnTo>
-                  <a:lnTo>
-                    <a:pt x="424341" y="2854669"/>
-                  </a:lnTo>
-                  <a:lnTo>
-                    <a:pt x="495064" y="2854418"/>
-                  </a:lnTo>
-                  <a:lnTo>
-                    <a:pt x="565788" y="2853543"/>
-                  </a:lnTo>
-                  <a:lnTo>
-                    <a:pt x="636511" y="2852362"/>
-                  </a:lnTo>
-                  <a:lnTo>
-                    <a:pt x="707235" y="2849876"/>
-                  </a:lnTo>
-                  <a:lnTo>
-                    <a:pt x="777958" y="2846343"/>
-                  </a:lnTo>
-                  <a:lnTo>
-                    <a:pt x="848682" y="2841042"/>
-                  </a:lnTo>
-                  <a:lnTo>
-                    <a:pt x="919405" y="2833100"/>
-                  </a:lnTo>
-                  <a:lnTo>
-                    <a:pt x="990129" y="2822598"/>
-                  </a:lnTo>
-                  <a:lnTo>
-                    <a:pt x="1060852" y="2806314"/>
-                  </a:lnTo>
-                  <a:lnTo>
-                    <a:pt x="1131576" y="2785148"/>
-                  </a:lnTo>
-                  <a:lnTo>
-                    <a:pt x="1202299" y="2753467"/>
-                  </a:lnTo>
-                  <a:lnTo>
-                    <a:pt x="1273023" y="2711432"/>
-                  </a:lnTo>
-                  <a:lnTo>
-                    <a:pt x="1343746" y="2653625"/>
-                  </a:lnTo>
-                  <a:lnTo>
-                    <a:pt x="1414470" y="2576937"/>
-                  </a:lnTo>
-                  <a:lnTo>
-                    <a:pt x="1485193" y="2475203"/>
-                  </a:lnTo>
-                  <a:lnTo>
-                    <a:pt x="1555917" y="2337225"/>
-                  </a:lnTo>
-                  <a:lnTo>
-                    <a:pt x="1626640" y="2152631"/>
-                  </a:lnTo>
-                  <a:lnTo>
-                    <a:pt x="1697364" y="1903499"/>
-                  </a:lnTo>
-                  <a:lnTo>
-                    <a:pt x="1768087" y="1583592"/>
-                  </a:lnTo>
-                  <a:lnTo>
-                    <a:pt x="1838811" y="1206058"/>
-                  </a:lnTo>
-                  <a:lnTo>
-                    <a:pt x="1909534" y="803359"/>
-                  </a:lnTo>
-                  <a:lnTo>
-                    <a:pt x="1980258" y="404072"/>
-                  </a:lnTo>
-                  <a:lnTo>
-                    <a:pt x="2050981" y="168186"/>
-                  </a:lnTo>
-                  <a:lnTo>
-                    <a:pt x="2121705" y="0"/>
-                  </a:lnTo>
-                  <a:lnTo>
-                    <a:pt x="2192428" y="29839"/>
-                  </a:lnTo>
-                  <a:lnTo>
-                    <a:pt x="2263152" y="96516"/>
-                  </a:lnTo>
-                  <a:lnTo>
-                    <a:pt x="2333875" y="276847"/>
-                  </a:lnTo>
-                  <a:lnTo>
-                    <a:pt x="2404599" y="512157"/>
-                  </a:lnTo>
-                  <a:lnTo>
-                    <a:pt x="2475322" y="803110"/>
-                  </a:lnTo>
-                  <a:lnTo>
-                    <a:pt x="2546046" y="1120015"/>
-                  </a:lnTo>
-                  <a:lnTo>
-                    <a:pt x="2616769" y="1414352"/>
-                  </a:lnTo>
-                  <a:lnTo>
-                    <a:pt x="2687493" y="1684337"/>
-                  </a:lnTo>
-                  <a:lnTo>
-                    <a:pt x="2758216" y="1909201"/>
-                  </a:lnTo>
-                  <a:lnTo>
-                    <a:pt x="2828940" y="2102243"/>
-                  </a:lnTo>
-                  <a:lnTo>
-                    <a:pt x="2899663" y="2261850"/>
-                  </a:lnTo>
-                  <a:lnTo>
-                    <a:pt x="2970387" y="2395283"/>
-                  </a:lnTo>
-                  <a:lnTo>
-                    <a:pt x="3041110" y="2504427"/>
-                  </a:lnTo>
-                  <a:lnTo>
-                    <a:pt x="3111834" y="2591734"/>
-                  </a:lnTo>
-                  <a:lnTo>
-                    <a:pt x="3182557" y="2659112"/>
-                  </a:lnTo>
-                  <a:lnTo>
-                    <a:pt x="3253281" y="2711525"/>
-                  </a:lnTo>
-                  <a:lnTo>
-                    <a:pt x="3324004" y="2752727"/>
-                  </a:lnTo>
-                  <a:lnTo>
-                    <a:pt x="3394728" y="2785228"/>
-                  </a:lnTo>
-                  <a:lnTo>
-                    <a:pt x="3465451" y="2811262"/>
-                  </a:lnTo>
-                  <a:lnTo>
-                    <a:pt x="3536175" y="2831424"/>
-                  </a:lnTo>
-                  <a:lnTo>
-                    <a:pt x="3606899" y="2846949"/>
-                  </a:lnTo>
-                  <a:lnTo>
-                    <a:pt x="3677622" y="2858784"/>
-                  </a:lnTo>
-                  <a:lnTo>
-                    <a:pt x="3748346" y="2867765"/>
+                    <a:pt x="247532" y="2856321"/>
+                  </a:lnTo>
+                  <a:lnTo>
+                    <a:pt x="777958" y="2843488"/>
+                  </a:lnTo>
+                  <a:lnTo>
+                    <a:pt x="1237661" y="2644885"/>
+                  </a:lnTo>
+                  <a:lnTo>
+                    <a:pt x="1308384" y="2566353"/>
+                  </a:lnTo>
+                  <a:lnTo>
+                    <a:pt x="1379108" y="2463449"/>
+                  </a:lnTo>
+                  <a:lnTo>
+                    <a:pt x="1485193" y="2241570"/>
+                  </a:lnTo>
+                  <a:lnTo>
+                    <a:pt x="1591278" y="1895649"/>
+                  </a:lnTo>
+                  <a:lnTo>
+                    <a:pt x="1662002" y="1579379"/>
+                  </a:lnTo>
+                  <a:lnTo>
+                    <a:pt x="1732725" y="1190036"/>
+                  </a:lnTo>
+                  <a:lnTo>
+                    <a:pt x="1803449" y="798301"/>
+                  </a:lnTo>
+                  <a:lnTo>
+                    <a:pt x="1874173" y="385815"/>
+                  </a:lnTo>
+                  <a:lnTo>
+                    <a:pt x="1944896" y="142790"/>
+                  </a:lnTo>
+                  <a:lnTo>
+                    <a:pt x="2015620" y="0"/>
+                  </a:lnTo>
+                  <a:lnTo>
+                    <a:pt x="2086343" y="1577"/>
+                  </a:lnTo>
+                  <a:lnTo>
+                    <a:pt x="2157067" y="93951"/>
+                  </a:lnTo>
+                  <a:lnTo>
+                    <a:pt x="2227790" y="226857"/>
+                  </a:lnTo>
+                  <a:lnTo>
+                    <a:pt x="2298514" y="468692"/>
+                  </a:lnTo>
+                  <a:lnTo>
+                    <a:pt x="2369237" y="750105"/>
+                  </a:lnTo>
+                  <a:lnTo>
+                    <a:pt x="2439961" y="1051874"/>
+                  </a:lnTo>
+                  <a:lnTo>
+                    <a:pt x="2510684" y="1371601"/>
+                  </a:lnTo>
+                  <a:lnTo>
+                    <a:pt x="2616769" y="1776279"/>
+                  </a:lnTo>
+                  <a:lnTo>
+                    <a:pt x="2722855" y="2092005"/>
+                  </a:lnTo>
+                  <a:lnTo>
+                    <a:pt x="2793578" y="2257708"/>
+                  </a:lnTo>
+                  <a:lnTo>
+                    <a:pt x="2864302" y="2400988"/>
+                  </a:lnTo>
+                  <a:lnTo>
+                    <a:pt x="3076472" y="2683622"/>
+                  </a:lnTo>
+                  <a:lnTo>
+                    <a:pt x="3288643" y="2813810"/>
+                  </a:lnTo>
+                  <a:lnTo>
+                    <a:pt x="3500813" y="2870829"/>
                   </a:lnTo>
                 </a:path>
               </a:pathLst>
@@ -4342,174 +4177,90 @@
           </p:nvSpPr>
           <p:spPr>
             <a:xfrm>
-              <a:off x="1687470" y="1403912"/>
-              <a:ext cx="3748346" cy="2620625"/>
+              <a:off x="2359343" y="1428072"/>
+              <a:ext cx="3005749" cy="2596502"/>
             </a:xfrm>
             <a:custGeom>
               <a:avLst/>
               <a:pathLst>
-                <a:path w="3748346" h="2620625">
+                <a:path w="3005749" h="2596502">
                   <a:moveTo>
-                    <a:pt x="0" y="2620625"/>
+                    <a:pt x="0" y="2596502"/>
                   </a:moveTo>
                   <a:lnTo>
-                    <a:pt x="70723" y="2620607"/>
-                  </a:lnTo>
-                  <a:lnTo>
-                    <a:pt x="141447" y="2620580"/>
-                  </a:lnTo>
-                  <a:lnTo>
-                    <a:pt x="212170" y="2620540"/>
-                  </a:lnTo>
-                  <a:lnTo>
-                    <a:pt x="282894" y="2620479"/>
-                  </a:lnTo>
-                  <a:lnTo>
-                    <a:pt x="353617" y="2620390"/>
-                  </a:lnTo>
-                  <a:lnTo>
-                    <a:pt x="424341" y="2620257"/>
-                  </a:lnTo>
-                  <a:lnTo>
-                    <a:pt x="495064" y="2620059"/>
-                  </a:lnTo>
-                  <a:lnTo>
-                    <a:pt x="565788" y="2619766"/>
-                  </a:lnTo>
-                  <a:lnTo>
-                    <a:pt x="636511" y="2619329"/>
-                  </a:lnTo>
-                  <a:lnTo>
-                    <a:pt x="707235" y="2618680"/>
-                  </a:lnTo>
-                  <a:lnTo>
-                    <a:pt x="777958" y="2617717"/>
-                  </a:lnTo>
-                  <a:lnTo>
-                    <a:pt x="848682" y="2616287"/>
-                  </a:lnTo>
-                  <a:lnTo>
-                    <a:pt x="919405" y="2614171"/>
-                  </a:lnTo>
-                  <a:lnTo>
-                    <a:pt x="990129" y="2611038"/>
-                  </a:lnTo>
-                  <a:lnTo>
-                    <a:pt x="1060852" y="2606436"/>
-                  </a:lnTo>
-                  <a:lnTo>
-                    <a:pt x="1131576" y="2599656"/>
-                  </a:lnTo>
-                  <a:lnTo>
-                    <a:pt x="1202299" y="2589838"/>
-                  </a:lnTo>
-                  <a:lnTo>
-                    <a:pt x="1273023" y="2575643"/>
-                  </a:lnTo>
-                  <a:lnTo>
-                    <a:pt x="1343746" y="2555527"/>
-                  </a:lnTo>
-                  <a:lnTo>
-                    <a:pt x="1414470" y="2527549"/>
-                  </a:lnTo>
-                  <a:lnTo>
-                    <a:pt x="1485193" y="2488772"/>
-                  </a:lnTo>
-                  <a:lnTo>
-                    <a:pt x="1555917" y="2436294"/>
-                  </a:lnTo>
-                  <a:lnTo>
-                    <a:pt x="1626640" y="2363868"/>
-                  </a:lnTo>
-                  <a:lnTo>
-                    <a:pt x="1697364" y="2266413"/>
-                  </a:lnTo>
-                  <a:lnTo>
-                    <a:pt x="1768087" y="2134711"/>
-                  </a:lnTo>
-                  <a:lnTo>
-                    <a:pt x="1838811" y="1964270"/>
-                  </a:lnTo>
-                  <a:lnTo>
-                    <a:pt x="1909534" y="1749578"/>
-                  </a:lnTo>
-                  <a:lnTo>
-                    <a:pt x="1980258" y="1484910"/>
-                  </a:lnTo>
-                  <a:lnTo>
-                    <a:pt x="2050981" y="1176533"/>
-                  </a:lnTo>
-                  <a:lnTo>
-                    <a:pt x="2121705" y="801112"/>
-                  </a:lnTo>
-                  <a:lnTo>
-                    <a:pt x="2192428" y="466986"/>
-                  </a:lnTo>
-                  <a:lnTo>
-                    <a:pt x="2263152" y="134254"/>
-                  </a:lnTo>
-                  <a:lnTo>
-                    <a:pt x="2333875" y="0"/>
-                  </a:lnTo>
-                  <a:lnTo>
-                    <a:pt x="2404599" y="25888"/>
-                  </a:lnTo>
-                  <a:lnTo>
-                    <a:pt x="2475322" y="253198"/>
-                  </a:lnTo>
-                  <a:lnTo>
-                    <a:pt x="2546046" y="601296"/>
-                  </a:lnTo>
-                  <a:lnTo>
-                    <a:pt x="2616769" y="955254"/>
-                  </a:lnTo>
-                  <a:lnTo>
-                    <a:pt x="2687493" y="1292637"/>
-                  </a:lnTo>
-                  <a:lnTo>
-                    <a:pt x="2758216" y="1562750"/>
-                  </a:lnTo>
-                  <a:lnTo>
-                    <a:pt x="2828940" y="1762879"/>
-                  </a:lnTo>
-                  <a:lnTo>
-                    <a:pt x="2899663" y="1915287"/>
-                  </a:lnTo>
-                  <a:lnTo>
-                    <a:pt x="2970387" y="2026334"/>
-                  </a:lnTo>
-                  <a:lnTo>
-                    <a:pt x="3041110" y="2111872"/>
-                  </a:lnTo>
-                  <a:lnTo>
-                    <a:pt x="3111834" y="2180456"/>
-                  </a:lnTo>
-                  <a:lnTo>
-                    <a:pt x="3182557" y="2241456"/>
-                  </a:lnTo>
-                  <a:lnTo>
-                    <a:pt x="3253281" y="2294359"/>
-                  </a:lnTo>
-                  <a:lnTo>
-                    <a:pt x="3324004" y="2340721"/>
-                  </a:lnTo>
-                  <a:lnTo>
-                    <a:pt x="3394728" y="2382741"/>
-                  </a:lnTo>
-                  <a:lnTo>
-                    <a:pt x="3465451" y="2422837"/>
-                  </a:lnTo>
-                  <a:lnTo>
-                    <a:pt x="3536175" y="2458284"/>
-                  </a:lnTo>
-                  <a:lnTo>
-                    <a:pt x="3606899" y="2488875"/>
-                  </a:lnTo>
-                  <a:lnTo>
-                    <a:pt x="3677622" y="2514427"/>
-                  </a:lnTo>
-                  <a:lnTo>
-                    <a:pt x="3748346" y="2535202"/>
+                    <a:pt x="777958" y="2462998"/>
+                  </a:lnTo>
+                  <a:lnTo>
+                    <a:pt x="919405" y="2362941"/>
+                  </a:lnTo>
+                  <a:lnTo>
+                    <a:pt x="1060852" y="2177976"/>
+                  </a:lnTo>
+                  <a:lnTo>
+                    <a:pt x="1166937" y="1948846"/>
+                  </a:lnTo>
+                  <a:lnTo>
+                    <a:pt x="1237661" y="1740489"/>
+                  </a:lnTo>
+                  <a:lnTo>
+                    <a:pt x="1308384" y="1478525"/>
+                  </a:lnTo>
+                  <a:lnTo>
+                    <a:pt x="1379108" y="1167050"/>
+                  </a:lnTo>
+                  <a:lnTo>
+                    <a:pt x="1449831" y="825945"/>
+                  </a:lnTo>
+                  <a:lnTo>
+                    <a:pt x="1520555" y="467825"/>
+                  </a:lnTo>
+                  <a:lnTo>
+                    <a:pt x="1591278" y="142005"/>
+                  </a:lnTo>
+                  <a:lnTo>
+                    <a:pt x="1662002" y="0"/>
+                  </a:lnTo>
+                  <a:lnTo>
+                    <a:pt x="1732725" y="19230"/>
+                  </a:lnTo>
+                  <a:lnTo>
+                    <a:pt x="1803449" y="199428"/>
+                  </a:lnTo>
+                  <a:lnTo>
+                    <a:pt x="1874173" y="549114"/>
+                  </a:lnTo>
+                  <a:lnTo>
+                    <a:pt x="1944896" y="898549"/>
+                  </a:lnTo>
+                  <a:lnTo>
+                    <a:pt x="2015620" y="1220583"/>
+                  </a:lnTo>
+                  <a:lnTo>
+                    <a:pt x="2086343" y="1492696"/>
+                  </a:lnTo>
+                  <a:lnTo>
+                    <a:pt x="2157067" y="1702158"/>
+                  </a:lnTo>
+                  <a:lnTo>
+                    <a:pt x="2263152" y="1929394"/>
+                  </a:lnTo>
+                  <a:lnTo>
+                    <a:pt x="2369237" y="2081965"/>
+                  </a:lnTo>
+                  <a:lnTo>
+                    <a:pt x="2439961" y="2160568"/>
+                  </a:lnTo>
+                  <a:lnTo>
+                    <a:pt x="2581408" y="2287000"/>
+                  </a:lnTo>
+                  <a:lnTo>
+                    <a:pt x="2722855" y="2383273"/>
+                  </a:lnTo>
+                  <a:lnTo>
+                    <a:pt x="2828940" y="2442584"/>
+                  </a:lnTo>
+                  <a:lnTo>
+                    <a:pt x="3005749" y="2514175"/>
                   </a:lnTo>
                 </a:path>
               </a:pathLst>
@@ -4538,174 +4289,90 @@
           </p:nvSpPr>
           <p:spPr>
             <a:xfrm>
-              <a:off x="1687470" y="1265902"/>
-              <a:ext cx="3748346" cy="2758603"/>
+              <a:off x="2323981" y="1312598"/>
+              <a:ext cx="3041110" cy="2711406"/>
             </a:xfrm>
             <a:custGeom>
               <a:avLst/>
               <a:pathLst>
-                <a:path w="3748346" h="2758603">
+                <a:path w="3041110" h="2711406">
                   <a:moveTo>
-                    <a:pt x="0" y="2758603"/>
+                    <a:pt x="0" y="2711406"/>
                   </a:moveTo>
                   <a:lnTo>
-                    <a:pt x="70723" y="2758570"/>
-                  </a:lnTo>
-                  <a:lnTo>
-                    <a:pt x="141447" y="2758522"/>
-                  </a:lnTo>
-                  <a:lnTo>
-                    <a:pt x="212170" y="2758452"/>
-                  </a:lnTo>
-                  <a:lnTo>
-                    <a:pt x="282894" y="2758349"/>
-                  </a:lnTo>
-                  <a:lnTo>
-                    <a:pt x="353617" y="2758198"/>
-                  </a:lnTo>
-                  <a:lnTo>
-                    <a:pt x="424341" y="2757978"/>
-                  </a:lnTo>
-                  <a:lnTo>
-                    <a:pt x="495064" y="2757656"/>
-                  </a:lnTo>
-                  <a:lnTo>
-                    <a:pt x="565788" y="2757186"/>
-                  </a:lnTo>
-                  <a:lnTo>
-                    <a:pt x="636511" y="2756498"/>
-                  </a:lnTo>
-                  <a:lnTo>
-                    <a:pt x="707235" y="2755494"/>
-                  </a:lnTo>
-                  <a:lnTo>
-                    <a:pt x="777958" y="2754030"/>
-                  </a:lnTo>
-                  <a:lnTo>
-                    <a:pt x="848682" y="2751899"/>
-                  </a:lnTo>
-                  <a:lnTo>
-                    <a:pt x="919405" y="2748811"/>
-                  </a:lnTo>
-                  <a:lnTo>
-                    <a:pt x="990129" y="2744335"/>
-                  </a:lnTo>
-                  <a:lnTo>
-                    <a:pt x="1060852" y="2737950"/>
-                  </a:lnTo>
-                  <a:lnTo>
-                    <a:pt x="1131576" y="2728791"/>
-                  </a:lnTo>
-                  <a:lnTo>
-                    <a:pt x="1202299" y="2716103"/>
-                  </a:lnTo>
-                  <a:lnTo>
-                    <a:pt x="1273023" y="2698563"/>
-                  </a:lnTo>
-                  <a:lnTo>
-                    <a:pt x="1343746" y="2675286"/>
-                  </a:lnTo>
-                  <a:lnTo>
-                    <a:pt x="1414470" y="2644466"/>
-                  </a:lnTo>
-                  <a:lnTo>
-                    <a:pt x="1485193" y="2603778"/>
-                  </a:lnTo>
-                  <a:lnTo>
-                    <a:pt x="1555917" y="2549276"/>
-                  </a:lnTo>
-                  <a:lnTo>
-                    <a:pt x="1626640" y="2475609"/>
-                  </a:lnTo>
-                  <a:lnTo>
-                    <a:pt x="1697364" y="2367383"/>
-                  </a:lnTo>
-                  <a:lnTo>
-                    <a:pt x="1768087" y="2217444"/>
-                  </a:lnTo>
-                  <a:lnTo>
-                    <a:pt x="1838811" y="2008777"/>
-                  </a:lnTo>
-                  <a:lnTo>
-                    <a:pt x="1909534" y="1731942"/>
-                  </a:lnTo>
-                  <a:lnTo>
-                    <a:pt x="1980258" y="1369532"/>
-                  </a:lnTo>
-                  <a:lnTo>
-                    <a:pt x="2050981" y="1021105"/>
-                  </a:lnTo>
-                  <a:lnTo>
-                    <a:pt x="2121705" y="646454"/>
-                  </a:lnTo>
-                  <a:lnTo>
-                    <a:pt x="2192428" y="445077"/>
-                  </a:lnTo>
-                  <a:lnTo>
-                    <a:pt x="2263152" y="241067"/>
-                  </a:lnTo>
-                  <a:lnTo>
-                    <a:pt x="2333875" y="51376"/>
-                  </a:lnTo>
-                  <a:lnTo>
-                    <a:pt x="2404599" y="0"/>
-                  </a:lnTo>
-                  <a:lnTo>
-                    <a:pt x="2475322" y="138768"/>
-                  </a:lnTo>
-                  <a:lnTo>
-                    <a:pt x="2546046" y="472827"/>
-                  </a:lnTo>
-                  <a:lnTo>
-                    <a:pt x="2616769" y="847077"/>
-                  </a:lnTo>
-                  <a:lnTo>
-                    <a:pt x="2687493" y="1292005"/>
-                  </a:lnTo>
-                  <a:lnTo>
-                    <a:pt x="2758216" y="1643428"/>
-                  </a:lnTo>
-                  <a:lnTo>
-                    <a:pt x="2828940" y="1907343"/>
-                  </a:lnTo>
-                  <a:lnTo>
-                    <a:pt x="2899663" y="2089114"/>
-                  </a:lnTo>
-                  <a:lnTo>
-                    <a:pt x="2970387" y="2204210"/>
-                  </a:lnTo>
-                  <a:lnTo>
-                    <a:pt x="3041110" y="2275926"/>
-                  </a:lnTo>
-                  <a:lnTo>
-                    <a:pt x="3111834" y="2324088"/>
-                  </a:lnTo>
-                  <a:lnTo>
-                    <a:pt x="3182557" y="2360198"/>
-                  </a:lnTo>
-                  <a:lnTo>
-                    <a:pt x="3253281" y="2392481"/>
-                  </a:lnTo>
-                  <a:lnTo>
-                    <a:pt x="3324004" y="2428725"/>
-                  </a:lnTo>
-                  <a:lnTo>
-                    <a:pt x="3394728" y="2462034"/>
-                  </a:lnTo>
-                  <a:lnTo>
-                    <a:pt x="3465451" y="2493344"/>
-                  </a:lnTo>
-                  <a:lnTo>
-                    <a:pt x="3536175" y="2520238"/>
-                  </a:lnTo>
-                  <a:lnTo>
-                    <a:pt x="3606899" y="2543527"/>
-                  </a:lnTo>
-                  <a:lnTo>
-                    <a:pt x="3677622" y="2562457"/>
-                  </a:lnTo>
-                  <a:lnTo>
-                    <a:pt x="3748346" y="2579139"/>
+                    <a:pt x="742596" y="2599821"/>
+                  </a:lnTo>
+                  <a:lnTo>
+                    <a:pt x="848682" y="2543957"/>
+                  </a:lnTo>
+                  <a:lnTo>
+                    <a:pt x="990129" y="2415652"/>
+                  </a:lnTo>
+                  <a:lnTo>
+                    <a:pt x="1131576" y="2161194"/>
+                  </a:lnTo>
+                  <a:lnTo>
+                    <a:pt x="1202299" y="1956779"/>
+                  </a:lnTo>
+                  <a:lnTo>
+                    <a:pt x="1273023" y="1689540"/>
+                  </a:lnTo>
+                  <a:lnTo>
+                    <a:pt x="1343746" y="1360398"/>
+                  </a:lnTo>
+                  <a:lnTo>
+                    <a:pt x="1414470" y="987039"/>
+                  </a:lnTo>
+                  <a:lnTo>
+                    <a:pt x="1485193" y="678312"/>
+                  </a:lnTo>
+                  <a:lnTo>
+                    <a:pt x="1555917" y="402912"/>
+                  </a:lnTo>
+                  <a:lnTo>
+                    <a:pt x="1626640" y="178384"/>
+                  </a:lnTo>
+                  <a:lnTo>
+                    <a:pt x="1697364" y="19789"/>
+                  </a:lnTo>
+                  <a:lnTo>
+                    <a:pt x="1768087" y="0"/>
+                  </a:lnTo>
+                  <a:lnTo>
+                    <a:pt x="1838811" y="116058"/>
+                  </a:lnTo>
+                  <a:lnTo>
+                    <a:pt x="1909534" y="419735"/>
+                  </a:lnTo>
+                  <a:lnTo>
+                    <a:pt x="1980258" y="797753"/>
+                  </a:lnTo>
+                  <a:lnTo>
+                    <a:pt x="2050981" y="1167170"/>
+                  </a:lnTo>
+                  <a:lnTo>
+                    <a:pt x="2121705" y="1507506"/>
+                  </a:lnTo>
+                  <a:lnTo>
+                    <a:pt x="2227790" y="1882811"/>
+                  </a:lnTo>
+                  <a:lnTo>
+                    <a:pt x="2404599" y="2195324"/>
+                  </a:lnTo>
+                  <a:lnTo>
+                    <a:pt x="2546046" y="2317561"/>
+                  </a:lnTo>
+                  <a:lnTo>
+                    <a:pt x="2616769" y="2362160"/>
+                  </a:lnTo>
+                  <a:lnTo>
+                    <a:pt x="2687493" y="2404964"/>
+                  </a:lnTo>
+                  <a:lnTo>
+                    <a:pt x="2828940" y="2481574"/>
+                  </a:lnTo>
+                  <a:lnTo>
+                    <a:pt x="3041110" y="2566789"/>
                   </a:lnTo>
                 </a:path>
               </a:pathLst>
@@ -4734,7 +4401,7 @@
           </p:nvSpPr>
           <p:spPr>
             <a:xfrm>
-              <a:off x="1662644" y="3999749"/>
+              <a:off x="2440602" y="3998950"/>
               <a:ext cx="49651" cy="49651"/>
             </a:xfrm>
             <a:prstGeom prst="ellipse">
@@ -4769,7 +4436,7 @@
           </p:nvSpPr>
           <p:spPr>
             <a:xfrm>
-              <a:off x="1733367" y="3999748"/>
+              <a:off x="3360008" y="3563912"/>
               <a:ext cx="49651" cy="49651"/>
             </a:xfrm>
             <a:prstGeom prst="ellipse">
@@ -4804,7 +4471,7 @@
           </p:nvSpPr>
           <p:spPr>
             <a:xfrm>
-              <a:off x="1804091" y="3999747"/>
+              <a:off x="3501455" y="3402421"/>
               <a:ext cx="49651" cy="49651"/>
             </a:xfrm>
             <a:prstGeom prst="ellipse">
@@ -4839,7 +4506,7 @@
           </p:nvSpPr>
           <p:spPr>
             <a:xfrm>
-              <a:off x="1874814" y="3999746"/>
+              <a:off x="3607540" y="3244711"/>
               <a:ext cx="49651" cy="49651"/>
             </a:xfrm>
             <a:prstGeom prst="ellipse">
@@ -4874,7 +4541,7 @@
           </p:nvSpPr>
           <p:spPr>
             <a:xfrm>
-              <a:off x="1945538" y="3999743"/>
+              <a:off x="3713625" y="2940418"/>
               <a:ext cx="49651" cy="49651"/>
             </a:xfrm>
             <a:prstGeom prst="ellipse">
@@ -4909,7 +4576,7 @@
           </p:nvSpPr>
           <p:spPr>
             <a:xfrm>
-              <a:off x="2016261" y="3999737"/>
+              <a:off x="3784349" y="2628327"/>
               <a:ext cx="49651" cy="49651"/>
             </a:xfrm>
             <a:prstGeom prst="ellipse">
@@ -4944,7 +4611,7 @@
           </p:nvSpPr>
           <p:spPr>
             <a:xfrm>
-              <a:off x="2086985" y="3999728"/>
+              <a:off x="3855072" y="2242479"/>
               <a:ext cx="49651" cy="49651"/>
             </a:xfrm>
             <a:prstGeom prst="ellipse">
@@ -4979,7 +4646,7 @@
           </p:nvSpPr>
           <p:spPr>
             <a:xfrm>
-              <a:off x="2157708" y="3999712"/>
+              <a:off x="3925796" y="1866063"/>
               <a:ext cx="49651" cy="49651"/>
             </a:xfrm>
             <a:prstGeom prst="ellipse">
@@ -5014,7 +4681,7 @@
           </p:nvSpPr>
           <p:spPr>
             <a:xfrm>
-              <a:off x="2228432" y="3999684"/>
+              <a:off x="3996519" y="1525228"/>
               <a:ext cx="49651" cy="49651"/>
             </a:xfrm>
             <a:prstGeom prst="ellipse">
@@ -5049,7 +4716,7 @@
           </p:nvSpPr>
           <p:spPr>
             <a:xfrm>
-              <a:off x="2299155" y="3999636"/>
+              <a:off x="4067243" y="1262750"/>
               <a:ext cx="49651" cy="49651"/>
             </a:xfrm>
             <a:prstGeom prst="ellipse">
@@ -5084,7 +4751,7 @@
           </p:nvSpPr>
           <p:spPr>
             <a:xfrm>
-              <a:off x="2369879" y="3999552"/>
+              <a:off x="4137967" y="1270519"/>
               <a:ext cx="49651" cy="49651"/>
             </a:xfrm>
             <a:prstGeom prst="ellipse">
@@ -5119,7 +4786,7 @@
           </p:nvSpPr>
           <p:spPr>
             <a:xfrm>
-              <a:off x="2440602" y="3999405"/>
+              <a:off x="4208690" y="1519620"/>
               <a:ext cx="49651" cy="49651"/>
             </a:xfrm>
             <a:prstGeom prst="ellipse">
@@ -5154,7 +4821,7 @@
           </p:nvSpPr>
           <p:spPr>
             <a:xfrm>
-              <a:off x="2511326" y="3999149"/>
+              <a:off x="4279414" y="1866143"/>
               <a:ext cx="49651" cy="49651"/>
             </a:xfrm>
             <a:prstGeom prst="ellipse">
@@ -5189,7 +4856,7 @@
           </p:nvSpPr>
           <p:spPr>
             <a:xfrm>
-              <a:off x="2582049" y="3998703"/>
+              <a:off x="4350137" y="2214662"/>
               <a:ext cx="49651" cy="49651"/>
             </a:xfrm>
             <a:prstGeom prst="ellipse">
@@ -5224,7 +4891,7 @@
           </p:nvSpPr>
           <p:spPr>
             <a:xfrm>
-              <a:off x="2652773" y="3997928"/>
+              <a:off x="4420861" y="2493712"/>
               <a:ext cx="49651" cy="49651"/>
             </a:xfrm>
             <a:prstGeom prst="ellipse">
@@ -5259,7 +4926,7 @@
           </p:nvSpPr>
           <p:spPr>
             <a:xfrm>
-              <a:off x="2723496" y="3996580"/>
+              <a:off x="4491584" y="2697390"/>
               <a:ext cx="49651" cy="49651"/>
             </a:xfrm>
             <a:prstGeom prst="ellipse">
@@ -5294,7 +4961,7 @@
           </p:nvSpPr>
           <p:spPr>
             <a:xfrm>
-              <a:off x="2794220" y="3994239"/>
+              <a:off x="4597669" y="2838924"/>
               <a:ext cx="49651" cy="49651"/>
             </a:xfrm>
             <a:prstGeom prst="ellipse">
@@ -5329,7 +4996,7 @@
           </p:nvSpPr>
           <p:spPr>
             <a:xfrm>
-              <a:off x="2864943" y="3990188"/>
+              <a:off x="4703755" y="2778239"/>
               <a:ext cx="49651" cy="49651"/>
             </a:xfrm>
             <a:prstGeom prst="ellipse">
@@ -5364,7 +5031,7 @@
           </p:nvSpPr>
           <p:spPr>
             <a:xfrm>
-              <a:off x="2935667" y="3983197"/>
+              <a:off x="4774478" y="2683051"/>
               <a:ext cx="49651" cy="49651"/>
             </a:xfrm>
             <a:prstGeom prst="ellipse">
@@ -5399,7 +5066,7 @@
           </p:nvSpPr>
           <p:spPr>
             <a:xfrm>
-              <a:off x="3006390" y="3971219"/>
+              <a:off x="4845202" y="2593085"/>
               <a:ext cx="49651" cy="49651"/>
             </a:xfrm>
             <a:prstGeom prst="ellipse">
@@ -5434,7 +5101,7 @@
           </p:nvSpPr>
           <p:spPr>
             <a:xfrm>
-              <a:off x="3077114" y="3951056"/>
+              <a:off x="4915925" y="2551348"/>
               <a:ext cx="49651" cy="49651"/>
             </a:xfrm>
             <a:prstGeom prst="ellipse">
@@ -5469,7 +5136,7 @@
           </p:nvSpPr>
           <p:spPr>
             <a:xfrm>
-              <a:off x="3147837" y="3917270"/>
+              <a:off x="4986649" y="2666919"/>
               <a:ext cx="49651" cy="49651"/>
             </a:xfrm>
             <a:prstGeom prst="ellipse">
@@ -5504,7 +5171,7 @@
           </p:nvSpPr>
           <p:spPr>
             <a:xfrm>
-              <a:off x="3218561" y="3865026"/>
+              <a:off x="5057372" y="2890833"/>
               <a:ext cx="49651" cy="49651"/>
             </a:xfrm>
             <a:prstGeom prst="ellipse">
@@ -5539,7 +5206,7 @@
           </p:nvSpPr>
           <p:spPr>
             <a:xfrm>
-              <a:off x="3289284" y="3782211"/>
+              <a:off x="5128096" y="3161615"/>
               <a:ext cx="49651" cy="49651"/>
             </a:xfrm>
             <a:prstGeom prst="ellipse">
@@ -5574,7 +5241,7 @@
           </p:nvSpPr>
           <p:spPr>
             <a:xfrm>
-              <a:off x="3360008" y="3672494"/>
+              <a:off x="5304904" y="3698860"/>
               <a:ext cx="49651" cy="49651"/>
             </a:xfrm>
             <a:prstGeom prst="ellipse">
@@ -5609,20 +5276,20 @@
           </p:nvSpPr>
           <p:spPr>
             <a:xfrm>
-              <a:off x="3430731" y="3529357"/>
-              <a:ext cx="49651" cy="49651"/>
-            </a:xfrm>
-            <a:prstGeom prst="ellipse">
-              <a:avLst/>
-            </a:prstGeom>
-            <a:solidFill>
-              <a:srgbClr val="F8766D">
-                <a:alpha val="100000"/>
-              </a:srgbClr>
-            </a:solidFill>
-            <a:ln w="9000" cap="rnd">
-              <a:solidFill>
-                <a:srgbClr val="F8766D">
+              <a:off x="1768729" y="3952977"/>
+              <a:ext cx="49651" cy="49651"/>
+            </a:xfrm>
+            <a:prstGeom prst="ellipse">
+              <a:avLst/>
+            </a:prstGeom>
+            <a:solidFill>
+              <a:srgbClr val="7CAE00">
+                <a:alpha val="100000"/>
+              </a:srgbClr>
+            </a:solidFill>
+            <a:ln w="9000" cap="rnd">
+              <a:solidFill>
+                <a:srgbClr val="7CAE00">
                   <a:alpha val="100000"/>
                 </a:srgbClr>
               </a:solidFill>
@@ -5644,20 +5311,20 @@
           </p:nvSpPr>
           <p:spPr>
             <a:xfrm>
-              <a:off x="3501455" y="3403196"/>
-              <a:ext cx="49651" cy="49651"/>
-            </a:xfrm>
-            <a:prstGeom prst="ellipse">
-              <a:avLst/>
-            </a:prstGeom>
-            <a:solidFill>
-              <a:srgbClr val="F8766D">
-                <a:alpha val="100000"/>
-              </a:srgbClr>
-            </a:solidFill>
-            <a:ln w="9000" cap="rnd">
-              <a:solidFill>
-                <a:srgbClr val="F8766D">
+              <a:off x="2016261" y="3960274"/>
+              <a:ext cx="49651" cy="49651"/>
+            </a:xfrm>
+            <a:prstGeom prst="ellipse">
+              <a:avLst/>
+            </a:prstGeom>
+            <a:solidFill>
+              <a:srgbClr val="7CAE00">
+                <a:alpha val="100000"/>
+              </a:srgbClr>
+            </a:solidFill>
+            <a:ln w="9000" cap="rnd">
+              <a:solidFill>
+                <a:srgbClr val="7CAE00">
                   <a:alpha val="100000"/>
                 </a:srgbClr>
               </a:solidFill>
@@ -5679,20 +5346,20 @@
           </p:nvSpPr>
           <p:spPr>
             <a:xfrm>
-              <a:off x="3572178" y="3263400"/>
-              <a:ext cx="49651" cy="49651"/>
-            </a:xfrm>
-            <a:prstGeom prst="ellipse">
-              <a:avLst/>
-            </a:prstGeom>
-            <a:solidFill>
-              <a:srgbClr val="F8766D">
-                <a:alpha val="100000"/>
-              </a:srgbClr>
-            </a:solidFill>
-            <a:ln w="9000" cap="rnd">
-              <a:solidFill>
-                <a:srgbClr val="F8766D">
+              <a:off x="2546688" y="3947441"/>
+              <a:ext cx="49651" cy="49651"/>
+            </a:xfrm>
+            <a:prstGeom prst="ellipse">
+              <a:avLst/>
+            </a:prstGeom>
+            <a:solidFill>
+              <a:srgbClr val="7CAE00">
+                <a:alpha val="100000"/>
+              </a:srgbClr>
+            </a:solidFill>
+            <a:ln w="9000" cap="rnd">
+              <a:solidFill>
+                <a:srgbClr val="7CAE00">
                   <a:alpha val="100000"/>
                 </a:srgbClr>
               </a:solidFill>
@@ -5714,20 +5381,20 @@
           </p:nvSpPr>
           <p:spPr>
             <a:xfrm>
-              <a:off x="3642902" y="3115114"/>
-              <a:ext cx="49651" cy="49651"/>
-            </a:xfrm>
-            <a:prstGeom prst="ellipse">
-              <a:avLst/>
-            </a:prstGeom>
-            <a:solidFill>
-              <a:srgbClr val="F8766D">
-                <a:alpha val="100000"/>
-              </a:srgbClr>
-            </a:solidFill>
-            <a:ln w="9000" cap="rnd">
-              <a:solidFill>
-                <a:srgbClr val="F8766D">
+              <a:off x="3006390" y="3748838"/>
+              <a:ext cx="49651" cy="49651"/>
+            </a:xfrm>
+            <a:prstGeom prst="ellipse">
+              <a:avLst/>
+            </a:prstGeom>
+            <a:solidFill>
+              <a:srgbClr val="7CAE00">
+                <a:alpha val="100000"/>
+              </a:srgbClr>
+            </a:solidFill>
+            <a:ln w="9000" cap="rnd">
+              <a:solidFill>
+                <a:srgbClr val="7CAE00">
                   <a:alpha val="100000"/>
                 </a:srgbClr>
               </a:solidFill>
@@ -5749,20 +5416,20 @@
           </p:nvSpPr>
           <p:spPr>
             <a:xfrm>
-              <a:off x="3713625" y="2888415"/>
-              <a:ext cx="49651" cy="49651"/>
-            </a:xfrm>
-            <a:prstGeom prst="ellipse">
-              <a:avLst/>
-            </a:prstGeom>
-            <a:solidFill>
-              <a:srgbClr val="F8766D">
-                <a:alpha val="100000"/>
-              </a:srgbClr>
-            </a:solidFill>
-            <a:ln w="9000" cap="rnd">
-              <a:solidFill>
-                <a:srgbClr val="F8766D">
+              <a:off x="3077114" y="3670306"/>
+              <a:ext cx="49651" cy="49651"/>
+            </a:xfrm>
+            <a:prstGeom prst="ellipse">
+              <a:avLst/>
+            </a:prstGeom>
+            <a:solidFill>
+              <a:srgbClr val="7CAE00">
+                <a:alpha val="100000"/>
+              </a:srgbClr>
+            </a:solidFill>
+            <a:ln w="9000" cap="rnd">
+              <a:solidFill>
+                <a:srgbClr val="7CAE00">
                   <a:alpha val="100000"/>
                 </a:srgbClr>
               </a:solidFill>
@@ -5784,20 +5451,20 @@
           </p:nvSpPr>
           <p:spPr>
             <a:xfrm>
-              <a:off x="3784349" y="2580757"/>
-              <a:ext cx="49651" cy="49651"/>
-            </a:xfrm>
-            <a:prstGeom prst="ellipse">
-              <a:avLst/>
-            </a:prstGeom>
-            <a:solidFill>
-              <a:srgbClr val="F8766D">
-                <a:alpha val="100000"/>
-              </a:srgbClr>
-            </a:solidFill>
-            <a:ln w="9000" cap="rnd">
-              <a:solidFill>
-                <a:srgbClr val="F8766D">
+              <a:off x="3147837" y="3567402"/>
+              <a:ext cx="49651" cy="49651"/>
+            </a:xfrm>
+            <a:prstGeom prst="ellipse">
+              <a:avLst/>
+            </a:prstGeom>
+            <a:solidFill>
+              <a:srgbClr val="7CAE00">
+                <a:alpha val="100000"/>
+              </a:srgbClr>
+            </a:solidFill>
+            <a:ln w="9000" cap="rnd">
+              <a:solidFill>
+                <a:srgbClr val="7CAE00">
                   <a:alpha val="100000"/>
                 </a:srgbClr>
               </a:solidFill>
@@ -5819,20 +5486,20 @@
           </p:nvSpPr>
           <p:spPr>
             <a:xfrm>
-              <a:off x="3855072" y="2227447"/>
-              <a:ext cx="49651" cy="49651"/>
-            </a:xfrm>
-            <a:prstGeom prst="ellipse">
-              <a:avLst/>
-            </a:prstGeom>
-            <a:solidFill>
-              <a:srgbClr val="F8766D">
-                <a:alpha val="100000"/>
-              </a:srgbClr>
-            </a:solidFill>
-            <a:ln w="9000" cap="rnd">
-              <a:solidFill>
-                <a:srgbClr val="F8766D">
+              <a:off x="3253923" y="3345523"/>
+              <a:ext cx="49651" cy="49651"/>
+            </a:xfrm>
+            <a:prstGeom prst="ellipse">
+              <a:avLst/>
+            </a:prstGeom>
+            <a:solidFill>
+              <a:srgbClr val="7CAE00">
+                <a:alpha val="100000"/>
+              </a:srgbClr>
+            </a:solidFill>
+            <a:ln w="9000" cap="rnd">
+              <a:solidFill>
+                <a:srgbClr val="7CAE00">
                   <a:alpha val="100000"/>
                 </a:srgbClr>
               </a:solidFill>
@@ -5854,20 +5521,20 @@
           </p:nvSpPr>
           <p:spPr>
             <a:xfrm>
-              <a:off x="3925796" y="1824228"/>
-              <a:ext cx="49651" cy="49651"/>
-            </a:xfrm>
-            <a:prstGeom prst="ellipse">
-              <a:avLst/>
-            </a:prstGeom>
-            <a:solidFill>
-              <a:srgbClr val="F8766D">
-                <a:alpha val="100000"/>
-              </a:srgbClr>
-            </a:solidFill>
-            <a:ln w="9000" cap="rnd">
-              <a:solidFill>
-                <a:srgbClr val="F8766D">
+              <a:off x="3360008" y="2999602"/>
+              <a:ext cx="49651" cy="49651"/>
+            </a:xfrm>
+            <a:prstGeom prst="ellipse">
+              <a:avLst/>
+            </a:prstGeom>
+            <a:solidFill>
+              <a:srgbClr val="7CAE00">
+                <a:alpha val="100000"/>
+              </a:srgbClr>
+            </a:solidFill>
+            <a:ln w="9000" cap="rnd">
+              <a:solidFill>
+                <a:srgbClr val="7CAE00">
                   <a:alpha val="100000"/>
                 </a:srgbClr>
               </a:solidFill>
@@ -5889,20 +5556,20 @@
           </p:nvSpPr>
           <p:spPr>
             <a:xfrm>
-              <a:off x="3996519" y="1500672"/>
-              <a:ext cx="49651" cy="49651"/>
-            </a:xfrm>
-            <a:prstGeom prst="ellipse">
-              <a:avLst/>
-            </a:prstGeom>
-            <a:solidFill>
-              <a:srgbClr val="F8766D">
-                <a:alpha val="100000"/>
-              </a:srgbClr>
-            </a:solidFill>
-            <a:ln w="9000" cap="rnd">
-              <a:solidFill>
-                <a:srgbClr val="F8766D">
+              <a:off x="3430731" y="2683332"/>
+              <a:ext cx="49651" cy="49651"/>
+            </a:xfrm>
+            <a:prstGeom prst="ellipse">
+              <a:avLst/>
+            </a:prstGeom>
+            <a:solidFill>
+              <a:srgbClr val="7CAE00">
+                <a:alpha val="100000"/>
+              </a:srgbClr>
+            </a:solidFill>
+            <a:ln w="9000" cap="rnd">
+              <a:solidFill>
+                <a:srgbClr val="7CAE00">
                   <a:alpha val="100000"/>
                 </a:srgbClr>
               </a:solidFill>
@@ -5924,20 +5591,20 @@
           </p:nvSpPr>
           <p:spPr>
             <a:xfrm>
-              <a:off x="4067243" y="1276490"/>
-              <a:ext cx="49651" cy="49651"/>
-            </a:xfrm>
-            <a:prstGeom prst="ellipse">
-              <a:avLst/>
-            </a:prstGeom>
-            <a:solidFill>
-              <a:srgbClr val="F8766D">
-                <a:alpha val="100000"/>
-              </a:srgbClr>
-            </a:solidFill>
-            <a:ln w="9000" cap="rnd">
-              <a:solidFill>
-                <a:srgbClr val="F8766D">
+              <a:off x="3501455" y="2293989"/>
+              <a:ext cx="49651" cy="49651"/>
+            </a:xfrm>
+            <a:prstGeom prst="ellipse">
+              <a:avLst/>
+            </a:prstGeom>
+            <a:solidFill>
+              <a:srgbClr val="7CAE00">
+                <a:alpha val="100000"/>
+              </a:srgbClr>
+            </a:solidFill>
+            <a:ln w="9000" cap="rnd">
+              <a:solidFill>
+                <a:srgbClr val="7CAE00">
                   <a:alpha val="100000"/>
                 </a:srgbClr>
               </a:solidFill>
@@ -5959,20 +5626,20 @@
           </p:nvSpPr>
           <p:spPr>
             <a:xfrm>
-              <a:off x="4137967" y="1229990"/>
-              <a:ext cx="49651" cy="49651"/>
-            </a:xfrm>
-            <a:prstGeom prst="ellipse">
-              <a:avLst/>
-            </a:prstGeom>
-            <a:solidFill>
-              <a:srgbClr val="F8766D">
-                <a:alpha val="100000"/>
-              </a:srgbClr>
-            </a:solidFill>
-            <a:ln w="9000" cap="rnd">
-              <a:solidFill>
-                <a:srgbClr val="F8766D">
+              <a:off x="3572178" y="1902254"/>
+              <a:ext cx="49651" cy="49651"/>
+            </a:xfrm>
+            <a:prstGeom prst="ellipse">
+              <a:avLst/>
+            </a:prstGeom>
+            <a:solidFill>
+              <a:srgbClr val="7CAE00">
+                <a:alpha val="100000"/>
+              </a:srgbClr>
+            </a:solidFill>
+            <a:ln w="9000" cap="rnd">
+              <a:solidFill>
+                <a:srgbClr val="7CAE00">
                   <a:alpha val="100000"/>
                 </a:srgbClr>
               </a:solidFill>
@@ -5994,20 +5661,20 @@
           </p:nvSpPr>
           <p:spPr>
             <a:xfrm>
-              <a:off x="4208690" y="1519257"/>
-              <a:ext cx="49651" cy="49651"/>
-            </a:xfrm>
-            <a:prstGeom prst="ellipse">
-              <a:avLst/>
-            </a:prstGeom>
-            <a:solidFill>
-              <a:srgbClr val="F8766D">
-                <a:alpha val="100000"/>
-              </a:srgbClr>
-            </a:solidFill>
-            <a:ln w="9000" cap="rnd">
-              <a:solidFill>
-                <a:srgbClr val="F8766D">
+              <a:off x="3642902" y="1489768"/>
+              <a:ext cx="49651" cy="49651"/>
+            </a:xfrm>
+            <a:prstGeom prst="ellipse">
+              <a:avLst/>
+            </a:prstGeom>
+            <a:solidFill>
+              <a:srgbClr val="7CAE00">
+                <a:alpha val="100000"/>
+              </a:srgbClr>
+            </a:solidFill>
+            <a:ln w="9000" cap="rnd">
+              <a:solidFill>
+                <a:srgbClr val="7CAE00">
                   <a:alpha val="100000"/>
                 </a:srgbClr>
               </a:solidFill>
@@ -6029,20 +5696,20 @@
           </p:nvSpPr>
           <p:spPr>
             <a:xfrm>
-              <a:off x="4279414" y="1915237"/>
-              <a:ext cx="49651" cy="49651"/>
-            </a:xfrm>
-            <a:prstGeom prst="ellipse">
-              <a:avLst/>
-            </a:prstGeom>
-            <a:solidFill>
-              <a:srgbClr val="F8766D">
-                <a:alpha val="100000"/>
-              </a:srgbClr>
-            </a:solidFill>
-            <a:ln w="9000" cap="rnd">
-              <a:solidFill>
-                <a:srgbClr val="F8766D">
+              <a:off x="3713625" y="1246743"/>
+              <a:ext cx="49651" cy="49651"/>
+            </a:xfrm>
+            <a:prstGeom prst="ellipse">
+              <a:avLst/>
+            </a:prstGeom>
+            <a:solidFill>
+              <a:srgbClr val="7CAE00">
+                <a:alpha val="100000"/>
+              </a:srgbClr>
+            </a:solidFill>
+            <a:ln w="9000" cap="rnd">
+              <a:solidFill>
+                <a:srgbClr val="7CAE00">
                   <a:alpha val="100000"/>
                 </a:srgbClr>
               </a:solidFill>
@@ -6064,20 +5731,20 @@
           </p:nvSpPr>
           <p:spPr>
             <a:xfrm>
-              <a:off x="4350137" y="2263120"/>
-              <a:ext cx="49651" cy="49651"/>
-            </a:xfrm>
-            <a:prstGeom prst="ellipse">
-              <a:avLst/>
-            </a:prstGeom>
-            <a:solidFill>
-              <a:srgbClr val="F8766D">
-                <a:alpha val="100000"/>
-              </a:srgbClr>
-            </a:solidFill>
-            <a:ln w="9000" cap="rnd">
-              <a:solidFill>
-                <a:srgbClr val="F8766D">
+              <a:off x="3784349" y="1103952"/>
+              <a:ext cx="49651" cy="49651"/>
+            </a:xfrm>
+            <a:prstGeom prst="ellipse">
+              <a:avLst/>
+            </a:prstGeom>
+            <a:solidFill>
+              <a:srgbClr val="7CAE00">
+                <a:alpha val="100000"/>
+              </a:srgbClr>
+            </a:solidFill>
+            <a:ln w="9000" cap="rnd">
+              <a:solidFill>
+                <a:srgbClr val="7CAE00">
                   <a:alpha val="100000"/>
                 </a:srgbClr>
               </a:solidFill>
@@ -6099,20 +5766,20 @@
           </p:nvSpPr>
           <p:spPr>
             <a:xfrm>
-              <a:off x="4420861" y="2550488"/>
-              <a:ext cx="49651" cy="49651"/>
-            </a:xfrm>
-            <a:prstGeom prst="ellipse">
-              <a:avLst/>
-            </a:prstGeom>
-            <a:solidFill>
-              <a:srgbClr val="F8766D">
-                <a:alpha val="100000"/>
-              </a:srgbClr>
-            </a:solidFill>
-            <a:ln w="9000" cap="rnd">
-              <a:solidFill>
-                <a:srgbClr val="F8766D">
+              <a:off x="3855072" y="1105530"/>
+              <a:ext cx="49651" cy="49651"/>
+            </a:xfrm>
+            <a:prstGeom prst="ellipse">
+              <a:avLst/>
+            </a:prstGeom>
+            <a:solidFill>
+              <a:srgbClr val="7CAE00">
+                <a:alpha val="100000"/>
+              </a:srgbClr>
+            </a:solidFill>
+            <a:ln w="9000" cap="rnd">
+              <a:solidFill>
+                <a:srgbClr val="7CAE00">
                   <a:alpha val="100000"/>
                 </a:srgbClr>
               </a:solidFill>
@@ -6134,20 +5801,20 @@
           </p:nvSpPr>
           <p:spPr>
             <a:xfrm>
-              <a:off x="4491584" y="2769217"/>
-              <a:ext cx="49651" cy="49651"/>
-            </a:xfrm>
-            <a:prstGeom prst="ellipse">
-              <a:avLst/>
-            </a:prstGeom>
-            <a:solidFill>
-              <a:srgbClr val="F8766D">
-                <a:alpha val="100000"/>
-              </a:srgbClr>
-            </a:solidFill>
-            <a:ln w="9000" cap="rnd">
-              <a:solidFill>
-                <a:srgbClr val="F8766D">
+              <a:off x="3925796" y="1197904"/>
+              <a:ext cx="49651" cy="49651"/>
+            </a:xfrm>
+            <a:prstGeom prst="ellipse">
+              <a:avLst/>
+            </a:prstGeom>
+            <a:solidFill>
+              <a:srgbClr val="7CAE00">
+                <a:alpha val="100000"/>
+              </a:srgbClr>
+            </a:solidFill>
+            <a:ln w="9000" cap="rnd">
+              <a:solidFill>
+                <a:srgbClr val="7CAE00">
                   <a:alpha val="100000"/>
                 </a:srgbClr>
               </a:solidFill>
@@ -6169,20 +5836,20 @@
           </p:nvSpPr>
           <p:spPr>
             <a:xfrm>
-              <a:off x="4562308" y="2888413"/>
-              <a:ext cx="49651" cy="49651"/>
-            </a:xfrm>
-            <a:prstGeom prst="ellipse">
-              <a:avLst/>
-            </a:prstGeom>
-            <a:solidFill>
-              <a:srgbClr val="F8766D">
-                <a:alpha val="100000"/>
-              </a:srgbClr>
-            </a:solidFill>
-            <a:ln w="9000" cap="rnd">
-              <a:solidFill>
-                <a:srgbClr val="F8766D">
+              <a:off x="3996519" y="1330810"/>
+              <a:ext cx="49651" cy="49651"/>
+            </a:xfrm>
+            <a:prstGeom prst="ellipse">
+              <a:avLst/>
+            </a:prstGeom>
+            <a:solidFill>
+              <a:srgbClr val="7CAE00">
+                <a:alpha val="100000"/>
+              </a:srgbClr>
+            </a:solidFill>
+            <a:ln w="9000" cap="rnd">
+              <a:solidFill>
+                <a:srgbClr val="7CAE00">
                   <a:alpha val="100000"/>
                 </a:srgbClr>
               </a:solidFill>
@@ -6204,20 +5871,20 @@
           </p:nvSpPr>
           <p:spPr>
             <a:xfrm>
-              <a:off x="4633031" y="2883144"/>
-              <a:ext cx="49651" cy="49651"/>
-            </a:xfrm>
-            <a:prstGeom prst="ellipse">
-              <a:avLst/>
-            </a:prstGeom>
-            <a:solidFill>
-              <a:srgbClr val="F8766D">
-                <a:alpha val="100000"/>
-              </a:srgbClr>
-            </a:solidFill>
-            <a:ln w="9000" cap="rnd">
-              <a:solidFill>
-                <a:srgbClr val="F8766D">
+              <a:off x="4067243" y="1572645"/>
+              <a:ext cx="49651" cy="49651"/>
+            </a:xfrm>
+            <a:prstGeom prst="ellipse">
+              <a:avLst/>
+            </a:prstGeom>
+            <a:solidFill>
+              <a:srgbClr val="7CAE00">
+                <a:alpha val="100000"/>
+              </a:srgbClr>
+            </a:solidFill>
+            <a:ln w="9000" cap="rnd">
+              <a:solidFill>
+                <a:srgbClr val="7CAE00">
                   <a:alpha val="100000"/>
                 </a:srgbClr>
               </a:solidFill>
@@ -6239,20 +5906,20 @@
           </p:nvSpPr>
           <p:spPr>
             <a:xfrm>
-              <a:off x="4703755" y="2804128"/>
-              <a:ext cx="49651" cy="49651"/>
-            </a:xfrm>
-            <a:prstGeom prst="ellipse">
-              <a:avLst/>
-            </a:prstGeom>
-            <a:solidFill>
-              <a:srgbClr val="F8766D">
-                <a:alpha val="100000"/>
-              </a:srgbClr>
-            </a:solidFill>
-            <a:ln w="9000" cap="rnd">
-              <a:solidFill>
-                <a:srgbClr val="F8766D">
+              <a:off x="4137967" y="1854058"/>
+              <a:ext cx="49651" cy="49651"/>
+            </a:xfrm>
+            <a:prstGeom prst="ellipse">
+              <a:avLst/>
+            </a:prstGeom>
+            <a:solidFill>
+              <a:srgbClr val="7CAE00">
+                <a:alpha val="100000"/>
+              </a:srgbClr>
+            </a:solidFill>
+            <a:ln w="9000" cap="rnd">
+              <a:solidFill>
+                <a:srgbClr val="7CAE00">
                   <a:alpha val="100000"/>
                 </a:srgbClr>
               </a:solidFill>
@@ -6274,20 +5941,20 @@
           </p:nvSpPr>
           <p:spPr>
             <a:xfrm>
-              <a:off x="4774478" y="2664031"/>
-              <a:ext cx="49651" cy="49651"/>
-            </a:xfrm>
-            <a:prstGeom prst="ellipse">
-              <a:avLst/>
-            </a:prstGeom>
-            <a:solidFill>
-              <a:srgbClr val="F8766D">
-                <a:alpha val="100000"/>
-              </a:srgbClr>
-            </a:solidFill>
-            <a:ln w="9000" cap="rnd">
-              <a:solidFill>
-                <a:srgbClr val="F8766D">
+              <a:off x="4208690" y="2155827"/>
+              <a:ext cx="49651" cy="49651"/>
+            </a:xfrm>
+            <a:prstGeom prst="ellipse">
+              <a:avLst/>
+            </a:prstGeom>
+            <a:solidFill>
+              <a:srgbClr val="7CAE00">
+                <a:alpha val="100000"/>
+              </a:srgbClr>
+            </a:solidFill>
+            <a:ln w="9000" cap="rnd">
+              <a:solidFill>
+                <a:srgbClr val="7CAE00">
                   <a:alpha val="100000"/>
                 </a:srgbClr>
               </a:solidFill>
@@ -6309,20 +5976,20 @@
           </p:nvSpPr>
           <p:spPr>
             <a:xfrm>
-              <a:off x="4845202" y="2586111"/>
-              <a:ext cx="49651" cy="49651"/>
-            </a:xfrm>
-            <a:prstGeom prst="ellipse">
-              <a:avLst/>
-            </a:prstGeom>
-            <a:solidFill>
-              <a:srgbClr val="F8766D">
-                <a:alpha val="100000"/>
-              </a:srgbClr>
-            </a:solidFill>
-            <a:ln w="9000" cap="rnd">
-              <a:solidFill>
-                <a:srgbClr val="F8766D">
+              <a:off x="4279414" y="2475554"/>
+              <a:ext cx="49651" cy="49651"/>
+            </a:xfrm>
+            <a:prstGeom prst="ellipse">
+              <a:avLst/>
+            </a:prstGeom>
+            <a:solidFill>
+              <a:srgbClr val="7CAE00">
+                <a:alpha val="100000"/>
+              </a:srgbClr>
+            </a:solidFill>
+            <a:ln w="9000" cap="rnd">
+              <a:solidFill>
+                <a:srgbClr val="7CAE00">
                   <a:alpha val="100000"/>
                 </a:srgbClr>
               </a:solidFill>
@@ -6344,20 +6011,20 @@
           </p:nvSpPr>
           <p:spPr>
             <a:xfrm>
-              <a:off x="4915925" y="2535292"/>
-              <a:ext cx="49651" cy="49651"/>
-            </a:xfrm>
-            <a:prstGeom prst="ellipse">
-              <a:avLst/>
-            </a:prstGeom>
-            <a:solidFill>
-              <a:srgbClr val="F8766D">
-                <a:alpha val="100000"/>
-              </a:srgbClr>
-            </a:solidFill>
-            <a:ln w="9000" cap="rnd">
-              <a:solidFill>
-                <a:srgbClr val="F8766D">
+              <a:off x="4385499" y="2880232"/>
+              <a:ext cx="49651" cy="49651"/>
+            </a:xfrm>
+            <a:prstGeom prst="ellipse">
+              <a:avLst/>
+            </a:prstGeom>
+            <a:solidFill>
+              <a:srgbClr val="7CAE00">
+                <a:alpha val="100000"/>
+              </a:srgbClr>
+            </a:solidFill>
+            <a:ln w="9000" cap="rnd">
+              <a:solidFill>
+                <a:srgbClr val="7CAE00">
                   <a:alpha val="100000"/>
                 </a:srgbClr>
               </a:solidFill>
@@ -6379,20 +6046,20 @@
           </p:nvSpPr>
           <p:spPr>
             <a:xfrm>
-              <a:off x="4986649" y="2691126"/>
-              <a:ext cx="49651" cy="49651"/>
-            </a:xfrm>
-            <a:prstGeom prst="ellipse">
-              <a:avLst/>
-            </a:prstGeom>
-            <a:solidFill>
-              <a:srgbClr val="F8766D">
-                <a:alpha val="100000"/>
-              </a:srgbClr>
-            </a:solidFill>
-            <a:ln w="9000" cap="rnd">
-              <a:solidFill>
-                <a:srgbClr val="F8766D">
+              <a:off x="4491584" y="3195958"/>
+              <a:ext cx="49651" cy="49651"/>
+            </a:xfrm>
+            <a:prstGeom prst="ellipse">
+              <a:avLst/>
+            </a:prstGeom>
+            <a:solidFill>
+              <a:srgbClr val="7CAE00">
+                <a:alpha val="100000"/>
+              </a:srgbClr>
+            </a:solidFill>
+            <a:ln w="9000" cap="rnd">
+              <a:solidFill>
+                <a:srgbClr val="7CAE00">
                   <a:alpha val="100000"/>
                 </a:srgbClr>
               </a:solidFill>
@@ -6414,20 +6081,20 @@
           </p:nvSpPr>
           <p:spPr>
             <a:xfrm>
-              <a:off x="5057372" y="2898354"/>
-              <a:ext cx="49651" cy="49651"/>
-            </a:xfrm>
-            <a:prstGeom prst="ellipse">
-              <a:avLst/>
-            </a:prstGeom>
-            <a:solidFill>
-              <a:srgbClr val="F8766D">
-                <a:alpha val="100000"/>
-              </a:srgbClr>
-            </a:solidFill>
-            <a:ln w="9000" cap="rnd">
-              <a:solidFill>
-                <a:srgbClr val="F8766D">
+              <a:off x="4562308" y="3361660"/>
+              <a:ext cx="49651" cy="49651"/>
+            </a:xfrm>
+            <a:prstGeom prst="ellipse">
+              <a:avLst/>
+            </a:prstGeom>
+            <a:solidFill>
+              <a:srgbClr val="7CAE00">
+                <a:alpha val="100000"/>
+              </a:srgbClr>
+            </a:solidFill>
+            <a:ln w="9000" cap="rnd">
+              <a:solidFill>
+                <a:srgbClr val="7CAE00">
                   <a:alpha val="100000"/>
                 </a:srgbClr>
               </a:solidFill>
@@ -6449,20 +6116,20 @@
           </p:nvSpPr>
           <p:spPr>
             <a:xfrm>
-              <a:off x="5128096" y="3193665"/>
-              <a:ext cx="49651" cy="49651"/>
-            </a:xfrm>
-            <a:prstGeom prst="ellipse">
-              <a:avLst/>
-            </a:prstGeom>
-            <a:solidFill>
-              <a:srgbClr val="F8766D">
-                <a:alpha val="100000"/>
-              </a:srgbClr>
-            </a:solidFill>
-            <a:ln w="9000" cap="rnd">
-              <a:solidFill>
-                <a:srgbClr val="F8766D">
+              <a:off x="4633031" y="3504941"/>
+              <a:ext cx="49651" cy="49651"/>
+            </a:xfrm>
+            <a:prstGeom prst="ellipse">
+              <a:avLst/>
+            </a:prstGeom>
+            <a:solidFill>
+              <a:srgbClr val="7CAE00">
+                <a:alpha val="100000"/>
+              </a:srgbClr>
+            </a:solidFill>
+            <a:ln w="9000" cap="rnd">
+              <a:solidFill>
+                <a:srgbClr val="7CAE00">
                   <a:alpha val="100000"/>
                 </a:srgbClr>
               </a:solidFill>
@@ -6484,20 +6151,20 @@
           </p:nvSpPr>
           <p:spPr>
             <a:xfrm>
-              <a:off x="5198819" y="3428714"/>
-              <a:ext cx="49651" cy="49651"/>
-            </a:xfrm>
-            <a:prstGeom prst="ellipse">
-              <a:avLst/>
-            </a:prstGeom>
-            <a:solidFill>
-              <a:srgbClr val="F8766D">
-                <a:alpha val="100000"/>
-              </a:srgbClr>
-            </a:solidFill>
-            <a:ln w="9000" cap="rnd">
-              <a:solidFill>
-                <a:srgbClr val="F8766D">
+              <a:off x="4845202" y="3787575"/>
+              <a:ext cx="49651" cy="49651"/>
+            </a:xfrm>
+            <a:prstGeom prst="ellipse">
+              <a:avLst/>
+            </a:prstGeom>
+            <a:solidFill>
+              <a:srgbClr val="7CAE00">
+                <a:alpha val="100000"/>
+              </a:srgbClr>
+            </a:solidFill>
+            <a:ln w="9000" cap="rnd">
+              <a:solidFill>
+                <a:srgbClr val="7CAE00">
                   <a:alpha val="100000"/>
                 </a:srgbClr>
               </a:solidFill>
@@ -6519,20 +6186,20 @@
           </p:nvSpPr>
           <p:spPr>
             <a:xfrm>
-              <a:off x="5269543" y="3606598"/>
-              <a:ext cx="49651" cy="49651"/>
-            </a:xfrm>
-            <a:prstGeom prst="ellipse">
-              <a:avLst/>
-            </a:prstGeom>
-            <a:solidFill>
-              <a:srgbClr val="F8766D">
-                <a:alpha val="100000"/>
-              </a:srgbClr>
-            </a:solidFill>
-            <a:ln w="9000" cap="rnd">
-              <a:solidFill>
-                <a:srgbClr val="F8766D">
+              <a:off x="5057372" y="3917763"/>
+              <a:ext cx="49651" cy="49651"/>
+            </a:xfrm>
+            <a:prstGeom prst="ellipse">
+              <a:avLst/>
+            </a:prstGeom>
+            <a:solidFill>
+              <a:srgbClr val="7CAE00">
+                <a:alpha val="100000"/>
+              </a:srgbClr>
+            </a:solidFill>
+            <a:ln w="9000" cap="rnd">
+              <a:solidFill>
+                <a:srgbClr val="7CAE00">
                   <a:alpha val="100000"/>
                 </a:srgbClr>
               </a:solidFill>
@@ -6554,20 +6221,20 @@
           </p:nvSpPr>
           <p:spPr>
             <a:xfrm>
-              <a:off x="5340266" y="3723989"/>
-              <a:ext cx="49651" cy="49651"/>
-            </a:xfrm>
-            <a:prstGeom prst="ellipse">
-              <a:avLst/>
-            </a:prstGeom>
-            <a:solidFill>
-              <a:srgbClr val="F8766D">
-                <a:alpha val="100000"/>
-              </a:srgbClr>
-            </a:solidFill>
-            <a:ln w="9000" cap="rnd">
-              <a:solidFill>
-                <a:srgbClr val="F8766D">
+              <a:off x="5269543" y="3974782"/>
+              <a:ext cx="49651" cy="49651"/>
+            </a:xfrm>
+            <a:prstGeom prst="ellipse">
+              <a:avLst/>
+            </a:prstGeom>
+            <a:solidFill>
+              <a:srgbClr val="7CAE00">
+                <a:alpha val="100000"/>
+              </a:srgbClr>
+            </a:solidFill>
+            <a:ln w="9000" cap="rnd">
+              <a:solidFill>
+                <a:srgbClr val="7CAE00">
                   <a:alpha val="100000"/>
                 </a:srgbClr>
               </a:solidFill>
@@ -6589,20 +6256,20 @@
           </p:nvSpPr>
           <p:spPr>
             <a:xfrm>
-              <a:off x="5410990" y="3805231"/>
-              <a:ext cx="49651" cy="49651"/>
-            </a:xfrm>
-            <a:prstGeom prst="ellipse">
-              <a:avLst/>
-            </a:prstGeom>
-            <a:solidFill>
-              <a:srgbClr val="F8766D">
-                <a:alpha val="100000"/>
-              </a:srgbClr>
-            </a:solidFill>
-            <a:ln w="9000" cap="rnd">
-              <a:solidFill>
-                <a:srgbClr val="F8766D">
+              <a:off x="2334517" y="3999749"/>
+              <a:ext cx="49651" cy="49651"/>
+            </a:xfrm>
+            <a:prstGeom prst="ellipse">
+              <a:avLst/>
+            </a:prstGeom>
+            <a:solidFill>
+              <a:srgbClr val="00BFC4">
+                <a:alpha val="100000"/>
+              </a:srgbClr>
+            </a:solidFill>
+            <a:ln w="9000" cap="rnd">
+              <a:solidFill>
+                <a:srgbClr val="00BFC4">
                   <a:alpha val="100000"/>
                 </a:srgbClr>
               </a:solidFill>
@@ -6624,20 +6291,20 @@
           </p:nvSpPr>
           <p:spPr>
             <a:xfrm>
-              <a:off x="1662644" y="3960988"/>
-              <a:ext cx="49651" cy="49651"/>
-            </a:xfrm>
-            <a:prstGeom prst="ellipse">
-              <a:avLst/>
-            </a:prstGeom>
-            <a:solidFill>
-              <a:srgbClr val="7CAE00">
-                <a:alpha val="100000"/>
-              </a:srgbClr>
-            </a:solidFill>
-            <a:ln w="9000" cap="rnd">
-              <a:solidFill>
-                <a:srgbClr val="7CAE00">
+              <a:off x="3112476" y="3866245"/>
+              <a:ext cx="49651" cy="49651"/>
+            </a:xfrm>
+            <a:prstGeom prst="ellipse">
+              <a:avLst/>
+            </a:prstGeom>
+            <a:solidFill>
+              <a:srgbClr val="00BFC4">
+                <a:alpha val="100000"/>
+              </a:srgbClr>
+            </a:solidFill>
+            <a:ln w="9000" cap="rnd">
+              <a:solidFill>
+                <a:srgbClr val="00BFC4">
                   <a:alpha val="100000"/>
                 </a:srgbClr>
               </a:solidFill>
@@ -6659,20 +6326,20 @@
           </p:nvSpPr>
           <p:spPr>
             <a:xfrm>
-              <a:off x="1733367" y="3960404"/>
-              <a:ext cx="49651" cy="49651"/>
-            </a:xfrm>
-            <a:prstGeom prst="ellipse">
-              <a:avLst/>
-            </a:prstGeom>
-            <a:solidFill>
-              <a:srgbClr val="7CAE00">
-                <a:alpha val="100000"/>
-              </a:srgbClr>
-            </a:solidFill>
-            <a:ln w="9000" cap="rnd">
-              <a:solidFill>
-                <a:srgbClr val="7CAE00">
+              <a:off x="3253923" y="3766187"/>
+              <a:ext cx="49651" cy="49651"/>
+            </a:xfrm>
+            <a:prstGeom prst="ellipse">
+              <a:avLst/>
+            </a:prstGeom>
+            <a:solidFill>
+              <a:srgbClr val="00BFC4">
+                <a:alpha val="100000"/>
+              </a:srgbClr>
+            </a:solidFill>
+            <a:ln w="9000" cap="rnd">
+              <a:solidFill>
+                <a:srgbClr val="00BFC4">
                   <a:alpha val="100000"/>
                 </a:srgbClr>
               </a:solidFill>
@@ -6694,20 +6361,20 @@
           </p:nvSpPr>
           <p:spPr>
             <a:xfrm>
-              <a:off x="1804091" y="3959846"/>
-              <a:ext cx="49651" cy="49651"/>
-            </a:xfrm>
-            <a:prstGeom prst="ellipse">
-              <a:avLst/>
-            </a:prstGeom>
-            <a:solidFill>
-              <a:srgbClr val="7CAE00">
-                <a:alpha val="100000"/>
-              </a:srgbClr>
-            </a:solidFill>
-            <a:ln w="9000" cap="rnd">
-              <a:solidFill>
-                <a:srgbClr val="7CAE00">
+              <a:off x="3395370" y="3581223"/>
+              <a:ext cx="49651" cy="49651"/>
+            </a:xfrm>
+            <a:prstGeom prst="ellipse">
+              <a:avLst/>
+            </a:prstGeom>
+            <a:solidFill>
+              <a:srgbClr val="00BFC4">
+                <a:alpha val="100000"/>
+              </a:srgbClr>
+            </a:solidFill>
+            <a:ln w="9000" cap="rnd">
+              <a:solidFill>
+                <a:srgbClr val="00BFC4">
                   <a:alpha val="100000"/>
                 </a:srgbClr>
               </a:solidFill>
@@ -6729,20 +6396,20 @@
           </p:nvSpPr>
           <p:spPr>
             <a:xfrm>
-              <a:off x="1874814" y="3959398"/>
-              <a:ext cx="49651" cy="49651"/>
-            </a:xfrm>
-            <a:prstGeom prst="ellipse">
-              <a:avLst/>
-            </a:prstGeom>
-            <a:solidFill>
-              <a:srgbClr val="7CAE00">
-                <a:alpha val="100000"/>
-              </a:srgbClr>
-            </a:solidFill>
-            <a:ln w="9000" cap="rnd">
-              <a:solidFill>
-                <a:srgbClr val="7CAE00">
+              <a:off x="3501455" y="3352093"/>
+              <a:ext cx="49651" cy="49651"/>
+            </a:xfrm>
+            <a:prstGeom prst="ellipse">
+              <a:avLst/>
+            </a:prstGeom>
+            <a:solidFill>
+              <a:srgbClr val="00BFC4">
+                <a:alpha val="100000"/>
+              </a:srgbClr>
+            </a:solidFill>
+            <a:ln w="9000" cap="rnd">
+              <a:solidFill>
+                <a:srgbClr val="00BFC4">
                   <a:alpha val="100000"/>
                 </a:srgbClr>
               </a:solidFill>
@@ -6764,20 +6431,20 @@
           </p:nvSpPr>
           <p:spPr>
             <a:xfrm>
-              <a:off x="1945538" y="3959063"/>
-              <a:ext cx="49651" cy="49651"/>
-            </a:xfrm>
-            <a:prstGeom prst="ellipse">
-              <a:avLst/>
-            </a:prstGeom>
-            <a:solidFill>
-              <a:srgbClr val="7CAE00">
-                <a:alpha val="100000"/>
-              </a:srgbClr>
-            </a:solidFill>
-            <a:ln w="9000" cap="rnd">
-              <a:solidFill>
-                <a:srgbClr val="7CAE00">
+              <a:off x="3572178" y="3143736"/>
+              <a:ext cx="49651" cy="49651"/>
+            </a:xfrm>
+            <a:prstGeom prst="ellipse">
+              <a:avLst/>
+            </a:prstGeom>
+            <a:solidFill>
+              <a:srgbClr val="00BFC4">
+                <a:alpha val="100000"/>
+              </a:srgbClr>
+            </a:solidFill>
+            <a:ln w="9000" cap="rnd">
+              <a:solidFill>
+                <a:srgbClr val="00BFC4">
                   <a:alpha val="100000"/>
                 </a:srgbClr>
               </a:solidFill>
@@ -6799,20 +6466,20 @@
           </p:nvSpPr>
           <p:spPr>
             <a:xfrm>
-              <a:off x="2016261" y="3958858"/>
-              <a:ext cx="49651" cy="49651"/>
-            </a:xfrm>
-            <a:prstGeom prst="ellipse">
-              <a:avLst/>
-            </a:prstGeom>
-            <a:solidFill>
-              <a:srgbClr val="7CAE00">
-                <a:alpha val="100000"/>
-              </a:srgbClr>
-            </a:solidFill>
-            <a:ln w="9000" cap="rnd">
-              <a:solidFill>
-                <a:srgbClr val="7CAE00">
+              <a:off x="3642902" y="2881772"/>
+              <a:ext cx="49651" cy="49651"/>
+            </a:xfrm>
+            <a:prstGeom prst="ellipse">
+              <a:avLst/>
+            </a:prstGeom>
+            <a:solidFill>
+              <a:srgbClr val="00BFC4">
+                <a:alpha val="100000"/>
+              </a:srgbClr>
+            </a:solidFill>
+            <a:ln w="9000" cap="rnd">
+              <a:solidFill>
+                <a:srgbClr val="00BFC4">
                   <a:alpha val="100000"/>
                 </a:srgbClr>
               </a:solidFill>
@@ -6834,20 +6501,20 @@
           </p:nvSpPr>
           <p:spPr>
             <a:xfrm>
-              <a:off x="2086985" y="3958622"/>
-              <a:ext cx="49651" cy="49651"/>
-            </a:xfrm>
-            <a:prstGeom prst="ellipse">
-              <a:avLst/>
-            </a:prstGeom>
-            <a:solidFill>
-              <a:srgbClr val="7CAE00">
-                <a:alpha val="100000"/>
-              </a:srgbClr>
-            </a:solidFill>
-            <a:ln w="9000" cap="rnd">
-              <a:solidFill>
-                <a:srgbClr val="7CAE00">
+              <a:off x="3713625" y="2570297"/>
+              <a:ext cx="49651" cy="49651"/>
+            </a:xfrm>
+            <a:prstGeom prst="ellipse">
+              <a:avLst/>
+            </a:prstGeom>
+            <a:solidFill>
+              <a:srgbClr val="00BFC4">
+                <a:alpha val="100000"/>
+              </a:srgbClr>
+            </a:solidFill>
+            <a:ln w="9000" cap="rnd">
+              <a:solidFill>
+                <a:srgbClr val="00BFC4">
                   <a:alpha val="100000"/>
                 </a:srgbClr>
               </a:solidFill>
@@ -6869,20 +6536,20 @@
           </p:nvSpPr>
           <p:spPr>
             <a:xfrm>
-              <a:off x="2157708" y="3958371"/>
-              <a:ext cx="49651" cy="49651"/>
-            </a:xfrm>
-            <a:prstGeom prst="ellipse">
-              <a:avLst/>
-            </a:prstGeom>
-            <a:solidFill>
-              <a:srgbClr val="7CAE00">
-                <a:alpha val="100000"/>
-              </a:srgbClr>
-            </a:solidFill>
-            <a:ln w="9000" cap="rnd">
-              <a:solidFill>
-                <a:srgbClr val="7CAE00">
+              <a:off x="3784349" y="2229192"/>
+              <a:ext cx="49651" cy="49651"/>
+            </a:xfrm>
+            <a:prstGeom prst="ellipse">
+              <a:avLst/>
+            </a:prstGeom>
+            <a:solidFill>
+              <a:srgbClr val="00BFC4">
+                <a:alpha val="100000"/>
+              </a:srgbClr>
+            </a:solidFill>
+            <a:ln w="9000" cap="rnd">
+              <a:solidFill>
+                <a:srgbClr val="00BFC4">
                   <a:alpha val="100000"/>
                 </a:srgbClr>
               </a:solidFill>
@@ -6904,20 +6571,20 @@
           </p:nvSpPr>
           <p:spPr>
             <a:xfrm>
-              <a:off x="2228432" y="3957496"/>
-              <a:ext cx="49651" cy="49651"/>
-            </a:xfrm>
-            <a:prstGeom prst="ellipse">
-              <a:avLst/>
-            </a:prstGeom>
-            <a:solidFill>
-              <a:srgbClr val="7CAE00">
-                <a:alpha val="100000"/>
-              </a:srgbClr>
-            </a:solidFill>
-            <a:ln w="9000" cap="rnd">
-              <a:solidFill>
-                <a:srgbClr val="7CAE00">
+              <a:off x="3855072" y="1871072"/>
+              <a:ext cx="49651" cy="49651"/>
+            </a:xfrm>
+            <a:prstGeom prst="ellipse">
+              <a:avLst/>
+            </a:prstGeom>
+            <a:solidFill>
+              <a:srgbClr val="00BFC4">
+                <a:alpha val="100000"/>
+              </a:srgbClr>
+            </a:solidFill>
+            <a:ln w="9000" cap="rnd">
+              <a:solidFill>
+                <a:srgbClr val="00BFC4">
                   <a:alpha val="100000"/>
                 </a:srgbClr>
               </a:solidFill>
@@ -6939,20 +6606,20 @@
           </p:nvSpPr>
           <p:spPr>
             <a:xfrm>
-              <a:off x="2299155" y="3956315"/>
-              <a:ext cx="49651" cy="49651"/>
-            </a:xfrm>
-            <a:prstGeom prst="ellipse">
-              <a:avLst/>
-            </a:prstGeom>
-            <a:solidFill>
-              <a:srgbClr val="7CAE00">
-                <a:alpha val="100000"/>
-              </a:srgbClr>
-            </a:solidFill>
-            <a:ln w="9000" cap="rnd">
-              <a:solidFill>
-                <a:srgbClr val="7CAE00">
+              <a:off x="3925796" y="1545251"/>
+              <a:ext cx="49651" cy="49651"/>
+            </a:xfrm>
+            <a:prstGeom prst="ellipse">
+              <a:avLst/>
+            </a:prstGeom>
+            <a:solidFill>
+              <a:srgbClr val="00BFC4">
+                <a:alpha val="100000"/>
+              </a:srgbClr>
+            </a:solidFill>
+            <a:ln w="9000" cap="rnd">
+              <a:solidFill>
+                <a:srgbClr val="00BFC4">
                   <a:alpha val="100000"/>
                 </a:srgbClr>
               </a:solidFill>
@@ -6974,20 +6641,20 @@
           </p:nvSpPr>
           <p:spPr>
             <a:xfrm>
-              <a:off x="2369879" y="3953829"/>
-              <a:ext cx="49651" cy="49651"/>
-            </a:xfrm>
-            <a:prstGeom prst="ellipse">
-              <a:avLst/>
-            </a:prstGeom>
-            <a:solidFill>
-              <a:srgbClr val="7CAE00">
-                <a:alpha val="100000"/>
-              </a:srgbClr>
-            </a:solidFill>
-            <a:ln w="9000" cap="rnd">
-              <a:solidFill>
-                <a:srgbClr val="7CAE00">
+              <a:off x="3996519" y="1403246"/>
+              <a:ext cx="49651" cy="49651"/>
+            </a:xfrm>
+            <a:prstGeom prst="ellipse">
+              <a:avLst/>
+            </a:prstGeom>
+            <a:solidFill>
+              <a:srgbClr val="00BFC4">
+                <a:alpha val="100000"/>
+              </a:srgbClr>
+            </a:solidFill>
+            <a:ln w="9000" cap="rnd">
+              <a:solidFill>
+                <a:srgbClr val="00BFC4">
                   <a:alpha val="100000"/>
                 </a:srgbClr>
               </a:solidFill>
@@ -7009,20 +6676,20 @@
           </p:nvSpPr>
           <p:spPr>
             <a:xfrm>
-              <a:off x="2440602" y="3950296"/>
-              <a:ext cx="49651" cy="49651"/>
-            </a:xfrm>
-            <a:prstGeom prst="ellipse">
-              <a:avLst/>
-            </a:prstGeom>
-            <a:solidFill>
-              <a:srgbClr val="7CAE00">
-                <a:alpha val="100000"/>
-              </a:srgbClr>
-            </a:solidFill>
-            <a:ln w="9000" cap="rnd">
-              <a:solidFill>
-                <a:srgbClr val="7CAE00">
+              <a:off x="4067243" y="1422476"/>
+              <a:ext cx="49651" cy="49651"/>
+            </a:xfrm>
+            <a:prstGeom prst="ellipse">
+              <a:avLst/>
+            </a:prstGeom>
+            <a:solidFill>
+              <a:srgbClr val="00BFC4">
+                <a:alpha val="100000"/>
+              </a:srgbClr>
+            </a:solidFill>
+            <a:ln w="9000" cap="rnd">
+              <a:solidFill>
+                <a:srgbClr val="00BFC4">
                   <a:alpha val="100000"/>
                 </a:srgbClr>
               </a:solidFill>
@@ -7044,20 +6711,20 @@
           </p:nvSpPr>
           <p:spPr>
             <a:xfrm>
-              <a:off x="2511326" y="3944995"/>
-              <a:ext cx="49651" cy="49651"/>
-            </a:xfrm>
-            <a:prstGeom prst="ellipse">
-              <a:avLst/>
-            </a:prstGeom>
-            <a:solidFill>
-              <a:srgbClr val="7CAE00">
-                <a:alpha val="100000"/>
-              </a:srgbClr>
-            </a:solidFill>
-            <a:ln w="9000" cap="rnd">
-              <a:solidFill>
-                <a:srgbClr val="7CAE00">
+              <a:off x="4137967" y="1602675"/>
+              <a:ext cx="49651" cy="49651"/>
+            </a:xfrm>
+            <a:prstGeom prst="ellipse">
+              <a:avLst/>
+            </a:prstGeom>
+            <a:solidFill>
+              <a:srgbClr val="00BFC4">
+                <a:alpha val="100000"/>
+              </a:srgbClr>
+            </a:solidFill>
+            <a:ln w="9000" cap="rnd">
+              <a:solidFill>
+                <a:srgbClr val="00BFC4">
                   <a:alpha val="100000"/>
                 </a:srgbClr>
               </a:solidFill>
@@ -7079,20 +6746,20 @@
           </p:nvSpPr>
           <p:spPr>
             <a:xfrm>
-              <a:off x="2582049" y="3937053"/>
-              <a:ext cx="49651" cy="49651"/>
-            </a:xfrm>
-            <a:prstGeom prst="ellipse">
-              <a:avLst/>
-            </a:prstGeom>
-            <a:solidFill>
-              <a:srgbClr val="7CAE00">
-                <a:alpha val="100000"/>
-              </a:srgbClr>
-            </a:solidFill>
-            <a:ln w="9000" cap="rnd">
-              <a:solidFill>
-                <a:srgbClr val="7CAE00">
+              <a:off x="4208690" y="1952361"/>
+              <a:ext cx="49651" cy="49651"/>
+            </a:xfrm>
+            <a:prstGeom prst="ellipse">
+              <a:avLst/>
+            </a:prstGeom>
+            <a:solidFill>
+              <a:srgbClr val="00BFC4">
+                <a:alpha val="100000"/>
+              </a:srgbClr>
+            </a:solidFill>
+            <a:ln w="9000" cap="rnd">
+              <a:solidFill>
+                <a:srgbClr val="00BFC4">
                   <a:alpha val="100000"/>
                 </a:srgbClr>
               </a:solidFill>
@@ -7114,20 +6781,20 @@
           </p:nvSpPr>
           <p:spPr>
             <a:xfrm>
-              <a:off x="2652773" y="3926551"/>
-              <a:ext cx="49651" cy="49651"/>
-            </a:xfrm>
-            <a:prstGeom prst="ellipse">
-              <a:avLst/>
-            </a:prstGeom>
-            <a:solidFill>
-              <a:srgbClr val="7CAE00">
-                <a:alpha val="100000"/>
-              </a:srgbClr>
-            </a:solidFill>
-            <a:ln w="9000" cap="rnd">
-              <a:solidFill>
-                <a:srgbClr val="7CAE00">
+              <a:off x="4279414" y="2301796"/>
+              <a:ext cx="49651" cy="49651"/>
+            </a:xfrm>
+            <a:prstGeom prst="ellipse">
+              <a:avLst/>
+            </a:prstGeom>
+            <a:solidFill>
+              <a:srgbClr val="00BFC4">
+                <a:alpha val="100000"/>
+              </a:srgbClr>
+            </a:solidFill>
+            <a:ln w="9000" cap="rnd">
+              <a:solidFill>
+                <a:srgbClr val="00BFC4">
                   <a:alpha val="100000"/>
                 </a:srgbClr>
               </a:solidFill>
@@ -7149,20 +6816,20 @@
           </p:nvSpPr>
           <p:spPr>
             <a:xfrm>
-              <a:off x="2723496" y="3910267"/>
-              <a:ext cx="49651" cy="49651"/>
-            </a:xfrm>
-            <a:prstGeom prst="ellipse">
-              <a:avLst/>
-            </a:prstGeom>
-            <a:solidFill>
-              <a:srgbClr val="7CAE00">
-                <a:alpha val="100000"/>
-              </a:srgbClr>
-            </a:solidFill>
-            <a:ln w="9000" cap="rnd">
-              <a:solidFill>
-                <a:srgbClr val="7CAE00">
+              <a:off x="4350137" y="2623830"/>
+              <a:ext cx="49651" cy="49651"/>
+            </a:xfrm>
+            <a:prstGeom prst="ellipse">
+              <a:avLst/>
+            </a:prstGeom>
+            <a:solidFill>
+              <a:srgbClr val="00BFC4">
+                <a:alpha val="100000"/>
+              </a:srgbClr>
+            </a:solidFill>
+            <a:ln w="9000" cap="rnd">
+              <a:solidFill>
+                <a:srgbClr val="00BFC4">
                   <a:alpha val="100000"/>
                 </a:srgbClr>
               </a:solidFill>
@@ -7184,20 +6851,20 @@
           </p:nvSpPr>
           <p:spPr>
             <a:xfrm>
-              <a:off x="2794220" y="3889101"/>
-              <a:ext cx="49651" cy="49651"/>
-            </a:xfrm>
-            <a:prstGeom prst="ellipse">
-              <a:avLst/>
-            </a:prstGeom>
-            <a:solidFill>
-              <a:srgbClr val="7CAE00">
-                <a:alpha val="100000"/>
-              </a:srgbClr>
-            </a:solidFill>
-            <a:ln w="9000" cap="rnd">
-              <a:solidFill>
-                <a:srgbClr val="7CAE00">
+              <a:off x="4420861" y="2895943"/>
+              <a:ext cx="49651" cy="49651"/>
+            </a:xfrm>
+            <a:prstGeom prst="ellipse">
+              <a:avLst/>
+            </a:prstGeom>
+            <a:solidFill>
+              <a:srgbClr val="00BFC4">
+                <a:alpha val="100000"/>
+              </a:srgbClr>
+            </a:solidFill>
+            <a:ln w="9000" cap="rnd">
+              <a:solidFill>
+                <a:srgbClr val="00BFC4">
                   <a:alpha val="100000"/>
                 </a:srgbClr>
               </a:solidFill>
@@ -7219,20 +6886,20 @@
           </p:nvSpPr>
           <p:spPr>
             <a:xfrm>
-              <a:off x="2864943" y="3857420"/>
-              <a:ext cx="49651" cy="49651"/>
-            </a:xfrm>
-            <a:prstGeom prst="ellipse">
-              <a:avLst/>
-            </a:prstGeom>
-            <a:solidFill>
-              <a:srgbClr val="7CAE00">
-                <a:alpha val="100000"/>
-              </a:srgbClr>
-            </a:solidFill>
-            <a:ln w="9000" cap="rnd">
-              <a:solidFill>
-                <a:srgbClr val="7CAE00">
+              <a:off x="4491584" y="3105405"/>
+              <a:ext cx="49651" cy="49651"/>
+            </a:xfrm>
+            <a:prstGeom prst="ellipse">
+              <a:avLst/>
+            </a:prstGeom>
+            <a:solidFill>
+              <a:srgbClr val="00BFC4">
+                <a:alpha val="100000"/>
+              </a:srgbClr>
+            </a:solidFill>
+            <a:ln w="9000" cap="rnd">
+              <a:solidFill>
+                <a:srgbClr val="00BFC4">
                   <a:alpha val="100000"/>
                 </a:srgbClr>
               </a:solidFill>
@@ -7254,20 +6921,20 @@
           </p:nvSpPr>
           <p:spPr>
             <a:xfrm>
-              <a:off x="2935667" y="3815385"/>
-              <a:ext cx="49651" cy="49651"/>
-            </a:xfrm>
-            <a:prstGeom prst="ellipse">
-              <a:avLst/>
-            </a:prstGeom>
-            <a:solidFill>
-              <a:srgbClr val="7CAE00">
-                <a:alpha val="100000"/>
-              </a:srgbClr>
-            </a:solidFill>
-            <a:ln w="9000" cap="rnd">
-              <a:solidFill>
-                <a:srgbClr val="7CAE00">
+              <a:off x="4597669" y="3332641"/>
+              <a:ext cx="49651" cy="49651"/>
+            </a:xfrm>
+            <a:prstGeom prst="ellipse">
+              <a:avLst/>
+            </a:prstGeom>
+            <a:solidFill>
+              <a:srgbClr val="00BFC4">
+                <a:alpha val="100000"/>
+              </a:srgbClr>
+            </a:solidFill>
+            <a:ln w="9000" cap="rnd">
+              <a:solidFill>
+                <a:srgbClr val="00BFC4">
                   <a:alpha val="100000"/>
                 </a:srgbClr>
               </a:solidFill>
@@ -7289,20 +6956,20 @@
           </p:nvSpPr>
           <p:spPr>
             <a:xfrm>
-              <a:off x="3006390" y="3757578"/>
-              <a:ext cx="49651" cy="49651"/>
-            </a:xfrm>
-            <a:prstGeom prst="ellipse">
-              <a:avLst/>
-            </a:prstGeom>
-            <a:solidFill>
-              <a:srgbClr val="7CAE00">
-                <a:alpha val="100000"/>
-              </a:srgbClr>
-            </a:solidFill>
-            <a:ln w="9000" cap="rnd">
-              <a:solidFill>
-                <a:srgbClr val="7CAE00">
+              <a:off x="4703755" y="3485212"/>
+              <a:ext cx="49651" cy="49651"/>
+            </a:xfrm>
+            <a:prstGeom prst="ellipse">
+              <a:avLst/>
+            </a:prstGeom>
+            <a:solidFill>
+              <a:srgbClr val="00BFC4">
+                <a:alpha val="100000"/>
+              </a:srgbClr>
+            </a:solidFill>
+            <a:ln w="9000" cap="rnd">
+              <a:solidFill>
+                <a:srgbClr val="00BFC4">
                   <a:alpha val="100000"/>
                 </a:srgbClr>
               </a:solidFill>
@@ -7324,20 +6991,20 @@
           </p:nvSpPr>
           <p:spPr>
             <a:xfrm>
-              <a:off x="3077114" y="3680890"/>
-              <a:ext cx="49651" cy="49651"/>
-            </a:xfrm>
-            <a:prstGeom prst="ellipse">
-              <a:avLst/>
-            </a:prstGeom>
-            <a:solidFill>
-              <a:srgbClr val="7CAE00">
-                <a:alpha val="100000"/>
-              </a:srgbClr>
-            </a:solidFill>
-            <a:ln w="9000" cap="rnd">
-              <a:solidFill>
-                <a:srgbClr val="7CAE00">
+              <a:off x="4774478" y="3563815"/>
+              <a:ext cx="49651" cy="49651"/>
+            </a:xfrm>
+            <a:prstGeom prst="ellipse">
+              <a:avLst/>
+            </a:prstGeom>
+            <a:solidFill>
+              <a:srgbClr val="00BFC4">
+                <a:alpha val="100000"/>
+              </a:srgbClr>
+            </a:solidFill>
+            <a:ln w="9000" cap="rnd">
+              <a:solidFill>
+                <a:srgbClr val="00BFC4">
                   <a:alpha val="100000"/>
                 </a:srgbClr>
               </a:solidFill>
@@ -7359,20 +7026,20 @@
           </p:nvSpPr>
           <p:spPr>
             <a:xfrm>
-              <a:off x="3147837" y="3579156"/>
-              <a:ext cx="49651" cy="49651"/>
-            </a:xfrm>
-            <a:prstGeom prst="ellipse">
-              <a:avLst/>
-            </a:prstGeom>
-            <a:solidFill>
-              <a:srgbClr val="7CAE00">
-                <a:alpha val="100000"/>
-              </a:srgbClr>
-            </a:solidFill>
-            <a:ln w="9000" cap="rnd">
-              <a:solidFill>
-                <a:srgbClr val="7CAE00">
+              <a:off x="4915925" y="3690247"/>
+              <a:ext cx="49651" cy="49651"/>
+            </a:xfrm>
+            <a:prstGeom prst="ellipse">
+              <a:avLst/>
+            </a:prstGeom>
+            <a:solidFill>
+              <a:srgbClr val="00BFC4">
+                <a:alpha val="100000"/>
+              </a:srgbClr>
+            </a:solidFill>
+            <a:ln w="9000" cap="rnd">
+              <a:solidFill>
+                <a:srgbClr val="00BFC4">
                   <a:alpha val="100000"/>
                 </a:srgbClr>
               </a:solidFill>
@@ -7394,20 +7061,20 @@
           </p:nvSpPr>
           <p:spPr>
             <a:xfrm>
-              <a:off x="3218561" y="3441178"/>
-              <a:ext cx="49651" cy="49651"/>
-            </a:xfrm>
-            <a:prstGeom prst="ellipse">
-              <a:avLst/>
-            </a:prstGeom>
-            <a:solidFill>
-              <a:srgbClr val="7CAE00">
-                <a:alpha val="100000"/>
-              </a:srgbClr>
-            </a:solidFill>
-            <a:ln w="9000" cap="rnd">
-              <a:solidFill>
-                <a:srgbClr val="7CAE00">
+              <a:off x="5057372" y="3786520"/>
+              <a:ext cx="49651" cy="49651"/>
+            </a:xfrm>
+            <a:prstGeom prst="ellipse">
+              <a:avLst/>
+            </a:prstGeom>
+            <a:solidFill>
+              <a:srgbClr val="00BFC4">
+                <a:alpha val="100000"/>
+              </a:srgbClr>
+            </a:solidFill>
+            <a:ln w="9000" cap="rnd">
+              <a:solidFill>
+                <a:srgbClr val="00BFC4">
                   <a:alpha val="100000"/>
                 </a:srgbClr>
               </a:solidFill>
@@ -7429,20 +7096,20 @@
           </p:nvSpPr>
           <p:spPr>
             <a:xfrm>
-              <a:off x="3289284" y="3256584"/>
-              <a:ext cx="49651" cy="49651"/>
-            </a:xfrm>
-            <a:prstGeom prst="ellipse">
-              <a:avLst/>
-            </a:prstGeom>
-            <a:solidFill>
-              <a:srgbClr val="7CAE00">
-                <a:alpha val="100000"/>
-              </a:srgbClr>
-            </a:solidFill>
-            <a:ln w="9000" cap="rnd">
-              <a:solidFill>
-                <a:srgbClr val="7CAE00">
+              <a:off x="5163457" y="3845831"/>
+              <a:ext cx="49651" cy="49651"/>
+            </a:xfrm>
+            <a:prstGeom prst="ellipse">
+              <a:avLst/>
+            </a:prstGeom>
+            <a:solidFill>
+              <a:srgbClr val="00BFC4">
+                <a:alpha val="100000"/>
+              </a:srgbClr>
+            </a:solidFill>
+            <a:ln w="9000" cap="rnd">
+              <a:solidFill>
+                <a:srgbClr val="00BFC4">
                   <a:alpha val="100000"/>
                 </a:srgbClr>
               </a:solidFill>
@@ -7464,20 +7131,20 @@
           </p:nvSpPr>
           <p:spPr>
             <a:xfrm>
-              <a:off x="3360008" y="3007452"/>
-              <a:ext cx="49651" cy="49651"/>
-            </a:xfrm>
-            <a:prstGeom prst="ellipse">
-              <a:avLst/>
-            </a:prstGeom>
-            <a:solidFill>
-              <a:srgbClr val="7CAE00">
-                <a:alpha val="100000"/>
-              </a:srgbClr>
-            </a:solidFill>
-            <a:ln w="9000" cap="rnd">
-              <a:solidFill>
-                <a:srgbClr val="7CAE00">
+              <a:off x="5340266" y="3917422"/>
+              <a:ext cx="49651" cy="49651"/>
+            </a:xfrm>
+            <a:prstGeom prst="ellipse">
+              <a:avLst/>
+            </a:prstGeom>
+            <a:solidFill>
+              <a:srgbClr val="00BFC4">
+                <a:alpha val="100000"/>
+              </a:srgbClr>
+            </a:solidFill>
+            <a:ln w="9000" cap="rnd">
+              <a:solidFill>
+                <a:srgbClr val="00BFC4">
                   <a:alpha val="100000"/>
                 </a:srgbClr>
               </a:solidFill>
@@ -7499,20 +7166,20 @@
           </p:nvSpPr>
           <p:spPr>
             <a:xfrm>
-              <a:off x="3430731" y="2687545"/>
-              <a:ext cx="49651" cy="49651"/>
-            </a:xfrm>
-            <a:prstGeom prst="ellipse">
-              <a:avLst/>
-            </a:prstGeom>
-            <a:solidFill>
-              <a:srgbClr val="7CAE00">
-                <a:alpha val="100000"/>
-              </a:srgbClr>
-            </a:solidFill>
-            <a:ln w="9000" cap="rnd">
-              <a:solidFill>
-                <a:srgbClr val="7CAE00">
+              <a:off x="2299155" y="3999178"/>
+              <a:ext cx="49651" cy="49651"/>
+            </a:xfrm>
+            <a:prstGeom prst="ellipse">
+              <a:avLst/>
+            </a:prstGeom>
+            <a:solidFill>
+              <a:srgbClr val="C77CFF">
+                <a:alpha val="100000"/>
+              </a:srgbClr>
+            </a:solidFill>
+            <a:ln w="9000" cap="rnd">
+              <a:solidFill>
+                <a:srgbClr val="C77CFF">
                   <a:alpha val="100000"/>
                 </a:srgbClr>
               </a:solidFill>
@@ -7534,20 +7201,20 @@
           </p:nvSpPr>
           <p:spPr>
             <a:xfrm>
-              <a:off x="3501455" y="2310011"/>
-              <a:ext cx="49651" cy="49651"/>
-            </a:xfrm>
-            <a:prstGeom prst="ellipse">
-              <a:avLst/>
-            </a:prstGeom>
-            <a:solidFill>
-              <a:srgbClr val="7CAE00">
-                <a:alpha val="100000"/>
-              </a:srgbClr>
-            </a:solidFill>
-            <a:ln w="9000" cap="rnd">
-              <a:solidFill>
-                <a:srgbClr val="7CAE00">
+              <a:off x="3041752" y="3887593"/>
+              <a:ext cx="49651" cy="49651"/>
+            </a:xfrm>
+            <a:prstGeom prst="ellipse">
+              <a:avLst/>
+            </a:prstGeom>
+            <a:solidFill>
+              <a:srgbClr val="C77CFF">
+                <a:alpha val="100000"/>
+              </a:srgbClr>
+            </a:solidFill>
+            <a:ln w="9000" cap="rnd">
+              <a:solidFill>
+                <a:srgbClr val="C77CFF">
                   <a:alpha val="100000"/>
                 </a:srgbClr>
               </a:solidFill>
@@ -7569,20 +7236,20 @@
           </p:nvSpPr>
           <p:spPr>
             <a:xfrm>
-              <a:off x="3572178" y="1907312"/>
-              <a:ext cx="49651" cy="49651"/>
-            </a:xfrm>
-            <a:prstGeom prst="ellipse">
-              <a:avLst/>
-            </a:prstGeom>
-            <a:solidFill>
-              <a:srgbClr val="7CAE00">
-                <a:alpha val="100000"/>
-              </a:srgbClr>
-            </a:solidFill>
-            <a:ln w="9000" cap="rnd">
-              <a:solidFill>
-                <a:srgbClr val="7CAE00">
+              <a:off x="3147837" y="3831729"/>
+              <a:ext cx="49651" cy="49651"/>
+            </a:xfrm>
+            <a:prstGeom prst="ellipse">
+              <a:avLst/>
+            </a:prstGeom>
+            <a:solidFill>
+              <a:srgbClr val="C77CFF">
+                <a:alpha val="100000"/>
+              </a:srgbClr>
+            </a:solidFill>
+            <a:ln w="9000" cap="rnd">
+              <a:solidFill>
+                <a:srgbClr val="C77CFF">
                   <a:alpha val="100000"/>
                 </a:srgbClr>
               </a:solidFill>
@@ -7604,20 +7271,20 @@
           </p:nvSpPr>
           <p:spPr>
             <a:xfrm>
-              <a:off x="3642902" y="1508025"/>
-              <a:ext cx="49651" cy="49651"/>
-            </a:xfrm>
-            <a:prstGeom prst="ellipse">
-              <a:avLst/>
-            </a:prstGeom>
-            <a:solidFill>
-              <a:srgbClr val="7CAE00">
-                <a:alpha val="100000"/>
-              </a:srgbClr>
-            </a:solidFill>
-            <a:ln w="9000" cap="rnd">
-              <a:solidFill>
-                <a:srgbClr val="7CAE00">
+              <a:off x="3289284" y="3703424"/>
+              <a:ext cx="49651" cy="49651"/>
+            </a:xfrm>
+            <a:prstGeom prst="ellipse">
+              <a:avLst/>
+            </a:prstGeom>
+            <a:solidFill>
+              <a:srgbClr val="C77CFF">
+                <a:alpha val="100000"/>
+              </a:srgbClr>
+            </a:solidFill>
+            <a:ln w="9000" cap="rnd">
+              <a:solidFill>
+                <a:srgbClr val="C77CFF">
                   <a:alpha val="100000"/>
                 </a:srgbClr>
               </a:solidFill>
@@ -7639,20 +7306,20 @@
           </p:nvSpPr>
           <p:spPr>
             <a:xfrm>
-              <a:off x="3713625" y="1272139"/>
-              <a:ext cx="49651" cy="49651"/>
-            </a:xfrm>
-            <a:prstGeom prst="ellipse">
-              <a:avLst/>
-            </a:prstGeom>
-            <a:solidFill>
-              <a:srgbClr val="7CAE00">
-                <a:alpha val="100000"/>
-              </a:srgbClr>
-            </a:solidFill>
-            <a:ln w="9000" cap="rnd">
-              <a:solidFill>
-                <a:srgbClr val="7CAE00">
+              <a:off x="3430731" y="3448966"/>
+              <a:ext cx="49651" cy="49651"/>
+            </a:xfrm>
+            <a:prstGeom prst="ellipse">
+              <a:avLst/>
+            </a:prstGeom>
+            <a:solidFill>
+              <a:srgbClr val="C77CFF">
+                <a:alpha val="100000"/>
+              </a:srgbClr>
+            </a:solidFill>
+            <a:ln w="9000" cap="rnd">
+              <a:solidFill>
+                <a:srgbClr val="C77CFF">
                   <a:alpha val="100000"/>
                 </a:srgbClr>
               </a:solidFill>
@@ -7674,20 +7341,20 @@
           </p:nvSpPr>
           <p:spPr>
             <a:xfrm>
-              <a:off x="3784349" y="1103952"/>
-              <a:ext cx="49651" cy="49651"/>
-            </a:xfrm>
-            <a:prstGeom prst="ellipse">
-              <a:avLst/>
-            </a:prstGeom>
-            <a:solidFill>
-              <a:srgbClr val="7CAE00">
-                <a:alpha val="100000"/>
-              </a:srgbClr>
-            </a:solidFill>
-            <a:ln w="9000" cap="rnd">
-              <a:solidFill>
-                <a:srgbClr val="7CAE00">
+              <a:off x="3501455" y="3244551"/>
+              <a:ext cx="49651" cy="49651"/>
+            </a:xfrm>
+            <a:prstGeom prst="ellipse">
+              <a:avLst/>
+            </a:prstGeom>
+            <a:solidFill>
+              <a:srgbClr val="C77CFF">
+                <a:alpha val="100000"/>
+              </a:srgbClr>
+            </a:solidFill>
+            <a:ln w="9000" cap="rnd">
+              <a:solidFill>
+                <a:srgbClr val="C77CFF">
                   <a:alpha val="100000"/>
                 </a:srgbClr>
               </a:solidFill>
@@ -7709,20 +7376,20 @@
           </p:nvSpPr>
           <p:spPr>
             <a:xfrm>
-              <a:off x="3855072" y="1133792"/>
-              <a:ext cx="49651" cy="49651"/>
-            </a:xfrm>
-            <a:prstGeom prst="ellipse">
-              <a:avLst/>
-            </a:prstGeom>
-            <a:solidFill>
-              <a:srgbClr val="7CAE00">
-                <a:alpha val="100000"/>
-              </a:srgbClr>
-            </a:solidFill>
-            <a:ln w="9000" cap="rnd">
-              <a:solidFill>
-                <a:srgbClr val="7CAE00">
+              <a:off x="3572178" y="2977313"/>
+              <a:ext cx="49651" cy="49651"/>
+            </a:xfrm>
+            <a:prstGeom prst="ellipse">
+              <a:avLst/>
+            </a:prstGeom>
+            <a:solidFill>
+              <a:srgbClr val="C77CFF">
+                <a:alpha val="100000"/>
+              </a:srgbClr>
+            </a:solidFill>
+            <a:ln w="9000" cap="rnd">
+              <a:solidFill>
+                <a:srgbClr val="C77CFF">
                   <a:alpha val="100000"/>
                 </a:srgbClr>
               </a:solidFill>
@@ -7744,20 +7411,20 @@
           </p:nvSpPr>
           <p:spPr>
             <a:xfrm>
-              <a:off x="3925796" y="1200469"/>
-              <a:ext cx="49651" cy="49651"/>
-            </a:xfrm>
-            <a:prstGeom prst="ellipse">
-              <a:avLst/>
-            </a:prstGeom>
-            <a:solidFill>
-              <a:srgbClr val="7CAE00">
-                <a:alpha val="100000"/>
-              </a:srgbClr>
-            </a:solidFill>
-            <a:ln w="9000" cap="rnd">
-              <a:solidFill>
-                <a:srgbClr val="7CAE00">
+              <a:off x="3642902" y="2648170"/>
+              <a:ext cx="49651" cy="49651"/>
+            </a:xfrm>
+            <a:prstGeom prst="ellipse">
+              <a:avLst/>
+            </a:prstGeom>
+            <a:solidFill>
+              <a:srgbClr val="C77CFF">
+                <a:alpha val="100000"/>
+              </a:srgbClr>
+            </a:solidFill>
+            <a:ln w="9000" cap="rnd">
+              <a:solidFill>
+                <a:srgbClr val="C77CFF">
                   <a:alpha val="100000"/>
                 </a:srgbClr>
               </a:solidFill>
@@ -7779,20 +7446,20 @@
           </p:nvSpPr>
           <p:spPr>
             <a:xfrm>
-              <a:off x="3996519" y="1380800"/>
-              <a:ext cx="49651" cy="49651"/>
-            </a:xfrm>
-            <a:prstGeom prst="ellipse">
-              <a:avLst/>
-            </a:prstGeom>
-            <a:solidFill>
-              <a:srgbClr val="7CAE00">
-                <a:alpha val="100000"/>
-              </a:srgbClr>
-            </a:solidFill>
-            <a:ln w="9000" cap="rnd">
-              <a:solidFill>
-                <a:srgbClr val="7CAE00">
+              <a:off x="3713625" y="2274811"/>
+              <a:ext cx="49651" cy="49651"/>
+            </a:xfrm>
+            <a:prstGeom prst="ellipse">
+              <a:avLst/>
+            </a:prstGeom>
+            <a:solidFill>
+              <a:srgbClr val="C77CFF">
+                <a:alpha val="100000"/>
+              </a:srgbClr>
+            </a:solidFill>
+            <a:ln w="9000" cap="rnd">
+              <a:solidFill>
+                <a:srgbClr val="C77CFF">
                   <a:alpha val="100000"/>
                 </a:srgbClr>
               </a:solidFill>
@@ -7814,20 +7481,20 @@
           </p:nvSpPr>
           <p:spPr>
             <a:xfrm>
-              <a:off x="4067243" y="1616110"/>
-              <a:ext cx="49651" cy="49651"/>
-            </a:xfrm>
-            <a:prstGeom prst="ellipse">
-              <a:avLst/>
-            </a:prstGeom>
-            <a:solidFill>
-              <a:srgbClr val="7CAE00">
-                <a:alpha val="100000"/>
-              </a:srgbClr>
-            </a:solidFill>
-            <a:ln w="9000" cap="rnd">
-              <a:solidFill>
-                <a:srgbClr val="7CAE00">
+              <a:off x="3784349" y="1966084"/>
+              <a:ext cx="49651" cy="49651"/>
+            </a:xfrm>
+            <a:prstGeom prst="ellipse">
+              <a:avLst/>
+            </a:prstGeom>
+            <a:solidFill>
+              <a:srgbClr val="C77CFF">
+                <a:alpha val="100000"/>
+              </a:srgbClr>
+            </a:solidFill>
+            <a:ln w="9000" cap="rnd">
+              <a:solidFill>
+                <a:srgbClr val="C77CFF">
                   <a:alpha val="100000"/>
                 </a:srgbClr>
               </a:solidFill>
@@ -7849,20 +7516,20 @@
           </p:nvSpPr>
           <p:spPr>
             <a:xfrm>
-              <a:off x="4137967" y="1907063"/>
-              <a:ext cx="49651" cy="49651"/>
-            </a:xfrm>
-            <a:prstGeom prst="ellipse">
-              <a:avLst/>
-            </a:prstGeom>
-            <a:solidFill>
-              <a:srgbClr val="7CAE00">
-                <a:alpha val="100000"/>
-              </a:srgbClr>
-            </a:solidFill>
-            <a:ln w="9000" cap="rnd">
-              <a:solidFill>
-                <a:srgbClr val="7CAE00">
+              <a:off x="3855072" y="1690684"/>
+              <a:ext cx="49651" cy="49651"/>
+            </a:xfrm>
+            <a:prstGeom prst="ellipse">
+              <a:avLst/>
+            </a:prstGeom>
+            <a:solidFill>
+              <a:srgbClr val="C77CFF">
+                <a:alpha val="100000"/>
+              </a:srgbClr>
+            </a:solidFill>
+            <a:ln w="9000" cap="rnd">
+              <a:solidFill>
+                <a:srgbClr val="C77CFF">
                   <a:alpha val="100000"/>
                 </a:srgbClr>
               </a:solidFill>
@@ -7884,20 +7551,20 @@
           </p:nvSpPr>
           <p:spPr>
             <a:xfrm>
-              <a:off x="4208690" y="2223968"/>
-              <a:ext cx="49651" cy="49651"/>
-            </a:xfrm>
-            <a:prstGeom prst="ellipse">
-              <a:avLst/>
-            </a:prstGeom>
-            <a:solidFill>
-              <a:srgbClr val="7CAE00">
-                <a:alpha val="100000"/>
-              </a:srgbClr>
-            </a:solidFill>
-            <a:ln w="9000" cap="rnd">
-              <a:solidFill>
-                <a:srgbClr val="7CAE00">
+              <a:off x="3925796" y="1466156"/>
+              <a:ext cx="49651" cy="49651"/>
+            </a:xfrm>
+            <a:prstGeom prst="ellipse">
+              <a:avLst/>
+            </a:prstGeom>
+            <a:solidFill>
+              <a:srgbClr val="C77CFF">
+                <a:alpha val="100000"/>
+              </a:srgbClr>
+            </a:solidFill>
+            <a:ln w="9000" cap="rnd">
+              <a:solidFill>
+                <a:srgbClr val="C77CFF">
                   <a:alpha val="100000"/>
                 </a:srgbClr>
               </a:solidFill>
@@ -7919,20 +7586,20 @@
           </p:nvSpPr>
           <p:spPr>
             <a:xfrm>
-              <a:off x="4279414" y="2518305"/>
-              <a:ext cx="49651" cy="49651"/>
-            </a:xfrm>
-            <a:prstGeom prst="ellipse">
-              <a:avLst/>
-            </a:prstGeom>
-            <a:solidFill>
-              <a:srgbClr val="7CAE00">
-                <a:alpha val="100000"/>
-              </a:srgbClr>
-            </a:solidFill>
-            <a:ln w="9000" cap="rnd">
-              <a:solidFill>
-                <a:srgbClr val="7CAE00">
+              <a:off x="3996519" y="1307561"/>
+              <a:ext cx="49651" cy="49651"/>
+            </a:xfrm>
+            <a:prstGeom prst="ellipse">
+              <a:avLst/>
+            </a:prstGeom>
+            <a:solidFill>
+              <a:srgbClr val="C77CFF">
+                <a:alpha val="100000"/>
+              </a:srgbClr>
+            </a:solidFill>
+            <a:ln w="9000" cap="rnd">
+              <a:solidFill>
+                <a:srgbClr val="C77CFF">
                   <a:alpha val="100000"/>
                 </a:srgbClr>
               </a:solidFill>
@@ -7954,20 +7621,20 @@
           </p:nvSpPr>
           <p:spPr>
             <a:xfrm>
-              <a:off x="4350137" y="2788290"/>
-              <a:ext cx="49651" cy="49651"/>
-            </a:xfrm>
-            <a:prstGeom prst="ellipse">
-              <a:avLst/>
-            </a:prstGeom>
-            <a:solidFill>
-              <a:srgbClr val="7CAE00">
-                <a:alpha val="100000"/>
-              </a:srgbClr>
-            </a:solidFill>
-            <a:ln w="9000" cap="rnd">
-              <a:solidFill>
-                <a:srgbClr val="7CAE00">
+              <a:off x="4067243" y="1287772"/>
+              <a:ext cx="49651" cy="49651"/>
+            </a:xfrm>
+            <a:prstGeom prst="ellipse">
+              <a:avLst/>
+            </a:prstGeom>
+            <a:solidFill>
+              <a:srgbClr val="C77CFF">
+                <a:alpha val="100000"/>
+              </a:srgbClr>
+            </a:solidFill>
+            <a:ln w="9000" cap="rnd">
+              <a:solidFill>
+                <a:srgbClr val="C77CFF">
                   <a:alpha val="100000"/>
                 </a:srgbClr>
               </a:solidFill>
@@ -7989,20 +7656,20 @@
           </p:nvSpPr>
           <p:spPr>
             <a:xfrm>
-              <a:off x="4420861" y="3013154"/>
-              <a:ext cx="49651" cy="49651"/>
-            </a:xfrm>
-            <a:prstGeom prst="ellipse">
-              <a:avLst/>
-            </a:prstGeom>
-            <a:solidFill>
-              <a:srgbClr val="7CAE00">
-                <a:alpha val="100000"/>
-              </a:srgbClr>
-            </a:solidFill>
-            <a:ln w="9000" cap="rnd">
-              <a:solidFill>
-                <a:srgbClr val="7CAE00">
+              <a:off x="4137967" y="1403830"/>
+              <a:ext cx="49651" cy="49651"/>
+            </a:xfrm>
+            <a:prstGeom prst="ellipse">
+              <a:avLst/>
+            </a:prstGeom>
+            <a:solidFill>
+              <a:srgbClr val="C77CFF">
+                <a:alpha val="100000"/>
+              </a:srgbClr>
+            </a:solidFill>
+            <a:ln w="9000" cap="rnd">
+              <a:solidFill>
+                <a:srgbClr val="C77CFF">
                   <a:alpha val="100000"/>
                 </a:srgbClr>
               </a:solidFill>
@@ -8024,20 +7691,20 @@
           </p:nvSpPr>
           <p:spPr>
             <a:xfrm>
-              <a:off x="4491584" y="3206196"/>
-              <a:ext cx="49651" cy="49651"/>
-            </a:xfrm>
-            <a:prstGeom prst="ellipse">
-              <a:avLst/>
-            </a:prstGeom>
-            <a:solidFill>
-              <a:srgbClr val="7CAE00">
-                <a:alpha val="100000"/>
-              </a:srgbClr>
-            </a:solidFill>
-            <a:ln w="9000" cap="rnd">
-              <a:solidFill>
-                <a:srgbClr val="7CAE00">
+              <a:off x="4208690" y="1707507"/>
+              <a:ext cx="49651" cy="49651"/>
+            </a:xfrm>
+            <a:prstGeom prst="ellipse">
+              <a:avLst/>
+            </a:prstGeom>
+            <a:solidFill>
+              <a:srgbClr val="C77CFF">
+                <a:alpha val="100000"/>
+              </a:srgbClr>
+            </a:solidFill>
+            <a:ln w="9000" cap="rnd">
+              <a:solidFill>
+                <a:srgbClr val="C77CFF">
                   <a:alpha val="100000"/>
                 </a:srgbClr>
               </a:solidFill>
@@ -8059,20 +7726,20 @@
           </p:nvSpPr>
           <p:spPr>
             <a:xfrm>
-              <a:off x="4562308" y="3365803"/>
-              <a:ext cx="49651" cy="49651"/>
-            </a:xfrm>
-            <a:prstGeom prst="ellipse">
-              <a:avLst/>
-            </a:prstGeom>
-            <a:solidFill>
-              <a:srgbClr val="7CAE00">
-                <a:alpha val="100000"/>
-              </a:srgbClr>
-            </a:solidFill>
-            <a:ln w="9000" cap="rnd">
-              <a:solidFill>
-                <a:srgbClr val="7CAE00">
+              <a:off x="4279414" y="2085525"/>
+              <a:ext cx="49651" cy="49651"/>
+            </a:xfrm>
+            <a:prstGeom prst="ellipse">
+              <a:avLst/>
+            </a:prstGeom>
+            <a:solidFill>
+              <a:srgbClr val="C77CFF">
+                <a:alpha val="100000"/>
+              </a:srgbClr>
+            </a:solidFill>
+            <a:ln w="9000" cap="rnd">
+              <a:solidFill>
+                <a:srgbClr val="C77CFF">
                   <a:alpha val="100000"/>
                 </a:srgbClr>
               </a:solidFill>
@@ -8094,20 +7761,20 @@
           </p:nvSpPr>
           <p:spPr>
             <a:xfrm>
-              <a:off x="4633031" y="3499236"/>
-              <a:ext cx="49651" cy="49651"/>
-            </a:xfrm>
-            <a:prstGeom prst="ellipse">
-              <a:avLst/>
-            </a:prstGeom>
-            <a:solidFill>
-              <a:srgbClr val="7CAE00">
-                <a:alpha val="100000"/>
-              </a:srgbClr>
-            </a:solidFill>
-            <a:ln w="9000" cap="rnd">
-              <a:solidFill>
-                <a:srgbClr val="7CAE00">
+              <a:off x="4350137" y="2454943"/>
+              <a:ext cx="49651" cy="49651"/>
+            </a:xfrm>
+            <a:prstGeom prst="ellipse">
+              <a:avLst/>
+            </a:prstGeom>
+            <a:solidFill>
+              <a:srgbClr val="C77CFF">
+                <a:alpha val="100000"/>
+              </a:srgbClr>
+            </a:solidFill>
+            <a:ln w="9000" cap="rnd">
+              <a:solidFill>
+                <a:srgbClr val="C77CFF">
                   <a:alpha val="100000"/>
                 </a:srgbClr>
               </a:solidFill>
@@ -8129,20 +7796,20 @@
           </p:nvSpPr>
           <p:spPr>
             <a:xfrm>
-              <a:off x="4703755" y="3608380"/>
-              <a:ext cx="49651" cy="49651"/>
-            </a:xfrm>
-            <a:prstGeom prst="ellipse">
-              <a:avLst/>
-            </a:prstGeom>
-            <a:solidFill>
-              <a:srgbClr val="7CAE00">
-                <a:alpha val="100000"/>
-              </a:srgbClr>
-            </a:solidFill>
-            <a:ln w="9000" cap="rnd">
-              <a:solidFill>
-                <a:srgbClr val="7CAE00">
+              <a:off x="4420861" y="2795278"/>
+              <a:ext cx="49651" cy="49651"/>
+            </a:xfrm>
+            <a:prstGeom prst="ellipse">
+              <a:avLst/>
+            </a:prstGeom>
+            <a:solidFill>
+              <a:srgbClr val="C77CFF">
+                <a:alpha val="100000"/>
+              </a:srgbClr>
+            </a:solidFill>
+            <a:ln w="9000" cap="rnd">
+              <a:solidFill>
+                <a:srgbClr val="C77CFF">
                   <a:alpha val="100000"/>
                 </a:srgbClr>
               </a:solidFill>
@@ -8164,20 +7831,20 @@
           </p:nvSpPr>
           <p:spPr>
             <a:xfrm>
-              <a:off x="4774478" y="3695687"/>
-              <a:ext cx="49651" cy="49651"/>
-            </a:xfrm>
-            <a:prstGeom prst="ellipse">
-              <a:avLst/>
-            </a:prstGeom>
-            <a:solidFill>
-              <a:srgbClr val="7CAE00">
-                <a:alpha val="100000"/>
-              </a:srgbClr>
-            </a:solidFill>
-            <a:ln w="9000" cap="rnd">
-              <a:solidFill>
-                <a:srgbClr val="7CAE00">
+              <a:off x="4526946" y="3170583"/>
+              <a:ext cx="49651" cy="49651"/>
+            </a:xfrm>
+            <a:prstGeom prst="ellipse">
+              <a:avLst/>
+            </a:prstGeom>
+            <a:solidFill>
+              <a:srgbClr val="C77CFF">
+                <a:alpha val="100000"/>
+              </a:srgbClr>
+            </a:solidFill>
+            <a:ln w="9000" cap="rnd">
+              <a:solidFill>
+                <a:srgbClr val="C77CFF">
                   <a:alpha val="100000"/>
                 </a:srgbClr>
               </a:solidFill>
@@ -8199,20 +7866,20 @@
           </p:nvSpPr>
           <p:spPr>
             <a:xfrm>
-              <a:off x="4845202" y="3763065"/>
-              <a:ext cx="49651" cy="49651"/>
-            </a:xfrm>
-            <a:prstGeom prst="ellipse">
-              <a:avLst/>
-            </a:prstGeom>
-            <a:solidFill>
-              <a:srgbClr val="7CAE00">
-                <a:alpha val="100000"/>
-              </a:srgbClr>
-            </a:solidFill>
-            <a:ln w="9000" cap="rnd">
-              <a:solidFill>
-                <a:srgbClr val="7CAE00">
+              <a:off x="4703755" y="3483097"/>
+              <a:ext cx="49651" cy="49651"/>
+            </a:xfrm>
+            <a:prstGeom prst="ellipse">
+              <a:avLst/>
+            </a:prstGeom>
+            <a:solidFill>
+              <a:srgbClr val="C77CFF">
+                <a:alpha val="100000"/>
+              </a:srgbClr>
+            </a:solidFill>
+            <a:ln w="9000" cap="rnd">
+              <a:solidFill>
+                <a:srgbClr val="C77CFF">
                   <a:alpha val="100000"/>
                 </a:srgbClr>
               </a:solidFill>
@@ -8234,20 +7901,20 @@
           </p:nvSpPr>
           <p:spPr>
             <a:xfrm>
-              <a:off x="4915925" y="3815478"/>
-              <a:ext cx="49651" cy="49651"/>
-            </a:xfrm>
-            <a:prstGeom prst="ellipse">
-              <a:avLst/>
-            </a:prstGeom>
-            <a:solidFill>
-              <a:srgbClr val="7CAE00">
-                <a:alpha val="100000"/>
-              </a:srgbClr>
-            </a:solidFill>
-            <a:ln w="9000" cap="rnd">
-              <a:solidFill>
-                <a:srgbClr val="7CAE00">
+              <a:off x="4845202" y="3605333"/>
+              <a:ext cx="49651" cy="49651"/>
+            </a:xfrm>
+            <a:prstGeom prst="ellipse">
+              <a:avLst/>
+            </a:prstGeom>
+            <a:solidFill>
+              <a:srgbClr val="C77CFF">
+                <a:alpha val="100000"/>
+              </a:srgbClr>
+            </a:solidFill>
+            <a:ln w="9000" cap="rnd">
+              <a:solidFill>
+                <a:srgbClr val="C77CFF">
                   <a:alpha val="100000"/>
                 </a:srgbClr>
               </a:solidFill>
@@ -8269,20 +7936,20 @@
           </p:nvSpPr>
           <p:spPr>
             <a:xfrm>
-              <a:off x="4986649" y="3856680"/>
-              <a:ext cx="49651" cy="49651"/>
-            </a:xfrm>
-            <a:prstGeom prst="ellipse">
-              <a:avLst/>
-            </a:prstGeom>
-            <a:solidFill>
-              <a:srgbClr val="7CAE00">
-                <a:alpha val="100000"/>
-              </a:srgbClr>
-            </a:solidFill>
-            <a:ln w="9000" cap="rnd">
-              <a:solidFill>
-                <a:srgbClr val="7CAE00">
+              <a:off x="4915925" y="3649932"/>
+              <a:ext cx="49651" cy="49651"/>
+            </a:xfrm>
+            <a:prstGeom prst="ellipse">
+              <a:avLst/>
+            </a:prstGeom>
+            <a:solidFill>
+              <a:srgbClr val="C77CFF">
+                <a:alpha val="100000"/>
+              </a:srgbClr>
+            </a:solidFill>
+            <a:ln w="9000" cap="rnd">
+              <a:solidFill>
+                <a:srgbClr val="C77CFF">
                   <a:alpha val="100000"/>
                 </a:srgbClr>
               </a:solidFill>
@@ -8304,20 +7971,20 @@
           </p:nvSpPr>
           <p:spPr>
             <a:xfrm>
-              <a:off x="5057372" y="3889181"/>
-              <a:ext cx="49651" cy="49651"/>
-            </a:xfrm>
-            <a:prstGeom prst="ellipse">
-              <a:avLst/>
-            </a:prstGeom>
-            <a:solidFill>
-              <a:srgbClr val="7CAE00">
-                <a:alpha val="100000"/>
-              </a:srgbClr>
-            </a:solidFill>
-            <a:ln w="9000" cap="rnd">
-              <a:solidFill>
-                <a:srgbClr val="7CAE00">
+              <a:off x="4986649" y="3692736"/>
+              <a:ext cx="49651" cy="49651"/>
+            </a:xfrm>
+            <a:prstGeom prst="ellipse">
+              <a:avLst/>
+            </a:prstGeom>
+            <a:solidFill>
+              <a:srgbClr val="C77CFF">
+                <a:alpha val="100000"/>
+              </a:srgbClr>
+            </a:solidFill>
+            <a:ln w="9000" cap="rnd">
+              <a:solidFill>
+                <a:srgbClr val="C77CFF">
                   <a:alpha val="100000"/>
                 </a:srgbClr>
               </a:solidFill>
@@ -8339,20 +8006,20 @@
           </p:nvSpPr>
           <p:spPr>
             <a:xfrm>
-              <a:off x="5128096" y="3915215"/>
-              <a:ext cx="49651" cy="49651"/>
-            </a:xfrm>
-            <a:prstGeom prst="ellipse">
-              <a:avLst/>
-            </a:prstGeom>
-            <a:solidFill>
-              <a:srgbClr val="7CAE00">
-                <a:alpha val="100000"/>
-              </a:srgbClr>
-            </a:solidFill>
-            <a:ln w="9000" cap="rnd">
-              <a:solidFill>
-                <a:srgbClr val="7CAE00">
+              <a:off x="5128096" y="3769346"/>
+              <a:ext cx="49651" cy="49651"/>
+            </a:xfrm>
+            <a:prstGeom prst="ellipse">
+              <a:avLst/>
+            </a:prstGeom>
+            <a:solidFill>
+              <a:srgbClr val="C77CFF">
+                <a:alpha val="100000"/>
+              </a:srgbClr>
+            </a:solidFill>
+            <a:ln w="9000" cap="rnd">
+              <a:solidFill>
+                <a:srgbClr val="C77CFF">
                   <a:alpha val="100000"/>
                 </a:srgbClr>
               </a:solidFill>
@@ -8374,2037 +8041,7 @@
           </p:nvSpPr>
           <p:spPr>
             <a:xfrm>
-              <a:off x="5198819" y="3935377"/>
-              <a:ext cx="49651" cy="49651"/>
-            </a:xfrm>
-            <a:prstGeom prst="ellipse">
-              <a:avLst/>
-            </a:prstGeom>
-            <a:solidFill>
-              <a:srgbClr val="7CAE00">
-                <a:alpha val="100000"/>
-              </a:srgbClr>
-            </a:solidFill>
-            <a:ln w="9000" cap="rnd">
-              <a:solidFill>
-                <a:srgbClr val="7CAE00">
-                  <a:alpha val="100000"/>
-                </a:srgbClr>
-              </a:solidFill>
-              <a:prstDash val="solid"/>
-              <a:round/>
-            </a:ln>
-          </p:spPr>
-          <p:txBody>
-            <a:bodyPr/>
-            <a:lstStyle/>
-            <a:p/>
-          </p:txBody>
-        </p:sp>
-        <p:sp>
-          <p:nvSpPr>
-            <p:cNvPr id="153" name="pt152"/>
-            <p:cNvSpPr/>
-            <p:nvPr/>
-          </p:nvSpPr>
-          <p:spPr>
-            <a:xfrm>
-              <a:off x="5269543" y="3950902"/>
-              <a:ext cx="49651" cy="49651"/>
-            </a:xfrm>
-            <a:prstGeom prst="ellipse">
-              <a:avLst/>
-            </a:prstGeom>
-            <a:solidFill>
-              <a:srgbClr val="7CAE00">
-                <a:alpha val="100000"/>
-              </a:srgbClr>
-            </a:solidFill>
-            <a:ln w="9000" cap="rnd">
-              <a:solidFill>
-                <a:srgbClr val="7CAE00">
-                  <a:alpha val="100000"/>
-                </a:srgbClr>
-              </a:solidFill>
-              <a:prstDash val="solid"/>
-              <a:round/>
-            </a:ln>
-          </p:spPr>
-          <p:txBody>
-            <a:bodyPr/>
-            <a:lstStyle/>
-            <a:p/>
-          </p:txBody>
-        </p:sp>
-        <p:sp>
-          <p:nvSpPr>
-            <p:cNvPr id="154" name="pt153"/>
-            <p:cNvSpPr/>
-            <p:nvPr/>
-          </p:nvSpPr>
-          <p:spPr>
-            <a:xfrm>
-              <a:off x="5340266" y="3962737"/>
-              <a:ext cx="49651" cy="49651"/>
-            </a:xfrm>
-            <a:prstGeom prst="ellipse">
-              <a:avLst/>
-            </a:prstGeom>
-            <a:solidFill>
-              <a:srgbClr val="7CAE00">
-                <a:alpha val="100000"/>
-              </a:srgbClr>
-            </a:solidFill>
-            <a:ln w="9000" cap="rnd">
-              <a:solidFill>
-                <a:srgbClr val="7CAE00">
-                  <a:alpha val="100000"/>
-                </a:srgbClr>
-              </a:solidFill>
-              <a:prstDash val="solid"/>
-              <a:round/>
-            </a:ln>
-          </p:spPr>
-          <p:txBody>
-            <a:bodyPr/>
-            <a:lstStyle/>
-            <a:p/>
-          </p:txBody>
-        </p:sp>
-        <p:sp>
-          <p:nvSpPr>
-            <p:cNvPr id="155" name="pt154"/>
-            <p:cNvSpPr/>
-            <p:nvPr/>
-          </p:nvSpPr>
-          <p:spPr>
-            <a:xfrm>
-              <a:off x="5410990" y="3971718"/>
-              <a:ext cx="49651" cy="49651"/>
-            </a:xfrm>
-            <a:prstGeom prst="ellipse">
-              <a:avLst/>
-            </a:prstGeom>
-            <a:solidFill>
-              <a:srgbClr val="7CAE00">
-                <a:alpha val="100000"/>
-              </a:srgbClr>
-            </a:solidFill>
-            <a:ln w="9000" cap="rnd">
-              <a:solidFill>
-                <a:srgbClr val="7CAE00">
-                  <a:alpha val="100000"/>
-                </a:srgbClr>
-              </a:solidFill>
-              <a:prstDash val="solid"/>
-              <a:round/>
-            </a:ln>
-          </p:spPr>
-          <p:txBody>
-            <a:bodyPr/>
-            <a:lstStyle/>
-            <a:p/>
-          </p:txBody>
-        </p:sp>
-        <p:sp>
-          <p:nvSpPr>
-            <p:cNvPr id="156" name="pt155"/>
-            <p:cNvSpPr/>
-            <p:nvPr/>
-          </p:nvSpPr>
-          <p:spPr>
-            <a:xfrm>
-              <a:off x="1662644" y="3999712"/>
-              <a:ext cx="49651" cy="49651"/>
-            </a:xfrm>
-            <a:prstGeom prst="ellipse">
-              <a:avLst/>
-            </a:prstGeom>
-            <a:solidFill>
-              <a:srgbClr val="00BFC4">
-                <a:alpha val="100000"/>
-              </a:srgbClr>
-            </a:solidFill>
-            <a:ln w="9000" cap="rnd">
-              <a:solidFill>
-                <a:srgbClr val="00BFC4">
-                  <a:alpha val="100000"/>
-                </a:srgbClr>
-              </a:solidFill>
-              <a:prstDash val="solid"/>
-              <a:round/>
-            </a:ln>
-          </p:spPr>
-          <p:txBody>
-            <a:bodyPr/>
-            <a:lstStyle/>
-            <a:p/>
-          </p:txBody>
-        </p:sp>
-        <p:sp>
-          <p:nvSpPr>
-            <p:cNvPr id="157" name="pt156"/>
-            <p:cNvSpPr/>
-            <p:nvPr/>
-          </p:nvSpPr>
-          <p:spPr>
-            <a:xfrm>
-              <a:off x="1733367" y="3999694"/>
-              <a:ext cx="49651" cy="49651"/>
-            </a:xfrm>
-            <a:prstGeom prst="ellipse">
-              <a:avLst/>
-            </a:prstGeom>
-            <a:solidFill>
-              <a:srgbClr val="00BFC4">
-                <a:alpha val="100000"/>
-              </a:srgbClr>
-            </a:solidFill>
-            <a:ln w="9000" cap="rnd">
-              <a:solidFill>
-                <a:srgbClr val="00BFC4">
-                  <a:alpha val="100000"/>
-                </a:srgbClr>
-              </a:solidFill>
-              <a:prstDash val="solid"/>
-              <a:round/>
-            </a:ln>
-          </p:spPr>
-          <p:txBody>
-            <a:bodyPr/>
-            <a:lstStyle/>
-            <a:p/>
-          </p:txBody>
-        </p:sp>
-        <p:sp>
-          <p:nvSpPr>
-            <p:cNvPr id="158" name="pt157"/>
-            <p:cNvSpPr/>
-            <p:nvPr/>
-          </p:nvSpPr>
-          <p:spPr>
-            <a:xfrm>
-              <a:off x="1804091" y="3999667"/>
-              <a:ext cx="49651" cy="49651"/>
-            </a:xfrm>
-            <a:prstGeom prst="ellipse">
-              <a:avLst/>
-            </a:prstGeom>
-            <a:solidFill>
-              <a:srgbClr val="00BFC4">
-                <a:alpha val="100000"/>
-              </a:srgbClr>
-            </a:solidFill>
-            <a:ln w="9000" cap="rnd">
-              <a:solidFill>
-                <a:srgbClr val="00BFC4">
-                  <a:alpha val="100000"/>
-                </a:srgbClr>
-              </a:solidFill>
-              <a:prstDash val="solid"/>
-              <a:round/>
-            </a:ln>
-          </p:spPr>
-          <p:txBody>
-            <a:bodyPr/>
-            <a:lstStyle/>
-            <a:p/>
-          </p:txBody>
-        </p:sp>
-        <p:sp>
-          <p:nvSpPr>
-            <p:cNvPr id="159" name="pt158"/>
-            <p:cNvSpPr/>
-            <p:nvPr/>
-          </p:nvSpPr>
-          <p:spPr>
-            <a:xfrm>
-              <a:off x="1874814" y="3999626"/>
-              <a:ext cx="49651" cy="49651"/>
-            </a:xfrm>
-            <a:prstGeom prst="ellipse">
-              <a:avLst/>
-            </a:prstGeom>
-            <a:solidFill>
-              <a:srgbClr val="00BFC4">
-                <a:alpha val="100000"/>
-              </a:srgbClr>
-            </a:solidFill>
-            <a:ln w="9000" cap="rnd">
-              <a:solidFill>
-                <a:srgbClr val="00BFC4">
-                  <a:alpha val="100000"/>
-                </a:srgbClr>
-              </a:solidFill>
-              <a:prstDash val="solid"/>
-              <a:round/>
-            </a:ln>
-          </p:spPr>
-          <p:txBody>
-            <a:bodyPr/>
-            <a:lstStyle/>
-            <a:p/>
-          </p:txBody>
-        </p:sp>
-        <p:sp>
-          <p:nvSpPr>
-            <p:cNvPr id="160" name="pt159"/>
-            <p:cNvSpPr/>
-            <p:nvPr/>
-          </p:nvSpPr>
-          <p:spPr>
-            <a:xfrm>
-              <a:off x="1945538" y="3999566"/>
-              <a:ext cx="49651" cy="49651"/>
-            </a:xfrm>
-            <a:prstGeom prst="ellipse">
-              <a:avLst/>
-            </a:prstGeom>
-            <a:solidFill>
-              <a:srgbClr val="00BFC4">
-                <a:alpha val="100000"/>
-              </a:srgbClr>
-            </a:solidFill>
-            <a:ln w="9000" cap="rnd">
-              <a:solidFill>
-                <a:srgbClr val="00BFC4">
-                  <a:alpha val="100000"/>
-                </a:srgbClr>
-              </a:solidFill>
-              <a:prstDash val="solid"/>
-              <a:round/>
-            </a:ln>
-          </p:spPr>
-          <p:txBody>
-            <a:bodyPr/>
-            <a:lstStyle/>
-            <a:p/>
-          </p:txBody>
-        </p:sp>
-        <p:sp>
-          <p:nvSpPr>
-            <p:cNvPr id="161" name="pt160"/>
-            <p:cNvSpPr/>
-            <p:nvPr/>
-          </p:nvSpPr>
-          <p:spPr>
-            <a:xfrm>
-              <a:off x="2016261" y="3999477"/>
-              <a:ext cx="49651" cy="49651"/>
-            </a:xfrm>
-            <a:prstGeom prst="ellipse">
-              <a:avLst/>
-            </a:prstGeom>
-            <a:solidFill>
-              <a:srgbClr val="00BFC4">
-                <a:alpha val="100000"/>
-              </a:srgbClr>
-            </a:solidFill>
-            <a:ln w="9000" cap="rnd">
-              <a:solidFill>
-                <a:srgbClr val="00BFC4">
-                  <a:alpha val="100000"/>
-                </a:srgbClr>
-              </a:solidFill>
-              <a:prstDash val="solid"/>
-              <a:round/>
-            </a:ln>
-          </p:spPr>
-          <p:txBody>
-            <a:bodyPr/>
-            <a:lstStyle/>
-            <a:p/>
-          </p:txBody>
-        </p:sp>
-        <p:sp>
-          <p:nvSpPr>
-            <p:cNvPr id="162" name="pt161"/>
-            <p:cNvSpPr/>
-            <p:nvPr/>
-          </p:nvSpPr>
-          <p:spPr>
-            <a:xfrm>
-              <a:off x="2086985" y="3999344"/>
-              <a:ext cx="49651" cy="49651"/>
-            </a:xfrm>
-            <a:prstGeom prst="ellipse">
-              <a:avLst/>
-            </a:prstGeom>
-            <a:solidFill>
-              <a:srgbClr val="00BFC4">
-                <a:alpha val="100000"/>
-              </a:srgbClr>
-            </a:solidFill>
-            <a:ln w="9000" cap="rnd">
-              <a:solidFill>
-                <a:srgbClr val="00BFC4">
-                  <a:alpha val="100000"/>
-                </a:srgbClr>
-              </a:solidFill>
-              <a:prstDash val="solid"/>
-              <a:round/>
-            </a:ln>
-          </p:spPr>
-          <p:txBody>
-            <a:bodyPr/>
-            <a:lstStyle/>
-            <a:p/>
-          </p:txBody>
-        </p:sp>
-        <p:sp>
-          <p:nvSpPr>
-            <p:cNvPr id="163" name="pt162"/>
-            <p:cNvSpPr/>
-            <p:nvPr/>
-          </p:nvSpPr>
-          <p:spPr>
-            <a:xfrm>
-              <a:off x="2157708" y="3999146"/>
-              <a:ext cx="49651" cy="49651"/>
-            </a:xfrm>
-            <a:prstGeom prst="ellipse">
-              <a:avLst/>
-            </a:prstGeom>
-            <a:solidFill>
-              <a:srgbClr val="00BFC4">
-                <a:alpha val="100000"/>
-              </a:srgbClr>
-            </a:solidFill>
-            <a:ln w="9000" cap="rnd">
-              <a:solidFill>
-                <a:srgbClr val="00BFC4">
-                  <a:alpha val="100000"/>
-                </a:srgbClr>
-              </a:solidFill>
-              <a:prstDash val="solid"/>
-              <a:round/>
-            </a:ln>
-          </p:spPr>
-          <p:txBody>
-            <a:bodyPr/>
-            <a:lstStyle/>
-            <a:p/>
-          </p:txBody>
-        </p:sp>
-        <p:sp>
-          <p:nvSpPr>
-            <p:cNvPr id="164" name="pt163"/>
-            <p:cNvSpPr/>
-            <p:nvPr/>
-          </p:nvSpPr>
-          <p:spPr>
-            <a:xfrm>
-              <a:off x="2228432" y="3998853"/>
-              <a:ext cx="49651" cy="49651"/>
-            </a:xfrm>
-            <a:prstGeom prst="ellipse">
-              <a:avLst/>
-            </a:prstGeom>
-            <a:solidFill>
-              <a:srgbClr val="00BFC4">
-                <a:alpha val="100000"/>
-              </a:srgbClr>
-            </a:solidFill>
-            <a:ln w="9000" cap="rnd">
-              <a:solidFill>
-                <a:srgbClr val="00BFC4">
-                  <a:alpha val="100000"/>
-                </a:srgbClr>
-              </a:solidFill>
-              <a:prstDash val="solid"/>
-              <a:round/>
-            </a:ln>
-          </p:spPr>
-          <p:txBody>
-            <a:bodyPr/>
-            <a:lstStyle/>
-            <a:p/>
-          </p:txBody>
-        </p:sp>
-        <p:sp>
-          <p:nvSpPr>
-            <p:cNvPr id="165" name="pt164"/>
-            <p:cNvSpPr/>
-            <p:nvPr/>
-          </p:nvSpPr>
-          <p:spPr>
-            <a:xfrm>
-              <a:off x="2299155" y="3998416"/>
-              <a:ext cx="49651" cy="49651"/>
-            </a:xfrm>
-            <a:prstGeom prst="ellipse">
-              <a:avLst/>
-            </a:prstGeom>
-            <a:solidFill>
-              <a:srgbClr val="00BFC4">
-                <a:alpha val="100000"/>
-              </a:srgbClr>
-            </a:solidFill>
-            <a:ln w="9000" cap="rnd">
-              <a:solidFill>
-                <a:srgbClr val="00BFC4">
-                  <a:alpha val="100000"/>
-                </a:srgbClr>
-              </a:solidFill>
-              <a:prstDash val="solid"/>
-              <a:round/>
-            </a:ln>
-          </p:spPr>
-          <p:txBody>
-            <a:bodyPr/>
-            <a:lstStyle/>
-            <a:p/>
-          </p:txBody>
-        </p:sp>
-        <p:sp>
-          <p:nvSpPr>
-            <p:cNvPr id="166" name="pt165"/>
-            <p:cNvSpPr/>
-            <p:nvPr/>
-          </p:nvSpPr>
-          <p:spPr>
-            <a:xfrm>
-              <a:off x="2369879" y="3997767"/>
-              <a:ext cx="49651" cy="49651"/>
-            </a:xfrm>
-            <a:prstGeom prst="ellipse">
-              <a:avLst/>
-            </a:prstGeom>
-            <a:solidFill>
-              <a:srgbClr val="00BFC4">
-                <a:alpha val="100000"/>
-              </a:srgbClr>
-            </a:solidFill>
-            <a:ln w="9000" cap="rnd">
-              <a:solidFill>
-                <a:srgbClr val="00BFC4">
-                  <a:alpha val="100000"/>
-                </a:srgbClr>
-              </a:solidFill>
-              <a:prstDash val="solid"/>
-              <a:round/>
-            </a:ln>
-          </p:spPr>
-          <p:txBody>
-            <a:bodyPr/>
-            <a:lstStyle/>
-            <a:p/>
-          </p:txBody>
-        </p:sp>
-        <p:sp>
-          <p:nvSpPr>
-            <p:cNvPr id="167" name="pt166"/>
-            <p:cNvSpPr/>
-            <p:nvPr/>
-          </p:nvSpPr>
-          <p:spPr>
-            <a:xfrm>
-              <a:off x="2440602" y="3996804"/>
-              <a:ext cx="49651" cy="49651"/>
-            </a:xfrm>
-            <a:prstGeom prst="ellipse">
-              <a:avLst/>
-            </a:prstGeom>
-            <a:solidFill>
-              <a:srgbClr val="00BFC4">
-                <a:alpha val="100000"/>
-              </a:srgbClr>
-            </a:solidFill>
-            <a:ln w="9000" cap="rnd">
-              <a:solidFill>
-                <a:srgbClr val="00BFC4">
-                  <a:alpha val="100000"/>
-                </a:srgbClr>
-              </a:solidFill>
-              <a:prstDash val="solid"/>
-              <a:round/>
-            </a:ln>
-          </p:spPr>
-          <p:txBody>
-            <a:bodyPr/>
-            <a:lstStyle/>
-            <a:p/>
-          </p:txBody>
-        </p:sp>
-        <p:sp>
-          <p:nvSpPr>
-            <p:cNvPr id="168" name="pt167"/>
-            <p:cNvSpPr/>
-            <p:nvPr/>
-          </p:nvSpPr>
-          <p:spPr>
-            <a:xfrm>
-              <a:off x="2511326" y="3995374"/>
-              <a:ext cx="49651" cy="49651"/>
-            </a:xfrm>
-            <a:prstGeom prst="ellipse">
-              <a:avLst/>
-            </a:prstGeom>
-            <a:solidFill>
-              <a:srgbClr val="00BFC4">
-                <a:alpha val="100000"/>
-              </a:srgbClr>
-            </a:solidFill>
-            <a:ln w="9000" cap="rnd">
-              <a:solidFill>
-                <a:srgbClr val="00BFC4">
-                  <a:alpha val="100000"/>
-                </a:srgbClr>
-              </a:solidFill>
-              <a:prstDash val="solid"/>
-              <a:round/>
-            </a:ln>
-          </p:spPr>
-          <p:txBody>
-            <a:bodyPr/>
-            <a:lstStyle/>
-            <a:p/>
-          </p:txBody>
-        </p:sp>
-        <p:sp>
-          <p:nvSpPr>
-            <p:cNvPr id="169" name="pt168"/>
-            <p:cNvSpPr/>
-            <p:nvPr/>
-          </p:nvSpPr>
-          <p:spPr>
-            <a:xfrm>
-              <a:off x="2582049" y="3993258"/>
-              <a:ext cx="49651" cy="49651"/>
-            </a:xfrm>
-            <a:prstGeom prst="ellipse">
-              <a:avLst/>
-            </a:prstGeom>
-            <a:solidFill>
-              <a:srgbClr val="00BFC4">
-                <a:alpha val="100000"/>
-              </a:srgbClr>
-            </a:solidFill>
-            <a:ln w="9000" cap="rnd">
-              <a:solidFill>
-                <a:srgbClr val="00BFC4">
-                  <a:alpha val="100000"/>
-                </a:srgbClr>
-              </a:solidFill>
-              <a:prstDash val="solid"/>
-              <a:round/>
-            </a:ln>
-          </p:spPr>
-          <p:txBody>
-            <a:bodyPr/>
-            <a:lstStyle/>
-            <a:p/>
-          </p:txBody>
-        </p:sp>
-        <p:sp>
-          <p:nvSpPr>
-            <p:cNvPr id="170" name="pt169"/>
-            <p:cNvSpPr/>
-            <p:nvPr/>
-          </p:nvSpPr>
-          <p:spPr>
-            <a:xfrm>
-              <a:off x="2652773" y="3990125"/>
-              <a:ext cx="49651" cy="49651"/>
-            </a:xfrm>
-            <a:prstGeom prst="ellipse">
-              <a:avLst/>
-            </a:prstGeom>
-            <a:solidFill>
-              <a:srgbClr val="00BFC4">
-                <a:alpha val="100000"/>
-              </a:srgbClr>
-            </a:solidFill>
-            <a:ln w="9000" cap="rnd">
-              <a:solidFill>
-                <a:srgbClr val="00BFC4">
-                  <a:alpha val="100000"/>
-                </a:srgbClr>
-              </a:solidFill>
-              <a:prstDash val="solid"/>
-              <a:round/>
-            </a:ln>
-          </p:spPr>
-          <p:txBody>
-            <a:bodyPr/>
-            <a:lstStyle/>
-            <a:p/>
-          </p:txBody>
-        </p:sp>
-        <p:sp>
-          <p:nvSpPr>
-            <p:cNvPr id="171" name="pt170"/>
-            <p:cNvSpPr/>
-            <p:nvPr/>
-          </p:nvSpPr>
-          <p:spPr>
-            <a:xfrm>
-              <a:off x="2723496" y="3985523"/>
-              <a:ext cx="49651" cy="49651"/>
-            </a:xfrm>
-            <a:prstGeom prst="ellipse">
-              <a:avLst/>
-            </a:prstGeom>
-            <a:solidFill>
-              <a:srgbClr val="00BFC4">
-                <a:alpha val="100000"/>
-              </a:srgbClr>
-            </a:solidFill>
-            <a:ln w="9000" cap="rnd">
-              <a:solidFill>
-                <a:srgbClr val="00BFC4">
-                  <a:alpha val="100000"/>
-                </a:srgbClr>
-              </a:solidFill>
-              <a:prstDash val="solid"/>
-              <a:round/>
-            </a:ln>
-          </p:spPr>
-          <p:txBody>
-            <a:bodyPr/>
-            <a:lstStyle/>
-            <a:p/>
-          </p:txBody>
-        </p:sp>
-        <p:sp>
-          <p:nvSpPr>
-            <p:cNvPr id="172" name="pt171"/>
-            <p:cNvSpPr/>
-            <p:nvPr/>
-          </p:nvSpPr>
-          <p:spPr>
-            <a:xfrm>
-              <a:off x="2794220" y="3978743"/>
-              <a:ext cx="49651" cy="49651"/>
-            </a:xfrm>
-            <a:prstGeom prst="ellipse">
-              <a:avLst/>
-            </a:prstGeom>
-            <a:solidFill>
-              <a:srgbClr val="00BFC4">
-                <a:alpha val="100000"/>
-              </a:srgbClr>
-            </a:solidFill>
-            <a:ln w="9000" cap="rnd">
-              <a:solidFill>
-                <a:srgbClr val="00BFC4">
-                  <a:alpha val="100000"/>
-                </a:srgbClr>
-              </a:solidFill>
-              <a:prstDash val="solid"/>
-              <a:round/>
-            </a:ln>
-          </p:spPr>
-          <p:txBody>
-            <a:bodyPr/>
-            <a:lstStyle/>
-            <a:p/>
-          </p:txBody>
-        </p:sp>
-        <p:sp>
-          <p:nvSpPr>
-            <p:cNvPr id="173" name="pt172"/>
-            <p:cNvSpPr/>
-            <p:nvPr/>
-          </p:nvSpPr>
-          <p:spPr>
-            <a:xfrm>
-              <a:off x="2864943" y="3968924"/>
-              <a:ext cx="49651" cy="49651"/>
-            </a:xfrm>
-            <a:prstGeom prst="ellipse">
-              <a:avLst/>
-            </a:prstGeom>
-            <a:solidFill>
-              <a:srgbClr val="00BFC4">
-                <a:alpha val="100000"/>
-              </a:srgbClr>
-            </a:solidFill>
-            <a:ln w="9000" cap="rnd">
-              <a:solidFill>
-                <a:srgbClr val="00BFC4">
-                  <a:alpha val="100000"/>
-                </a:srgbClr>
-              </a:solidFill>
-              <a:prstDash val="solid"/>
-              <a:round/>
-            </a:ln>
-          </p:spPr>
-          <p:txBody>
-            <a:bodyPr/>
-            <a:lstStyle/>
-            <a:p/>
-          </p:txBody>
-        </p:sp>
-        <p:sp>
-          <p:nvSpPr>
-            <p:cNvPr id="174" name="pt173"/>
-            <p:cNvSpPr/>
-            <p:nvPr/>
-          </p:nvSpPr>
-          <p:spPr>
-            <a:xfrm>
-              <a:off x="2935667" y="3954730"/>
-              <a:ext cx="49651" cy="49651"/>
-            </a:xfrm>
-            <a:prstGeom prst="ellipse">
-              <a:avLst/>
-            </a:prstGeom>
-            <a:solidFill>
-              <a:srgbClr val="00BFC4">
-                <a:alpha val="100000"/>
-              </a:srgbClr>
-            </a:solidFill>
-            <a:ln w="9000" cap="rnd">
-              <a:solidFill>
-                <a:srgbClr val="00BFC4">
-                  <a:alpha val="100000"/>
-                </a:srgbClr>
-              </a:solidFill>
-              <a:prstDash val="solid"/>
-              <a:round/>
-            </a:ln>
-          </p:spPr>
-          <p:txBody>
-            <a:bodyPr/>
-            <a:lstStyle/>
-            <a:p/>
-          </p:txBody>
-        </p:sp>
-        <p:sp>
-          <p:nvSpPr>
-            <p:cNvPr id="175" name="pt174"/>
-            <p:cNvSpPr/>
-            <p:nvPr/>
-          </p:nvSpPr>
-          <p:spPr>
-            <a:xfrm>
-              <a:off x="3006390" y="3934614"/>
-              <a:ext cx="49651" cy="49651"/>
-            </a:xfrm>
-            <a:prstGeom prst="ellipse">
-              <a:avLst/>
-            </a:prstGeom>
-            <a:solidFill>
-              <a:srgbClr val="00BFC4">
-                <a:alpha val="100000"/>
-              </a:srgbClr>
-            </a:solidFill>
-            <a:ln w="9000" cap="rnd">
-              <a:solidFill>
-                <a:srgbClr val="00BFC4">
-                  <a:alpha val="100000"/>
-                </a:srgbClr>
-              </a:solidFill>
-              <a:prstDash val="solid"/>
-              <a:round/>
-            </a:ln>
-          </p:spPr>
-          <p:txBody>
-            <a:bodyPr/>
-            <a:lstStyle/>
-            <a:p/>
-          </p:txBody>
-        </p:sp>
-        <p:sp>
-          <p:nvSpPr>
-            <p:cNvPr id="176" name="pt175"/>
-            <p:cNvSpPr/>
-            <p:nvPr/>
-          </p:nvSpPr>
-          <p:spPr>
-            <a:xfrm>
-              <a:off x="3077114" y="3906636"/>
-              <a:ext cx="49651" cy="49651"/>
-            </a:xfrm>
-            <a:prstGeom prst="ellipse">
-              <a:avLst/>
-            </a:prstGeom>
-            <a:solidFill>
-              <a:srgbClr val="00BFC4">
-                <a:alpha val="100000"/>
-              </a:srgbClr>
-            </a:solidFill>
-            <a:ln w="9000" cap="rnd">
-              <a:solidFill>
-                <a:srgbClr val="00BFC4">
-                  <a:alpha val="100000"/>
-                </a:srgbClr>
-              </a:solidFill>
-              <a:prstDash val="solid"/>
-              <a:round/>
-            </a:ln>
-          </p:spPr>
-          <p:txBody>
-            <a:bodyPr/>
-            <a:lstStyle/>
-            <a:p/>
-          </p:txBody>
-        </p:sp>
-        <p:sp>
-          <p:nvSpPr>
-            <p:cNvPr id="177" name="pt176"/>
-            <p:cNvSpPr/>
-            <p:nvPr/>
-          </p:nvSpPr>
-          <p:spPr>
-            <a:xfrm>
-              <a:off x="3147837" y="3867859"/>
-              <a:ext cx="49651" cy="49651"/>
-            </a:xfrm>
-            <a:prstGeom prst="ellipse">
-              <a:avLst/>
-            </a:prstGeom>
-            <a:solidFill>
-              <a:srgbClr val="00BFC4">
-                <a:alpha val="100000"/>
-              </a:srgbClr>
-            </a:solidFill>
-            <a:ln w="9000" cap="rnd">
-              <a:solidFill>
-                <a:srgbClr val="00BFC4">
-                  <a:alpha val="100000"/>
-                </a:srgbClr>
-              </a:solidFill>
-              <a:prstDash val="solid"/>
-              <a:round/>
-            </a:ln>
-          </p:spPr>
-          <p:txBody>
-            <a:bodyPr/>
-            <a:lstStyle/>
-            <a:p/>
-          </p:txBody>
-        </p:sp>
-        <p:sp>
-          <p:nvSpPr>
-            <p:cNvPr id="178" name="pt177"/>
-            <p:cNvSpPr/>
-            <p:nvPr/>
-          </p:nvSpPr>
-          <p:spPr>
-            <a:xfrm>
-              <a:off x="3218561" y="3815381"/>
-              <a:ext cx="49651" cy="49651"/>
-            </a:xfrm>
-            <a:prstGeom prst="ellipse">
-              <a:avLst/>
-            </a:prstGeom>
-            <a:solidFill>
-              <a:srgbClr val="00BFC4">
-                <a:alpha val="100000"/>
-              </a:srgbClr>
-            </a:solidFill>
-            <a:ln w="9000" cap="rnd">
-              <a:solidFill>
-                <a:srgbClr val="00BFC4">
-                  <a:alpha val="100000"/>
-                </a:srgbClr>
-              </a:solidFill>
-              <a:prstDash val="solid"/>
-              <a:round/>
-            </a:ln>
-          </p:spPr>
-          <p:txBody>
-            <a:bodyPr/>
-            <a:lstStyle/>
-            <a:p/>
-          </p:txBody>
-        </p:sp>
-        <p:sp>
-          <p:nvSpPr>
-            <p:cNvPr id="179" name="pt178"/>
-            <p:cNvSpPr/>
-            <p:nvPr/>
-          </p:nvSpPr>
-          <p:spPr>
-            <a:xfrm>
-              <a:off x="3289284" y="3742955"/>
-              <a:ext cx="49651" cy="49651"/>
-            </a:xfrm>
-            <a:prstGeom prst="ellipse">
-              <a:avLst/>
-            </a:prstGeom>
-            <a:solidFill>
-              <a:srgbClr val="00BFC4">
-                <a:alpha val="100000"/>
-              </a:srgbClr>
-            </a:solidFill>
-            <a:ln w="9000" cap="rnd">
-              <a:solidFill>
-                <a:srgbClr val="00BFC4">
-                  <a:alpha val="100000"/>
-                </a:srgbClr>
-              </a:solidFill>
-              <a:prstDash val="solid"/>
-              <a:round/>
-            </a:ln>
-          </p:spPr>
-          <p:txBody>
-            <a:bodyPr/>
-            <a:lstStyle/>
-            <a:p/>
-          </p:txBody>
-        </p:sp>
-        <p:sp>
-          <p:nvSpPr>
-            <p:cNvPr id="180" name="pt179"/>
-            <p:cNvSpPr/>
-            <p:nvPr/>
-          </p:nvSpPr>
-          <p:spPr>
-            <a:xfrm>
-              <a:off x="3360008" y="3645500"/>
-              <a:ext cx="49651" cy="49651"/>
-            </a:xfrm>
-            <a:prstGeom prst="ellipse">
-              <a:avLst/>
-            </a:prstGeom>
-            <a:solidFill>
-              <a:srgbClr val="00BFC4">
-                <a:alpha val="100000"/>
-              </a:srgbClr>
-            </a:solidFill>
-            <a:ln w="9000" cap="rnd">
-              <a:solidFill>
-                <a:srgbClr val="00BFC4">
-                  <a:alpha val="100000"/>
-                </a:srgbClr>
-              </a:solidFill>
-              <a:prstDash val="solid"/>
-              <a:round/>
-            </a:ln>
-          </p:spPr>
-          <p:txBody>
-            <a:bodyPr/>
-            <a:lstStyle/>
-            <a:p/>
-          </p:txBody>
-        </p:sp>
-        <p:sp>
-          <p:nvSpPr>
-            <p:cNvPr id="181" name="pt180"/>
-            <p:cNvSpPr/>
-            <p:nvPr/>
-          </p:nvSpPr>
-          <p:spPr>
-            <a:xfrm>
-              <a:off x="3430731" y="3513798"/>
-              <a:ext cx="49651" cy="49651"/>
-            </a:xfrm>
-            <a:prstGeom prst="ellipse">
-              <a:avLst/>
-            </a:prstGeom>
-            <a:solidFill>
-              <a:srgbClr val="00BFC4">
-                <a:alpha val="100000"/>
-              </a:srgbClr>
-            </a:solidFill>
-            <a:ln w="9000" cap="rnd">
-              <a:solidFill>
-                <a:srgbClr val="00BFC4">
-                  <a:alpha val="100000"/>
-                </a:srgbClr>
-              </a:solidFill>
-              <a:prstDash val="solid"/>
-              <a:round/>
-            </a:ln>
-          </p:spPr>
-          <p:txBody>
-            <a:bodyPr/>
-            <a:lstStyle/>
-            <a:p/>
-          </p:txBody>
-        </p:sp>
-        <p:sp>
-          <p:nvSpPr>
-            <p:cNvPr id="182" name="pt181"/>
-            <p:cNvSpPr/>
-            <p:nvPr/>
-          </p:nvSpPr>
-          <p:spPr>
-            <a:xfrm>
-              <a:off x="3501455" y="3343357"/>
-              <a:ext cx="49651" cy="49651"/>
-            </a:xfrm>
-            <a:prstGeom prst="ellipse">
-              <a:avLst/>
-            </a:prstGeom>
-            <a:solidFill>
-              <a:srgbClr val="00BFC4">
-                <a:alpha val="100000"/>
-              </a:srgbClr>
-            </a:solidFill>
-            <a:ln w="9000" cap="rnd">
-              <a:solidFill>
-                <a:srgbClr val="00BFC4">
-                  <a:alpha val="100000"/>
-                </a:srgbClr>
-              </a:solidFill>
-              <a:prstDash val="solid"/>
-              <a:round/>
-            </a:ln>
-          </p:spPr>
-          <p:txBody>
-            <a:bodyPr/>
-            <a:lstStyle/>
-            <a:p/>
-          </p:txBody>
-        </p:sp>
-        <p:sp>
-          <p:nvSpPr>
-            <p:cNvPr id="183" name="pt182"/>
-            <p:cNvSpPr/>
-            <p:nvPr/>
-          </p:nvSpPr>
-          <p:spPr>
-            <a:xfrm>
-              <a:off x="3572178" y="3128665"/>
-              <a:ext cx="49651" cy="49651"/>
-            </a:xfrm>
-            <a:prstGeom prst="ellipse">
-              <a:avLst/>
-            </a:prstGeom>
-            <a:solidFill>
-              <a:srgbClr val="00BFC4">
-                <a:alpha val="100000"/>
-              </a:srgbClr>
-            </a:solidFill>
-            <a:ln w="9000" cap="rnd">
-              <a:solidFill>
-                <a:srgbClr val="00BFC4">
-                  <a:alpha val="100000"/>
-                </a:srgbClr>
-              </a:solidFill>
-              <a:prstDash val="solid"/>
-              <a:round/>
-            </a:ln>
-          </p:spPr>
-          <p:txBody>
-            <a:bodyPr/>
-            <a:lstStyle/>
-            <a:p/>
-          </p:txBody>
-        </p:sp>
-        <p:sp>
-          <p:nvSpPr>
-            <p:cNvPr id="184" name="pt183"/>
-            <p:cNvSpPr/>
-            <p:nvPr/>
-          </p:nvSpPr>
-          <p:spPr>
-            <a:xfrm>
-              <a:off x="3642902" y="2863997"/>
-              <a:ext cx="49651" cy="49651"/>
-            </a:xfrm>
-            <a:prstGeom prst="ellipse">
-              <a:avLst/>
-            </a:prstGeom>
-            <a:solidFill>
-              <a:srgbClr val="00BFC4">
-                <a:alpha val="100000"/>
-              </a:srgbClr>
-            </a:solidFill>
-            <a:ln w="9000" cap="rnd">
-              <a:solidFill>
-                <a:srgbClr val="00BFC4">
-                  <a:alpha val="100000"/>
-                </a:srgbClr>
-              </a:solidFill>
-              <a:prstDash val="solid"/>
-              <a:round/>
-            </a:ln>
-          </p:spPr>
-          <p:txBody>
-            <a:bodyPr/>
-            <a:lstStyle/>
-            <a:p/>
-          </p:txBody>
-        </p:sp>
-        <p:sp>
-          <p:nvSpPr>
-            <p:cNvPr id="185" name="pt184"/>
-            <p:cNvSpPr/>
-            <p:nvPr/>
-          </p:nvSpPr>
-          <p:spPr>
-            <a:xfrm>
-              <a:off x="3713625" y="2555620"/>
-              <a:ext cx="49651" cy="49651"/>
-            </a:xfrm>
-            <a:prstGeom prst="ellipse">
-              <a:avLst/>
-            </a:prstGeom>
-            <a:solidFill>
-              <a:srgbClr val="00BFC4">
-                <a:alpha val="100000"/>
-              </a:srgbClr>
-            </a:solidFill>
-            <a:ln w="9000" cap="rnd">
-              <a:solidFill>
-                <a:srgbClr val="00BFC4">
-                  <a:alpha val="100000"/>
-                </a:srgbClr>
-              </a:solidFill>
-              <a:prstDash val="solid"/>
-              <a:round/>
-            </a:ln>
-          </p:spPr>
-          <p:txBody>
-            <a:bodyPr/>
-            <a:lstStyle/>
-            <a:p/>
-          </p:txBody>
-        </p:sp>
-        <p:sp>
-          <p:nvSpPr>
-            <p:cNvPr id="186" name="pt185"/>
-            <p:cNvSpPr/>
-            <p:nvPr/>
-          </p:nvSpPr>
-          <p:spPr>
-            <a:xfrm>
-              <a:off x="3784349" y="2180199"/>
-              <a:ext cx="49651" cy="49651"/>
-            </a:xfrm>
-            <a:prstGeom prst="ellipse">
-              <a:avLst/>
-            </a:prstGeom>
-            <a:solidFill>
-              <a:srgbClr val="00BFC4">
-                <a:alpha val="100000"/>
-              </a:srgbClr>
-            </a:solidFill>
-            <a:ln w="9000" cap="rnd">
-              <a:solidFill>
-                <a:srgbClr val="00BFC4">
-                  <a:alpha val="100000"/>
-                </a:srgbClr>
-              </a:solidFill>
-              <a:prstDash val="solid"/>
-              <a:round/>
-            </a:ln>
-          </p:spPr>
-          <p:txBody>
-            <a:bodyPr/>
-            <a:lstStyle/>
-            <a:p/>
-          </p:txBody>
-        </p:sp>
-        <p:sp>
-          <p:nvSpPr>
-            <p:cNvPr id="187" name="pt186"/>
-            <p:cNvSpPr/>
-            <p:nvPr/>
-          </p:nvSpPr>
-          <p:spPr>
-            <a:xfrm>
-              <a:off x="3855072" y="1846073"/>
-              <a:ext cx="49651" cy="49651"/>
-            </a:xfrm>
-            <a:prstGeom prst="ellipse">
-              <a:avLst/>
-            </a:prstGeom>
-            <a:solidFill>
-              <a:srgbClr val="00BFC4">
-                <a:alpha val="100000"/>
-              </a:srgbClr>
-            </a:solidFill>
-            <a:ln w="9000" cap="rnd">
-              <a:solidFill>
-                <a:srgbClr val="00BFC4">
-                  <a:alpha val="100000"/>
-                </a:srgbClr>
-              </a:solidFill>
-              <a:prstDash val="solid"/>
-              <a:round/>
-            </a:ln>
-          </p:spPr>
-          <p:txBody>
-            <a:bodyPr/>
-            <a:lstStyle/>
-            <a:p/>
-          </p:txBody>
-        </p:sp>
-        <p:sp>
-          <p:nvSpPr>
-            <p:cNvPr id="188" name="pt187"/>
-            <p:cNvSpPr/>
-            <p:nvPr/>
-          </p:nvSpPr>
-          <p:spPr>
-            <a:xfrm>
-              <a:off x="3925796" y="1513341"/>
-              <a:ext cx="49651" cy="49651"/>
-            </a:xfrm>
-            <a:prstGeom prst="ellipse">
-              <a:avLst/>
-            </a:prstGeom>
-            <a:solidFill>
-              <a:srgbClr val="00BFC4">
-                <a:alpha val="100000"/>
-              </a:srgbClr>
-            </a:solidFill>
-            <a:ln w="9000" cap="rnd">
-              <a:solidFill>
-                <a:srgbClr val="00BFC4">
-                  <a:alpha val="100000"/>
-                </a:srgbClr>
-              </a:solidFill>
-              <a:prstDash val="solid"/>
-              <a:round/>
-            </a:ln>
-          </p:spPr>
-          <p:txBody>
-            <a:bodyPr/>
-            <a:lstStyle/>
-            <a:p/>
-          </p:txBody>
-        </p:sp>
-        <p:sp>
-          <p:nvSpPr>
-            <p:cNvPr id="189" name="pt188"/>
-            <p:cNvSpPr/>
-            <p:nvPr/>
-          </p:nvSpPr>
-          <p:spPr>
-            <a:xfrm>
-              <a:off x="3996519" y="1379086"/>
-              <a:ext cx="49651" cy="49651"/>
-            </a:xfrm>
-            <a:prstGeom prst="ellipse">
-              <a:avLst/>
-            </a:prstGeom>
-            <a:solidFill>
-              <a:srgbClr val="00BFC4">
-                <a:alpha val="100000"/>
-              </a:srgbClr>
-            </a:solidFill>
-            <a:ln w="9000" cap="rnd">
-              <a:solidFill>
-                <a:srgbClr val="00BFC4">
-                  <a:alpha val="100000"/>
-                </a:srgbClr>
-              </a:solidFill>
-              <a:prstDash val="solid"/>
-              <a:round/>
-            </a:ln>
-          </p:spPr>
-          <p:txBody>
-            <a:bodyPr/>
-            <a:lstStyle/>
-            <a:p/>
-          </p:txBody>
-        </p:sp>
-        <p:sp>
-          <p:nvSpPr>
-            <p:cNvPr id="190" name="pt189"/>
-            <p:cNvSpPr/>
-            <p:nvPr/>
-          </p:nvSpPr>
-          <p:spPr>
-            <a:xfrm>
-              <a:off x="4067243" y="1404975"/>
-              <a:ext cx="49651" cy="49651"/>
-            </a:xfrm>
-            <a:prstGeom prst="ellipse">
-              <a:avLst/>
-            </a:prstGeom>
-            <a:solidFill>
-              <a:srgbClr val="00BFC4">
-                <a:alpha val="100000"/>
-              </a:srgbClr>
-            </a:solidFill>
-            <a:ln w="9000" cap="rnd">
-              <a:solidFill>
-                <a:srgbClr val="00BFC4">
-                  <a:alpha val="100000"/>
-                </a:srgbClr>
-              </a:solidFill>
-              <a:prstDash val="solid"/>
-              <a:round/>
-            </a:ln>
-          </p:spPr>
-          <p:txBody>
-            <a:bodyPr/>
-            <a:lstStyle/>
-            <a:p/>
-          </p:txBody>
-        </p:sp>
-        <p:sp>
-          <p:nvSpPr>
-            <p:cNvPr id="191" name="pt190"/>
-            <p:cNvSpPr/>
-            <p:nvPr/>
-          </p:nvSpPr>
-          <p:spPr>
-            <a:xfrm>
-              <a:off x="4137967" y="1632285"/>
-              <a:ext cx="49651" cy="49651"/>
-            </a:xfrm>
-            <a:prstGeom prst="ellipse">
-              <a:avLst/>
-            </a:prstGeom>
-            <a:solidFill>
-              <a:srgbClr val="00BFC4">
-                <a:alpha val="100000"/>
-              </a:srgbClr>
-            </a:solidFill>
-            <a:ln w="9000" cap="rnd">
-              <a:solidFill>
-                <a:srgbClr val="00BFC4">
-                  <a:alpha val="100000"/>
-                </a:srgbClr>
-              </a:solidFill>
-              <a:prstDash val="solid"/>
-              <a:round/>
-            </a:ln>
-          </p:spPr>
-          <p:txBody>
-            <a:bodyPr/>
-            <a:lstStyle/>
-            <a:p/>
-          </p:txBody>
-        </p:sp>
-        <p:sp>
-          <p:nvSpPr>
-            <p:cNvPr id="192" name="pt191"/>
-            <p:cNvSpPr/>
-            <p:nvPr/>
-          </p:nvSpPr>
-          <p:spPr>
-            <a:xfrm>
-              <a:off x="4208690" y="1980383"/>
-              <a:ext cx="49651" cy="49651"/>
-            </a:xfrm>
-            <a:prstGeom prst="ellipse">
-              <a:avLst/>
-            </a:prstGeom>
-            <a:solidFill>
-              <a:srgbClr val="00BFC4">
-                <a:alpha val="100000"/>
-              </a:srgbClr>
-            </a:solidFill>
-            <a:ln w="9000" cap="rnd">
-              <a:solidFill>
-                <a:srgbClr val="00BFC4">
-                  <a:alpha val="100000"/>
-                </a:srgbClr>
-              </a:solidFill>
-              <a:prstDash val="solid"/>
-              <a:round/>
-            </a:ln>
-          </p:spPr>
-          <p:txBody>
-            <a:bodyPr/>
-            <a:lstStyle/>
-            <a:p/>
-          </p:txBody>
-        </p:sp>
-        <p:sp>
-          <p:nvSpPr>
-            <p:cNvPr id="193" name="pt192"/>
-            <p:cNvSpPr/>
-            <p:nvPr/>
-          </p:nvSpPr>
-          <p:spPr>
-            <a:xfrm>
-              <a:off x="4279414" y="2334341"/>
-              <a:ext cx="49651" cy="49651"/>
-            </a:xfrm>
-            <a:prstGeom prst="ellipse">
-              <a:avLst/>
-            </a:prstGeom>
-            <a:solidFill>
-              <a:srgbClr val="00BFC4">
-                <a:alpha val="100000"/>
-              </a:srgbClr>
-            </a:solidFill>
-            <a:ln w="9000" cap="rnd">
-              <a:solidFill>
-                <a:srgbClr val="00BFC4">
-                  <a:alpha val="100000"/>
-                </a:srgbClr>
-              </a:solidFill>
-              <a:prstDash val="solid"/>
-              <a:round/>
-            </a:ln>
-          </p:spPr>
-          <p:txBody>
-            <a:bodyPr/>
-            <a:lstStyle/>
-            <a:p/>
-          </p:txBody>
-        </p:sp>
-        <p:sp>
-          <p:nvSpPr>
-            <p:cNvPr id="194" name="pt193"/>
-            <p:cNvSpPr/>
-            <p:nvPr/>
-          </p:nvSpPr>
-          <p:spPr>
-            <a:xfrm>
-              <a:off x="4350137" y="2671724"/>
-              <a:ext cx="49651" cy="49651"/>
-            </a:xfrm>
-            <a:prstGeom prst="ellipse">
-              <a:avLst/>
-            </a:prstGeom>
-            <a:solidFill>
-              <a:srgbClr val="00BFC4">
-                <a:alpha val="100000"/>
-              </a:srgbClr>
-            </a:solidFill>
-            <a:ln w="9000" cap="rnd">
-              <a:solidFill>
-                <a:srgbClr val="00BFC4">
-                  <a:alpha val="100000"/>
-                </a:srgbClr>
-              </a:solidFill>
-              <a:prstDash val="solid"/>
-              <a:round/>
-            </a:ln>
-          </p:spPr>
-          <p:txBody>
-            <a:bodyPr/>
-            <a:lstStyle/>
-            <a:p/>
-          </p:txBody>
-        </p:sp>
-        <p:sp>
-          <p:nvSpPr>
-            <p:cNvPr id="195" name="pt194"/>
-            <p:cNvSpPr/>
-            <p:nvPr/>
-          </p:nvSpPr>
-          <p:spPr>
-            <a:xfrm>
-              <a:off x="4420861" y="2941837"/>
-              <a:ext cx="49651" cy="49651"/>
-            </a:xfrm>
-            <a:prstGeom prst="ellipse">
-              <a:avLst/>
-            </a:prstGeom>
-            <a:solidFill>
-              <a:srgbClr val="00BFC4">
-                <a:alpha val="100000"/>
-              </a:srgbClr>
-            </a:solidFill>
-            <a:ln w="9000" cap="rnd">
-              <a:solidFill>
-                <a:srgbClr val="00BFC4">
-                  <a:alpha val="100000"/>
-                </a:srgbClr>
-              </a:solidFill>
-              <a:prstDash val="solid"/>
-              <a:round/>
-            </a:ln>
-          </p:spPr>
-          <p:txBody>
-            <a:bodyPr/>
-            <a:lstStyle/>
-            <a:p/>
-          </p:txBody>
-        </p:sp>
-        <p:sp>
-          <p:nvSpPr>
-            <p:cNvPr id="196" name="pt195"/>
-            <p:cNvSpPr/>
-            <p:nvPr/>
-          </p:nvSpPr>
-          <p:spPr>
-            <a:xfrm>
-              <a:off x="4491584" y="3141966"/>
-              <a:ext cx="49651" cy="49651"/>
-            </a:xfrm>
-            <a:prstGeom prst="ellipse">
-              <a:avLst/>
-            </a:prstGeom>
-            <a:solidFill>
-              <a:srgbClr val="00BFC4">
-                <a:alpha val="100000"/>
-              </a:srgbClr>
-            </a:solidFill>
-            <a:ln w="9000" cap="rnd">
-              <a:solidFill>
-                <a:srgbClr val="00BFC4">
-                  <a:alpha val="100000"/>
-                </a:srgbClr>
-              </a:solidFill>
-              <a:prstDash val="solid"/>
-              <a:round/>
-            </a:ln>
-          </p:spPr>
-          <p:txBody>
-            <a:bodyPr/>
-            <a:lstStyle/>
-            <a:p/>
-          </p:txBody>
-        </p:sp>
-        <p:sp>
-          <p:nvSpPr>
-            <p:cNvPr id="197" name="pt196"/>
-            <p:cNvSpPr/>
-            <p:nvPr/>
-          </p:nvSpPr>
-          <p:spPr>
-            <a:xfrm>
-              <a:off x="4562308" y="3294374"/>
-              <a:ext cx="49651" cy="49651"/>
-            </a:xfrm>
-            <a:prstGeom prst="ellipse">
-              <a:avLst/>
-            </a:prstGeom>
-            <a:solidFill>
-              <a:srgbClr val="00BFC4">
-                <a:alpha val="100000"/>
-              </a:srgbClr>
-            </a:solidFill>
-            <a:ln w="9000" cap="rnd">
-              <a:solidFill>
-                <a:srgbClr val="00BFC4">
-                  <a:alpha val="100000"/>
-                </a:srgbClr>
-              </a:solidFill>
-              <a:prstDash val="solid"/>
-              <a:round/>
-            </a:ln>
-          </p:spPr>
-          <p:txBody>
-            <a:bodyPr/>
-            <a:lstStyle/>
-            <a:p/>
-          </p:txBody>
-        </p:sp>
-        <p:sp>
-          <p:nvSpPr>
-            <p:cNvPr id="198" name="pt197"/>
-            <p:cNvSpPr/>
-            <p:nvPr/>
-          </p:nvSpPr>
-          <p:spPr>
-            <a:xfrm>
-              <a:off x="4633031" y="3405421"/>
-              <a:ext cx="49651" cy="49651"/>
-            </a:xfrm>
-            <a:prstGeom prst="ellipse">
-              <a:avLst/>
-            </a:prstGeom>
-            <a:solidFill>
-              <a:srgbClr val="00BFC4">
-                <a:alpha val="100000"/>
-              </a:srgbClr>
-            </a:solidFill>
-            <a:ln w="9000" cap="rnd">
-              <a:solidFill>
-                <a:srgbClr val="00BFC4">
-                  <a:alpha val="100000"/>
-                </a:srgbClr>
-              </a:solidFill>
-              <a:prstDash val="solid"/>
-              <a:round/>
-            </a:ln>
-          </p:spPr>
-          <p:txBody>
-            <a:bodyPr/>
-            <a:lstStyle/>
-            <a:p/>
-          </p:txBody>
-        </p:sp>
-        <p:sp>
-          <p:nvSpPr>
-            <p:cNvPr id="199" name="pt198"/>
-            <p:cNvSpPr/>
-            <p:nvPr/>
-          </p:nvSpPr>
-          <p:spPr>
-            <a:xfrm>
-              <a:off x="4703755" y="3490959"/>
-              <a:ext cx="49651" cy="49651"/>
-            </a:xfrm>
-            <a:prstGeom prst="ellipse">
-              <a:avLst/>
-            </a:prstGeom>
-            <a:solidFill>
-              <a:srgbClr val="00BFC4">
-                <a:alpha val="100000"/>
-              </a:srgbClr>
-            </a:solidFill>
-            <a:ln w="9000" cap="rnd">
-              <a:solidFill>
-                <a:srgbClr val="00BFC4">
-                  <a:alpha val="100000"/>
-                </a:srgbClr>
-              </a:solidFill>
-              <a:prstDash val="solid"/>
-              <a:round/>
-            </a:ln>
-          </p:spPr>
-          <p:txBody>
-            <a:bodyPr/>
-            <a:lstStyle/>
-            <a:p/>
-          </p:txBody>
-        </p:sp>
-        <p:sp>
-          <p:nvSpPr>
-            <p:cNvPr id="200" name="pt199"/>
-            <p:cNvSpPr/>
-            <p:nvPr/>
-          </p:nvSpPr>
-          <p:spPr>
-            <a:xfrm>
-              <a:off x="4774478" y="3559543"/>
-              <a:ext cx="49651" cy="49651"/>
-            </a:xfrm>
-            <a:prstGeom prst="ellipse">
-              <a:avLst/>
-            </a:prstGeom>
-            <a:solidFill>
-              <a:srgbClr val="00BFC4">
-                <a:alpha val="100000"/>
-              </a:srgbClr>
-            </a:solidFill>
-            <a:ln w="9000" cap="rnd">
-              <a:solidFill>
-                <a:srgbClr val="00BFC4">
-                  <a:alpha val="100000"/>
-                </a:srgbClr>
-              </a:solidFill>
-              <a:prstDash val="solid"/>
-              <a:round/>
-            </a:ln>
-          </p:spPr>
-          <p:txBody>
-            <a:bodyPr/>
-            <a:lstStyle/>
-            <a:p/>
-          </p:txBody>
-        </p:sp>
-        <p:sp>
-          <p:nvSpPr>
-            <p:cNvPr id="201" name="pt200"/>
-            <p:cNvSpPr/>
-            <p:nvPr/>
-          </p:nvSpPr>
-          <p:spPr>
-            <a:xfrm>
-              <a:off x="4845202" y="3620543"/>
-              <a:ext cx="49651" cy="49651"/>
-            </a:xfrm>
-            <a:prstGeom prst="ellipse">
-              <a:avLst/>
-            </a:prstGeom>
-            <a:solidFill>
-              <a:srgbClr val="00BFC4">
-                <a:alpha val="100000"/>
-              </a:srgbClr>
-            </a:solidFill>
-            <a:ln w="9000" cap="rnd">
-              <a:solidFill>
-                <a:srgbClr val="00BFC4">
-                  <a:alpha val="100000"/>
-                </a:srgbClr>
-              </a:solidFill>
-              <a:prstDash val="solid"/>
-              <a:round/>
-            </a:ln>
-          </p:spPr>
-          <p:txBody>
-            <a:bodyPr/>
-            <a:lstStyle/>
-            <a:p/>
-          </p:txBody>
-        </p:sp>
-        <p:sp>
-          <p:nvSpPr>
-            <p:cNvPr id="202" name="pt201"/>
-            <p:cNvSpPr/>
-            <p:nvPr/>
-          </p:nvSpPr>
-          <p:spPr>
-            <a:xfrm>
-              <a:off x="4915925" y="3673446"/>
-              <a:ext cx="49651" cy="49651"/>
-            </a:xfrm>
-            <a:prstGeom prst="ellipse">
-              <a:avLst/>
-            </a:prstGeom>
-            <a:solidFill>
-              <a:srgbClr val="00BFC4">
-                <a:alpha val="100000"/>
-              </a:srgbClr>
-            </a:solidFill>
-            <a:ln w="9000" cap="rnd">
-              <a:solidFill>
-                <a:srgbClr val="00BFC4">
-                  <a:alpha val="100000"/>
-                </a:srgbClr>
-              </a:solidFill>
-              <a:prstDash val="solid"/>
-              <a:round/>
-            </a:ln>
-          </p:spPr>
-          <p:txBody>
-            <a:bodyPr/>
-            <a:lstStyle/>
-            <a:p/>
-          </p:txBody>
-        </p:sp>
-        <p:sp>
-          <p:nvSpPr>
-            <p:cNvPr id="203" name="pt202"/>
-            <p:cNvSpPr/>
-            <p:nvPr/>
-          </p:nvSpPr>
-          <p:spPr>
-            <a:xfrm>
-              <a:off x="4986649" y="3719808"/>
-              <a:ext cx="49651" cy="49651"/>
-            </a:xfrm>
-            <a:prstGeom prst="ellipse">
-              <a:avLst/>
-            </a:prstGeom>
-            <a:solidFill>
-              <a:srgbClr val="00BFC4">
-                <a:alpha val="100000"/>
-              </a:srgbClr>
-            </a:solidFill>
-            <a:ln w="9000" cap="rnd">
-              <a:solidFill>
-                <a:srgbClr val="00BFC4">
-                  <a:alpha val="100000"/>
-                </a:srgbClr>
-              </a:solidFill>
-              <a:prstDash val="solid"/>
-              <a:round/>
-            </a:ln>
-          </p:spPr>
-          <p:txBody>
-            <a:bodyPr/>
-            <a:lstStyle/>
-            <a:p/>
-          </p:txBody>
-        </p:sp>
-        <p:sp>
-          <p:nvSpPr>
-            <p:cNvPr id="204" name="pt203"/>
-            <p:cNvSpPr/>
-            <p:nvPr/>
-          </p:nvSpPr>
-          <p:spPr>
-            <a:xfrm>
-              <a:off x="5057372" y="3761828"/>
-              <a:ext cx="49651" cy="49651"/>
-            </a:xfrm>
-            <a:prstGeom prst="ellipse">
-              <a:avLst/>
-            </a:prstGeom>
-            <a:solidFill>
-              <a:srgbClr val="00BFC4">
-                <a:alpha val="100000"/>
-              </a:srgbClr>
-            </a:solidFill>
-            <a:ln w="9000" cap="rnd">
-              <a:solidFill>
-                <a:srgbClr val="00BFC4">
-                  <a:alpha val="100000"/>
-                </a:srgbClr>
-              </a:solidFill>
-              <a:prstDash val="solid"/>
-              <a:round/>
-            </a:ln>
-          </p:spPr>
-          <p:txBody>
-            <a:bodyPr/>
-            <a:lstStyle/>
-            <a:p/>
-          </p:txBody>
-        </p:sp>
-        <p:sp>
-          <p:nvSpPr>
-            <p:cNvPr id="205" name="pt204"/>
-            <p:cNvSpPr/>
-            <p:nvPr/>
-          </p:nvSpPr>
-          <p:spPr>
-            <a:xfrm>
-              <a:off x="5128096" y="3801924"/>
-              <a:ext cx="49651" cy="49651"/>
-            </a:xfrm>
-            <a:prstGeom prst="ellipse">
-              <a:avLst/>
-            </a:prstGeom>
-            <a:solidFill>
-              <a:srgbClr val="00BFC4">
-                <a:alpha val="100000"/>
-              </a:srgbClr>
-            </a:solidFill>
-            <a:ln w="9000" cap="rnd">
-              <a:solidFill>
-                <a:srgbClr val="00BFC4">
-                  <a:alpha val="100000"/>
-                </a:srgbClr>
-              </a:solidFill>
-              <a:prstDash val="solid"/>
-              <a:round/>
-            </a:ln>
-          </p:spPr>
-          <p:txBody>
-            <a:bodyPr/>
-            <a:lstStyle/>
-            <a:p/>
-          </p:txBody>
-        </p:sp>
-        <p:sp>
-          <p:nvSpPr>
-            <p:cNvPr id="206" name="pt205"/>
-            <p:cNvSpPr/>
-            <p:nvPr/>
-          </p:nvSpPr>
-          <p:spPr>
-            <a:xfrm>
-              <a:off x="5198819" y="3837371"/>
-              <a:ext cx="49651" cy="49651"/>
-            </a:xfrm>
-            <a:prstGeom prst="ellipse">
-              <a:avLst/>
-            </a:prstGeom>
-            <a:solidFill>
-              <a:srgbClr val="00BFC4">
-                <a:alpha val="100000"/>
-              </a:srgbClr>
-            </a:solidFill>
-            <a:ln w="9000" cap="rnd">
-              <a:solidFill>
-                <a:srgbClr val="00BFC4">
-                  <a:alpha val="100000"/>
-                </a:srgbClr>
-              </a:solidFill>
-              <a:prstDash val="solid"/>
-              <a:round/>
-            </a:ln>
-          </p:spPr>
-          <p:txBody>
-            <a:bodyPr/>
-            <a:lstStyle/>
-            <a:p/>
-          </p:txBody>
-        </p:sp>
-        <p:sp>
-          <p:nvSpPr>
-            <p:cNvPr id="207" name="pt206"/>
-            <p:cNvSpPr/>
-            <p:nvPr/>
-          </p:nvSpPr>
-          <p:spPr>
-            <a:xfrm>
-              <a:off x="5269543" y="3867962"/>
-              <a:ext cx="49651" cy="49651"/>
-            </a:xfrm>
-            <a:prstGeom prst="ellipse">
-              <a:avLst/>
-            </a:prstGeom>
-            <a:solidFill>
-              <a:srgbClr val="00BFC4">
-                <a:alpha val="100000"/>
-              </a:srgbClr>
-            </a:solidFill>
-            <a:ln w="9000" cap="rnd">
-              <a:solidFill>
-                <a:srgbClr val="00BFC4">
-                  <a:alpha val="100000"/>
-                </a:srgbClr>
-              </a:solidFill>
-              <a:prstDash val="solid"/>
-              <a:round/>
-            </a:ln>
-          </p:spPr>
-          <p:txBody>
-            <a:bodyPr/>
-            <a:lstStyle/>
-            <a:p/>
-          </p:txBody>
-        </p:sp>
-        <p:sp>
-          <p:nvSpPr>
-            <p:cNvPr id="208" name="pt207"/>
-            <p:cNvSpPr/>
-            <p:nvPr/>
-          </p:nvSpPr>
-          <p:spPr>
-            <a:xfrm>
-              <a:off x="5340266" y="3893514"/>
-              <a:ext cx="49651" cy="49651"/>
-            </a:xfrm>
-            <a:prstGeom prst="ellipse">
-              <a:avLst/>
-            </a:prstGeom>
-            <a:solidFill>
-              <a:srgbClr val="00BFC4">
-                <a:alpha val="100000"/>
-              </a:srgbClr>
-            </a:solidFill>
-            <a:ln w="9000" cap="rnd">
-              <a:solidFill>
-                <a:srgbClr val="00BFC4">
-                  <a:alpha val="100000"/>
-                </a:srgbClr>
-              </a:solidFill>
-              <a:prstDash val="solid"/>
-              <a:round/>
-            </a:ln>
-          </p:spPr>
-          <p:txBody>
-            <a:bodyPr/>
-            <a:lstStyle/>
-            <a:p/>
-          </p:txBody>
-        </p:sp>
-        <p:sp>
-          <p:nvSpPr>
-            <p:cNvPr id="209" name="pt208"/>
-            <p:cNvSpPr/>
-            <p:nvPr/>
-          </p:nvSpPr>
-          <p:spPr>
-            <a:xfrm>
-              <a:off x="5410990" y="3914289"/>
-              <a:ext cx="49651" cy="49651"/>
-            </a:xfrm>
-            <a:prstGeom prst="ellipse">
-              <a:avLst/>
-            </a:prstGeom>
-            <a:solidFill>
-              <a:srgbClr val="00BFC4">
-                <a:alpha val="100000"/>
-              </a:srgbClr>
-            </a:solidFill>
-            <a:ln w="9000" cap="rnd">
-              <a:solidFill>
-                <a:srgbClr val="00BFC4">
-                  <a:alpha val="100000"/>
-                </a:srgbClr>
-              </a:solidFill>
-              <a:prstDash val="solid"/>
-              <a:round/>
-            </a:ln>
-          </p:spPr>
-          <p:txBody>
-            <a:bodyPr/>
-            <a:lstStyle/>
-            <a:p/>
-          </p:txBody>
-        </p:sp>
-        <p:sp>
-          <p:nvSpPr>
-            <p:cNvPr id="210" name="pt209"/>
-            <p:cNvSpPr/>
-            <p:nvPr/>
-          </p:nvSpPr>
-          <p:spPr>
-            <a:xfrm>
-              <a:off x="1662644" y="3999679"/>
+              <a:off x="5340266" y="3854561"/>
               <a:ext cx="49651" cy="49651"/>
             </a:xfrm>
             <a:prstGeom prst="ellipse">
@@ -10433,1868 +8070,13 @@
         </p:sp>
         <p:sp>
           <p:nvSpPr>
-            <p:cNvPr id="211" name="pt210"/>
-            <p:cNvSpPr/>
-            <p:nvPr/>
-          </p:nvSpPr>
-          <p:spPr>
-            <a:xfrm>
-              <a:off x="1733367" y="3999646"/>
-              <a:ext cx="49651" cy="49651"/>
-            </a:xfrm>
-            <a:prstGeom prst="ellipse">
-              <a:avLst/>
-            </a:prstGeom>
-            <a:solidFill>
-              <a:srgbClr val="C77CFF">
-                <a:alpha val="100000"/>
-              </a:srgbClr>
-            </a:solidFill>
-            <a:ln w="9000" cap="rnd">
-              <a:solidFill>
-                <a:srgbClr val="C77CFF">
-                  <a:alpha val="100000"/>
-                </a:srgbClr>
-              </a:solidFill>
-              <a:prstDash val="solid"/>
-              <a:round/>
-            </a:ln>
-          </p:spPr>
-          <p:txBody>
-            <a:bodyPr/>
-            <a:lstStyle/>
-            <a:p/>
-          </p:txBody>
-        </p:sp>
-        <p:sp>
-          <p:nvSpPr>
-            <p:cNvPr id="212" name="pt211"/>
-            <p:cNvSpPr/>
-            <p:nvPr/>
-          </p:nvSpPr>
-          <p:spPr>
-            <a:xfrm>
-              <a:off x="1804091" y="3999598"/>
-              <a:ext cx="49651" cy="49651"/>
-            </a:xfrm>
-            <a:prstGeom prst="ellipse">
-              <a:avLst/>
-            </a:prstGeom>
-            <a:solidFill>
-              <a:srgbClr val="C77CFF">
-                <a:alpha val="100000"/>
-              </a:srgbClr>
-            </a:solidFill>
-            <a:ln w="9000" cap="rnd">
-              <a:solidFill>
-                <a:srgbClr val="C77CFF">
-                  <a:alpha val="100000"/>
-                </a:srgbClr>
-              </a:solidFill>
-              <a:prstDash val="solid"/>
-              <a:round/>
-            </a:ln>
-          </p:spPr>
-          <p:txBody>
-            <a:bodyPr/>
-            <a:lstStyle/>
-            <a:p/>
-          </p:txBody>
-        </p:sp>
-        <p:sp>
-          <p:nvSpPr>
-            <p:cNvPr id="213" name="pt212"/>
-            <p:cNvSpPr/>
-            <p:nvPr/>
-          </p:nvSpPr>
-          <p:spPr>
-            <a:xfrm>
-              <a:off x="1874814" y="3999528"/>
-              <a:ext cx="49651" cy="49651"/>
-            </a:xfrm>
-            <a:prstGeom prst="ellipse">
-              <a:avLst/>
-            </a:prstGeom>
-            <a:solidFill>
-              <a:srgbClr val="C77CFF">
-                <a:alpha val="100000"/>
-              </a:srgbClr>
-            </a:solidFill>
-            <a:ln w="9000" cap="rnd">
-              <a:solidFill>
-                <a:srgbClr val="C77CFF">
-                  <a:alpha val="100000"/>
-                </a:srgbClr>
-              </a:solidFill>
-              <a:prstDash val="solid"/>
-              <a:round/>
-            </a:ln>
-          </p:spPr>
-          <p:txBody>
-            <a:bodyPr/>
-            <a:lstStyle/>
-            <a:p/>
-          </p:txBody>
-        </p:sp>
-        <p:sp>
-          <p:nvSpPr>
-            <p:cNvPr id="214" name="pt213"/>
-            <p:cNvSpPr/>
-            <p:nvPr/>
-          </p:nvSpPr>
-          <p:spPr>
-            <a:xfrm>
-              <a:off x="1945538" y="3999425"/>
-              <a:ext cx="49651" cy="49651"/>
-            </a:xfrm>
-            <a:prstGeom prst="ellipse">
-              <a:avLst/>
-            </a:prstGeom>
-            <a:solidFill>
-              <a:srgbClr val="C77CFF">
-                <a:alpha val="100000"/>
-              </a:srgbClr>
-            </a:solidFill>
-            <a:ln w="9000" cap="rnd">
-              <a:solidFill>
-                <a:srgbClr val="C77CFF">
-                  <a:alpha val="100000"/>
-                </a:srgbClr>
-              </a:solidFill>
-              <a:prstDash val="solid"/>
-              <a:round/>
-            </a:ln>
-          </p:spPr>
-          <p:txBody>
-            <a:bodyPr/>
-            <a:lstStyle/>
-            <a:p/>
-          </p:txBody>
-        </p:sp>
-        <p:sp>
-          <p:nvSpPr>
-            <p:cNvPr id="215" name="pt214"/>
-            <p:cNvSpPr/>
-            <p:nvPr/>
-          </p:nvSpPr>
-          <p:spPr>
-            <a:xfrm>
-              <a:off x="2016261" y="3999275"/>
-              <a:ext cx="49651" cy="49651"/>
-            </a:xfrm>
-            <a:prstGeom prst="ellipse">
-              <a:avLst/>
-            </a:prstGeom>
-            <a:solidFill>
-              <a:srgbClr val="C77CFF">
-                <a:alpha val="100000"/>
-              </a:srgbClr>
-            </a:solidFill>
-            <a:ln w="9000" cap="rnd">
-              <a:solidFill>
-                <a:srgbClr val="C77CFF">
-                  <a:alpha val="100000"/>
-                </a:srgbClr>
-              </a:solidFill>
-              <a:prstDash val="solid"/>
-              <a:round/>
-            </a:ln>
-          </p:spPr>
-          <p:txBody>
-            <a:bodyPr/>
-            <a:lstStyle/>
-            <a:p/>
-          </p:txBody>
-        </p:sp>
-        <p:sp>
-          <p:nvSpPr>
-            <p:cNvPr id="216" name="pt215"/>
-            <p:cNvSpPr/>
-            <p:nvPr/>
-          </p:nvSpPr>
-          <p:spPr>
-            <a:xfrm>
-              <a:off x="2086985" y="3999055"/>
-              <a:ext cx="49651" cy="49651"/>
-            </a:xfrm>
-            <a:prstGeom prst="ellipse">
-              <a:avLst/>
-            </a:prstGeom>
-            <a:solidFill>
-              <a:srgbClr val="C77CFF">
-                <a:alpha val="100000"/>
-              </a:srgbClr>
-            </a:solidFill>
-            <a:ln w="9000" cap="rnd">
-              <a:solidFill>
-                <a:srgbClr val="C77CFF">
-                  <a:alpha val="100000"/>
-                </a:srgbClr>
-              </a:solidFill>
-              <a:prstDash val="solid"/>
-              <a:round/>
-            </a:ln>
-          </p:spPr>
-          <p:txBody>
-            <a:bodyPr/>
-            <a:lstStyle/>
-            <a:p/>
-          </p:txBody>
-        </p:sp>
-        <p:sp>
-          <p:nvSpPr>
-            <p:cNvPr id="217" name="pt216"/>
-            <p:cNvSpPr/>
-            <p:nvPr/>
-          </p:nvSpPr>
-          <p:spPr>
-            <a:xfrm>
-              <a:off x="2157708" y="3998733"/>
-              <a:ext cx="49651" cy="49651"/>
-            </a:xfrm>
-            <a:prstGeom prst="ellipse">
-              <a:avLst/>
-            </a:prstGeom>
-            <a:solidFill>
-              <a:srgbClr val="C77CFF">
-                <a:alpha val="100000"/>
-              </a:srgbClr>
-            </a:solidFill>
-            <a:ln w="9000" cap="rnd">
-              <a:solidFill>
-                <a:srgbClr val="C77CFF">
-                  <a:alpha val="100000"/>
-                </a:srgbClr>
-              </a:solidFill>
-              <a:prstDash val="solid"/>
-              <a:round/>
-            </a:ln>
-          </p:spPr>
-          <p:txBody>
-            <a:bodyPr/>
-            <a:lstStyle/>
-            <a:p/>
-          </p:txBody>
-        </p:sp>
-        <p:sp>
-          <p:nvSpPr>
-            <p:cNvPr id="218" name="pt217"/>
-            <p:cNvSpPr/>
-            <p:nvPr/>
-          </p:nvSpPr>
-          <p:spPr>
-            <a:xfrm>
-              <a:off x="2228432" y="3998262"/>
-              <a:ext cx="49651" cy="49651"/>
-            </a:xfrm>
-            <a:prstGeom prst="ellipse">
-              <a:avLst/>
-            </a:prstGeom>
-            <a:solidFill>
-              <a:srgbClr val="C77CFF">
-                <a:alpha val="100000"/>
-              </a:srgbClr>
-            </a:solidFill>
-            <a:ln w="9000" cap="rnd">
-              <a:solidFill>
-                <a:srgbClr val="C77CFF">
-                  <a:alpha val="100000"/>
-                </a:srgbClr>
-              </a:solidFill>
-              <a:prstDash val="solid"/>
-              <a:round/>
-            </a:ln>
-          </p:spPr>
-          <p:txBody>
-            <a:bodyPr/>
-            <a:lstStyle/>
-            <a:p/>
-          </p:txBody>
-        </p:sp>
-        <p:sp>
-          <p:nvSpPr>
-            <p:cNvPr id="219" name="pt218"/>
-            <p:cNvSpPr/>
-            <p:nvPr/>
-          </p:nvSpPr>
-          <p:spPr>
-            <a:xfrm>
-              <a:off x="2299155" y="3997574"/>
-              <a:ext cx="49651" cy="49651"/>
-            </a:xfrm>
-            <a:prstGeom prst="ellipse">
-              <a:avLst/>
-            </a:prstGeom>
-            <a:solidFill>
-              <a:srgbClr val="C77CFF">
-                <a:alpha val="100000"/>
-              </a:srgbClr>
-            </a:solidFill>
-            <a:ln w="9000" cap="rnd">
-              <a:solidFill>
-                <a:srgbClr val="C77CFF">
-                  <a:alpha val="100000"/>
-                </a:srgbClr>
-              </a:solidFill>
-              <a:prstDash val="solid"/>
-              <a:round/>
-            </a:ln>
-          </p:spPr>
-          <p:txBody>
-            <a:bodyPr/>
-            <a:lstStyle/>
-            <a:p/>
-          </p:txBody>
-        </p:sp>
-        <p:sp>
-          <p:nvSpPr>
-            <p:cNvPr id="220" name="pt219"/>
-            <p:cNvSpPr/>
-            <p:nvPr/>
-          </p:nvSpPr>
-          <p:spPr>
-            <a:xfrm>
-              <a:off x="2369879" y="3996570"/>
-              <a:ext cx="49651" cy="49651"/>
-            </a:xfrm>
-            <a:prstGeom prst="ellipse">
-              <a:avLst/>
-            </a:prstGeom>
-            <a:solidFill>
-              <a:srgbClr val="C77CFF">
-                <a:alpha val="100000"/>
-              </a:srgbClr>
-            </a:solidFill>
-            <a:ln w="9000" cap="rnd">
-              <a:solidFill>
-                <a:srgbClr val="C77CFF">
-                  <a:alpha val="100000"/>
-                </a:srgbClr>
-              </a:solidFill>
-              <a:prstDash val="solid"/>
-              <a:round/>
-            </a:ln>
-          </p:spPr>
-          <p:txBody>
-            <a:bodyPr/>
-            <a:lstStyle/>
-            <a:p/>
-          </p:txBody>
-        </p:sp>
-        <p:sp>
-          <p:nvSpPr>
-            <p:cNvPr id="221" name="pt220"/>
-            <p:cNvSpPr/>
-            <p:nvPr/>
-          </p:nvSpPr>
-          <p:spPr>
-            <a:xfrm>
-              <a:off x="2440602" y="3995106"/>
-              <a:ext cx="49651" cy="49651"/>
-            </a:xfrm>
-            <a:prstGeom prst="ellipse">
-              <a:avLst/>
-            </a:prstGeom>
-            <a:solidFill>
-              <a:srgbClr val="C77CFF">
-                <a:alpha val="100000"/>
-              </a:srgbClr>
-            </a:solidFill>
-            <a:ln w="9000" cap="rnd">
-              <a:solidFill>
-                <a:srgbClr val="C77CFF">
-                  <a:alpha val="100000"/>
-                </a:srgbClr>
-              </a:solidFill>
-              <a:prstDash val="solid"/>
-              <a:round/>
-            </a:ln>
-          </p:spPr>
-          <p:txBody>
-            <a:bodyPr/>
-            <a:lstStyle/>
-            <a:p/>
-          </p:txBody>
-        </p:sp>
-        <p:sp>
-          <p:nvSpPr>
-            <p:cNvPr id="222" name="pt221"/>
-            <p:cNvSpPr/>
-            <p:nvPr/>
-          </p:nvSpPr>
-          <p:spPr>
-            <a:xfrm>
-              <a:off x="2511326" y="3992975"/>
-              <a:ext cx="49651" cy="49651"/>
-            </a:xfrm>
-            <a:prstGeom prst="ellipse">
-              <a:avLst/>
-            </a:prstGeom>
-            <a:solidFill>
-              <a:srgbClr val="C77CFF">
-                <a:alpha val="100000"/>
-              </a:srgbClr>
-            </a:solidFill>
-            <a:ln w="9000" cap="rnd">
-              <a:solidFill>
-                <a:srgbClr val="C77CFF">
-                  <a:alpha val="100000"/>
-                </a:srgbClr>
-              </a:solidFill>
-              <a:prstDash val="solid"/>
-              <a:round/>
-            </a:ln>
-          </p:spPr>
-          <p:txBody>
-            <a:bodyPr/>
-            <a:lstStyle/>
-            <a:p/>
-          </p:txBody>
-        </p:sp>
-        <p:sp>
-          <p:nvSpPr>
-            <p:cNvPr id="223" name="pt222"/>
-            <p:cNvSpPr/>
-            <p:nvPr/>
-          </p:nvSpPr>
-          <p:spPr>
-            <a:xfrm>
-              <a:off x="2582049" y="3989888"/>
-              <a:ext cx="49651" cy="49651"/>
-            </a:xfrm>
-            <a:prstGeom prst="ellipse">
-              <a:avLst/>
-            </a:prstGeom>
-            <a:solidFill>
-              <a:srgbClr val="C77CFF">
-                <a:alpha val="100000"/>
-              </a:srgbClr>
-            </a:solidFill>
-            <a:ln w="9000" cap="rnd">
-              <a:solidFill>
-                <a:srgbClr val="C77CFF">
-                  <a:alpha val="100000"/>
-                </a:srgbClr>
-              </a:solidFill>
-              <a:prstDash val="solid"/>
-              <a:round/>
-            </a:ln>
-          </p:spPr>
-          <p:txBody>
-            <a:bodyPr/>
-            <a:lstStyle/>
-            <a:p/>
-          </p:txBody>
-        </p:sp>
-        <p:sp>
-          <p:nvSpPr>
-            <p:cNvPr id="224" name="pt223"/>
-            <p:cNvSpPr/>
-            <p:nvPr/>
-          </p:nvSpPr>
-          <p:spPr>
-            <a:xfrm>
-              <a:off x="2652773" y="3985411"/>
-              <a:ext cx="49651" cy="49651"/>
-            </a:xfrm>
-            <a:prstGeom prst="ellipse">
-              <a:avLst/>
-            </a:prstGeom>
-            <a:solidFill>
-              <a:srgbClr val="C77CFF">
-                <a:alpha val="100000"/>
-              </a:srgbClr>
-            </a:solidFill>
-            <a:ln w="9000" cap="rnd">
-              <a:solidFill>
-                <a:srgbClr val="C77CFF">
-                  <a:alpha val="100000"/>
-                </a:srgbClr>
-              </a:solidFill>
-              <a:prstDash val="solid"/>
-              <a:round/>
-            </a:ln>
-          </p:spPr>
-          <p:txBody>
-            <a:bodyPr/>
-            <a:lstStyle/>
-            <a:p/>
-          </p:txBody>
-        </p:sp>
-        <p:sp>
-          <p:nvSpPr>
-            <p:cNvPr id="225" name="pt224"/>
-            <p:cNvSpPr/>
-            <p:nvPr/>
-          </p:nvSpPr>
-          <p:spPr>
-            <a:xfrm>
-              <a:off x="2723496" y="3979027"/>
-              <a:ext cx="49651" cy="49651"/>
-            </a:xfrm>
-            <a:prstGeom prst="ellipse">
-              <a:avLst/>
-            </a:prstGeom>
-            <a:solidFill>
-              <a:srgbClr val="C77CFF">
-                <a:alpha val="100000"/>
-              </a:srgbClr>
-            </a:solidFill>
-            <a:ln w="9000" cap="rnd">
-              <a:solidFill>
-                <a:srgbClr val="C77CFF">
-                  <a:alpha val="100000"/>
-                </a:srgbClr>
-              </a:solidFill>
-              <a:prstDash val="solid"/>
-              <a:round/>
-            </a:ln>
-          </p:spPr>
-          <p:txBody>
-            <a:bodyPr/>
-            <a:lstStyle/>
-            <a:p/>
-          </p:txBody>
-        </p:sp>
-        <p:sp>
-          <p:nvSpPr>
-            <p:cNvPr id="226" name="pt225"/>
-            <p:cNvSpPr/>
-            <p:nvPr/>
-          </p:nvSpPr>
-          <p:spPr>
-            <a:xfrm>
-              <a:off x="2794220" y="3969867"/>
-              <a:ext cx="49651" cy="49651"/>
-            </a:xfrm>
-            <a:prstGeom prst="ellipse">
-              <a:avLst/>
-            </a:prstGeom>
-            <a:solidFill>
-              <a:srgbClr val="C77CFF">
-                <a:alpha val="100000"/>
-              </a:srgbClr>
-            </a:solidFill>
-            <a:ln w="9000" cap="rnd">
-              <a:solidFill>
-                <a:srgbClr val="C77CFF">
-                  <a:alpha val="100000"/>
-                </a:srgbClr>
-              </a:solidFill>
-              <a:prstDash val="solid"/>
-              <a:round/>
-            </a:ln>
-          </p:spPr>
-          <p:txBody>
-            <a:bodyPr/>
-            <a:lstStyle/>
-            <a:p/>
-          </p:txBody>
-        </p:sp>
-        <p:sp>
-          <p:nvSpPr>
-            <p:cNvPr id="227" name="pt226"/>
-            <p:cNvSpPr/>
-            <p:nvPr/>
-          </p:nvSpPr>
-          <p:spPr>
-            <a:xfrm>
-              <a:off x="2864943" y="3957180"/>
-              <a:ext cx="49651" cy="49651"/>
-            </a:xfrm>
-            <a:prstGeom prst="ellipse">
-              <a:avLst/>
-            </a:prstGeom>
-            <a:solidFill>
-              <a:srgbClr val="C77CFF">
-                <a:alpha val="100000"/>
-              </a:srgbClr>
-            </a:solidFill>
-            <a:ln w="9000" cap="rnd">
-              <a:solidFill>
-                <a:srgbClr val="C77CFF">
-                  <a:alpha val="100000"/>
-                </a:srgbClr>
-              </a:solidFill>
-              <a:prstDash val="solid"/>
-              <a:round/>
-            </a:ln>
-          </p:spPr>
-          <p:txBody>
-            <a:bodyPr/>
-            <a:lstStyle/>
-            <a:p/>
-          </p:txBody>
-        </p:sp>
-        <p:sp>
-          <p:nvSpPr>
-            <p:cNvPr id="228" name="pt227"/>
-            <p:cNvSpPr/>
-            <p:nvPr/>
-          </p:nvSpPr>
-          <p:spPr>
-            <a:xfrm>
-              <a:off x="2935667" y="3939640"/>
-              <a:ext cx="49651" cy="49651"/>
-            </a:xfrm>
-            <a:prstGeom prst="ellipse">
-              <a:avLst/>
-            </a:prstGeom>
-            <a:solidFill>
-              <a:srgbClr val="C77CFF">
-                <a:alpha val="100000"/>
-              </a:srgbClr>
-            </a:solidFill>
-            <a:ln w="9000" cap="rnd">
-              <a:solidFill>
-                <a:srgbClr val="C77CFF">
-                  <a:alpha val="100000"/>
-                </a:srgbClr>
-              </a:solidFill>
-              <a:prstDash val="solid"/>
-              <a:round/>
-            </a:ln>
-          </p:spPr>
-          <p:txBody>
-            <a:bodyPr/>
-            <a:lstStyle/>
-            <a:p/>
-          </p:txBody>
-        </p:sp>
-        <p:sp>
-          <p:nvSpPr>
-            <p:cNvPr id="229" name="pt228"/>
-            <p:cNvSpPr/>
-            <p:nvPr/>
-          </p:nvSpPr>
-          <p:spPr>
-            <a:xfrm>
-              <a:off x="3006390" y="3916362"/>
-              <a:ext cx="49651" cy="49651"/>
-            </a:xfrm>
-            <a:prstGeom prst="ellipse">
-              <a:avLst/>
-            </a:prstGeom>
-            <a:solidFill>
-              <a:srgbClr val="C77CFF">
-                <a:alpha val="100000"/>
-              </a:srgbClr>
-            </a:solidFill>
-            <a:ln w="9000" cap="rnd">
-              <a:solidFill>
-                <a:srgbClr val="C77CFF">
-                  <a:alpha val="100000"/>
-                </a:srgbClr>
-              </a:solidFill>
-              <a:prstDash val="solid"/>
-              <a:round/>
-            </a:ln>
-          </p:spPr>
-          <p:txBody>
-            <a:bodyPr/>
-            <a:lstStyle/>
-            <a:p/>
-          </p:txBody>
-        </p:sp>
-        <p:sp>
-          <p:nvSpPr>
-            <p:cNvPr id="230" name="pt229"/>
-            <p:cNvSpPr/>
-            <p:nvPr/>
-          </p:nvSpPr>
-          <p:spPr>
-            <a:xfrm>
-              <a:off x="3077114" y="3885542"/>
-              <a:ext cx="49651" cy="49651"/>
-            </a:xfrm>
-            <a:prstGeom prst="ellipse">
-              <a:avLst/>
-            </a:prstGeom>
-            <a:solidFill>
-              <a:srgbClr val="C77CFF">
-                <a:alpha val="100000"/>
-              </a:srgbClr>
-            </a:solidFill>
-            <a:ln w="9000" cap="rnd">
-              <a:solidFill>
-                <a:srgbClr val="C77CFF">
-                  <a:alpha val="100000"/>
-                </a:srgbClr>
-              </a:solidFill>
-              <a:prstDash val="solid"/>
-              <a:round/>
-            </a:ln>
-          </p:spPr>
-          <p:txBody>
-            <a:bodyPr/>
-            <a:lstStyle/>
-            <a:p/>
-          </p:txBody>
-        </p:sp>
-        <p:sp>
-          <p:nvSpPr>
-            <p:cNvPr id="231" name="pt230"/>
-            <p:cNvSpPr/>
-            <p:nvPr/>
-          </p:nvSpPr>
-          <p:spPr>
-            <a:xfrm>
-              <a:off x="3147837" y="3844854"/>
-              <a:ext cx="49651" cy="49651"/>
-            </a:xfrm>
-            <a:prstGeom prst="ellipse">
-              <a:avLst/>
-            </a:prstGeom>
-            <a:solidFill>
-              <a:srgbClr val="C77CFF">
-                <a:alpha val="100000"/>
-              </a:srgbClr>
-            </a:solidFill>
-            <a:ln w="9000" cap="rnd">
-              <a:solidFill>
-                <a:srgbClr val="C77CFF">
-                  <a:alpha val="100000"/>
-                </a:srgbClr>
-              </a:solidFill>
-              <a:prstDash val="solid"/>
-              <a:round/>
-            </a:ln>
-          </p:spPr>
-          <p:txBody>
-            <a:bodyPr/>
-            <a:lstStyle/>
-            <a:p/>
-          </p:txBody>
-        </p:sp>
-        <p:sp>
-          <p:nvSpPr>
-            <p:cNvPr id="232" name="pt231"/>
-            <p:cNvSpPr/>
-            <p:nvPr/>
-          </p:nvSpPr>
-          <p:spPr>
-            <a:xfrm>
-              <a:off x="3218561" y="3790353"/>
-              <a:ext cx="49651" cy="49651"/>
-            </a:xfrm>
-            <a:prstGeom prst="ellipse">
-              <a:avLst/>
-            </a:prstGeom>
-            <a:solidFill>
-              <a:srgbClr val="C77CFF">
-                <a:alpha val="100000"/>
-              </a:srgbClr>
-            </a:solidFill>
-            <a:ln w="9000" cap="rnd">
-              <a:solidFill>
-                <a:srgbClr val="C77CFF">
-                  <a:alpha val="100000"/>
-                </a:srgbClr>
-              </a:solidFill>
-              <a:prstDash val="solid"/>
-              <a:round/>
-            </a:ln>
-          </p:spPr>
-          <p:txBody>
-            <a:bodyPr/>
-            <a:lstStyle/>
-            <a:p/>
-          </p:txBody>
-        </p:sp>
-        <p:sp>
-          <p:nvSpPr>
-            <p:cNvPr id="233" name="pt232"/>
-            <p:cNvSpPr/>
-            <p:nvPr/>
-          </p:nvSpPr>
-          <p:spPr>
-            <a:xfrm>
-              <a:off x="3289284" y="3716686"/>
-              <a:ext cx="49651" cy="49651"/>
-            </a:xfrm>
-            <a:prstGeom prst="ellipse">
-              <a:avLst/>
-            </a:prstGeom>
-            <a:solidFill>
-              <a:srgbClr val="C77CFF">
-                <a:alpha val="100000"/>
-              </a:srgbClr>
-            </a:solidFill>
-            <a:ln w="9000" cap="rnd">
-              <a:solidFill>
-                <a:srgbClr val="C77CFF">
-                  <a:alpha val="100000"/>
-                </a:srgbClr>
-              </a:solidFill>
-              <a:prstDash val="solid"/>
-              <a:round/>
-            </a:ln>
-          </p:spPr>
-          <p:txBody>
-            <a:bodyPr/>
-            <a:lstStyle/>
-            <a:p/>
-          </p:txBody>
-        </p:sp>
-        <p:sp>
-          <p:nvSpPr>
-            <p:cNvPr id="234" name="pt233"/>
-            <p:cNvSpPr/>
-            <p:nvPr/>
-          </p:nvSpPr>
-          <p:spPr>
-            <a:xfrm>
-              <a:off x="3360008" y="3608460"/>
-              <a:ext cx="49651" cy="49651"/>
-            </a:xfrm>
-            <a:prstGeom prst="ellipse">
-              <a:avLst/>
-            </a:prstGeom>
-            <a:solidFill>
-              <a:srgbClr val="C77CFF">
-                <a:alpha val="100000"/>
-              </a:srgbClr>
-            </a:solidFill>
-            <a:ln w="9000" cap="rnd">
-              <a:solidFill>
-                <a:srgbClr val="C77CFF">
-                  <a:alpha val="100000"/>
-                </a:srgbClr>
-              </a:solidFill>
-              <a:prstDash val="solid"/>
-              <a:round/>
-            </a:ln>
-          </p:spPr>
-          <p:txBody>
-            <a:bodyPr/>
-            <a:lstStyle/>
-            <a:p/>
-          </p:txBody>
-        </p:sp>
-        <p:sp>
-          <p:nvSpPr>
-            <p:cNvPr id="235" name="pt234"/>
-            <p:cNvSpPr/>
-            <p:nvPr/>
-          </p:nvSpPr>
-          <p:spPr>
-            <a:xfrm>
-              <a:off x="3430731" y="3458521"/>
-              <a:ext cx="49651" cy="49651"/>
-            </a:xfrm>
-            <a:prstGeom prst="ellipse">
-              <a:avLst/>
-            </a:prstGeom>
-            <a:solidFill>
-              <a:srgbClr val="C77CFF">
-                <a:alpha val="100000"/>
-              </a:srgbClr>
-            </a:solidFill>
-            <a:ln w="9000" cap="rnd">
-              <a:solidFill>
-                <a:srgbClr val="C77CFF">
-                  <a:alpha val="100000"/>
-                </a:srgbClr>
-              </a:solidFill>
-              <a:prstDash val="solid"/>
-              <a:round/>
-            </a:ln>
-          </p:spPr>
-          <p:txBody>
-            <a:bodyPr/>
-            <a:lstStyle/>
-            <a:p/>
-          </p:txBody>
-        </p:sp>
-        <p:sp>
-          <p:nvSpPr>
-            <p:cNvPr id="236" name="pt235"/>
-            <p:cNvSpPr/>
-            <p:nvPr/>
-          </p:nvSpPr>
-          <p:spPr>
-            <a:xfrm>
-              <a:off x="3501455" y="3249853"/>
-              <a:ext cx="49651" cy="49651"/>
-            </a:xfrm>
-            <a:prstGeom prst="ellipse">
-              <a:avLst/>
-            </a:prstGeom>
-            <a:solidFill>
-              <a:srgbClr val="C77CFF">
-                <a:alpha val="100000"/>
-              </a:srgbClr>
-            </a:solidFill>
-            <a:ln w="9000" cap="rnd">
-              <a:solidFill>
-                <a:srgbClr val="C77CFF">
-                  <a:alpha val="100000"/>
-                </a:srgbClr>
-              </a:solidFill>
-              <a:prstDash val="solid"/>
-              <a:round/>
-            </a:ln>
-          </p:spPr>
-          <p:txBody>
-            <a:bodyPr/>
-            <a:lstStyle/>
-            <a:p/>
-          </p:txBody>
-        </p:sp>
-        <p:sp>
-          <p:nvSpPr>
-            <p:cNvPr id="237" name="pt236"/>
-            <p:cNvSpPr/>
-            <p:nvPr/>
-          </p:nvSpPr>
-          <p:spPr>
-            <a:xfrm>
-              <a:off x="3572178" y="2973019"/>
-              <a:ext cx="49651" cy="49651"/>
-            </a:xfrm>
-            <a:prstGeom prst="ellipse">
-              <a:avLst/>
-            </a:prstGeom>
-            <a:solidFill>
-              <a:srgbClr val="C77CFF">
-                <a:alpha val="100000"/>
-              </a:srgbClr>
-            </a:solidFill>
-            <a:ln w="9000" cap="rnd">
-              <a:solidFill>
-                <a:srgbClr val="C77CFF">
-                  <a:alpha val="100000"/>
-                </a:srgbClr>
-              </a:solidFill>
-              <a:prstDash val="solid"/>
-              <a:round/>
-            </a:ln>
-          </p:spPr>
-          <p:txBody>
-            <a:bodyPr/>
-            <a:lstStyle/>
-            <a:p/>
-          </p:txBody>
-        </p:sp>
-        <p:sp>
-          <p:nvSpPr>
-            <p:cNvPr id="238" name="pt237"/>
-            <p:cNvSpPr/>
-            <p:nvPr/>
-          </p:nvSpPr>
-          <p:spPr>
-            <a:xfrm>
-              <a:off x="3642902" y="2610608"/>
-              <a:ext cx="49651" cy="49651"/>
-            </a:xfrm>
-            <a:prstGeom prst="ellipse">
-              <a:avLst/>
-            </a:prstGeom>
-            <a:solidFill>
-              <a:srgbClr val="C77CFF">
-                <a:alpha val="100000"/>
-              </a:srgbClr>
-            </a:solidFill>
-            <a:ln w="9000" cap="rnd">
-              <a:solidFill>
-                <a:srgbClr val="C77CFF">
-                  <a:alpha val="100000"/>
-                </a:srgbClr>
-              </a:solidFill>
-              <a:prstDash val="solid"/>
-              <a:round/>
-            </a:ln>
-          </p:spPr>
-          <p:txBody>
-            <a:bodyPr/>
-            <a:lstStyle/>
-            <a:p/>
-          </p:txBody>
-        </p:sp>
-        <p:sp>
-          <p:nvSpPr>
-            <p:cNvPr id="239" name="pt238"/>
-            <p:cNvSpPr/>
-            <p:nvPr/>
-          </p:nvSpPr>
-          <p:spPr>
-            <a:xfrm>
-              <a:off x="3713625" y="2262182"/>
-              <a:ext cx="49651" cy="49651"/>
-            </a:xfrm>
-            <a:prstGeom prst="ellipse">
-              <a:avLst/>
-            </a:prstGeom>
-            <a:solidFill>
-              <a:srgbClr val="C77CFF">
-                <a:alpha val="100000"/>
-              </a:srgbClr>
-            </a:solidFill>
-            <a:ln w="9000" cap="rnd">
-              <a:solidFill>
-                <a:srgbClr val="C77CFF">
-                  <a:alpha val="100000"/>
-                </a:srgbClr>
-              </a:solidFill>
-              <a:prstDash val="solid"/>
-              <a:round/>
-            </a:ln>
-          </p:spPr>
-          <p:txBody>
-            <a:bodyPr/>
-            <a:lstStyle/>
-            <a:p/>
-          </p:txBody>
-        </p:sp>
-        <p:sp>
-          <p:nvSpPr>
-            <p:cNvPr id="240" name="pt239"/>
-            <p:cNvSpPr/>
-            <p:nvPr/>
-          </p:nvSpPr>
-          <p:spPr>
-            <a:xfrm>
-              <a:off x="3784349" y="1887531"/>
-              <a:ext cx="49651" cy="49651"/>
-            </a:xfrm>
-            <a:prstGeom prst="ellipse">
-              <a:avLst/>
-            </a:prstGeom>
-            <a:solidFill>
-              <a:srgbClr val="C77CFF">
-                <a:alpha val="100000"/>
-              </a:srgbClr>
-            </a:solidFill>
-            <a:ln w="9000" cap="rnd">
-              <a:solidFill>
-                <a:srgbClr val="C77CFF">
-                  <a:alpha val="100000"/>
-                </a:srgbClr>
-              </a:solidFill>
-              <a:prstDash val="solid"/>
-              <a:round/>
-            </a:ln>
-          </p:spPr>
-          <p:txBody>
-            <a:bodyPr/>
-            <a:lstStyle/>
-            <a:p/>
-          </p:txBody>
-        </p:sp>
-        <p:sp>
-          <p:nvSpPr>
-            <p:cNvPr id="241" name="pt240"/>
-            <p:cNvSpPr/>
-            <p:nvPr/>
-          </p:nvSpPr>
-          <p:spPr>
-            <a:xfrm>
-              <a:off x="3855072" y="1686154"/>
-              <a:ext cx="49651" cy="49651"/>
-            </a:xfrm>
-            <a:prstGeom prst="ellipse">
-              <a:avLst/>
-            </a:prstGeom>
-            <a:solidFill>
-              <a:srgbClr val="C77CFF">
-                <a:alpha val="100000"/>
-              </a:srgbClr>
-            </a:solidFill>
-            <a:ln w="9000" cap="rnd">
-              <a:solidFill>
-                <a:srgbClr val="C77CFF">
-                  <a:alpha val="100000"/>
-                </a:srgbClr>
-              </a:solidFill>
-              <a:prstDash val="solid"/>
-              <a:round/>
-            </a:ln>
-          </p:spPr>
-          <p:txBody>
-            <a:bodyPr/>
-            <a:lstStyle/>
-            <a:p/>
-          </p:txBody>
-        </p:sp>
-        <p:sp>
-          <p:nvSpPr>
-            <p:cNvPr id="242" name="pt241"/>
-            <p:cNvSpPr/>
-            <p:nvPr/>
-          </p:nvSpPr>
-          <p:spPr>
-            <a:xfrm>
-              <a:off x="3925796" y="1482144"/>
-              <a:ext cx="49651" cy="49651"/>
-            </a:xfrm>
-            <a:prstGeom prst="ellipse">
-              <a:avLst/>
-            </a:prstGeom>
-            <a:solidFill>
-              <a:srgbClr val="C77CFF">
-                <a:alpha val="100000"/>
-              </a:srgbClr>
-            </a:solidFill>
-            <a:ln w="9000" cap="rnd">
-              <a:solidFill>
-                <a:srgbClr val="C77CFF">
-                  <a:alpha val="100000"/>
-                </a:srgbClr>
-              </a:solidFill>
-              <a:prstDash val="solid"/>
-              <a:round/>
-            </a:ln>
-          </p:spPr>
-          <p:txBody>
-            <a:bodyPr/>
-            <a:lstStyle/>
-            <a:p/>
-          </p:txBody>
-        </p:sp>
-        <p:sp>
-          <p:nvSpPr>
-            <p:cNvPr id="243" name="pt242"/>
-            <p:cNvSpPr/>
-            <p:nvPr/>
-          </p:nvSpPr>
-          <p:spPr>
-            <a:xfrm>
-              <a:off x="3996519" y="1292452"/>
-              <a:ext cx="49651" cy="49651"/>
-            </a:xfrm>
-            <a:prstGeom prst="ellipse">
-              <a:avLst/>
-            </a:prstGeom>
-            <a:solidFill>
-              <a:srgbClr val="C77CFF">
-                <a:alpha val="100000"/>
-              </a:srgbClr>
-            </a:solidFill>
-            <a:ln w="9000" cap="rnd">
-              <a:solidFill>
-                <a:srgbClr val="C77CFF">
-                  <a:alpha val="100000"/>
-                </a:srgbClr>
-              </a:solidFill>
-              <a:prstDash val="solid"/>
-              <a:round/>
-            </a:ln>
-          </p:spPr>
-          <p:txBody>
-            <a:bodyPr/>
-            <a:lstStyle/>
-            <a:p/>
-          </p:txBody>
-        </p:sp>
-        <p:sp>
-          <p:nvSpPr>
-            <p:cNvPr id="244" name="pt243"/>
-            <p:cNvSpPr/>
-            <p:nvPr/>
-          </p:nvSpPr>
-          <p:spPr>
-            <a:xfrm>
-              <a:off x="4067243" y="1241076"/>
-              <a:ext cx="49651" cy="49651"/>
-            </a:xfrm>
-            <a:prstGeom prst="ellipse">
-              <a:avLst/>
-            </a:prstGeom>
-            <a:solidFill>
-              <a:srgbClr val="C77CFF">
-                <a:alpha val="100000"/>
-              </a:srgbClr>
-            </a:solidFill>
-            <a:ln w="9000" cap="rnd">
-              <a:solidFill>
-                <a:srgbClr val="C77CFF">
-                  <a:alpha val="100000"/>
-                </a:srgbClr>
-              </a:solidFill>
-              <a:prstDash val="solid"/>
-              <a:round/>
-            </a:ln>
-          </p:spPr>
-          <p:txBody>
-            <a:bodyPr/>
-            <a:lstStyle/>
-            <a:p/>
-          </p:txBody>
-        </p:sp>
-        <p:sp>
-          <p:nvSpPr>
-            <p:cNvPr id="245" name="pt244"/>
-            <p:cNvSpPr/>
-            <p:nvPr/>
-          </p:nvSpPr>
-          <p:spPr>
-            <a:xfrm>
-              <a:off x="4137967" y="1379844"/>
-              <a:ext cx="49651" cy="49651"/>
-            </a:xfrm>
-            <a:prstGeom prst="ellipse">
-              <a:avLst/>
-            </a:prstGeom>
-            <a:solidFill>
-              <a:srgbClr val="C77CFF">
-                <a:alpha val="100000"/>
-              </a:srgbClr>
-            </a:solidFill>
-            <a:ln w="9000" cap="rnd">
-              <a:solidFill>
-                <a:srgbClr val="C77CFF">
-                  <a:alpha val="100000"/>
-                </a:srgbClr>
-              </a:solidFill>
-              <a:prstDash val="solid"/>
-              <a:round/>
-            </a:ln>
-          </p:spPr>
-          <p:txBody>
-            <a:bodyPr/>
-            <a:lstStyle/>
-            <a:p/>
-          </p:txBody>
-        </p:sp>
-        <p:sp>
-          <p:nvSpPr>
-            <p:cNvPr id="246" name="pt245"/>
-            <p:cNvSpPr/>
-            <p:nvPr/>
-          </p:nvSpPr>
-          <p:spPr>
-            <a:xfrm>
-              <a:off x="4208690" y="1713904"/>
-              <a:ext cx="49651" cy="49651"/>
-            </a:xfrm>
-            <a:prstGeom prst="ellipse">
-              <a:avLst/>
-            </a:prstGeom>
-            <a:solidFill>
-              <a:srgbClr val="C77CFF">
-                <a:alpha val="100000"/>
-              </a:srgbClr>
-            </a:solidFill>
-            <a:ln w="9000" cap="rnd">
-              <a:solidFill>
-                <a:srgbClr val="C77CFF">
-                  <a:alpha val="100000"/>
-                </a:srgbClr>
-              </a:solidFill>
-              <a:prstDash val="solid"/>
-              <a:round/>
-            </a:ln>
-          </p:spPr>
-          <p:txBody>
-            <a:bodyPr/>
-            <a:lstStyle/>
-            <a:p/>
-          </p:txBody>
-        </p:sp>
-        <p:sp>
-          <p:nvSpPr>
-            <p:cNvPr id="247" name="pt246"/>
-            <p:cNvSpPr/>
-            <p:nvPr/>
-          </p:nvSpPr>
-          <p:spPr>
-            <a:xfrm>
-              <a:off x="4279414" y="2088154"/>
-              <a:ext cx="49651" cy="49651"/>
-            </a:xfrm>
-            <a:prstGeom prst="ellipse">
-              <a:avLst/>
-            </a:prstGeom>
-            <a:solidFill>
-              <a:srgbClr val="C77CFF">
-                <a:alpha val="100000"/>
-              </a:srgbClr>
-            </a:solidFill>
-            <a:ln w="9000" cap="rnd">
-              <a:solidFill>
-                <a:srgbClr val="C77CFF">
-                  <a:alpha val="100000"/>
-                </a:srgbClr>
-              </a:solidFill>
-              <a:prstDash val="solid"/>
-              <a:round/>
-            </a:ln>
-          </p:spPr>
-          <p:txBody>
-            <a:bodyPr/>
-            <a:lstStyle/>
-            <a:p/>
-          </p:txBody>
-        </p:sp>
-        <p:sp>
-          <p:nvSpPr>
-            <p:cNvPr id="248" name="pt247"/>
-            <p:cNvSpPr/>
-            <p:nvPr/>
-          </p:nvSpPr>
-          <p:spPr>
-            <a:xfrm>
-              <a:off x="4350137" y="2533081"/>
-              <a:ext cx="49651" cy="49651"/>
-            </a:xfrm>
-            <a:prstGeom prst="ellipse">
-              <a:avLst/>
-            </a:prstGeom>
-            <a:solidFill>
-              <a:srgbClr val="C77CFF">
-                <a:alpha val="100000"/>
-              </a:srgbClr>
-            </a:solidFill>
-            <a:ln w="9000" cap="rnd">
-              <a:solidFill>
-                <a:srgbClr val="C77CFF">
-                  <a:alpha val="100000"/>
-                </a:srgbClr>
-              </a:solidFill>
-              <a:prstDash val="solid"/>
-              <a:round/>
-            </a:ln>
-          </p:spPr>
-          <p:txBody>
-            <a:bodyPr/>
-            <a:lstStyle/>
-            <a:p/>
-          </p:txBody>
-        </p:sp>
-        <p:sp>
-          <p:nvSpPr>
-            <p:cNvPr id="249" name="pt248"/>
-            <p:cNvSpPr/>
-            <p:nvPr/>
-          </p:nvSpPr>
-          <p:spPr>
-            <a:xfrm>
-              <a:off x="4420861" y="2884504"/>
-              <a:ext cx="49651" cy="49651"/>
-            </a:xfrm>
-            <a:prstGeom prst="ellipse">
-              <a:avLst/>
-            </a:prstGeom>
-            <a:solidFill>
-              <a:srgbClr val="C77CFF">
-                <a:alpha val="100000"/>
-              </a:srgbClr>
-            </a:solidFill>
-            <a:ln w="9000" cap="rnd">
-              <a:solidFill>
-                <a:srgbClr val="C77CFF">
-                  <a:alpha val="100000"/>
-                </a:srgbClr>
-              </a:solidFill>
-              <a:prstDash val="solid"/>
-              <a:round/>
-            </a:ln>
-          </p:spPr>
-          <p:txBody>
-            <a:bodyPr/>
-            <a:lstStyle/>
-            <a:p/>
-          </p:txBody>
-        </p:sp>
-        <p:sp>
-          <p:nvSpPr>
-            <p:cNvPr id="250" name="pt249"/>
-            <p:cNvSpPr/>
-            <p:nvPr/>
-          </p:nvSpPr>
-          <p:spPr>
-            <a:xfrm>
-              <a:off x="4491584" y="3148420"/>
-              <a:ext cx="49651" cy="49651"/>
-            </a:xfrm>
-            <a:prstGeom prst="ellipse">
-              <a:avLst/>
-            </a:prstGeom>
-            <a:solidFill>
-              <a:srgbClr val="C77CFF">
-                <a:alpha val="100000"/>
-              </a:srgbClr>
-            </a:solidFill>
-            <a:ln w="9000" cap="rnd">
-              <a:solidFill>
-                <a:srgbClr val="C77CFF">
-                  <a:alpha val="100000"/>
-                </a:srgbClr>
-              </a:solidFill>
-              <a:prstDash val="solid"/>
-              <a:round/>
-            </a:ln>
-          </p:spPr>
-          <p:txBody>
-            <a:bodyPr/>
-            <a:lstStyle/>
-            <a:p/>
-          </p:txBody>
-        </p:sp>
-        <p:sp>
-          <p:nvSpPr>
-            <p:cNvPr id="251" name="pt250"/>
-            <p:cNvSpPr/>
-            <p:nvPr/>
-          </p:nvSpPr>
-          <p:spPr>
-            <a:xfrm>
-              <a:off x="4562308" y="3330190"/>
-              <a:ext cx="49651" cy="49651"/>
-            </a:xfrm>
-            <a:prstGeom prst="ellipse">
-              <a:avLst/>
-            </a:prstGeom>
-            <a:solidFill>
-              <a:srgbClr val="C77CFF">
-                <a:alpha val="100000"/>
-              </a:srgbClr>
-            </a:solidFill>
-            <a:ln w="9000" cap="rnd">
-              <a:solidFill>
-                <a:srgbClr val="C77CFF">
-                  <a:alpha val="100000"/>
-                </a:srgbClr>
-              </a:solidFill>
-              <a:prstDash val="solid"/>
-              <a:round/>
-            </a:ln>
-          </p:spPr>
-          <p:txBody>
-            <a:bodyPr/>
-            <a:lstStyle/>
-            <a:p/>
-          </p:txBody>
-        </p:sp>
-        <p:sp>
-          <p:nvSpPr>
-            <p:cNvPr id="252" name="pt251"/>
-            <p:cNvSpPr/>
-            <p:nvPr/>
-          </p:nvSpPr>
-          <p:spPr>
-            <a:xfrm>
-              <a:off x="4633031" y="3445286"/>
-              <a:ext cx="49651" cy="49651"/>
-            </a:xfrm>
-            <a:prstGeom prst="ellipse">
-              <a:avLst/>
-            </a:prstGeom>
-            <a:solidFill>
-              <a:srgbClr val="C77CFF">
-                <a:alpha val="100000"/>
-              </a:srgbClr>
-            </a:solidFill>
-            <a:ln w="9000" cap="rnd">
-              <a:solidFill>
-                <a:srgbClr val="C77CFF">
-                  <a:alpha val="100000"/>
-                </a:srgbClr>
-              </a:solidFill>
-              <a:prstDash val="solid"/>
-              <a:round/>
-            </a:ln>
-          </p:spPr>
-          <p:txBody>
-            <a:bodyPr/>
-            <a:lstStyle/>
-            <a:p/>
-          </p:txBody>
-        </p:sp>
-        <p:sp>
-          <p:nvSpPr>
-            <p:cNvPr id="253" name="pt252"/>
-            <p:cNvSpPr/>
-            <p:nvPr/>
-          </p:nvSpPr>
-          <p:spPr>
-            <a:xfrm>
-              <a:off x="4703755" y="3517003"/>
-              <a:ext cx="49651" cy="49651"/>
-            </a:xfrm>
-            <a:prstGeom prst="ellipse">
-              <a:avLst/>
-            </a:prstGeom>
-            <a:solidFill>
-              <a:srgbClr val="C77CFF">
-                <a:alpha val="100000"/>
-              </a:srgbClr>
-            </a:solidFill>
-            <a:ln w="9000" cap="rnd">
-              <a:solidFill>
-                <a:srgbClr val="C77CFF">
-                  <a:alpha val="100000"/>
-                </a:srgbClr>
-              </a:solidFill>
-              <a:prstDash val="solid"/>
-              <a:round/>
-            </a:ln>
-          </p:spPr>
-          <p:txBody>
-            <a:bodyPr/>
-            <a:lstStyle/>
-            <a:p/>
-          </p:txBody>
-        </p:sp>
-        <p:sp>
-          <p:nvSpPr>
-            <p:cNvPr id="254" name="pt253"/>
-            <p:cNvSpPr/>
-            <p:nvPr/>
-          </p:nvSpPr>
-          <p:spPr>
-            <a:xfrm>
-              <a:off x="4774478" y="3565165"/>
-              <a:ext cx="49651" cy="49651"/>
-            </a:xfrm>
-            <a:prstGeom prst="ellipse">
-              <a:avLst/>
-            </a:prstGeom>
-            <a:solidFill>
-              <a:srgbClr val="C77CFF">
-                <a:alpha val="100000"/>
-              </a:srgbClr>
-            </a:solidFill>
-            <a:ln w="9000" cap="rnd">
-              <a:solidFill>
-                <a:srgbClr val="C77CFF">
-                  <a:alpha val="100000"/>
-                </a:srgbClr>
-              </a:solidFill>
-              <a:prstDash val="solid"/>
-              <a:round/>
-            </a:ln>
-          </p:spPr>
-          <p:txBody>
-            <a:bodyPr/>
-            <a:lstStyle/>
-            <a:p/>
-          </p:txBody>
-        </p:sp>
-        <p:sp>
-          <p:nvSpPr>
-            <p:cNvPr id="255" name="pt254"/>
-            <p:cNvSpPr/>
-            <p:nvPr/>
-          </p:nvSpPr>
-          <p:spPr>
-            <a:xfrm>
-              <a:off x="4845202" y="3601275"/>
-              <a:ext cx="49651" cy="49651"/>
-            </a:xfrm>
-            <a:prstGeom prst="ellipse">
-              <a:avLst/>
-            </a:prstGeom>
-            <a:solidFill>
-              <a:srgbClr val="C77CFF">
-                <a:alpha val="100000"/>
-              </a:srgbClr>
-            </a:solidFill>
-            <a:ln w="9000" cap="rnd">
-              <a:solidFill>
-                <a:srgbClr val="C77CFF">
-                  <a:alpha val="100000"/>
-                </a:srgbClr>
-              </a:solidFill>
-              <a:prstDash val="solid"/>
-              <a:round/>
-            </a:ln>
-          </p:spPr>
-          <p:txBody>
-            <a:bodyPr/>
-            <a:lstStyle/>
-            <a:p/>
-          </p:txBody>
-        </p:sp>
-        <p:sp>
-          <p:nvSpPr>
-            <p:cNvPr id="256" name="pt255"/>
-            <p:cNvSpPr/>
-            <p:nvPr/>
-          </p:nvSpPr>
-          <p:spPr>
-            <a:xfrm>
-              <a:off x="4915925" y="3633557"/>
-              <a:ext cx="49651" cy="49651"/>
-            </a:xfrm>
-            <a:prstGeom prst="ellipse">
-              <a:avLst/>
-            </a:prstGeom>
-            <a:solidFill>
-              <a:srgbClr val="C77CFF">
-                <a:alpha val="100000"/>
-              </a:srgbClr>
-            </a:solidFill>
-            <a:ln w="9000" cap="rnd">
-              <a:solidFill>
-                <a:srgbClr val="C77CFF">
-                  <a:alpha val="100000"/>
-                </a:srgbClr>
-              </a:solidFill>
-              <a:prstDash val="solid"/>
-              <a:round/>
-            </a:ln>
-          </p:spPr>
-          <p:txBody>
-            <a:bodyPr/>
-            <a:lstStyle/>
-            <a:p/>
-          </p:txBody>
-        </p:sp>
-        <p:sp>
-          <p:nvSpPr>
-            <p:cNvPr id="257" name="pt256"/>
-            <p:cNvSpPr/>
-            <p:nvPr/>
-          </p:nvSpPr>
-          <p:spPr>
-            <a:xfrm>
-              <a:off x="4986649" y="3669801"/>
-              <a:ext cx="49651" cy="49651"/>
-            </a:xfrm>
-            <a:prstGeom prst="ellipse">
-              <a:avLst/>
-            </a:prstGeom>
-            <a:solidFill>
-              <a:srgbClr val="C77CFF">
-                <a:alpha val="100000"/>
-              </a:srgbClr>
-            </a:solidFill>
-            <a:ln w="9000" cap="rnd">
-              <a:solidFill>
-                <a:srgbClr val="C77CFF">
-                  <a:alpha val="100000"/>
-                </a:srgbClr>
-              </a:solidFill>
-              <a:prstDash val="solid"/>
-              <a:round/>
-            </a:ln>
-          </p:spPr>
-          <p:txBody>
-            <a:bodyPr/>
-            <a:lstStyle/>
-            <a:p/>
-          </p:txBody>
-        </p:sp>
-        <p:sp>
-          <p:nvSpPr>
-            <p:cNvPr id="258" name="pt257"/>
-            <p:cNvSpPr/>
-            <p:nvPr/>
-          </p:nvSpPr>
-          <p:spPr>
-            <a:xfrm>
-              <a:off x="5057372" y="3703110"/>
-              <a:ext cx="49651" cy="49651"/>
-            </a:xfrm>
-            <a:prstGeom prst="ellipse">
-              <a:avLst/>
-            </a:prstGeom>
-            <a:solidFill>
-              <a:srgbClr val="C77CFF">
-                <a:alpha val="100000"/>
-              </a:srgbClr>
-            </a:solidFill>
-            <a:ln w="9000" cap="rnd">
-              <a:solidFill>
-                <a:srgbClr val="C77CFF">
-                  <a:alpha val="100000"/>
-                </a:srgbClr>
-              </a:solidFill>
-              <a:prstDash val="solid"/>
-              <a:round/>
-            </a:ln>
-          </p:spPr>
-          <p:txBody>
-            <a:bodyPr/>
-            <a:lstStyle/>
-            <a:p/>
-          </p:txBody>
-        </p:sp>
-        <p:sp>
-          <p:nvSpPr>
-            <p:cNvPr id="259" name="pt258"/>
-            <p:cNvSpPr/>
-            <p:nvPr/>
-          </p:nvSpPr>
-          <p:spPr>
-            <a:xfrm>
-              <a:off x="5128096" y="3734421"/>
-              <a:ext cx="49651" cy="49651"/>
-            </a:xfrm>
-            <a:prstGeom prst="ellipse">
-              <a:avLst/>
-            </a:prstGeom>
-            <a:solidFill>
-              <a:srgbClr val="C77CFF">
-                <a:alpha val="100000"/>
-              </a:srgbClr>
-            </a:solidFill>
-            <a:ln w="9000" cap="rnd">
-              <a:solidFill>
-                <a:srgbClr val="C77CFF">
-                  <a:alpha val="100000"/>
-                </a:srgbClr>
-              </a:solidFill>
-              <a:prstDash val="solid"/>
-              <a:round/>
-            </a:ln>
-          </p:spPr>
-          <p:txBody>
-            <a:bodyPr/>
-            <a:lstStyle/>
-            <a:p/>
-          </p:txBody>
-        </p:sp>
-        <p:sp>
-          <p:nvSpPr>
-            <p:cNvPr id="260" name="pt259"/>
-            <p:cNvSpPr/>
-            <p:nvPr/>
-          </p:nvSpPr>
-          <p:spPr>
-            <a:xfrm>
-              <a:off x="5198819" y="3761314"/>
-              <a:ext cx="49651" cy="49651"/>
-            </a:xfrm>
-            <a:prstGeom prst="ellipse">
-              <a:avLst/>
-            </a:prstGeom>
-            <a:solidFill>
-              <a:srgbClr val="C77CFF">
-                <a:alpha val="100000"/>
-              </a:srgbClr>
-            </a:solidFill>
-            <a:ln w="9000" cap="rnd">
-              <a:solidFill>
-                <a:srgbClr val="C77CFF">
-                  <a:alpha val="100000"/>
-                </a:srgbClr>
-              </a:solidFill>
-              <a:prstDash val="solid"/>
-              <a:round/>
-            </a:ln>
-          </p:spPr>
-          <p:txBody>
-            <a:bodyPr/>
-            <a:lstStyle/>
-            <a:p/>
-          </p:txBody>
-        </p:sp>
-        <p:sp>
-          <p:nvSpPr>
-            <p:cNvPr id="261" name="pt260"/>
-            <p:cNvSpPr/>
-            <p:nvPr/>
-          </p:nvSpPr>
-          <p:spPr>
-            <a:xfrm>
-              <a:off x="5269543" y="3784603"/>
-              <a:ext cx="49651" cy="49651"/>
-            </a:xfrm>
-            <a:prstGeom prst="ellipse">
-              <a:avLst/>
-            </a:prstGeom>
-            <a:solidFill>
-              <a:srgbClr val="C77CFF">
-                <a:alpha val="100000"/>
-              </a:srgbClr>
-            </a:solidFill>
-            <a:ln w="9000" cap="rnd">
-              <a:solidFill>
-                <a:srgbClr val="C77CFF">
-                  <a:alpha val="100000"/>
-                </a:srgbClr>
-              </a:solidFill>
-              <a:prstDash val="solid"/>
-              <a:round/>
-            </a:ln>
-          </p:spPr>
-          <p:txBody>
-            <a:bodyPr/>
-            <a:lstStyle/>
-            <a:p/>
-          </p:txBody>
-        </p:sp>
-        <p:sp>
-          <p:nvSpPr>
-            <p:cNvPr id="262" name="pt261"/>
-            <p:cNvSpPr/>
-            <p:nvPr/>
-          </p:nvSpPr>
-          <p:spPr>
-            <a:xfrm>
-              <a:off x="5340266" y="3803533"/>
-              <a:ext cx="49651" cy="49651"/>
-            </a:xfrm>
-            <a:prstGeom prst="ellipse">
-              <a:avLst/>
-            </a:prstGeom>
-            <a:solidFill>
-              <a:srgbClr val="C77CFF">
-                <a:alpha val="100000"/>
-              </a:srgbClr>
-            </a:solidFill>
-            <a:ln w="9000" cap="rnd">
-              <a:solidFill>
-                <a:srgbClr val="C77CFF">
-                  <a:alpha val="100000"/>
-                </a:srgbClr>
-              </a:solidFill>
-              <a:prstDash val="solid"/>
-              <a:round/>
-            </a:ln>
-          </p:spPr>
-          <p:txBody>
-            <a:bodyPr/>
-            <a:lstStyle/>
-            <a:p/>
-          </p:txBody>
-        </p:sp>
-        <p:sp>
-          <p:nvSpPr>
-            <p:cNvPr id="263" name="pt262"/>
-            <p:cNvSpPr/>
-            <p:nvPr/>
-          </p:nvSpPr>
-          <p:spPr>
-            <a:xfrm>
-              <a:off x="5410990" y="3820216"/>
-              <a:ext cx="49651" cy="49651"/>
-            </a:xfrm>
-            <a:prstGeom prst="ellipse">
-              <a:avLst/>
-            </a:prstGeom>
-            <a:solidFill>
-              <a:srgbClr val="C77CFF">
-                <a:alpha val="100000"/>
-              </a:srgbClr>
-            </a:solidFill>
-            <a:ln w="9000" cap="rnd">
-              <a:solidFill>
-                <a:srgbClr val="C77CFF">
-                  <a:alpha val="100000"/>
-                </a:srgbClr>
-              </a:solidFill>
-              <a:prstDash val="solid"/>
-              <a:round/>
-            </a:ln>
-          </p:spPr>
-          <p:txBody>
-            <a:bodyPr/>
-            <a:lstStyle/>
-            <a:p/>
-          </p:txBody>
-        </p:sp>
-        <p:sp>
-          <p:nvSpPr>
-            <p:cNvPr id="264" name="tx263"/>
-            <p:cNvSpPr/>
-            <p:nvPr/>
-          </p:nvSpPr>
-          <p:spPr>
-            <a:xfrm>
-              <a:off x="1149684" y="3980783"/>
+            <p:cNvPr id="153" name="tx152"/>
+            <p:cNvSpPr/>
+            <p:nvPr/>
+          </p:nvSpPr>
+          <p:spPr>
+            <a:xfrm>
+              <a:off x="1149684" y="3994316"/>
               <a:ext cx="248840" cy="84529"/>
             </a:xfrm>
             <a:prstGeom prst="rect">
@@ -12334,13 +8116,13 @@
         </p:sp>
         <p:sp>
           <p:nvSpPr>
-            <p:cNvPr id="265" name="tx264"/>
-            <p:cNvSpPr/>
-            <p:nvPr/>
-          </p:nvSpPr>
-          <p:spPr>
-            <a:xfrm>
-              <a:off x="1149684" y="3080550"/>
+            <p:cNvPr id="154" name="tx153"/>
+            <p:cNvSpPr/>
+            <p:nvPr/>
+          </p:nvSpPr>
+          <p:spPr>
+            <a:xfrm>
+              <a:off x="1149684" y="3081435"/>
               <a:ext cx="248840" cy="84529"/>
             </a:xfrm>
             <a:prstGeom prst="rect">
@@ -12380,13 +8162,13 @@
         </p:sp>
         <p:sp>
           <p:nvSpPr>
-            <p:cNvPr id="266" name="tx265"/>
-            <p:cNvSpPr/>
-            <p:nvPr/>
-          </p:nvSpPr>
-          <p:spPr>
-            <a:xfrm>
-              <a:off x="1149684" y="2180318"/>
+            <p:cNvPr id="155" name="tx154"/>
+            <p:cNvSpPr/>
+            <p:nvPr/>
+          </p:nvSpPr>
+          <p:spPr>
+            <a:xfrm>
+              <a:off x="1149684" y="2168555"/>
               <a:ext cx="248840" cy="84529"/>
             </a:xfrm>
             <a:prstGeom prst="rect">
@@ -12426,13 +8208,13 @@
         </p:sp>
         <p:sp>
           <p:nvSpPr>
-            <p:cNvPr id="267" name="tx266"/>
-            <p:cNvSpPr/>
-            <p:nvPr/>
-          </p:nvSpPr>
-          <p:spPr>
-            <a:xfrm>
-              <a:off x="1149684" y="1280085"/>
+            <p:cNvPr id="156" name="tx155"/>
+            <p:cNvSpPr/>
+            <p:nvPr/>
+          </p:nvSpPr>
+          <p:spPr>
+            <a:xfrm>
+              <a:off x="1149684" y="1255674"/>
               <a:ext cx="248840" cy="84529"/>
             </a:xfrm>
             <a:prstGeom prst="rect">
@@ -12472,13 +8254,13 @@
         </p:sp>
         <p:sp>
           <p:nvSpPr>
-            <p:cNvPr id="268" name="pl267"/>
-            <p:cNvSpPr/>
-            <p:nvPr/>
-          </p:nvSpPr>
-          <p:spPr>
-            <a:xfrm>
-              <a:off x="1426360" y="4024576"/>
+            <p:cNvPr id="157" name="pl156"/>
+            <p:cNvSpPr/>
+            <p:nvPr/>
+          </p:nvSpPr>
+          <p:spPr>
+            <a:xfrm>
+              <a:off x="1426360" y="4038109"/>
               <a:ext cx="34794" cy="0"/>
             </a:xfrm>
             <a:custGeom>
@@ -12512,13 +8294,13 @@
         </p:sp>
         <p:sp>
           <p:nvSpPr>
-            <p:cNvPr id="269" name="pl268"/>
-            <p:cNvSpPr/>
-            <p:nvPr/>
-          </p:nvSpPr>
-          <p:spPr>
-            <a:xfrm>
-              <a:off x="1426360" y="3124343"/>
+            <p:cNvPr id="158" name="pl157"/>
+            <p:cNvSpPr/>
+            <p:nvPr/>
+          </p:nvSpPr>
+          <p:spPr>
+            <a:xfrm>
+              <a:off x="1426360" y="3125228"/>
               <a:ext cx="34794" cy="0"/>
             </a:xfrm>
             <a:custGeom>
@@ -12552,13 +8334,13 @@
         </p:sp>
         <p:sp>
           <p:nvSpPr>
-            <p:cNvPr id="270" name="pl269"/>
-            <p:cNvSpPr/>
-            <p:nvPr/>
-          </p:nvSpPr>
-          <p:spPr>
-            <a:xfrm>
-              <a:off x="1426360" y="2224110"/>
+            <p:cNvPr id="159" name="pl158"/>
+            <p:cNvSpPr/>
+            <p:nvPr/>
+          </p:nvSpPr>
+          <p:spPr>
+            <a:xfrm>
+              <a:off x="1426360" y="2212348"/>
               <a:ext cx="34794" cy="0"/>
             </a:xfrm>
             <a:custGeom>
@@ -12592,13 +8374,13 @@
         </p:sp>
         <p:sp>
           <p:nvSpPr>
-            <p:cNvPr id="271" name="pl270"/>
-            <p:cNvSpPr/>
-            <p:nvPr/>
-          </p:nvSpPr>
-          <p:spPr>
-            <a:xfrm>
-              <a:off x="1426360" y="1323878"/>
+            <p:cNvPr id="160" name="pl159"/>
+            <p:cNvSpPr/>
+            <p:nvPr/>
+          </p:nvSpPr>
+          <p:spPr>
+            <a:xfrm>
+              <a:off x="1426360" y="1299467"/>
               <a:ext cx="34794" cy="0"/>
             </a:xfrm>
             <a:custGeom>
@@ -12632,7 +8414,7 @@
         </p:sp>
         <p:sp>
           <p:nvSpPr>
-            <p:cNvPr id="272" name="pl271"/>
+            <p:cNvPr id="161" name="pl160"/>
             <p:cNvSpPr/>
             <p:nvPr/>
           </p:nvSpPr>
@@ -12672,7 +8454,7 @@
         </p:sp>
         <p:sp>
           <p:nvSpPr>
-            <p:cNvPr id="273" name="pl272"/>
+            <p:cNvPr id="162" name="pl161"/>
             <p:cNvSpPr/>
             <p:nvPr/>
           </p:nvSpPr>
@@ -12712,7 +8494,7 @@
         </p:sp>
         <p:sp>
           <p:nvSpPr>
-            <p:cNvPr id="274" name="pl273"/>
+            <p:cNvPr id="163" name="pl162"/>
             <p:cNvSpPr/>
             <p:nvPr/>
           </p:nvSpPr>
@@ -12752,7 +8534,7 @@
         </p:sp>
         <p:sp>
           <p:nvSpPr>
-            <p:cNvPr id="275" name="pl274"/>
+            <p:cNvPr id="164" name="pl163"/>
             <p:cNvSpPr/>
             <p:nvPr/>
           </p:nvSpPr>
@@ -12792,7 +8574,7 @@
         </p:sp>
         <p:sp>
           <p:nvSpPr>
-            <p:cNvPr id="276" name="pl275"/>
+            <p:cNvPr id="165" name="pl164"/>
             <p:cNvSpPr/>
             <p:nvPr/>
           </p:nvSpPr>
@@ -12832,7 +8614,7 @@
         </p:sp>
         <p:sp>
           <p:nvSpPr>
-            <p:cNvPr id="277" name="pl276"/>
+            <p:cNvPr id="166" name="pl165"/>
             <p:cNvSpPr/>
             <p:nvPr/>
           </p:nvSpPr>
@@ -12872,7 +8654,7 @@
         </p:sp>
         <p:sp>
           <p:nvSpPr>
-            <p:cNvPr id="278" name="pl277"/>
+            <p:cNvPr id="167" name="pl166"/>
             <p:cNvSpPr/>
             <p:nvPr/>
           </p:nvSpPr>
@@ -12912,7 +8694,7 @@
         </p:sp>
         <p:sp>
           <p:nvSpPr>
-            <p:cNvPr id="279" name="pl278"/>
+            <p:cNvPr id="168" name="pl167"/>
             <p:cNvSpPr/>
             <p:nvPr/>
           </p:nvSpPr>
@@ -12952,7 +8734,7 @@
         </p:sp>
         <p:sp>
           <p:nvSpPr>
-            <p:cNvPr id="280" name="pl279"/>
+            <p:cNvPr id="169" name="pl168"/>
             <p:cNvSpPr/>
             <p:nvPr/>
           </p:nvSpPr>
@@ -12992,7 +8774,7 @@
         </p:sp>
         <p:sp>
           <p:nvSpPr>
-            <p:cNvPr id="281" name="pl280"/>
+            <p:cNvPr id="170" name="pl169"/>
             <p:cNvSpPr/>
             <p:nvPr/>
           </p:nvSpPr>
@@ -13032,7 +8814,7 @@
         </p:sp>
         <p:sp>
           <p:nvSpPr>
-            <p:cNvPr id="282" name="pl281"/>
+            <p:cNvPr id="171" name="pl170"/>
             <p:cNvSpPr/>
             <p:nvPr/>
           </p:nvSpPr>
@@ -13072,7 +8854,7 @@
         </p:sp>
         <p:sp>
           <p:nvSpPr>
-            <p:cNvPr id="283" name="pl282"/>
+            <p:cNvPr id="172" name="pl171"/>
             <p:cNvSpPr/>
             <p:nvPr/>
           </p:nvSpPr>
@@ -13112,7 +8894,7 @@
         </p:sp>
         <p:sp>
           <p:nvSpPr>
-            <p:cNvPr id="284" name="pl283"/>
+            <p:cNvPr id="173" name="pl172"/>
             <p:cNvSpPr/>
             <p:nvPr/>
           </p:nvSpPr>
@@ -13152,7 +8934,7 @@
         </p:sp>
         <p:sp>
           <p:nvSpPr>
-            <p:cNvPr id="285" name="pl284"/>
+            <p:cNvPr id="174" name="pl173"/>
             <p:cNvSpPr/>
             <p:nvPr/>
           </p:nvSpPr>
@@ -13192,7 +8974,7 @@
         </p:sp>
         <p:sp>
           <p:nvSpPr>
-            <p:cNvPr id="286" name="tx285"/>
+            <p:cNvPr id="175" name="tx174"/>
             <p:cNvSpPr/>
             <p:nvPr/>
           </p:nvSpPr>
@@ -13238,7 +9020,7 @@
         </p:sp>
         <p:sp>
           <p:nvSpPr>
-            <p:cNvPr id="287" name="tx286"/>
+            <p:cNvPr id="176" name="tx175"/>
             <p:cNvSpPr/>
             <p:nvPr/>
           </p:nvSpPr>
@@ -13284,7 +9066,7 @@
         </p:sp>
         <p:sp>
           <p:nvSpPr>
-            <p:cNvPr id="288" name="tx287"/>
+            <p:cNvPr id="177" name="tx176"/>
             <p:cNvSpPr/>
             <p:nvPr/>
           </p:nvSpPr>
@@ -13330,7 +9112,7 @@
         </p:sp>
         <p:sp>
           <p:nvSpPr>
-            <p:cNvPr id="289" name="tx288"/>
+            <p:cNvPr id="178" name="tx177"/>
             <p:cNvSpPr/>
             <p:nvPr/>
           </p:nvSpPr>
@@ -13376,7 +9158,7 @@
         </p:sp>
         <p:sp>
           <p:nvSpPr>
-            <p:cNvPr id="290" name="tx289"/>
+            <p:cNvPr id="179" name="tx178"/>
             <p:cNvSpPr/>
             <p:nvPr/>
           </p:nvSpPr>
@@ -13422,7 +9204,7 @@
         </p:sp>
         <p:sp>
           <p:nvSpPr>
-            <p:cNvPr id="291" name="tx290"/>
+            <p:cNvPr id="180" name="tx179"/>
             <p:cNvSpPr/>
             <p:nvPr/>
           </p:nvSpPr>
@@ -13468,7 +9250,7 @@
         </p:sp>
         <p:sp>
           <p:nvSpPr>
-            <p:cNvPr id="292" name="tx291"/>
+            <p:cNvPr id="181" name="tx180"/>
             <p:cNvSpPr/>
             <p:nvPr/>
           </p:nvSpPr>
@@ -13514,7 +9296,7 @@
         </p:sp>
         <p:sp>
           <p:nvSpPr>
-            <p:cNvPr id="293" name="tx292"/>
+            <p:cNvPr id="182" name="tx181"/>
             <p:cNvSpPr/>
             <p:nvPr/>
           </p:nvSpPr>
@@ -13560,7 +9342,7 @@
         </p:sp>
         <p:sp>
           <p:nvSpPr>
-            <p:cNvPr id="294" name="tx293"/>
+            <p:cNvPr id="183" name="tx182"/>
             <p:cNvSpPr/>
             <p:nvPr/>
           </p:nvSpPr>
@@ -13606,7 +9388,7 @@
         </p:sp>
         <p:sp>
           <p:nvSpPr>
-            <p:cNvPr id="295" name="tx294"/>
+            <p:cNvPr id="184" name="tx183"/>
             <p:cNvSpPr/>
             <p:nvPr/>
           </p:nvSpPr>
@@ -13652,7 +9434,7 @@
         </p:sp>
         <p:sp>
           <p:nvSpPr>
-            <p:cNvPr id="296" name="tx295"/>
+            <p:cNvPr id="185" name="tx184"/>
             <p:cNvSpPr/>
             <p:nvPr/>
           </p:nvSpPr>
@@ -13698,7 +9480,7 @@
         </p:sp>
         <p:sp>
           <p:nvSpPr>
-            <p:cNvPr id="297" name="tx296"/>
+            <p:cNvPr id="186" name="tx185"/>
             <p:cNvSpPr/>
             <p:nvPr/>
           </p:nvSpPr>
@@ -13744,7 +9526,7 @@
         </p:sp>
         <p:sp>
           <p:nvSpPr>
-            <p:cNvPr id="298" name="tx297"/>
+            <p:cNvPr id="187" name="tx186"/>
             <p:cNvSpPr/>
             <p:nvPr/>
           </p:nvSpPr>
@@ -13790,7 +9572,7 @@
         </p:sp>
         <p:sp>
           <p:nvSpPr>
-            <p:cNvPr id="299" name="tx298"/>
+            <p:cNvPr id="188" name="tx187"/>
             <p:cNvSpPr/>
             <p:nvPr/>
           </p:nvSpPr>
@@ -13836,7 +9618,7 @@
         </p:sp>
         <p:sp>
           <p:nvSpPr>
-            <p:cNvPr id="300" name="tx299"/>
+            <p:cNvPr id="189" name="tx188"/>
             <p:cNvSpPr/>
             <p:nvPr/>
           </p:nvSpPr>
@@ -13882,7 +9664,7 @@
         </p:sp>
         <p:sp>
           <p:nvSpPr>
-            <p:cNvPr id="301" name="tx300"/>
+            <p:cNvPr id="190" name="tx189"/>
             <p:cNvSpPr/>
             <p:nvPr/>
           </p:nvSpPr>
@@ -13928,7 +9710,7 @@
         </p:sp>
         <p:sp>
           <p:nvSpPr>
-            <p:cNvPr id="302" name="rc301"/>
+            <p:cNvPr id="191" name="rc190"/>
             <p:cNvSpPr/>
             <p:nvPr/>
           </p:nvSpPr>
@@ -13954,7 +9736,7 @@
         </p:sp>
         <p:sp>
           <p:nvSpPr>
-            <p:cNvPr id="303" name="tx302"/>
+            <p:cNvPr id="192" name="tx191"/>
             <p:cNvSpPr/>
             <p:nvPr/>
           </p:nvSpPr>
@@ -14000,7 +9782,7 @@
         </p:sp>
         <p:sp>
           <p:nvSpPr>
-            <p:cNvPr id="304" name="rc303"/>
+            <p:cNvPr id="193" name="rc192"/>
             <p:cNvSpPr/>
             <p:nvPr/>
           </p:nvSpPr>
@@ -14026,7 +9808,7 @@
         </p:sp>
         <p:sp>
           <p:nvSpPr>
-            <p:cNvPr id="305" name="pl304"/>
+            <p:cNvPr id="194" name="pl193"/>
             <p:cNvSpPr/>
             <p:nvPr/>
           </p:nvSpPr>
@@ -14066,7 +9848,7 @@
         </p:sp>
         <p:sp>
           <p:nvSpPr>
-            <p:cNvPr id="306" name="pt305"/>
+            <p:cNvPr id="195" name="pt194"/>
             <p:cNvSpPr/>
             <p:nvPr/>
           </p:nvSpPr>
@@ -14101,7 +9883,7 @@
         </p:sp>
         <p:sp>
           <p:nvSpPr>
-            <p:cNvPr id="307" name="rc306"/>
+            <p:cNvPr id="196" name="rc195"/>
             <p:cNvSpPr/>
             <p:nvPr/>
           </p:nvSpPr>
@@ -14127,7 +9909,7 @@
         </p:sp>
         <p:sp>
           <p:nvSpPr>
-            <p:cNvPr id="308" name="pl307"/>
+            <p:cNvPr id="197" name="pl196"/>
             <p:cNvSpPr/>
             <p:nvPr/>
           </p:nvSpPr>
@@ -14167,7 +9949,7 @@
         </p:sp>
         <p:sp>
           <p:nvSpPr>
-            <p:cNvPr id="309" name="pt308"/>
+            <p:cNvPr id="198" name="pt197"/>
             <p:cNvSpPr/>
             <p:nvPr/>
           </p:nvSpPr>
@@ -14202,7 +9984,7 @@
         </p:sp>
         <p:sp>
           <p:nvSpPr>
-            <p:cNvPr id="310" name="rc309"/>
+            <p:cNvPr id="199" name="rc198"/>
             <p:cNvSpPr/>
             <p:nvPr/>
           </p:nvSpPr>
@@ -14228,7 +10010,7 @@
         </p:sp>
         <p:sp>
           <p:nvSpPr>
-            <p:cNvPr id="311" name="pl310"/>
+            <p:cNvPr id="200" name="pl199"/>
             <p:cNvSpPr/>
             <p:nvPr/>
           </p:nvSpPr>
@@ -14268,7 +10050,7 @@
         </p:sp>
         <p:sp>
           <p:nvSpPr>
-            <p:cNvPr id="312" name="pt311"/>
+            <p:cNvPr id="201" name="pt200"/>
             <p:cNvSpPr/>
             <p:nvPr/>
           </p:nvSpPr>
@@ -14303,7 +10085,7 @@
         </p:sp>
         <p:sp>
           <p:nvSpPr>
-            <p:cNvPr id="313" name="rc312"/>
+            <p:cNvPr id="202" name="rc201"/>
             <p:cNvSpPr/>
             <p:nvPr/>
           </p:nvSpPr>
@@ -14329,7 +10111,7 @@
         </p:sp>
         <p:sp>
           <p:nvSpPr>
-            <p:cNvPr id="314" name="pl313"/>
+            <p:cNvPr id="203" name="pl202"/>
             <p:cNvSpPr/>
             <p:nvPr/>
           </p:nvSpPr>
@@ -14369,7 +10151,7 @@
         </p:sp>
         <p:sp>
           <p:nvSpPr>
-            <p:cNvPr id="315" name="pt314"/>
+            <p:cNvPr id="204" name="pt203"/>
             <p:cNvSpPr/>
             <p:nvPr/>
           </p:nvSpPr>
@@ -14404,7 +10186,7 @@
         </p:sp>
         <p:sp>
           <p:nvSpPr>
-            <p:cNvPr id="316" name="tx315"/>
+            <p:cNvPr id="205" name="tx204"/>
             <p:cNvSpPr/>
             <p:nvPr/>
           </p:nvSpPr>
@@ -14450,7 +10232,7 @@
         </p:sp>
         <p:sp>
           <p:nvSpPr>
-            <p:cNvPr id="317" name="tx316"/>
+            <p:cNvPr id="206" name="tx205"/>
             <p:cNvSpPr/>
             <p:nvPr/>
           </p:nvSpPr>
@@ -14496,7 +10278,7 @@
         </p:sp>
         <p:sp>
           <p:nvSpPr>
-            <p:cNvPr id="318" name="tx317"/>
+            <p:cNvPr id="207" name="tx206"/>
             <p:cNvSpPr/>
             <p:nvPr/>
           </p:nvSpPr>
@@ -14542,7 +10324,7 @@
         </p:sp>
         <p:sp>
           <p:nvSpPr>
-            <p:cNvPr id="319" name="tx318"/>
+            <p:cNvPr id="208" name="tx207"/>
             <p:cNvSpPr/>
             <p:nvPr/>
           </p:nvSpPr>

--- a/reference/QCATC777-Hazard-Curve.pptx
+++ b/reference/QCATC777-Hazard-Curve.pptx
@@ -2299,7 +2299,7 @@
           <p:spPr>
             <a:xfrm>
               <a:off x="914400" y="914400"/>
-              <a:ext cx="5486400" cy="3657600"/>
+              <a:ext cx="5486399" cy="3657600"/>
             </a:xfrm>
             <a:prstGeom prst="rect">
               <a:avLst/>
@@ -2333,8 +2333,8 @@
           </p:nvSpPr>
           <p:spPr>
             <a:xfrm>
-              <a:off x="1461154" y="983989"/>
-              <a:ext cx="4200976" cy="3185376"/>
+              <a:off x="1532259" y="983989"/>
+              <a:ext cx="4129871" cy="3185376"/>
             </a:xfrm>
             <a:prstGeom prst="rect">
               <a:avLst/>
@@ -2359,21 +2359,21 @@
           </p:nvSpPr>
           <p:spPr>
             <a:xfrm>
-              <a:off x="1461154" y="3581668"/>
-              <a:ext cx="4200976" cy="0"/>
+              <a:off x="1532259" y="3809889"/>
+              <a:ext cx="4129871" cy="0"/>
             </a:xfrm>
             <a:custGeom>
               <a:avLst/>
               <a:pathLst>
-                <a:path w="4200976" h="0">
+                <a:path w="4129871" h="0">
                   <a:moveTo>
                     <a:pt x="0" y="0"/>
                   </a:moveTo>
                   <a:lnTo>
-                    <a:pt x="4200976" y="0"/>
-                  </a:lnTo>
-                  <a:lnTo>
-                    <a:pt x="4200976" y="0"/>
+                    <a:pt x="4129871" y="0"/>
+                  </a:lnTo>
+                  <a:lnTo>
+                    <a:pt x="4129871" y="0"/>
                   </a:lnTo>
                 </a:path>
               </a:pathLst>
@@ -2402,21 +2402,21 @@
           </p:nvSpPr>
           <p:spPr>
             <a:xfrm>
-              <a:off x="1461154" y="2668788"/>
-              <a:ext cx="4200976" cy="0"/>
+              <a:off x="1532259" y="3353448"/>
+              <a:ext cx="4129871" cy="0"/>
             </a:xfrm>
             <a:custGeom>
               <a:avLst/>
               <a:pathLst>
-                <a:path w="4200976" h="0">
+                <a:path w="4129871" h="0">
                   <a:moveTo>
                     <a:pt x="0" y="0"/>
                   </a:moveTo>
                   <a:lnTo>
-                    <a:pt x="4200976" y="0"/>
-                  </a:lnTo>
-                  <a:lnTo>
-                    <a:pt x="4200976" y="0"/>
+                    <a:pt x="4129871" y="0"/>
+                  </a:lnTo>
+                  <a:lnTo>
+                    <a:pt x="4129871" y="0"/>
                   </a:lnTo>
                 </a:path>
               </a:pathLst>
@@ -2445,21 +2445,21 @@
           </p:nvSpPr>
           <p:spPr>
             <a:xfrm>
-              <a:off x="1461154" y="1755907"/>
-              <a:ext cx="4200976" cy="0"/>
+              <a:off x="1532259" y="2897008"/>
+              <a:ext cx="4129871" cy="0"/>
             </a:xfrm>
             <a:custGeom>
               <a:avLst/>
               <a:pathLst>
-                <a:path w="4200976" h="0">
+                <a:path w="4129871" h="0">
                   <a:moveTo>
                     <a:pt x="0" y="0"/>
                   </a:moveTo>
                   <a:lnTo>
-                    <a:pt x="4200976" y="0"/>
-                  </a:lnTo>
-                  <a:lnTo>
-                    <a:pt x="4200976" y="0"/>
+                    <a:pt x="4129871" y="0"/>
+                  </a:lnTo>
+                  <a:lnTo>
+                    <a:pt x="4129871" y="0"/>
                   </a:lnTo>
                 </a:path>
               </a:pathLst>
@@ -2488,7 +2488,179 @@
           </p:nvSpPr>
           <p:spPr>
             <a:xfrm>
-              <a:off x="1510661" y="983989"/>
+              <a:off x="1532259" y="2440568"/>
+              <a:ext cx="4129871" cy="0"/>
+            </a:xfrm>
+            <a:custGeom>
+              <a:avLst/>
+              <a:pathLst>
+                <a:path w="4129871" h="0">
+                  <a:moveTo>
+                    <a:pt x="0" y="0"/>
+                  </a:moveTo>
+                  <a:lnTo>
+                    <a:pt x="4129871" y="0"/>
+                  </a:lnTo>
+                  <a:lnTo>
+                    <a:pt x="4129871" y="0"/>
+                  </a:lnTo>
+                </a:path>
+              </a:pathLst>
+            </a:custGeom>
+            <a:ln w="6775" cap="flat">
+              <a:solidFill>
+                <a:srgbClr val="FFFFFF">
+                  <a:alpha val="100000"/>
+                </a:srgbClr>
+              </a:solidFill>
+              <a:prstDash val="solid"/>
+              <a:round/>
+            </a:ln>
+          </p:spPr>
+          <p:txBody>
+            <a:bodyPr/>
+            <a:lstStyle/>
+            <a:p/>
+          </p:txBody>
+        </p:sp>
+        <p:sp>
+          <p:nvSpPr>
+            <p:cNvPr id="11" name="pl10"/>
+            <p:cNvSpPr/>
+            <p:nvPr/>
+          </p:nvSpPr>
+          <p:spPr>
+            <a:xfrm>
+              <a:off x="1532259" y="1984127"/>
+              <a:ext cx="4129871" cy="0"/>
+            </a:xfrm>
+            <a:custGeom>
+              <a:avLst/>
+              <a:pathLst>
+                <a:path w="4129871" h="0">
+                  <a:moveTo>
+                    <a:pt x="0" y="0"/>
+                  </a:moveTo>
+                  <a:lnTo>
+                    <a:pt x="4129871" y="0"/>
+                  </a:lnTo>
+                  <a:lnTo>
+                    <a:pt x="4129871" y="0"/>
+                  </a:lnTo>
+                </a:path>
+              </a:pathLst>
+            </a:custGeom>
+            <a:ln w="6775" cap="flat">
+              <a:solidFill>
+                <a:srgbClr val="FFFFFF">
+                  <a:alpha val="100000"/>
+                </a:srgbClr>
+              </a:solidFill>
+              <a:prstDash val="solid"/>
+              <a:round/>
+            </a:ln>
+          </p:spPr>
+          <p:txBody>
+            <a:bodyPr/>
+            <a:lstStyle/>
+            <a:p/>
+          </p:txBody>
+        </p:sp>
+        <p:sp>
+          <p:nvSpPr>
+            <p:cNvPr id="12" name="pl11"/>
+            <p:cNvSpPr/>
+            <p:nvPr/>
+          </p:nvSpPr>
+          <p:spPr>
+            <a:xfrm>
+              <a:off x="1532259" y="1527687"/>
+              <a:ext cx="4129871" cy="0"/>
+            </a:xfrm>
+            <a:custGeom>
+              <a:avLst/>
+              <a:pathLst>
+                <a:path w="4129871" h="0">
+                  <a:moveTo>
+                    <a:pt x="0" y="0"/>
+                  </a:moveTo>
+                  <a:lnTo>
+                    <a:pt x="4129871" y="0"/>
+                  </a:lnTo>
+                  <a:lnTo>
+                    <a:pt x="4129871" y="0"/>
+                  </a:lnTo>
+                </a:path>
+              </a:pathLst>
+            </a:custGeom>
+            <a:ln w="6775" cap="flat">
+              <a:solidFill>
+                <a:srgbClr val="FFFFFF">
+                  <a:alpha val="100000"/>
+                </a:srgbClr>
+              </a:solidFill>
+              <a:prstDash val="solid"/>
+              <a:round/>
+            </a:ln>
+          </p:spPr>
+          <p:txBody>
+            <a:bodyPr/>
+            <a:lstStyle/>
+            <a:p/>
+          </p:txBody>
+        </p:sp>
+        <p:sp>
+          <p:nvSpPr>
+            <p:cNvPr id="13" name="pl12"/>
+            <p:cNvSpPr/>
+            <p:nvPr/>
+          </p:nvSpPr>
+          <p:spPr>
+            <a:xfrm>
+              <a:off x="1532259" y="1071247"/>
+              <a:ext cx="4129871" cy="0"/>
+            </a:xfrm>
+            <a:custGeom>
+              <a:avLst/>
+              <a:pathLst>
+                <a:path w="4129871" h="0">
+                  <a:moveTo>
+                    <a:pt x="0" y="0"/>
+                  </a:moveTo>
+                  <a:lnTo>
+                    <a:pt x="4129871" y="0"/>
+                  </a:lnTo>
+                  <a:lnTo>
+                    <a:pt x="4129871" y="0"/>
+                  </a:lnTo>
+                </a:path>
+              </a:pathLst>
+            </a:custGeom>
+            <a:ln w="6775" cap="flat">
+              <a:solidFill>
+                <a:srgbClr val="FFFFFF">
+                  <a:alpha val="100000"/>
+                </a:srgbClr>
+              </a:solidFill>
+              <a:prstDash val="solid"/>
+              <a:round/>
+            </a:ln>
+          </p:spPr>
+          <p:txBody>
+            <a:bodyPr/>
+            <a:lstStyle/>
+            <a:p/>
+          </p:txBody>
+        </p:sp>
+        <p:sp>
+          <p:nvSpPr>
+            <p:cNvPr id="14" name="pl13"/>
+            <p:cNvSpPr/>
+            <p:nvPr/>
+          </p:nvSpPr>
+          <p:spPr>
+            <a:xfrm>
+              <a:off x="1546165" y="983989"/>
               <a:ext cx="0" cy="3185376"/>
             </a:xfrm>
             <a:custGeom>
@@ -2525,13 +2697,13 @@
         </p:sp>
         <p:sp>
           <p:nvSpPr>
-            <p:cNvPr id="11" name="pl10"/>
-            <p:cNvSpPr/>
-            <p:nvPr/>
-          </p:nvSpPr>
-          <p:spPr>
-            <a:xfrm>
-              <a:off x="1793555" y="983989"/>
+            <p:cNvPr id="15" name="pl14"/>
+            <p:cNvSpPr/>
+            <p:nvPr/>
+          </p:nvSpPr>
+          <p:spPr>
+            <a:xfrm>
+              <a:off x="1893797" y="983989"/>
               <a:ext cx="0" cy="3185376"/>
             </a:xfrm>
             <a:custGeom>
@@ -2568,13 +2740,13 @@
         </p:sp>
         <p:sp>
           <p:nvSpPr>
-            <p:cNvPr id="12" name="pl11"/>
-            <p:cNvSpPr/>
-            <p:nvPr/>
-          </p:nvSpPr>
-          <p:spPr>
-            <a:xfrm>
-              <a:off x="2076449" y="983989"/>
+            <p:cNvPr id="16" name="pl15"/>
+            <p:cNvSpPr/>
+            <p:nvPr/>
+          </p:nvSpPr>
+          <p:spPr>
+            <a:xfrm>
+              <a:off x="2241429" y="983989"/>
               <a:ext cx="0" cy="3185376"/>
             </a:xfrm>
             <a:custGeom>
@@ -2611,13 +2783,13 @@
         </p:sp>
         <p:sp>
           <p:nvSpPr>
-            <p:cNvPr id="13" name="pl12"/>
-            <p:cNvSpPr/>
-            <p:nvPr/>
-          </p:nvSpPr>
-          <p:spPr>
-            <a:xfrm>
-              <a:off x="2359343" y="983989"/>
+            <p:cNvPr id="17" name="pl16"/>
+            <p:cNvSpPr/>
+            <p:nvPr/>
+          </p:nvSpPr>
+          <p:spPr>
+            <a:xfrm>
+              <a:off x="2589062" y="983989"/>
               <a:ext cx="0" cy="3185376"/>
             </a:xfrm>
             <a:custGeom>
@@ -2654,13 +2826,13 @@
         </p:sp>
         <p:sp>
           <p:nvSpPr>
-            <p:cNvPr id="14" name="pl13"/>
-            <p:cNvSpPr/>
-            <p:nvPr/>
-          </p:nvSpPr>
-          <p:spPr>
-            <a:xfrm>
-              <a:off x="2642237" y="983989"/>
+            <p:cNvPr id="18" name="pl17"/>
+            <p:cNvSpPr/>
+            <p:nvPr/>
+          </p:nvSpPr>
+          <p:spPr>
+            <a:xfrm>
+              <a:off x="2936694" y="983989"/>
               <a:ext cx="0" cy="3185376"/>
             </a:xfrm>
             <a:custGeom>
@@ -2697,13 +2869,13 @@
         </p:sp>
         <p:sp>
           <p:nvSpPr>
-            <p:cNvPr id="15" name="pl14"/>
-            <p:cNvSpPr/>
-            <p:nvPr/>
-          </p:nvSpPr>
-          <p:spPr>
-            <a:xfrm>
-              <a:off x="2925131" y="983989"/>
+            <p:cNvPr id="19" name="pl18"/>
+            <p:cNvSpPr/>
+            <p:nvPr/>
+          </p:nvSpPr>
+          <p:spPr>
+            <a:xfrm>
+              <a:off x="3284326" y="983989"/>
               <a:ext cx="0" cy="3185376"/>
             </a:xfrm>
             <a:custGeom>
@@ -2740,13 +2912,13 @@
         </p:sp>
         <p:sp>
           <p:nvSpPr>
-            <p:cNvPr id="16" name="pl15"/>
-            <p:cNvSpPr/>
-            <p:nvPr/>
-          </p:nvSpPr>
-          <p:spPr>
-            <a:xfrm>
-              <a:off x="3208025" y="983989"/>
+            <p:cNvPr id="20" name="pl19"/>
+            <p:cNvSpPr/>
+            <p:nvPr/>
+          </p:nvSpPr>
+          <p:spPr>
+            <a:xfrm>
+              <a:off x="3631958" y="983989"/>
               <a:ext cx="0" cy="3185376"/>
             </a:xfrm>
             <a:custGeom>
@@ -2783,13 +2955,13 @@
         </p:sp>
         <p:sp>
           <p:nvSpPr>
-            <p:cNvPr id="17" name="pl16"/>
-            <p:cNvSpPr/>
-            <p:nvPr/>
-          </p:nvSpPr>
-          <p:spPr>
-            <a:xfrm>
-              <a:off x="3490919" y="983989"/>
+            <p:cNvPr id="21" name="pl20"/>
+            <p:cNvSpPr/>
+            <p:nvPr/>
+          </p:nvSpPr>
+          <p:spPr>
+            <a:xfrm>
+              <a:off x="3979591" y="983989"/>
               <a:ext cx="0" cy="3185376"/>
             </a:xfrm>
             <a:custGeom>
@@ -2826,13 +2998,13 @@
         </p:sp>
         <p:sp>
           <p:nvSpPr>
-            <p:cNvPr id="18" name="pl17"/>
-            <p:cNvSpPr/>
-            <p:nvPr/>
-          </p:nvSpPr>
-          <p:spPr>
-            <a:xfrm>
-              <a:off x="3773813" y="983989"/>
+            <p:cNvPr id="22" name="pl21"/>
+            <p:cNvSpPr/>
+            <p:nvPr/>
+          </p:nvSpPr>
+          <p:spPr>
+            <a:xfrm>
+              <a:off x="4327223" y="983989"/>
               <a:ext cx="0" cy="3185376"/>
             </a:xfrm>
             <a:custGeom>
@@ -2869,13 +3041,13 @@
         </p:sp>
         <p:sp>
           <p:nvSpPr>
-            <p:cNvPr id="19" name="pl18"/>
-            <p:cNvSpPr/>
-            <p:nvPr/>
-          </p:nvSpPr>
-          <p:spPr>
-            <a:xfrm>
-              <a:off x="4056707" y="983989"/>
+            <p:cNvPr id="23" name="pl22"/>
+            <p:cNvSpPr/>
+            <p:nvPr/>
+          </p:nvSpPr>
+          <p:spPr>
+            <a:xfrm>
+              <a:off x="4674855" y="983989"/>
               <a:ext cx="0" cy="3185376"/>
             </a:xfrm>
             <a:custGeom>
@@ -2912,13 +3084,13 @@
         </p:sp>
         <p:sp>
           <p:nvSpPr>
-            <p:cNvPr id="20" name="pl19"/>
-            <p:cNvSpPr/>
-            <p:nvPr/>
-          </p:nvSpPr>
-          <p:spPr>
-            <a:xfrm>
-              <a:off x="4339601" y="983989"/>
+            <p:cNvPr id="24" name="pl23"/>
+            <p:cNvSpPr/>
+            <p:nvPr/>
+          </p:nvSpPr>
+          <p:spPr>
+            <a:xfrm>
+              <a:off x="5022487" y="983989"/>
               <a:ext cx="0" cy="3185376"/>
             </a:xfrm>
             <a:custGeom>
@@ -2955,13 +3127,13 @@
         </p:sp>
         <p:sp>
           <p:nvSpPr>
-            <p:cNvPr id="21" name="pl20"/>
-            <p:cNvSpPr/>
-            <p:nvPr/>
-          </p:nvSpPr>
-          <p:spPr>
-            <a:xfrm>
-              <a:off x="4622495" y="983989"/>
+            <p:cNvPr id="25" name="pl24"/>
+            <p:cNvSpPr/>
+            <p:nvPr/>
+          </p:nvSpPr>
+          <p:spPr>
+            <a:xfrm>
+              <a:off x="5370120" y="983989"/>
               <a:ext cx="0" cy="3185376"/>
             </a:xfrm>
             <a:custGeom>
@@ -2998,13 +3170,314 @@
         </p:sp>
         <p:sp>
           <p:nvSpPr>
-            <p:cNvPr id="22" name="pl21"/>
-            <p:cNvSpPr/>
-            <p:nvPr/>
-          </p:nvSpPr>
-          <p:spPr>
-            <a:xfrm>
-              <a:off x="4905389" y="983989"/>
+            <p:cNvPr id="26" name="pl25"/>
+            <p:cNvSpPr/>
+            <p:nvPr/>
+          </p:nvSpPr>
+          <p:spPr>
+            <a:xfrm>
+              <a:off x="1532259" y="4038109"/>
+              <a:ext cx="4129871" cy="0"/>
+            </a:xfrm>
+            <a:custGeom>
+              <a:avLst/>
+              <a:pathLst>
+                <a:path w="4129871" h="0">
+                  <a:moveTo>
+                    <a:pt x="0" y="0"/>
+                  </a:moveTo>
+                  <a:lnTo>
+                    <a:pt x="4129871" y="0"/>
+                  </a:lnTo>
+                  <a:lnTo>
+                    <a:pt x="4129871" y="0"/>
+                  </a:lnTo>
+                </a:path>
+              </a:pathLst>
+            </a:custGeom>
+            <a:ln w="13550" cap="flat">
+              <a:solidFill>
+                <a:srgbClr val="FFFFFF">
+                  <a:alpha val="100000"/>
+                </a:srgbClr>
+              </a:solidFill>
+              <a:prstDash val="solid"/>
+              <a:round/>
+            </a:ln>
+          </p:spPr>
+          <p:txBody>
+            <a:bodyPr/>
+            <a:lstStyle/>
+            <a:p/>
+          </p:txBody>
+        </p:sp>
+        <p:sp>
+          <p:nvSpPr>
+            <p:cNvPr id="27" name="pl26"/>
+            <p:cNvSpPr/>
+            <p:nvPr/>
+          </p:nvSpPr>
+          <p:spPr>
+            <a:xfrm>
+              <a:off x="1532259" y="3581668"/>
+              <a:ext cx="4129871" cy="0"/>
+            </a:xfrm>
+            <a:custGeom>
+              <a:avLst/>
+              <a:pathLst>
+                <a:path w="4129871" h="0">
+                  <a:moveTo>
+                    <a:pt x="0" y="0"/>
+                  </a:moveTo>
+                  <a:lnTo>
+                    <a:pt x="4129871" y="0"/>
+                  </a:lnTo>
+                  <a:lnTo>
+                    <a:pt x="4129871" y="0"/>
+                  </a:lnTo>
+                </a:path>
+              </a:pathLst>
+            </a:custGeom>
+            <a:ln w="13550" cap="flat">
+              <a:solidFill>
+                <a:srgbClr val="FFFFFF">
+                  <a:alpha val="100000"/>
+                </a:srgbClr>
+              </a:solidFill>
+              <a:prstDash val="solid"/>
+              <a:round/>
+            </a:ln>
+          </p:spPr>
+          <p:txBody>
+            <a:bodyPr/>
+            <a:lstStyle/>
+            <a:p/>
+          </p:txBody>
+        </p:sp>
+        <p:sp>
+          <p:nvSpPr>
+            <p:cNvPr id="28" name="pl27"/>
+            <p:cNvSpPr/>
+            <p:nvPr/>
+          </p:nvSpPr>
+          <p:spPr>
+            <a:xfrm>
+              <a:off x="1532259" y="3125228"/>
+              <a:ext cx="4129871" cy="0"/>
+            </a:xfrm>
+            <a:custGeom>
+              <a:avLst/>
+              <a:pathLst>
+                <a:path w="4129871" h="0">
+                  <a:moveTo>
+                    <a:pt x="0" y="0"/>
+                  </a:moveTo>
+                  <a:lnTo>
+                    <a:pt x="4129871" y="0"/>
+                  </a:lnTo>
+                  <a:lnTo>
+                    <a:pt x="4129871" y="0"/>
+                  </a:lnTo>
+                </a:path>
+              </a:pathLst>
+            </a:custGeom>
+            <a:ln w="13550" cap="flat">
+              <a:solidFill>
+                <a:srgbClr val="FFFFFF">
+                  <a:alpha val="100000"/>
+                </a:srgbClr>
+              </a:solidFill>
+              <a:prstDash val="solid"/>
+              <a:round/>
+            </a:ln>
+          </p:spPr>
+          <p:txBody>
+            <a:bodyPr/>
+            <a:lstStyle/>
+            <a:p/>
+          </p:txBody>
+        </p:sp>
+        <p:sp>
+          <p:nvSpPr>
+            <p:cNvPr id="29" name="pl28"/>
+            <p:cNvSpPr/>
+            <p:nvPr/>
+          </p:nvSpPr>
+          <p:spPr>
+            <a:xfrm>
+              <a:off x="1532259" y="2668788"/>
+              <a:ext cx="4129871" cy="0"/>
+            </a:xfrm>
+            <a:custGeom>
+              <a:avLst/>
+              <a:pathLst>
+                <a:path w="4129871" h="0">
+                  <a:moveTo>
+                    <a:pt x="0" y="0"/>
+                  </a:moveTo>
+                  <a:lnTo>
+                    <a:pt x="4129871" y="0"/>
+                  </a:lnTo>
+                  <a:lnTo>
+                    <a:pt x="4129871" y="0"/>
+                  </a:lnTo>
+                </a:path>
+              </a:pathLst>
+            </a:custGeom>
+            <a:ln w="13550" cap="flat">
+              <a:solidFill>
+                <a:srgbClr val="FFFFFF">
+                  <a:alpha val="100000"/>
+                </a:srgbClr>
+              </a:solidFill>
+              <a:prstDash val="solid"/>
+              <a:round/>
+            </a:ln>
+          </p:spPr>
+          <p:txBody>
+            <a:bodyPr/>
+            <a:lstStyle/>
+            <a:p/>
+          </p:txBody>
+        </p:sp>
+        <p:sp>
+          <p:nvSpPr>
+            <p:cNvPr id="30" name="pl29"/>
+            <p:cNvSpPr/>
+            <p:nvPr/>
+          </p:nvSpPr>
+          <p:spPr>
+            <a:xfrm>
+              <a:off x="1532259" y="2212348"/>
+              <a:ext cx="4129871" cy="0"/>
+            </a:xfrm>
+            <a:custGeom>
+              <a:avLst/>
+              <a:pathLst>
+                <a:path w="4129871" h="0">
+                  <a:moveTo>
+                    <a:pt x="0" y="0"/>
+                  </a:moveTo>
+                  <a:lnTo>
+                    <a:pt x="4129871" y="0"/>
+                  </a:lnTo>
+                  <a:lnTo>
+                    <a:pt x="4129871" y="0"/>
+                  </a:lnTo>
+                </a:path>
+              </a:pathLst>
+            </a:custGeom>
+            <a:ln w="13550" cap="flat">
+              <a:solidFill>
+                <a:srgbClr val="FFFFFF">
+                  <a:alpha val="100000"/>
+                </a:srgbClr>
+              </a:solidFill>
+              <a:prstDash val="solid"/>
+              <a:round/>
+            </a:ln>
+          </p:spPr>
+          <p:txBody>
+            <a:bodyPr/>
+            <a:lstStyle/>
+            <a:p/>
+          </p:txBody>
+        </p:sp>
+        <p:sp>
+          <p:nvSpPr>
+            <p:cNvPr id="31" name="pl30"/>
+            <p:cNvSpPr/>
+            <p:nvPr/>
+          </p:nvSpPr>
+          <p:spPr>
+            <a:xfrm>
+              <a:off x="1532259" y="1755907"/>
+              <a:ext cx="4129871" cy="0"/>
+            </a:xfrm>
+            <a:custGeom>
+              <a:avLst/>
+              <a:pathLst>
+                <a:path w="4129871" h="0">
+                  <a:moveTo>
+                    <a:pt x="0" y="0"/>
+                  </a:moveTo>
+                  <a:lnTo>
+                    <a:pt x="4129871" y="0"/>
+                  </a:lnTo>
+                  <a:lnTo>
+                    <a:pt x="4129871" y="0"/>
+                  </a:lnTo>
+                </a:path>
+              </a:pathLst>
+            </a:custGeom>
+            <a:ln w="13550" cap="flat">
+              <a:solidFill>
+                <a:srgbClr val="FFFFFF">
+                  <a:alpha val="100000"/>
+                </a:srgbClr>
+              </a:solidFill>
+              <a:prstDash val="solid"/>
+              <a:round/>
+            </a:ln>
+          </p:spPr>
+          <p:txBody>
+            <a:bodyPr/>
+            <a:lstStyle/>
+            <a:p/>
+          </p:txBody>
+        </p:sp>
+        <p:sp>
+          <p:nvSpPr>
+            <p:cNvPr id="32" name="pl31"/>
+            <p:cNvSpPr/>
+            <p:nvPr/>
+          </p:nvSpPr>
+          <p:spPr>
+            <a:xfrm>
+              <a:off x="1532259" y="1299467"/>
+              <a:ext cx="4129871" cy="0"/>
+            </a:xfrm>
+            <a:custGeom>
+              <a:avLst/>
+              <a:pathLst>
+                <a:path w="4129871" h="0">
+                  <a:moveTo>
+                    <a:pt x="0" y="0"/>
+                  </a:moveTo>
+                  <a:lnTo>
+                    <a:pt x="4129871" y="0"/>
+                  </a:lnTo>
+                  <a:lnTo>
+                    <a:pt x="4129871" y="0"/>
+                  </a:lnTo>
+                </a:path>
+              </a:pathLst>
+            </a:custGeom>
+            <a:ln w="13550" cap="flat">
+              <a:solidFill>
+                <a:srgbClr val="FFFFFF">
+                  <a:alpha val="100000"/>
+                </a:srgbClr>
+              </a:solidFill>
+              <a:prstDash val="solid"/>
+              <a:round/>
+            </a:ln>
+          </p:spPr>
+          <p:txBody>
+            <a:bodyPr/>
+            <a:lstStyle/>
+            <a:p/>
+          </p:txBody>
+        </p:sp>
+        <p:sp>
+          <p:nvSpPr>
+            <p:cNvPr id="33" name="pl32"/>
+            <p:cNvSpPr/>
+            <p:nvPr/>
+          </p:nvSpPr>
+          <p:spPr>
+            <a:xfrm>
+              <a:off x="1719981" y="983989"/>
               <a:ext cx="0" cy="3185376"/>
             </a:xfrm>
             <a:custGeom>
@@ -3023,7 +3496,7 @@
                 </a:path>
               </a:pathLst>
             </a:custGeom>
-            <a:ln w="6775" cap="flat">
+            <a:ln w="13550" cap="flat">
               <a:solidFill>
                 <a:srgbClr val="FFFFFF">
                   <a:alpha val="100000"/>
@@ -3041,13 +3514,13 @@
         </p:sp>
         <p:sp>
           <p:nvSpPr>
-            <p:cNvPr id="23" name="pl22"/>
-            <p:cNvSpPr/>
-            <p:nvPr/>
-          </p:nvSpPr>
-          <p:spPr>
-            <a:xfrm>
-              <a:off x="5188283" y="983989"/>
+            <p:cNvPr id="34" name="pl33"/>
+            <p:cNvSpPr/>
+            <p:nvPr/>
+          </p:nvSpPr>
+          <p:spPr>
+            <a:xfrm>
+              <a:off x="2067613" y="983989"/>
               <a:ext cx="0" cy="3185376"/>
             </a:xfrm>
             <a:custGeom>
@@ -3066,7 +3539,7 @@
                 </a:path>
               </a:pathLst>
             </a:custGeom>
-            <a:ln w="6775" cap="flat">
+            <a:ln w="13550" cap="flat">
               <a:solidFill>
                 <a:srgbClr val="FFFFFF">
                   <a:alpha val="100000"/>
@@ -3084,13 +3557,13 @@
         </p:sp>
         <p:sp>
           <p:nvSpPr>
-            <p:cNvPr id="24" name="pl23"/>
-            <p:cNvSpPr/>
-            <p:nvPr/>
-          </p:nvSpPr>
-          <p:spPr>
-            <a:xfrm>
-              <a:off x="5471177" y="983989"/>
+            <p:cNvPr id="35" name="pl34"/>
+            <p:cNvSpPr/>
+            <p:nvPr/>
+          </p:nvSpPr>
+          <p:spPr>
+            <a:xfrm>
+              <a:off x="2415245" y="983989"/>
               <a:ext cx="0" cy="3185376"/>
             </a:xfrm>
             <a:custGeom>
@@ -3109,7 +3582,7 @@
                 </a:path>
               </a:pathLst>
             </a:custGeom>
-            <a:ln w="6775" cap="flat">
+            <a:ln w="13550" cap="flat">
               <a:solidFill>
                 <a:srgbClr val="FFFFFF">
                   <a:alpha val="100000"/>
@@ -3127,13 +3600,13 @@
         </p:sp>
         <p:sp>
           <p:nvSpPr>
-            <p:cNvPr id="25" name="pl24"/>
-            <p:cNvSpPr/>
-            <p:nvPr/>
-          </p:nvSpPr>
-          <p:spPr>
-            <a:xfrm>
-              <a:off x="5612624" y="983989"/>
+            <p:cNvPr id="36" name="pl35"/>
+            <p:cNvSpPr/>
+            <p:nvPr/>
+          </p:nvSpPr>
+          <p:spPr>
+            <a:xfrm>
+              <a:off x="2762878" y="983989"/>
               <a:ext cx="0" cy="3185376"/>
             </a:xfrm>
             <a:custGeom>
@@ -3152,7 +3625,7 @@
                 </a:path>
               </a:pathLst>
             </a:custGeom>
-            <a:ln w="6775" cap="flat">
+            <a:ln w="13550" cap="flat">
               <a:solidFill>
                 <a:srgbClr val="FFFFFF">
                   <a:alpha val="100000"/>
@@ -3170,185 +3643,13 @@
         </p:sp>
         <p:sp>
           <p:nvSpPr>
-            <p:cNvPr id="26" name="pl25"/>
-            <p:cNvSpPr/>
-            <p:nvPr/>
-          </p:nvSpPr>
-          <p:spPr>
-            <a:xfrm>
-              <a:off x="1461154" y="4038109"/>
-              <a:ext cx="4200976" cy="0"/>
-            </a:xfrm>
-            <a:custGeom>
-              <a:avLst/>
-              <a:pathLst>
-                <a:path w="4200976" h="0">
-                  <a:moveTo>
-                    <a:pt x="0" y="0"/>
-                  </a:moveTo>
-                  <a:lnTo>
-                    <a:pt x="4200976" y="0"/>
-                  </a:lnTo>
-                  <a:lnTo>
-                    <a:pt x="4200976" y="0"/>
-                  </a:lnTo>
-                </a:path>
-              </a:pathLst>
-            </a:custGeom>
-            <a:ln w="13550" cap="flat">
-              <a:solidFill>
-                <a:srgbClr val="FFFFFF">
-                  <a:alpha val="100000"/>
-                </a:srgbClr>
-              </a:solidFill>
-              <a:prstDash val="solid"/>
-              <a:round/>
-            </a:ln>
-          </p:spPr>
-          <p:txBody>
-            <a:bodyPr/>
-            <a:lstStyle/>
-            <a:p/>
-          </p:txBody>
-        </p:sp>
-        <p:sp>
-          <p:nvSpPr>
-            <p:cNvPr id="27" name="pl26"/>
-            <p:cNvSpPr/>
-            <p:nvPr/>
-          </p:nvSpPr>
-          <p:spPr>
-            <a:xfrm>
-              <a:off x="1461154" y="3125228"/>
-              <a:ext cx="4200976" cy="0"/>
-            </a:xfrm>
-            <a:custGeom>
-              <a:avLst/>
-              <a:pathLst>
-                <a:path w="4200976" h="0">
-                  <a:moveTo>
-                    <a:pt x="0" y="0"/>
-                  </a:moveTo>
-                  <a:lnTo>
-                    <a:pt x="4200976" y="0"/>
-                  </a:lnTo>
-                  <a:lnTo>
-                    <a:pt x="4200976" y="0"/>
-                  </a:lnTo>
-                </a:path>
-              </a:pathLst>
-            </a:custGeom>
-            <a:ln w="13550" cap="flat">
-              <a:solidFill>
-                <a:srgbClr val="FFFFFF">
-                  <a:alpha val="100000"/>
-                </a:srgbClr>
-              </a:solidFill>
-              <a:prstDash val="solid"/>
-              <a:round/>
-            </a:ln>
-          </p:spPr>
-          <p:txBody>
-            <a:bodyPr/>
-            <a:lstStyle/>
-            <a:p/>
-          </p:txBody>
-        </p:sp>
-        <p:sp>
-          <p:nvSpPr>
-            <p:cNvPr id="28" name="pl27"/>
-            <p:cNvSpPr/>
-            <p:nvPr/>
-          </p:nvSpPr>
-          <p:spPr>
-            <a:xfrm>
-              <a:off x="1461154" y="2212348"/>
-              <a:ext cx="4200976" cy="0"/>
-            </a:xfrm>
-            <a:custGeom>
-              <a:avLst/>
-              <a:pathLst>
-                <a:path w="4200976" h="0">
-                  <a:moveTo>
-                    <a:pt x="0" y="0"/>
-                  </a:moveTo>
-                  <a:lnTo>
-                    <a:pt x="4200976" y="0"/>
-                  </a:lnTo>
-                  <a:lnTo>
-                    <a:pt x="4200976" y="0"/>
-                  </a:lnTo>
-                </a:path>
-              </a:pathLst>
-            </a:custGeom>
-            <a:ln w="13550" cap="flat">
-              <a:solidFill>
-                <a:srgbClr val="FFFFFF">
-                  <a:alpha val="100000"/>
-                </a:srgbClr>
-              </a:solidFill>
-              <a:prstDash val="solid"/>
-              <a:round/>
-            </a:ln>
-          </p:spPr>
-          <p:txBody>
-            <a:bodyPr/>
-            <a:lstStyle/>
-            <a:p/>
-          </p:txBody>
-        </p:sp>
-        <p:sp>
-          <p:nvSpPr>
-            <p:cNvPr id="29" name="pl28"/>
-            <p:cNvSpPr/>
-            <p:nvPr/>
-          </p:nvSpPr>
-          <p:spPr>
-            <a:xfrm>
-              <a:off x="1461154" y="1299467"/>
-              <a:ext cx="4200976" cy="0"/>
-            </a:xfrm>
-            <a:custGeom>
-              <a:avLst/>
-              <a:pathLst>
-                <a:path w="4200976" h="0">
-                  <a:moveTo>
-                    <a:pt x="0" y="0"/>
-                  </a:moveTo>
-                  <a:lnTo>
-                    <a:pt x="4200976" y="0"/>
-                  </a:lnTo>
-                  <a:lnTo>
-                    <a:pt x="4200976" y="0"/>
-                  </a:lnTo>
-                </a:path>
-              </a:pathLst>
-            </a:custGeom>
-            <a:ln w="13550" cap="flat">
-              <a:solidFill>
-                <a:srgbClr val="FFFFFF">
-                  <a:alpha val="100000"/>
-                </a:srgbClr>
-              </a:solidFill>
-              <a:prstDash val="solid"/>
-              <a:round/>
-            </a:ln>
-          </p:spPr>
-          <p:txBody>
-            <a:bodyPr/>
-            <a:lstStyle/>
-            <a:p/>
-          </p:txBody>
-        </p:sp>
-        <p:sp>
-          <p:nvSpPr>
-            <p:cNvPr id="30" name="pl29"/>
-            <p:cNvSpPr/>
-            <p:nvPr/>
-          </p:nvSpPr>
-          <p:spPr>
-            <a:xfrm>
-              <a:off x="1652108" y="983989"/>
+            <p:cNvPr id="37" name="pl36"/>
+            <p:cNvSpPr/>
+            <p:nvPr/>
+          </p:nvSpPr>
+          <p:spPr>
+            <a:xfrm>
+              <a:off x="3110510" y="983989"/>
               <a:ext cx="0" cy="3185376"/>
             </a:xfrm>
             <a:custGeom>
@@ -3385,13 +3686,13 @@
         </p:sp>
         <p:sp>
           <p:nvSpPr>
-            <p:cNvPr id="31" name="pl30"/>
-            <p:cNvSpPr/>
-            <p:nvPr/>
-          </p:nvSpPr>
-          <p:spPr>
-            <a:xfrm>
-              <a:off x="1935002" y="983989"/>
+            <p:cNvPr id="38" name="pl37"/>
+            <p:cNvSpPr/>
+            <p:nvPr/>
+          </p:nvSpPr>
+          <p:spPr>
+            <a:xfrm>
+              <a:off x="3458142" y="983989"/>
               <a:ext cx="0" cy="3185376"/>
             </a:xfrm>
             <a:custGeom>
@@ -3428,13 +3729,13 @@
         </p:sp>
         <p:sp>
           <p:nvSpPr>
-            <p:cNvPr id="32" name="pl31"/>
-            <p:cNvSpPr/>
-            <p:nvPr/>
-          </p:nvSpPr>
-          <p:spPr>
-            <a:xfrm>
-              <a:off x="2217896" y="983989"/>
+            <p:cNvPr id="39" name="pl38"/>
+            <p:cNvSpPr/>
+            <p:nvPr/>
+          </p:nvSpPr>
+          <p:spPr>
+            <a:xfrm>
+              <a:off x="3805775" y="983989"/>
               <a:ext cx="0" cy="3185376"/>
             </a:xfrm>
             <a:custGeom>
@@ -3471,13 +3772,13 @@
         </p:sp>
         <p:sp>
           <p:nvSpPr>
-            <p:cNvPr id="33" name="pl32"/>
-            <p:cNvSpPr/>
-            <p:nvPr/>
-          </p:nvSpPr>
-          <p:spPr>
-            <a:xfrm>
-              <a:off x="2500790" y="983989"/>
+            <p:cNvPr id="40" name="pl39"/>
+            <p:cNvSpPr/>
+            <p:nvPr/>
+          </p:nvSpPr>
+          <p:spPr>
+            <a:xfrm>
+              <a:off x="4153407" y="983989"/>
               <a:ext cx="0" cy="3185376"/>
             </a:xfrm>
             <a:custGeom>
@@ -3514,13 +3815,13 @@
         </p:sp>
         <p:sp>
           <p:nvSpPr>
-            <p:cNvPr id="34" name="pl33"/>
-            <p:cNvSpPr/>
-            <p:nvPr/>
-          </p:nvSpPr>
-          <p:spPr>
-            <a:xfrm>
-              <a:off x="2783684" y="983989"/>
+            <p:cNvPr id="41" name="pl40"/>
+            <p:cNvSpPr/>
+            <p:nvPr/>
+          </p:nvSpPr>
+          <p:spPr>
+            <a:xfrm>
+              <a:off x="4501039" y="983989"/>
               <a:ext cx="0" cy="3185376"/>
             </a:xfrm>
             <a:custGeom>
@@ -3557,13 +3858,13 @@
         </p:sp>
         <p:sp>
           <p:nvSpPr>
-            <p:cNvPr id="35" name="pl34"/>
-            <p:cNvSpPr/>
-            <p:nvPr/>
-          </p:nvSpPr>
-          <p:spPr>
-            <a:xfrm>
-              <a:off x="3066578" y="983989"/>
+            <p:cNvPr id="42" name="pl41"/>
+            <p:cNvSpPr/>
+            <p:nvPr/>
+          </p:nvSpPr>
+          <p:spPr>
+            <a:xfrm>
+              <a:off x="4848671" y="983989"/>
               <a:ext cx="0" cy="3185376"/>
             </a:xfrm>
             <a:custGeom>
@@ -3600,13 +3901,13 @@
         </p:sp>
         <p:sp>
           <p:nvSpPr>
-            <p:cNvPr id="36" name="pl35"/>
-            <p:cNvSpPr/>
-            <p:nvPr/>
-          </p:nvSpPr>
-          <p:spPr>
-            <a:xfrm>
-              <a:off x="3349472" y="983989"/>
+            <p:cNvPr id="43" name="pl42"/>
+            <p:cNvSpPr/>
+            <p:nvPr/>
+          </p:nvSpPr>
+          <p:spPr>
+            <a:xfrm>
+              <a:off x="5196304" y="983989"/>
               <a:ext cx="0" cy="3185376"/>
             </a:xfrm>
             <a:custGeom>
@@ -3643,13 +3944,13 @@
         </p:sp>
         <p:sp>
           <p:nvSpPr>
-            <p:cNvPr id="37" name="pl36"/>
-            <p:cNvSpPr/>
-            <p:nvPr/>
-          </p:nvSpPr>
-          <p:spPr>
-            <a:xfrm>
-              <a:off x="3632366" y="983989"/>
+            <p:cNvPr id="44" name="pl43"/>
+            <p:cNvSpPr/>
+            <p:nvPr/>
+          </p:nvSpPr>
+          <p:spPr>
+            <a:xfrm>
+              <a:off x="5543936" y="983989"/>
               <a:ext cx="0" cy="3185376"/>
             </a:xfrm>
             <a:custGeom>
@@ -3686,351 +3987,93 @@
         </p:sp>
         <p:sp>
           <p:nvSpPr>
-            <p:cNvPr id="38" name="pl37"/>
-            <p:cNvSpPr/>
-            <p:nvPr/>
-          </p:nvSpPr>
-          <p:spPr>
-            <a:xfrm>
-              <a:off x="3915260" y="983989"/>
-              <a:ext cx="0" cy="3185376"/>
+            <p:cNvPr id="45" name="pl44"/>
+            <p:cNvSpPr/>
+            <p:nvPr/>
+          </p:nvSpPr>
+          <p:spPr>
+            <a:xfrm>
+              <a:off x="2519535" y="1287576"/>
+              <a:ext cx="2815821" cy="2736199"/>
             </a:xfrm>
             <a:custGeom>
               <a:avLst/>
               <a:pathLst>
-                <a:path w="0" h="3185376">
-                  <a:moveTo>
-                    <a:pt x="0" y="3185376"/>
-                  </a:moveTo>
-                  <a:lnTo>
-                    <a:pt x="0" y="0"/>
-                  </a:lnTo>
-                  <a:lnTo>
-                    <a:pt x="0" y="0"/>
-                  </a:lnTo>
-                </a:path>
-              </a:pathLst>
-            </a:custGeom>
-            <a:ln w="13550" cap="flat">
-              <a:solidFill>
-                <a:srgbClr val="FFFFFF">
-                  <a:alpha val="100000"/>
-                </a:srgbClr>
-              </a:solidFill>
-              <a:prstDash val="solid"/>
-              <a:round/>
-            </a:ln>
-          </p:spPr>
-          <p:txBody>
-            <a:bodyPr/>
-            <a:lstStyle/>
-            <a:p/>
-          </p:txBody>
-        </p:sp>
-        <p:sp>
-          <p:nvSpPr>
-            <p:cNvPr id="39" name="pl38"/>
-            <p:cNvSpPr/>
-            <p:nvPr/>
-          </p:nvSpPr>
-          <p:spPr>
-            <a:xfrm>
-              <a:off x="4198154" y="983989"/>
-              <a:ext cx="0" cy="3185376"/>
-            </a:xfrm>
-            <a:custGeom>
-              <a:avLst/>
-              <a:pathLst>
-                <a:path w="0" h="3185376">
-                  <a:moveTo>
-                    <a:pt x="0" y="3185376"/>
-                  </a:moveTo>
-                  <a:lnTo>
-                    <a:pt x="0" y="0"/>
-                  </a:lnTo>
-                  <a:lnTo>
-                    <a:pt x="0" y="0"/>
-                  </a:lnTo>
-                </a:path>
-              </a:pathLst>
-            </a:custGeom>
-            <a:ln w="13550" cap="flat">
-              <a:solidFill>
-                <a:srgbClr val="FFFFFF">
-                  <a:alpha val="100000"/>
-                </a:srgbClr>
-              </a:solidFill>
-              <a:prstDash val="solid"/>
-              <a:round/>
-            </a:ln>
-          </p:spPr>
-          <p:txBody>
-            <a:bodyPr/>
-            <a:lstStyle/>
-            <a:p/>
-          </p:txBody>
-        </p:sp>
-        <p:sp>
-          <p:nvSpPr>
-            <p:cNvPr id="40" name="pl39"/>
-            <p:cNvSpPr/>
-            <p:nvPr/>
-          </p:nvSpPr>
-          <p:spPr>
-            <a:xfrm>
-              <a:off x="4481048" y="983989"/>
-              <a:ext cx="0" cy="3185376"/>
-            </a:xfrm>
-            <a:custGeom>
-              <a:avLst/>
-              <a:pathLst>
-                <a:path w="0" h="3185376">
-                  <a:moveTo>
-                    <a:pt x="0" y="3185376"/>
-                  </a:moveTo>
-                  <a:lnTo>
-                    <a:pt x="0" y="0"/>
-                  </a:lnTo>
-                  <a:lnTo>
-                    <a:pt x="0" y="0"/>
-                  </a:lnTo>
-                </a:path>
-              </a:pathLst>
-            </a:custGeom>
-            <a:ln w="13550" cap="flat">
-              <a:solidFill>
-                <a:srgbClr val="FFFFFF">
-                  <a:alpha val="100000"/>
-                </a:srgbClr>
-              </a:solidFill>
-              <a:prstDash val="solid"/>
-              <a:round/>
-            </a:ln>
-          </p:spPr>
-          <p:txBody>
-            <a:bodyPr/>
-            <a:lstStyle/>
-            <a:p/>
-          </p:txBody>
-        </p:sp>
-        <p:sp>
-          <p:nvSpPr>
-            <p:cNvPr id="41" name="pl40"/>
-            <p:cNvSpPr/>
-            <p:nvPr/>
-          </p:nvSpPr>
-          <p:spPr>
-            <a:xfrm>
-              <a:off x="4763942" y="983989"/>
-              <a:ext cx="0" cy="3185376"/>
-            </a:xfrm>
-            <a:custGeom>
-              <a:avLst/>
-              <a:pathLst>
-                <a:path w="0" h="3185376">
-                  <a:moveTo>
-                    <a:pt x="0" y="3185376"/>
-                  </a:moveTo>
-                  <a:lnTo>
-                    <a:pt x="0" y="0"/>
-                  </a:lnTo>
-                  <a:lnTo>
-                    <a:pt x="0" y="0"/>
-                  </a:lnTo>
-                </a:path>
-              </a:pathLst>
-            </a:custGeom>
-            <a:ln w="13550" cap="flat">
-              <a:solidFill>
-                <a:srgbClr val="FFFFFF">
-                  <a:alpha val="100000"/>
-                </a:srgbClr>
-              </a:solidFill>
-              <a:prstDash val="solid"/>
-              <a:round/>
-            </a:ln>
-          </p:spPr>
-          <p:txBody>
-            <a:bodyPr/>
-            <a:lstStyle/>
-            <a:p/>
-          </p:txBody>
-        </p:sp>
-        <p:sp>
-          <p:nvSpPr>
-            <p:cNvPr id="42" name="pl41"/>
-            <p:cNvSpPr/>
-            <p:nvPr/>
-          </p:nvSpPr>
-          <p:spPr>
-            <a:xfrm>
-              <a:off x="5046836" y="983989"/>
-              <a:ext cx="0" cy="3185376"/>
-            </a:xfrm>
-            <a:custGeom>
-              <a:avLst/>
-              <a:pathLst>
-                <a:path w="0" h="3185376">
-                  <a:moveTo>
-                    <a:pt x="0" y="3185376"/>
-                  </a:moveTo>
-                  <a:lnTo>
-                    <a:pt x="0" y="0"/>
-                  </a:lnTo>
-                  <a:lnTo>
-                    <a:pt x="0" y="0"/>
-                  </a:lnTo>
-                </a:path>
-              </a:pathLst>
-            </a:custGeom>
-            <a:ln w="13550" cap="flat">
-              <a:solidFill>
-                <a:srgbClr val="FFFFFF">
-                  <a:alpha val="100000"/>
-                </a:srgbClr>
-              </a:solidFill>
-              <a:prstDash val="solid"/>
-              <a:round/>
-            </a:ln>
-          </p:spPr>
-          <p:txBody>
-            <a:bodyPr/>
-            <a:lstStyle/>
-            <a:p/>
-          </p:txBody>
-        </p:sp>
-        <p:sp>
-          <p:nvSpPr>
-            <p:cNvPr id="43" name="pl42"/>
-            <p:cNvSpPr/>
-            <p:nvPr/>
-          </p:nvSpPr>
-          <p:spPr>
-            <a:xfrm>
-              <a:off x="5329730" y="983989"/>
-              <a:ext cx="0" cy="3185376"/>
-            </a:xfrm>
-            <a:custGeom>
-              <a:avLst/>
-              <a:pathLst>
-                <a:path w="0" h="3185376">
-                  <a:moveTo>
-                    <a:pt x="0" y="3185376"/>
-                  </a:moveTo>
-                  <a:lnTo>
-                    <a:pt x="0" y="0"/>
-                  </a:lnTo>
-                  <a:lnTo>
-                    <a:pt x="0" y="0"/>
-                  </a:lnTo>
-                </a:path>
-              </a:pathLst>
-            </a:custGeom>
-            <a:ln w="13550" cap="flat">
-              <a:solidFill>
-                <a:srgbClr val="FFFFFF">
-                  <a:alpha val="100000"/>
-                </a:srgbClr>
-              </a:solidFill>
-              <a:prstDash val="solid"/>
-              <a:round/>
-            </a:ln>
-          </p:spPr>
-          <p:txBody>
-            <a:bodyPr/>
-            <a:lstStyle/>
-            <a:p/>
-          </p:txBody>
-        </p:sp>
-        <p:sp>
-          <p:nvSpPr>
-            <p:cNvPr id="44" name="pl43"/>
-            <p:cNvSpPr/>
-            <p:nvPr/>
-          </p:nvSpPr>
-          <p:spPr>
-            <a:xfrm>
-              <a:off x="2465428" y="1287576"/>
-              <a:ext cx="2864302" cy="2736199"/>
-            </a:xfrm>
-            <a:custGeom>
-              <a:avLst/>
-              <a:pathLst>
-                <a:path w="2864302" h="2736199">
+                <a:path w="2815821" h="2736199">
                   <a:moveTo>
                     <a:pt x="0" y="2736199"/>
                   </a:moveTo>
                   <a:lnTo>
-                    <a:pt x="919405" y="2301162"/>
-                  </a:lnTo>
-                  <a:lnTo>
-                    <a:pt x="1060852" y="2139670"/>
-                  </a:lnTo>
-                  <a:lnTo>
-                    <a:pt x="1166937" y="1981961"/>
-                  </a:lnTo>
-                  <a:lnTo>
-                    <a:pt x="1273023" y="1677668"/>
-                  </a:lnTo>
-                  <a:lnTo>
-                    <a:pt x="1343746" y="1365577"/>
-                  </a:lnTo>
-                  <a:lnTo>
-                    <a:pt x="1414470" y="979728"/>
-                  </a:lnTo>
-                  <a:lnTo>
-                    <a:pt x="1485193" y="603313"/>
-                  </a:lnTo>
-                  <a:lnTo>
-                    <a:pt x="1555917" y="262478"/>
-                  </a:lnTo>
-                  <a:lnTo>
-                    <a:pt x="1626640" y="0"/>
-                  </a:lnTo>
-                  <a:lnTo>
-                    <a:pt x="1697364" y="7769"/>
-                  </a:lnTo>
-                  <a:lnTo>
-                    <a:pt x="1768087" y="256870"/>
-                  </a:lnTo>
-                  <a:lnTo>
-                    <a:pt x="1838811" y="603392"/>
-                  </a:lnTo>
-                  <a:lnTo>
-                    <a:pt x="1909534" y="951912"/>
-                  </a:lnTo>
-                  <a:lnTo>
-                    <a:pt x="1980258" y="1230962"/>
-                  </a:lnTo>
-                  <a:lnTo>
-                    <a:pt x="2050981" y="1434639"/>
-                  </a:lnTo>
-                  <a:lnTo>
-                    <a:pt x="2157067" y="1576174"/>
-                  </a:lnTo>
-                  <a:lnTo>
-                    <a:pt x="2263152" y="1515489"/>
-                  </a:lnTo>
-                  <a:lnTo>
-                    <a:pt x="2333875" y="1420300"/>
-                  </a:lnTo>
-                  <a:lnTo>
-                    <a:pt x="2404599" y="1330334"/>
-                  </a:lnTo>
-                  <a:lnTo>
-                    <a:pt x="2475322" y="1288598"/>
-                  </a:lnTo>
-                  <a:lnTo>
-                    <a:pt x="2546046" y="1404169"/>
-                  </a:lnTo>
-                  <a:lnTo>
-                    <a:pt x="2616769" y="1628083"/>
-                  </a:lnTo>
-                  <a:lnTo>
-                    <a:pt x="2687493" y="1898865"/>
-                  </a:lnTo>
-                  <a:lnTo>
-                    <a:pt x="2864302" y="2436110"/>
+                    <a:pt x="903843" y="2301162"/>
+                  </a:lnTo>
+                  <a:lnTo>
+                    <a:pt x="1042896" y="2139670"/>
+                  </a:lnTo>
+                  <a:lnTo>
+                    <a:pt x="1147186" y="1981961"/>
+                  </a:lnTo>
+                  <a:lnTo>
+                    <a:pt x="1251476" y="1677668"/>
+                  </a:lnTo>
+                  <a:lnTo>
+                    <a:pt x="1321002" y="1365577"/>
+                  </a:lnTo>
+                  <a:lnTo>
+                    <a:pt x="1390529" y="979728"/>
+                  </a:lnTo>
+                  <a:lnTo>
+                    <a:pt x="1460055" y="603313"/>
+                  </a:lnTo>
+                  <a:lnTo>
+                    <a:pt x="1529581" y="262478"/>
+                  </a:lnTo>
+                  <a:lnTo>
+                    <a:pt x="1599108" y="0"/>
+                  </a:lnTo>
+                  <a:lnTo>
+                    <a:pt x="1668634" y="7769"/>
+                  </a:lnTo>
+                  <a:lnTo>
+                    <a:pt x="1738161" y="256870"/>
+                  </a:lnTo>
+                  <a:lnTo>
+                    <a:pt x="1807687" y="603392"/>
+                  </a:lnTo>
+                  <a:lnTo>
+                    <a:pt x="1877214" y="951912"/>
+                  </a:lnTo>
+                  <a:lnTo>
+                    <a:pt x="1946740" y="1230962"/>
+                  </a:lnTo>
+                  <a:lnTo>
+                    <a:pt x="2016267" y="1434639"/>
+                  </a:lnTo>
+                  <a:lnTo>
+                    <a:pt x="2120556" y="1576174"/>
+                  </a:lnTo>
+                  <a:lnTo>
+                    <a:pt x="2224846" y="1515489"/>
+                  </a:lnTo>
+                  <a:lnTo>
+                    <a:pt x="2294372" y="1420300"/>
+                  </a:lnTo>
+                  <a:lnTo>
+                    <a:pt x="2363899" y="1330334"/>
+                  </a:lnTo>
+                  <a:lnTo>
+                    <a:pt x="2433425" y="1288598"/>
+                  </a:lnTo>
+                  <a:lnTo>
+                    <a:pt x="2502952" y="1404169"/>
+                  </a:lnTo>
+                  <a:lnTo>
+                    <a:pt x="2572478" y="1628083"/>
+                  </a:lnTo>
+                  <a:lnTo>
+                    <a:pt x="2642005" y="1898865"/>
+                  </a:lnTo>
+                  <a:lnTo>
+                    <a:pt x="2815821" y="2436110"/>
                   </a:lnTo>
                 </a:path>
               </a:pathLst>
@@ -4053,102 +4096,102 @@
         </p:sp>
         <p:sp>
           <p:nvSpPr>
-            <p:cNvPr id="45" name="pl44"/>
-            <p:cNvSpPr/>
-            <p:nvPr/>
-          </p:nvSpPr>
-          <p:spPr>
-            <a:xfrm>
-              <a:off x="1793555" y="1128778"/>
-              <a:ext cx="3500813" cy="2870829"/>
+            <p:cNvPr id="46" name="pl45"/>
+            <p:cNvSpPr/>
+            <p:nvPr/>
+          </p:nvSpPr>
+          <p:spPr>
+            <a:xfrm>
+              <a:off x="1859034" y="1128778"/>
+              <a:ext cx="3441559" cy="2870829"/>
             </a:xfrm>
             <a:custGeom>
               <a:avLst/>
               <a:pathLst>
-                <a:path w="3500813" h="2870829">
+                <a:path w="3441559" h="2870829">
                   <a:moveTo>
                     <a:pt x="0" y="2849024"/>
                   </a:moveTo>
                   <a:lnTo>
-                    <a:pt x="247532" y="2856321"/>
-                  </a:lnTo>
-                  <a:lnTo>
-                    <a:pt x="777958" y="2843488"/>
-                  </a:lnTo>
-                  <a:lnTo>
-                    <a:pt x="1237661" y="2644885"/>
-                  </a:lnTo>
-                  <a:lnTo>
-                    <a:pt x="1308384" y="2566353"/>
-                  </a:lnTo>
-                  <a:lnTo>
-                    <a:pt x="1379108" y="2463449"/>
-                  </a:lnTo>
-                  <a:lnTo>
-                    <a:pt x="1485193" y="2241570"/>
-                  </a:lnTo>
-                  <a:lnTo>
-                    <a:pt x="1591278" y="1895649"/>
-                  </a:lnTo>
-                  <a:lnTo>
-                    <a:pt x="1662002" y="1579379"/>
-                  </a:lnTo>
-                  <a:lnTo>
-                    <a:pt x="1732725" y="1190036"/>
-                  </a:lnTo>
-                  <a:lnTo>
-                    <a:pt x="1803449" y="798301"/>
-                  </a:lnTo>
-                  <a:lnTo>
-                    <a:pt x="1874173" y="385815"/>
-                  </a:lnTo>
-                  <a:lnTo>
-                    <a:pt x="1944896" y="142790"/>
-                  </a:lnTo>
-                  <a:lnTo>
-                    <a:pt x="2015620" y="0"/>
-                  </a:lnTo>
-                  <a:lnTo>
-                    <a:pt x="2086343" y="1577"/>
-                  </a:lnTo>
-                  <a:lnTo>
-                    <a:pt x="2157067" y="93951"/>
-                  </a:lnTo>
-                  <a:lnTo>
-                    <a:pt x="2227790" y="226857"/>
-                  </a:lnTo>
-                  <a:lnTo>
-                    <a:pt x="2298514" y="468692"/>
-                  </a:lnTo>
-                  <a:lnTo>
-                    <a:pt x="2369237" y="750105"/>
-                  </a:lnTo>
-                  <a:lnTo>
-                    <a:pt x="2439961" y="1051874"/>
-                  </a:lnTo>
-                  <a:lnTo>
-                    <a:pt x="2510684" y="1371601"/>
-                  </a:lnTo>
-                  <a:lnTo>
-                    <a:pt x="2616769" y="1776279"/>
-                  </a:lnTo>
-                  <a:lnTo>
-                    <a:pt x="2722855" y="2092005"/>
-                  </a:lnTo>
-                  <a:lnTo>
-                    <a:pt x="2793578" y="2257708"/>
-                  </a:lnTo>
-                  <a:lnTo>
-                    <a:pt x="2864302" y="2400988"/>
-                  </a:lnTo>
-                  <a:lnTo>
-                    <a:pt x="3076472" y="2683622"/>
-                  </a:lnTo>
-                  <a:lnTo>
-                    <a:pt x="3288643" y="2813810"/>
-                  </a:lnTo>
-                  <a:lnTo>
-                    <a:pt x="3500813" y="2870829"/>
+                    <a:pt x="243342" y="2856321"/>
+                  </a:lnTo>
+                  <a:lnTo>
+                    <a:pt x="764790" y="2843488"/>
+                  </a:lnTo>
+                  <a:lnTo>
+                    <a:pt x="1216712" y="2644885"/>
+                  </a:lnTo>
+                  <a:lnTo>
+                    <a:pt x="1286239" y="2566353"/>
+                  </a:lnTo>
+                  <a:lnTo>
+                    <a:pt x="1355765" y="2463449"/>
+                  </a:lnTo>
+                  <a:lnTo>
+                    <a:pt x="1460055" y="2241570"/>
+                  </a:lnTo>
+                  <a:lnTo>
+                    <a:pt x="1564345" y="1895649"/>
+                  </a:lnTo>
+                  <a:lnTo>
+                    <a:pt x="1633871" y="1579379"/>
+                  </a:lnTo>
+                  <a:lnTo>
+                    <a:pt x="1703398" y="1190036"/>
+                  </a:lnTo>
+                  <a:lnTo>
+                    <a:pt x="1772924" y="798301"/>
+                  </a:lnTo>
+                  <a:lnTo>
+                    <a:pt x="1842451" y="385815"/>
+                  </a:lnTo>
+                  <a:lnTo>
+                    <a:pt x="1911977" y="142790"/>
+                  </a:lnTo>
+                  <a:lnTo>
+                    <a:pt x="1981503" y="0"/>
+                  </a:lnTo>
+                  <a:lnTo>
+                    <a:pt x="2051030" y="1577"/>
+                  </a:lnTo>
+                  <a:lnTo>
+                    <a:pt x="2120556" y="93951"/>
+                  </a:lnTo>
+                  <a:lnTo>
+                    <a:pt x="2190083" y="226857"/>
+                  </a:lnTo>
+                  <a:lnTo>
+                    <a:pt x="2259609" y="468692"/>
+                  </a:lnTo>
+                  <a:lnTo>
+                    <a:pt x="2329136" y="750105"/>
+                  </a:lnTo>
+                  <a:lnTo>
+                    <a:pt x="2398662" y="1051874"/>
+                  </a:lnTo>
+                  <a:lnTo>
+                    <a:pt x="2468189" y="1371601"/>
+                  </a:lnTo>
+                  <a:lnTo>
+                    <a:pt x="2572478" y="1776279"/>
+                  </a:lnTo>
+                  <a:lnTo>
+                    <a:pt x="2676768" y="2092005"/>
+                  </a:lnTo>
+                  <a:lnTo>
+                    <a:pt x="2746294" y="2257708"/>
+                  </a:lnTo>
+                  <a:lnTo>
+                    <a:pt x="2815821" y="2400988"/>
+                  </a:lnTo>
+                  <a:lnTo>
+                    <a:pt x="3024400" y="2683622"/>
+                  </a:lnTo>
+                  <a:lnTo>
+                    <a:pt x="3232980" y="2813810"/>
+                  </a:lnTo>
+                  <a:lnTo>
+                    <a:pt x="3441559" y="2870829"/>
                   </a:lnTo>
                 </a:path>
               </a:pathLst>
@@ -4171,96 +4214,96 @@
         </p:sp>
         <p:sp>
           <p:nvSpPr>
-            <p:cNvPr id="46" name="pl45"/>
-            <p:cNvSpPr/>
-            <p:nvPr/>
-          </p:nvSpPr>
-          <p:spPr>
-            <a:xfrm>
-              <a:off x="2359343" y="1428072"/>
-              <a:ext cx="3005749" cy="2596502"/>
+            <p:cNvPr id="47" name="pl46"/>
+            <p:cNvSpPr/>
+            <p:nvPr/>
+          </p:nvSpPr>
+          <p:spPr>
+            <a:xfrm>
+              <a:off x="2415245" y="1428072"/>
+              <a:ext cx="2954874" cy="2596502"/>
             </a:xfrm>
             <a:custGeom>
               <a:avLst/>
               <a:pathLst>
-                <a:path w="3005749" h="2596502">
+                <a:path w="2954874" h="2596502">
                   <a:moveTo>
                     <a:pt x="0" y="2596502"/>
                   </a:moveTo>
                   <a:lnTo>
-                    <a:pt x="777958" y="2462998"/>
-                  </a:lnTo>
-                  <a:lnTo>
-                    <a:pt x="919405" y="2362941"/>
-                  </a:lnTo>
-                  <a:lnTo>
-                    <a:pt x="1060852" y="2177976"/>
-                  </a:lnTo>
-                  <a:lnTo>
-                    <a:pt x="1166937" y="1948846"/>
-                  </a:lnTo>
-                  <a:lnTo>
-                    <a:pt x="1237661" y="1740489"/>
-                  </a:lnTo>
-                  <a:lnTo>
-                    <a:pt x="1308384" y="1478525"/>
-                  </a:lnTo>
-                  <a:lnTo>
-                    <a:pt x="1379108" y="1167050"/>
-                  </a:lnTo>
-                  <a:lnTo>
-                    <a:pt x="1449831" y="825945"/>
-                  </a:lnTo>
-                  <a:lnTo>
-                    <a:pt x="1520555" y="467825"/>
-                  </a:lnTo>
-                  <a:lnTo>
-                    <a:pt x="1591278" y="142005"/>
-                  </a:lnTo>
-                  <a:lnTo>
-                    <a:pt x="1662002" y="0"/>
-                  </a:lnTo>
-                  <a:lnTo>
-                    <a:pt x="1732725" y="19230"/>
-                  </a:lnTo>
-                  <a:lnTo>
-                    <a:pt x="1803449" y="199428"/>
-                  </a:lnTo>
-                  <a:lnTo>
-                    <a:pt x="1874173" y="549114"/>
-                  </a:lnTo>
-                  <a:lnTo>
-                    <a:pt x="1944896" y="898549"/>
-                  </a:lnTo>
-                  <a:lnTo>
-                    <a:pt x="2015620" y="1220583"/>
-                  </a:lnTo>
-                  <a:lnTo>
-                    <a:pt x="2086343" y="1492696"/>
-                  </a:lnTo>
-                  <a:lnTo>
-                    <a:pt x="2157067" y="1702158"/>
-                  </a:lnTo>
-                  <a:lnTo>
-                    <a:pt x="2263152" y="1929394"/>
-                  </a:lnTo>
-                  <a:lnTo>
-                    <a:pt x="2369237" y="2081965"/>
-                  </a:lnTo>
-                  <a:lnTo>
-                    <a:pt x="2439961" y="2160568"/>
-                  </a:lnTo>
-                  <a:lnTo>
-                    <a:pt x="2581408" y="2287000"/>
-                  </a:lnTo>
-                  <a:lnTo>
-                    <a:pt x="2722855" y="2383273"/>
-                  </a:lnTo>
-                  <a:lnTo>
-                    <a:pt x="2828940" y="2442584"/>
-                  </a:lnTo>
-                  <a:lnTo>
-                    <a:pt x="3005749" y="2514175"/>
+                    <a:pt x="764790" y="2462998"/>
+                  </a:lnTo>
+                  <a:lnTo>
+                    <a:pt x="903843" y="2362941"/>
+                  </a:lnTo>
+                  <a:lnTo>
+                    <a:pt x="1042896" y="2177976"/>
+                  </a:lnTo>
+                  <a:lnTo>
+                    <a:pt x="1147186" y="1948846"/>
+                  </a:lnTo>
+                  <a:lnTo>
+                    <a:pt x="1216712" y="1740489"/>
+                  </a:lnTo>
+                  <a:lnTo>
+                    <a:pt x="1286239" y="1478525"/>
+                  </a:lnTo>
+                  <a:lnTo>
+                    <a:pt x="1355765" y="1167050"/>
+                  </a:lnTo>
+                  <a:lnTo>
+                    <a:pt x="1425292" y="825945"/>
+                  </a:lnTo>
+                  <a:lnTo>
+                    <a:pt x="1494818" y="467825"/>
+                  </a:lnTo>
+                  <a:lnTo>
+                    <a:pt x="1564345" y="142005"/>
+                  </a:lnTo>
+                  <a:lnTo>
+                    <a:pt x="1633871" y="0"/>
+                  </a:lnTo>
+                  <a:lnTo>
+                    <a:pt x="1703398" y="19230"/>
+                  </a:lnTo>
+                  <a:lnTo>
+                    <a:pt x="1772924" y="199428"/>
+                  </a:lnTo>
+                  <a:lnTo>
+                    <a:pt x="1842451" y="549114"/>
+                  </a:lnTo>
+                  <a:lnTo>
+                    <a:pt x="1911977" y="898549"/>
+                  </a:lnTo>
+                  <a:lnTo>
+                    <a:pt x="1981503" y="1220583"/>
+                  </a:lnTo>
+                  <a:lnTo>
+                    <a:pt x="2051030" y="1492696"/>
+                  </a:lnTo>
+                  <a:lnTo>
+                    <a:pt x="2120556" y="1702158"/>
+                  </a:lnTo>
+                  <a:lnTo>
+                    <a:pt x="2224846" y="1929394"/>
+                  </a:lnTo>
+                  <a:lnTo>
+                    <a:pt x="2329136" y="2081965"/>
+                  </a:lnTo>
+                  <a:lnTo>
+                    <a:pt x="2398662" y="2160568"/>
+                  </a:lnTo>
+                  <a:lnTo>
+                    <a:pt x="2537715" y="2287000"/>
+                  </a:lnTo>
+                  <a:lnTo>
+                    <a:pt x="2676768" y="2383273"/>
+                  </a:lnTo>
+                  <a:lnTo>
+                    <a:pt x="2781058" y="2442584"/>
+                  </a:lnTo>
+                  <a:lnTo>
+                    <a:pt x="2954874" y="2514175"/>
                   </a:lnTo>
                 </a:path>
               </a:pathLst>
@@ -4283,96 +4326,96 @@
         </p:sp>
         <p:sp>
           <p:nvSpPr>
-            <p:cNvPr id="47" name="pl46"/>
-            <p:cNvSpPr/>
-            <p:nvPr/>
-          </p:nvSpPr>
-          <p:spPr>
-            <a:xfrm>
-              <a:off x="2323981" y="1312598"/>
-              <a:ext cx="3041110" cy="2711406"/>
+            <p:cNvPr id="48" name="pl47"/>
+            <p:cNvSpPr/>
+            <p:nvPr/>
+          </p:nvSpPr>
+          <p:spPr>
+            <a:xfrm>
+              <a:off x="2380482" y="1312598"/>
+              <a:ext cx="2989637" cy="2711406"/>
             </a:xfrm>
             <a:custGeom>
               <a:avLst/>
               <a:pathLst>
-                <a:path w="3041110" h="2711406">
+                <a:path w="2989637" h="2711406">
                   <a:moveTo>
                     <a:pt x="0" y="2711406"/>
                   </a:moveTo>
                   <a:lnTo>
-                    <a:pt x="742596" y="2599821"/>
-                  </a:lnTo>
-                  <a:lnTo>
-                    <a:pt x="848682" y="2543957"/>
-                  </a:lnTo>
-                  <a:lnTo>
-                    <a:pt x="990129" y="2415652"/>
-                  </a:lnTo>
-                  <a:lnTo>
-                    <a:pt x="1131576" y="2161194"/>
-                  </a:lnTo>
-                  <a:lnTo>
-                    <a:pt x="1202299" y="1956779"/>
-                  </a:lnTo>
-                  <a:lnTo>
-                    <a:pt x="1273023" y="1689540"/>
-                  </a:lnTo>
-                  <a:lnTo>
-                    <a:pt x="1343746" y="1360398"/>
-                  </a:lnTo>
-                  <a:lnTo>
-                    <a:pt x="1414470" y="987039"/>
-                  </a:lnTo>
-                  <a:lnTo>
-                    <a:pt x="1485193" y="678312"/>
-                  </a:lnTo>
-                  <a:lnTo>
-                    <a:pt x="1555917" y="402912"/>
-                  </a:lnTo>
-                  <a:lnTo>
-                    <a:pt x="1626640" y="178384"/>
-                  </a:lnTo>
-                  <a:lnTo>
-                    <a:pt x="1697364" y="19789"/>
-                  </a:lnTo>
-                  <a:lnTo>
-                    <a:pt x="1768087" y="0"/>
-                  </a:lnTo>
-                  <a:lnTo>
-                    <a:pt x="1838811" y="116058"/>
-                  </a:lnTo>
-                  <a:lnTo>
-                    <a:pt x="1909534" y="419735"/>
-                  </a:lnTo>
-                  <a:lnTo>
-                    <a:pt x="1980258" y="797753"/>
-                  </a:lnTo>
-                  <a:lnTo>
-                    <a:pt x="2050981" y="1167170"/>
-                  </a:lnTo>
-                  <a:lnTo>
-                    <a:pt x="2121705" y="1507506"/>
-                  </a:lnTo>
-                  <a:lnTo>
-                    <a:pt x="2227790" y="1882811"/>
-                  </a:lnTo>
-                  <a:lnTo>
-                    <a:pt x="2404599" y="2195324"/>
-                  </a:lnTo>
-                  <a:lnTo>
-                    <a:pt x="2546046" y="2317561"/>
-                  </a:lnTo>
-                  <a:lnTo>
-                    <a:pt x="2616769" y="2362160"/>
-                  </a:lnTo>
-                  <a:lnTo>
-                    <a:pt x="2687493" y="2404964"/>
-                  </a:lnTo>
-                  <a:lnTo>
-                    <a:pt x="2828940" y="2481574"/>
-                  </a:lnTo>
-                  <a:lnTo>
-                    <a:pt x="3041110" y="2566789"/>
+                    <a:pt x="730027" y="2599821"/>
+                  </a:lnTo>
+                  <a:lnTo>
+                    <a:pt x="834317" y="2543957"/>
+                  </a:lnTo>
+                  <a:lnTo>
+                    <a:pt x="973370" y="2415652"/>
+                  </a:lnTo>
+                  <a:lnTo>
+                    <a:pt x="1112423" y="2161194"/>
+                  </a:lnTo>
+                  <a:lnTo>
+                    <a:pt x="1181949" y="1956779"/>
+                  </a:lnTo>
+                  <a:lnTo>
+                    <a:pt x="1251476" y="1689540"/>
+                  </a:lnTo>
+                  <a:lnTo>
+                    <a:pt x="1321002" y="1360398"/>
+                  </a:lnTo>
+                  <a:lnTo>
+                    <a:pt x="1390529" y="987039"/>
+                  </a:lnTo>
+                  <a:lnTo>
+                    <a:pt x="1460055" y="678312"/>
+                  </a:lnTo>
+                  <a:lnTo>
+                    <a:pt x="1529581" y="402912"/>
+                  </a:lnTo>
+                  <a:lnTo>
+                    <a:pt x="1599108" y="178384"/>
+                  </a:lnTo>
+                  <a:lnTo>
+                    <a:pt x="1668634" y="19789"/>
+                  </a:lnTo>
+                  <a:lnTo>
+                    <a:pt x="1738161" y="0"/>
+                  </a:lnTo>
+                  <a:lnTo>
+                    <a:pt x="1807687" y="116058"/>
+                  </a:lnTo>
+                  <a:lnTo>
+                    <a:pt x="1877214" y="419735"/>
+                  </a:lnTo>
+                  <a:lnTo>
+                    <a:pt x="1946740" y="797753"/>
+                  </a:lnTo>
+                  <a:lnTo>
+                    <a:pt x="2016267" y="1167170"/>
+                  </a:lnTo>
+                  <a:lnTo>
+                    <a:pt x="2085793" y="1507506"/>
+                  </a:lnTo>
+                  <a:lnTo>
+                    <a:pt x="2190083" y="1882811"/>
+                  </a:lnTo>
+                  <a:lnTo>
+                    <a:pt x="2363899" y="2195324"/>
+                  </a:lnTo>
+                  <a:lnTo>
+                    <a:pt x="2502952" y="2317561"/>
+                  </a:lnTo>
+                  <a:lnTo>
+                    <a:pt x="2572478" y="2362160"/>
+                  </a:lnTo>
+                  <a:lnTo>
+                    <a:pt x="2642005" y="2404964"/>
+                  </a:lnTo>
+                  <a:lnTo>
+                    <a:pt x="2781058" y="2481574"/>
+                  </a:lnTo>
+                  <a:lnTo>
+                    <a:pt x="2989637" y="2566789"/>
                   </a:lnTo>
                 </a:path>
               </a:pathLst>
@@ -4395,13 +4438,13 @@
         </p:sp>
         <p:sp>
           <p:nvSpPr>
-            <p:cNvPr id="48" name="pt47"/>
-            <p:cNvSpPr/>
-            <p:nvPr/>
-          </p:nvSpPr>
-          <p:spPr>
-            <a:xfrm>
-              <a:off x="2440602" y="3998950"/>
+            <p:cNvPr id="49" name="pt48"/>
+            <p:cNvSpPr/>
+            <p:nvPr/>
+          </p:nvSpPr>
+          <p:spPr>
+            <a:xfrm>
+              <a:off x="2494709" y="3998950"/>
               <a:ext cx="49651" cy="49651"/>
             </a:xfrm>
             <a:prstGeom prst="ellipse">
@@ -4430,13 +4473,13 @@
         </p:sp>
         <p:sp>
           <p:nvSpPr>
-            <p:cNvPr id="49" name="pt48"/>
-            <p:cNvSpPr/>
-            <p:nvPr/>
-          </p:nvSpPr>
-          <p:spPr>
-            <a:xfrm>
-              <a:off x="3360008" y="3563912"/>
+            <p:cNvPr id="50" name="pt49"/>
+            <p:cNvSpPr/>
+            <p:nvPr/>
+          </p:nvSpPr>
+          <p:spPr>
+            <a:xfrm>
+              <a:off x="3398553" y="3563912"/>
               <a:ext cx="49651" cy="49651"/>
             </a:xfrm>
             <a:prstGeom prst="ellipse">
@@ -4465,13 +4508,13 @@
         </p:sp>
         <p:sp>
           <p:nvSpPr>
-            <p:cNvPr id="50" name="pt49"/>
-            <p:cNvSpPr/>
-            <p:nvPr/>
-          </p:nvSpPr>
-          <p:spPr>
-            <a:xfrm>
-              <a:off x="3501455" y="3402421"/>
+            <p:cNvPr id="51" name="pt50"/>
+            <p:cNvSpPr/>
+            <p:nvPr/>
+          </p:nvSpPr>
+          <p:spPr>
+            <a:xfrm>
+              <a:off x="3537606" y="3402421"/>
               <a:ext cx="49651" cy="49651"/>
             </a:xfrm>
             <a:prstGeom prst="ellipse">
@@ -4500,13 +4543,13 @@
         </p:sp>
         <p:sp>
           <p:nvSpPr>
-            <p:cNvPr id="51" name="pt50"/>
-            <p:cNvSpPr/>
-            <p:nvPr/>
-          </p:nvSpPr>
-          <p:spPr>
-            <a:xfrm>
-              <a:off x="3607540" y="3244711"/>
+            <p:cNvPr id="52" name="pt51"/>
+            <p:cNvSpPr/>
+            <p:nvPr/>
+          </p:nvSpPr>
+          <p:spPr>
+            <a:xfrm>
+              <a:off x="3641896" y="3244711"/>
               <a:ext cx="49651" cy="49651"/>
             </a:xfrm>
             <a:prstGeom prst="ellipse">
@@ -4535,13 +4578,13 @@
         </p:sp>
         <p:sp>
           <p:nvSpPr>
-            <p:cNvPr id="52" name="pt51"/>
-            <p:cNvSpPr/>
-            <p:nvPr/>
-          </p:nvSpPr>
-          <p:spPr>
-            <a:xfrm>
-              <a:off x="3713625" y="2940418"/>
+            <p:cNvPr id="53" name="pt52"/>
+            <p:cNvSpPr/>
+            <p:nvPr/>
+          </p:nvSpPr>
+          <p:spPr>
+            <a:xfrm>
+              <a:off x="3746185" y="2940418"/>
               <a:ext cx="49651" cy="49651"/>
             </a:xfrm>
             <a:prstGeom prst="ellipse">
@@ -4570,13 +4613,13 @@
         </p:sp>
         <p:sp>
           <p:nvSpPr>
-            <p:cNvPr id="53" name="pt52"/>
-            <p:cNvSpPr/>
-            <p:nvPr/>
-          </p:nvSpPr>
-          <p:spPr>
-            <a:xfrm>
-              <a:off x="3784349" y="2628327"/>
+            <p:cNvPr id="54" name="pt53"/>
+            <p:cNvSpPr/>
+            <p:nvPr/>
+          </p:nvSpPr>
+          <p:spPr>
+            <a:xfrm>
+              <a:off x="3815712" y="2628327"/>
               <a:ext cx="49651" cy="49651"/>
             </a:xfrm>
             <a:prstGeom prst="ellipse">
@@ -4605,13 +4648,13 @@
         </p:sp>
         <p:sp>
           <p:nvSpPr>
-            <p:cNvPr id="54" name="pt53"/>
-            <p:cNvSpPr/>
-            <p:nvPr/>
-          </p:nvSpPr>
-          <p:spPr>
-            <a:xfrm>
-              <a:off x="3855072" y="2242479"/>
+            <p:cNvPr id="55" name="pt54"/>
+            <p:cNvSpPr/>
+            <p:nvPr/>
+          </p:nvSpPr>
+          <p:spPr>
+            <a:xfrm>
+              <a:off x="3885238" y="2242479"/>
               <a:ext cx="49651" cy="49651"/>
             </a:xfrm>
             <a:prstGeom prst="ellipse">
@@ -4640,13 +4683,13 @@
         </p:sp>
         <p:sp>
           <p:nvSpPr>
-            <p:cNvPr id="55" name="pt54"/>
-            <p:cNvSpPr/>
-            <p:nvPr/>
-          </p:nvSpPr>
-          <p:spPr>
-            <a:xfrm>
-              <a:off x="3925796" y="1866063"/>
+            <p:cNvPr id="56" name="pt55"/>
+            <p:cNvSpPr/>
+            <p:nvPr/>
+          </p:nvSpPr>
+          <p:spPr>
+            <a:xfrm>
+              <a:off x="3954765" y="1866063"/>
               <a:ext cx="49651" cy="49651"/>
             </a:xfrm>
             <a:prstGeom prst="ellipse">
@@ -4675,13 +4718,13 @@
         </p:sp>
         <p:sp>
           <p:nvSpPr>
-            <p:cNvPr id="56" name="pt55"/>
-            <p:cNvSpPr/>
-            <p:nvPr/>
-          </p:nvSpPr>
-          <p:spPr>
-            <a:xfrm>
-              <a:off x="3996519" y="1525228"/>
+            <p:cNvPr id="57" name="pt56"/>
+            <p:cNvSpPr/>
+            <p:nvPr/>
+          </p:nvSpPr>
+          <p:spPr>
+            <a:xfrm>
+              <a:off x="4024291" y="1525228"/>
               <a:ext cx="49651" cy="49651"/>
             </a:xfrm>
             <a:prstGeom prst="ellipse">
@@ -4710,13 +4753,13 @@
         </p:sp>
         <p:sp>
           <p:nvSpPr>
-            <p:cNvPr id="57" name="pt56"/>
-            <p:cNvSpPr/>
-            <p:nvPr/>
-          </p:nvSpPr>
-          <p:spPr>
-            <a:xfrm>
-              <a:off x="4067243" y="1262750"/>
+            <p:cNvPr id="58" name="pt57"/>
+            <p:cNvSpPr/>
+            <p:nvPr/>
+          </p:nvSpPr>
+          <p:spPr>
+            <a:xfrm>
+              <a:off x="4093818" y="1262750"/>
               <a:ext cx="49651" cy="49651"/>
             </a:xfrm>
             <a:prstGeom prst="ellipse">
@@ -4745,13 +4788,13 @@
         </p:sp>
         <p:sp>
           <p:nvSpPr>
-            <p:cNvPr id="58" name="pt57"/>
-            <p:cNvSpPr/>
-            <p:nvPr/>
-          </p:nvSpPr>
-          <p:spPr>
-            <a:xfrm>
-              <a:off x="4137967" y="1270519"/>
+            <p:cNvPr id="59" name="pt58"/>
+            <p:cNvSpPr/>
+            <p:nvPr/>
+          </p:nvSpPr>
+          <p:spPr>
+            <a:xfrm>
+              <a:off x="4163344" y="1270519"/>
               <a:ext cx="49651" cy="49651"/>
             </a:xfrm>
             <a:prstGeom prst="ellipse">
@@ -4780,13 +4823,13 @@
         </p:sp>
         <p:sp>
           <p:nvSpPr>
-            <p:cNvPr id="59" name="pt58"/>
-            <p:cNvSpPr/>
-            <p:nvPr/>
-          </p:nvSpPr>
-          <p:spPr>
-            <a:xfrm>
-              <a:off x="4208690" y="1519620"/>
+            <p:cNvPr id="60" name="pt59"/>
+            <p:cNvSpPr/>
+            <p:nvPr/>
+          </p:nvSpPr>
+          <p:spPr>
+            <a:xfrm>
+              <a:off x="4232871" y="1519620"/>
               <a:ext cx="49651" cy="49651"/>
             </a:xfrm>
             <a:prstGeom prst="ellipse">
@@ -4815,13 +4858,13 @@
         </p:sp>
         <p:sp>
           <p:nvSpPr>
-            <p:cNvPr id="60" name="pt59"/>
-            <p:cNvSpPr/>
-            <p:nvPr/>
-          </p:nvSpPr>
-          <p:spPr>
-            <a:xfrm>
-              <a:off x="4279414" y="1866143"/>
+            <p:cNvPr id="61" name="pt60"/>
+            <p:cNvSpPr/>
+            <p:nvPr/>
+          </p:nvSpPr>
+          <p:spPr>
+            <a:xfrm>
+              <a:off x="4302397" y="1866143"/>
               <a:ext cx="49651" cy="49651"/>
             </a:xfrm>
             <a:prstGeom prst="ellipse">
@@ -4850,13 +4893,13 @@
         </p:sp>
         <p:sp>
           <p:nvSpPr>
-            <p:cNvPr id="61" name="pt60"/>
-            <p:cNvSpPr/>
-            <p:nvPr/>
-          </p:nvSpPr>
-          <p:spPr>
-            <a:xfrm>
-              <a:off x="4350137" y="2214662"/>
+            <p:cNvPr id="62" name="pt61"/>
+            <p:cNvSpPr/>
+            <p:nvPr/>
+          </p:nvSpPr>
+          <p:spPr>
+            <a:xfrm>
+              <a:off x="4371923" y="2214662"/>
               <a:ext cx="49651" cy="49651"/>
             </a:xfrm>
             <a:prstGeom prst="ellipse">
@@ -4885,13 +4928,13 @@
         </p:sp>
         <p:sp>
           <p:nvSpPr>
-            <p:cNvPr id="62" name="pt61"/>
-            <p:cNvSpPr/>
-            <p:nvPr/>
-          </p:nvSpPr>
-          <p:spPr>
-            <a:xfrm>
-              <a:off x="4420861" y="2493712"/>
+            <p:cNvPr id="63" name="pt62"/>
+            <p:cNvSpPr/>
+            <p:nvPr/>
+          </p:nvSpPr>
+          <p:spPr>
+            <a:xfrm>
+              <a:off x="4441450" y="2493712"/>
               <a:ext cx="49651" cy="49651"/>
             </a:xfrm>
             <a:prstGeom prst="ellipse">
@@ -4920,13 +4963,13 @@
         </p:sp>
         <p:sp>
           <p:nvSpPr>
-            <p:cNvPr id="63" name="pt62"/>
-            <p:cNvSpPr/>
-            <p:nvPr/>
-          </p:nvSpPr>
-          <p:spPr>
-            <a:xfrm>
-              <a:off x="4491584" y="2697390"/>
+            <p:cNvPr id="64" name="pt63"/>
+            <p:cNvSpPr/>
+            <p:nvPr/>
+          </p:nvSpPr>
+          <p:spPr>
+            <a:xfrm>
+              <a:off x="4510976" y="2697390"/>
               <a:ext cx="49651" cy="49651"/>
             </a:xfrm>
             <a:prstGeom prst="ellipse">
@@ -4955,13 +4998,13 @@
         </p:sp>
         <p:sp>
           <p:nvSpPr>
-            <p:cNvPr id="64" name="pt63"/>
-            <p:cNvSpPr/>
-            <p:nvPr/>
-          </p:nvSpPr>
-          <p:spPr>
-            <a:xfrm>
-              <a:off x="4597669" y="2838924"/>
+            <p:cNvPr id="65" name="pt64"/>
+            <p:cNvSpPr/>
+            <p:nvPr/>
+          </p:nvSpPr>
+          <p:spPr>
+            <a:xfrm>
+              <a:off x="4615266" y="2838924"/>
               <a:ext cx="49651" cy="49651"/>
             </a:xfrm>
             <a:prstGeom prst="ellipse">
@@ -4990,13 +5033,13 @@
         </p:sp>
         <p:sp>
           <p:nvSpPr>
-            <p:cNvPr id="65" name="pt64"/>
-            <p:cNvSpPr/>
-            <p:nvPr/>
-          </p:nvSpPr>
-          <p:spPr>
-            <a:xfrm>
-              <a:off x="4703755" y="2778239"/>
+            <p:cNvPr id="66" name="pt65"/>
+            <p:cNvSpPr/>
+            <p:nvPr/>
+          </p:nvSpPr>
+          <p:spPr>
+            <a:xfrm>
+              <a:off x="4719556" y="2778239"/>
               <a:ext cx="49651" cy="49651"/>
             </a:xfrm>
             <a:prstGeom prst="ellipse">
@@ -5025,13 +5068,13 @@
         </p:sp>
         <p:sp>
           <p:nvSpPr>
-            <p:cNvPr id="66" name="pt65"/>
-            <p:cNvSpPr/>
-            <p:nvPr/>
-          </p:nvSpPr>
-          <p:spPr>
-            <a:xfrm>
-              <a:off x="4774478" y="2683051"/>
+            <p:cNvPr id="67" name="pt66"/>
+            <p:cNvSpPr/>
+            <p:nvPr/>
+          </p:nvSpPr>
+          <p:spPr>
+            <a:xfrm>
+              <a:off x="4789082" y="2683051"/>
               <a:ext cx="49651" cy="49651"/>
             </a:xfrm>
             <a:prstGeom prst="ellipse">
@@ -5060,13 +5103,13 @@
         </p:sp>
         <p:sp>
           <p:nvSpPr>
-            <p:cNvPr id="67" name="pt66"/>
-            <p:cNvSpPr/>
-            <p:nvPr/>
-          </p:nvSpPr>
-          <p:spPr>
-            <a:xfrm>
-              <a:off x="4845202" y="2593085"/>
+            <p:cNvPr id="68" name="pt67"/>
+            <p:cNvSpPr/>
+            <p:nvPr/>
+          </p:nvSpPr>
+          <p:spPr>
+            <a:xfrm>
+              <a:off x="4858609" y="2593085"/>
               <a:ext cx="49651" cy="49651"/>
             </a:xfrm>
             <a:prstGeom prst="ellipse">
@@ -5095,13 +5138,13 @@
         </p:sp>
         <p:sp>
           <p:nvSpPr>
-            <p:cNvPr id="68" name="pt67"/>
-            <p:cNvSpPr/>
-            <p:nvPr/>
-          </p:nvSpPr>
-          <p:spPr>
-            <a:xfrm>
-              <a:off x="4915925" y="2551348"/>
+            <p:cNvPr id="69" name="pt68"/>
+            <p:cNvSpPr/>
+            <p:nvPr/>
+          </p:nvSpPr>
+          <p:spPr>
+            <a:xfrm>
+              <a:off x="4928135" y="2551348"/>
               <a:ext cx="49651" cy="49651"/>
             </a:xfrm>
             <a:prstGeom prst="ellipse">
@@ -5130,13 +5173,13 @@
         </p:sp>
         <p:sp>
           <p:nvSpPr>
-            <p:cNvPr id="69" name="pt68"/>
-            <p:cNvSpPr/>
-            <p:nvPr/>
-          </p:nvSpPr>
-          <p:spPr>
-            <a:xfrm>
-              <a:off x="4986649" y="2666919"/>
+            <p:cNvPr id="70" name="pt69"/>
+            <p:cNvSpPr/>
+            <p:nvPr/>
+          </p:nvSpPr>
+          <p:spPr>
+            <a:xfrm>
+              <a:off x="4997662" y="2666919"/>
               <a:ext cx="49651" cy="49651"/>
             </a:xfrm>
             <a:prstGeom prst="ellipse">
@@ -5165,13 +5208,13 @@
         </p:sp>
         <p:sp>
           <p:nvSpPr>
-            <p:cNvPr id="70" name="pt69"/>
-            <p:cNvSpPr/>
-            <p:nvPr/>
-          </p:nvSpPr>
-          <p:spPr>
-            <a:xfrm>
-              <a:off x="5057372" y="2890833"/>
+            <p:cNvPr id="71" name="pt70"/>
+            <p:cNvSpPr/>
+            <p:nvPr/>
+          </p:nvSpPr>
+          <p:spPr>
+            <a:xfrm>
+              <a:off x="5067188" y="2890833"/>
               <a:ext cx="49651" cy="49651"/>
             </a:xfrm>
             <a:prstGeom prst="ellipse">
@@ -5200,13 +5243,13 @@
         </p:sp>
         <p:sp>
           <p:nvSpPr>
-            <p:cNvPr id="71" name="pt70"/>
-            <p:cNvSpPr/>
-            <p:nvPr/>
-          </p:nvSpPr>
-          <p:spPr>
-            <a:xfrm>
-              <a:off x="5128096" y="3161615"/>
+            <p:cNvPr id="72" name="pt71"/>
+            <p:cNvSpPr/>
+            <p:nvPr/>
+          </p:nvSpPr>
+          <p:spPr>
+            <a:xfrm>
+              <a:off x="5136714" y="3161615"/>
               <a:ext cx="49651" cy="49651"/>
             </a:xfrm>
             <a:prstGeom prst="ellipse">
@@ -5235,13 +5278,13 @@
         </p:sp>
         <p:sp>
           <p:nvSpPr>
-            <p:cNvPr id="72" name="pt71"/>
-            <p:cNvSpPr/>
-            <p:nvPr/>
-          </p:nvSpPr>
-          <p:spPr>
-            <a:xfrm>
-              <a:off x="5304904" y="3698860"/>
+            <p:cNvPr id="73" name="pt72"/>
+            <p:cNvSpPr/>
+            <p:nvPr/>
+          </p:nvSpPr>
+          <p:spPr>
+            <a:xfrm>
+              <a:off x="5310531" y="3698860"/>
               <a:ext cx="49651" cy="49651"/>
             </a:xfrm>
             <a:prstGeom prst="ellipse">
@@ -5270,13 +5313,13 @@
         </p:sp>
         <p:sp>
           <p:nvSpPr>
-            <p:cNvPr id="73" name="pt72"/>
-            <p:cNvSpPr/>
-            <p:nvPr/>
-          </p:nvSpPr>
-          <p:spPr>
-            <a:xfrm>
-              <a:off x="1768729" y="3952977"/>
+            <p:cNvPr id="74" name="pt73"/>
+            <p:cNvSpPr/>
+            <p:nvPr/>
+          </p:nvSpPr>
+          <p:spPr>
+            <a:xfrm>
+              <a:off x="1834208" y="3952977"/>
               <a:ext cx="49651" cy="49651"/>
             </a:xfrm>
             <a:prstGeom prst="ellipse">
@@ -5305,13 +5348,13 @@
         </p:sp>
         <p:sp>
           <p:nvSpPr>
-            <p:cNvPr id="74" name="pt73"/>
-            <p:cNvSpPr/>
-            <p:nvPr/>
-          </p:nvSpPr>
-          <p:spPr>
-            <a:xfrm>
-              <a:off x="2016261" y="3960274"/>
+            <p:cNvPr id="75" name="pt74"/>
+            <p:cNvSpPr/>
+            <p:nvPr/>
+          </p:nvSpPr>
+          <p:spPr>
+            <a:xfrm>
+              <a:off x="2077550" y="3960274"/>
               <a:ext cx="49651" cy="49651"/>
             </a:xfrm>
             <a:prstGeom prst="ellipse">
@@ -5340,13 +5383,13 @@
         </p:sp>
         <p:sp>
           <p:nvSpPr>
-            <p:cNvPr id="75" name="pt74"/>
-            <p:cNvSpPr/>
-            <p:nvPr/>
-          </p:nvSpPr>
-          <p:spPr>
-            <a:xfrm>
-              <a:off x="2546688" y="3947441"/>
+            <p:cNvPr id="76" name="pt75"/>
+            <p:cNvSpPr/>
+            <p:nvPr/>
+          </p:nvSpPr>
+          <p:spPr>
+            <a:xfrm>
+              <a:off x="2598999" y="3947441"/>
               <a:ext cx="49651" cy="49651"/>
             </a:xfrm>
             <a:prstGeom prst="ellipse">
@@ -5375,13 +5418,13 @@
         </p:sp>
         <p:sp>
           <p:nvSpPr>
-            <p:cNvPr id="76" name="pt75"/>
-            <p:cNvSpPr/>
-            <p:nvPr/>
-          </p:nvSpPr>
-          <p:spPr>
-            <a:xfrm>
-              <a:off x="3006390" y="3748838"/>
+            <p:cNvPr id="77" name="pt76"/>
+            <p:cNvSpPr/>
+            <p:nvPr/>
+          </p:nvSpPr>
+          <p:spPr>
+            <a:xfrm>
+              <a:off x="3050921" y="3748838"/>
               <a:ext cx="49651" cy="49651"/>
             </a:xfrm>
             <a:prstGeom prst="ellipse">
@@ -5410,13 +5453,13 @@
         </p:sp>
         <p:sp>
           <p:nvSpPr>
-            <p:cNvPr id="77" name="pt76"/>
-            <p:cNvSpPr/>
-            <p:nvPr/>
-          </p:nvSpPr>
-          <p:spPr>
-            <a:xfrm>
-              <a:off x="3077114" y="3670306"/>
+            <p:cNvPr id="78" name="pt77"/>
+            <p:cNvSpPr/>
+            <p:nvPr/>
+          </p:nvSpPr>
+          <p:spPr>
+            <a:xfrm>
+              <a:off x="3120447" y="3670306"/>
               <a:ext cx="49651" cy="49651"/>
             </a:xfrm>
             <a:prstGeom prst="ellipse">
@@ -5445,13 +5488,13 @@
         </p:sp>
         <p:sp>
           <p:nvSpPr>
-            <p:cNvPr id="78" name="pt77"/>
-            <p:cNvSpPr/>
-            <p:nvPr/>
-          </p:nvSpPr>
-          <p:spPr>
-            <a:xfrm>
-              <a:off x="3147837" y="3567402"/>
+            <p:cNvPr id="79" name="pt78"/>
+            <p:cNvSpPr/>
+            <p:nvPr/>
+          </p:nvSpPr>
+          <p:spPr>
+            <a:xfrm>
+              <a:off x="3189974" y="3567402"/>
               <a:ext cx="49651" cy="49651"/>
             </a:xfrm>
             <a:prstGeom prst="ellipse">
@@ -5480,13 +5523,13 @@
         </p:sp>
         <p:sp>
           <p:nvSpPr>
-            <p:cNvPr id="79" name="pt78"/>
-            <p:cNvSpPr/>
-            <p:nvPr/>
-          </p:nvSpPr>
-          <p:spPr>
-            <a:xfrm>
-              <a:off x="3253923" y="3345523"/>
+            <p:cNvPr id="80" name="pt79"/>
+            <p:cNvSpPr/>
+            <p:nvPr/>
+          </p:nvSpPr>
+          <p:spPr>
+            <a:xfrm>
+              <a:off x="3294263" y="3345523"/>
               <a:ext cx="49651" cy="49651"/>
             </a:xfrm>
             <a:prstGeom prst="ellipse">
@@ -5515,13 +5558,13 @@
         </p:sp>
         <p:sp>
           <p:nvSpPr>
-            <p:cNvPr id="80" name="pt79"/>
-            <p:cNvSpPr/>
-            <p:nvPr/>
-          </p:nvSpPr>
-          <p:spPr>
-            <a:xfrm>
-              <a:off x="3360008" y="2999602"/>
+            <p:cNvPr id="81" name="pt80"/>
+            <p:cNvSpPr/>
+            <p:nvPr/>
+          </p:nvSpPr>
+          <p:spPr>
+            <a:xfrm>
+              <a:off x="3398553" y="2999602"/>
               <a:ext cx="49651" cy="49651"/>
             </a:xfrm>
             <a:prstGeom prst="ellipse">
@@ -5550,13 +5593,13 @@
         </p:sp>
         <p:sp>
           <p:nvSpPr>
-            <p:cNvPr id="81" name="pt80"/>
-            <p:cNvSpPr/>
-            <p:nvPr/>
-          </p:nvSpPr>
-          <p:spPr>
-            <a:xfrm>
-              <a:off x="3430731" y="2683332"/>
+            <p:cNvPr id="82" name="pt81"/>
+            <p:cNvSpPr/>
+            <p:nvPr/>
+          </p:nvSpPr>
+          <p:spPr>
+            <a:xfrm>
+              <a:off x="3468080" y="2683332"/>
               <a:ext cx="49651" cy="49651"/>
             </a:xfrm>
             <a:prstGeom prst="ellipse">
@@ -5585,13 +5628,13 @@
         </p:sp>
         <p:sp>
           <p:nvSpPr>
-            <p:cNvPr id="82" name="pt81"/>
-            <p:cNvSpPr/>
-            <p:nvPr/>
-          </p:nvSpPr>
-          <p:spPr>
-            <a:xfrm>
-              <a:off x="3501455" y="2293989"/>
+            <p:cNvPr id="83" name="pt82"/>
+            <p:cNvSpPr/>
+            <p:nvPr/>
+          </p:nvSpPr>
+          <p:spPr>
+            <a:xfrm>
+              <a:off x="3537606" y="2293989"/>
               <a:ext cx="49651" cy="49651"/>
             </a:xfrm>
             <a:prstGeom prst="ellipse">
@@ -5620,13 +5663,13 @@
         </p:sp>
         <p:sp>
           <p:nvSpPr>
-            <p:cNvPr id="83" name="pt82"/>
-            <p:cNvSpPr/>
-            <p:nvPr/>
-          </p:nvSpPr>
-          <p:spPr>
-            <a:xfrm>
-              <a:off x="3572178" y="1902254"/>
+            <p:cNvPr id="84" name="pt83"/>
+            <p:cNvSpPr/>
+            <p:nvPr/>
+          </p:nvSpPr>
+          <p:spPr>
+            <a:xfrm>
+              <a:off x="3607132" y="1902254"/>
               <a:ext cx="49651" cy="49651"/>
             </a:xfrm>
             <a:prstGeom prst="ellipse">
@@ -5655,13 +5698,13 @@
         </p:sp>
         <p:sp>
           <p:nvSpPr>
-            <p:cNvPr id="84" name="pt83"/>
-            <p:cNvSpPr/>
-            <p:nvPr/>
-          </p:nvSpPr>
-          <p:spPr>
-            <a:xfrm>
-              <a:off x="3642902" y="1489768"/>
+            <p:cNvPr id="85" name="pt84"/>
+            <p:cNvSpPr/>
+            <p:nvPr/>
+          </p:nvSpPr>
+          <p:spPr>
+            <a:xfrm>
+              <a:off x="3676659" y="1489768"/>
               <a:ext cx="49651" cy="49651"/>
             </a:xfrm>
             <a:prstGeom prst="ellipse">
@@ -5690,13 +5733,13 @@
         </p:sp>
         <p:sp>
           <p:nvSpPr>
-            <p:cNvPr id="85" name="pt84"/>
-            <p:cNvSpPr/>
-            <p:nvPr/>
-          </p:nvSpPr>
-          <p:spPr>
-            <a:xfrm>
-              <a:off x="3713625" y="1246743"/>
+            <p:cNvPr id="86" name="pt85"/>
+            <p:cNvSpPr/>
+            <p:nvPr/>
+          </p:nvSpPr>
+          <p:spPr>
+            <a:xfrm>
+              <a:off x="3746185" y="1246743"/>
               <a:ext cx="49651" cy="49651"/>
             </a:xfrm>
             <a:prstGeom prst="ellipse">
@@ -5725,13 +5768,13 @@
         </p:sp>
         <p:sp>
           <p:nvSpPr>
-            <p:cNvPr id="86" name="pt85"/>
-            <p:cNvSpPr/>
-            <p:nvPr/>
-          </p:nvSpPr>
-          <p:spPr>
-            <a:xfrm>
-              <a:off x="3784349" y="1103952"/>
+            <p:cNvPr id="87" name="pt86"/>
+            <p:cNvSpPr/>
+            <p:nvPr/>
+          </p:nvSpPr>
+          <p:spPr>
+            <a:xfrm>
+              <a:off x="3815712" y="1103952"/>
               <a:ext cx="49651" cy="49651"/>
             </a:xfrm>
             <a:prstGeom prst="ellipse">
@@ -5760,13 +5803,13 @@
         </p:sp>
         <p:sp>
           <p:nvSpPr>
-            <p:cNvPr id="87" name="pt86"/>
-            <p:cNvSpPr/>
-            <p:nvPr/>
-          </p:nvSpPr>
-          <p:spPr>
-            <a:xfrm>
-              <a:off x="3855072" y="1105530"/>
+            <p:cNvPr id="88" name="pt87"/>
+            <p:cNvSpPr/>
+            <p:nvPr/>
+          </p:nvSpPr>
+          <p:spPr>
+            <a:xfrm>
+              <a:off x="3885238" y="1105530"/>
               <a:ext cx="49651" cy="49651"/>
             </a:xfrm>
             <a:prstGeom prst="ellipse">
@@ -5795,13 +5838,13 @@
         </p:sp>
         <p:sp>
           <p:nvSpPr>
-            <p:cNvPr id="88" name="pt87"/>
-            <p:cNvSpPr/>
-            <p:nvPr/>
-          </p:nvSpPr>
-          <p:spPr>
-            <a:xfrm>
-              <a:off x="3925796" y="1197904"/>
+            <p:cNvPr id="89" name="pt88"/>
+            <p:cNvSpPr/>
+            <p:nvPr/>
+          </p:nvSpPr>
+          <p:spPr>
+            <a:xfrm>
+              <a:off x="3954765" y="1197904"/>
               <a:ext cx="49651" cy="49651"/>
             </a:xfrm>
             <a:prstGeom prst="ellipse">
@@ -5830,13 +5873,13 @@
         </p:sp>
         <p:sp>
           <p:nvSpPr>
-            <p:cNvPr id="89" name="pt88"/>
-            <p:cNvSpPr/>
-            <p:nvPr/>
-          </p:nvSpPr>
-          <p:spPr>
-            <a:xfrm>
-              <a:off x="3996519" y="1330810"/>
+            <p:cNvPr id="90" name="pt89"/>
+            <p:cNvSpPr/>
+            <p:nvPr/>
+          </p:nvSpPr>
+          <p:spPr>
+            <a:xfrm>
+              <a:off x="4024291" y="1330810"/>
               <a:ext cx="49651" cy="49651"/>
             </a:xfrm>
             <a:prstGeom prst="ellipse">
@@ -5865,13 +5908,13 @@
         </p:sp>
         <p:sp>
           <p:nvSpPr>
-            <p:cNvPr id="90" name="pt89"/>
-            <p:cNvSpPr/>
-            <p:nvPr/>
-          </p:nvSpPr>
-          <p:spPr>
-            <a:xfrm>
-              <a:off x="4067243" y="1572645"/>
+            <p:cNvPr id="91" name="pt90"/>
+            <p:cNvSpPr/>
+            <p:nvPr/>
+          </p:nvSpPr>
+          <p:spPr>
+            <a:xfrm>
+              <a:off x="4093818" y="1572645"/>
               <a:ext cx="49651" cy="49651"/>
             </a:xfrm>
             <a:prstGeom prst="ellipse">
@@ -5900,13 +5943,13 @@
         </p:sp>
         <p:sp>
           <p:nvSpPr>
-            <p:cNvPr id="91" name="pt90"/>
-            <p:cNvSpPr/>
-            <p:nvPr/>
-          </p:nvSpPr>
-          <p:spPr>
-            <a:xfrm>
-              <a:off x="4137967" y="1854058"/>
+            <p:cNvPr id="92" name="pt91"/>
+            <p:cNvSpPr/>
+            <p:nvPr/>
+          </p:nvSpPr>
+          <p:spPr>
+            <a:xfrm>
+              <a:off x="4163344" y="1854058"/>
               <a:ext cx="49651" cy="49651"/>
             </a:xfrm>
             <a:prstGeom prst="ellipse">
@@ -5935,13 +5978,13 @@
         </p:sp>
         <p:sp>
           <p:nvSpPr>
-            <p:cNvPr id="92" name="pt91"/>
-            <p:cNvSpPr/>
-            <p:nvPr/>
-          </p:nvSpPr>
-          <p:spPr>
-            <a:xfrm>
-              <a:off x="4208690" y="2155827"/>
+            <p:cNvPr id="93" name="pt92"/>
+            <p:cNvSpPr/>
+            <p:nvPr/>
+          </p:nvSpPr>
+          <p:spPr>
+            <a:xfrm>
+              <a:off x="4232871" y="2155827"/>
               <a:ext cx="49651" cy="49651"/>
             </a:xfrm>
             <a:prstGeom prst="ellipse">
@@ -5970,13 +6013,13 @@
         </p:sp>
         <p:sp>
           <p:nvSpPr>
-            <p:cNvPr id="93" name="pt92"/>
-            <p:cNvSpPr/>
-            <p:nvPr/>
-          </p:nvSpPr>
-          <p:spPr>
-            <a:xfrm>
-              <a:off x="4279414" y="2475554"/>
+            <p:cNvPr id="94" name="pt93"/>
+            <p:cNvSpPr/>
+            <p:nvPr/>
+          </p:nvSpPr>
+          <p:spPr>
+            <a:xfrm>
+              <a:off x="4302397" y="2475554"/>
               <a:ext cx="49651" cy="49651"/>
             </a:xfrm>
             <a:prstGeom prst="ellipse">
@@ -6005,13 +6048,13 @@
         </p:sp>
         <p:sp>
           <p:nvSpPr>
-            <p:cNvPr id="94" name="pt93"/>
-            <p:cNvSpPr/>
-            <p:nvPr/>
-          </p:nvSpPr>
-          <p:spPr>
-            <a:xfrm>
-              <a:off x="4385499" y="2880232"/>
+            <p:cNvPr id="95" name="pt94"/>
+            <p:cNvSpPr/>
+            <p:nvPr/>
+          </p:nvSpPr>
+          <p:spPr>
+            <a:xfrm>
+              <a:off x="4406687" y="2880232"/>
               <a:ext cx="49651" cy="49651"/>
             </a:xfrm>
             <a:prstGeom prst="ellipse">
@@ -6040,13 +6083,13 @@
         </p:sp>
         <p:sp>
           <p:nvSpPr>
-            <p:cNvPr id="95" name="pt94"/>
-            <p:cNvSpPr/>
-            <p:nvPr/>
-          </p:nvSpPr>
-          <p:spPr>
-            <a:xfrm>
-              <a:off x="4491584" y="3195958"/>
+            <p:cNvPr id="96" name="pt95"/>
+            <p:cNvSpPr/>
+            <p:nvPr/>
+          </p:nvSpPr>
+          <p:spPr>
+            <a:xfrm>
+              <a:off x="4510976" y="3195958"/>
               <a:ext cx="49651" cy="49651"/>
             </a:xfrm>
             <a:prstGeom prst="ellipse">
@@ -6075,13 +6118,13 @@
         </p:sp>
         <p:sp>
           <p:nvSpPr>
-            <p:cNvPr id="96" name="pt95"/>
-            <p:cNvSpPr/>
-            <p:nvPr/>
-          </p:nvSpPr>
-          <p:spPr>
-            <a:xfrm>
-              <a:off x="4562308" y="3361660"/>
+            <p:cNvPr id="97" name="pt96"/>
+            <p:cNvSpPr/>
+            <p:nvPr/>
+          </p:nvSpPr>
+          <p:spPr>
+            <a:xfrm>
+              <a:off x="4580503" y="3361660"/>
               <a:ext cx="49651" cy="49651"/>
             </a:xfrm>
             <a:prstGeom prst="ellipse">
@@ -6110,13 +6153,13 @@
         </p:sp>
         <p:sp>
           <p:nvSpPr>
-            <p:cNvPr id="97" name="pt96"/>
-            <p:cNvSpPr/>
-            <p:nvPr/>
-          </p:nvSpPr>
-          <p:spPr>
-            <a:xfrm>
-              <a:off x="4633031" y="3504941"/>
+            <p:cNvPr id="98" name="pt97"/>
+            <p:cNvSpPr/>
+            <p:nvPr/>
+          </p:nvSpPr>
+          <p:spPr>
+            <a:xfrm>
+              <a:off x="4650029" y="3504941"/>
               <a:ext cx="49651" cy="49651"/>
             </a:xfrm>
             <a:prstGeom prst="ellipse">
@@ -6145,13 +6188,13 @@
         </p:sp>
         <p:sp>
           <p:nvSpPr>
-            <p:cNvPr id="98" name="pt97"/>
-            <p:cNvSpPr/>
-            <p:nvPr/>
-          </p:nvSpPr>
-          <p:spPr>
-            <a:xfrm>
-              <a:off x="4845202" y="3787575"/>
+            <p:cNvPr id="99" name="pt98"/>
+            <p:cNvSpPr/>
+            <p:nvPr/>
+          </p:nvSpPr>
+          <p:spPr>
+            <a:xfrm>
+              <a:off x="4858609" y="3787575"/>
               <a:ext cx="49651" cy="49651"/>
             </a:xfrm>
             <a:prstGeom prst="ellipse">
@@ -6180,13 +6223,13 @@
         </p:sp>
         <p:sp>
           <p:nvSpPr>
-            <p:cNvPr id="99" name="pt98"/>
-            <p:cNvSpPr/>
-            <p:nvPr/>
-          </p:nvSpPr>
-          <p:spPr>
-            <a:xfrm>
-              <a:off x="5057372" y="3917763"/>
+            <p:cNvPr id="100" name="pt99"/>
+            <p:cNvSpPr/>
+            <p:nvPr/>
+          </p:nvSpPr>
+          <p:spPr>
+            <a:xfrm>
+              <a:off x="5067188" y="3917763"/>
               <a:ext cx="49651" cy="49651"/>
             </a:xfrm>
             <a:prstGeom prst="ellipse">
@@ -6215,13 +6258,13 @@
         </p:sp>
         <p:sp>
           <p:nvSpPr>
-            <p:cNvPr id="100" name="pt99"/>
-            <p:cNvSpPr/>
-            <p:nvPr/>
-          </p:nvSpPr>
-          <p:spPr>
-            <a:xfrm>
-              <a:off x="5269543" y="3974782"/>
+            <p:cNvPr id="101" name="pt100"/>
+            <p:cNvSpPr/>
+            <p:nvPr/>
+          </p:nvSpPr>
+          <p:spPr>
+            <a:xfrm>
+              <a:off x="5275767" y="3974782"/>
               <a:ext cx="49651" cy="49651"/>
             </a:xfrm>
             <a:prstGeom prst="ellipse">
@@ -6250,13 +6293,13 @@
         </p:sp>
         <p:sp>
           <p:nvSpPr>
-            <p:cNvPr id="101" name="pt100"/>
-            <p:cNvSpPr/>
-            <p:nvPr/>
-          </p:nvSpPr>
-          <p:spPr>
-            <a:xfrm>
-              <a:off x="2334517" y="3999749"/>
+            <p:cNvPr id="102" name="pt101"/>
+            <p:cNvSpPr/>
+            <p:nvPr/>
+          </p:nvSpPr>
+          <p:spPr>
+            <a:xfrm>
+              <a:off x="2390420" y="3999749"/>
               <a:ext cx="49651" cy="49651"/>
             </a:xfrm>
             <a:prstGeom prst="ellipse">
@@ -6285,13 +6328,13 @@
         </p:sp>
         <p:sp>
           <p:nvSpPr>
-            <p:cNvPr id="102" name="pt101"/>
-            <p:cNvSpPr/>
-            <p:nvPr/>
-          </p:nvSpPr>
-          <p:spPr>
-            <a:xfrm>
-              <a:off x="3112476" y="3866245"/>
+            <p:cNvPr id="103" name="pt102"/>
+            <p:cNvSpPr/>
+            <p:nvPr/>
+          </p:nvSpPr>
+          <p:spPr>
+            <a:xfrm>
+              <a:off x="3155211" y="3866245"/>
               <a:ext cx="49651" cy="49651"/>
             </a:xfrm>
             <a:prstGeom prst="ellipse">
@@ -6320,13 +6363,13 @@
         </p:sp>
         <p:sp>
           <p:nvSpPr>
-            <p:cNvPr id="103" name="pt102"/>
-            <p:cNvSpPr/>
-            <p:nvPr/>
-          </p:nvSpPr>
-          <p:spPr>
-            <a:xfrm>
-              <a:off x="3253923" y="3766187"/>
+            <p:cNvPr id="104" name="pt103"/>
+            <p:cNvSpPr/>
+            <p:nvPr/>
+          </p:nvSpPr>
+          <p:spPr>
+            <a:xfrm>
+              <a:off x="3294263" y="3766187"/>
               <a:ext cx="49651" cy="49651"/>
             </a:xfrm>
             <a:prstGeom prst="ellipse">
@@ -6355,13 +6398,13 @@
         </p:sp>
         <p:sp>
           <p:nvSpPr>
-            <p:cNvPr id="104" name="pt103"/>
-            <p:cNvSpPr/>
-            <p:nvPr/>
-          </p:nvSpPr>
-          <p:spPr>
-            <a:xfrm>
-              <a:off x="3395370" y="3581223"/>
+            <p:cNvPr id="105" name="pt104"/>
+            <p:cNvSpPr/>
+            <p:nvPr/>
+          </p:nvSpPr>
+          <p:spPr>
+            <a:xfrm>
+              <a:off x="3433316" y="3581223"/>
               <a:ext cx="49651" cy="49651"/>
             </a:xfrm>
             <a:prstGeom prst="ellipse">
@@ -6390,13 +6433,13 @@
         </p:sp>
         <p:sp>
           <p:nvSpPr>
-            <p:cNvPr id="105" name="pt104"/>
-            <p:cNvSpPr/>
-            <p:nvPr/>
-          </p:nvSpPr>
-          <p:spPr>
-            <a:xfrm>
-              <a:off x="3501455" y="3352093"/>
+            <p:cNvPr id="106" name="pt105"/>
+            <p:cNvSpPr/>
+            <p:nvPr/>
+          </p:nvSpPr>
+          <p:spPr>
+            <a:xfrm>
+              <a:off x="3537606" y="3352093"/>
               <a:ext cx="49651" cy="49651"/>
             </a:xfrm>
             <a:prstGeom prst="ellipse">
@@ -6425,13 +6468,13 @@
         </p:sp>
         <p:sp>
           <p:nvSpPr>
-            <p:cNvPr id="106" name="pt105"/>
-            <p:cNvSpPr/>
-            <p:nvPr/>
-          </p:nvSpPr>
-          <p:spPr>
-            <a:xfrm>
-              <a:off x="3572178" y="3143736"/>
+            <p:cNvPr id="107" name="pt106"/>
+            <p:cNvSpPr/>
+            <p:nvPr/>
+          </p:nvSpPr>
+          <p:spPr>
+            <a:xfrm>
+              <a:off x="3607132" y="3143736"/>
               <a:ext cx="49651" cy="49651"/>
             </a:xfrm>
             <a:prstGeom prst="ellipse">
@@ -6460,13 +6503,13 @@
         </p:sp>
         <p:sp>
           <p:nvSpPr>
-            <p:cNvPr id="107" name="pt106"/>
-            <p:cNvSpPr/>
-            <p:nvPr/>
-          </p:nvSpPr>
-          <p:spPr>
-            <a:xfrm>
-              <a:off x="3642902" y="2881772"/>
+            <p:cNvPr id="108" name="pt107"/>
+            <p:cNvSpPr/>
+            <p:nvPr/>
+          </p:nvSpPr>
+          <p:spPr>
+            <a:xfrm>
+              <a:off x="3676659" y="2881772"/>
               <a:ext cx="49651" cy="49651"/>
             </a:xfrm>
             <a:prstGeom prst="ellipse">
@@ -6495,13 +6538,13 @@
         </p:sp>
         <p:sp>
           <p:nvSpPr>
-            <p:cNvPr id="108" name="pt107"/>
-            <p:cNvSpPr/>
-            <p:nvPr/>
-          </p:nvSpPr>
-          <p:spPr>
-            <a:xfrm>
-              <a:off x="3713625" y="2570297"/>
+            <p:cNvPr id="109" name="pt108"/>
+            <p:cNvSpPr/>
+            <p:nvPr/>
+          </p:nvSpPr>
+          <p:spPr>
+            <a:xfrm>
+              <a:off x="3746185" y="2570297"/>
               <a:ext cx="49651" cy="49651"/>
             </a:xfrm>
             <a:prstGeom prst="ellipse">
@@ -6530,13 +6573,13 @@
         </p:sp>
         <p:sp>
           <p:nvSpPr>
-            <p:cNvPr id="109" name="pt108"/>
-            <p:cNvSpPr/>
-            <p:nvPr/>
-          </p:nvSpPr>
-          <p:spPr>
-            <a:xfrm>
-              <a:off x="3784349" y="2229192"/>
+            <p:cNvPr id="110" name="pt109"/>
+            <p:cNvSpPr/>
+            <p:nvPr/>
+          </p:nvSpPr>
+          <p:spPr>
+            <a:xfrm>
+              <a:off x="3815712" y="2229192"/>
               <a:ext cx="49651" cy="49651"/>
             </a:xfrm>
             <a:prstGeom prst="ellipse">
@@ -6565,13 +6608,13 @@
         </p:sp>
         <p:sp>
           <p:nvSpPr>
-            <p:cNvPr id="110" name="pt109"/>
-            <p:cNvSpPr/>
-            <p:nvPr/>
-          </p:nvSpPr>
-          <p:spPr>
-            <a:xfrm>
-              <a:off x="3855072" y="1871072"/>
+            <p:cNvPr id="111" name="pt110"/>
+            <p:cNvSpPr/>
+            <p:nvPr/>
+          </p:nvSpPr>
+          <p:spPr>
+            <a:xfrm>
+              <a:off x="3885238" y="1871072"/>
               <a:ext cx="49651" cy="49651"/>
             </a:xfrm>
             <a:prstGeom prst="ellipse">
@@ -6600,13 +6643,13 @@
         </p:sp>
         <p:sp>
           <p:nvSpPr>
-            <p:cNvPr id="111" name="pt110"/>
-            <p:cNvSpPr/>
-            <p:nvPr/>
-          </p:nvSpPr>
-          <p:spPr>
-            <a:xfrm>
-              <a:off x="3925796" y="1545251"/>
+            <p:cNvPr id="112" name="pt111"/>
+            <p:cNvSpPr/>
+            <p:nvPr/>
+          </p:nvSpPr>
+          <p:spPr>
+            <a:xfrm>
+              <a:off x="3954765" y="1545251"/>
               <a:ext cx="49651" cy="49651"/>
             </a:xfrm>
             <a:prstGeom prst="ellipse">
@@ -6635,13 +6678,13 @@
         </p:sp>
         <p:sp>
           <p:nvSpPr>
-            <p:cNvPr id="112" name="pt111"/>
-            <p:cNvSpPr/>
-            <p:nvPr/>
-          </p:nvSpPr>
-          <p:spPr>
-            <a:xfrm>
-              <a:off x="3996519" y="1403246"/>
+            <p:cNvPr id="113" name="pt112"/>
+            <p:cNvSpPr/>
+            <p:nvPr/>
+          </p:nvSpPr>
+          <p:spPr>
+            <a:xfrm>
+              <a:off x="4024291" y="1403246"/>
               <a:ext cx="49651" cy="49651"/>
             </a:xfrm>
             <a:prstGeom prst="ellipse">
@@ -6670,13 +6713,13 @@
         </p:sp>
         <p:sp>
           <p:nvSpPr>
-            <p:cNvPr id="113" name="pt112"/>
-            <p:cNvSpPr/>
-            <p:nvPr/>
-          </p:nvSpPr>
-          <p:spPr>
-            <a:xfrm>
-              <a:off x="4067243" y="1422476"/>
+            <p:cNvPr id="114" name="pt113"/>
+            <p:cNvSpPr/>
+            <p:nvPr/>
+          </p:nvSpPr>
+          <p:spPr>
+            <a:xfrm>
+              <a:off x="4093818" y="1422476"/>
               <a:ext cx="49651" cy="49651"/>
             </a:xfrm>
             <a:prstGeom prst="ellipse">
@@ -6705,13 +6748,13 @@
         </p:sp>
         <p:sp>
           <p:nvSpPr>
-            <p:cNvPr id="114" name="pt113"/>
-            <p:cNvSpPr/>
-            <p:nvPr/>
-          </p:nvSpPr>
-          <p:spPr>
-            <a:xfrm>
-              <a:off x="4137967" y="1602675"/>
+            <p:cNvPr id="115" name="pt114"/>
+            <p:cNvSpPr/>
+            <p:nvPr/>
+          </p:nvSpPr>
+          <p:spPr>
+            <a:xfrm>
+              <a:off x="4163344" y="1602675"/>
               <a:ext cx="49651" cy="49651"/>
             </a:xfrm>
             <a:prstGeom prst="ellipse">
@@ -6740,13 +6783,13 @@
         </p:sp>
         <p:sp>
           <p:nvSpPr>
-            <p:cNvPr id="115" name="pt114"/>
-            <p:cNvSpPr/>
-            <p:nvPr/>
-          </p:nvSpPr>
-          <p:spPr>
-            <a:xfrm>
-              <a:off x="4208690" y="1952361"/>
+            <p:cNvPr id="116" name="pt115"/>
+            <p:cNvSpPr/>
+            <p:nvPr/>
+          </p:nvSpPr>
+          <p:spPr>
+            <a:xfrm>
+              <a:off x="4232871" y="1952361"/>
               <a:ext cx="49651" cy="49651"/>
             </a:xfrm>
             <a:prstGeom prst="ellipse">
@@ -6775,13 +6818,13 @@
         </p:sp>
         <p:sp>
           <p:nvSpPr>
-            <p:cNvPr id="116" name="pt115"/>
-            <p:cNvSpPr/>
-            <p:nvPr/>
-          </p:nvSpPr>
-          <p:spPr>
-            <a:xfrm>
-              <a:off x="4279414" y="2301796"/>
+            <p:cNvPr id="117" name="pt116"/>
+            <p:cNvSpPr/>
+            <p:nvPr/>
+          </p:nvSpPr>
+          <p:spPr>
+            <a:xfrm>
+              <a:off x="4302397" y="2301796"/>
               <a:ext cx="49651" cy="49651"/>
             </a:xfrm>
             <a:prstGeom prst="ellipse">
@@ -6810,13 +6853,13 @@
         </p:sp>
         <p:sp>
           <p:nvSpPr>
-            <p:cNvPr id="117" name="pt116"/>
-            <p:cNvSpPr/>
-            <p:nvPr/>
-          </p:nvSpPr>
-          <p:spPr>
-            <a:xfrm>
-              <a:off x="4350137" y="2623830"/>
+            <p:cNvPr id="118" name="pt117"/>
+            <p:cNvSpPr/>
+            <p:nvPr/>
+          </p:nvSpPr>
+          <p:spPr>
+            <a:xfrm>
+              <a:off x="4371923" y="2623830"/>
               <a:ext cx="49651" cy="49651"/>
             </a:xfrm>
             <a:prstGeom prst="ellipse">
@@ -6845,13 +6888,13 @@
         </p:sp>
         <p:sp>
           <p:nvSpPr>
-            <p:cNvPr id="118" name="pt117"/>
-            <p:cNvSpPr/>
-            <p:nvPr/>
-          </p:nvSpPr>
-          <p:spPr>
-            <a:xfrm>
-              <a:off x="4420861" y="2895943"/>
+            <p:cNvPr id="119" name="pt118"/>
+            <p:cNvSpPr/>
+            <p:nvPr/>
+          </p:nvSpPr>
+          <p:spPr>
+            <a:xfrm>
+              <a:off x="4441450" y="2895943"/>
               <a:ext cx="49651" cy="49651"/>
             </a:xfrm>
             <a:prstGeom prst="ellipse">
@@ -6880,13 +6923,13 @@
         </p:sp>
         <p:sp>
           <p:nvSpPr>
-            <p:cNvPr id="119" name="pt118"/>
-            <p:cNvSpPr/>
-            <p:nvPr/>
-          </p:nvSpPr>
-          <p:spPr>
-            <a:xfrm>
-              <a:off x="4491584" y="3105405"/>
+            <p:cNvPr id="120" name="pt119"/>
+            <p:cNvSpPr/>
+            <p:nvPr/>
+          </p:nvSpPr>
+          <p:spPr>
+            <a:xfrm>
+              <a:off x="4510976" y="3105405"/>
               <a:ext cx="49651" cy="49651"/>
             </a:xfrm>
             <a:prstGeom prst="ellipse">
@@ -6915,13 +6958,13 @@
         </p:sp>
         <p:sp>
           <p:nvSpPr>
-            <p:cNvPr id="120" name="pt119"/>
-            <p:cNvSpPr/>
-            <p:nvPr/>
-          </p:nvSpPr>
-          <p:spPr>
-            <a:xfrm>
-              <a:off x="4597669" y="3332641"/>
+            <p:cNvPr id="121" name="pt120"/>
+            <p:cNvSpPr/>
+            <p:nvPr/>
+          </p:nvSpPr>
+          <p:spPr>
+            <a:xfrm>
+              <a:off x="4615266" y="3332641"/>
               <a:ext cx="49651" cy="49651"/>
             </a:xfrm>
             <a:prstGeom prst="ellipse">
@@ -6950,13 +6993,13 @@
         </p:sp>
         <p:sp>
           <p:nvSpPr>
-            <p:cNvPr id="121" name="pt120"/>
-            <p:cNvSpPr/>
-            <p:nvPr/>
-          </p:nvSpPr>
-          <p:spPr>
-            <a:xfrm>
-              <a:off x="4703755" y="3485212"/>
+            <p:cNvPr id="122" name="pt121"/>
+            <p:cNvSpPr/>
+            <p:nvPr/>
+          </p:nvSpPr>
+          <p:spPr>
+            <a:xfrm>
+              <a:off x="4719556" y="3485212"/>
               <a:ext cx="49651" cy="49651"/>
             </a:xfrm>
             <a:prstGeom prst="ellipse">
@@ -6985,13 +7028,13 @@
         </p:sp>
         <p:sp>
           <p:nvSpPr>
-            <p:cNvPr id="122" name="pt121"/>
-            <p:cNvSpPr/>
-            <p:nvPr/>
-          </p:nvSpPr>
-          <p:spPr>
-            <a:xfrm>
-              <a:off x="4774478" y="3563815"/>
+            <p:cNvPr id="123" name="pt122"/>
+            <p:cNvSpPr/>
+            <p:nvPr/>
+          </p:nvSpPr>
+          <p:spPr>
+            <a:xfrm>
+              <a:off x="4789082" y="3563815"/>
               <a:ext cx="49651" cy="49651"/>
             </a:xfrm>
             <a:prstGeom prst="ellipse">
@@ -7020,13 +7063,13 @@
         </p:sp>
         <p:sp>
           <p:nvSpPr>
-            <p:cNvPr id="123" name="pt122"/>
-            <p:cNvSpPr/>
-            <p:nvPr/>
-          </p:nvSpPr>
-          <p:spPr>
-            <a:xfrm>
-              <a:off x="4915925" y="3690247"/>
+            <p:cNvPr id="124" name="pt123"/>
+            <p:cNvSpPr/>
+            <p:nvPr/>
+          </p:nvSpPr>
+          <p:spPr>
+            <a:xfrm>
+              <a:off x="4928135" y="3690247"/>
               <a:ext cx="49651" cy="49651"/>
             </a:xfrm>
             <a:prstGeom prst="ellipse">
@@ -7055,13 +7098,13 @@
         </p:sp>
         <p:sp>
           <p:nvSpPr>
-            <p:cNvPr id="124" name="pt123"/>
-            <p:cNvSpPr/>
-            <p:nvPr/>
-          </p:nvSpPr>
-          <p:spPr>
-            <a:xfrm>
-              <a:off x="5057372" y="3786520"/>
+            <p:cNvPr id="125" name="pt124"/>
+            <p:cNvSpPr/>
+            <p:nvPr/>
+          </p:nvSpPr>
+          <p:spPr>
+            <a:xfrm>
+              <a:off x="5067188" y="3786520"/>
               <a:ext cx="49651" cy="49651"/>
             </a:xfrm>
             <a:prstGeom prst="ellipse">
@@ -7090,13 +7133,13 @@
         </p:sp>
         <p:sp>
           <p:nvSpPr>
-            <p:cNvPr id="125" name="pt124"/>
-            <p:cNvSpPr/>
-            <p:nvPr/>
-          </p:nvSpPr>
-          <p:spPr>
-            <a:xfrm>
-              <a:off x="5163457" y="3845831"/>
+            <p:cNvPr id="126" name="pt125"/>
+            <p:cNvSpPr/>
+            <p:nvPr/>
+          </p:nvSpPr>
+          <p:spPr>
+            <a:xfrm>
+              <a:off x="5171478" y="3845831"/>
               <a:ext cx="49651" cy="49651"/>
             </a:xfrm>
             <a:prstGeom prst="ellipse">
@@ -7125,13 +7168,13 @@
         </p:sp>
         <p:sp>
           <p:nvSpPr>
-            <p:cNvPr id="126" name="pt125"/>
-            <p:cNvSpPr/>
-            <p:nvPr/>
-          </p:nvSpPr>
-          <p:spPr>
-            <a:xfrm>
-              <a:off x="5340266" y="3917422"/>
+            <p:cNvPr id="127" name="pt126"/>
+            <p:cNvSpPr/>
+            <p:nvPr/>
+          </p:nvSpPr>
+          <p:spPr>
+            <a:xfrm>
+              <a:off x="5345294" y="3917422"/>
               <a:ext cx="49651" cy="49651"/>
             </a:xfrm>
             <a:prstGeom prst="ellipse">
@@ -7160,13 +7203,13 @@
         </p:sp>
         <p:sp>
           <p:nvSpPr>
-            <p:cNvPr id="127" name="pt126"/>
-            <p:cNvSpPr/>
-            <p:nvPr/>
-          </p:nvSpPr>
-          <p:spPr>
-            <a:xfrm>
-              <a:off x="2299155" y="3999178"/>
+            <p:cNvPr id="128" name="pt127"/>
+            <p:cNvSpPr/>
+            <p:nvPr/>
+          </p:nvSpPr>
+          <p:spPr>
+            <a:xfrm>
+              <a:off x="2355656" y="3999178"/>
               <a:ext cx="49651" cy="49651"/>
             </a:xfrm>
             <a:prstGeom prst="ellipse">
@@ -7195,13 +7238,13 @@
         </p:sp>
         <p:sp>
           <p:nvSpPr>
-            <p:cNvPr id="128" name="pt127"/>
-            <p:cNvSpPr/>
-            <p:nvPr/>
-          </p:nvSpPr>
-          <p:spPr>
-            <a:xfrm>
-              <a:off x="3041752" y="3887593"/>
+            <p:cNvPr id="129" name="pt128"/>
+            <p:cNvSpPr/>
+            <p:nvPr/>
+          </p:nvSpPr>
+          <p:spPr>
+            <a:xfrm>
+              <a:off x="3085684" y="3887593"/>
               <a:ext cx="49651" cy="49651"/>
             </a:xfrm>
             <a:prstGeom prst="ellipse">
@@ -7230,13 +7273,13 @@
         </p:sp>
         <p:sp>
           <p:nvSpPr>
-            <p:cNvPr id="129" name="pt128"/>
-            <p:cNvSpPr/>
-            <p:nvPr/>
-          </p:nvSpPr>
-          <p:spPr>
-            <a:xfrm>
-              <a:off x="3147837" y="3831729"/>
+            <p:cNvPr id="130" name="pt129"/>
+            <p:cNvSpPr/>
+            <p:nvPr/>
+          </p:nvSpPr>
+          <p:spPr>
+            <a:xfrm>
+              <a:off x="3189974" y="3831729"/>
               <a:ext cx="49651" cy="49651"/>
             </a:xfrm>
             <a:prstGeom prst="ellipse">
@@ -7265,13 +7308,13 @@
         </p:sp>
         <p:sp>
           <p:nvSpPr>
-            <p:cNvPr id="130" name="pt129"/>
-            <p:cNvSpPr/>
-            <p:nvPr/>
-          </p:nvSpPr>
-          <p:spPr>
-            <a:xfrm>
-              <a:off x="3289284" y="3703424"/>
+            <p:cNvPr id="131" name="pt130"/>
+            <p:cNvSpPr/>
+            <p:nvPr/>
+          </p:nvSpPr>
+          <p:spPr>
+            <a:xfrm>
+              <a:off x="3329027" y="3703424"/>
               <a:ext cx="49651" cy="49651"/>
             </a:xfrm>
             <a:prstGeom prst="ellipse">
@@ -7300,13 +7343,13 @@
         </p:sp>
         <p:sp>
           <p:nvSpPr>
-            <p:cNvPr id="131" name="pt130"/>
-            <p:cNvSpPr/>
-            <p:nvPr/>
-          </p:nvSpPr>
-          <p:spPr>
-            <a:xfrm>
-              <a:off x="3430731" y="3448966"/>
+            <p:cNvPr id="132" name="pt131"/>
+            <p:cNvSpPr/>
+            <p:nvPr/>
+          </p:nvSpPr>
+          <p:spPr>
+            <a:xfrm>
+              <a:off x="3468080" y="3448966"/>
               <a:ext cx="49651" cy="49651"/>
             </a:xfrm>
             <a:prstGeom prst="ellipse">
@@ -7335,13 +7378,13 @@
         </p:sp>
         <p:sp>
           <p:nvSpPr>
-            <p:cNvPr id="132" name="pt131"/>
-            <p:cNvSpPr/>
-            <p:nvPr/>
-          </p:nvSpPr>
-          <p:spPr>
-            <a:xfrm>
-              <a:off x="3501455" y="3244551"/>
+            <p:cNvPr id="133" name="pt132"/>
+            <p:cNvSpPr/>
+            <p:nvPr/>
+          </p:nvSpPr>
+          <p:spPr>
+            <a:xfrm>
+              <a:off x="3537606" y="3244551"/>
               <a:ext cx="49651" cy="49651"/>
             </a:xfrm>
             <a:prstGeom prst="ellipse">
@@ -7370,13 +7413,13 @@
         </p:sp>
         <p:sp>
           <p:nvSpPr>
-            <p:cNvPr id="133" name="pt132"/>
-            <p:cNvSpPr/>
-            <p:nvPr/>
-          </p:nvSpPr>
-          <p:spPr>
-            <a:xfrm>
-              <a:off x="3572178" y="2977313"/>
+            <p:cNvPr id="134" name="pt133"/>
+            <p:cNvSpPr/>
+            <p:nvPr/>
+          </p:nvSpPr>
+          <p:spPr>
+            <a:xfrm>
+              <a:off x="3607132" y="2977313"/>
               <a:ext cx="49651" cy="49651"/>
             </a:xfrm>
             <a:prstGeom prst="ellipse">
@@ -7405,13 +7448,13 @@
         </p:sp>
         <p:sp>
           <p:nvSpPr>
-            <p:cNvPr id="134" name="pt133"/>
-            <p:cNvSpPr/>
-            <p:nvPr/>
-          </p:nvSpPr>
-          <p:spPr>
-            <a:xfrm>
-              <a:off x="3642902" y="2648170"/>
+            <p:cNvPr id="135" name="pt134"/>
+            <p:cNvSpPr/>
+            <p:nvPr/>
+          </p:nvSpPr>
+          <p:spPr>
+            <a:xfrm>
+              <a:off x="3676659" y="2648170"/>
               <a:ext cx="49651" cy="49651"/>
             </a:xfrm>
             <a:prstGeom prst="ellipse">
@@ -7440,13 +7483,13 @@
         </p:sp>
         <p:sp>
           <p:nvSpPr>
-            <p:cNvPr id="135" name="pt134"/>
-            <p:cNvSpPr/>
-            <p:nvPr/>
-          </p:nvSpPr>
-          <p:spPr>
-            <a:xfrm>
-              <a:off x="3713625" y="2274811"/>
+            <p:cNvPr id="136" name="pt135"/>
+            <p:cNvSpPr/>
+            <p:nvPr/>
+          </p:nvSpPr>
+          <p:spPr>
+            <a:xfrm>
+              <a:off x="3746185" y="2274811"/>
               <a:ext cx="49651" cy="49651"/>
             </a:xfrm>
             <a:prstGeom prst="ellipse">
@@ -7475,13 +7518,13 @@
         </p:sp>
         <p:sp>
           <p:nvSpPr>
-            <p:cNvPr id="136" name="pt135"/>
-            <p:cNvSpPr/>
-            <p:nvPr/>
-          </p:nvSpPr>
-          <p:spPr>
-            <a:xfrm>
-              <a:off x="3784349" y="1966084"/>
+            <p:cNvPr id="137" name="pt136"/>
+            <p:cNvSpPr/>
+            <p:nvPr/>
+          </p:nvSpPr>
+          <p:spPr>
+            <a:xfrm>
+              <a:off x="3815712" y="1966084"/>
               <a:ext cx="49651" cy="49651"/>
             </a:xfrm>
             <a:prstGeom prst="ellipse">
@@ -7510,13 +7553,13 @@
         </p:sp>
         <p:sp>
           <p:nvSpPr>
-            <p:cNvPr id="137" name="pt136"/>
-            <p:cNvSpPr/>
-            <p:nvPr/>
-          </p:nvSpPr>
-          <p:spPr>
-            <a:xfrm>
-              <a:off x="3855072" y="1690684"/>
+            <p:cNvPr id="138" name="pt137"/>
+            <p:cNvSpPr/>
+            <p:nvPr/>
+          </p:nvSpPr>
+          <p:spPr>
+            <a:xfrm>
+              <a:off x="3885238" y="1690684"/>
               <a:ext cx="49651" cy="49651"/>
             </a:xfrm>
             <a:prstGeom prst="ellipse">
@@ -7545,13 +7588,13 @@
         </p:sp>
         <p:sp>
           <p:nvSpPr>
-            <p:cNvPr id="138" name="pt137"/>
-            <p:cNvSpPr/>
-            <p:nvPr/>
-          </p:nvSpPr>
-          <p:spPr>
-            <a:xfrm>
-              <a:off x="3925796" y="1466156"/>
+            <p:cNvPr id="139" name="pt138"/>
+            <p:cNvSpPr/>
+            <p:nvPr/>
+          </p:nvSpPr>
+          <p:spPr>
+            <a:xfrm>
+              <a:off x="3954765" y="1466156"/>
               <a:ext cx="49651" cy="49651"/>
             </a:xfrm>
             <a:prstGeom prst="ellipse">
@@ -7580,13 +7623,13 @@
         </p:sp>
         <p:sp>
           <p:nvSpPr>
-            <p:cNvPr id="139" name="pt138"/>
-            <p:cNvSpPr/>
-            <p:nvPr/>
-          </p:nvSpPr>
-          <p:spPr>
-            <a:xfrm>
-              <a:off x="3996519" y="1307561"/>
+            <p:cNvPr id="140" name="pt139"/>
+            <p:cNvSpPr/>
+            <p:nvPr/>
+          </p:nvSpPr>
+          <p:spPr>
+            <a:xfrm>
+              <a:off x="4024291" y="1307561"/>
               <a:ext cx="49651" cy="49651"/>
             </a:xfrm>
             <a:prstGeom prst="ellipse">
@@ -7615,13 +7658,13 @@
         </p:sp>
         <p:sp>
           <p:nvSpPr>
-            <p:cNvPr id="140" name="pt139"/>
-            <p:cNvSpPr/>
-            <p:nvPr/>
-          </p:nvSpPr>
-          <p:spPr>
-            <a:xfrm>
-              <a:off x="4067243" y="1287772"/>
+            <p:cNvPr id="141" name="pt140"/>
+            <p:cNvSpPr/>
+            <p:nvPr/>
+          </p:nvSpPr>
+          <p:spPr>
+            <a:xfrm>
+              <a:off x="4093818" y="1287772"/>
               <a:ext cx="49651" cy="49651"/>
             </a:xfrm>
             <a:prstGeom prst="ellipse">
@@ -7650,13 +7693,13 @@
         </p:sp>
         <p:sp>
           <p:nvSpPr>
-            <p:cNvPr id="141" name="pt140"/>
-            <p:cNvSpPr/>
-            <p:nvPr/>
-          </p:nvSpPr>
-          <p:spPr>
-            <a:xfrm>
-              <a:off x="4137967" y="1403830"/>
+            <p:cNvPr id="142" name="pt141"/>
+            <p:cNvSpPr/>
+            <p:nvPr/>
+          </p:nvSpPr>
+          <p:spPr>
+            <a:xfrm>
+              <a:off x="4163344" y="1403830"/>
               <a:ext cx="49651" cy="49651"/>
             </a:xfrm>
             <a:prstGeom prst="ellipse">
@@ -7685,13 +7728,13 @@
         </p:sp>
         <p:sp>
           <p:nvSpPr>
-            <p:cNvPr id="142" name="pt141"/>
-            <p:cNvSpPr/>
-            <p:nvPr/>
-          </p:nvSpPr>
-          <p:spPr>
-            <a:xfrm>
-              <a:off x="4208690" y="1707507"/>
+            <p:cNvPr id="143" name="pt142"/>
+            <p:cNvSpPr/>
+            <p:nvPr/>
+          </p:nvSpPr>
+          <p:spPr>
+            <a:xfrm>
+              <a:off x="4232871" y="1707507"/>
               <a:ext cx="49651" cy="49651"/>
             </a:xfrm>
             <a:prstGeom prst="ellipse">
@@ -7720,13 +7763,13 @@
         </p:sp>
         <p:sp>
           <p:nvSpPr>
-            <p:cNvPr id="143" name="pt142"/>
-            <p:cNvSpPr/>
-            <p:nvPr/>
-          </p:nvSpPr>
-          <p:spPr>
-            <a:xfrm>
-              <a:off x="4279414" y="2085525"/>
+            <p:cNvPr id="144" name="pt143"/>
+            <p:cNvSpPr/>
+            <p:nvPr/>
+          </p:nvSpPr>
+          <p:spPr>
+            <a:xfrm>
+              <a:off x="4302397" y="2085525"/>
               <a:ext cx="49651" cy="49651"/>
             </a:xfrm>
             <a:prstGeom prst="ellipse">
@@ -7755,13 +7798,13 @@
         </p:sp>
         <p:sp>
           <p:nvSpPr>
-            <p:cNvPr id="144" name="pt143"/>
-            <p:cNvSpPr/>
-            <p:nvPr/>
-          </p:nvSpPr>
-          <p:spPr>
-            <a:xfrm>
-              <a:off x="4350137" y="2454943"/>
+            <p:cNvPr id="145" name="pt144"/>
+            <p:cNvSpPr/>
+            <p:nvPr/>
+          </p:nvSpPr>
+          <p:spPr>
+            <a:xfrm>
+              <a:off x="4371923" y="2454943"/>
               <a:ext cx="49651" cy="49651"/>
             </a:xfrm>
             <a:prstGeom prst="ellipse">
@@ -7790,13 +7833,13 @@
         </p:sp>
         <p:sp>
           <p:nvSpPr>
-            <p:cNvPr id="145" name="pt144"/>
-            <p:cNvSpPr/>
-            <p:nvPr/>
-          </p:nvSpPr>
-          <p:spPr>
-            <a:xfrm>
-              <a:off x="4420861" y="2795278"/>
+            <p:cNvPr id="146" name="pt145"/>
+            <p:cNvSpPr/>
+            <p:nvPr/>
+          </p:nvSpPr>
+          <p:spPr>
+            <a:xfrm>
+              <a:off x="4441450" y="2795278"/>
               <a:ext cx="49651" cy="49651"/>
             </a:xfrm>
             <a:prstGeom prst="ellipse">
@@ -7825,13 +7868,13 @@
         </p:sp>
         <p:sp>
           <p:nvSpPr>
-            <p:cNvPr id="146" name="pt145"/>
-            <p:cNvSpPr/>
-            <p:nvPr/>
-          </p:nvSpPr>
-          <p:spPr>
-            <a:xfrm>
-              <a:off x="4526946" y="3170583"/>
+            <p:cNvPr id="147" name="pt146"/>
+            <p:cNvSpPr/>
+            <p:nvPr/>
+          </p:nvSpPr>
+          <p:spPr>
+            <a:xfrm>
+              <a:off x="4545740" y="3170583"/>
               <a:ext cx="49651" cy="49651"/>
             </a:xfrm>
             <a:prstGeom prst="ellipse">
@@ -7860,13 +7903,13 @@
         </p:sp>
         <p:sp>
           <p:nvSpPr>
-            <p:cNvPr id="147" name="pt146"/>
-            <p:cNvSpPr/>
-            <p:nvPr/>
-          </p:nvSpPr>
-          <p:spPr>
-            <a:xfrm>
-              <a:off x="4703755" y="3483097"/>
+            <p:cNvPr id="148" name="pt147"/>
+            <p:cNvSpPr/>
+            <p:nvPr/>
+          </p:nvSpPr>
+          <p:spPr>
+            <a:xfrm>
+              <a:off x="4719556" y="3483097"/>
               <a:ext cx="49651" cy="49651"/>
             </a:xfrm>
             <a:prstGeom prst="ellipse">
@@ -7895,13 +7938,13 @@
         </p:sp>
         <p:sp>
           <p:nvSpPr>
-            <p:cNvPr id="148" name="pt147"/>
-            <p:cNvSpPr/>
-            <p:nvPr/>
-          </p:nvSpPr>
-          <p:spPr>
-            <a:xfrm>
-              <a:off x="4845202" y="3605333"/>
+            <p:cNvPr id="149" name="pt148"/>
+            <p:cNvSpPr/>
+            <p:nvPr/>
+          </p:nvSpPr>
+          <p:spPr>
+            <a:xfrm>
+              <a:off x="4858609" y="3605333"/>
               <a:ext cx="49651" cy="49651"/>
             </a:xfrm>
             <a:prstGeom prst="ellipse">
@@ -7930,13 +7973,13 @@
         </p:sp>
         <p:sp>
           <p:nvSpPr>
-            <p:cNvPr id="149" name="pt148"/>
-            <p:cNvSpPr/>
-            <p:nvPr/>
-          </p:nvSpPr>
-          <p:spPr>
-            <a:xfrm>
-              <a:off x="4915925" y="3649932"/>
+            <p:cNvPr id="150" name="pt149"/>
+            <p:cNvSpPr/>
+            <p:nvPr/>
+          </p:nvSpPr>
+          <p:spPr>
+            <a:xfrm>
+              <a:off x="4928135" y="3649932"/>
               <a:ext cx="49651" cy="49651"/>
             </a:xfrm>
             <a:prstGeom prst="ellipse">
@@ -7965,13 +8008,13 @@
         </p:sp>
         <p:sp>
           <p:nvSpPr>
-            <p:cNvPr id="150" name="pt149"/>
-            <p:cNvSpPr/>
-            <p:nvPr/>
-          </p:nvSpPr>
-          <p:spPr>
-            <a:xfrm>
-              <a:off x="4986649" y="3692736"/>
+            <p:cNvPr id="151" name="pt150"/>
+            <p:cNvSpPr/>
+            <p:nvPr/>
+          </p:nvSpPr>
+          <p:spPr>
+            <a:xfrm>
+              <a:off x="4997662" y="3692736"/>
               <a:ext cx="49651" cy="49651"/>
             </a:xfrm>
             <a:prstGeom prst="ellipse">
@@ -8000,13 +8043,13 @@
         </p:sp>
         <p:sp>
           <p:nvSpPr>
-            <p:cNvPr id="151" name="pt150"/>
-            <p:cNvSpPr/>
-            <p:nvPr/>
-          </p:nvSpPr>
-          <p:spPr>
-            <a:xfrm>
-              <a:off x="5128096" y="3769346"/>
+            <p:cNvPr id="152" name="pt151"/>
+            <p:cNvSpPr/>
+            <p:nvPr/>
+          </p:nvSpPr>
+          <p:spPr>
+            <a:xfrm>
+              <a:off x="5136714" y="3769346"/>
               <a:ext cx="49651" cy="49651"/>
             </a:xfrm>
             <a:prstGeom prst="ellipse">
@@ -8035,13 +8078,13 @@
         </p:sp>
         <p:sp>
           <p:nvSpPr>
-            <p:cNvPr id="152" name="pt151"/>
-            <p:cNvSpPr/>
-            <p:nvPr/>
-          </p:nvSpPr>
-          <p:spPr>
-            <a:xfrm>
-              <a:off x="5340266" y="3854561"/>
+            <p:cNvPr id="153" name="pt152"/>
+            <p:cNvSpPr/>
+            <p:nvPr/>
+          </p:nvSpPr>
+          <p:spPr>
+            <a:xfrm>
+              <a:off x="5345294" y="3854561"/>
               <a:ext cx="49651" cy="49651"/>
             </a:xfrm>
             <a:prstGeom prst="ellipse">
@@ -8070,14 +8113,14 @@
         </p:sp>
         <p:sp>
           <p:nvSpPr>
-            <p:cNvPr id="153" name="tx152"/>
+            <p:cNvPr id="154" name="tx153"/>
             <p:cNvSpPr/>
             <p:nvPr/>
           </p:nvSpPr>
           <p:spPr>
             <a:xfrm>
               <a:off x="1149684" y="3994316"/>
-              <a:ext cx="248840" cy="84529"/>
+              <a:ext cx="319945" cy="84529"/>
             </a:xfrm>
             <a:prstGeom prst="rect">
               <a:avLst/>
@@ -8109,21 +8152,21 @@
                   <a:latin typeface="DejaVu Sans"/>
                   <a:cs typeface="DejaVu Sans"/>
                 </a:rPr>
-                <a:t>0.00</a:t>
+                <a:t>0.000</a:t>
               </a:r>
             </a:p>
           </p:txBody>
         </p:sp>
         <p:sp>
           <p:nvSpPr>
-            <p:cNvPr id="154" name="tx153"/>
-            <p:cNvSpPr/>
-            <p:nvPr/>
-          </p:nvSpPr>
-          <p:spPr>
-            <a:xfrm>
-              <a:off x="1149684" y="3081435"/>
-              <a:ext cx="248840" cy="84529"/>
+            <p:cNvPr id="155" name="tx154"/>
+            <p:cNvSpPr/>
+            <p:nvPr/>
+          </p:nvSpPr>
+          <p:spPr>
+            <a:xfrm>
+              <a:off x="1149684" y="3537876"/>
+              <a:ext cx="319945" cy="84529"/>
             </a:xfrm>
             <a:prstGeom prst="rect">
               <a:avLst/>
@@ -8155,21 +8198,21 @@
                   <a:latin typeface="DejaVu Sans"/>
                   <a:cs typeface="DejaVu Sans"/>
                 </a:rPr>
-                <a:t>0.01</a:t>
+                <a:t>0.005</a:t>
               </a:r>
             </a:p>
           </p:txBody>
         </p:sp>
         <p:sp>
           <p:nvSpPr>
-            <p:cNvPr id="155" name="tx154"/>
-            <p:cNvSpPr/>
-            <p:nvPr/>
-          </p:nvSpPr>
-          <p:spPr>
-            <a:xfrm>
-              <a:off x="1149684" y="2168555"/>
-              <a:ext cx="248840" cy="84529"/>
+            <p:cNvPr id="156" name="tx155"/>
+            <p:cNvSpPr/>
+            <p:nvPr/>
+          </p:nvSpPr>
+          <p:spPr>
+            <a:xfrm>
+              <a:off x="1149684" y="3081435"/>
+              <a:ext cx="319945" cy="84529"/>
             </a:xfrm>
             <a:prstGeom prst="rect">
               <a:avLst/>
@@ -8201,21 +8244,21 @@
                   <a:latin typeface="DejaVu Sans"/>
                   <a:cs typeface="DejaVu Sans"/>
                 </a:rPr>
-                <a:t>0.02</a:t>
+                <a:t>0.010</a:t>
               </a:r>
             </a:p>
           </p:txBody>
         </p:sp>
         <p:sp>
           <p:nvSpPr>
-            <p:cNvPr id="156" name="tx155"/>
-            <p:cNvSpPr/>
-            <p:nvPr/>
-          </p:nvSpPr>
-          <p:spPr>
-            <a:xfrm>
-              <a:off x="1149684" y="1255674"/>
-              <a:ext cx="248840" cy="84529"/>
+            <p:cNvPr id="157" name="tx156"/>
+            <p:cNvSpPr/>
+            <p:nvPr/>
+          </p:nvSpPr>
+          <p:spPr>
+            <a:xfrm>
+              <a:off x="1149684" y="2624995"/>
+              <a:ext cx="319945" cy="84529"/>
             </a:xfrm>
             <a:prstGeom prst="rect">
               <a:avLst/>
@@ -8247,20 +8290,158 @@
                   <a:latin typeface="DejaVu Sans"/>
                   <a:cs typeface="DejaVu Sans"/>
                 </a:rPr>
-                <a:t>0.03</a:t>
+                <a:t>0.015</a:t>
               </a:r>
             </a:p>
           </p:txBody>
         </p:sp>
         <p:sp>
           <p:nvSpPr>
-            <p:cNvPr id="157" name="pl156"/>
-            <p:cNvSpPr/>
-            <p:nvPr/>
-          </p:nvSpPr>
-          <p:spPr>
-            <a:xfrm>
-              <a:off x="1426360" y="4038109"/>
+            <p:cNvPr id="158" name="tx157"/>
+            <p:cNvSpPr/>
+            <p:nvPr/>
+          </p:nvSpPr>
+          <p:spPr>
+            <a:xfrm>
+              <a:off x="1149684" y="2168555"/>
+              <a:ext cx="319945" cy="84529"/>
+            </a:xfrm>
+            <a:prstGeom prst="rect">
+              <a:avLst/>
+            </a:prstGeom>
+            <a:noFill/>
+          </p:spPr>
+          <p:txBody>
+            <a:bodyPr lIns="0" rIns="0" tIns="0" bIns="0" anchorCtr="1" anchor="ctr" wrap="none"/>
+            <a:lstStyle/>
+            <a:p>
+              <a:pPr algn="l" marL="0" marR="0" indent="0">
+                <a:lnSpc>
+                  <a:spcPts val="880"/>
+                </a:lnSpc>
+                <a:spcBef>
+                  <a:spcPts val="0"/>
+                </a:spcBef>
+                <a:spcAft>
+                  <a:spcPts val="0"/>
+                </a:spcAft>
+              </a:pPr>
+              <a:r>
+                <a:rPr sz="880">
+                  <a:solidFill>
+                    <a:srgbClr val="4D4D4D">
+                      <a:alpha val="100000"/>
+                    </a:srgbClr>
+                  </a:solidFill>
+                  <a:latin typeface="DejaVu Sans"/>
+                  <a:cs typeface="DejaVu Sans"/>
+                </a:rPr>
+                <a:t>0.020</a:t>
+              </a:r>
+            </a:p>
+          </p:txBody>
+        </p:sp>
+        <p:sp>
+          <p:nvSpPr>
+            <p:cNvPr id="159" name="tx158"/>
+            <p:cNvSpPr/>
+            <p:nvPr/>
+          </p:nvSpPr>
+          <p:spPr>
+            <a:xfrm>
+              <a:off x="1149684" y="1712115"/>
+              <a:ext cx="319945" cy="84529"/>
+            </a:xfrm>
+            <a:prstGeom prst="rect">
+              <a:avLst/>
+            </a:prstGeom>
+            <a:noFill/>
+          </p:spPr>
+          <p:txBody>
+            <a:bodyPr lIns="0" rIns="0" tIns="0" bIns="0" anchorCtr="1" anchor="ctr" wrap="none"/>
+            <a:lstStyle/>
+            <a:p>
+              <a:pPr algn="l" marL="0" marR="0" indent="0">
+                <a:lnSpc>
+                  <a:spcPts val="880"/>
+                </a:lnSpc>
+                <a:spcBef>
+                  <a:spcPts val="0"/>
+                </a:spcBef>
+                <a:spcAft>
+                  <a:spcPts val="0"/>
+                </a:spcAft>
+              </a:pPr>
+              <a:r>
+                <a:rPr sz="880">
+                  <a:solidFill>
+                    <a:srgbClr val="4D4D4D">
+                      <a:alpha val="100000"/>
+                    </a:srgbClr>
+                  </a:solidFill>
+                  <a:latin typeface="DejaVu Sans"/>
+                  <a:cs typeface="DejaVu Sans"/>
+                </a:rPr>
+                <a:t>0.025</a:t>
+              </a:r>
+            </a:p>
+          </p:txBody>
+        </p:sp>
+        <p:sp>
+          <p:nvSpPr>
+            <p:cNvPr id="160" name="tx159"/>
+            <p:cNvSpPr/>
+            <p:nvPr/>
+          </p:nvSpPr>
+          <p:spPr>
+            <a:xfrm>
+              <a:off x="1149684" y="1255674"/>
+              <a:ext cx="319945" cy="84529"/>
+            </a:xfrm>
+            <a:prstGeom prst="rect">
+              <a:avLst/>
+            </a:prstGeom>
+            <a:noFill/>
+          </p:spPr>
+          <p:txBody>
+            <a:bodyPr lIns="0" rIns="0" tIns="0" bIns="0" anchorCtr="1" anchor="ctr" wrap="none"/>
+            <a:lstStyle/>
+            <a:p>
+              <a:pPr algn="l" marL="0" marR="0" indent="0">
+                <a:lnSpc>
+                  <a:spcPts val="880"/>
+                </a:lnSpc>
+                <a:spcBef>
+                  <a:spcPts val="0"/>
+                </a:spcBef>
+                <a:spcAft>
+                  <a:spcPts val="0"/>
+                </a:spcAft>
+              </a:pPr>
+              <a:r>
+                <a:rPr sz="880">
+                  <a:solidFill>
+                    <a:srgbClr val="4D4D4D">
+                      <a:alpha val="100000"/>
+                    </a:srgbClr>
+                  </a:solidFill>
+                  <a:latin typeface="DejaVu Sans"/>
+                  <a:cs typeface="DejaVu Sans"/>
+                </a:rPr>
+                <a:t>0.030</a:t>
+              </a:r>
+            </a:p>
+          </p:txBody>
+        </p:sp>
+        <p:sp>
+          <p:nvSpPr>
+            <p:cNvPr id="161" name="pl160"/>
+            <p:cNvSpPr/>
+            <p:nvPr/>
+          </p:nvSpPr>
+          <p:spPr>
+            <a:xfrm>
+              <a:off x="1497465" y="4038109"/>
               <a:ext cx="34794" cy="0"/>
             </a:xfrm>
             <a:custGeom>
@@ -8294,13 +8475,13 @@
         </p:sp>
         <p:sp>
           <p:nvSpPr>
-            <p:cNvPr id="158" name="pl157"/>
-            <p:cNvSpPr/>
-            <p:nvPr/>
-          </p:nvSpPr>
-          <p:spPr>
-            <a:xfrm>
-              <a:off x="1426360" y="3125228"/>
+            <p:cNvPr id="162" name="pl161"/>
+            <p:cNvSpPr/>
+            <p:nvPr/>
+          </p:nvSpPr>
+          <p:spPr>
+            <a:xfrm>
+              <a:off x="1497465" y="3581668"/>
               <a:ext cx="34794" cy="0"/>
             </a:xfrm>
             <a:custGeom>
@@ -8334,13 +8515,13 @@
         </p:sp>
         <p:sp>
           <p:nvSpPr>
-            <p:cNvPr id="159" name="pl158"/>
-            <p:cNvSpPr/>
-            <p:nvPr/>
-          </p:nvSpPr>
-          <p:spPr>
-            <a:xfrm>
-              <a:off x="1426360" y="2212348"/>
+            <p:cNvPr id="163" name="pl162"/>
+            <p:cNvSpPr/>
+            <p:nvPr/>
+          </p:nvSpPr>
+          <p:spPr>
+            <a:xfrm>
+              <a:off x="1497465" y="3125228"/>
               <a:ext cx="34794" cy="0"/>
             </a:xfrm>
             <a:custGeom>
@@ -8374,13 +8555,13 @@
         </p:sp>
         <p:sp>
           <p:nvSpPr>
-            <p:cNvPr id="160" name="pl159"/>
-            <p:cNvSpPr/>
-            <p:nvPr/>
-          </p:nvSpPr>
-          <p:spPr>
-            <a:xfrm>
-              <a:off x="1426360" y="1299467"/>
+            <p:cNvPr id="164" name="pl163"/>
+            <p:cNvSpPr/>
+            <p:nvPr/>
+          </p:nvSpPr>
+          <p:spPr>
+            <a:xfrm>
+              <a:off x="1497465" y="2668788"/>
               <a:ext cx="34794" cy="0"/>
             </a:xfrm>
             <a:custGeom>
@@ -8414,13 +8595,133 @@
         </p:sp>
         <p:sp>
           <p:nvSpPr>
-            <p:cNvPr id="161" name="pl160"/>
-            <p:cNvSpPr/>
-            <p:nvPr/>
-          </p:nvSpPr>
-          <p:spPr>
-            <a:xfrm>
-              <a:off x="1652108" y="4169365"/>
+            <p:cNvPr id="165" name="pl164"/>
+            <p:cNvSpPr/>
+            <p:nvPr/>
+          </p:nvSpPr>
+          <p:spPr>
+            <a:xfrm>
+              <a:off x="1497465" y="2212348"/>
+              <a:ext cx="34794" cy="0"/>
+            </a:xfrm>
+            <a:custGeom>
+              <a:avLst/>
+              <a:pathLst>
+                <a:path w="34794" h="0">
+                  <a:moveTo>
+                    <a:pt x="0" y="0"/>
+                  </a:moveTo>
+                  <a:lnTo>
+                    <a:pt x="34794" y="0"/>
+                  </a:lnTo>
+                </a:path>
+              </a:pathLst>
+            </a:custGeom>
+            <a:ln w="13550" cap="flat">
+              <a:solidFill>
+                <a:srgbClr val="333333">
+                  <a:alpha val="100000"/>
+                </a:srgbClr>
+              </a:solidFill>
+              <a:prstDash val="solid"/>
+              <a:round/>
+            </a:ln>
+          </p:spPr>
+          <p:txBody>
+            <a:bodyPr/>
+            <a:lstStyle/>
+            <a:p/>
+          </p:txBody>
+        </p:sp>
+        <p:sp>
+          <p:nvSpPr>
+            <p:cNvPr id="166" name="pl165"/>
+            <p:cNvSpPr/>
+            <p:nvPr/>
+          </p:nvSpPr>
+          <p:spPr>
+            <a:xfrm>
+              <a:off x="1497465" y="1755907"/>
+              <a:ext cx="34794" cy="0"/>
+            </a:xfrm>
+            <a:custGeom>
+              <a:avLst/>
+              <a:pathLst>
+                <a:path w="34794" h="0">
+                  <a:moveTo>
+                    <a:pt x="0" y="0"/>
+                  </a:moveTo>
+                  <a:lnTo>
+                    <a:pt x="34794" y="0"/>
+                  </a:lnTo>
+                </a:path>
+              </a:pathLst>
+            </a:custGeom>
+            <a:ln w="13550" cap="flat">
+              <a:solidFill>
+                <a:srgbClr val="333333">
+                  <a:alpha val="100000"/>
+                </a:srgbClr>
+              </a:solidFill>
+              <a:prstDash val="solid"/>
+              <a:round/>
+            </a:ln>
+          </p:spPr>
+          <p:txBody>
+            <a:bodyPr/>
+            <a:lstStyle/>
+            <a:p/>
+          </p:txBody>
+        </p:sp>
+        <p:sp>
+          <p:nvSpPr>
+            <p:cNvPr id="167" name="pl166"/>
+            <p:cNvSpPr/>
+            <p:nvPr/>
+          </p:nvSpPr>
+          <p:spPr>
+            <a:xfrm>
+              <a:off x="1497465" y="1299467"/>
+              <a:ext cx="34794" cy="0"/>
+            </a:xfrm>
+            <a:custGeom>
+              <a:avLst/>
+              <a:pathLst>
+                <a:path w="34794" h="0">
+                  <a:moveTo>
+                    <a:pt x="0" y="0"/>
+                  </a:moveTo>
+                  <a:lnTo>
+                    <a:pt x="34794" y="0"/>
+                  </a:lnTo>
+                </a:path>
+              </a:pathLst>
+            </a:custGeom>
+            <a:ln w="13550" cap="flat">
+              <a:solidFill>
+                <a:srgbClr val="333333">
+                  <a:alpha val="100000"/>
+                </a:srgbClr>
+              </a:solidFill>
+              <a:prstDash val="solid"/>
+              <a:round/>
+            </a:ln>
+          </p:spPr>
+          <p:txBody>
+            <a:bodyPr/>
+            <a:lstStyle/>
+            <a:p/>
+          </p:txBody>
+        </p:sp>
+        <p:sp>
+          <p:nvSpPr>
+            <p:cNvPr id="168" name="pl167"/>
+            <p:cNvSpPr/>
+            <p:nvPr/>
+          </p:nvSpPr>
+          <p:spPr>
+            <a:xfrm>
+              <a:off x="1719981" y="4169365"/>
               <a:ext cx="0" cy="34794"/>
             </a:xfrm>
             <a:custGeom>
@@ -8454,13 +8755,13 @@
         </p:sp>
         <p:sp>
           <p:nvSpPr>
-            <p:cNvPr id="162" name="pl161"/>
-            <p:cNvSpPr/>
-            <p:nvPr/>
-          </p:nvSpPr>
-          <p:spPr>
-            <a:xfrm>
-              <a:off x="1935002" y="4169365"/>
+            <p:cNvPr id="169" name="pl168"/>
+            <p:cNvSpPr/>
+            <p:nvPr/>
+          </p:nvSpPr>
+          <p:spPr>
+            <a:xfrm>
+              <a:off x="2067613" y="4169365"/>
               <a:ext cx="0" cy="34794"/>
             </a:xfrm>
             <a:custGeom>
@@ -8494,13 +8795,13 @@
         </p:sp>
         <p:sp>
           <p:nvSpPr>
-            <p:cNvPr id="163" name="pl162"/>
-            <p:cNvSpPr/>
-            <p:nvPr/>
-          </p:nvSpPr>
-          <p:spPr>
-            <a:xfrm>
-              <a:off x="2217896" y="4169365"/>
+            <p:cNvPr id="170" name="pl169"/>
+            <p:cNvSpPr/>
+            <p:nvPr/>
+          </p:nvSpPr>
+          <p:spPr>
+            <a:xfrm>
+              <a:off x="2415245" y="4169365"/>
               <a:ext cx="0" cy="34794"/>
             </a:xfrm>
             <a:custGeom>
@@ -8534,13 +8835,13 @@
         </p:sp>
         <p:sp>
           <p:nvSpPr>
-            <p:cNvPr id="164" name="pl163"/>
-            <p:cNvSpPr/>
-            <p:nvPr/>
-          </p:nvSpPr>
-          <p:spPr>
-            <a:xfrm>
-              <a:off x="2500790" y="4169365"/>
+            <p:cNvPr id="171" name="pl170"/>
+            <p:cNvSpPr/>
+            <p:nvPr/>
+          </p:nvSpPr>
+          <p:spPr>
+            <a:xfrm>
+              <a:off x="2762878" y="4169365"/>
               <a:ext cx="0" cy="34794"/>
             </a:xfrm>
             <a:custGeom>
@@ -8574,13 +8875,13 @@
         </p:sp>
         <p:sp>
           <p:nvSpPr>
-            <p:cNvPr id="165" name="pl164"/>
-            <p:cNvSpPr/>
-            <p:nvPr/>
-          </p:nvSpPr>
-          <p:spPr>
-            <a:xfrm>
-              <a:off x="2783684" y="4169365"/>
+            <p:cNvPr id="172" name="pl171"/>
+            <p:cNvSpPr/>
+            <p:nvPr/>
+          </p:nvSpPr>
+          <p:spPr>
+            <a:xfrm>
+              <a:off x="3110510" y="4169365"/>
               <a:ext cx="0" cy="34794"/>
             </a:xfrm>
             <a:custGeom>
@@ -8614,13 +8915,13 @@
         </p:sp>
         <p:sp>
           <p:nvSpPr>
-            <p:cNvPr id="166" name="pl165"/>
-            <p:cNvSpPr/>
-            <p:nvPr/>
-          </p:nvSpPr>
-          <p:spPr>
-            <a:xfrm>
-              <a:off x="3066578" y="4169365"/>
+            <p:cNvPr id="173" name="pl172"/>
+            <p:cNvSpPr/>
+            <p:nvPr/>
+          </p:nvSpPr>
+          <p:spPr>
+            <a:xfrm>
+              <a:off x="3458142" y="4169365"/>
               <a:ext cx="0" cy="34794"/>
             </a:xfrm>
             <a:custGeom>
@@ -8654,13 +8955,13 @@
         </p:sp>
         <p:sp>
           <p:nvSpPr>
-            <p:cNvPr id="167" name="pl166"/>
-            <p:cNvSpPr/>
-            <p:nvPr/>
-          </p:nvSpPr>
-          <p:spPr>
-            <a:xfrm>
-              <a:off x="3349472" y="4169365"/>
+            <p:cNvPr id="174" name="pl173"/>
+            <p:cNvSpPr/>
+            <p:nvPr/>
+          </p:nvSpPr>
+          <p:spPr>
+            <a:xfrm>
+              <a:off x="3805775" y="4169365"/>
               <a:ext cx="0" cy="34794"/>
             </a:xfrm>
             <a:custGeom>
@@ -8694,13 +8995,13 @@
         </p:sp>
         <p:sp>
           <p:nvSpPr>
-            <p:cNvPr id="168" name="pl167"/>
-            <p:cNvSpPr/>
-            <p:nvPr/>
-          </p:nvSpPr>
-          <p:spPr>
-            <a:xfrm>
-              <a:off x="3632366" y="4169365"/>
+            <p:cNvPr id="175" name="pl174"/>
+            <p:cNvSpPr/>
+            <p:nvPr/>
+          </p:nvSpPr>
+          <p:spPr>
+            <a:xfrm>
+              <a:off x="4153407" y="4169365"/>
               <a:ext cx="0" cy="34794"/>
             </a:xfrm>
             <a:custGeom>
@@ -8734,13 +9035,13 @@
         </p:sp>
         <p:sp>
           <p:nvSpPr>
-            <p:cNvPr id="169" name="pl168"/>
-            <p:cNvSpPr/>
-            <p:nvPr/>
-          </p:nvSpPr>
-          <p:spPr>
-            <a:xfrm>
-              <a:off x="3915260" y="4169365"/>
+            <p:cNvPr id="176" name="pl175"/>
+            <p:cNvSpPr/>
+            <p:nvPr/>
+          </p:nvSpPr>
+          <p:spPr>
+            <a:xfrm>
+              <a:off x="4501039" y="4169365"/>
               <a:ext cx="0" cy="34794"/>
             </a:xfrm>
             <a:custGeom>
@@ -8774,13 +9075,13 @@
         </p:sp>
         <p:sp>
           <p:nvSpPr>
-            <p:cNvPr id="170" name="pl169"/>
-            <p:cNvSpPr/>
-            <p:nvPr/>
-          </p:nvSpPr>
-          <p:spPr>
-            <a:xfrm>
-              <a:off x="4198154" y="4169365"/>
+            <p:cNvPr id="177" name="pl176"/>
+            <p:cNvSpPr/>
+            <p:nvPr/>
+          </p:nvSpPr>
+          <p:spPr>
+            <a:xfrm>
+              <a:off x="4848671" y="4169365"/>
               <a:ext cx="0" cy="34794"/>
             </a:xfrm>
             <a:custGeom>
@@ -8814,13 +9115,13 @@
         </p:sp>
         <p:sp>
           <p:nvSpPr>
-            <p:cNvPr id="171" name="pl170"/>
-            <p:cNvSpPr/>
-            <p:nvPr/>
-          </p:nvSpPr>
-          <p:spPr>
-            <a:xfrm>
-              <a:off x="4481048" y="4169365"/>
+            <p:cNvPr id="178" name="pl177"/>
+            <p:cNvSpPr/>
+            <p:nvPr/>
+          </p:nvSpPr>
+          <p:spPr>
+            <a:xfrm>
+              <a:off x="5196304" y="4169365"/>
               <a:ext cx="0" cy="34794"/>
             </a:xfrm>
             <a:custGeom>
@@ -8854,13 +9155,13 @@
         </p:sp>
         <p:sp>
           <p:nvSpPr>
-            <p:cNvPr id="172" name="pl171"/>
-            <p:cNvSpPr/>
-            <p:nvPr/>
-          </p:nvSpPr>
-          <p:spPr>
-            <a:xfrm>
-              <a:off x="4763942" y="4169365"/>
+            <p:cNvPr id="179" name="pl178"/>
+            <p:cNvSpPr/>
+            <p:nvPr/>
+          </p:nvSpPr>
+          <p:spPr>
+            <a:xfrm>
+              <a:off x="5543936" y="4169365"/>
               <a:ext cx="0" cy="34794"/>
             </a:xfrm>
             <a:custGeom>
@@ -8894,93 +9195,13 @@
         </p:sp>
         <p:sp>
           <p:nvSpPr>
-            <p:cNvPr id="173" name="pl172"/>
-            <p:cNvSpPr/>
-            <p:nvPr/>
-          </p:nvSpPr>
-          <p:spPr>
-            <a:xfrm>
-              <a:off x="5046836" y="4169365"/>
-              <a:ext cx="0" cy="34794"/>
-            </a:xfrm>
-            <a:custGeom>
-              <a:avLst/>
-              <a:pathLst>
-                <a:path w="0" h="34794">
-                  <a:moveTo>
-                    <a:pt x="0" y="34794"/>
-                  </a:moveTo>
-                  <a:lnTo>
-                    <a:pt x="0" y="0"/>
-                  </a:lnTo>
-                </a:path>
-              </a:pathLst>
-            </a:custGeom>
-            <a:ln w="13550" cap="flat">
-              <a:solidFill>
-                <a:srgbClr val="333333">
-                  <a:alpha val="100000"/>
-                </a:srgbClr>
-              </a:solidFill>
-              <a:prstDash val="solid"/>
-              <a:round/>
-            </a:ln>
-          </p:spPr>
-          <p:txBody>
-            <a:bodyPr/>
-            <a:lstStyle/>
-            <a:p/>
-          </p:txBody>
-        </p:sp>
-        <p:sp>
-          <p:nvSpPr>
-            <p:cNvPr id="174" name="pl173"/>
-            <p:cNvSpPr/>
-            <p:nvPr/>
-          </p:nvSpPr>
-          <p:spPr>
-            <a:xfrm>
-              <a:off x="5329730" y="4169365"/>
-              <a:ext cx="0" cy="34794"/>
-            </a:xfrm>
-            <a:custGeom>
-              <a:avLst/>
-              <a:pathLst>
-                <a:path w="0" h="34794">
-                  <a:moveTo>
-                    <a:pt x="0" y="34794"/>
-                  </a:moveTo>
-                  <a:lnTo>
-                    <a:pt x="0" y="0"/>
-                  </a:lnTo>
-                </a:path>
-              </a:pathLst>
-            </a:custGeom>
-            <a:ln w="13550" cap="flat">
-              <a:solidFill>
-                <a:srgbClr val="333333">
-                  <a:alpha val="100000"/>
-                </a:srgbClr>
-              </a:solidFill>
-              <a:prstDash val="solid"/>
-              <a:round/>
-            </a:ln>
-          </p:spPr>
-          <p:txBody>
-            <a:bodyPr/>
-            <a:lstStyle/>
-            <a:p/>
-          </p:txBody>
-        </p:sp>
-        <p:sp>
-          <p:nvSpPr>
-            <p:cNvPr id="175" name="tx174"/>
-            <p:cNvSpPr/>
-            <p:nvPr/>
-          </p:nvSpPr>
-          <p:spPr>
-            <a:xfrm>
-              <a:off x="1616555" y="4228939"/>
+            <p:cNvPr id="180" name="tx179"/>
+            <p:cNvSpPr/>
+            <p:nvPr/>
+          </p:nvSpPr>
+          <p:spPr>
+            <a:xfrm>
+              <a:off x="1684428" y="4228939"/>
               <a:ext cx="71105" cy="84529"/>
             </a:xfrm>
             <a:prstGeom prst="rect">
@@ -9020,14 +9241,14 @@
         </p:sp>
         <p:sp>
           <p:nvSpPr>
-            <p:cNvPr id="176" name="tx175"/>
-            <p:cNvSpPr/>
-            <p:nvPr/>
-          </p:nvSpPr>
-          <p:spPr>
-            <a:xfrm>
-              <a:off x="1899449" y="4231995"/>
-              <a:ext cx="71105" cy="81473"/>
+            <p:cNvPr id="181" name="tx180"/>
+            <p:cNvSpPr/>
+            <p:nvPr/>
+          </p:nvSpPr>
+          <p:spPr>
+            <a:xfrm>
+              <a:off x="2032061" y="4230412"/>
+              <a:ext cx="71105" cy="83056"/>
             </a:xfrm>
             <a:prstGeom prst="rect">
               <a:avLst/>
@@ -9059,21 +9280,21 @@
                   <a:latin typeface="DejaVu Sans"/>
                   <a:cs typeface="DejaVu Sans"/>
                 </a:rPr>
-                <a:t>4</a:t>
+                <a:t>5</a:t>
               </a:r>
             </a:p>
           </p:txBody>
         </p:sp>
         <p:sp>
           <p:nvSpPr>
-            <p:cNvPr id="177" name="tx176"/>
-            <p:cNvSpPr/>
-            <p:nvPr/>
-          </p:nvSpPr>
-          <p:spPr>
-            <a:xfrm>
-              <a:off x="2182343" y="4228939"/>
-              <a:ext cx="71105" cy="84529"/>
+            <p:cNvPr id="182" name="tx181"/>
+            <p:cNvSpPr/>
+            <p:nvPr/>
+          </p:nvSpPr>
+          <p:spPr>
+            <a:xfrm>
+              <a:off x="2344140" y="4228939"/>
+              <a:ext cx="142210" cy="84529"/>
             </a:xfrm>
             <a:prstGeom prst="rect">
               <a:avLst/>
@@ -9105,21 +9326,21 @@
                   <a:latin typeface="DejaVu Sans"/>
                   <a:cs typeface="DejaVu Sans"/>
                 </a:rPr>
-                <a:t>8</a:t>
+                <a:t>10</a:t>
               </a:r>
             </a:p>
           </p:txBody>
         </p:sp>
         <p:sp>
           <p:nvSpPr>
-            <p:cNvPr id="178" name="tx177"/>
-            <p:cNvSpPr/>
-            <p:nvPr/>
-          </p:nvSpPr>
-          <p:spPr>
-            <a:xfrm>
-              <a:off x="2429685" y="4230522"/>
-              <a:ext cx="142210" cy="82946"/>
+            <p:cNvPr id="183" name="tx182"/>
+            <p:cNvSpPr/>
+            <p:nvPr/>
+          </p:nvSpPr>
+          <p:spPr>
+            <a:xfrm>
+              <a:off x="2691773" y="4230412"/>
+              <a:ext cx="142210" cy="83056"/>
             </a:xfrm>
             <a:prstGeom prst="rect">
               <a:avLst/>
@@ -9151,66 +9372,20 @@
                   <a:latin typeface="DejaVu Sans"/>
                   <a:cs typeface="DejaVu Sans"/>
                 </a:rPr>
-                <a:t>12</a:t>
+                <a:t>15</a:t>
               </a:r>
             </a:p>
           </p:txBody>
         </p:sp>
         <p:sp>
           <p:nvSpPr>
-            <p:cNvPr id="179" name="tx178"/>
-            <p:cNvSpPr/>
-            <p:nvPr/>
-          </p:nvSpPr>
-          <p:spPr>
-            <a:xfrm>
-              <a:off x="2712579" y="4228939"/>
-              <a:ext cx="142210" cy="84529"/>
-            </a:xfrm>
-            <a:prstGeom prst="rect">
-              <a:avLst/>
-            </a:prstGeom>
-            <a:noFill/>
-          </p:spPr>
-          <p:txBody>
-            <a:bodyPr lIns="0" rIns="0" tIns="0" bIns="0" anchorCtr="1" anchor="ctr" wrap="none"/>
-            <a:lstStyle/>
-            <a:p>
-              <a:pPr algn="l" marL="0" marR="0" indent="0">
-                <a:lnSpc>
-                  <a:spcPts val="880"/>
-                </a:lnSpc>
-                <a:spcBef>
-                  <a:spcPts val="0"/>
-                </a:spcBef>
-                <a:spcAft>
-                  <a:spcPts val="0"/>
-                </a:spcAft>
-              </a:pPr>
-              <a:r>
-                <a:rPr sz="880">
-                  <a:solidFill>
-                    <a:srgbClr val="4D4D4D">
-                      <a:alpha val="100000"/>
-                    </a:srgbClr>
-                  </a:solidFill>
-                  <a:latin typeface="DejaVu Sans"/>
-                  <a:cs typeface="DejaVu Sans"/>
-                </a:rPr>
-                <a:t>16</a:t>
-              </a:r>
-            </a:p>
-          </p:txBody>
-        </p:sp>
-        <p:sp>
-          <p:nvSpPr>
-            <p:cNvPr id="180" name="tx179"/>
-            <p:cNvSpPr/>
-            <p:nvPr/>
-          </p:nvSpPr>
-          <p:spPr>
-            <a:xfrm>
-              <a:off x="2995473" y="4228939"/>
+            <p:cNvPr id="184" name="tx183"/>
+            <p:cNvSpPr/>
+            <p:nvPr/>
+          </p:nvSpPr>
+          <p:spPr>
+            <a:xfrm>
+              <a:off x="3039405" y="4228939"/>
               <a:ext cx="142210" cy="84529"/>
             </a:xfrm>
             <a:prstGeom prst="rect">
@@ -9250,14 +9425,14 @@
         </p:sp>
         <p:sp>
           <p:nvSpPr>
-            <p:cNvPr id="181" name="tx180"/>
-            <p:cNvSpPr/>
-            <p:nvPr/>
-          </p:nvSpPr>
-          <p:spPr>
-            <a:xfrm>
-              <a:off x="3278367" y="4230522"/>
-              <a:ext cx="142210" cy="82946"/>
+            <p:cNvPr id="185" name="tx184"/>
+            <p:cNvSpPr/>
+            <p:nvPr/>
+          </p:nvSpPr>
+          <p:spPr>
+            <a:xfrm>
+              <a:off x="3387037" y="4228939"/>
+              <a:ext cx="142210" cy="84529"/>
             </a:xfrm>
             <a:prstGeom prst="rect">
               <a:avLst/>
@@ -9289,20 +9464,20 @@
                   <a:latin typeface="DejaVu Sans"/>
                   <a:cs typeface="DejaVu Sans"/>
                 </a:rPr>
-                <a:t>24</a:t>
+                <a:t>25</a:t>
               </a:r>
             </a:p>
           </p:txBody>
         </p:sp>
         <p:sp>
           <p:nvSpPr>
-            <p:cNvPr id="182" name="tx181"/>
-            <p:cNvSpPr/>
-            <p:nvPr/>
-          </p:nvSpPr>
-          <p:spPr>
-            <a:xfrm>
-              <a:off x="3561261" y="4228939"/>
+            <p:cNvPr id="186" name="tx185"/>
+            <p:cNvSpPr/>
+            <p:nvPr/>
+          </p:nvSpPr>
+          <p:spPr>
+            <a:xfrm>
+              <a:off x="3734669" y="4228939"/>
               <a:ext cx="142210" cy="84529"/>
             </a:xfrm>
             <a:prstGeom prst="rect">
@@ -9335,20 +9510,20 @@
                   <a:latin typeface="DejaVu Sans"/>
                   <a:cs typeface="DejaVu Sans"/>
                 </a:rPr>
-                <a:t>28</a:t>
+                <a:t>30</a:t>
               </a:r>
             </a:p>
           </p:txBody>
         </p:sp>
         <p:sp>
           <p:nvSpPr>
-            <p:cNvPr id="183" name="tx182"/>
-            <p:cNvSpPr/>
-            <p:nvPr/>
-          </p:nvSpPr>
-          <p:spPr>
-            <a:xfrm>
-              <a:off x="3844155" y="4228939"/>
+            <p:cNvPr id="187" name="tx186"/>
+            <p:cNvSpPr/>
+            <p:nvPr/>
+          </p:nvSpPr>
+          <p:spPr>
+            <a:xfrm>
+              <a:off x="4082302" y="4228939"/>
               <a:ext cx="142210" cy="84529"/>
             </a:xfrm>
             <a:prstGeom prst="rect">
@@ -9381,66 +9556,20 @@
                   <a:latin typeface="DejaVu Sans"/>
                   <a:cs typeface="DejaVu Sans"/>
                 </a:rPr>
-                <a:t>32</a:t>
+                <a:t>35</a:t>
               </a:r>
             </a:p>
           </p:txBody>
         </p:sp>
         <p:sp>
           <p:nvSpPr>
-            <p:cNvPr id="184" name="tx183"/>
-            <p:cNvSpPr/>
-            <p:nvPr/>
-          </p:nvSpPr>
-          <p:spPr>
-            <a:xfrm>
-              <a:off x="4127049" y="4228939"/>
-              <a:ext cx="142210" cy="84529"/>
-            </a:xfrm>
-            <a:prstGeom prst="rect">
-              <a:avLst/>
-            </a:prstGeom>
-            <a:noFill/>
-          </p:spPr>
-          <p:txBody>
-            <a:bodyPr lIns="0" rIns="0" tIns="0" bIns="0" anchorCtr="1" anchor="ctr" wrap="none"/>
-            <a:lstStyle/>
-            <a:p>
-              <a:pPr algn="l" marL="0" marR="0" indent="0">
-                <a:lnSpc>
-                  <a:spcPts val="880"/>
-                </a:lnSpc>
-                <a:spcBef>
-                  <a:spcPts val="0"/>
-                </a:spcBef>
-                <a:spcAft>
-                  <a:spcPts val="0"/>
-                </a:spcAft>
-              </a:pPr>
-              <a:r>
-                <a:rPr sz="880">
-                  <a:solidFill>
-                    <a:srgbClr val="4D4D4D">
-                      <a:alpha val="100000"/>
-                    </a:srgbClr>
-                  </a:solidFill>
-                  <a:latin typeface="DejaVu Sans"/>
-                  <a:cs typeface="DejaVu Sans"/>
-                </a:rPr>
-                <a:t>36</a:t>
-              </a:r>
-            </a:p>
-          </p:txBody>
-        </p:sp>
-        <p:sp>
-          <p:nvSpPr>
-            <p:cNvPr id="185" name="tx184"/>
-            <p:cNvSpPr/>
-            <p:nvPr/>
-          </p:nvSpPr>
-          <p:spPr>
-            <a:xfrm>
-              <a:off x="4409943" y="4228939"/>
+            <p:cNvPr id="188" name="tx187"/>
+            <p:cNvSpPr/>
+            <p:nvPr/>
+          </p:nvSpPr>
+          <p:spPr>
+            <a:xfrm>
+              <a:off x="4429934" y="4228939"/>
               <a:ext cx="142210" cy="84529"/>
             </a:xfrm>
             <a:prstGeom prst="rect">
@@ -9480,14 +9609,14 @@
         </p:sp>
         <p:sp>
           <p:nvSpPr>
-            <p:cNvPr id="186" name="tx185"/>
-            <p:cNvSpPr/>
-            <p:nvPr/>
-          </p:nvSpPr>
-          <p:spPr>
-            <a:xfrm>
-              <a:off x="4692837" y="4231995"/>
-              <a:ext cx="142210" cy="81473"/>
+            <p:cNvPr id="189" name="tx188"/>
+            <p:cNvSpPr/>
+            <p:nvPr/>
+          </p:nvSpPr>
+          <p:spPr>
+            <a:xfrm>
+              <a:off x="4777566" y="4230412"/>
+              <a:ext cx="142210" cy="83056"/>
             </a:xfrm>
             <a:prstGeom prst="rect">
               <a:avLst/>
@@ -9519,20 +9648,20 @@
                   <a:latin typeface="DejaVu Sans"/>
                   <a:cs typeface="DejaVu Sans"/>
                 </a:rPr>
-                <a:t>44</a:t>
+                <a:t>45</a:t>
               </a:r>
             </a:p>
           </p:txBody>
         </p:sp>
         <p:sp>
           <p:nvSpPr>
-            <p:cNvPr id="187" name="tx186"/>
-            <p:cNvSpPr/>
-            <p:nvPr/>
-          </p:nvSpPr>
-          <p:spPr>
-            <a:xfrm>
-              <a:off x="4975731" y="4228939"/>
+            <p:cNvPr id="190" name="tx189"/>
+            <p:cNvSpPr/>
+            <p:nvPr/>
+          </p:nvSpPr>
+          <p:spPr>
+            <a:xfrm>
+              <a:off x="5125198" y="4228939"/>
               <a:ext cx="142210" cy="84529"/>
             </a:xfrm>
             <a:prstGeom prst="rect">
@@ -9565,21 +9694,21 @@
                   <a:latin typeface="DejaVu Sans"/>
                   <a:cs typeface="DejaVu Sans"/>
                 </a:rPr>
-                <a:t>48</a:t>
+                <a:t>50</a:t>
               </a:r>
             </a:p>
           </p:txBody>
         </p:sp>
         <p:sp>
           <p:nvSpPr>
-            <p:cNvPr id="188" name="tx187"/>
-            <p:cNvSpPr/>
-            <p:nvPr/>
-          </p:nvSpPr>
-          <p:spPr>
-            <a:xfrm>
-              <a:off x="5258625" y="4228939"/>
-              <a:ext cx="142210" cy="84529"/>
+            <p:cNvPr id="191" name="tx190"/>
+            <p:cNvSpPr/>
+            <p:nvPr/>
+          </p:nvSpPr>
+          <p:spPr>
+            <a:xfrm>
+              <a:off x="5472831" y="4230412"/>
+              <a:ext cx="142210" cy="83056"/>
             </a:xfrm>
             <a:prstGeom prst="rect">
               <a:avLst/>
@@ -9611,20 +9740,20 @@
                   <a:latin typeface="DejaVu Sans"/>
                   <a:cs typeface="DejaVu Sans"/>
                 </a:rPr>
-                <a:t>52</a:t>
+                <a:t>55</a:t>
               </a:r>
             </a:p>
           </p:txBody>
         </p:sp>
         <p:sp>
           <p:nvSpPr>
-            <p:cNvPr id="189" name="tx188"/>
-            <p:cNvSpPr/>
-            <p:nvPr/>
-          </p:nvSpPr>
-          <p:spPr>
-            <a:xfrm>
-              <a:off x="3432175" y="4371510"/>
+            <p:cNvPr id="192" name="tx191"/>
+            <p:cNvSpPr/>
+            <p:nvPr/>
+          </p:nvSpPr>
+          <p:spPr>
+            <a:xfrm>
+              <a:off x="3467727" y="4371510"/>
               <a:ext cx="258936" cy="101841"/>
             </a:xfrm>
             <a:prstGeom prst="rect">
@@ -9664,14 +9793,14 @@
         </p:sp>
         <p:sp>
           <p:nvSpPr>
-            <p:cNvPr id="190" name="tx189"/>
+            <p:cNvPr id="193" name="tx192"/>
             <p:cNvSpPr/>
             <p:nvPr/>
           </p:nvSpPr>
           <p:spPr>
             <a:xfrm rot="-5400000">
-              <a:off x="783920" y="2522618"/>
-              <a:ext cx="495703" cy="108117"/>
+              <a:off x="600018" y="2522618"/>
+              <a:ext cx="863506" cy="108117"/>
             </a:xfrm>
             <a:prstGeom prst="rect">
               <a:avLst/>
@@ -9703,14 +9832,14 @@
                   <a:latin typeface="DejaVu Sans"/>
                   <a:cs typeface="DejaVu Sans"/>
                 </a:rPr>
-                <a:t>Hazard</a:t>
+                <a:t>Hazard Rate</a:t>
               </a:r>
             </a:p>
           </p:txBody>
         </p:sp>
         <p:sp>
           <p:nvSpPr>
-            <p:cNvPr id="191" name="rc190"/>
+            <p:cNvPr id="194" name="rc193"/>
             <p:cNvSpPr/>
             <p:nvPr/>
           </p:nvSpPr>
@@ -9736,7 +9865,7 @@
         </p:sp>
         <p:sp>
           <p:nvSpPr>
-            <p:cNvPr id="192" name="tx191"/>
+            <p:cNvPr id="195" name="tx194"/>
             <p:cNvSpPr/>
             <p:nvPr/>
           </p:nvSpPr>
@@ -9782,7 +9911,7 @@
         </p:sp>
         <p:sp>
           <p:nvSpPr>
-            <p:cNvPr id="193" name="rc192"/>
+            <p:cNvPr id="196" name="rc195"/>
             <p:cNvSpPr/>
             <p:nvPr/>
           </p:nvSpPr>
@@ -9808,7 +9937,7 @@
         </p:sp>
         <p:sp>
           <p:nvSpPr>
-            <p:cNvPr id="194" name="pl193"/>
+            <p:cNvPr id="197" name="pl196"/>
             <p:cNvSpPr/>
             <p:nvPr/>
           </p:nvSpPr>
@@ -9848,7 +9977,7 @@
         </p:sp>
         <p:sp>
           <p:nvSpPr>
-            <p:cNvPr id="195" name="pt194"/>
+            <p:cNvPr id="198" name="pt197"/>
             <p:cNvSpPr/>
             <p:nvPr/>
           </p:nvSpPr>
@@ -9883,7 +10012,7 @@
         </p:sp>
         <p:sp>
           <p:nvSpPr>
-            <p:cNvPr id="196" name="rc195"/>
+            <p:cNvPr id="199" name="rc198"/>
             <p:cNvSpPr/>
             <p:nvPr/>
           </p:nvSpPr>
@@ -9909,7 +10038,7 @@
         </p:sp>
         <p:sp>
           <p:nvSpPr>
-            <p:cNvPr id="197" name="pl196"/>
+            <p:cNvPr id="200" name="pl199"/>
             <p:cNvSpPr/>
             <p:nvPr/>
           </p:nvSpPr>
@@ -9949,7 +10078,7 @@
         </p:sp>
         <p:sp>
           <p:nvSpPr>
-            <p:cNvPr id="198" name="pt197"/>
+            <p:cNvPr id="201" name="pt200"/>
             <p:cNvSpPr/>
             <p:nvPr/>
           </p:nvSpPr>
@@ -9984,7 +10113,7 @@
         </p:sp>
         <p:sp>
           <p:nvSpPr>
-            <p:cNvPr id="199" name="rc198"/>
+            <p:cNvPr id="202" name="rc201"/>
             <p:cNvSpPr/>
             <p:nvPr/>
           </p:nvSpPr>
@@ -10010,7 +10139,7 @@
         </p:sp>
         <p:sp>
           <p:nvSpPr>
-            <p:cNvPr id="200" name="pl199"/>
+            <p:cNvPr id="203" name="pl202"/>
             <p:cNvSpPr/>
             <p:nvPr/>
           </p:nvSpPr>
@@ -10050,7 +10179,7 @@
         </p:sp>
         <p:sp>
           <p:nvSpPr>
-            <p:cNvPr id="201" name="pt200"/>
+            <p:cNvPr id="204" name="pt203"/>
             <p:cNvSpPr/>
             <p:nvPr/>
           </p:nvSpPr>
@@ -10085,7 +10214,7 @@
         </p:sp>
         <p:sp>
           <p:nvSpPr>
-            <p:cNvPr id="202" name="rc201"/>
+            <p:cNvPr id="205" name="rc204"/>
             <p:cNvSpPr/>
             <p:nvPr/>
           </p:nvSpPr>
@@ -10111,7 +10240,7 @@
         </p:sp>
         <p:sp>
           <p:nvSpPr>
-            <p:cNvPr id="203" name="pl202"/>
+            <p:cNvPr id="206" name="pl205"/>
             <p:cNvSpPr/>
             <p:nvPr/>
           </p:nvSpPr>
@@ -10151,7 +10280,7 @@
         </p:sp>
         <p:sp>
           <p:nvSpPr>
-            <p:cNvPr id="204" name="pt203"/>
+            <p:cNvPr id="207" name="pt206"/>
             <p:cNvSpPr/>
             <p:nvPr/>
           </p:nvSpPr>
@@ -10186,7 +10315,7 @@
         </p:sp>
         <p:sp>
           <p:nvSpPr>
-            <p:cNvPr id="205" name="tx204"/>
+            <p:cNvPr id="208" name="tx207"/>
             <p:cNvSpPr/>
             <p:nvPr/>
           </p:nvSpPr>
@@ -10232,7 +10361,7 @@
         </p:sp>
         <p:sp>
           <p:nvSpPr>
-            <p:cNvPr id="206" name="tx205"/>
+            <p:cNvPr id="209" name="tx208"/>
             <p:cNvSpPr/>
             <p:nvPr/>
           </p:nvSpPr>
@@ -10278,7 +10407,7 @@
         </p:sp>
         <p:sp>
           <p:nvSpPr>
-            <p:cNvPr id="207" name="tx206"/>
+            <p:cNvPr id="210" name="tx209"/>
             <p:cNvSpPr/>
             <p:nvPr/>
           </p:nvSpPr>
@@ -10324,7 +10453,7 @@
         </p:sp>
         <p:sp>
           <p:nvSpPr>
-            <p:cNvPr id="208" name="tx207"/>
+            <p:cNvPr id="211" name="tx210"/>
             <p:cNvSpPr/>
             <p:nvPr/>
           </p:nvSpPr>

--- a/reference/QCATC777-Hazard-Curve.pptx
+++ b/reference/QCATC777-Hazard-Curve.pptx
@@ -2299,7 +2299,7 @@
           <p:spPr>
             <a:xfrm>
               <a:off x="914400" y="914400"/>
-              <a:ext cx="5486400" cy="3657599"/>
+              <a:ext cx="5486399" cy="3657599"/>
             </a:xfrm>
             <a:prstGeom prst="rect">
               <a:avLst/>
@@ -2334,7 +2334,7 @@
           <p:spPr>
             <a:xfrm>
               <a:off x="1461154" y="1200051"/>
-              <a:ext cx="2006410" cy="1341830"/>
+              <a:ext cx="1994274" cy="1341830"/>
             </a:xfrm>
             <a:prstGeom prst="rect">
               <a:avLst/>
@@ -2360,20 +2360,20 @@
           <p:spPr>
             <a:xfrm>
               <a:off x="1461154" y="2363622"/>
-              <a:ext cx="2006410" cy="0"/>
+              <a:ext cx="1994274" cy="0"/>
             </a:xfrm>
             <a:custGeom>
               <a:avLst/>
               <a:pathLst>
-                <a:path w="2006410" h="0">
+                <a:path w="1994274" h="0">
                   <a:moveTo>
                     <a:pt x="0" y="0"/>
                   </a:moveTo>
                   <a:lnTo>
-                    <a:pt x="2006410" y="0"/>
-                  </a:lnTo>
-                  <a:lnTo>
-                    <a:pt x="2006410" y="0"/>
+                    <a:pt x="1994274" y="0"/>
+                  </a:lnTo>
+                  <a:lnTo>
+                    <a:pt x="1994274" y="0"/>
                   </a:lnTo>
                 </a:path>
               </a:pathLst>
@@ -2403,20 +2403,20 @@
           <p:spPr>
             <a:xfrm>
               <a:off x="1461154" y="2122060"/>
-              <a:ext cx="2006410" cy="0"/>
+              <a:ext cx="1994274" cy="0"/>
             </a:xfrm>
             <a:custGeom>
               <a:avLst/>
               <a:pathLst>
-                <a:path w="2006410" h="0">
+                <a:path w="1994274" h="0">
                   <a:moveTo>
                     <a:pt x="0" y="0"/>
                   </a:moveTo>
                   <a:lnTo>
-                    <a:pt x="2006410" y="0"/>
-                  </a:lnTo>
-                  <a:lnTo>
-                    <a:pt x="2006410" y="0"/>
+                    <a:pt x="1994274" y="0"/>
+                  </a:lnTo>
+                  <a:lnTo>
+                    <a:pt x="1994274" y="0"/>
                   </a:lnTo>
                 </a:path>
               </a:pathLst>
@@ -2446,20 +2446,20 @@
           <p:spPr>
             <a:xfrm>
               <a:off x="1461154" y="1880498"/>
-              <a:ext cx="2006410" cy="0"/>
+              <a:ext cx="1994274" cy="0"/>
             </a:xfrm>
             <a:custGeom>
               <a:avLst/>
               <a:pathLst>
-                <a:path w="2006410" h="0">
+                <a:path w="1994274" h="0">
                   <a:moveTo>
                     <a:pt x="0" y="0"/>
                   </a:moveTo>
                   <a:lnTo>
-                    <a:pt x="2006410" y="0"/>
-                  </a:lnTo>
-                  <a:lnTo>
-                    <a:pt x="2006410" y="0"/>
+                    <a:pt x="1994274" y="0"/>
+                  </a:lnTo>
+                  <a:lnTo>
+                    <a:pt x="1994274" y="0"/>
                   </a:lnTo>
                 </a:path>
               </a:pathLst>
@@ -2489,20 +2489,20 @@
           <p:spPr>
             <a:xfrm>
               <a:off x="1461154" y="1638936"/>
-              <a:ext cx="2006410" cy="0"/>
+              <a:ext cx="1994274" cy="0"/>
             </a:xfrm>
             <a:custGeom>
               <a:avLst/>
               <a:pathLst>
-                <a:path w="2006410" h="0">
+                <a:path w="1994274" h="0">
                   <a:moveTo>
                     <a:pt x="0" y="0"/>
                   </a:moveTo>
                   <a:lnTo>
-                    <a:pt x="2006410" y="0"/>
-                  </a:lnTo>
-                  <a:lnTo>
-                    <a:pt x="2006410" y="0"/>
+                    <a:pt x="1994274" y="0"/>
+                  </a:lnTo>
+                  <a:lnTo>
+                    <a:pt x="1994274" y="0"/>
                   </a:lnTo>
                 </a:path>
               </a:pathLst>
@@ -2532,20 +2532,20 @@
           <p:spPr>
             <a:xfrm>
               <a:off x="1461154" y="1397374"/>
-              <a:ext cx="2006410" cy="0"/>
+              <a:ext cx="1994274" cy="0"/>
             </a:xfrm>
             <a:custGeom>
               <a:avLst/>
               <a:pathLst>
-                <a:path w="2006410" h="0">
+                <a:path w="1994274" h="0">
                   <a:moveTo>
                     <a:pt x="0" y="0"/>
                   </a:moveTo>
                   <a:lnTo>
-                    <a:pt x="2006410" y="0"/>
-                  </a:lnTo>
-                  <a:lnTo>
-                    <a:pt x="2006410" y="0"/>
+                    <a:pt x="1994274" y="0"/>
+                  </a:lnTo>
+                  <a:lnTo>
+                    <a:pt x="1994274" y="0"/>
                   </a:lnTo>
                 </a:path>
               </a:pathLst>
@@ -2574,7 +2574,7 @@
           </p:nvSpPr>
           <p:spPr>
             <a:xfrm>
-              <a:off x="1715213" y="1200051"/>
+              <a:off x="1713676" y="1200051"/>
               <a:ext cx="0" cy="1341830"/>
             </a:xfrm>
             <a:custGeom>
@@ -2617,7 +2617,7 @@
           </p:nvSpPr>
           <p:spPr>
             <a:xfrm>
-              <a:off x="2040929" y="1200051"/>
+              <a:off x="2037422" y="1200051"/>
               <a:ext cx="0" cy="1341830"/>
             </a:xfrm>
             <a:custGeom>
@@ -2660,7 +2660,7 @@
           </p:nvSpPr>
           <p:spPr>
             <a:xfrm>
-              <a:off x="2366645" y="1200051"/>
+              <a:off x="2361168" y="1200051"/>
               <a:ext cx="0" cy="1341830"/>
             </a:xfrm>
             <a:custGeom>
@@ -2703,7 +2703,7 @@
           </p:nvSpPr>
           <p:spPr>
             <a:xfrm>
-              <a:off x="2692361" y="1200051"/>
+              <a:off x="2684914" y="1200051"/>
               <a:ext cx="0" cy="1341830"/>
             </a:xfrm>
             <a:custGeom>
@@ -2746,7 +2746,7 @@
           </p:nvSpPr>
           <p:spPr>
             <a:xfrm>
-              <a:off x="3018076" y="1200051"/>
+              <a:off x="3008660" y="1200051"/>
               <a:ext cx="0" cy="1341830"/>
             </a:xfrm>
             <a:custGeom>
@@ -2789,7 +2789,7 @@
           </p:nvSpPr>
           <p:spPr>
             <a:xfrm>
-              <a:off x="3343792" y="1200051"/>
+              <a:off x="3332406" y="1200051"/>
               <a:ext cx="0" cy="1341830"/>
             </a:xfrm>
             <a:custGeom>
@@ -2833,20 +2833,20 @@
           <p:spPr>
             <a:xfrm>
               <a:off x="1461154" y="2484403"/>
-              <a:ext cx="2006410" cy="0"/>
+              <a:ext cx="1994274" cy="0"/>
             </a:xfrm>
             <a:custGeom>
               <a:avLst/>
               <a:pathLst>
-                <a:path w="2006410" h="0">
+                <a:path w="1994274" h="0">
                   <a:moveTo>
                     <a:pt x="0" y="0"/>
                   </a:moveTo>
                   <a:lnTo>
-                    <a:pt x="2006410" y="0"/>
-                  </a:lnTo>
-                  <a:lnTo>
-                    <a:pt x="2006410" y="0"/>
+                    <a:pt x="1994274" y="0"/>
+                  </a:lnTo>
+                  <a:lnTo>
+                    <a:pt x="1994274" y="0"/>
                   </a:lnTo>
                 </a:path>
               </a:pathLst>
@@ -2876,20 +2876,20 @@
           <p:spPr>
             <a:xfrm>
               <a:off x="1461154" y="2242841"/>
-              <a:ext cx="2006410" cy="0"/>
+              <a:ext cx="1994274" cy="0"/>
             </a:xfrm>
             <a:custGeom>
               <a:avLst/>
               <a:pathLst>
-                <a:path w="2006410" h="0">
+                <a:path w="1994274" h="0">
                   <a:moveTo>
                     <a:pt x="0" y="0"/>
                   </a:moveTo>
                   <a:lnTo>
-                    <a:pt x="2006410" y="0"/>
-                  </a:lnTo>
-                  <a:lnTo>
-                    <a:pt x="2006410" y="0"/>
+                    <a:pt x="1994274" y="0"/>
+                  </a:lnTo>
+                  <a:lnTo>
+                    <a:pt x="1994274" y="0"/>
                   </a:lnTo>
                 </a:path>
               </a:pathLst>
@@ -2919,20 +2919,20 @@
           <p:spPr>
             <a:xfrm>
               <a:off x="1461154" y="2001279"/>
-              <a:ext cx="2006410" cy="0"/>
+              <a:ext cx="1994274" cy="0"/>
             </a:xfrm>
             <a:custGeom>
               <a:avLst/>
               <a:pathLst>
-                <a:path w="2006410" h="0">
+                <a:path w="1994274" h="0">
                   <a:moveTo>
                     <a:pt x="0" y="0"/>
                   </a:moveTo>
                   <a:lnTo>
-                    <a:pt x="2006410" y="0"/>
-                  </a:lnTo>
-                  <a:lnTo>
-                    <a:pt x="2006410" y="0"/>
+                    <a:pt x="1994274" y="0"/>
+                  </a:lnTo>
+                  <a:lnTo>
+                    <a:pt x="1994274" y="0"/>
                   </a:lnTo>
                 </a:path>
               </a:pathLst>
@@ -2962,20 +2962,20 @@
           <p:spPr>
             <a:xfrm>
               <a:off x="1461154" y="1759717"/>
-              <a:ext cx="2006410" cy="0"/>
+              <a:ext cx="1994274" cy="0"/>
             </a:xfrm>
             <a:custGeom>
               <a:avLst/>
               <a:pathLst>
-                <a:path w="2006410" h="0">
+                <a:path w="1994274" h="0">
                   <a:moveTo>
                     <a:pt x="0" y="0"/>
                   </a:moveTo>
                   <a:lnTo>
-                    <a:pt x="2006410" y="0"/>
-                  </a:lnTo>
-                  <a:lnTo>
-                    <a:pt x="2006410" y="0"/>
+                    <a:pt x="1994274" y="0"/>
+                  </a:lnTo>
+                  <a:lnTo>
+                    <a:pt x="1994274" y="0"/>
                   </a:lnTo>
                 </a:path>
               </a:pathLst>
@@ -3005,20 +3005,20 @@
           <p:spPr>
             <a:xfrm>
               <a:off x="1461154" y="1518155"/>
-              <a:ext cx="2006410" cy="0"/>
+              <a:ext cx="1994274" cy="0"/>
             </a:xfrm>
             <a:custGeom>
               <a:avLst/>
               <a:pathLst>
-                <a:path w="2006410" h="0">
+                <a:path w="1994274" h="0">
                   <a:moveTo>
                     <a:pt x="0" y="0"/>
                   </a:moveTo>
                   <a:lnTo>
-                    <a:pt x="2006410" y="0"/>
-                  </a:lnTo>
-                  <a:lnTo>
-                    <a:pt x="2006410" y="0"/>
+                    <a:pt x="1994274" y="0"/>
+                  </a:lnTo>
+                  <a:lnTo>
+                    <a:pt x="1994274" y="0"/>
                   </a:lnTo>
                 </a:path>
               </a:pathLst>
@@ -3048,20 +3048,20 @@
           <p:spPr>
             <a:xfrm>
               <a:off x="1461154" y="1276593"/>
-              <a:ext cx="2006410" cy="0"/>
+              <a:ext cx="1994274" cy="0"/>
             </a:xfrm>
             <a:custGeom>
               <a:avLst/>
               <a:pathLst>
-                <a:path w="2006410" h="0">
+                <a:path w="1994274" h="0">
                   <a:moveTo>
                     <a:pt x="0" y="0"/>
                   </a:moveTo>
                   <a:lnTo>
-                    <a:pt x="2006410" y="0"/>
-                  </a:lnTo>
-                  <a:lnTo>
-                    <a:pt x="2006410" y="0"/>
+                    <a:pt x="1994274" y="0"/>
+                  </a:lnTo>
+                  <a:lnTo>
+                    <a:pt x="1994274" y="0"/>
                   </a:lnTo>
                 </a:path>
               </a:pathLst>
@@ -3090,7 +3090,7 @@
           </p:nvSpPr>
           <p:spPr>
             <a:xfrm>
-              <a:off x="1552355" y="1200051"/>
+              <a:off x="1551803" y="1200051"/>
               <a:ext cx="0" cy="1341830"/>
             </a:xfrm>
             <a:custGeom>
@@ -3133,7 +3133,7 @@
           </p:nvSpPr>
           <p:spPr>
             <a:xfrm>
-              <a:off x="1878071" y="1200051"/>
+              <a:off x="1875549" y="1200051"/>
               <a:ext cx="0" cy="1341830"/>
             </a:xfrm>
             <a:custGeom>
@@ -3176,7 +3176,7 @@
           </p:nvSpPr>
           <p:spPr>
             <a:xfrm>
-              <a:off x="2203787" y="1200051"/>
+              <a:off x="2199295" y="1200051"/>
               <a:ext cx="0" cy="1341830"/>
             </a:xfrm>
             <a:custGeom>
@@ -3219,7 +3219,7 @@
           </p:nvSpPr>
           <p:spPr>
             <a:xfrm>
-              <a:off x="2529503" y="1200051"/>
+              <a:off x="2523041" y="1200051"/>
               <a:ext cx="0" cy="1341830"/>
             </a:xfrm>
             <a:custGeom>
@@ -3262,7 +3262,7 @@
           </p:nvSpPr>
           <p:spPr>
             <a:xfrm>
-              <a:off x="2855218" y="1200051"/>
+              <a:off x="2846787" y="1200051"/>
               <a:ext cx="0" cy="1341830"/>
             </a:xfrm>
             <a:custGeom>
@@ -3305,7 +3305,7 @@
           </p:nvSpPr>
           <p:spPr>
             <a:xfrm>
-              <a:off x="3180934" y="1200051"/>
+              <a:off x="3170533" y="1200051"/>
               <a:ext cx="0" cy="1341830"/>
             </a:xfrm>
             <a:custGeom>
@@ -3348,72 +3348,72 @@
           </p:nvSpPr>
           <p:spPr>
             <a:xfrm>
-              <a:off x="2431788" y="1763966"/>
-              <a:ext cx="879432" cy="703155"/>
+              <a:off x="2425917" y="1763966"/>
+              <a:ext cx="874113" cy="703155"/>
             </a:xfrm>
             <a:custGeom>
               <a:avLst/>
               <a:pathLst>
-                <a:path w="879432" h="703155">
+                <a:path w="874113" h="703155">
                   <a:moveTo>
                     <a:pt x="0" y="703155"/>
                   </a:moveTo>
                   <a:lnTo>
-                    <a:pt x="97714" y="642001"/>
-                  </a:lnTo>
-                  <a:lnTo>
-                    <a:pt x="130286" y="596915"/>
-                  </a:lnTo>
-                  <a:lnTo>
-                    <a:pt x="162857" y="533669"/>
-                  </a:lnTo>
-                  <a:lnTo>
-                    <a:pt x="195429" y="450664"/>
-                  </a:lnTo>
-                  <a:lnTo>
-                    <a:pt x="228001" y="349093"/>
-                  </a:lnTo>
-                  <a:lnTo>
-                    <a:pt x="260572" y="234788"/>
-                  </a:lnTo>
-                  <a:lnTo>
-                    <a:pt x="293144" y="121444"/>
-                  </a:lnTo>
-                  <a:lnTo>
-                    <a:pt x="325715" y="39408"/>
-                  </a:lnTo>
-                  <a:lnTo>
-                    <a:pt x="358287" y="0"/>
-                  </a:lnTo>
-                  <a:lnTo>
-                    <a:pt x="390859" y="281"/>
-                  </a:lnTo>
-                  <a:lnTo>
-                    <a:pt x="423430" y="30463"/>
-                  </a:lnTo>
-                  <a:lnTo>
-                    <a:pt x="456002" y="76604"/>
-                  </a:lnTo>
-                  <a:lnTo>
-                    <a:pt x="521145" y="170647"/>
-                  </a:lnTo>
-                  <a:lnTo>
-                    <a:pt x="586288" y="235404"/>
-                  </a:lnTo>
-                  <a:lnTo>
-                    <a:pt x="651431" y="310613"/>
-                  </a:lnTo>
-                  <a:lnTo>
-                    <a:pt x="684003" y="362160"/>
-                  </a:lnTo>
-                  <a:lnTo>
-                    <a:pt x="716575" y="420588"/>
-                  </a:lnTo>
-                  <a:lnTo>
-                    <a:pt x="749146" y="479785"/>
-                  </a:lnTo>
-                  <a:lnTo>
-                    <a:pt x="879432" y="644708"/>
+                    <a:pt x="97123" y="642001"/>
+                  </a:lnTo>
+                  <a:lnTo>
+                    <a:pt x="129498" y="596915"/>
+                  </a:lnTo>
+                  <a:lnTo>
+                    <a:pt x="161872" y="533669"/>
+                  </a:lnTo>
+                  <a:lnTo>
+                    <a:pt x="194247" y="450664"/>
+                  </a:lnTo>
+                  <a:lnTo>
+                    <a:pt x="226622" y="349093"/>
+                  </a:lnTo>
+                  <a:lnTo>
+                    <a:pt x="258996" y="234788"/>
+                  </a:lnTo>
+                  <a:lnTo>
+                    <a:pt x="291371" y="121444"/>
+                  </a:lnTo>
+                  <a:lnTo>
+                    <a:pt x="323745" y="39408"/>
+                  </a:lnTo>
+                  <a:lnTo>
+                    <a:pt x="356120" y="0"/>
+                  </a:lnTo>
+                  <a:lnTo>
+                    <a:pt x="388495" y="281"/>
+                  </a:lnTo>
+                  <a:lnTo>
+                    <a:pt x="420869" y="30463"/>
+                  </a:lnTo>
+                  <a:lnTo>
+                    <a:pt x="453244" y="76604"/>
+                  </a:lnTo>
+                  <a:lnTo>
+                    <a:pt x="517993" y="170647"/>
+                  </a:lnTo>
+                  <a:lnTo>
+                    <a:pt x="582742" y="235404"/>
+                  </a:lnTo>
+                  <a:lnTo>
+                    <a:pt x="647491" y="310613"/>
+                  </a:lnTo>
+                  <a:lnTo>
+                    <a:pt x="679866" y="362160"/>
+                  </a:lnTo>
+                  <a:lnTo>
+                    <a:pt x="712241" y="420588"/>
+                  </a:lnTo>
+                  <a:lnTo>
+                    <a:pt x="744615" y="479785"/>
+                  </a:lnTo>
+                  <a:lnTo>
+                    <a:pt x="874113" y="644708"/>
                   </a:lnTo>
                 </a:path>
               </a:pathLst>
@@ -3442,60 +3442,60 @@
           </p:nvSpPr>
           <p:spPr>
             <a:xfrm>
-              <a:off x="2399216" y="1261044"/>
-              <a:ext cx="912004" cy="1196060"/>
+              <a:off x="2393543" y="1261044"/>
+              <a:ext cx="906488" cy="1196060"/>
             </a:xfrm>
             <a:custGeom>
               <a:avLst/>
               <a:pathLst>
-                <a:path w="912004" h="1196060">
+                <a:path w="906488" h="1196060">
                   <a:moveTo>
                     <a:pt x="0" y="1196060"/>
                   </a:moveTo>
                   <a:lnTo>
-                    <a:pt x="32571" y="1169202"/>
-                  </a:lnTo>
-                  <a:lnTo>
-                    <a:pt x="130286" y="895896"/>
-                  </a:lnTo>
-                  <a:lnTo>
-                    <a:pt x="162857" y="687516"/>
-                  </a:lnTo>
-                  <a:lnTo>
-                    <a:pt x="195429" y="428106"/>
-                  </a:lnTo>
-                  <a:lnTo>
-                    <a:pt x="228001" y="186273"/>
-                  </a:lnTo>
-                  <a:lnTo>
-                    <a:pt x="260572" y="31890"/>
-                  </a:lnTo>
-                  <a:lnTo>
-                    <a:pt x="293144" y="0"/>
-                  </a:lnTo>
-                  <a:lnTo>
-                    <a:pt x="325715" y="92328"/>
-                  </a:lnTo>
-                  <a:lnTo>
-                    <a:pt x="358287" y="263619"/>
-                  </a:lnTo>
-                  <a:lnTo>
-                    <a:pt x="390859" y="445220"/>
-                  </a:lnTo>
-                  <a:lnTo>
-                    <a:pt x="423430" y="600246"/>
-                  </a:lnTo>
-                  <a:lnTo>
-                    <a:pt x="456002" y="725316"/>
-                  </a:lnTo>
-                  <a:lnTo>
-                    <a:pt x="684003" y="1108862"/>
-                  </a:lnTo>
-                  <a:lnTo>
-                    <a:pt x="716575" y="1123041"/>
-                  </a:lnTo>
-                  <a:lnTo>
-                    <a:pt x="912004" y="1165679"/>
+                    <a:pt x="32374" y="1169202"/>
+                  </a:lnTo>
+                  <a:lnTo>
+                    <a:pt x="129498" y="895896"/>
+                  </a:lnTo>
+                  <a:lnTo>
+                    <a:pt x="161872" y="687516"/>
+                  </a:lnTo>
+                  <a:lnTo>
+                    <a:pt x="194247" y="428106"/>
+                  </a:lnTo>
+                  <a:lnTo>
+                    <a:pt x="226622" y="186273"/>
+                  </a:lnTo>
+                  <a:lnTo>
+                    <a:pt x="258996" y="31890"/>
+                  </a:lnTo>
+                  <a:lnTo>
+                    <a:pt x="291371" y="0"/>
+                  </a:lnTo>
+                  <a:lnTo>
+                    <a:pt x="323745" y="92328"/>
+                  </a:lnTo>
+                  <a:lnTo>
+                    <a:pt x="356120" y="263619"/>
+                  </a:lnTo>
+                  <a:lnTo>
+                    <a:pt x="388495" y="445220"/>
+                  </a:lnTo>
+                  <a:lnTo>
+                    <a:pt x="420869" y="600246"/>
+                  </a:lnTo>
+                  <a:lnTo>
+                    <a:pt x="453244" y="725316"/>
+                  </a:lnTo>
+                  <a:lnTo>
+                    <a:pt x="679866" y="1108862"/>
+                  </a:lnTo>
+                  <a:lnTo>
+                    <a:pt x="712241" y="1123041"/>
+                  </a:lnTo>
+                  <a:lnTo>
+                    <a:pt x="906488" y="1165679"/>
                   </a:lnTo>
                 </a:path>
               </a:pathLst>
@@ -3524,72 +3524,72 @@
           </p:nvSpPr>
           <p:spPr>
             <a:xfrm>
-              <a:off x="2301501" y="2084755"/>
-              <a:ext cx="1009719" cy="362525"/>
+              <a:off x="2296419" y="2084755"/>
+              <a:ext cx="1003612" cy="362525"/>
             </a:xfrm>
             <a:custGeom>
               <a:avLst/>
               <a:pathLst>
-                <a:path w="1009719" h="362525">
+                <a:path w="1003612" h="362525">
                   <a:moveTo>
                     <a:pt x="0" y="362525"/>
                   </a:moveTo>
                   <a:lnTo>
-                    <a:pt x="97714" y="308357"/>
-                  </a:lnTo>
-                  <a:lnTo>
-                    <a:pt x="130286" y="282164"/>
-                  </a:lnTo>
-                  <a:lnTo>
-                    <a:pt x="195429" y="220824"/>
-                  </a:lnTo>
-                  <a:lnTo>
-                    <a:pt x="260572" y="151230"/>
-                  </a:lnTo>
-                  <a:lnTo>
-                    <a:pt x="293144" y="115307"/>
-                  </a:lnTo>
-                  <a:lnTo>
-                    <a:pt x="325715" y="80707"/>
-                  </a:lnTo>
-                  <a:lnTo>
-                    <a:pt x="358287" y="49822"/>
-                  </a:lnTo>
-                  <a:lnTo>
-                    <a:pt x="390859" y="25203"/>
-                  </a:lnTo>
-                  <a:lnTo>
-                    <a:pt x="423430" y="8541"/>
-                  </a:lnTo>
-                  <a:lnTo>
-                    <a:pt x="456002" y="0"/>
-                  </a:lnTo>
-                  <a:lnTo>
-                    <a:pt x="553717" y="3402"/>
-                  </a:lnTo>
-                  <a:lnTo>
-                    <a:pt x="651431" y="4814"/>
-                  </a:lnTo>
-                  <a:lnTo>
-                    <a:pt x="684003" y="3898"/>
-                  </a:lnTo>
-                  <a:lnTo>
-                    <a:pt x="716575" y="6656"/>
-                  </a:lnTo>
-                  <a:lnTo>
-                    <a:pt x="749146" y="16478"/>
-                  </a:lnTo>
-                  <a:lnTo>
-                    <a:pt x="814289" y="60463"/>
-                  </a:lnTo>
-                  <a:lnTo>
-                    <a:pt x="846861" y="93574"/>
-                  </a:lnTo>
-                  <a:lnTo>
-                    <a:pt x="879432" y="131191"/>
-                  </a:lnTo>
-                  <a:lnTo>
-                    <a:pt x="1009719" y="267060"/>
+                    <a:pt x="97123" y="308357"/>
+                  </a:lnTo>
+                  <a:lnTo>
+                    <a:pt x="129498" y="282164"/>
+                  </a:lnTo>
+                  <a:lnTo>
+                    <a:pt x="194247" y="220824"/>
+                  </a:lnTo>
+                  <a:lnTo>
+                    <a:pt x="258996" y="151230"/>
+                  </a:lnTo>
+                  <a:lnTo>
+                    <a:pt x="291371" y="115307"/>
+                  </a:lnTo>
+                  <a:lnTo>
+                    <a:pt x="323745" y="80707"/>
+                  </a:lnTo>
+                  <a:lnTo>
+                    <a:pt x="356120" y="49822"/>
+                  </a:lnTo>
+                  <a:lnTo>
+                    <a:pt x="388495" y="25203"/>
+                  </a:lnTo>
+                  <a:lnTo>
+                    <a:pt x="420869" y="8541"/>
+                  </a:lnTo>
+                  <a:lnTo>
+                    <a:pt x="453244" y="0"/>
+                  </a:lnTo>
+                  <a:lnTo>
+                    <a:pt x="550368" y="3402"/>
+                  </a:lnTo>
+                  <a:lnTo>
+                    <a:pt x="647491" y="4814"/>
+                  </a:lnTo>
+                  <a:lnTo>
+                    <a:pt x="679866" y="3898"/>
+                  </a:lnTo>
+                  <a:lnTo>
+                    <a:pt x="712241" y="6656"/>
+                  </a:lnTo>
+                  <a:lnTo>
+                    <a:pt x="744615" y="16478"/>
+                  </a:lnTo>
+                  <a:lnTo>
+                    <a:pt x="809364" y="60463"/>
+                  </a:lnTo>
+                  <a:lnTo>
+                    <a:pt x="841739" y="93574"/>
+                  </a:lnTo>
+                  <a:lnTo>
+                    <a:pt x="874113" y="131191"/>
+                  </a:lnTo>
+                  <a:lnTo>
+                    <a:pt x="1003612" y="267060"/>
                   </a:lnTo>
                 </a:path>
               </a:pathLst>
@@ -3618,7 +3618,7 @@
           </p:nvSpPr>
           <p:spPr>
             <a:xfrm>
-              <a:off x="2406962" y="2442296"/>
+              <a:off x="2401091" y="2442296"/>
               <a:ext cx="49651" cy="49651"/>
             </a:xfrm>
             <a:prstGeom prst="ellipse">
@@ -3653,7 +3653,7 @@
           </p:nvSpPr>
           <p:spPr>
             <a:xfrm>
-              <a:off x="2504677" y="2381142"/>
+              <a:off x="2498215" y="2381142"/>
               <a:ext cx="49651" cy="49651"/>
             </a:xfrm>
             <a:prstGeom prst="ellipse">
@@ -3688,7 +3688,7 @@
           </p:nvSpPr>
           <p:spPr>
             <a:xfrm>
-              <a:off x="2537248" y="2336056"/>
+              <a:off x="2530590" y="2336056"/>
               <a:ext cx="49651" cy="49651"/>
             </a:xfrm>
             <a:prstGeom prst="ellipse">
@@ -3723,7 +3723,7 @@
           </p:nvSpPr>
           <p:spPr>
             <a:xfrm>
-              <a:off x="2569820" y="2272810"/>
+              <a:off x="2562964" y="2272810"/>
               <a:ext cx="49651" cy="49651"/>
             </a:xfrm>
             <a:prstGeom prst="ellipse">
@@ -3758,7 +3758,7 @@
           </p:nvSpPr>
           <p:spPr>
             <a:xfrm>
-              <a:off x="2602391" y="2189805"/>
+              <a:off x="2595339" y="2189805"/>
               <a:ext cx="49651" cy="49651"/>
             </a:xfrm>
             <a:prstGeom prst="ellipse">
@@ -3793,7 +3793,7 @@
           </p:nvSpPr>
           <p:spPr>
             <a:xfrm>
-              <a:off x="2634963" y="2088234"/>
+              <a:off x="2627713" y="2088234"/>
               <a:ext cx="49651" cy="49651"/>
             </a:xfrm>
             <a:prstGeom prst="ellipse">
@@ -3828,7 +3828,7 @@
           </p:nvSpPr>
           <p:spPr>
             <a:xfrm>
-              <a:off x="2667535" y="1973929"/>
+              <a:off x="2660088" y="1973929"/>
               <a:ext cx="49651" cy="49651"/>
             </a:xfrm>
             <a:prstGeom prst="ellipse">
@@ -3863,7 +3863,7 @@
           </p:nvSpPr>
           <p:spPr>
             <a:xfrm>
-              <a:off x="2700106" y="1860585"/>
+              <a:off x="2692463" y="1860585"/>
               <a:ext cx="49651" cy="49651"/>
             </a:xfrm>
             <a:prstGeom prst="ellipse">
@@ -3898,7 +3898,7 @@
           </p:nvSpPr>
           <p:spPr>
             <a:xfrm>
-              <a:off x="2732678" y="1778549"/>
+              <a:off x="2724837" y="1778549"/>
               <a:ext cx="49651" cy="49651"/>
             </a:xfrm>
             <a:prstGeom prst="ellipse">
@@ -3933,7 +3933,7 @@
           </p:nvSpPr>
           <p:spPr>
             <a:xfrm>
-              <a:off x="2765249" y="1739140"/>
+              <a:off x="2757212" y="1739140"/>
               <a:ext cx="49651" cy="49651"/>
             </a:xfrm>
             <a:prstGeom prst="ellipse">
@@ -3968,7 +3968,7 @@
           </p:nvSpPr>
           <p:spPr>
             <a:xfrm>
-              <a:off x="2797821" y="1739422"/>
+              <a:off x="2789586" y="1739422"/>
               <a:ext cx="49651" cy="49651"/>
             </a:xfrm>
             <a:prstGeom prst="ellipse">
@@ -4003,7 +4003,7 @@
           </p:nvSpPr>
           <p:spPr>
             <a:xfrm>
-              <a:off x="2830393" y="1769604"/>
+              <a:off x="2821961" y="1769604"/>
               <a:ext cx="49651" cy="49651"/>
             </a:xfrm>
             <a:prstGeom prst="ellipse">
@@ -4038,7 +4038,7 @@
           </p:nvSpPr>
           <p:spPr>
             <a:xfrm>
-              <a:off x="2862964" y="1815745"/>
+              <a:off x="2854336" y="1815745"/>
               <a:ext cx="49651" cy="49651"/>
             </a:xfrm>
             <a:prstGeom prst="ellipse">
@@ -4073,7 +4073,7 @@
           </p:nvSpPr>
           <p:spPr>
             <a:xfrm>
-              <a:off x="2928107" y="1909787"/>
+              <a:off x="2919085" y="1909787"/>
               <a:ext cx="49651" cy="49651"/>
             </a:xfrm>
             <a:prstGeom prst="ellipse">
@@ -4108,7 +4108,7 @@
           </p:nvSpPr>
           <p:spPr>
             <a:xfrm>
-              <a:off x="2993250" y="1974545"/>
+              <a:off x="2983834" y="1974545"/>
               <a:ext cx="49651" cy="49651"/>
             </a:xfrm>
             <a:prstGeom prst="ellipse">
@@ -4143,7 +4143,7 @@
           </p:nvSpPr>
           <p:spPr>
             <a:xfrm>
-              <a:off x="3058394" y="2049754"/>
+              <a:off x="3048583" y="2049754"/>
               <a:ext cx="49651" cy="49651"/>
             </a:xfrm>
             <a:prstGeom prst="ellipse">
@@ -4178,7 +4178,7 @@
           </p:nvSpPr>
           <p:spPr>
             <a:xfrm>
-              <a:off x="3090965" y="2101300"/>
+              <a:off x="3080958" y="2101300"/>
               <a:ext cx="49651" cy="49651"/>
             </a:xfrm>
             <a:prstGeom prst="ellipse">
@@ -4213,7 +4213,7 @@
           </p:nvSpPr>
           <p:spPr>
             <a:xfrm>
-              <a:off x="3123537" y="2159729"/>
+              <a:off x="3113332" y="2159729"/>
               <a:ext cx="49651" cy="49651"/>
             </a:xfrm>
             <a:prstGeom prst="ellipse">
@@ -4248,7 +4248,7 @@
           </p:nvSpPr>
           <p:spPr>
             <a:xfrm>
-              <a:off x="3156108" y="2218925"/>
+              <a:off x="3145707" y="2218925"/>
               <a:ext cx="49651" cy="49651"/>
             </a:xfrm>
             <a:prstGeom prst="ellipse">
@@ -4283,7 +4283,7 @@
           </p:nvSpPr>
           <p:spPr>
             <a:xfrm>
-              <a:off x="3286395" y="2383849"/>
+              <a:off x="3275205" y="2383849"/>
               <a:ext cx="49651" cy="49651"/>
             </a:xfrm>
             <a:prstGeom prst="ellipse">
@@ -4318,7 +4318,7 @@
           </p:nvSpPr>
           <p:spPr>
             <a:xfrm>
-              <a:off x="2374390" y="2432279"/>
+              <a:off x="2368717" y="2432279"/>
               <a:ext cx="49651" cy="49651"/>
             </a:xfrm>
             <a:prstGeom prst="ellipse">
@@ -4353,7 +4353,7 @@
           </p:nvSpPr>
           <p:spPr>
             <a:xfrm>
-              <a:off x="2406962" y="2405420"/>
+              <a:off x="2401091" y="2405420"/>
               <a:ext cx="49651" cy="49651"/>
             </a:xfrm>
             <a:prstGeom prst="ellipse">
@@ -4388,7 +4388,7 @@
           </p:nvSpPr>
           <p:spPr>
             <a:xfrm>
-              <a:off x="2504677" y="2132115"/>
+              <a:off x="2498215" y="2132115"/>
               <a:ext cx="49651" cy="49651"/>
             </a:xfrm>
             <a:prstGeom prst="ellipse">
@@ -4423,7 +4423,7 @@
           </p:nvSpPr>
           <p:spPr>
             <a:xfrm>
-              <a:off x="2537248" y="1923734"/>
+              <a:off x="2530590" y="1923734"/>
               <a:ext cx="49651" cy="49651"/>
             </a:xfrm>
             <a:prstGeom prst="ellipse">
@@ -4458,7 +4458,7 @@
           </p:nvSpPr>
           <p:spPr>
             <a:xfrm>
-              <a:off x="2569820" y="1664324"/>
+              <a:off x="2562964" y="1664324"/>
               <a:ext cx="49651" cy="49651"/>
             </a:xfrm>
             <a:prstGeom prst="ellipse">
@@ -4493,7 +4493,7 @@
           </p:nvSpPr>
           <p:spPr>
             <a:xfrm>
-              <a:off x="2602391" y="1422491"/>
+              <a:off x="2595339" y="1422491"/>
               <a:ext cx="49651" cy="49651"/>
             </a:xfrm>
             <a:prstGeom prst="ellipse">
@@ -4528,7 +4528,7 @@
           </p:nvSpPr>
           <p:spPr>
             <a:xfrm>
-              <a:off x="2634963" y="1268108"/>
+              <a:off x="2627713" y="1268108"/>
               <a:ext cx="49651" cy="49651"/>
             </a:xfrm>
             <a:prstGeom prst="ellipse">
@@ -4563,7 +4563,7 @@
           </p:nvSpPr>
           <p:spPr>
             <a:xfrm>
-              <a:off x="2667535" y="1236218"/>
+              <a:off x="2660088" y="1236218"/>
               <a:ext cx="49651" cy="49651"/>
             </a:xfrm>
             <a:prstGeom prst="ellipse">
@@ -4598,7 +4598,7 @@
           </p:nvSpPr>
           <p:spPr>
             <a:xfrm>
-              <a:off x="2700106" y="1328547"/>
+              <a:off x="2692463" y="1328547"/>
               <a:ext cx="49651" cy="49651"/>
             </a:xfrm>
             <a:prstGeom prst="ellipse">
@@ -4633,7 +4633,7 @@
           </p:nvSpPr>
           <p:spPr>
             <a:xfrm>
-              <a:off x="2732678" y="1499837"/>
+              <a:off x="2724837" y="1499837"/>
               <a:ext cx="49651" cy="49651"/>
             </a:xfrm>
             <a:prstGeom prst="ellipse">
@@ -4668,7 +4668,7 @@
           </p:nvSpPr>
           <p:spPr>
             <a:xfrm>
-              <a:off x="2765249" y="1681438"/>
+              <a:off x="2757212" y="1681438"/>
               <a:ext cx="49651" cy="49651"/>
             </a:xfrm>
             <a:prstGeom prst="ellipse">
@@ -4703,7 +4703,7 @@
           </p:nvSpPr>
           <p:spPr>
             <a:xfrm>
-              <a:off x="2797821" y="1836464"/>
+              <a:off x="2789586" y="1836464"/>
               <a:ext cx="49651" cy="49651"/>
             </a:xfrm>
             <a:prstGeom prst="ellipse">
@@ -4738,7 +4738,7 @@
           </p:nvSpPr>
           <p:spPr>
             <a:xfrm>
-              <a:off x="2830393" y="1961534"/>
+              <a:off x="2821961" y="1961534"/>
               <a:ext cx="49651" cy="49651"/>
             </a:xfrm>
             <a:prstGeom prst="ellipse">
@@ -4773,7 +4773,7 @@
           </p:nvSpPr>
           <p:spPr>
             <a:xfrm>
-              <a:off x="3058394" y="2345080"/>
+              <a:off x="3048583" y="2345080"/>
               <a:ext cx="49651" cy="49651"/>
             </a:xfrm>
             <a:prstGeom prst="ellipse">
@@ -4808,7 +4808,7 @@
           </p:nvSpPr>
           <p:spPr>
             <a:xfrm>
-              <a:off x="3090965" y="2359260"/>
+              <a:off x="3080958" y="2359260"/>
               <a:ext cx="49651" cy="49651"/>
             </a:xfrm>
             <a:prstGeom prst="ellipse">
@@ -4843,7 +4843,7 @@
           </p:nvSpPr>
           <p:spPr>
             <a:xfrm>
-              <a:off x="3286395" y="2401897"/>
+              <a:off x="3275205" y="2401897"/>
               <a:ext cx="49651" cy="49651"/>
             </a:xfrm>
             <a:prstGeom prst="ellipse">
@@ -4878,7 +4878,7 @@
           </p:nvSpPr>
           <p:spPr>
             <a:xfrm>
-              <a:off x="2276675" y="2422454"/>
+              <a:off x="2271593" y="2422454"/>
               <a:ext cx="49651" cy="49651"/>
             </a:xfrm>
             <a:prstGeom prst="ellipse">
@@ -4913,7 +4913,7 @@
           </p:nvSpPr>
           <p:spPr>
             <a:xfrm>
-              <a:off x="2374390" y="2368286"/>
+              <a:off x="2368717" y="2368286"/>
               <a:ext cx="49651" cy="49651"/>
             </a:xfrm>
             <a:prstGeom prst="ellipse">
@@ -4948,7 +4948,7 @@
           </p:nvSpPr>
           <p:spPr>
             <a:xfrm>
-              <a:off x="2406962" y="2342093"/>
+              <a:off x="2401091" y="2342093"/>
               <a:ext cx="49651" cy="49651"/>
             </a:xfrm>
             <a:prstGeom prst="ellipse">
@@ -4983,7 +4983,7 @@
           </p:nvSpPr>
           <p:spPr>
             <a:xfrm>
-              <a:off x="2472105" y="2280753"/>
+              <a:off x="2465840" y="2280753"/>
               <a:ext cx="49651" cy="49651"/>
             </a:xfrm>
             <a:prstGeom prst="ellipse">
@@ -5018,7 +5018,7 @@
           </p:nvSpPr>
           <p:spPr>
             <a:xfrm>
-              <a:off x="2537248" y="2211159"/>
+              <a:off x="2530590" y="2211159"/>
               <a:ext cx="49651" cy="49651"/>
             </a:xfrm>
             <a:prstGeom prst="ellipse">
@@ -5053,7 +5053,7 @@
           </p:nvSpPr>
           <p:spPr>
             <a:xfrm>
-              <a:off x="2569820" y="2175237"/>
+              <a:off x="2562964" y="2175237"/>
               <a:ext cx="49651" cy="49651"/>
             </a:xfrm>
             <a:prstGeom prst="ellipse">
@@ -5088,7 +5088,7 @@
           </p:nvSpPr>
           <p:spPr>
             <a:xfrm>
-              <a:off x="2602391" y="2140636"/>
+              <a:off x="2595339" y="2140636"/>
               <a:ext cx="49651" cy="49651"/>
             </a:xfrm>
             <a:prstGeom prst="ellipse">
@@ -5123,7 +5123,7 @@
           </p:nvSpPr>
           <p:spPr>
             <a:xfrm>
-              <a:off x="2634963" y="2109751"/>
+              <a:off x="2627713" y="2109751"/>
               <a:ext cx="49651" cy="49651"/>
             </a:xfrm>
             <a:prstGeom prst="ellipse">
@@ -5158,7 +5158,7 @@
           </p:nvSpPr>
           <p:spPr>
             <a:xfrm>
-              <a:off x="2667535" y="2085132"/>
+              <a:off x="2660088" y="2085132"/>
               <a:ext cx="49651" cy="49651"/>
             </a:xfrm>
             <a:prstGeom prst="ellipse">
@@ -5193,7 +5193,7 @@
           </p:nvSpPr>
           <p:spPr>
             <a:xfrm>
-              <a:off x="2700106" y="2068470"/>
+              <a:off x="2692463" y="2068470"/>
               <a:ext cx="49651" cy="49651"/>
             </a:xfrm>
             <a:prstGeom prst="ellipse">
@@ -5228,7 +5228,7 @@
           </p:nvSpPr>
           <p:spPr>
             <a:xfrm>
-              <a:off x="2732678" y="2059929"/>
+              <a:off x="2724837" y="2059929"/>
               <a:ext cx="49651" cy="49651"/>
             </a:xfrm>
             <a:prstGeom prst="ellipse">
@@ -5263,7 +5263,7 @@
           </p:nvSpPr>
           <p:spPr>
             <a:xfrm>
-              <a:off x="2830393" y="2063331"/>
+              <a:off x="2821961" y="2063331"/>
               <a:ext cx="49651" cy="49651"/>
             </a:xfrm>
             <a:prstGeom prst="ellipse">
@@ -5298,7 +5298,7 @@
           </p:nvSpPr>
           <p:spPr>
             <a:xfrm>
-              <a:off x="2928107" y="2064743"/>
+              <a:off x="2919085" y="2064743"/>
               <a:ext cx="49651" cy="49651"/>
             </a:xfrm>
             <a:prstGeom prst="ellipse">
@@ -5333,7 +5333,7 @@
           </p:nvSpPr>
           <p:spPr>
             <a:xfrm>
-              <a:off x="2960679" y="2063828"/>
+              <a:off x="2951459" y="2063828"/>
               <a:ext cx="49651" cy="49651"/>
             </a:xfrm>
             <a:prstGeom prst="ellipse">
@@ -5368,7 +5368,7 @@
           </p:nvSpPr>
           <p:spPr>
             <a:xfrm>
-              <a:off x="2993250" y="2066585"/>
+              <a:off x="2983834" y="2066585"/>
               <a:ext cx="49651" cy="49651"/>
             </a:xfrm>
             <a:prstGeom prst="ellipse">
@@ -5403,7 +5403,7 @@
           </p:nvSpPr>
           <p:spPr>
             <a:xfrm>
-              <a:off x="3025822" y="2076407"/>
+              <a:off x="3016208" y="2076407"/>
               <a:ext cx="49651" cy="49651"/>
             </a:xfrm>
             <a:prstGeom prst="ellipse">
@@ -5438,7 +5438,7 @@
           </p:nvSpPr>
           <p:spPr>
             <a:xfrm>
-              <a:off x="3090965" y="2120393"/>
+              <a:off x="3080958" y="2120393"/>
               <a:ext cx="49651" cy="49651"/>
             </a:xfrm>
             <a:prstGeom prst="ellipse">
@@ -5473,7 +5473,7 @@
           </p:nvSpPr>
           <p:spPr>
             <a:xfrm>
-              <a:off x="3123537" y="2153503"/>
+              <a:off x="3113332" y="2153503"/>
               <a:ext cx="49651" cy="49651"/>
             </a:xfrm>
             <a:prstGeom prst="ellipse">
@@ -5508,7 +5508,7 @@
           </p:nvSpPr>
           <p:spPr>
             <a:xfrm>
-              <a:off x="3156108" y="2191120"/>
+              <a:off x="3145707" y="2191120"/>
               <a:ext cx="49651" cy="49651"/>
             </a:xfrm>
             <a:prstGeom prst="ellipse">
@@ -5543,7 +5543,7 @@
           </p:nvSpPr>
           <p:spPr>
             <a:xfrm>
-              <a:off x="3286395" y="2326989"/>
+              <a:off x="3275205" y="2326989"/>
               <a:ext cx="49651" cy="49651"/>
             </a:xfrm>
             <a:prstGeom prst="ellipse">
@@ -5579,7 +5579,7 @@
           <p:spPr>
             <a:xfrm>
               <a:off x="1461154" y="2827534"/>
-              <a:ext cx="2006410" cy="1341830"/>
+              <a:ext cx="1994274" cy="1341830"/>
             </a:xfrm>
             <a:prstGeom prst="rect">
               <a:avLst/>
@@ -5605,20 +5605,20 @@
           <p:spPr>
             <a:xfrm>
               <a:off x="1461154" y="3991104"/>
-              <a:ext cx="2006410" cy="0"/>
+              <a:ext cx="1994274" cy="0"/>
             </a:xfrm>
             <a:custGeom>
               <a:avLst/>
               <a:pathLst>
-                <a:path w="2006410" h="0">
+                <a:path w="1994274" h="0">
                   <a:moveTo>
                     <a:pt x="0" y="0"/>
                   </a:moveTo>
                   <a:lnTo>
-                    <a:pt x="2006410" y="0"/>
-                  </a:lnTo>
-                  <a:lnTo>
-                    <a:pt x="2006410" y="0"/>
+                    <a:pt x="1994274" y="0"/>
+                  </a:lnTo>
+                  <a:lnTo>
+                    <a:pt x="1994274" y="0"/>
                   </a:lnTo>
                 </a:path>
               </a:pathLst>
@@ -5648,20 +5648,20 @@
           <p:spPr>
             <a:xfrm>
               <a:off x="1461154" y="3749542"/>
-              <a:ext cx="2006410" cy="0"/>
+              <a:ext cx="1994274" cy="0"/>
             </a:xfrm>
             <a:custGeom>
               <a:avLst/>
               <a:pathLst>
-                <a:path w="2006410" h="0">
+                <a:path w="1994274" h="0">
                   <a:moveTo>
                     <a:pt x="0" y="0"/>
                   </a:moveTo>
                   <a:lnTo>
-                    <a:pt x="2006410" y="0"/>
-                  </a:lnTo>
-                  <a:lnTo>
-                    <a:pt x="2006410" y="0"/>
+                    <a:pt x="1994274" y="0"/>
+                  </a:lnTo>
+                  <a:lnTo>
+                    <a:pt x="1994274" y="0"/>
                   </a:lnTo>
                 </a:path>
               </a:pathLst>
@@ -5691,20 +5691,20 @@
           <p:spPr>
             <a:xfrm>
               <a:off x="1461154" y="3507980"/>
-              <a:ext cx="2006410" cy="0"/>
+              <a:ext cx="1994274" cy="0"/>
             </a:xfrm>
             <a:custGeom>
               <a:avLst/>
               <a:pathLst>
-                <a:path w="2006410" h="0">
+                <a:path w="1994274" h="0">
                   <a:moveTo>
                     <a:pt x="0" y="0"/>
                   </a:moveTo>
                   <a:lnTo>
-                    <a:pt x="2006410" y="0"/>
-                  </a:lnTo>
-                  <a:lnTo>
-                    <a:pt x="2006410" y="0"/>
+                    <a:pt x="1994274" y="0"/>
+                  </a:lnTo>
+                  <a:lnTo>
+                    <a:pt x="1994274" y="0"/>
                   </a:lnTo>
                 </a:path>
               </a:pathLst>
@@ -5734,20 +5734,20 @@
           <p:spPr>
             <a:xfrm>
               <a:off x="1461154" y="3266418"/>
-              <a:ext cx="2006410" cy="0"/>
+              <a:ext cx="1994274" cy="0"/>
             </a:xfrm>
             <a:custGeom>
               <a:avLst/>
               <a:pathLst>
-                <a:path w="2006410" h="0">
+                <a:path w="1994274" h="0">
                   <a:moveTo>
                     <a:pt x="0" y="0"/>
                   </a:moveTo>
                   <a:lnTo>
-                    <a:pt x="2006410" y="0"/>
-                  </a:lnTo>
-                  <a:lnTo>
-                    <a:pt x="2006410" y="0"/>
+                    <a:pt x="1994274" y="0"/>
+                  </a:lnTo>
+                  <a:lnTo>
+                    <a:pt x="1994274" y="0"/>
                   </a:lnTo>
                 </a:path>
               </a:pathLst>
@@ -5777,20 +5777,20 @@
           <p:spPr>
             <a:xfrm>
               <a:off x="1461154" y="3024856"/>
-              <a:ext cx="2006410" cy="0"/>
+              <a:ext cx="1994274" cy="0"/>
             </a:xfrm>
             <a:custGeom>
               <a:avLst/>
               <a:pathLst>
-                <a:path w="2006410" h="0">
+                <a:path w="1994274" h="0">
                   <a:moveTo>
                     <a:pt x="0" y="0"/>
                   </a:moveTo>
                   <a:lnTo>
-                    <a:pt x="2006410" y="0"/>
-                  </a:lnTo>
-                  <a:lnTo>
-                    <a:pt x="2006410" y="0"/>
+                    <a:pt x="1994274" y="0"/>
+                  </a:lnTo>
+                  <a:lnTo>
+                    <a:pt x="1994274" y="0"/>
                   </a:lnTo>
                 </a:path>
               </a:pathLst>
@@ -5819,7 +5819,7 @@
           </p:nvSpPr>
           <p:spPr>
             <a:xfrm>
-              <a:off x="1715213" y="2827534"/>
+              <a:off x="1713676" y="2827534"/>
               <a:ext cx="0" cy="1341830"/>
             </a:xfrm>
             <a:custGeom>
@@ -5862,7 +5862,7 @@
           </p:nvSpPr>
           <p:spPr>
             <a:xfrm>
-              <a:off x="2040929" y="2827534"/>
+              <a:off x="2037422" y="2827534"/>
               <a:ext cx="0" cy="1341830"/>
             </a:xfrm>
             <a:custGeom>
@@ -5905,7 +5905,7 @@
           </p:nvSpPr>
           <p:spPr>
             <a:xfrm>
-              <a:off x="2366645" y="2827534"/>
+              <a:off x="2361168" y="2827534"/>
               <a:ext cx="0" cy="1341830"/>
             </a:xfrm>
             <a:custGeom>
@@ -5948,7 +5948,7 @@
           </p:nvSpPr>
           <p:spPr>
             <a:xfrm>
-              <a:off x="2692361" y="2827534"/>
+              <a:off x="2684914" y="2827534"/>
               <a:ext cx="0" cy="1341830"/>
             </a:xfrm>
             <a:custGeom>
@@ -5991,7 +5991,7 @@
           </p:nvSpPr>
           <p:spPr>
             <a:xfrm>
-              <a:off x="3018076" y="2827534"/>
+              <a:off x="3008660" y="2827534"/>
               <a:ext cx="0" cy="1341830"/>
             </a:xfrm>
             <a:custGeom>
@@ -6034,7 +6034,7 @@
           </p:nvSpPr>
           <p:spPr>
             <a:xfrm>
-              <a:off x="3343792" y="2827534"/>
+              <a:off x="3332406" y="2827534"/>
               <a:ext cx="0" cy="1341830"/>
             </a:xfrm>
             <a:custGeom>
@@ -6078,20 +6078,20 @@
           <p:spPr>
             <a:xfrm>
               <a:off x="1461154" y="4111885"/>
-              <a:ext cx="2006410" cy="0"/>
+              <a:ext cx="1994274" cy="0"/>
             </a:xfrm>
             <a:custGeom>
               <a:avLst/>
               <a:pathLst>
-                <a:path w="2006410" h="0">
+                <a:path w="1994274" h="0">
                   <a:moveTo>
                     <a:pt x="0" y="0"/>
                   </a:moveTo>
                   <a:lnTo>
-                    <a:pt x="2006410" y="0"/>
-                  </a:lnTo>
-                  <a:lnTo>
-                    <a:pt x="2006410" y="0"/>
+                    <a:pt x="1994274" y="0"/>
+                  </a:lnTo>
+                  <a:lnTo>
+                    <a:pt x="1994274" y="0"/>
                   </a:lnTo>
                 </a:path>
               </a:pathLst>
@@ -6121,20 +6121,20 @@
           <p:spPr>
             <a:xfrm>
               <a:off x="1461154" y="3870323"/>
-              <a:ext cx="2006410" cy="0"/>
+              <a:ext cx="1994274" cy="0"/>
             </a:xfrm>
             <a:custGeom>
               <a:avLst/>
               <a:pathLst>
-                <a:path w="2006410" h="0">
+                <a:path w="1994274" h="0">
                   <a:moveTo>
                     <a:pt x="0" y="0"/>
                   </a:moveTo>
                   <a:lnTo>
-                    <a:pt x="2006410" y="0"/>
-                  </a:lnTo>
-                  <a:lnTo>
-                    <a:pt x="2006410" y="0"/>
+                    <a:pt x="1994274" y="0"/>
+                  </a:lnTo>
+                  <a:lnTo>
+                    <a:pt x="1994274" y="0"/>
                   </a:lnTo>
                 </a:path>
               </a:pathLst>
@@ -6164,20 +6164,20 @@
           <p:spPr>
             <a:xfrm>
               <a:off x="1461154" y="3628761"/>
-              <a:ext cx="2006410" cy="0"/>
+              <a:ext cx="1994274" cy="0"/>
             </a:xfrm>
             <a:custGeom>
               <a:avLst/>
               <a:pathLst>
-                <a:path w="2006410" h="0">
+                <a:path w="1994274" h="0">
                   <a:moveTo>
                     <a:pt x="0" y="0"/>
                   </a:moveTo>
                   <a:lnTo>
-                    <a:pt x="2006410" y="0"/>
-                  </a:lnTo>
-                  <a:lnTo>
-                    <a:pt x="2006410" y="0"/>
+                    <a:pt x="1994274" y="0"/>
+                  </a:lnTo>
+                  <a:lnTo>
+                    <a:pt x="1994274" y="0"/>
                   </a:lnTo>
                 </a:path>
               </a:pathLst>
@@ -6207,20 +6207,20 @@
           <p:spPr>
             <a:xfrm>
               <a:off x="1461154" y="3387199"/>
-              <a:ext cx="2006410" cy="0"/>
+              <a:ext cx="1994274" cy="0"/>
             </a:xfrm>
             <a:custGeom>
               <a:avLst/>
               <a:pathLst>
-                <a:path w="2006410" h="0">
+                <a:path w="1994274" h="0">
                   <a:moveTo>
                     <a:pt x="0" y="0"/>
                   </a:moveTo>
                   <a:lnTo>
-                    <a:pt x="2006410" y="0"/>
-                  </a:lnTo>
-                  <a:lnTo>
-                    <a:pt x="2006410" y="0"/>
+                    <a:pt x="1994274" y="0"/>
+                  </a:lnTo>
+                  <a:lnTo>
+                    <a:pt x="1994274" y="0"/>
                   </a:lnTo>
                 </a:path>
               </a:pathLst>
@@ -6250,20 +6250,20 @@
           <p:spPr>
             <a:xfrm>
               <a:off x="1461154" y="3145637"/>
-              <a:ext cx="2006410" cy="0"/>
+              <a:ext cx="1994274" cy="0"/>
             </a:xfrm>
             <a:custGeom>
               <a:avLst/>
               <a:pathLst>
-                <a:path w="2006410" h="0">
+                <a:path w="1994274" h="0">
                   <a:moveTo>
                     <a:pt x="0" y="0"/>
                   </a:moveTo>
                   <a:lnTo>
-                    <a:pt x="2006410" y="0"/>
-                  </a:lnTo>
-                  <a:lnTo>
-                    <a:pt x="2006410" y="0"/>
+                    <a:pt x="1994274" y="0"/>
+                  </a:lnTo>
+                  <a:lnTo>
+                    <a:pt x="1994274" y="0"/>
                   </a:lnTo>
                 </a:path>
               </a:pathLst>
@@ -6293,20 +6293,20 @@
           <p:spPr>
             <a:xfrm>
               <a:off x="1461154" y="2904075"/>
-              <a:ext cx="2006410" cy="0"/>
+              <a:ext cx="1994274" cy="0"/>
             </a:xfrm>
             <a:custGeom>
               <a:avLst/>
               <a:pathLst>
-                <a:path w="2006410" h="0">
+                <a:path w="1994274" h="0">
                   <a:moveTo>
                     <a:pt x="0" y="0"/>
                   </a:moveTo>
                   <a:lnTo>
-                    <a:pt x="2006410" y="0"/>
-                  </a:lnTo>
-                  <a:lnTo>
-                    <a:pt x="2006410" y="0"/>
+                    <a:pt x="1994274" y="0"/>
+                  </a:lnTo>
+                  <a:lnTo>
+                    <a:pt x="1994274" y="0"/>
                   </a:lnTo>
                 </a:path>
               </a:pathLst>
@@ -6335,7 +6335,7 @@
           </p:nvSpPr>
           <p:spPr>
             <a:xfrm>
-              <a:off x="1552355" y="2827534"/>
+              <a:off x="1551803" y="2827534"/>
               <a:ext cx="0" cy="1341830"/>
             </a:xfrm>
             <a:custGeom>
@@ -6378,7 +6378,7 @@
           </p:nvSpPr>
           <p:spPr>
             <a:xfrm>
-              <a:off x="1878071" y="2827534"/>
+              <a:off x="1875549" y="2827534"/>
               <a:ext cx="0" cy="1341830"/>
             </a:xfrm>
             <a:custGeom>
@@ -6421,7 +6421,7 @@
           </p:nvSpPr>
           <p:spPr>
             <a:xfrm>
-              <a:off x="2203787" y="2827534"/>
+              <a:off x="2199295" y="2827534"/>
               <a:ext cx="0" cy="1341830"/>
             </a:xfrm>
             <a:custGeom>
@@ -6464,7 +6464,7 @@
           </p:nvSpPr>
           <p:spPr>
             <a:xfrm>
-              <a:off x="2529503" y="2827534"/>
+              <a:off x="2523041" y="2827534"/>
               <a:ext cx="0" cy="1341830"/>
             </a:xfrm>
             <a:custGeom>
@@ -6507,7 +6507,7 @@
           </p:nvSpPr>
           <p:spPr>
             <a:xfrm>
-              <a:off x="2855218" y="2827534"/>
+              <a:off x="2846787" y="2827534"/>
               <a:ext cx="0" cy="1341830"/>
             </a:xfrm>
             <a:custGeom>
@@ -6550,7 +6550,7 @@
           </p:nvSpPr>
           <p:spPr>
             <a:xfrm>
-              <a:off x="3180934" y="2827534"/>
+              <a:off x="3170533" y="2827534"/>
               <a:ext cx="0" cy="1341830"/>
             </a:xfrm>
             <a:custGeom>
@@ -6593,60 +6593,60 @@
           </p:nvSpPr>
           <p:spPr>
             <a:xfrm>
-              <a:off x="2203787" y="3469226"/>
-              <a:ext cx="1107434" cy="637980"/>
+              <a:off x="2199295" y="3469226"/>
+              <a:ext cx="1100736" cy="637980"/>
             </a:xfrm>
             <a:custGeom>
               <a:avLst/>
               <a:pathLst>
-                <a:path w="1107434" h="637980">
+                <a:path w="1100736" h="637980">
                   <a:moveTo>
                     <a:pt x="0" y="631377"/>
                   </a:moveTo>
                   <a:lnTo>
-                    <a:pt x="195429" y="544648"/>
-                  </a:lnTo>
-                  <a:lnTo>
-                    <a:pt x="260572" y="439846"/>
-                  </a:lnTo>
-                  <a:lnTo>
-                    <a:pt x="293144" y="358602"/>
-                  </a:lnTo>
-                  <a:lnTo>
-                    <a:pt x="325715" y="262673"/>
-                  </a:lnTo>
-                  <a:lnTo>
-                    <a:pt x="358287" y="164661"/>
-                  </a:lnTo>
-                  <a:lnTo>
-                    <a:pt x="390859" y="79531"/>
-                  </a:lnTo>
-                  <a:lnTo>
-                    <a:pt x="423430" y="21534"/>
-                  </a:lnTo>
-                  <a:lnTo>
-                    <a:pt x="456002" y="0"/>
-                  </a:lnTo>
-                  <a:lnTo>
-                    <a:pt x="488573" y="15676"/>
-                  </a:lnTo>
-                  <a:lnTo>
-                    <a:pt x="521145" y="60931"/>
-                  </a:lnTo>
-                  <a:lnTo>
-                    <a:pt x="553717" y="125770"/>
-                  </a:lnTo>
-                  <a:lnTo>
-                    <a:pt x="618860" y="274820"/>
-                  </a:lnTo>
-                  <a:lnTo>
-                    <a:pt x="684003" y="399184"/>
-                  </a:lnTo>
-                  <a:lnTo>
-                    <a:pt x="781718" y="527583"/>
-                  </a:lnTo>
-                  <a:lnTo>
-                    <a:pt x="1107434" y="637980"/>
+                    <a:pt x="194247" y="544648"/>
+                  </a:lnTo>
+                  <a:lnTo>
+                    <a:pt x="258996" y="439846"/>
+                  </a:lnTo>
+                  <a:lnTo>
+                    <a:pt x="291371" y="358602"/>
+                  </a:lnTo>
+                  <a:lnTo>
+                    <a:pt x="323745" y="262673"/>
+                  </a:lnTo>
+                  <a:lnTo>
+                    <a:pt x="356120" y="164661"/>
+                  </a:lnTo>
+                  <a:lnTo>
+                    <a:pt x="388495" y="79531"/>
+                  </a:lnTo>
+                  <a:lnTo>
+                    <a:pt x="420869" y="21534"/>
+                  </a:lnTo>
+                  <a:lnTo>
+                    <a:pt x="453244" y="0"/>
+                  </a:lnTo>
+                  <a:lnTo>
+                    <a:pt x="485618" y="15676"/>
+                  </a:lnTo>
+                  <a:lnTo>
+                    <a:pt x="517993" y="60931"/>
+                  </a:lnTo>
+                  <a:lnTo>
+                    <a:pt x="550368" y="125770"/>
+                  </a:lnTo>
+                  <a:lnTo>
+                    <a:pt x="615117" y="274820"/>
+                  </a:lnTo>
+                  <a:lnTo>
+                    <a:pt x="679866" y="399184"/>
+                  </a:lnTo>
+                  <a:lnTo>
+                    <a:pt x="776990" y="527583"/>
+                  </a:lnTo>
+                  <a:lnTo>
+                    <a:pt x="1100736" y="637980"/>
                   </a:lnTo>
                 </a:path>
               </a:pathLst>
@@ -6675,69 +6675,69 @@
           </p:nvSpPr>
           <p:spPr>
             <a:xfrm>
-              <a:off x="2431788" y="3502634"/>
-              <a:ext cx="879432" cy="580639"/>
+              <a:off x="2425917" y="3502634"/>
+              <a:ext cx="874113" cy="580639"/>
             </a:xfrm>
             <a:custGeom>
               <a:avLst/>
               <a:pathLst>
-                <a:path w="879432" h="580639">
+                <a:path w="874113" h="580639">
                   <a:moveTo>
                     <a:pt x="0" y="580639"/>
                   </a:moveTo>
                   <a:lnTo>
-                    <a:pt x="32571" y="560747"/>
-                  </a:lnTo>
-                  <a:lnTo>
-                    <a:pt x="65143" y="529225"/>
-                  </a:lnTo>
-                  <a:lnTo>
-                    <a:pt x="97714" y="482788"/>
-                  </a:lnTo>
-                  <a:lnTo>
-                    <a:pt x="130286" y="419463"/>
-                  </a:lnTo>
-                  <a:lnTo>
-                    <a:pt x="195429" y="246828"/>
-                  </a:lnTo>
-                  <a:lnTo>
-                    <a:pt x="228001" y="149120"/>
-                  </a:lnTo>
-                  <a:lnTo>
-                    <a:pt x="260572" y="62490"/>
-                  </a:lnTo>
-                  <a:lnTo>
-                    <a:pt x="293144" y="9945"/>
-                  </a:lnTo>
-                  <a:lnTo>
-                    <a:pt x="325715" y="0"/>
-                  </a:lnTo>
-                  <a:lnTo>
-                    <a:pt x="358287" y="22538"/>
-                  </a:lnTo>
-                  <a:lnTo>
-                    <a:pt x="390859" y="66187"/>
-                  </a:lnTo>
-                  <a:lnTo>
-                    <a:pt x="423430" y="116337"/>
-                  </a:lnTo>
-                  <a:lnTo>
-                    <a:pt x="456002" y="164127"/>
-                  </a:lnTo>
-                  <a:lnTo>
-                    <a:pt x="521145" y="242586"/>
-                  </a:lnTo>
-                  <a:lnTo>
-                    <a:pt x="586288" y="304707"/>
-                  </a:lnTo>
-                  <a:lnTo>
-                    <a:pt x="684003" y="410752"/>
-                  </a:lnTo>
-                  <a:lnTo>
-                    <a:pt x="716575" y="445909"/>
-                  </a:lnTo>
-                  <a:lnTo>
-                    <a:pt x="879432" y="567452"/>
+                    <a:pt x="32374" y="560747"/>
+                  </a:lnTo>
+                  <a:lnTo>
+                    <a:pt x="64749" y="529225"/>
+                  </a:lnTo>
+                  <a:lnTo>
+                    <a:pt x="97123" y="482788"/>
+                  </a:lnTo>
+                  <a:lnTo>
+                    <a:pt x="129498" y="419463"/>
+                  </a:lnTo>
+                  <a:lnTo>
+                    <a:pt x="194247" y="246828"/>
+                  </a:lnTo>
+                  <a:lnTo>
+                    <a:pt x="226622" y="149120"/>
+                  </a:lnTo>
+                  <a:lnTo>
+                    <a:pt x="258996" y="62490"/>
+                  </a:lnTo>
+                  <a:lnTo>
+                    <a:pt x="291371" y="9945"/>
+                  </a:lnTo>
+                  <a:lnTo>
+                    <a:pt x="323745" y="0"/>
+                  </a:lnTo>
+                  <a:lnTo>
+                    <a:pt x="356120" y="22538"/>
+                  </a:lnTo>
+                  <a:lnTo>
+                    <a:pt x="388495" y="66187"/>
+                  </a:lnTo>
+                  <a:lnTo>
+                    <a:pt x="420869" y="116337"/>
+                  </a:lnTo>
+                  <a:lnTo>
+                    <a:pt x="453244" y="164127"/>
+                  </a:lnTo>
+                  <a:lnTo>
+                    <a:pt x="517993" y="242586"/>
+                  </a:lnTo>
+                  <a:lnTo>
+                    <a:pt x="582742" y="304707"/>
+                  </a:lnTo>
+                  <a:lnTo>
+                    <a:pt x="679866" y="410752"/>
+                  </a:lnTo>
+                  <a:lnTo>
+                    <a:pt x="712241" y="445909"/>
+                  </a:lnTo>
+                  <a:lnTo>
+                    <a:pt x="874113" y="567452"/>
                   </a:lnTo>
                 </a:path>
               </a:pathLst>
@@ -6766,63 +6766,63 @@
           </p:nvSpPr>
           <p:spPr>
             <a:xfrm>
-              <a:off x="2268930" y="3266101"/>
-              <a:ext cx="1042290" cy="833731"/>
+              <a:off x="2264044" y="3266101"/>
+              <a:ext cx="1035986" cy="833731"/>
             </a:xfrm>
             <a:custGeom>
               <a:avLst/>
               <a:pathLst>
-                <a:path w="1042290" h="833731">
+                <a:path w="1035986" h="833731">
                   <a:moveTo>
                     <a:pt x="0" y="822764"/>
                   </a:moveTo>
                   <a:lnTo>
-                    <a:pt x="65143" y="788762"/>
-                  </a:lnTo>
-                  <a:lnTo>
-                    <a:pt x="130286" y="716221"/>
-                  </a:lnTo>
-                  <a:lnTo>
-                    <a:pt x="162857" y="659855"/>
-                  </a:lnTo>
-                  <a:lnTo>
-                    <a:pt x="195429" y="588883"/>
-                  </a:lnTo>
-                  <a:lnTo>
-                    <a:pt x="260572" y="400109"/>
-                  </a:lnTo>
-                  <a:lnTo>
-                    <a:pt x="293144" y="282795"/>
-                  </a:lnTo>
-                  <a:lnTo>
-                    <a:pt x="325715" y="161004"/>
-                  </a:lnTo>
-                  <a:lnTo>
-                    <a:pt x="358287" y="56892"/>
-                  </a:lnTo>
-                  <a:lnTo>
-                    <a:pt x="390859" y="0"/>
-                  </a:lnTo>
-                  <a:lnTo>
-                    <a:pt x="423430" y="7201"/>
-                  </a:lnTo>
-                  <a:lnTo>
-                    <a:pt x="456002" y="67427"/>
-                  </a:lnTo>
-                  <a:lnTo>
-                    <a:pt x="488573" y="157016"/>
-                  </a:lnTo>
-                  <a:lnTo>
-                    <a:pt x="521145" y="255954"/>
-                  </a:lnTo>
-                  <a:lnTo>
-                    <a:pt x="553717" y="350562"/>
-                  </a:lnTo>
-                  <a:lnTo>
-                    <a:pt x="944576" y="817754"/>
-                  </a:lnTo>
-                  <a:lnTo>
-                    <a:pt x="1042290" y="833731"/>
+                    <a:pt x="64749" y="788762"/>
+                  </a:lnTo>
+                  <a:lnTo>
+                    <a:pt x="129498" y="716221"/>
+                  </a:lnTo>
+                  <a:lnTo>
+                    <a:pt x="161872" y="659855"/>
+                  </a:lnTo>
+                  <a:lnTo>
+                    <a:pt x="194247" y="588883"/>
+                  </a:lnTo>
+                  <a:lnTo>
+                    <a:pt x="258996" y="400109"/>
+                  </a:lnTo>
+                  <a:lnTo>
+                    <a:pt x="291371" y="282795"/>
+                  </a:lnTo>
+                  <a:lnTo>
+                    <a:pt x="323745" y="161004"/>
+                  </a:lnTo>
+                  <a:lnTo>
+                    <a:pt x="356120" y="56892"/>
+                  </a:lnTo>
+                  <a:lnTo>
+                    <a:pt x="388495" y="0"/>
+                  </a:lnTo>
+                  <a:lnTo>
+                    <a:pt x="420869" y="7201"/>
+                  </a:lnTo>
+                  <a:lnTo>
+                    <a:pt x="453244" y="67427"/>
+                  </a:lnTo>
+                  <a:lnTo>
+                    <a:pt x="485618" y="157016"/>
+                  </a:lnTo>
+                  <a:lnTo>
+                    <a:pt x="517993" y="255954"/>
+                  </a:lnTo>
+                  <a:lnTo>
+                    <a:pt x="550368" y="350562"/>
+                  </a:lnTo>
+                  <a:lnTo>
+                    <a:pt x="938863" y="817754"/>
+                  </a:lnTo>
+                  <a:lnTo>
+                    <a:pt x="1035986" y="833731"/>
                   </a:lnTo>
                 </a:path>
               </a:pathLst>
@@ -6851,7 +6851,7 @@
           </p:nvSpPr>
           <p:spPr>
             <a:xfrm>
-              <a:off x="2178961" y="4075778"/>
+              <a:off x="2174469" y="4075778"/>
               <a:ext cx="49651" cy="49651"/>
             </a:xfrm>
             <a:prstGeom prst="ellipse">
@@ -6886,7 +6886,7 @@
           </p:nvSpPr>
           <p:spPr>
             <a:xfrm>
-              <a:off x="2374390" y="3989049"/>
+              <a:off x="2368717" y="3989049"/>
               <a:ext cx="49651" cy="49651"/>
             </a:xfrm>
             <a:prstGeom prst="ellipse">
@@ -6921,7 +6921,7 @@
           </p:nvSpPr>
           <p:spPr>
             <a:xfrm>
-              <a:off x="2439533" y="3884247"/>
+              <a:off x="2433466" y="3884247"/>
               <a:ext cx="49651" cy="49651"/>
             </a:xfrm>
             <a:prstGeom prst="ellipse">
@@ -6956,7 +6956,7 @@
           </p:nvSpPr>
           <p:spPr>
             <a:xfrm>
-              <a:off x="2472105" y="3803003"/>
+              <a:off x="2465840" y="3803003"/>
               <a:ext cx="49651" cy="49651"/>
             </a:xfrm>
             <a:prstGeom prst="ellipse">
@@ -6991,7 +6991,7 @@
           </p:nvSpPr>
           <p:spPr>
             <a:xfrm>
-              <a:off x="2504677" y="3707074"/>
+              <a:off x="2498215" y="3707074"/>
               <a:ext cx="49651" cy="49651"/>
             </a:xfrm>
             <a:prstGeom prst="ellipse">
@@ -7026,7 +7026,7 @@
           </p:nvSpPr>
           <p:spPr>
             <a:xfrm>
-              <a:off x="2537248" y="3609061"/>
+              <a:off x="2530590" y="3609061"/>
               <a:ext cx="49651" cy="49651"/>
             </a:xfrm>
             <a:prstGeom prst="ellipse">
@@ -7061,7 +7061,7 @@
           </p:nvSpPr>
           <p:spPr>
             <a:xfrm>
-              <a:off x="2569820" y="3523931"/>
+              <a:off x="2562964" y="3523931"/>
               <a:ext cx="49651" cy="49651"/>
             </a:xfrm>
             <a:prstGeom prst="ellipse">
@@ -7096,7 +7096,7 @@
           </p:nvSpPr>
           <p:spPr>
             <a:xfrm>
-              <a:off x="2602391" y="3465934"/>
+              <a:off x="2595339" y="3465934"/>
               <a:ext cx="49651" cy="49651"/>
             </a:xfrm>
             <a:prstGeom prst="ellipse">
@@ -7131,7 +7131,7 @@
           </p:nvSpPr>
           <p:spPr>
             <a:xfrm>
-              <a:off x="2634963" y="3444400"/>
+              <a:off x="2627713" y="3444400"/>
               <a:ext cx="49651" cy="49651"/>
             </a:xfrm>
             <a:prstGeom prst="ellipse">
@@ -7166,7 +7166,7 @@
           </p:nvSpPr>
           <p:spPr>
             <a:xfrm>
-              <a:off x="2667535" y="3460077"/>
+              <a:off x="2660088" y="3460077"/>
               <a:ext cx="49651" cy="49651"/>
             </a:xfrm>
             <a:prstGeom prst="ellipse">
@@ -7201,7 +7201,7 @@
           </p:nvSpPr>
           <p:spPr>
             <a:xfrm>
-              <a:off x="2700106" y="3505332"/>
+              <a:off x="2692463" y="3505332"/>
               <a:ext cx="49651" cy="49651"/>
             </a:xfrm>
             <a:prstGeom prst="ellipse">
@@ -7236,7 +7236,7 @@
           </p:nvSpPr>
           <p:spPr>
             <a:xfrm>
-              <a:off x="2732678" y="3570171"/>
+              <a:off x="2724837" y="3570171"/>
               <a:ext cx="49651" cy="49651"/>
             </a:xfrm>
             <a:prstGeom prst="ellipse">
@@ -7271,7 +7271,7 @@
           </p:nvSpPr>
           <p:spPr>
             <a:xfrm>
-              <a:off x="2797821" y="3719221"/>
+              <a:off x="2789586" y="3719221"/>
               <a:ext cx="49651" cy="49651"/>
             </a:xfrm>
             <a:prstGeom prst="ellipse">
@@ -7306,7 +7306,7 @@
           </p:nvSpPr>
           <p:spPr>
             <a:xfrm>
-              <a:off x="2862964" y="3843584"/>
+              <a:off x="2854336" y="3843584"/>
               <a:ext cx="49651" cy="49651"/>
             </a:xfrm>
             <a:prstGeom prst="ellipse">
@@ -7341,7 +7341,7 @@
           </p:nvSpPr>
           <p:spPr>
             <a:xfrm>
-              <a:off x="2960679" y="3971984"/>
+              <a:off x="2951459" y="3971984"/>
               <a:ext cx="49651" cy="49651"/>
             </a:xfrm>
             <a:prstGeom prst="ellipse">
@@ -7376,7 +7376,7 @@
           </p:nvSpPr>
           <p:spPr>
             <a:xfrm>
-              <a:off x="3286395" y="4082381"/>
+              <a:off x="3275205" y="4082381"/>
               <a:ext cx="49651" cy="49651"/>
             </a:xfrm>
             <a:prstGeom prst="ellipse">
@@ -7411,7 +7411,7 @@
           </p:nvSpPr>
           <p:spPr>
             <a:xfrm>
-              <a:off x="2406962" y="4058447"/>
+              <a:off x="2401091" y="4058447"/>
               <a:ext cx="49651" cy="49651"/>
             </a:xfrm>
             <a:prstGeom prst="ellipse">
@@ -7446,7 +7446,7 @@
           </p:nvSpPr>
           <p:spPr>
             <a:xfrm>
-              <a:off x="2439533" y="4038555"/>
+              <a:off x="2433466" y="4038555"/>
               <a:ext cx="49651" cy="49651"/>
             </a:xfrm>
             <a:prstGeom prst="ellipse">
@@ -7481,7 +7481,7 @@
           </p:nvSpPr>
           <p:spPr>
             <a:xfrm>
-              <a:off x="2472105" y="4007033"/>
+              <a:off x="2465840" y="4007033"/>
               <a:ext cx="49651" cy="49651"/>
             </a:xfrm>
             <a:prstGeom prst="ellipse">
@@ -7516,7 +7516,7 @@
           </p:nvSpPr>
           <p:spPr>
             <a:xfrm>
-              <a:off x="2504677" y="3960597"/>
+              <a:off x="2498215" y="3960597"/>
               <a:ext cx="49651" cy="49651"/>
             </a:xfrm>
             <a:prstGeom prst="ellipse">
@@ -7551,7 +7551,7 @@
           </p:nvSpPr>
           <p:spPr>
             <a:xfrm>
-              <a:off x="2537248" y="3897271"/>
+              <a:off x="2530590" y="3897271"/>
               <a:ext cx="49651" cy="49651"/>
             </a:xfrm>
             <a:prstGeom prst="ellipse">
@@ -7586,7 +7586,7 @@
           </p:nvSpPr>
           <p:spPr>
             <a:xfrm>
-              <a:off x="2602391" y="3724637"/>
+              <a:off x="2595339" y="3724637"/>
               <a:ext cx="49651" cy="49651"/>
             </a:xfrm>
             <a:prstGeom prst="ellipse">
@@ -7621,7 +7621,7 @@
           </p:nvSpPr>
           <p:spPr>
             <a:xfrm>
-              <a:off x="2634963" y="3626928"/>
+              <a:off x="2627713" y="3626928"/>
               <a:ext cx="49651" cy="49651"/>
             </a:xfrm>
             <a:prstGeom prst="ellipse">
@@ -7656,7 +7656,7 @@
           </p:nvSpPr>
           <p:spPr>
             <a:xfrm>
-              <a:off x="2667535" y="3540298"/>
+              <a:off x="2660088" y="3540298"/>
               <a:ext cx="49651" cy="49651"/>
             </a:xfrm>
             <a:prstGeom prst="ellipse">
@@ -7691,7 +7691,7 @@
           </p:nvSpPr>
           <p:spPr>
             <a:xfrm>
-              <a:off x="2700106" y="3487754"/>
+              <a:off x="2692463" y="3487754"/>
               <a:ext cx="49651" cy="49651"/>
             </a:xfrm>
             <a:prstGeom prst="ellipse">
@@ -7726,7 +7726,7 @@
           </p:nvSpPr>
           <p:spPr>
             <a:xfrm>
-              <a:off x="2732678" y="3477808"/>
+              <a:off x="2724837" y="3477808"/>
               <a:ext cx="49651" cy="49651"/>
             </a:xfrm>
             <a:prstGeom prst="ellipse">
@@ -7761,7 +7761,7 @@
           </p:nvSpPr>
           <p:spPr>
             <a:xfrm>
-              <a:off x="2765249" y="3500346"/>
+              <a:off x="2757212" y="3500346"/>
               <a:ext cx="49651" cy="49651"/>
             </a:xfrm>
             <a:prstGeom prst="ellipse">
@@ -7796,7 +7796,7 @@
           </p:nvSpPr>
           <p:spPr>
             <a:xfrm>
-              <a:off x="2797821" y="3543995"/>
+              <a:off x="2789586" y="3543995"/>
               <a:ext cx="49651" cy="49651"/>
             </a:xfrm>
             <a:prstGeom prst="ellipse">
@@ -7831,7 +7831,7 @@
           </p:nvSpPr>
           <p:spPr>
             <a:xfrm>
-              <a:off x="2830393" y="3594145"/>
+              <a:off x="2821961" y="3594145"/>
               <a:ext cx="49651" cy="49651"/>
             </a:xfrm>
             <a:prstGeom prst="ellipse">
@@ -7866,7 +7866,7 @@
           </p:nvSpPr>
           <p:spPr>
             <a:xfrm>
-              <a:off x="2862964" y="3641936"/>
+              <a:off x="2854336" y="3641936"/>
               <a:ext cx="49651" cy="49651"/>
             </a:xfrm>
             <a:prstGeom prst="ellipse">
@@ -7901,7 +7901,7 @@
           </p:nvSpPr>
           <p:spPr>
             <a:xfrm>
-              <a:off x="2928107" y="3720395"/>
+              <a:off x="2919085" y="3720395"/>
               <a:ext cx="49651" cy="49651"/>
             </a:xfrm>
             <a:prstGeom prst="ellipse">
@@ -7936,7 +7936,7 @@
           </p:nvSpPr>
           <p:spPr>
             <a:xfrm>
-              <a:off x="2993250" y="3782516"/>
+              <a:off x="2983834" y="3782516"/>
               <a:ext cx="49651" cy="49651"/>
             </a:xfrm>
             <a:prstGeom prst="ellipse">
@@ -7971,7 +7971,7 @@
           </p:nvSpPr>
           <p:spPr>
             <a:xfrm>
-              <a:off x="3090965" y="3888560"/>
+              <a:off x="3080958" y="3888560"/>
               <a:ext cx="49651" cy="49651"/>
             </a:xfrm>
             <a:prstGeom prst="ellipse">
@@ -8006,7 +8006,7 @@
           </p:nvSpPr>
           <p:spPr>
             <a:xfrm>
-              <a:off x="3123537" y="3923718"/>
+              <a:off x="3113332" y="3923718"/>
               <a:ext cx="49651" cy="49651"/>
             </a:xfrm>
             <a:prstGeom prst="ellipse">
@@ -8041,7 +8041,7 @@
           </p:nvSpPr>
           <p:spPr>
             <a:xfrm>
-              <a:off x="3286395" y="4045261"/>
+              <a:off x="3275205" y="4045261"/>
               <a:ext cx="49651" cy="49651"/>
             </a:xfrm>
             <a:prstGeom prst="ellipse">
@@ -8076,7 +8076,7 @@
           </p:nvSpPr>
           <p:spPr>
             <a:xfrm>
-              <a:off x="2244104" y="4064040"/>
+              <a:off x="2239218" y="4064040"/>
               <a:ext cx="49651" cy="49651"/>
             </a:xfrm>
             <a:prstGeom prst="ellipse">
@@ -8111,7 +8111,7 @@
           </p:nvSpPr>
           <p:spPr>
             <a:xfrm>
-              <a:off x="2309247" y="4030038"/>
+              <a:off x="2303967" y="4030038"/>
               <a:ext cx="49651" cy="49651"/>
             </a:xfrm>
             <a:prstGeom prst="ellipse">
@@ -8146,7 +8146,7 @@
           </p:nvSpPr>
           <p:spPr>
             <a:xfrm>
-              <a:off x="2374390" y="3957496"/>
+              <a:off x="2368717" y="3957496"/>
               <a:ext cx="49651" cy="49651"/>
             </a:xfrm>
             <a:prstGeom prst="ellipse">
@@ -8181,7 +8181,7 @@
           </p:nvSpPr>
           <p:spPr>
             <a:xfrm>
-              <a:off x="2406962" y="3901130"/>
+              <a:off x="2401091" y="3901130"/>
               <a:ext cx="49651" cy="49651"/>
             </a:xfrm>
             <a:prstGeom prst="ellipse">
@@ -8216,7 +8216,7 @@
           </p:nvSpPr>
           <p:spPr>
             <a:xfrm>
-              <a:off x="2439533" y="3830158"/>
+              <a:off x="2433466" y="3830158"/>
               <a:ext cx="49651" cy="49651"/>
             </a:xfrm>
             <a:prstGeom prst="ellipse">
@@ -8251,7 +8251,7 @@
           </p:nvSpPr>
           <p:spPr>
             <a:xfrm>
-              <a:off x="2504677" y="3641384"/>
+              <a:off x="2498215" y="3641384"/>
               <a:ext cx="49651" cy="49651"/>
             </a:xfrm>
             <a:prstGeom prst="ellipse">
@@ -8286,7 +8286,7 @@
           </p:nvSpPr>
           <p:spPr>
             <a:xfrm>
-              <a:off x="2537248" y="3524071"/>
+              <a:off x="2530590" y="3524071"/>
               <a:ext cx="49651" cy="49651"/>
             </a:xfrm>
             <a:prstGeom prst="ellipse">
@@ -8321,7 +8321,7 @@
           </p:nvSpPr>
           <p:spPr>
             <a:xfrm>
-              <a:off x="2569820" y="3402279"/>
+              <a:off x="2562964" y="3402279"/>
               <a:ext cx="49651" cy="49651"/>
             </a:xfrm>
             <a:prstGeom prst="ellipse">
@@ -8356,7 +8356,7 @@
           </p:nvSpPr>
           <p:spPr>
             <a:xfrm>
-              <a:off x="2602391" y="3298168"/>
+              <a:off x="2595339" y="3298168"/>
               <a:ext cx="49651" cy="49651"/>
             </a:xfrm>
             <a:prstGeom prst="ellipse">
@@ -8391,7 +8391,7 @@
           </p:nvSpPr>
           <p:spPr>
             <a:xfrm>
-              <a:off x="2634963" y="3241275"/>
+              <a:off x="2627713" y="3241275"/>
               <a:ext cx="49651" cy="49651"/>
             </a:xfrm>
             <a:prstGeom prst="ellipse">
@@ -8426,7 +8426,7 @@
           </p:nvSpPr>
           <p:spPr>
             <a:xfrm>
-              <a:off x="2667535" y="3248476"/>
+              <a:off x="2660088" y="3248476"/>
               <a:ext cx="49651" cy="49651"/>
             </a:xfrm>
             <a:prstGeom prst="ellipse">
@@ -8461,7 +8461,7 @@
           </p:nvSpPr>
           <p:spPr>
             <a:xfrm>
-              <a:off x="2700106" y="3308702"/>
+              <a:off x="2692463" y="3308702"/>
               <a:ext cx="49651" cy="49651"/>
             </a:xfrm>
             <a:prstGeom prst="ellipse">
@@ -8496,7 +8496,7 @@
           </p:nvSpPr>
           <p:spPr>
             <a:xfrm>
-              <a:off x="2732678" y="3398291"/>
+              <a:off x="2724837" y="3398291"/>
               <a:ext cx="49651" cy="49651"/>
             </a:xfrm>
             <a:prstGeom prst="ellipse">
@@ -8531,7 +8531,7 @@
           </p:nvSpPr>
           <p:spPr>
             <a:xfrm>
-              <a:off x="2765249" y="3497230"/>
+              <a:off x="2757212" y="3497230"/>
               <a:ext cx="49651" cy="49651"/>
             </a:xfrm>
             <a:prstGeom prst="ellipse">
@@ -8566,7 +8566,7 @@
           </p:nvSpPr>
           <p:spPr>
             <a:xfrm>
-              <a:off x="2797821" y="3591837"/>
+              <a:off x="2789586" y="3591837"/>
               <a:ext cx="49651" cy="49651"/>
             </a:xfrm>
             <a:prstGeom prst="ellipse">
@@ -8601,7 +8601,7 @@
           </p:nvSpPr>
           <p:spPr>
             <a:xfrm>
-              <a:off x="3188680" y="4059029"/>
+              <a:off x="3178081" y="4059029"/>
               <a:ext cx="49651" cy="49651"/>
             </a:xfrm>
             <a:prstGeom prst="ellipse">
@@ -8636,7 +8636,7 @@
           </p:nvSpPr>
           <p:spPr>
             <a:xfrm>
-              <a:off x="3286395" y="4075007"/>
+              <a:off x="3275205" y="4075007"/>
               <a:ext cx="49651" cy="49651"/>
             </a:xfrm>
             <a:prstGeom prst="ellipse">
@@ -8671,8 +8671,8 @@
           </p:nvSpPr>
           <p:spPr>
             <a:xfrm>
-              <a:off x="3537153" y="1200051"/>
-              <a:ext cx="2006410" cy="1341830"/>
+              <a:off x="3525018" y="1200051"/>
+              <a:ext cx="1994274" cy="1341830"/>
             </a:xfrm>
             <a:prstGeom prst="rect">
               <a:avLst/>
@@ -8697,21 +8697,21 @@
           </p:nvSpPr>
           <p:spPr>
             <a:xfrm>
-              <a:off x="3537153" y="2363622"/>
-              <a:ext cx="2006410" cy="0"/>
+              <a:off x="3525018" y="2363622"/>
+              <a:ext cx="1994274" cy="0"/>
             </a:xfrm>
             <a:custGeom>
               <a:avLst/>
               <a:pathLst>
-                <a:path w="2006410" h="0">
+                <a:path w="1994274" h="0">
                   <a:moveTo>
                     <a:pt x="0" y="0"/>
                   </a:moveTo>
                   <a:lnTo>
-                    <a:pt x="2006410" y="0"/>
-                  </a:lnTo>
-                  <a:lnTo>
-                    <a:pt x="2006410" y="0"/>
+                    <a:pt x="1994274" y="0"/>
+                  </a:lnTo>
+                  <a:lnTo>
+                    <a:pt x="1994274" y="0"/>
                   </a:lnTo>
                 </a:path>
               </a:pathLst>
@@ -8740,21 +8740,21 @@
           </p:nvSpPr>
           <p:spPr>
             <a:xfrm>
-              <a:off x="3537153" y="2122060"/>
-              <a:ext cx="2006410" cy="0"/>
+              <a:off x="3525018" y="2122060"/>
+              <a:ext cx="1994274" cy="0"/>
             </a:xfrm>
             <a:custGeom>
               <a:avLst/>
               <a:pathLst>
-                <a:path w="2006410" h="0">
+                <a:path w="1994274" h="0">
                   <a:moveTo>
                     <a:pt x="0" y="0"/>
                   </a:moveTo>
                   <a:lnTo>
-                    <a:pt x="2006410" y="0"/>
-                  </a:lnTo>
-                  <a:lnTo>
-                    <a:pt x="2006410" y="0"/>
+                    <a:pt x="1994274" y="0"/>
+                  </a:lnTo>
+                  <a:lnTo>
+                    <a:pt x="1994274" y="0"/>
                   </a:lnTo>
                 </a:path>
               </a:pathLst>
@@ -8783,21 +8783,21 @@
           </p:nvSpPr>
           <p:spPr>
             <a:xfrm>
-              <a:off x="3537153" y="1880498"/>
-              <a:ext cx="2006410" cy="0"/>
+              <a:off x="3525018" y="1880498"/>
+              <a:ext cx="1994274" cy="0"/>
             </a:xfrm>
             <a:custGeom>
               <a:avLst/>
               <a:pathLst>
-                <a:path w="2006410" h="0">
+                <a:path w="1994274" h="0">
                   <a:moveTo>
                     <a:pt x="0" y="0"/>
                   </a:moveTo>
                   <a:lnTo>
-                    <a:pt x="2006410" y="0"/>
-                  </a:lnTo>
-                  <a:lnTo>
-                    <a:pt x="2006410" y="0"/>
+                    <a:pt x="1994274" y="0"/>
+                  </a:lnTo>
+                  <a:lnTo>
+                    <a:pt x="1994274" y="0"/>
                   </a:lnTo>
                 </a:path>
               </a:pathLst>
@@ -8826,21 +8826,21 @@
           </p:nvSpPr>
           <p:spPr>
             <a:xfrm>
-              <a:off x="3537153" y="1638936"/>
-              <a:ext cx="2006410" cy="0"/>
+              <a:off x="3525018" y="1638936"/>
+              <a:ext cx="1994274" cy="0"/>
             </a:xfrm>
             <a:custGeom>
               <a:avLst/>
               <a:pathLst>
-                <a:path w="2006410" h="0">
+                <a:path w="1994274" h="0">
                   <a:moveTo>
                     <a:pt x="0" y="0"/>
                   </a:moveTo>
                   <a:lnTo>
-                    <a:pt x="2006410" y="0"/>
-                  </a:lnTo>
-                  <a:lnTo>
-                    <a:pt x="2006410" y="0"/>
+                    <a:pt x="1994274" y="0"/>
+                  </a:lnTo>
+                  <a:lnTo>
+                    <a:pt x="1994274" y="0"/>
                   </a:lnTo>
                 </a:path>
               </a:pathLst>
@@ -8869,21 +8869,21 @@
           </p:nvSpPr>
           <p:spPr>
             <a:xfrm>
-              <a:off x="3537153" y="1397374"/>
-              <a:ext cx="2006410" cy="0"/>
+              <a:off x="3525018" y="1397374"/>
+              <a:ext cx="1994274" cy="0"/>
             </a:xfrm>
             <a:custGeom>
               <a:avLst/>
               <a:pathLst>
-                <a:path w="2006410" h="0">
+                <a:path w="1994274" h="0">
                   <a:moveTo>
                     <a:pt x="0" y="0"/>
                   </a:moveTo>
                   <a:lnTo>
-                    <a:pt x="2006410" y="0"/>
-                  </a:lnTo>
-                  <a:lnTo>
-                    <a:pt x="2006410" y="0"/>
+                    <a:pt x="1994274" y="0"/>
+                  </a:lnTo>
+                  <a:lnTo>
+                    <a:pt x="1994274" y="0"/>
                   </a:lnTo>
                 </a:path>
               </a:pathLst>
@@ -8912,7 +8912,7 @@
           </p:nvSpPr>
           <p:spPr>
             <a:xfrm>
-              <a:off x="3791212" y="1200051"/>
+              <a:off x="3777540" y="1200051"/>
               <a:ext cx="0" cy="1341830"/>
             </a:xfrm>
             <a:custGeom>
@@ -8955,7 +8955,7 @@
           </p:nvSpPr>
           <p:spPr>
             <a:xfrm>
-              <a:off x="4116928" y="1200051"/>
+              <a:off x="4101286" y="1200051"/>
               <a:ext cx="0" cy="1341830"/>
             </a:xfrm>
             <a:custGeom>
@@ -8998,7 +8998,7 @@
           </p:nvSpPr>
           <p:spPr>
             <a:xfrm>
-              <a:off x="4442644" y="1200051"/>
+              <a:off x="4425032" y="1200051"/>
               <a:ext cx="0" cy="1341830"/>
             </a:xfrm>
             <a:custGeom>
@@ -9041,7 +9041,7 @@
           </p:nvSpPr>
           <p:spPr>
             <a:xfrm>
-              <a:off x="4768360" y="1200051"/>
+              <a:off x="4748778" y="1200051"/>
               <a:ext cx="0" cy="1341830"/>
             </a:xfrm>
             <a:custGeom>
@@ -9084,7 +9084,7 @@
           </p:nvSpPr>
           <p:spPr>
             <a:xfrm>
-              <a:off x="5094076" y="1200051"/>
+              <a:off x="5072524" y="1200051"/>
               <a:ext cx="0" cy="1341830"/>
             </a:xfrm>
             <a:custGeom>
@@ -9127,7 +9127,7 @@
           </p:nvSpPr>
           <p:spPr>
             <a:xfrm>
-              <a:off x="5419791" y="1200051"/>
+              <a:off x="5396270" y="1200051"/>
               <a:ext cx="0" cy="1341830"/>
             </a:xfrm>
             <a:custGeom>
@@ -9170,21 +9170,21 @@
           </p:nvSpPr>
           <p:spPr>
             <a:xfrm>
-              <a:off x="3537153" y="2484403"/>
-              <a:ext cx="2006410" cy="0"/>
+              <a:off x="3525018" y="2484403"/>
+              <a:ext cx="1994274" cy="0"/>
             </a:xfrm>
             <a:custGeom>
               <a:avLst/>
               <a:pathLst>
-                <a:path w="2006410" h="0">
+                <a:path w="1994274" h="0">
                   <a:moveTo>
                     <a:pt x="0" y="0"/>
                   </a:moveTo>
                   <a:lnTo>
-                    <a:pt x="2006410" y="0"/>
-                  </a:lnTo>
-                  <a:lnTo>
-                    <a:pt x="2006410" y="0"/>
+                    <a:pt x="1994274" y="0"/>
+                  </a:lnTo>
+                  <a:lnTo>
+                    <a:pt x="1994274" y="0"/>
                   </a:lnTo>
                 </a:path>
               </a:pathLst>
@@ -9213,21 +9213,21 @@
           </p:nvSpPr>
           <p:spPr>
             <a:xfrm>
-              <a:off x="3537153" y="2242841"/>
-              <a:ext cx="2006410" cy="0"/>
+              <a:off x="3525018" y="2242841"/>
+              <a:ext cx="1994274" cy="0"/>
             </a:xfrm>
             <a:custGeom>
               <a:avLst/>
               <a:pathLst>
-                <a:path w="2006410" h="0">
+                <a:path w="1994274" h="0">
                   <a:moveTo>
                     <a:pt x="0" y="0"/>
                   </a:moveTo>
                   <a:lnTo>
-                    <a:pt x="2006410" y="0"/>
-                  </a:lnTo>
-                  <a:lnTo>
-                    <a:pt x="2006410" y="0"/>
+                    <a:pt x="1994274" y="0"/>
+                  </a:lnTo>
+                  <a:lnTo>
+                    <a:pt x="1994274" y="0"/>
                   </a:lnTo>
                 </a:path>
               </a:pathLst>
@@ -9256,21 +9256,21 @@
           </p:nvSpPr>
           <p:spPr>
             <a:xfrm>
-              <a:off x="3537153" y="2001279"/>
-              <a:ext cx="2006410" cy="0"/>
+              <a:off x="3525018" y="2001279"/>
+              <a:ext cx="1994274" cy="0"/>
             </a:xfrm>
             <a:custGeom>
               <a:avLst/>
               <a:pathLst>
-                <a:path w="2006410" h="0">
+                <a:path w="1994274" h="0">
                   <a:moveTo>
                     <a:pt x="0" y="0"/>
                   </a:moveTo>
                   <a:lnTo>
-                    <a:pt x="2006410" y="0"/>
-                  </a:lnTo>
-                  <a:lnTo>
-                    <a:pt x="2006410" y="0"/>
+                    <a:pt x="1994274" y="0"/>
+                  </a:lnTo>
+                  <a:lnTo>
+                    <a:pt x="1994274" y="0"/>
                   </a:lnTo>
                 </a:path>
               </a:pathLst>
@@ -9299,21 +9299,21 @@
           </p:nvSpPr>
           <p:spPr>
             <a:xfrm>
-              <a:off x="3537153" y="1759717"/>
-              <a:ext cx="2006410" cy="0"/>
+              <a:off x="3525018" y="1759717"/>
+              <a:ext cx="1994274" cy="0"/>
             </a:xfrm>
             <a:custGeom>
               <a:avLst/>
               <a:pathLst>
-                <a:path w="2006410" h="0">
+                <a:path w="1994274" h="0">
                   <a:moveTo>
                     <a:pt x="0" y="0"/>
                   </a:moveTo>
                   <a:lnTo>
-                    <a:pt x="2006410" y="0"/>
-                  </a:lnTo>
-                  <a:lnTo>
-                    <a:pt x="2006410" y="0"/>
+                    <a:pt x="1994274" y="0"/>
+                  </a:lnTo>
+                  <a:lnTo>
+                    <a:pt x="1994274" y="0"/>
                   </a:lnTo>
                 </a:path>
               </a:pathLst>
@@ -9342,21 +9342,21 @@
           </p:nvSpPr>
           <p:spPr>
             <a:xfrm>
-              <a:off x="3537153" y="1518155"/>
-              <a:ext cx="2006410" cy="0"/>
+              <a:off x="3525018" y="1518155"/>
+              <a:ext cx="1994274" cy="0"/>
             </a:xfrm>
             <a:custGeom>
               <a:avLst/>
               <a:pathLst>
-                <a:path w="2006410" h="0">
+                <a:path w="1994274" h="0">
                   <a:moveTo>
                     <a:pt x="0" y="0"/>
                   </a:moveTo>
                   <a:lnTo>
-                    <a:pt x="2006410" y="0"/>
-                  </a:lnTo>
-                  <a:lnTo>
-                    <a:pt x="2006410" y="0"/>
+                    <a:pt x="1994274" y="0"/>
+                  </a:lnTo>
+                  <a:lnTo>
+                    <a:pt x="1994274" y="0"/>
                   </a:lnTo>
                 </a:path>
               </a:pathLst>
@@ -9385,21 +9385,21 @@
           </p:nvSpPr>
           <p:spPr>
             <a:xfrm>
-              <a:off x="3537153" y="1276593"/>
-              <a:ext cx="2006410" cy="0"/>
+              <a:off x="3525018" y="1276593"/>
+              <a:ext cx="1994274" cy="0"/>
             </a:xfrm>
             <a:custGeom>
               <a:avLst/>
               <a:pathLst>
-                <a:path w="2006410" h="0">
+                <a:path w="1994274" h="0">
                   <a:moveTo>
                     <a:pt x="0" y="0"/>
                   </a:moveTo>
                   <a:lnTo>
-                    <a:pt x="2006410" y="0"/>
-                  </a:lnTo>
-                  <a:lnTo>
-                    <a:pt x="2006410" y="0"/>
+                    <a:pt x="1994274" y="0"/>
+                  </a:lnTo>
+                  <a:lnTo>
+                    <a:pt x="1994274" y="0"/>
                   </a:lnTo>
                 </a:path>
               </a:pathLst>
@@ -9428,7 +9428,7 @@
           </p:nvSpPr>
           <p:spPr>
             <a:xfrm>
-              <a:off x="3628354" y="1200051"/>
+              <a:off x="3615667" y="1200051"/>
               <a:ext cx="0" cy="1341830"/>
             </a:xfrm>
             <a:custGeom>
@@ -9471,7 +9471,7 @@
           </p:nvSpPr>
           <p:spPr>
             <a:xfrm>
-              <a:off x="3954070" y="1200051"/>
+              <a:off x="3939413" y="1200051"/>
               <a:ext cx="0" cy="1341830"/>
             </a:xfrm>
             <a:custGeom>
@@ -9514,7 +9514,7 @@
           </p:nvSpPr>
           <p:spPr>
             <a:xfrm>
-              <a:off x="4279786" y="1200051"/>
+              <a:off x="4263159" y="1200051"/>
               <a:ext cx="0" cy="1341830"/>
             </a:xfrm>
             <a:custGeom>
@@ -9557,7 +9557,7 @@
           </p:nvSpPr>
           <p:spPr>
             <a:xfrm>
-              <a:off x="4605502" y="1200051"/>
+              <a:off x="4586905" y="1200051"/>
               <a:ext cx="0" cy="1341830"/>
             </a:xfrm>
             <a:custGeom>
@@ -9600,7 +9600,7 @@
           </p:nvSpPr>
           <p:spPr>
             <a:xfrm>
-              <a:off x="4931218" y="1200051"/>
+              <a:off x="4910651" y="1200051"/>
               <a:ext cx="0" cy="1341830"/>
             </a:xfrm>
             <a:custGeom>
@@ -9643,7 +9643,7 @@
           </p:nvSpPr>
           <p:spPr>
             <a:xfrm>
-              <a:off x="5256933" y="1200051"/>
+              <a:off x="5234397" y="1200051"/>
               <a:ext cx="0" cy="1341830"/>
             </a:xfrm>
             <a:custGeom>
@@ -9686,72 +9686,72 @@
           </p:nvSpPr>
           <p:spPr>
             <a:xfrm>
-              <a:off x="4247214" y="1815015"/>
-              <a:ext cx="1140005" cy="646228"/>
+              <a:off x="4230784" y="1815015"/>
+              <a:ext cx="1133110" cy="646228"/>
             </a:xfrm>
             <a:custGeom>
               <a:avLst/>
               <a:pathLst>
-                <a:path w="1140005" h="646228">
+                <a:path w="1133110" h="646228">
                   <a:moveTo>
                     <a:pt x="0" y="640222"/>
                   </a:moveTo>
                   <a:lnTo>
-                    <a:pt x="65143" y="616189"/>
-                  </a:lnTo>
-                  <a:lnTo>
-                    <a:pt x="97714" y="598473"/>
-                  </a:lnTo>
-                  <a:lnTo>
-                    <a:pt x="162857" y="548010"/>
-                  </a:lnTo>
-                  <a:lnTo>
-                    <a:pt x="260572" y="423127"/>
-                  </a:lnTo>
-                  <a:lnTo>
-                    <a:pt x="325715" y="301584"/>
-                  </a:lnTo>
-                  <a:lnTo>
-                    <a:pt x="358287" y="233000"/>
-                  </a:lnTo>
-                  <a:lnTo>
-                    <a:pt x="390859" y="164953"/>
-                  </a:lnTo>
-                  <a:lnTo>
-                    <a:pt x="456002" y="49918"/>
-                  </a:lnTo>
-                  <a:lnTo>
-                    <a:pt x="488573" y="15402"/>
-                  </a:lnTo>
-                  <a:lnTo>
-                    <a:pt x="521145" y="0"/>
-                  </a:lnTo>
-                  <a:lnTo>
-                    <a:pt x="553717" y="4035"/>
-                  </a:lnTo>
-                  <a:lnTo>
-                    <a:pt x="586288" y="25144"/>
-                  </a:lnTo>
-                  <a:lnTo>
-                    <a:pt x="618860" y="59540"/>
-                  </a:lnTo>
-                  <a:lnTo>
-                    <a:pt x="684003" y="153536"/>
-                  </a:lnTo>
-                  <a:lnTo>
-                    <a:pt x="716575" y="209172"/>
-                  </a:lnTo>
-                  <a:lnTo>
-                    <a:pt x="749146" y="267542"/>
-                  </a:lnTo>
-                  <a:lnTo>
-                    <a:pt x="781718" y="326297"/>
-                  </a:lnTo>
-                  <a:lnTo>
-                    <a:pt x="977147" y="579674"/>
-                  </a:lnTo>
-                  <a:lnTo>
-                    <a:pt x="1140005" y="646228"/>
+                    <a:pt x="64749" y="616189"/>
+                  </a:lnTo>
+                  <a:lnTo>
+                    <a:pt x="97123" y="598473"/>
+                  </a:lnTo>
+                  <a:lnTo>
+                    <a:pt x="161872" y="548010"/>
+                  </a:lnTo>
+                  <a:lnTo>
+                    <a:pt x="258996" y="423127"/>
+                  </a:lnTo>
+                  <a:lnTo>
+                    <a:pt x="323745" y="301584"/>
+                  </a:lnTo>
+                  <a:lnTo>
+                    <a:pt x="356120" y="233000"/>
+                  </a:lnTo>
+                  <a:lnTo>
+                    <a:pt x="388495" y="164953"/>
+                  </a:lnTo>
+                  <a:lnTo>
+                    <a:pt x="453244" y="49918"/>
+                  </a:lnTo>
+                  <a:lnTo>
+                    <a:pt x="485618" y="15402"/>
+                  </a:lnTo>
+                  <a:lnTo>
+                    <a:pt x="517993" y="0"/>
+                  </a:lnTo>
+                  <a:lnTo>
+                    <a:pt x="550368" y="4035"/>
+                  </a:lnTo>
+                  <a:lnTo>
+                    <a:pt x="582742" y="25144"/>
+                  </a:lnTo>
+                  <a:lnTo>
+                    <a:pt x="615117" y="59540"/>
+                  </a:lnTo>
+                  <a:lnTo>
+                    <a:pt x="679866" y="153536"/>
+                  </a:lnTo>
+                  <a:lnTo>
+                    <a:pt x="712241" y="209172"/>
+                  </a:lnTo>
+                  <a:lnTo>
+                    <a:pt x="744615" y="267542"/>
+                  </a:lnTo>
+                  <a:lnTo>
+                    <a:pt x="776990" y="326297"/>
+                  </a:lnTo>
+                  <a:lnTo>
+                    <a:pt x="971237" y="579674"/>
+                  </a:lnTo>
+                  <a:lnTo>
+                    <a:pt x="1133110" y="646228"/>
                   </a:lnTo>
                 </a:path>
               </a:pathLst>
@@ -9780,69 +9780,69 @@
           </p:nvSpPr>
           <p:spPr>
             <a:xfrm>
-              <a:off x="4279786" y="1585856"/>
-              <a:ext cx="1107434" cy="895033"/>
+              <a:off x="4263159" y="1585856"/>
+              <a:ext cx="1100736" cy="895033"/>
             </a:xfrm>
             <a:custGeom>
               <a:avLst/>
               <a:pathLst>
-                <a:path w="1107434" h="895033">
+                <a:path w="1100736" h="895033">
                   <a:moveTo>
                     <a:pt x="0" y="869714"/>
                   </a:moveTo>
                   <a:lnTo>
-                    <a:pt x="130286" y="697462"/>
-                  </a:lnTo>
-                  <a:lnTo>
-                    <a:pt x="162857" y="586079"/>
-                  </a:lnTo>
-                  <a:lnTo>
-                    <a:pt x="195429" y="437595"/>
-                  </a:lnTo>
-                  <a:lnTo>
-                    <a:pt x="228001" y="271288"/>
-                  </a:lnTo>
-                  <a:lnTo>
-                    <a:pt x="260572" y="122318"/>
-                  </a:lnTo>
-                  <a:lnTo>
-                    <a:pt x="293144" y="24172"/>
-                  </a:lnTo>
-                  <a:lnTo>
-                    <a:pt x="325715" y="0"/>
-                  </a:lnTo>
-                  <a:lnTo>
-                    <a:pt x="358287" y="38374"/>
-                  </a:lnTo>
-                  <a:lnTo>
-                    <a:pt x="390859" y="114178"/>
-                  </a:lnTo>
-                  <a:lnTo>
-                    <a:pt x="423430" y="203844"/>
-                  </a:lnTo>
-                  <a:lnTo>
-                    <a:pt x="456002" y="293641"/>
-                  </a:lnTo>
-                  <a:lnTo>
-                    <a:pt x="488573" y="378293"/>
-                  </a:lnTo>
-                  <a:lnTo>
-                    <a:pt x="521145" y="456395"/>
-                  </a:lnTo>
-                  <a:lnTo>
-                    <a:pt x="553717" y="526779"/>
-                  </a:lnTo>
-                  <a:lnTo>
-                    <a:pt x="586288" y="589910"/>
-                  </a:lnTo>
-                  <a:lnTo>
-                    <a:pt x="651431" y="693358"/>
-                  </a:lnTo>
-                  <a:lnTo>
-                    <a:pt x="749146" y="796822"/>
-                  </a:lnTo>
-                  <a:lnTo>
-                    <a:pt x="1107434" y="895033"/>
+                    <a:pt x="129498" y="697462"/>
+                  </a:lnTo>
+                  <a:lnTo>
+                    <a:pt x="161872" y="586079"/>
+                  </a:lnTo>
+                  <a:lnTo>
+                    <a:pt x="194247" y="437595"/>
+                  </a:lnTo>
+                  <a:lnTo>
+                    <a:pt x="226622" y="271288"/>
+                  </a:lnTo>
+                  <a:lnTo>
+                    <a:pt x="258996" y="122318"/>
+                  </a:lnTo>
+                  <a:lnTo>
+                    <a:pt x="291371" y="24172"/>
+                  </a:lnTo>
+                  <a:lnTo>
+                    <a:pt x="323745" y="0"/>
+                  </a:lnTo>
+                  <a:lnTo>
+                    <a:pt x="356120" y="38374"/>
+                  </a:lnTo>
+                  <a:lnTo>
+                    <a:pt x="388495" y="114178"/>
+                  </a:lnTo>
+                  <a:lnTo>
+                    <a:pt x="420869" y="203844"/>
+                  </a:lnTo>
+                  <a:lnTo>
+                    <a:pt x="453244" y="293641"/>
+                  </a:lnTo>
+                  <a:lnTo>
+                    <a:pt x="485618" y="378293"/>
+                  </a:lnTo>
+                  <a:lnTo>
+                    <a:pt x="517993" y="456395"/>
+                  </a:lnTo>
+                  <a:lnTo>
+                    <a:pt x="550368" y="526779"/>
+                  </a:lnTo>
+                  <a:lnTo>
+                    <a:pt x="582742" y="589910"/>
+                  </a:lnTo>
+                  <a:lnTo>
+                    <a:pt x="647491" y="693358"/>
+                  </a:lnTo>
+                  <a:lnTo>
+                    <a:pt x="744615" y="796822"/>
+                  </a:lnTo>
+                  <a:lnTo>
+                    <a:pt x="1100736" y="895033"/>
                   </a:lnTo>
                 </a:path>
               </a:pathLst>
@@ -9871,66 +9871,66 @@
           </p:nvSpPr>
           <p:spPr>
             <a:xfrm>
-              <a:off x="3758640" y="1610118"/>
-              <a:ext cx="1628579" cy="869145"/>
+              <a:off x="3745165" y="1610118"/>
+              <a:ext cx="1618729" cy="869145"/>
             </a:xfrm>
             <a:custGeom>
               <a:avLst/>
               <a:pathLst>
-                <a:path w="1628579" h="869145">
+                <a:path w="1618729" h="869145">
                   <a:moveTo>
                     <a:pt x="0" y="807775"/>
                   </a:moveTo>
                   <a:lnTo>
-                    <a:pt x="97714" y="829629"/>
-                  </a:lnTo>
-                  <a:lnTo>
-                    <a:pt x="586288" y="830677"/>
-                  </a:lnTo>
-                  <a:lnTo>
-                    <a:pt x="684003" y="743603"/>
-                  </a:lnTo>
-                  <a:lnTo>
-                    <a:pt x="749146" y="580244"/>
-                  </a:lnTo>
-                  <a:lnTo>
-                    <a:pt x="781718" y="454567"/>
-                  </a:lnTo>
-                  <a:lnTo>
-                    <a:pt x="814289" y="289401"/>
-                  </a:lnTo>
-                  <a:lnTo>
-                    <a:pt x="846861" y="166601"/>
-                  </a:lnTo>
-                  <a:lnTo>
-                    <a:pt x="879432" y="54745"/>
-                  </a:lnTo>
-                  <a:lnTo>
-                    <a:pt x="912004" y="4879"/>
-                  </a:lnTo>
-                  <a:lnTo>
-                    <a:pt x="944576" y="0"/>
-                  </a:lnTo>
-                  <a:lnTo>
-                    <a:pt x="977147" y="18287"/>
-                  </a:lnTo>
-                  <a:lnTo>
-                    <a:pt x="1009719" y="82626"/>
-                  </a:lnTo>
-                  <a:lnTo>
-                    <a:pt x="1042290" y="153725"/>
-                  </a:lnTo>
-                  <a:lnTo>
-                    <a:pt x="1074862" y="239048"/>
-                  </a:lnTo>
-                  <a:lnTo>
-                    <a:pt x="1107434" y="332553"/>
-                  </a:lnTo>
-                  <a:lnTo>
-                    <a:pt x="1433150" y="835363"/>
-                  </a:lnTo>
-                  <a:lnTo>
-                    <a:pt x="1628579" y="869145"/>
+                    <a:pt x="97123" y="829629"/>
+                  </a:lnTo>
+                  <a:lnTo>
+                    <a:pt x="582742" y="830677"/>
+                  </a:lnTo>
+                  <a:lnTo>
+                    <a:pt x="679866" y="743603"/>
+                  </a:lnTo>
+                  <a:lnTo>
+                    <a:pt x="744615" y="580244"/>
+                  </a:lnTo>
+                  <a:lnTo>
+                    <a:pt x="776990" y="454567"/>
+                  </a:lnTo>
+                  <a:lnTo>
+                    <a:pt x="809364" y="289401"/>
+                  </a:lnTo>
+                  <a:lnTo>
+                    <a:pt x="841739" y="166601"/>
+                  </a:lnTo>
+                  <a:lnTo>
+                    <a:pt x="874113" y="54745"/>
+                  </a:lnTo>
+                  <a:lnTo>
+                    <a:pt x="906488" y="4879"/>
+                  </a:lnTo>
+                  <a:lnTo>
+                    <a:pt x="938863" y="0"/>
+                  </a:lnTo>
+                  <a:lnTo>
+                    <a:pt x="971237" y="18287"/>
+                  </a:lnTo>
+                  <a:lnTo>
+                    <a:pt x="1003612" y="82626"/>
+                  </a:lnTo>
+                  <a:lnTo>
+                    <a:pt x="1035986" y="153725"/>
+                  </a:lnTo>
+                  <a:lnTo>
+                    <a:pt x="1068361" y="239048"/>
+                  </a:lnTo>
+                  <a:lnTo>
+                    <a:pt x="1100736" y="332553"/>
+                  </a:lnTo>
+                  <a:lnTo>
+                    <a:pt x="1424482" y="835363"/>
+                  </a:lnTo>
+                  <a:lnTo>
+                    <a:pt x="1618729" y="869145"/>
                   </a:lnTo>
                 </a:path>
               </a:pathLst>
@@ -9959,7 +9959,7 @@
           </p:nvSpPr>
           <p:spPr>
             <a:xfrm>
-              <a:off x="4222388" y="2430412"/>
+              <a:off x="4205958" y="2430412"/>
               <a:ext cx="49651" cy="49651"/>
             </a:xfrm>
             <a:prstGeom prst="ellipse">
@@ -9994,7 +9994,7 @@
           </p:nvSpPr>
           <p:spPr>
             <a:xfrm>
-              <a:off x="4287531" y="2406379"/>
+              <a:off x="4270708" y="2406379"/>
               <a:ext cx="49651" cy="49651"/>
             </a:xfrm>
             <a:prstGeom prst="ellipse">
@@ -10029,7 +10029,7 @@
           </p:nvSpPr>
           <p:spPr>
             <a:xfrm>
-              <a:off x="4320103" y="2388663"/>
+              <a:off x="4303082" y="2388663"/>
               <a:ext cx="49651" cy="49651"/>
             </a:xfrm>
             <a:prstGeom prst="ellipse">
@@ -10064,7 +10064,7 @@
           </p:nvSpPr>
           <p:spPr>
             <a:xfrm>
-              <a:off x="4385246" y="2338199"/>
+              <a:off x="4367831" y="2338199"/>
               <a:ext cx="49651" cy="49651"/>
             </a:xfrm>
             <a:prstGeom prst="ellipse">
@@ -10099,7 +10099,7 @@
           </p:nvSpPr>
           <p:spPr>
             <a:xfrm>
-              <a:off x="4482961" y="2213317"/>
+              <a:off x="4464955" y="2213317"/>
               <a:ext cx="49651" cy="49651"/>
             </a:xfrm>
             <a:prstGeom prst="ellipse">
@@ -10134,7 +10134,7 @@
           </p:nvSpPr>
           <p:spPr>
             <a:xfrm>
-              <a:off x="4548104" y="2091774"/>
+              <a:off x="4529704" y="2091774"/>
               <a:ext cx="49651" cy="49651"/>
             </a:xfrm>
             <a:prstGeom prst="ellipse">
@@ -10169,7 +10169,7 @@
           </p:nvSpPr>
           <p:spPr>
             <a:xfrm>
-              <a:off x="4580676" y="2023190"/>
+              <a:off x="4562079" y="2023190"/>
               <a:ext cx="49651" cy="49651"/>
             </a:xfrm>
             <a:prstGeom prst="ellipse">
@@ -10204,7 +10204,7 @@
           </p:nvSpPr>
           <p:spPr>
             <a:xfrm>
-              <a:off x="4613247" y="1955143"/>
+              <a:off x="4594453" y="1955143"/>
               <a:ext cx="49651" cy="49651"/>
             </a:xfrm>
             <a:prstGeom prst="ellipse">
@@ -10239,7 +10239,7 @@
           </p:nvSpPr>
           <p:spPr>
             <a:xfrm>
-              <a:off x="4678390" y="1840108"/>
+              <a:off x="4659203" y="1840108"/>
               <a:ext cx="49651" cy="49651"/>
             </a:xfrm>
             <a:prstGeom prst="ellipse">
@@ -10274,7 +10274,7 @@
           </p:nvSpPr>
           <p:spPr>
             <a:xfrm>
-              <a:off x="4710962" y="1805591"/>
+              <a:off x="4691577" y="1805591"/>
               <a:ext cx="49651" cy="49651"/>
             </a:xfrm>
             <a:prstGeom prst="ellipse">
@@ -10309,7 +10309,7 @@
           </p:nvSpPr>
           <p:spPr>
             <a:xfrm>
-              <a:off x="4743534" y="1790189"/>
+              <a:off x="4723952" y="1790189"/>
               <a:ext cx="49651" cy="49651"/>
             </a:xfrm>
             <a:prstGeom prst="ellipse">
@@ -10344,7 +10344,7 @@
           </p:nvSpPr>
           <p:spPr>
             <a:xfrm>
-              <a:off x="4776105" y="1794225"/>
+              <a:off x="4756326" y="1794225"/>
               <a:ext cx="49651" cy="49651"/>
             </a:xfrm>
             <a:prstGeom prst="ellipse">
@@ -10379,7 +10379,7 @@
           </p:nvSpPr>
           <p:spPr>
             <a:xfrm>
-              <a:off x="4808677" y="1815334"/>
+              <a:off x="4788701" y="1815334"/>
               <a:ext cx="49651" cy="49651"/>
             </a:xfrm>
             <a:prstGeom prst="ellipse">
@@ -10414,7 +10414,7 @@
           </p:nvSpPr>
           <p:spPr>
             <a:xfrm>
-              <a:off x="4841248" y="1849730"/>
+              <a:off x="4821076" y="1849730"/>
               <a:ext cx="49651" cy="49651"/>
             </a:xfrm>
             <a:prstGeom prst="ellipse">
@@ -10449,7 +10449,7 @@
           </p:nvSpPr>
           <p:spPr>
             <a:xfrm>
-              <a:off x="4906392" y="1943726"/>
+              <a:off x="4885825" y="1943726"/>
               <a:ext cx="49651" cy="49651"/>
             </a:xfrm>
             <a:prstGeom prst="ellipse">
@@ -10484,7 +10484,7 @@
           </p:nvSpPr>
           <p:spPr>
             <a:xfrm>
-              <a:off x="4938963" y="1999362"/>
+              <a:off x="4918199" y="1999362"/>
               <a:ext cx="49651" cy="49651"/>
             </a:xfrm>
             <a:prstGeom prst="ellipse">
@@ -10519,7 +10519,7 @@
           </p:nvSpPr>
           <p:spPr>
             <a:xfrm>
-              <a:off x="4971535" y="2057731"/>
+              <a:off x="4950574" y="2057731"/>
               <a:ext cx="49651" cy="49651"/>
             </a:xfrm>
             <a:prstGeom prst="ellipse">
@@ -10554,7 +10554,7 @@
           </p:nvSpPr>
           <p:spPr>
             <a:xfrm>
-              <a:off x="5004106" y="2116487"/>
+              <a:off x="4982949" y="2116487"/>
               <a:ext cx="49651" cy="49651"/>
             </a:xfrm>
             <a:prstGeom prst="ellipse">
@@ -10589,7 +10589,7 @@
           </p:nvSpPr>
           <p:spPr>
             <a:xfrm>
-              <a:off x="5199536" y="2369864"/>
+              <a:off x="5177196" y="2369864"/>
               <a:ext cx="49651" cy="49651"/>
             </a:xfrm>
             <a:prstGeom prst="ellipse">
@@ -10624,7 +10624,7 @@
           </p:nvSpPr>
           <p:spPr>
             <a:xfrm>
-              <a:off x="5362394" y="2436418"/>
+              <a:off x="5339069" y="2436418"/>
               <a:ext cx="49651" cy="49651"/>
             </a:xfrm>
             <a:prstGeom prst="ellipse">
@@ -10659,7 +10659,7 @@
           </p:nvSpPr>
           <p:spPr>
             <a:xfrm>
-              <a:off x="4254960" y="2430745"/>
+              <a:off x="4238333" y="2430745"/>
               <a:ext cx="49651" cy="49651"/>
             </a:xfrm>
             <a:prstGeom prst="ellipse">
@@ -10694,7 +10694,7 @@
           </p:nvSpPr>
           <p:spPr>
             <a:xfrm>
-              <a:off x="4385246" y="2258493"/>
+              <a:off x="4367831" y="2258493"/>
               <a:ext cx="49651" cy="49651"/>
             </a:xfrm>
             <a:prstGeom prst="ellipse">
@@ -10729,7 +10729,7 @@
           </p:nvSpPr>
           <p:spPr>
             <a:xfrm>
-              <a:off x="4417818" y="2147110"/>
+              <a:off x="4400206" y="2147110"/>
               <a:ext cx="49651" cy="49651"/>
             </a:xfrm>
             <a:prstGeom prst="ellipse">
@@ -10764,7 +10764,7 @@
           </p:nvSpPr>
           <p:spPr>
             <a:xfrm>
-              <a:off x="4450389" y="1998626"/>
+              <a:off x="4432581" y="1998626"/>
               <a:ext cx="49651" cy="49651"/>
             </a:xfrm>
             <a:prstGeom prst="ellipse">
@@ -10799,7 +10799,7 @@
           </p:nvSpPr>
           <p:spPr>
             <a:xfrm>
-              <a:off x="4482961" y="1832319"/>
+              <a:off x="4464955" y="1832319"/>
               <a:ext cx="49651" cy="49651"/>
             </a:xfrm>
             <a:prstGeom prst="ellipse">
@@ -10834,7 +10834,7 @@
           </p:nvSpPr>
           <p:spPr>
             <a:xfrm>
-              <a:off x="4515533" y="1683349"/>
+              <a:off x="4497330" y="1683349"/>
               <a:ext cx="49651" cy="49651"/>
             </a:xfrm>
             <a:prstGeom prst="ellipse">
@@ -10869,7 +10869,7 @@
           </p:nvSpPr>
           <p:spPr>
             <a:xfrm>
-              <a:off x="4548104" y="1585203"/>
+              <a:off x="4529704" y="1585203"/>
               <a:ext cx="49651" cy="49651"/>
             </a:xfrm>
             <a:prstGeom prst="ellipse">
@@ -10904,7 +10904,7 @@
           </p:nvSpPr>
           <p:spPr>
             <a:xfrm>
-              <a:off x="4580676" y="1561030"/>
+              <a:off x="4562079" y="1561030"/>
               <a:ext cx="49651" cy="49651"/>
             </a:xfrm>
             <a:prstGeom prst="ellipse">
@@ -10939,7 +10939,7 @@
           </p:nvSpPr>
           <p:spPr>
             <a:xfrm>
-              <a:off x="4613247" y="1599405"/>
+              <a:off x="4594453" y="1599405"/>
               <a:ext cx="49651" cy="49651"/>
             </a:xfrm>
             <a:prstGeom prst="ellipse">
@@ -10974,7 +10974,7 @@
           </p:nvSpPr>
           <p:spPr>
             <a:xfrm>
-              <a:off x="4645819" y="1675209"/>
+              <a:off x="4626828" y="1675209"/>
               <a:ext cx="49651" cy="49651"/>
             </a:xfrm>
             <a:prstGeom prst="ellipse">
@@ -11009,7 +11009,7 @@
           </p:nvSpPr>
           <p:spPr>
             <a:xfrm>
-              <a:off x="4678390" y="1764875"/>
+              <a:off x="4659203" y="1764875"/>
               <a:ext cx="49651" cy="49651"/>
             </a:xfrm>
             <a:prstGeom prst="ellipse">
@@ -11044,7 +11044,7 @@
           </p:nvSpPr>
           <p:spPr>
             <a:xfrm>
-              <a:off x="4710962" y="1854672"/>
+              <a:off x="4691577" y="1854672"/>
               <a:ext cx="49651" cy="49651"/>
             </a:xfrm>
             <a:prstGeom prst="ellipse">
@@ -11079,7 +11079,7 @@
           </p:nvSpPr>
           <p:spPr>
             <a:xfrm>
-              <a:off x="4743534" y="1939324"/>
+              <a:off x="4723952" y="1939324"/>
               <a:ext cx="49651" cy="49651"/>
             </a:xfrm>
             <a:prstGeom prst="ellipse">
@@ -11114,7 +11114,7 @@
           </p:nvSpPr>
           <p:spPr>
             <a:xfrm>
-              <a:off x="4776105" y="2017426"/>
+              <a:off x="4756326" y="2017426"/>
               <a:ext cx="49651" cy="49651"/>
             </a:xfrm>
             <a:prstGeom prst="ellipse">
@@ -11149,7 +11149,7 @@
           </p:nvSpPr>
           <p:spPr>
             <a:xfrm>
-              <a:off x="4808677" y="2087810"/>
+              <a:off x="4788701" y="2087810"/>
               <a:ext cx="49651" cy="49651"/>
             </a:xfrm>
             <a:prstGeom prst="ellipse">
@@ -11184,7 +11184,7 @@
           </p:nvSpPr>
           <p:spPr>
             <a:xfrm>
-              <a:off x="4841248" y="2150941"/>
+              <a:off x="4821076" y="2150941"/>
               <a:ext cx="49651" cy="49651"/>
             </a:xfrm>
             <a:prstGeom prst="ellipse">
@@ -11219,7 +11219,7 @@
           </p:nvSpPr>
           <p:spPr>
             <a:xfrm>
-              <a:off x="4906392" y="2254389"/>
+              <a:off x="4885825" y="2254389"/>
               <a:ext cx="49651" cy="49651"/>
             </a:xfrm>
             <a:prstGeom prst="ellipse">
@@ -11254,7 +11254,7 @@
           </p:nvSpPr>
           <p:spPr>
             <a:xfrm>
-              <a:off x="5004106" y="2357853"/>
+              <a:off x="4982949" y="2357853"/>
               <a:ext cx="49651" cy="49651"/>
             </a:xfrm>
             <a:prstGeom prst="ellipse">
@@ -11289,7 +11289,7 @@
           </p:nvSpPr>
           <p:spPr>
             <a:xfrm>
-              <a:off x="5362394" y="2456064"/>
+              <a:off x="5339069" y="2456064"/>
               <a:ext cx="49651" cy="49651"/>
             </a:xfrm>
             <a:prstGeom prst="ellipse">
@@ -11324,7 +11324,7 @@
           </p:nvSpPr>
           <p:spPr>
             <a:xfrm>
-              <a:off x="3733814" y="2393067"/>
+              <a:off x="3720340" y="2393067"/>
               <a:ext cx="49651" cy="49651"/>
             </a:xfrm>
             <a:prstGeom prst="ellipse">
@@ -11359,7 +11359,7 @@
           </p:nvSpPr>
           <p:spPr>
             <a:xfrm>
-              <a:off x="3831529" y="2414921"/>
+              <a:off x="3817463" y="2414921"/>
               <a:ext cx="49651" cy="49651"/>
             </a:xfrm>
             <a:prstGeom prst="ellipse">
@@ -11394,7 +11394,7 @@
           </p:nvSpPr>
           <p:spPr>
             <a:xfrm>
-              <a:off x="4320103" y="2415969"/>
+              <a:off x="4303082" y="2415969"/>
               <a:ext cx="49651" cy="49651"/>
             </a:xfrm>
             <a:prstGeom prst="ellipse">
@@ -11429,7 +11429,7 @@
           </p:nvSpPr>
           <p:spPr>
             <a:xfrm>
-              <a:off x="4417818" y="2328895"/>
+              <a:off x="4400206" y="2328895"/>
               <a:ext cx="49651" cy="49651"/>
             </a:xfrm>
             <a:prstGeom prst="ellipse">
@@ -11464,7 +11464,7 @@
           </p:nvSpPr>
           <p:spPr>
             <a:xfrm>
-              <a:off x="4482961" y="2165536"/>
+              <a:off x="4464955" y="2165536"/>
               <a:ext cx="49651" cy="49651"/>
             </a:xfrm>
             <a:prstGeom prst="ellipse">
@@ -11499,7 +11499,7 @@
           </p:nvSpPr>
           <p:spPr>
             <a:xfrm>
-              <a:off x="4515533" y="2039859"/>
+              <a:off x="4497330" y="2039859"/>
               <a:ext cx="49651" cy="49651"/>
             </a:xfrm>
             <a:prstGeom prst="ellipse">
@@ -11534,7 +11534,7 @@
           </p:nvSpPr>
           <p:spPr>
             <a:xfrm>
-              <a:off x="4548104" y="1874693"/>
+              <a:off x="4529704" y="1874693"/>
               <a:ext cx="49651" cy="49651"/>
             </a:xfrm>
             <a:prstGeom prst="ellipse">
@@ -11569,7 +11569,7 @@
           </p:nvSpPr>
           <p:spPr>
             <a:xfrm>
-              <a:off x="4580676" y="1751893"/>
+              <a:off x="4562079" y="1751893"/>
               <a:ext cx="49651" cy="49651"/>
             </a:xfrm>
             <a:prstGeom prst="ellipse">
@@ -11604,7 +11604,7 @@
           </p:nvSpPr>
           <p:spPr>
             <a:xfrm>
-              <a:off x="4613247" y="1640037"/>
+              <a:off x="4594453" y="1640037"/>
               <a:ext cx="49651" cy="49651"/>
             </a:xfrm>
             <a:prstGeom prst="ellipse">
@@ -11639,7 +11639,7 @@
           </p:nvSpPr>
           <p:spPr>
             <a:xfrm>
-              <a:off x="4645819" y="1590171"/>
+              <a:off x="4626828" y="1590171"/>
               <a:ext cx="49651" cy="49651"/>
             </a:xfrm>
             <a:prstGeom prst="ellipse">
@@ -11674,7 +11674,7 @@
           </p:nvSpPr>
           <p:spPr>
             <a:xfrm>
-              <a:off x="4678390" y="1585292"/>
+              <a:off x="4659203" y="1585292"/>
               <a:ext cx="49651" cy="49651"/>
             </a:xfrm>
             <a:prstGeom prst="ellipse">
@@ -11709,7 +11709,7 @@
           </p:nvSpPr>
           <p:spPr>
             <a:xfrm>
-              <a:off x="4710962" y="1603579"/>
+              <a:off x="4691577" y="1603579"/>
               <a:ext cx="49651" cy="49651"/>
             </a:xfrm>
             <a:prstGeom prst="ellipse">
@@ -11744,7 +11744,7 @@
           </p:nvSpPr>
           <p:spPr>
             <a:xfrm>
-              <a:off x="4743534" y="1667918"/>
+              <a:off x="4723952" y="1667918"/>
               <a:ext cx="49651" cy="49651"/>
             </a:xfrm>
             <a:prstGeom prst="ellipse">
@@ -11779,7 +11779,7 @@
           </p:nvSpPr>
           <p:spPr>
             <a:xfrm>
-              <a:off x="4776105" y="1739017"/>
+              <a:off x="4756326" y="1739017"/>
               <a:ext cx="49651" cy="49651"/>
             </a:xfrm>
             <a:prstGeom prst="ellipse">
@@ -11814,7 +11814,7 @@
           </p:nvSpPr>
           <p:spPr>
             <a:xfrm>
-              <a:off x="4808677" y="1824341"/>
+              <a:off x="4788701" y="1824341"/>
               <a:ext cx="49651" cy="49651"/>
             </a:xfrm>
             <a:prstGeom prst="ellipse">
@@ -11849,7 +11849,7 @@
           </p:nvSpPr>
           <p:spPr>
             <a:xfrm>
-              <a:off x="4841248" y="1917846"/>
+              <a:off x="4821076" y="1917846"/>
               <a:ext cx="49651" cy="49651"/>
             </a:xfrm>
             <a:prstGeom prst="ellipse">
@@ -11884,7 +11884,7 @@
           </p:nvSpPr>
           <p:spPr>
             <a:xfrm>
-              <a:off x="5166964" y="2420655"/>
+              <a:off x="5144822" y="2420655"/>
               <a:ext cx="49651" cy="49651"/>
             </a:xfrm>
             <a:prstGeom prst="ellipse">
@@ -11919,7 +11919,7 @@
           </p:nvSpPr>
           <p:spPr>
             <a:xfrm>
-              <a:off x="5362394" y="2454437"/>
+              <a:off x="5339069" y="2454437"/>
               <a:ext cx="49651" cy="49651"/>
             </a:xfrm>
             <a:prstGeom prst="ellipse">
@@ -11954,8 +11954,8 @@
           </p:nvSpPr>
           <p:spPr>
             <a:xfrm>
-              <a:off x="3537153" y="2827534"/>
-              <a:ext cx="2006410" cy="1341830"/>
+              <a:off x="3525018" y="2827534"/>
+              <a:ext cx="1994274" cy="1341830"/>
             </a:xfrm>
             <a:prstGeom prst="rect">
               <a:avLst/>
@@ -11980,21 +11980,21 @@
           </p:nvSpPr>
           <p:spPr>
             <a:xfrm>
-              <a:off x="3537153" y="3991104"/>
-              <a:ext cx="2006410" cy="0"/>
+              <a:off x="3525018" y="3991104"/>
+              <a:ext cx="1994274" cy="0"/>
             </a:xfrm>
             <a:custGeom>
               <a:avLst/>
               <a:pathLst>
-                <a:path w="2006410" h="0">
+                <a:path w="1994274" h="0">
                   <a:moveTo>
                     <a:pt x="0" y="0"/>
                   </a:moveTo>
                   <a:lnTo>
-                    <a:pt x="2006410" y="0"/>
-                  </a:lnTo>
-                  <a:lnTo>
-                    <a:pt x="2006410" y="0"/>
+                    <a:pt x="1994274" y="0"/>
+                  </a:lnTo>
+                  <a:lnTo>
+                    <a:pt x="1994274" y="0"/>
                   </a:lnTo>
                 </a:path>
               </a:pathLst>
@@ -12023,21 +12023,21 @@
           </p:nvSpPr>
           <p:spPr>
             <a:xfrm>
-              <a:off x="3537153" y="3749542"/>
-              <a:ext cx="2006410" cy="0"/>
+              <a:off x="3525018" y="3749542"/>
+              <a:ext cx="1994274" cy="0"/>
             </a:xfrm>
             <a:custGeom>
               <a:avLst/>
               <a:pathLst>
-                <a:path w="2006410" h="0">
+                <a:path w="1994274" h="0">
                   <a:moveTo>
                     <a:pt x="0" y="0"/>
                   </a:moveTo>
                   <a:lnTo>
-                    <a:pt x="2006410" y="0"/>
-                  </a:lnTo>
-                  <a:lnTo>
-                    <a:pt x="2006410" y="0"/>
+                    <a:pt x="1994274" y="0"/>
+                  </a:lnTo>
+                  <a:lnTo>
+                    <a:pt x="1994274" y="0"/>
                   </a:lnTo>
                 </a:path>
               </a:pathLst>
@@ -12066,21 +12066,21 @@
           </p:nvSpPr>
           <p:spPr>
             <a:xfrm>
-              <a:off x="3537153" y="3507980"/>
-              <a:ext cx="2006410" cy="0"/>
+              <a:off x="3525018" y="3507980"/>
+              <a:ext cx="1994274" cy="0"/>
             </a:xfrm>
             <a:custGeom>
               <a:avLst/>
               <a:pathLst>
-                <a:path w="2006410" h="0">
+                <a:path w="1994274" h="0">
                   <a:moveTo>
                     <a:pt x="0" y="0"/>
                   </a:moveTo>
                   <a:lnTo>
-                    <a:pt x="2006410" y="0"/>
-                  </a:lnTo>
-                  <a:lnTo>
-                    <a:pt x="2006410" y="0"/>
+                    <a:pt x="1994274" y="0"/>
+                  </a:lnTo>
+                  <a:lnTo>
+                    <a:pt x="1994274" y="0"/>
                   </a:lnTo>
                 </a:path>
               </a:pathLst>
@@ -12109,21 +12109,21 @@
           </p:nvSpPr>
           <p:spPr>
             <a:xfrm>
-              <a:off x="3537153" y="3266418"/>
-              <a:ext cx="2006410" cy="0"/>
+              <a:off x="3525018" y="3266418"/>
+              <a:ext cx="1994274" cy="0"/>
             </a:xfrm>
             <a:custGeom>
               <a:avLst/>
               <a:pathLst>
-                <a:path w="2006410" h="0">
+                <a:path w="1994274" h="0">
                   <a:moveTo>
                     <a:pt x="0" y="0"/>
                   </a:moveTo>
                   <a:lnTo>
-                    <a:pt x="2006410" y="0"/>
-                  </a:lnTo>
-                  <a:lnTo>
-                    <a:pt x="2006410" y="0"/>
+                    <a:pt x="1994274" y="0"/>
+                  </a:lnTo>
+                  <a:lnTo>
+                    <a:pt x="1994274" y="0"/>
                   </a:lnTo>
                 </a:path>
               </a:pathLst>
@@ -12152,21 +12152,21 @@
           </p:nvSpPr>
           <p:spPr>
             <a:xfrm>
-              <a:off x="3537153" y="3024856"/>
-              <a:ext cx="2006410" cy="0"/>
+              <a:off x="3525018" y="3024856"/>
+              <a:ext cx="1994274" cy="0"/>
             </a:xfrm>
             <a:custGeom>
               <a:avLst/>
               <a:pathLst>
-                <a:path w="2006410" h="0">
+                <a:path w="1994274" h="0">
                   <a:moveTo>
                     <a:pt x="0" y="0"/>
                   </a:moveTo>
                   <a:lnTo>
-                    <a:pt x="2006410" y="0"/>
-                  </a:lnTo>
-                  <a:lnTo>
-                    <a:pt x="2006410" y="0"/>
+                    <a:pt x="1994274" y="0"/>
+                  </a:lnTo>
+                  <a:lnTo>
+                    <a:pt x="1994274" y="0"/>
                   </a:lnTo>
                 </a:path>
               </a:pathLst>
@@ -12195,7 +12195,7 @@
           </p:nvSpPr>
           <p:spPr>
             <a:xfrm>
-              <a:off x="3791212" y="2827534"/>
+              <a:off x="3777540" y="2827534"/>
               <a:ext cx="0" cy="1341830"/>
             </a:xfrm>
             <a:custGeom>
@@ -12238,7 +12238,7 @@
           </p:nvSpPr>
           <p:spPr>
             <a:xfrm>
-              <a:off x="4116928" y="2827534"/>
+              <a:off x="4101286" y="2827534"/>
               <a:ext cx="0" cy="1341830"/>
             </a:xfrm>
             <a:custGeom>
@@ -12281,7 +12281,7 @@
           </p:nvSpPr>
           <p:spPr>
             <a:xfrm>
-              <a:off x="4442644" y="2827534"/>
+              <a:off x="4425032" y="2827534"/>
               <a:ext cx="0" cy="1341830"/>
             </a:xfrm>
             <a:custGeom>
@@ -12324,7 +12324,7 @@
           </p:nvSpPr>
           <p:spPr>
             <a:xfrm>
-              <a:off x="4768360" y="2827534"/>
+              <a:off x="4748778" y="2827534"/>
               <a:ext cx="0" cy="1341830"/>
             </a:xfrm>
             <a:custGeom>
@@ -12367,7 +12367,7 @@
           </p:nvSpPr>
           <p:spPr>
             <a:xfrm>
-              <a:off x="5094076" y="2827534"/>
+              <a:off x="5072524" y="2827534"/>
               <a:ext cx="0" cy="1341830"/>
             </a:xfrm>
             <a:custGeom>
@@ -12410,7 +12410,7 @@
           </p:nvSpPr>
           <p:spPr>
             <a:xfrm>
-              <a:off x="5419791" y="2827534"/>
+              <a:off x="5396270" y="2827534"/>
               <a:ext cx="0" cy="1341830"/>
             </a:xfrm>
             <a:custGeom>
@@ -12453,21 +12453,21 @@
           </p:nvSpPr>
           <p:spPr>
             <a:xfrm>
-              <a:off x="3537153" y="4111885"/>
-              <a:ext cx="2006410" cy="0"/>
+              <a:off x="3525018" y="4111885"/>
+              <a:ext cx="1994274" cy="0"/>
             </a:xfrm>
             <a:custGeom>
               <a:avLst/>
               <a:pathLst>
-                <a:path w="2006410" h="0">
+                <a:path w="1994274" h="0">
                   <a:moveTo>
                     <a:pt x="0" y="0"/>
                   </a:moveTo>
                   <a:lnTo>
-                    <a:pt x="2006410" y="0"/>
-                  </a:lnTo>
-                  <a:lnTo>
-                    <a:pt x="2006410" y="0"/>
+                    <a:pt x="1994274" y="0"/>
+                  </a:lnTo>
+                  <a:lnTo>
+                    <a:pt x="1994274" y="0"/>
                   </a:lnTo>
                 </a:path>
               </a:pathLst>
@@ -12496,21 +12496,21 @@
           </p:nvSpPr>
           <p:spPr>
             <a:xfrm>
-              <a:off x="3537153" y="3870323"/>
-              <a:ext cx="2006410" cy="0"/>
+              <a:off x="3525018" y="3870323"/>
+              <a:ext cx="1994274" cy="0"/>
             </a:xfrm>
             <a:custGeom>
               <a:avLst/>
               <a:pathLst>
-                <a:path w="2006410" h="0">
+                <a:path w="1994274" h="0">
                   <a:moveTo>
                     <a:pt x="0" y="0"/>
                   </a:moveTo>
                   <a:lnTo>
-                    <a:pt x="2006410" y="0"/>
-                  </a:lnTo>
-                  <a:lnTo>
-                    <a:pt x="2006410" y="0"/>
+                    <a:pt x="1994274" y="0"/>
+                  </a:lnTo>
+                  <a:lnTo>
+                    <a:pt x="1994274" y="0"/>
                   </a:lnTo>
                 </a:path>
               </a:pathLst>
@@ -12539,21 +12539,21 @@
           </p:nvSpPr>
           <p:spPr>
             <a:xfrm>
-              <a:off x="3537153" y="3628761"/>
-              <a:ext cx="2006410" cy="0"/>
+              <a:off x="3525018" y="3628761"/>
+              <a:ext cx="1994274" cy="0"/>
             </a:xfrm>
             <a:custGeom>
               <a:avLst/>
               <a:pathLst>
-                <a:path w="2006410" h="0">
+                <a:path w="1994274" h="0">
                   <a:moveTo>
                     <a:pt x="0" y="0"/>
                   </a:moveTo>
                   <a:lnTo>
-                    <a:pt x="2006410" y="0"/>
-                  </a:lnTo>
-                  <a:lnTo>
-                    <a:pt x="2006410" y="0"/>
+                    <a:pt x="1994274" y="0"/>
+                  </a:lnTo>
+                  <a:lnTo>
+                    <a:pt x="1994274" y="0"/>
                   </a:lnTo>
                 </a:path>
               </a:pathLst>
@@ -12582,21 +12582,21 @@
           </p:nvSpPr>
           <p:spPr>
             <a:xfrm>
-              <a:off x="3537153" y="3387199"/>
-              <a:ext cx="2006410" cy="0"/>
+              <a:off x="3525018" y="3387199"/>
+              <a:ext cx="1994274" cy="0"/>
             </a:xfrm>
             <a:custGeom>
               <a:avLst/>
               <a:pathLst>
-                <a:path w="2006410" h="0">
+                <a:path w="1994274" h="0">
                   <a:moveTo>
                     <a:pt x="0" y="0"/>
                   </a:moveTo>
                   <a:lnTo>
-                    <a:pt x="2006410" y="0"/>
-                  </a:lnTo>
-                  <a:lnTo>
-                    <a:pt x="2006410" y="0"/>
+                    <a:pt x="1994274" y="0"/>
+                  </a:lnTo>
+                  <a:lnTo>
+                    <a:pt x="1994274" y="0"/>
                   </a:lnTo>
                 </a:path>
               </a:pathLst>
@@ -12625,21 +12625,21 @@
           </p:nvSpPr>
           <p:spPr>
             <a:xfrm>
-              <a:off x="3537153" y="3145637"/>
-              <a:ext cx="2006410" cy="0"/>
+              <a:off x="3525018" y="3145637"/>
+              <a:ext cx="1994274" cy="0"/>
             </a:xfrm>
             <a:custGeom>
               <a:avLst/>
               <a:pathLst>
-                <a:path w="2006410" h="0">
+                <a:path w="1994274" h="0">
                   <a:moveTo>
                     <a:pt x="0" y="0"/>
                   </a:moveTo>
                   <a:lnTo>
-                    <a:pt x="2006410" y="0"/>
-                  </a:lnTo>
-                  <a:lnTo>
-                    <a:pt x="2006410" y="0"/>
+                    <a:pt x="1994274" y="0"/>
+                  </a:lnTo>
+                  <a:lnTo>
+                    <a:pt x="1994274" y="0"/>
                   </a:lnTo>
                 </a:path>
               </a:pathLst>
@@ -12668,21 +12668,21 @@
           </p:nvSpPr>
           <p:spPr>
             <a:xfrm>
-              <a:off x="3537153" y="2904075"/>
-              <a:ext cx="2006410" cy="0"/>
+              <a:off x="3525018" y="2904075"/>
+              <a:ext cx="1994274" cy="0"/>
             </a:xfrm>
             <a:custGeom>
               <a:avLst/>
               <a:pathLst>
-                <a:path w="2006410" h="0">
+                <a:path w="1994274" h="0">
                   <a:moveTo>
                     <a:pt x="0" y="0"/>
                   </a:moveTo>
                   <a:lnTo>
-                    <a:pt x="2006410" y="0"/>
-                  </a:lnTo>
-                  <a:lnTo>
-                    <a:pt x="2006410" y="0"/>
+                    <a:pt x="1994274" y="0"/>
+                  </a:lnTo>
+                  <a:lnTo>
+                    <a:pt x="1994274" y="0"/>
                   </a:lnTo>
                 </a:path>
               </a:pathLst>
@@ -12711,7 +12711,7 @@
           </p:nvSpPr>
           <p:spPr>
             <a:xfrm>
-              <a:off x="3628354" y="2827534"/>
+              <a:off x="3615667" y="2827534"/>
               <a:ext cx="0" cy="1341830"/>
             </a:xfrm>
             <a:custGeom>
@@ -12754,7 +12754,7 @@
           </p:nvSpPr>
           <p:spPr>
             <a:xfrm>
-              <a:off x="3954070" y="2827534"/>
+              <a:off x="3939413" y="2827534"/>
               <a:ext cx="0" cy="1341830"/>
             </a:xfrm>
             <a:custGeom>
@@ -12797,7 +12797,7 @@
           </p:nvSpPr>
           <p:spPr>
             <a:xfrm>
-              <a:off x="4279786" y="2827534"/>
+              <a:off x="4263159" y="2827534"/>
               <a:ext cx="0" cy="1341830"/>
             </a:xfrm>
             <a:custGeom>
@@ -12840,7 +12840,7 @@
           </p:nvSpPr>
           <p:spPr>
             <a:xfrm>
-              <a:off x="4605502" y="2827534"/>
+              <a:off x="4586905" y="2827534"/>
               <a:ext cx="0" cy="1341830"/>
             </a:xfrm>
             <a:custGeom>
@@ -12883,7 +12883,7 @@
           </p:nvSpPr>
           <p:spPr>
             <a:xfrm>
-              <a:off x="4931218" y="2827534"/>
+              <a:off x="4910651" y="2827534"/>
               <a:ext cx="0" cy="1341830"/>
             </a:xfrm>
             <a:custGeom>
@@ -12926,7 +12926,7 @@
           </p:nvSpPr>
           <p:spPr>
             <a:xfrm>
-              <a:off x="5256933" y="2827534"/>
+              <a:off x="5234397" y="2827534"/>
               <a:ext cx="0" cy="1341830"/>
             </a:xfrm>
             <a:custGeom>
@@ -12969,60 +12969,60 @@
           </p:nvSpPr>
           <p:spPr>
             <a:xfrm>
-              <a:off x="4507787" y="3084489"/>
-              <a:ext cx="879432" cy="1012881"/>
+              <a:off x="4489781" y="3084489"/>
+              <a:ext cx="874113" cy="1012881"/>
             </a:xfrm>
             <a:custGeom>
               <a:avLst/>
               <a:pathLst>
-                <a:path w="879432" h="1012881">
+                <a:path w="874113" h="1012881">
                   <a:moveTo>
                     <a:pt x="0" y="1004508"/>
                   </a:moveTo>
                   <a:lnTo>
-                    <a:pt x="65143" y="758673"/>
-                  </a:lnTo>
-                  <a:lnTo>
-                    <a:pt x="97714" y="400962"/>
-                  </a:lnTo>
-                  <a:lnTo>
-                    <a:pt x="130286" y="64441"/>
-                  </a:lnTo>
-                  <a:lnTo>
-                    <a:pt x="162857" y="0"/>
-                  </a:lnTo>
-                  <a:lnTo>
-                    <a:pt x="195429" y="125267"/>
-                  </a:lnTo>
-                  <a:lnTo>
-                    <a:pt x="260572" y="325827"/>
-                  </a:lnTo>
-                  <a:lnTo>
-                    <a:pt x="293144" y="355877"/>
-                  </a:lnTo>
-                  <a:lnTo>
-                    <a:pt x="325715" y="423393"/>
-                  </a:lnTo>
-                  <a:lnTo>
-                    <a:pt x="358287" y="511610"/>
-                  </a:lnTo>
-                  <a:lnTo>
-                    <a:pt x="423430" y="707201"/>
-                  </a:lnTo>
-                  <a:lnTo>
-                    <a:pt x="586288" y="822097"/>
-                  </a:lnTo>
-                  <a:lnTo>
-                    <a:pt x="618860" y="810315"/>
-                  </a:lnTo>
-                  <a:lnTo>
-                    <a:pt x="651431" y="809709"/>
-                  </a:lnTo>
-                  <a:lnTo>
-                    <a:pt x="684003" y="831301"/>
-                  </a:lnTo>
-                  <a:lnTo>
-                    <a:pt x="879432" y="1012881"/>
+                    <a:pt x="64749" y="758673"/>
+                  </a:lnTo>
+                  <a:lnTo>
+                    <a:pt x="97123" y="400962"/>
+                  </a:lnTo>
+                  <a:lnTo>
+                    <a:pt x="129498" y="64441"/>
+                  </a:lnTo>
+                  <a:lnTo>
+                    <a:pt x="161872" y="0"/>
+                  </a:lnTo>
+                  <a:lnTo>
+                    <a:pt x="194247" y="125267"/>
+                  </a:lnTo>
+                  <a:lnTo>
+                    <a:pt x="258996" y="325827"/>
+                  </a:lnTo>
+                  <a:lnTo>
+                    <a:pt x="291371" y="355877"/>
+                  </a:lnTo>
+                  <a:lnTo>
+                    <a:pt x="323745" y="423393"/>
+                  </a:lnTo>
+                  <a:lnTo>
+                    <a:pt x="356120" y="511610"/>
+                  </a:lnTo>
+                  <a:lnTo>
+                    <a:pt x="420869" y="707201"/>
+                  </a:lnTo>
+                  <a:lnTo>
+                    <a:pt x="582742" y="822097"/>
+                  </a:lnTo>
+                  <a:lnTo>
+                    <a:pt x="615117" y="810315"/>
+                  </a:lnTo>
+                  <a:lnTo>
+                    <a:pt x="647491" y="809709"/>
+                  </a:lnTo>
+                  <a:lnTo>
+                    <a:pt x="679866" y="831301"/>
+                  </a:lnTo>
+                  <a:lnTo>
+                    <a:pt x="874113" y="1012881"/>
                   </a:lnTo>
                 </a:path>
               </a:pathLst>
@@ -13051,54 +13051,54 @@
           </p:nvSpPr>
           <p:spPr>
             <a:xfrm>
-              <a:off x="4475215" y="3480162"/>
-              <a:ext cx="912004" cy="612775"/>
+              <a:off x="4457406" y="3480162"/>
+              <a:ext cx="906488" cy="612775"/>
             </a:xfrm>
             <a:custGeom>
               <a:avLst/>
               <a:pathLst>
-                <a:path w="912004" h="612775">
+                <a:path w="906488" h="612775">
                   <a:moveTo>
                     <a:pt x="0" y="588846"/>
                   </a:moveTo>
                   <a:lnTo>
-                    <a:pt x="32571" y="556339"/>
-                  </a:lnTo>
-                  <a:lnTo>
-                    <a:pt x="97714" y="434898"/>
-                  </a:lnTo>
-                  <a:lnTo>
-                    <a:pt x="130286" y="354970"/>
-                  </a:lnTo>
-                  <a:lnTo>
-                    <a:pt x="228001" y="118090"/>
-                  </a:lnTo>
-                  <a:lnTo>
-                    <a:pt x="260572" y="44698"/>
-                  </a:lnTo>
-                  <a:lnTo>
-                    <a:pt x="293144" y="0"/>
-                  </a:lnTo>
-                  <a:lnTo>
-                    <a:pt x="325715" y="6447"/>
-                  </a:lnTo>
-                  <a:lnTo>
-                    <a:pt x="358287" y="57091"/>
-                  </a:lnTo>
-                  <a:lnTo>
-                    <a:pt x="390859" y="131867"/>
-                  </a:lnTo>
-                  <a:lnTo>
-                    <a:pt x="423430" y="212192"/>
-                  </a:lnTo>
-                  <a:lnTo>
-                    <a:pt x="684003" y="562004"/>
-                  </a:lnTo>
-                  <a:lnTo>
-                    <a:pt x="814289" y="598196"/>
-                  </a:lnTo>
-                  <a:lnTo>
-                    <a:pt x="912004" y="612775"/>
+                    <a:pt x="32374" y="556339"/>
+                  </a:lnTo>
+                  <a:lnTo>
+                    <a:pt x="97123" y="434898"/>
+                  </a:lnTo>
+                  <a:lnTo>
+                    <a:pt x="129498" y="354970"/>
+                  </a:lnTo>
+                  <a:lnTo>
+                    <a:pt x="226622" y="118090"/>
+                  </a:lnTo>
+                  <a:lnTo>
+                    <a:pt x="258996" y="44698"/>
+                  </a:lnTo>
+                  <a:lnTo>
+                    <a:pt x="291371" y="0"/>
+                  </a:lnTo>
+                  <a:lnTo>
+                    <a:pt x="323745" y="6447"/>
+                  </a:lnTo>
+                  <a:lnTo>
+                    <a:pt x="356120" y="57091"/>
+                  </a:lnTo>
+                  <a:lnTo>
+                    <a:pt x="388495" y="131867"/>
+                  </a:lnTo>
+                  <a:lnTo>
+                    <a:pt x="420869" y="212192"/>
+                  </a:lnTo>
+                  <a:lnTo>
+                    <a:pt x="679866" y="562004"/>
+                  </a:lnTo>
+                  <a:lnTo>
+                    <a:pt x="809364" y="598196"/>
+                  </a:lnTo>
+                  <a:lnTo>
+                    <a:pt x="906488" y="612775"/>
                   </a:lnTo>
                 </a:path>
               </a:pathLst>
@@ -13127,66 +13127,66 @@
           </p:nvSpPr>
           <p:spPr>
             <a:xfrm>
-              <a:off x="4247214" y="3429323"/>
-              <a:ext cx="1140005" cy="657538"/>
+              <a:off x="4230784" y="3429323"/>
+              <a:ext cx="1133110" cy="657538"/>
             </a:xfrm>
             <a:custGeom>
               <a:avLst/>
               <a:pathLst>
-                <a:path w="1140005" h="657538">
+                <a:path w="1133110" h="657538">
                   <a:moveTo>
                     <a:pt x="0" y="657538"/>
                   </a:moveTo>
                   <a:lnTo>
-                    <a:pt x="65143" y="640235"/>
-                  </a:lnTo>
-                  <a:lnTo>
-                    <a:pt x="97714" y="628082"/>
-                  </a:lnTo>
-                  <a:lnTo>
-                    <a:pt x="195429" y="571768"/>
-                  </a:lnTo>
-                  <a:lnTo>
-                    <a:pt x="293144" y="466408"/>
-                  </a:lnTo>
-                  <a:lnTo>
-                    <a:pt x="358287" y="352350"/>
-                  </a:lnTo>
-                  <a:lnTo>
-                    <a:pt x="390859" y="282613"/>
-                  </a:lnTo>
-                  <a:lnTo>
-                    <a:pt x="456002" y="137411"/>
-                  </a:lnTo>
-                  <a:lnTo>
-                    <a:pt x="488573" y="72218"/>
-                  </a:lnTo>
-                  <a:lnTo>
-                    <a:pt x="521145" y="23784"/>
-                  </a:lnTo>
-                  <a:lnTo>
-                    <a:pt x="553717" y="0"/>
-                  </a:lnTo>
-                  <a:lnTo>
-                    <a:pt x="586288" y="2943"/>
-                  </a:lnTo>
-                  <a:lnTo>
-                    <a:pt x="618860" y="31458"/>
-                  </a:lnTo>
-                  <a:lnTo>
-                    <a:pt x="651431" y="82517"/>
-                  </a:lnTo>
-                  <a:lnTo>
-                    <a:pt x="684003" y="150524"/>
-                  </a:lnTo>
-                  <a:lnTo>
-                    <a:pt x="749146" y="298346"/>
-                  </a:lnTo>
-                  <a:lnTo>
-                    <a:pt x="944576" y="562374"/>
-                  </a:lnTo>
-                  <a:lnTo>
-                    <a:pt x="1140005" y="640225"/>
+                    <a:pt x="64749" y="640235"/>
+                  </a:lnTo>
+                  <a:lnTo>
+                    <a:pt x="97123" y="628082"/>
+                  </a:lnTo>
+                  <a:lnTo>
+                    <a:pt x="194247" y="571768"/>
+                  </a:lnTo>
+                  <a:lnTo>
+                    <a:pt x="291371" y="466408"/>
+                  </a:lnTo>
+                  <a:lnTo>
+                    <a:pt x="356120" y="352350"/>
+                  </a:lnTo>
+                  <a:lnTo>
+                    <a:pt x="388495" y="282613"/>
+                  </a:lnTo>
+                  <a:lnTo>
+                    <a:pt x="453244" y="137411"/>
+                  </a:lnTo>
+                  <a:lnTo>
+                    <a:pt x="485618" y="72218"/>
+                  </a:lnTo>
+                  <a:lnTo>
+                    <a:pt x="517993" y="23784"/>
+                  </a:lnTo>
+                  <a:lnTo>
+                    <a:pt x="550368" y="0"/>
+                  </a:lnTo>
+                  <a:lnTo>
+                    <a:pt x="582742" y="2943"/>
+                  </a:lnTo>
+                  <a:lnTo>
+                    <a:pt x="615117" y="31458"/>
+                  </a:lnTo>
+                  <a:lnTo>
+                    <a:pt x="647491" y="82517"/>
+                  </a:lnTo>
+                  <a:lnTo>
+                    <a:pt x="679866" y="150524"/>
+                  </a:lnTo>
+                  <a:lnTo>
+                    <a:pt x="744615" y="298346"/>
+                  </a:lnTo>
+                  <a:lnTo>
+                    <a:pt x="938863" y="562374"/>
+                  </a:lnTo>
+                  <a:lnTo>
+                    <a:pt x="1133110" y="640225"/>
                   </a:lnTo>
                 </a:path>
               </a:pathLst>
@@ -13215,7 +13215,7 @@
           </p:nvSpPr>
           <p:spPr>
             <a:xfrm>
-              <a:off x="4482961" y="4064172"/>
+              <a:off x="4464955" y="4064172"/>
               <a:ext cx="49651" cy="49651"/>
             </a:xfrm>
             <a:prstGeom prst="ellipse">
@@ -13250,7 +13250,7 @@
           </p:nvSpPr>
           <p:spPr>
             <a:xfrm>
-              <a:off x="4548104" y="3818336"/>
+              <a:off x="4529704" y="3818336"/>
               <a:ext cx="49651" cy="49651"/>
             </a:xfrm>
             <a:prstGeom prst="ellipse">
@@ -13285,7 +13285,7 @@
           </p:nvSpPr>
           <p:spPr>
             <a:xfrm>
-              <a:off x="4580676" y="3460626"/>
+              <a:off x="4562079" y="3460626"/>
               <a:ext cx="49651" cy="49651"/>
             </a:xfrm>
             <a:prstGeom prst="ellipse">
@@ -13320,7 +13320,7 @@
           </p:nvSpPr>
           <p:spPr>
             <a:xfrm>
-              <a:off x="4613247" y="3124105"/>
+              <a:off x="4594453" y="3124105"/>
               <a:ext cx="49651" cy="49651"/>
             </a:xfrm>
             <a:prstGeom prst="ellipse">
@@ -13355,7 +13355,7 @@
           </p:nvSpPr>
           <p:spPr>
             <a:xfrm>
-              <a:off x="4645819" y="3059663"/>
+              <a:off x="4626828" y="3059663"/>
               <a:ext cx="49651" cy="49651"/>
             </a:xfrm>
             <a:prstGeom prst="ellipse">
@@ -13390,7 +13390,7 @@
           </p:nvSpPr>
           <p:spPr>
             <a:xfrm>
-              <a:off x="4678390" y="3184931"/>
+              <a:off x="4659203" y="3184931"/>
               <a:ext cx="49651" cy="49651"/>
             </a:xfrm>
             <a:prstGeom prst="ellipse">
@@ -13425,7 +13425,7 @@
           </p:nvSpPr>
           <p:spPr>
             <a:xfrm>
-              <a:off x="4743534" y="3385490"/>
+              <a:off x="4723952" y="3385490"/>
               <a:ext cx="49651" cy="49651"/>
             </a:xfrm>
             <a:prstGeom prst="ellipse">
@@ -13460,7 +13460,7 @@
           </p:nvSpPr>
           <p:spPr>
             <a:xfrm>
-              <a:off x="4776105" y="3415541"/>
+              <a:off x="4756326" y="3415541"/>
               <a:ext cx="49651" cy="49651"/>
             </a:xfrm>
             <a:prstGeom prst="ellipse">
@@ -13495,7 +13495,7 @@
           </p:nvSpPr>
           <p:spPr>
             <a:xfrm>
-              <a:off x="4808677" y="3483056"/>
+              <a:off x="4788701" y="3483056"/>
               <a:ext cx="49651" cy="49651"/>
             </a:xfrm>
             <a:prstGeom prst="ellipse">
@@ -13530,7 +13530,7 @@
           </p:nvSpPr>
           <p:spPr>
             <a:xfrm>
-              <a:off x="4841248" y="3571273"/>
+              <a:off x="4821076" y="3571273"/>
               <a:ext cx="49651" cy="49651"/>
             </a:xfrm>
             <a:prstGeom prst="ellipse">
@@ -13565,7 +13565,7 @@
           </p:nvSpPr>
           <p:spPr>
             <a:xfrm>
-              <a:off x="4906392" y="3766864"/>
+              <a:off x="4885825" y="3766864"/>
               <a:ext cx="49651" cy="49651"/>
             </a:xfrm>
             <a:prstGeom prst="ellipse">
@@ -13600,7 +13600,7 @@
           </p:nvSpPr>
           <p:spPr>
             <a:xfrm>
-              <a:off x="5069250" y="3881760"/>
+              <a:off x="5047698" y="3881760"/>
               <a:ext cx="49651" cy="49651"/>
             </a:xfrm>
             <a:prstGeom prst="ellipse">
@@ -13635,7 +13635,7 @@
           </p:nvSpPr>
           <p:spPr>
             <a:xfrm>
-              <a:off x="5101821" y="3869979"/>
+              <a:off x="5080072" y="3869979"/>
               <a:ext cx="49651" cy="49651"/>
             </a:xfrm>
             <a:prstGeom prst="ellipse">
@@ -13670,7 +13670,7 @@
           </p:nvSpPr>
           <p:spPr>
             <a:xfrm>
-              <a:off x="5134393" y="3869373"/>
+              <a:off x="5112447" y="3869373"/>
               <a:ext cx="49651" cy="49651"/>
             </a:xfrm>
             <a:prstGeom prst="ellipse">
@@ -13705,7 +13705,7 @@
           </p:nvSpPr>
           <p:spPr>
             <a:xfrm>
-              <a:off x="5166964" y="3890965"/>
+              <a:off x="5144822" y="3890965"/>
               <a:ext cx="49651" cy="49651"/>
             </a:xfrm>
             <a:prstGeom prst="ellipse">
@@ -13740,7 +13740,7 @@
           </p:nvSpPr>
           <p:spPr>
             <a:xfrm>
-              <a:off x="5362394" y="4072545"/>
+              <a:off x="5339069" y="4072545"/>
               <a:ext cx="49651" cy="49651"/>
             </a:xfrm>
             <a:prstGeom prst="ellipse">
@@ -13775,7 +13775,7 @@
           </p:nvSpPr>
           <p:spPr>
             <a:xfrm>
-              <a:off x="4450389" y="4044182"/>
+              <a:off x="4432581" y="4044182"/>
               <a:ext cx="49651" cy="49651"/>
             </a:xfrm>
             <a:prstGeom prst="ellipse">
@@ -13810,7 +13810,7 @@
           </p:nvSpPr>
           <p:spPr>
             <a:xfrm>
-              <a:off x="4482961" y="4011675"/>
+              <a:off x="4464955" y="4011675"/>
               <a:ext cx="49651" cy="49651"/>
             </a:xfrm>
             <a:prstGeom prst="ellipse">
@@ -13845,7 +13845,7 @@
           </p:nvSpPr>
           <p:spPr>
             <a:xfrm>
-              <a:off x="4548104" y="3890234"/>
+              <a:off x="4529704" y="3890234"/>
               <a:ext cx="49651" cy="49651"/>
             </a:xfrm>
             <a:prstGeom prst="ellipse">
@@ -13880,7 +13880,7 @@
           </p:nvSpPr>
           <p:spPr>
             <a:xfrm>
-              <a:off x="4580676" y="3810307"/>
+              <a:off x="4562079" y="3810307"/>
               <a:ext cx="49651" cy="49651"/>
             </a:xfrm>
             <a:prstGeom prst="ellipse">
@@ -13915,7 +13915,7 @@
           </p:nvSpPr>
           <p:spPr>
             <a:xfrm>
-              <a:off x="4678390" y="3573426"/>
+              <a:off x="4659203" y="3573426"/>
               <a:ext cx="49651" cy="49651"/>
             </a:xfrm>
             <a:prstGeom prst="ellipse">
@@ -13950,7 +13950,7 @@
           </p:nvSpPr>
           <p:spPr>
             <a:xfrm>
-              <a:off x="4710962" y="3500035"/>
+              <a:off x="4691577" y="3500035"/>
               <a:ext cx="49651" cy="49651"/>
             </a:xfrm>
             <a:prstGeom prst="ellipse">
@@ -13985,7 +13985,7 @@
           </p:nvSpPr>
           <p:spPr>
             <a:xfrm>
-              <a:off x="4743534" y="3455336"/>
+              <a:off x="4723952" y="3455336"/>
               <a:ext cx="49651" cy="49651"/>
             </a:xfrm>
             <a:prstGeom prst="ellipse">
@@ -14020,7 +14020,7 @@
           </p:nvSpPr>
           <p:spPr>
             <a:xfrm>
-              <a:off x="4776105" y="3461783"/>
+              <a:off x="4756326" y="3461783"/>
               <a:ext cx="49651" cy="49651"/>
             </a:xfrm>
             <a:prstGeom prst="ellipse">
@@ -14055,7 +14055,7 @@
           </p:nvSpPr>
           <p:spPr>
             <a:xfrm>
-              <a:off x="4808677" y="3512427"/>
+              <a:off x="4788701" y="3512427"/>
               <a:ext cx="49651" cy="49651"/>
             </a:xfrm>
             <a:prstGeom prst="ellipse">
@@ -14090,7 +14090,7 @@
           </p:nvSpPr>
           <p:spPr>
             <a:xfrm>
-              <a:off x="4841248" y="3587203"/>
+              <a:off x="4821076" y="3587203"/>
               <a:ext cx="49651" cy="49651"/>
             </a:xfrm>
             <a:prstGeom prst="ellipse">
@@ -14125,7 +14125,7 @@
           </p:nvSpPr>
           <p:spPr>
             <a:xfrm>
-              <a:off x="4873820" y="3667528"/>
+              <a:off x="4853450" y="3667528"/>
               <a:ext cx="49651" cy="49651"/>
             </a:xfrm>
             <a:prstGeom prst="ellipse">
@@ -14160,7 +14160,7 @@
           </p:nvSpPr>
           <p:spPr>
             <a:xfrm>
-              <a:off x="5134393" y="4017340"/>
+              <a:off x="5112447" y="4017340"/>
               <a:ext cx="49651" cy="49651"/>
             </a:xfrm>
             <a:prstGeom prst="ellipse">
@@ -14195,7 +14195,7 @@
           </p:nvSpPr>
           <p:spPr>
             <a:xfrm>
-              <a:off x="5264679" y="4053532"/>
+              <a:off x="5241945" y="4053532"/>
               <a:ext cx="49651" cy="49651"/>
             </a:xfrm>
             <a:prstGeom prst="ellipse">
@@ -14230,7 +14230,7 @@
           </p:nvSpPr>
           <p:spPr>
             <a:xfrm>
-              <a:off x="5362394" y="4068111"/>
+              <a:off x="5339069" y="4068111"/>
               <a:ext cx="49651" cy="49651"/>
             </a:xfrm>
             <a:prstGeom prst="ellipse">
@@ -14265,7 +14265,7 @@
           </p:nvSpPr>
           <p:spPr>
             <a:xfrm>
-              <a:off x="4222388" y="4062036"/>
+              <a:off x="4205958" y="4062036"/>
               <a:ext cx="49651" cy="49651"/>
             </a:xfrm>
             <a:prstGeom prst="ellipse">
@@ -14300,7 +14300,7 @@
           </p:nvSpPr>
           <p:spPr>
             <a:xfrm>
-              <a:off x="4287531" y="4044733"/>
+              <a:off x="4270708" y="4044733"/>
               <a:ext cx="49651" cy="49651"/>
             </a:xfrm>
             <a:prstGeom prst="ellipse">
@@ -14335,7 +14335,7 @@
           </p:nvSpPr>
           <p:spPr>
             <a:xfrm>
-              <a:off x="4320103" y="4032580"/>
+              <a:off x="4303082" y="4032580"/>
               <a:ext cx="49651" cy="49651"/>
             </a:xfrm>
             <a:prstGeom prst="ellipse">
@@ -14370,7 +14370,7 @@
           </p:nvSpPr>
           <p:spPr>
             <a:xfrm>
-              <a:off x="4417818" y="3976266"/>
+              <a:off x="4400206" y="3976266"/>
               <a:ext cx="49651" cy="49651"/>
             </a:xfrm>
             <a:prstGeom prst="ellipse">
@@ -14405,7 +14405,7 @@
           </p:nvSpPr>
           <p:spPr>
             <a:xfrm>
-              <a:off x="4515533" y="3870906"/>
+              <a:off x="4497330" y="3870906"/>
               <a:ext cx="49651" cy="49651"/>
             </a:xfrm>
             <a:prstGeom prst="ellipse">
@@ -14440,7 +14440,7 @@
           </p:nvSpPr>
           <p:spPr>
             <a:xfrm>
-              <a:off x="4580676" y="3756848"/>
+              <a:off x="4562079" y="3756848"/>
               <a:ext cx="49651" cy="49651"/>
             </a:xfrm>
             <a:prstGeom prst="ellipse">
@@ -14475,7 +14475,7 @@
           </p:nvSpPr>
           <p:spPr>
             <a:xfrm>
-              <a:off x="4613247" y="3687111"/>
+              <a:off x="4594453" y="3687111"/>
               <a:ext cx="49651" cy="49651"/>
             </a:xfrm>
             <a:prstGeom prst="ellipse">
@@ -14510,7 +14510,7 @@
           </p:nvSpPr>
           <p:spPr>
             <a:xfrm>
-              <a:off x="4678390" y="3541908"/>
+              <a:off x="4659203" y="3541908"/>
               <a:ext cx="49651" cy="49651"/>
             </a:xfrm>
             <a:prstGeom prst="ellipse">
@@ -14545,7 +14545,7 @@
           </p:nvSpPr>
           <p:spPr>
             <a:xfrm>
-              <a:off x="4710962" y="3476715"/>
+              <a:off x="4691577" y="3476715"/>
               <a:ext cx="49651" cy="49651"/>
             </a:xfrm>
             <a:prstGeom prst="ellipse">
@@ -14580,7 +14580,7 @@
           </p:nvSpPr>
           <p:spPr>
             <a:xfrm>
-              <a:off x="4743534" y="3428281"/>
+              <a:off x="4723952" y="3428281"/>
               <a:ext cx="49651" cy="49651"/>
             </a:xfrm>
             <a:prstGeom prst="ellipse">
@@ -14615,7 +14615,7 @@
           </p:nvSpPr>
           <p:spPr>
             <a:xfrm>
-              <a:off x="4776105" y="3404497"/>
+              <a:off x="4756326" y="3404497"/>
               <a:ext cx="49651" cy="49651"/>
             </a:xfrm>
             <a:prstGeom prst="ellipse">
@@ -14650,7 +14650,7 @@
           </p:nvSpPr>
           <p:spPr>
             <a:xfrm>
-              <a:off x="4808677" y="3407441"/>
+              <a:off x="4788701" y="3407441"/>
               <a:ext cx="49651" cy="49651"/>
             </a:xfrm>
             <a:prstGeom prst="ellipse">
@@ -14685,7 +14685,7 @@
           </p:nvSpPr>
           <p:spPr>
             <a:xfrm>
-              <a:off x="4841248" y="3435955"/>
+              <a:off x="4821076" y="3435955"/>
               <a:ext cx="49651" cy="49651"/>
             </a:xfrm>
             <a:prstGeom prst="ellipse">
@@ -14720,7 +14720,7 @@
           </p:nvSpPr>
           <p:spPr>
             <a:xfrm>
-              <a:off x="4873820" y="3487015"/>
+              <a:off x="4853450" y="3487015"/>
               <a:ext cx="49651" cy="49651"/>
             </a:xfrm>
             <a:prstGeom prst="ellipse">
@@ -14755,7 +14755,7 @@
           </p:nvSpPr>
           <p:spPr>
             <a:xfrm>
-              <a:off x="4906392" y="3555022"/>
+              <a:off x="4885825" y="3555022"/>
               <a:ext cx="49651" cy="49651"/>
             </a:xfrm>
             <a:prstGeom prst="ellipse">
@@ -14790,7 +14790,7 @@
           </p:nvSpPr>
           <p:spPr>
             <a:xfrm>
-              <a:off x="4971535" y="3702844"/>
+              <a:off x="4950574" y="3702844"/>
               <a:ext cx="49651" cy="49651"/>
             </a:xfrm>
             <a:prstGeom prst="ellipse">
@@ -14825,7 +14825,7 @@
           </p:nvSpPr>
           <p:spPr>
             <a:xfrm>
-              <a:off x="5166964" y="3966872"/>
+              <a:off x="5144822" y="3966872"/>
               <a:ext cx="49651" cy="49651"/>
             </a:xfrm>
             <a:prstGeom prst="ellipse">
@@ -14860,7 +14860,7 @@
           </p:nvSpPr>
           <p:spPr>
             <a:xfrm>
-              <a:off x="5362394" y="4044722"/>
+              <a:off x="5339069" y="4044722"/>
               <a:ext cx="49651" cy="49651"/>
             </a:xfrm>
             <a:prstGeom prst="ellipse">
@@ -14896,7 +14896,7 @@
           <p:spPr>
             <a:xfrm>
               <a:off x="1461154" y="2611471"/>
-              <a:ext cx="2006410" cy="216062"/>
+              <a:ext cx="1994274" cy="216062"/>
             </a:xfrm>
             <a:prstGeom prst="rect">
               <a:avLst/>
@@ -14921,7 +14921,7 @@
           </p:nvSpPr>
           <p:spPr>
             <a:xfrm>
-              <a:off x="2425342" y="2675710"/>
+              <a:off x="2419274" y="2675710"/>
               <a:ext cx="78035" cy="84529"/>
             </a:xfrm>
             <a:prstGeom prst="rect">
@@ -14967,8 +14967,8 @@
           </p:nvSpPr>
           <p:spPr>
             <a:xfrm>
-              <a:off x="3537153" y="2611471"/>
-              <a:ext cx="2006410" cy="216062"/>
+              <a:off x="3525018" y="2611471"/>
+              <a:ext cx="1994274" cy="216062"/>
             </a:xfrm>
             <a:prstGeom prst="rect">
               <a:avLst/>
@@ -14993,7 +14993,7 @@
           </p:nvSpPr>
           <p:spPr>
             <a:xfrm>
-              <a:off x="4497330" y="2678766"/>
+              <a:off x="4479127" y="2678766"/>
               <a:ext cx="86057" cy="81473"/>
             </a:xfrm>
             <a:prstGeom prst="rect">
@@ -15040,7 +15040,7 @@
           <p:spPr>
             <a:xfrm>
               <a:off x="1461154" y="983989"/>
-              <a:ext cx="2006410" cy="216062"/>
+              <a:ext cx="1994274" cy="216062"/>
             </a:xfrm>
             <a:prstGeom prst="rect">
               <a:avLst/>
@@ -15065,7 +15065,7 @@
           </p:nvSpPr>
           <p:spPr>
             <a:xfrm>
-              <a:off x="2426133" y="1051283"/>
+              <a:off x="2420065" y="1051283"/>
               <a:ext cx="76453" cy="81473"/>
             </a:xfrm>
             <a:prstGeom prst="rect">
@@ -15111,8 +15111,8 @@
           </p:nvSpPr>
           <p:spPr>
             <a:xfrm>
-              <a:off x="3537153" y="983989"/>
-              <a:ext cx="2006410" cy="216062"/>
+              <a:off x="3525018" y="983989"/>
+              <a:ext cx="1994274" cy="216062"/>
             </a:xfrm>
             <a:prstGeom prst="rect">
               <a:avLst/>
@@ -15137,7 +15137,7 @@
           </p:nvSpPr>
           <p:spPr>
             <a:xfrm>
-              <a:off x="4502023" y="1051283"/>
+              <a:off x="4483820" y="1051283"/>
               <a:ext cx="76671" cy="81473"/>
             </a:xfrm>
             <a:prstGeom prst="rect">
@@ -15183,7 +15183,7 @@
           </p:nvSpPr>
           <p:spPr>
             <a:xfrm>
-              <a:off x="1552355" y="4169365"/>
+              <a:off x="1551803" y="4169365"/>
               <a:ext cx="0" cy="34794"/>
             </a:xfrm>
             <a:custGeom>
@@ -15223,7 +15223,7 @@
           </p:nvSpPr>
           <p:spPr>
             <a:xfrm>
-              <a:off x="1878071" y="4169365"/>
+              <a:off x="1875549" y="4169365"/>
               <a:ext cx="0" cy="34794"/>
             </a:xfrm>
             <a:custGeom>
@@ -15263,7 +15263,7 @@
           </p:nvSpPr>
           <p:spPr>
             <a:xfrm>
-              <a:off x="2203787" y="4169365"/>
+              <a:off x="2199295" y="4169365"/>
               <a:ext cx="0" cy="34794"/>
             </a:xfrm>
             <a:custGeom>
@@ -15303,7 +15303,7 @@
           </p:nvSpPr>
           <p:spPr>
             <a:xfrm>
-              <a:off x="2529503" y="4169365"/>
+              <a:off x="2523041" y="4169365"/>
               <a:ext cx="0" cy="34794"/>
             </a:xfrm>
             <a:custGeom>
@@ -15343,7 +15343,7 @@
           </p:nvSpPr>
           <p:spPr>
             <a:xfrm>
-              <a:off x="2855218" y="4169365"/>
+              <a:off x="2846787" y="4169365"/>
               <a:ext cx="0" cy="34794"/>
             </a:xfrm>
             <a:custGeom>
@@ -15383,7 +15383,7 @@
           </p:nvSpPr>
           <p:spPr>
             <a:xfrm>
-              <a:off x="3180934" y="4169365"/>
+              <a:off x="3170533" y="4169365"/>
               <a:ext cx="0" cy="34794"/>
             </a:xfrm>
             <a:custGeom>
@@ -15423,7 +15423,7 @@
           </p:nvSpPr>
           <p:spPr>
             <a:xfrm>
-              <a:off x="1516802" y="4228939"/>
+              <a:off x="1516251" y="4228939"/>
               <a:ext cx="71105" cy="84529"/>
             </a:xfrm>
             <a:prstGeom prst="rect">
@@ -15469,7 +15469,7 @@
           </p:nvSpPr>
           <p:spPr>
             <a:xfrm>
-              <a:off x="1806966" y="4228939"/>
+              <a:off x="1804444" y="4228939"/>
               <a:ext cx="142210" cy="84529"/>
             </a:xfrm>
             <a:prstGeom prst="rect">
@@ -15515,7 +15515,7 @@
           </p:nvSpPr>
           <p:spPr>
             <a:xfrm>
-              <a:off x="2132682" y="4228939"/>
+              <a:off x="2128190" y="4228939"/>
               <a:ext cx="142210" cy="84529"/>
             </a:xfrm>
             <a:prstGeom prst="rect">
@@ -15561,7 +15561,7 @@
           </p:nvSpPr>
           <p:spPr>
             <a:xfrm>
-              <a:off x="2458397" y="4228939"/>
+              <a:off x="2451936" y="4228939"/>
               <a:ext cx="142210" cy="84529"/>
             </a:xfrm>
             <a:prstGeom prst="rect">
@@ -15607,7 +15607,7 @@
           </p:nvSpPr>
           <p:spPr>
             <a:xfrm>
-              <a:off x="2784113" y="4228939"/>
+              <a:off x="2775682" y="4228939"/>
               <a:ext cx="142210" cy="84529"/>
             </a:xfrm>
             <a:prstGeom prst="rect">
@@ -15653,7 +15653,7 @@
           </p:nvSpPr>
           <p:spPr>
             <a:xfrm>
-              <a:off x="3109829" y="4228939"/>
+              <a:off x="3099428" y="4228939"/>
               <a:ext cx="142210" cy="84529"/>
             </a:xfrm>
             <a:prstGeom prst="rect">
@@ -15699,7 +15699,7 @@
           </p:nvSpPr>
           <p:spPr>
             <a:xfrm>
-              <a:off x="3628354" y="4169365"/>
+              <a:off x="3615667" y="4169365"/>
               <a:ext cx="0" cy="34794"/>
             </a:xfrm>
             <a:custGeom>
@@ -15739,7 +15739,7 @@
           </p:nvSpPr>
           <p:spPr>
             <a:xfrm>
-              <a:off x="3954070" y="4169365"/>
+              <a:off x="3939413" y="4169365"/>
               <a:ext cx="0" cy="34794"/>
             </a:xfrm>
             <a:custGeom>
@@ -15779,7 +15779,7 @@
           </p:nvSpPr>
           <p:spPr>
             <a:xfrm>
-              <a:off x="4279786" y="4169365"/>
+              <a:off x="4263159" y="4169365"/>
               <a:ext cx="0" cy="34794"/>
             </a:xfrm>
             <a:custGeom>
@@ -15819,7 +15819,7 @@
           </p:nvSpPr>
           <p:spPr>
             <a:xfrm>
-              <a:off x="4605502" y="4169365"/>
+              <a:off x="4586905" y="4169365"/>
               <a:ext cx="0" cy="34794"/>
             </a:xfrm>
             <a:custGeom>
@@ -15859,7 +15859,7 @@
           </p:nvSpPr>
           <p:spPr>
             <a:xfrm>
-              <a:off x="4931218" y="4169365"/>
+              <a:off x="4910651" y="4169365"/>
               <a:ext cx="0" cy="34794"/>
             </a:xfrm>
             <a:custGeom>
@@ -15899,7 +15899,7 @@
           </p:nvSpPr>
           <p:spPr>
             <a:xfrm>
-              <a:off x="5256933" y="4169365"/>
+              <a:off x="5234397" y="4169365"/>
               <a:ext cx="0" cy="34794"/>
             </a:xfrm>
             <a:custGeom>
@@ -15939,7 +15939,7 @@
           </p:nvSpPr>
           <p:spPr>
             <a:xfrm>
-              <a:off x="3592801" y="4228939"/>
+              <a:off x="3580115" y="4228939"/>
               <a:ext cx="71105" cy="84529"/>
             </a:xfrm>
             <a:prstGeom prst="rect">
@@ -15985,7 +15985,7 @@
           </p:nvSpPr>
           <p:spPr>
             <a:xfrm>
-              <a:off x="3882965" y="4228939"/>
+              <a:off x="3868308" y="4228939"/>
               <a:ext cx="142210" cy="84529"/>
             </a:xfrm>
             <a:prstGeom prst="rect">
@@ -16031,7 +16031,7 @@
           </p:nvSpPr>
           <p:spPr>
             <a:xfrm>
-              <a:off x="4208681" y="4228939"/>
+              <a:off x="4192054" y="4228939"/>
               <a:ext cx="142210" cy="84529"/>
             </a:xfrm>
             <a:prstGeom prst="rect">
@@ -16077,7 +16077,7 @@
           </p:nvSpPr>
           <p:spPr>
             <a:xfrm>
-              <a:off x="4534397" y="4228939"/>
+              <a:off x="4515800" y="4228939"/>
               <a:ext cx="142210" cy="84529"/>
             </a:xfrm>
             <a:prstGeom prst="rect">
@@ -16123,7 +16123,7 @@
           </p:nvSpPr>
           <p:spPr>
             <a:xfrm>
-              <a:off x="4860112" y="4228939"/>
+              <a:off x="4839546" y="4228939"/>
               <a:ext cx="142210" cy="84529"/>
             </a:xfrm>
             <a:prstGeom prst="rect">
@@ -16169,7 +16169,7 @@
           </p:nvSpPr>
           <p:spPr>
             <a:xfrm>
-              <a:off x="5185828" y="4228939"/>
+              <a:off x="5163292" y="4228939"/>
               <a:ext cx="142210" cy="84529"/>
             </a:xfrm>
             <a:prstGeom prst="rect">
@@ -17247,7 +17247,7 @@
           </p:nvSpPr>
           <p:spPr>
             <a:xfrm>
-              <a:off x="3372891" y="4371510"/>
+              <a:off x="3360756" y="4371510"/>
               <a:ext cx="258936" cy="101841"/>
             </a:xfrm>
             <a:prstGeom prst="rect">
@@ -17339,8 +17339,8 @@
           </p:nvSpPr>
           <p:spPr>
             <a:xfrm>
-              <a:off x="5682742" y="1198138"/>
-              <a:ext cx="648468" cy="2973139"/>
+              <a:off x="5658471" y="1198138"/>
+              <a:ext cx="672739" cy="2973139"/>
             </a:xfrm>
             <a:prstGeom prst="rect">
               <a:avLst/>
@@ -17365,8 +17365,8 @@
           </p:nvSpPr>
           <p:spPr>
             <a:xfrm>
-              <a:off x="5752331" y="1282257"/>
-              <a:ext cx="390723" cy="101841"/>
+              <a:off x="5728060" y="1275981"/>
+              <a:ext cx="533561" cy="108117"/>
             </a:xfrm>
             <a:prstGeom prst="rect">
               <a:avLst/>
@@ -17398,7 +17398,7 @@
                   <a:latin typeface="DejaVu Sans"/>
                   <a:cs typeface="DejaVu Sans"/>
                 </a:rPr>
-                <a:t>Trt.ID</a:t>
+                <a:t>Tank.ID</a:t>
               </a:r>
             </a:p>
           </p:txBody>
@@ -17411,7 +17411,7 @@
           </p:nvSpPr>
           <p:spPr>
             <a:xfrm>
-              <a:off x="5752331" y="1468217"/>
+              <a:off x="5728060" y="1468217"/>
               <a:ext cx="219455" cy="219456"/>
             </a:xfrm>
             <a:prstGeom prst="rect">
@@ -17437,7 +17437,7 @@
           </p:nvSpPr>
           <p:spPr>
             <a:xfrm>
-              <a:off x="5774276" y="1577945"/>
+              <a:off x="5750006" y="1577945"/>
               <a:ext cx="175564" cy="0"/>
             </a:xfrm>
             <a:custGeom>
@@ -17477,7 +17477,7 @@
           </p:nvSpPr>
           <p:spPr>
             <a:xfrm>
-              <a:off x="5837233" y="1553119"/>
+              <a:off x="5812962" y="1553119"/>
               <a:ext cx="49651" cy="49651"/>
             </a:xfrm>
             <a:prstGeom prst="ellipse">
@@ -17512,7 +17512,7 @@
           </p:nvSpPr>
           <p:spPr>
             <a:xfrm>
-              <a:off x="5752331" y="1687673"/>
+              <a:off x="5728060" y="1687673"/>
               <a:ext cx="219455" cy="219456"/>
             </a:xfrm>
             <a:prstGeom prst="rect">
@@ -17538,7 +17538,7 @@
           </p:nvSpPr>
           <p:spPr>
             <a:xfrm>
-              <a:off x="5774276" y="1797401"/>
+              <a:off x="5750006" y="1797401"/>
               <a:ext cx="175564" cy="0"/>
             </a:xfrm>
             <a:custGeom>
@@ -17578,7 +17578,7 @@
           </p:nvSpPr>
           <p:spPr>
             <a:xfrm>
-              <a:off x="5837233" y="1772575"/>
+              <a:off x="5812962" y="1772575"/>
               <a:ext cx="49651" cy="49651"/>
             </a:xfrm>
             <a:prstGeom prst="ellipse">
@@ -17613,7 +17613,7 @@
           </p:nvSpPr>
           <p:spPr>
             <a:xfrm>
-              <a:off x="5752331" y="1907129"/>
+              <a:off x="5728060" y="1907129"/>
               <a:ext cx="219455" cy="219456"/>
             </a:xfrm>
             <a:prstGeom prst="rect">
@@ -17639,7 +17639,7 @@
           </p:nvSpPr>
           <p:spPr>
             <a:xfrm>
-              <a:off x="5774276" y="2016857"/>
+              <a:off x="5750006" y="2016857"/>
               <a:ext cx="175564" cy="0"/>
             </a:xfrm>
             <a:custGeom>
@@ -17679,7 +17679,7 @@
           </p:nvSpPr>
           <p:spPr>
             <a:xfrm>
-              <a:off x="5837233" y="1992031"/>
+              <a:off x="5812962" y="1992031"/>
               <a:ext cx="49651" cy="49651"/>
             </a:xfrm>
             <a:prstGeom prst="ellipse">
@@ -17714,7 +17714,7 @@
           </p:nvSpPr>
           <p:spPr>
             <a:xfrm>
-              <a:off x="5752331" y="2126585"/>
+              <a:off x="5728060" y="2126585"/>
               <a:ext cx="219455" cy="219456"/>
             </a:xfrm>
             <a:prstGeom prst="rect">
@@ -17740,7 +17740,7 @@
           </p:nvSpPr>
           <p:spPr>
             <a:xfrm>
-              <a:off x="5774276" y="2236313"/>
+              <a:off x="5750006" y="2236313"/>
               <a:ext cx="175564" cy="0"/>
             </a:xfrm>
             <a:custGeom>
@@ -17780,7 +17780,7 @@
           </p:nvSpPr>
           <p:spPr>
             <a:xfrm>
-              <a:off x="5837233" y="2211487"/>
+              <a:off x="5812962" y="2211487"/>
               <a:ext cx="49651" cy="49651"/>
             </a:xfrm>
             <a:prstGeom prst="ellipse">
@@ -17815,7 +17815,7 @@
           </p:nvSpPr>
           <p:spPr>
             <a:xfrm>
-              <a:off x="5752331" y="2346041"/>
+              <a:off x="5728060" y="2346041"/>
               <a:ext cx="219455" cy="219456"/>
             </a:xfrm>
             <a:prstGeom prst="rect">
@@ -17841,7 +17841,7 @@
           </p:nvSpPr>
           <p:spPr>
             <a:xfrm>
-              <a:off x="5774276" y="2455769"/>
+              <a:off x="5750006" y="2455769"/>
               <a:ext cx="175564" cy="0"/>
             </a:xfrm>
             <a:custGeom>
@@ -17881,7 +17881,7 @@
           </p:nvSpPr>
           <p:spPr>
             <a:xfrm>
-              <a:off x="5837233" y="2430943"/>
+              <a:off x="5812962" y="2430943"/>
               <a:ext cx="49651" cy="49651"/>
             </a:xfrm>
             <a:prstGeom prst="ellipse">
@@ -17916,7 +17916,7 @@
           </p:nvSpPr>
           <p:spPr>
             <a:xfrm>
-              <a:off x="5752331" y="2565497"/>
+              <a:off x="5728060" y="2565497"/>
               <a:ext cx="219455" cy="219456"/>
             </a:xfrm>
             <a:prstGeom prst="rect">
@@ -17942,7 +17942,7 @@
           </p:nvSpPr>
           <p:spPr>
             <a:xfrm>
-              <a:off x="5774276" y="2675225"/>
+              <a:off x="5750006" y="2675225"/>
               <a:ext cx="175564" cy="0"/>
             </a:xfrm>
             <a:custGeom>
@@ -17982,7 +17982,7 @@
           </p:nvSpPr>
           <p:spPr>
             <a:xfrm>
-              <a:off x="5837233" y="2650399"/>
+              <a:off x="5812962" y="2650399"/>
               <a:ext cx="49651" cy="49651"/>
             </a:xfrm>
             <a:prstGeom prst="ellipse">
@@ -18017,7 +18017,7 @@
           </p:nvSpPr>
           <p:spPr>
             <a:xfrm>
-              <a:off x="5752331" y="2784953"/>
+              <a:off x="5728060" y="2784953"/>
               <a:ext cx="219455" cy="219456"/>
             </a:xfrm>
             <a:prstGeom prst="rect">
@@ -18043,7 +18043,7 @@
           </p:nvSpPr>
           <p:spPr>
             <a:xfrm>
-              <a:off x="5774276" y="2894681"/>
+              <a:off x="5750006" y="2894681"/>
               <a:ext cx="175564" cy="0"/>
             </a:xfrm>
             <a:custGeom>
@@ -18083,7 +18083,7 @@
           </p:nvSpPr>
           <p:spPr>
             <a:xfrm>
-              <a:off x="5837233" y="2869855"/>
+              <a:off x="5812962" y="2869855"/>
               <a:ext cx="49651" cy="49651"/>
             </a:xfrm>
             <a:prstGeom prst="ellipse">
@@ -18118,7 +18118,7 @@
           </p:nvSpPr>
           <p:spPr>
             <a:xfrm>
-              <a:off x="5752331" y="3004409"/>
+              <a:off x="5728060" y="3004409"/>
               <a:ext cx="219455" cy="219456"/>
             </a:xfrm>
             <a:prstGeom prst="rect">
@@ -18144,7 +18144,7 @@
           </p:nvSpPr>
           <p:spPr>
             <a:xfrm>
-              <a:off x="5774276" y="3114137"/>
+              <a:off x="5750006" y="3114137"/>
               <a:ext cx="175564" cy="0"/>
             </a:xfrm>
             <a:custGeom>
@@ -18184,7 +18184,7 @@
           </p:nvSpPr>
           <p:spPr>
             <a:xfrm>
-              <a:off x="5837233" y="3089311"/>
+              <a:off x="5812962" y="3089311"/>
               <a:ext cx="49651" cy="49651"/>
             </a:xfrm>
             <a:prstGeom prst="ellipse">
@@ -18219,7 +18219,7 @@
           </p:nvSpPr>
           <p:spPr>
             <a:xfrm>
-              <a:off x="5752331" y="3223865"/>
+              <a:off x="5728060" y="3223865"/>
               <a:ext cx="219455" cy="219456"/>
             </a:xfrm>
             <a:prstGeom prst="rect">
@@ -18245,7 +18245,7 @@
           </p:nvSpPr>
           <p:spPr>
             <a:xfrm>
-              <a:off x="5774276" y="3333593"/>
+              <a:off x="5750006" y="3333593"/>
               <a:ext cx="175564" cy="0"/>
             </a:xfrm>
             <a:custGeom>
@@ -18285,7 +18285,7 @@
           </p:nvSpPr>
           <p:spPr>
             <a:xfrm>
-              <a:off x="5837233" y="3308767"/>
+              <a:off x="5812962" y="3308767"/>
               <a:ext cx="49651" cy="49651"/>
             </a:xfrm>
             <a:prstGeom prst="ellipse">
@@ -18320,7 +18320,7 @@
           </p:nvSpPr>
           <p:spPr>
             <a:xfrm>
-              <a:off x="5752331" y="3443321"/>
+              <a:off x="5728060" y="3443321"/>
               <a:ext cx="219455" cy="219456"/>
             </a:xfrm>
             <a:prstGeom prst="rect">
@@ -18346,7 +18346,7 @@
           </p:nvSpPr>
           <p:spPr>
             <a:xfrm>
-              <a:off x="5774276" y="3553049"/>
+              <a:off x="5750006" y="3553049"/>
               <a:ext cx="175564" cy="0"/>
             </a:xfrm>
             <a:custGeom>
@@ -18386,7 +18386,7 @@
           </p:nvSpPr>
           <p:spPr>
             <a:xfrm>
-              <a:off x="5837233" y="3528223"/>
+              <a:off x="5812962" y="3528223"/>
               <a:ext cx="49651" cy="49651"/>
             </a:xfrm>
             <a:prstGeom prst="ellipse">
@@ -18421,7 +18421,7 @@
           </p:nvSpPr>
           <p:spPr>
             <a:xfrm>
-              <a:off x="5752331" y="3662777"/>
+              <a:off x="5728060" y="3662777"/>
               <a:ext cx="219455" cy="219456"/>
             </a:xfrm>
             <a:prstGeom prst="rect">
@@ -18447,7 +18447,7 @@
           </p:nvSpPr>
           <p:spPr>
             <a:xfrm>
-              <a:off x="5774276" y="3772505"/>
+              <a:off x="5750006" y="3772505"/>
               <a:ext cx="175564" cy="0"/>
             </a:xfrm>
             <a:custGeom>
@@ -18487,7 +18487,7 @@
           </p:nvSpPr>
           <p:spPr>
             <a:xfrm>
-              <a:off x="5837233" y="3747679"/>
+              <a:off x="5812962" y="3747679"/>
               <a:ext cx="49651" cy="49651"/>
             </a:xfrm>
             <a:prstGeom prst="ellipse">
@@ -18522,7 +18522,7 @@
           </p:nvSpPr>
           <p:spPr>
             <a:xfrm>
-              <a:off x="5752331" y="3882233"/>
+              <a:off x="5728060" y="3882233"/>
               <a:ext cx="219455" cy="219455"/>
             </a:xfrm>
             <a:prstGeom prst="rect">
@@ -18548,7 +18548,7 @@
           </p:nvSpPr>
           <p:spPr>
             <a:xfrm>
-              <a:off x="5774276" y="3991961"/>
+              <a:off x="5750006" y="3991961"/>
               <a:ext cx="175564" cy="0"/>
             </a:xfrm>
             <a:custGeom>
@@ -18588,7 +18588,7 @@
           </p:nvSpPr>
           <p:spPr>
             <a:xfrm>
-              <a:off x="5837233" y="3967135"/>
+              <a:off x="5812962" y="3967135"/>
               <a:ext cx="49651" cy="49651"/>
             </a:xfrm>
             <a:prstGeom prst="ellipse">
@@ -18623,7 +18623,7 @@
           </p:nvSpPr>
           <p:spPr>
             <a:xfrm>
-              <a:off x="6041376" y="1534152"/>
+              <a:off x="6017105" y="1534152"/>
               <a:ext cx="149140" cy="84529"/>
             </a:xfrm>
             <a:prstGeom prst="rect">
@@ -18669,7 +18669,7 @@
           </p:nvSpPr>
           <p:spPr>
             <a:xfrm>
-              <a:off x="6041376" y="1753608"/>
+              <a:off x="6017105" y="1753608"/>
               <a:ext cx="220245" cy="84529"/>
             </a:xfrm>
             <a:prstGeom prst="rect">
@@ -18715,7 +18715,7 @@
           </p:nvSpPr>
           <p:spPr>
             <a:xfrm>
-              <a:off x="6041376" y="1973064"/>
+              <a:off x="6017105" y="1973064"/>
               <a:ext cx="220245" cy="84529"/>
             </a:xfrm>
             <a:prstGeom prst="rect">
@@ -18761,7 +18761,7 @@
           </p:nvSpPr>
           <p:spPr>
             <a:xfrm>
-              <a:off x="6041376" y="2192520"/>
+              <a:off x="6017105" y="2192520"/>
               <a:ext cx="220245" cy="84529"/>
             </a:xfrm>
             <a:prstGeom prst="rect">
@@ -18807,7 +18807,7 @@
           </p:nvSpPr>
           <p:spPr>
             <a:xfrm>
-              <a:off x="6041376" y="2411976"/>
+              <a:off x="6017105" y="2411976"/>
               <a:ext cx="220245" cy="84529"/>
             </a:xfrm>
             <a:prstGeom prst="rect">
@@ -18853,7 +18853,7 @@
           </p:nvSpPr>
           <p:spPr>
             <a:xfrm>
-              <a:off x="6041376" y="2631432"/>
+              <a:off x="6017105" y="2631432"/>
               <a:ext cx="149140" cy="84529"/>
             </a:xfrm>
             <a:prstGeom prst="rect">
@@ -18899,7 +18899,7 @@
           </p:nvSpPr>
           <p:spPr>
             <a:xfrm>
-              <a:off x="6041376" y="2850888"/>
+              <a:off x="6017105" y="2850888"/>
               <a:ext cx="149140" cy="84529"/>
             </a:xfrm>
             <a:prstGeom prst="rect">
@@ -18945,7 +18945,7 @@
           </p:nvSpPr>
           <p:spPr>
             <a:xfrm>
-              <a:off x="6041376" y="3070344"/>
+              <a:off x="6017105" y="3070344"/>
               <a:ext cx="149140" cy="84529"/>
             </a:xfrm>
             <a:prstGeom prst="rect">
@@ -18991,7 +18991,7 @@
           </p:nvSpPr>
           <p:spPr>
             <a:xfrm>
-              <a:off x="6041376" y="3289800"/>
+              <a:off x="6017105" y="3289800"/>
               <a:ext cx="149140" cy="84529"/>
             </a:xfrm>
             <a:prstGeom prst="rect">
@@ -19037,7 +19037,7 @@
           </p:nvSpPr>
           <p:spPr>
             <a:xfrm>
-              <a:off x="6041376" y="3509256"/>
+              <a:off x="6017105" y="3509256"/>
               <a:ext cx="149140" cy="84529"/>
             </a:xfrm>
             <a:prstGeom prst="rect">
@@ -19083,7 +19083,7 @@
           </p:nvSpPr>
           <p:spPr>
             <a:xfrm>
-              <a:off x="6041376" y="3728712"/>
+              <a:off x="6017105" y="3728712"/>
               <a:ext cx="149140" cy="84529"/>
             </a:xfrm>
             <a:prstGeom prst="rect">
@@ -19129,7 +19129,7 @@
           </p:nvSpPr>
           <p:spPr>
             <a:xfrm>
-              <a:off x="6041376" y="3948168"/>
+              <a:off x="6017105" y="3948168"/>
               <a:ext cx="149140" cy="84529"/>
             </a:xfrm>
             <a:prstGeom prst="rect">

--- a/reference/QCATC777-Hazard-Curve.pptx
+++ b/reference/QCATC777-Hazard-Curve.pptx
@@ -2250,9 +2250,9 @@
         <p:grpSpPr>
           <a:xfrm>
             <a:off x="914400" y="914400"/>
-            <a:ext cx="5486400" cy="3657600"/>
+            <a:ext cx="5486400" cy="5486400"/>
             <a:chOff x="914400" y="914400"/>
-            <a:chExt cx="5486400" cy="3657600"/>
+            <a:chExt cx="5486400" cy="5486400"/>
           </a:xfrm>
         </p:grpSpPr>
         <p:sp>
@@ -2264,7 +2264,7 @@
           <p:spPr>
             <a:xfrm>
               <a:off x="914400" y="914400"/>
-              <a:ext cx="5486400" cy="3657600"/>
+              <a:ext cx="5486400" cy="5486400"/>
             </a:xfrm>
             <a:prstGeom prst="rect">
               <a:avLst/>
@@ -2299,7 +2299,7 @@
           <p:spPr>
             <a:xfrm>
               <a:off x="914400" y="914400"/>
-              <a:ext cx="5486400" cy="3657600"/>
+              <a:ext cx="5486400" cy="5486400"/>
             </a:xfrm>
             <a:prstGeom prst="rect">
               <a:avLst/>
@@ -2325,7 +2325,7 @@
           <p:spPr>
             <a:xfrm>
               <a:off x="1648227" y="1315914"/>
-              <a:ext cx="1889138" cy="1171063"/>
+              <a:ext cx="1889138" cy="2085463"/>
             </a:xfrm>
             <a:prstGeom prst="rect">
               <a:avLst/>
@@ -2350,72 +2350,72 @@
           </p:nvSpPr>
           <p:spPr>
             <a:xfrm>
-              <a:off x="2592796" y="1808063"/>
-              <a:ext cx="858699" cy="613668"/>
+              <a:off x="2592796" y="2192346"/>
+              <a:ext cx="858699" cy="1092838"/>
             </a:xfrm>
             <a:custGeom>
               <a:avLst/>
               <a:pathLst>
-                <a:path w="858699" h="613668">
+                <a:path w="858699" h="1092838">
                   <a:moveTo>
-                    <a:pt x="0" y="613668"/>
+                    <a:pt x="0" y="1092838"/>
                   </a:moveTo>
                   <a:lnTo>
-                    <a:pt x="95411" y="560297"/>
-                  </a:lnTo>
-                  <a:lnTo>
-                    <a:pt x="127214" y="520949"/>
-                  </a:lnTo>
-                  <a:lnTo>
-                    <a:pt x="159018" y="465752"/>
-                  </a:lnTo>
-                  <a:lnTo>
-                    <a:pt x="190822" y="393310"/>
-                  </a:lnTo>
-                  <a:lnTo>
-                    <a:pt x="222625" y="304666"/>
-                  </a:lnTo>
-                  <a:lnTo>
-                    <a:pt x="254429" y="204908"/>
-                  </a:lnTo>
-                  <a:lnTo>
-                    <a:pt x="286233" y="105989"/>
-                  </a:lnTo>
-                  <a:lnTo>
-                    <a:pt x="318036" y="34393"/>
+                    <a:pt x="95411" y="997793"/>
+                  </a:lnTo>
+                  <a:lnTo>
+                    <a:pt x="127214" y="927721"/>
+                  </a:lnTo>
+                  <a:lnTo>
+                    <a:pt x="159018" y="829425"/>
+                  </a:lnTo>
+                  <a:lnTo>
+                    <a:pt x="190822" y="700419"/>
+                  </a:lnTo>
+                  <a:lnTo>
+                    <a:pt x="222625" y="542558"/>
+                  </a:lnTo>
+                  <a:lnTo>
+                    <a:pt x="254429" y="364907"/>
+                  </a:lnTo>
+                  <a:lnTo>
+                    <a:pt x="286233" y="188748"/>
+                  </a:lnTo>
+                  <a:lnTo>
+                    <a:pt x="318036" y="61248"/>
                   </a:lnTo>
                   <a:lnTo>
                     <a:pt x="349840" y="0"/>
                   </a:lnTo>
                   <a:lnTo>
-                    <a:pt x="381644" y="246"/>
-                  </a:lnTo>
-                  <a:lnTo>
-                    <a:pt x="413447" y="26586"/>
-                  </a:lnTo>
-                  <a:lnTo>
-                    <a:pt x="445251" y="66855"/>
-                  </a:lnTo>
-                  <a:lnTo>
-                    <a:pt x="508858" y="148929"/>
-                  </a:lnTo>
-                  <a:lnTo>
-                    <a:pt x="572466" y="205445"/>
-                  </a:lnTo>
-                  <a:lnTo>
-                    <a:pt x="636073" y="271083"/>
-                  </a:lnTo>
-                  <a:lnTo>
-                    <a:pt x="667877" y="316070"/>
-                  </a:lnTo>
-                  <a:lnTo>
-                    <a:pt x="699680" y="367062"/>
-                  </a:lnTo>
-                  <a:lnTo>
-                    <a:pt x="731484" y="418725"/>
-                  </a:lnTo>
-                  <a:lnTo>
-                    <a:pt x="858699" y="562660"/>
+                    <a:pt x="381644" y="438"/>
+                  </a:lnTo>
+                  <a:lnTo>
+                    <a:pt x="413447" y="47346"/>
+                  </a:lnTo>
+                  <a:lnTo>
+                    <a:pt x="445251" y="119057"/>
+                  </a:lnTo>
+                  <a:lnTo>
+                    <a:pt x="508858" y="265218"/>
+                  </a:lnTo>
+                  <a:lnTo>
+                    <a:pt x="572466" y="365863"/>
+                  </a:lnTo>
+                  <a:lnTo>
+                    <a:pt x="636073" y="482753"/>
+                  </a:lnTo>
+                  <a:lnTo>
+                    <a:pt x="667877" y="562866"/>
+                  </a:lnTo>
+                  <a:lnTo>
+                    <a:pt x="699680" y="653675"/>
+                  </a:lnTo>
+                  <a:lnTo>
+                    <a:pt x="731484" y="745678"/>
+                  </a:lnTo>
+                  <a:lnTo>
+                    <a:pt x="858699" y="1002001"/>
                   </a:lnTo>
                 </a:path>
               </a:pathLst>
@@ -2444,60 +2444,60 @@
           </p:nvSpPr>
           <p:spPr>
             <a:xfrm>
-              <a:off x="2560992" y="1369144"/>
-              <a:ext cx="890502" cy="1043844"/>
+              <a:off x="2560992" y="1410708"/>
+              <a:ext cx="890502" cy="1858908"/>
             </a:xfrm>
             <a:custGeom>
               <a:avLst/>
               <a:pathLst>
-                <a:path w="890502" h="1043844">
+                <a:path w="890502" h="1858908">
                   <a:moveTo>
-                    <a:pt x="0" y="1043844"/>
+                    <a:pt x="0" y="1858908"/>
                   </a:moveTo>
                   <a:lnTo>
-                    <a:pt x="31803" y="1020404"/>
-                  </a:lnTo>
-                  <a:lnTo>
-                    <a:pt x="127214" y="781880"/>
-                  </a:lnTo>
-                  <a:lnTo>
-                    <a:pt x="159018" y="600019"/>
-                  </a:lnTo>
-                  <a:lnTo>
-                    <a:pt x="190822" y="373623"/>
-                  </a:lnTo>
-                  <a:lnTo>
-                    <a:pt x="222625" y="162567"/>
-                  </a:lnTo>
-                  <a:lnTo>
-                    <a:pt x="254429" y="27831"/>
+                    <a:pt x="31803" y="1817165"/>
+                  </a:lnTo>
+                  <a:lnTo>
+                    <a:pt x="127214" y="1392395"/>
+                  </a:lnTo>
+                  <a:lnTo>
+                    <a:pt x="159018" y="1068532"/>
+                  </a:lnTo>
+                  <a:lnTo>
+                    <a:pt x="190822" y="665360"/>
+                  </a:lnTo>
+                  <a:lnTo>
+                    <a:pt x="222625" y="289505"/>
+                  </a:lnTo>
+                  <a:lnTo>
+                    <a:pt x="254429" y="49563"/>
                   </a:lnTo>
                   <a:lnTo>
                     <a:pt x="286233" y="0"/>
                   </a:lnTo>
                   <a:lnTo>
-                    <a:pt x="318036" y="80578"/>
-                  </a:lnTo>
-                  <a:lnTo>
-                    <a:pt x="349840" y="230069"/>
-                  </a:lnTo>
-                  <a:lnTo>
-                    <a:pt x="381644" y="388559"/>
-                  </a:lnTo>
-                  <a:lnTo>
-                    <a:pt x="413447" y="523856"/>
-                  </a:lnTo>
-                  <a:lnTo>
-                    <a:pt x="445251" y="633009"/>
-                  </a:lnTo>
-                  <a:lnTo>
-                    <a:pt x="667877" y="967743"/>
-                  </a:lnTo>
-                  <a:lnTo>
-                    <a:pt x="699680" y="980118"/>
-                  </a:lnTo>
-                  <a:lnTo>
-                    <a:pt x="890502" y="1017329"/>
+                    <a:pt x="318036" y="143496"/>
+                  </a:lnTo>
+                  <a:lnTo>
+                    <a:pt x="349840" y="409714"/>
+                  </a:lnTo>
+                  <a:lnTo>
+                    <a:pt x="381644" y="691958"/>
+                  </a:lnTo>
+                  <a:lnTo>
+                    <a:pt x="413447" y="932898"/>
+                  </a:lnTo>
+                  <a:lnTo>
+                    <a:pt x="445251" y="1127281"/>
+                  </a:lnTo>
+                  <a:lnTo>
+                    <a:pt x="667877" y="1723385"/>
+                  </a:lnTo>
+                  <a:lnTo>
+                    <a:pt x="699680" y="1745423"/>
+                  </a:lnTo>
+                  <a:lnTo>
+                    <a:pt x="890502" y="1811690"/>
                   </a:lnTo>
                 </a:path>
               </a:pathLst>
@@ -2526,72 +2526,72 @@
           </p:nvSpPr>
           <p:spPr>
             <a:xfrm>
-              <a:off x="2465581" y="2088026"/>
-              <a:ext cx="985913" cy="316388"/>
+              <a:off x="2465581" y="2690913"/>
+              <a:ext cx="985913" cy="563434"/>
             </a:xfrm>
             <a:custGeom>
               <a:avLst/>
               <a:pathLst>
-                <a:path w="985913" h="316388">
+                <a:path w="985913" h="563434">
                   <a:moveTo>
-                    <a:pt x="0" y="316388"/>
+                    <a:pt x="0" y="563434"/>
                   </a:moveTo>
                   <a:lnTo>
-                    <a:pt x="95411" y="269114"/>
-                  </a:lnTo>
-                  <a:lnTo>
-                    <a:pt x="127214" y="246254"/>
-                  </a:lnTo>
-                  <a:lnTo>
-                    <a:pt x="190822" y="192721"/>
-                  </a:lnTo>
-                  <a:lnTo>
-                    <a:pt x="254429" y="131983"/>
-                  </a:lnTo>
-                  <a:lnTo>
-                    <a:pt x="286233" y="100633"/>
-                  </a:lnTo>
-                  <a:lnTo>
-                    <a:pt x="318036" y="70436"/>
-                  </a:lnTo>
-                  <a:lnTo>
-                    <a:pt x="349840" y="43481"/>
-                  </a:lnTo>
-                  <a:lnTo>
-                    <a:pt x="381644" y="21995"/>
-                  </a:lnTo>
-                  <a:lnTo>
-                    <a:pt x="413447" y="7454"/>
+                    <a:pt x="95411" y="479246"/>
+                  </a:lnTo>
+                  <a:lnTo>
+                    <a:pt x="127214" y="438537"/>
+                  </a:lnTo>
+                  <a:lnTo>
+                    <a:pt x="190822" y="343203"/>
+                  </a:lnTo>
+                  <a:lnTo>
+                    <a:pt x="254429" y="235040"/>
+                  </a:lnTo>
+                  <a:lnTo>
+                    <a:pt x="286233" y="179210"/>
+                  </a:lnTo>
+                  <a:lnTo>
+                    <a:pt x="318036" y="125435"/>
+                  </a:lnTo>
+                  <a:lnTo>
+                    <a:pt x="349840" y="77433"/>
+                  </a:lnTo>
+                  <a:lnTo>
+                    <a:pt x="381644" y="39170"/>
+                  </a:lnTo>
+                  <a:lnTo>
+                    <a:pt x="413447" y="13275"/>
                   </a:lnTo>
                   <a:lnTo>
                     <a:pt x="445251" y="0"/>
                   </a:lnTo>
                   <a:lnTo>
-                    <a:pt x="540662" y="2969"/>
-                  </a:lnTo>
-                  <a:lnTo>
-                    <a:pt x="636073" y="4201"/>
-                  </a:lnTo>
-                  <a:lnTo>
-                    <a:pt x="667877" y="3402"/>
-                  </a:lnTo>
-                  <a:lnTo>
-                    <a:pt x="699680" y="5809"/>
-                  </a:lnTo>
-                  <a:lnTo>
-                    <a:pt x="731484" y="14381"/>
-                  </a:lnTo>
-                  <a:lnTo>
-                    <a:pt x="795091" y="52768"/>
-                  </a:lnTo>
-                  <a:lnTo>
-                    <a:pt x="826895" y="81665"/>
-                  </a:lnTo>
-                  <a:lnTo>
-                    <a:pt x="858699" y="114495"/>
-                  </a:lnTo>
-                  <a:lnTo>
-                    <a:pt x="985913" y="233073"/>
+                    <a:pt x="540662" y="5287"/>
+                  </a:lnTo>
+                  <a:lnTo>
+                    <a:pt x="636073" y="7482"/>
+                  </a:lnTo>
+                  <a:lnTo>
+                    <a:pt x="667877" y="6059"/>
+                  </a:lnTo>
+                  <a:lnTo>
+                    <a:pt x="699680" y="10345"/>
+                  </a:lnTo>
+                  <a:lnTo>
+                    <a:pt x="731484" y="25610"/>
+                  </a:lnTo>
+                  <a:lnTo>
+                    <a:pt x="795091" y="93972"/>
+                  </a:lnTo>
+                  <a:lnTo>
+                    <a:pt x="826895" y="145432"/>
+                  </a:lnTo>
+                  <a:lnTo>
+                    <a:pt x="858699" y="203896"/>
+                  </a:lnTo>
+                  <a:lnTo>
+                    <a:pt x="985913" y="415063"/>
                   </a:lnTo>
                 </a:path>
               </a:pathLst>
@@ -2620,7 +2620,7 @@
           </p:nvSpPr>
           <p:spPr>
             <a:xfrm>
-              <a:off x="2567970" y="2396905"/>
+              <a:off x="2567970" y="3260359"/>
               <a:ext cx="49651" cy="49651"/>
             </a:xfrm>
             <a:prstGeom prst="ellipse">
@@ -2655,7 +2655,7 @@
           </p:nvSpPr>
           <p:spPr>
             <a:xfrm>
-              <a:off x="2663381" y="2343534"/>
+              <a:off x="2663381" y="3165314"/>
               <a:ext cx="49651" cy="49651"/>
             </a:xfrm>
             <a:prstGeom prst="ellipse">
@@ -2690,7 +2690,7 @@
           </p:nvSpPr>
           <p:spPr>
             <a:xfrm>
-              <a:off x="2695185" y="2304186"/>
+              <a:off x="2695185" y="3095242"/>
               <a:ext cx="49651" cy="49651"/>
             </a:xfrm>
             <a:prstGeom prst="ellipse">
@@ -2725,7 +2725,7 @@
           </p:nvSpPr>
           <p:spPr>
             <a:xfrm>
-              <a:off x="2726989" y="2248989"/>
+              <a:off x="2726989" y="2996946"/>
               <a:ext cx="49651" cy="49651"/>
             </a:xfrm>
             <a:prstGeom prst="ellipse">
@@ -2760,7 +2760,7 @@
           </p:nvSpPr>
           <p:spPr>
             <a:xfrm>
-              <a:off x="2758792" y="2176548"/>
+              <a:off x="2758792" y="2867940"/>
               <a:ext cx="49651" cy="49651"/>
             </a:xfrm>
             <a:prstGeom prst="ellipse">
@@ -2795,7 +2795,7 @@
           </p:nvSpPr>
           <p:spPr>
             <a:xfrm>
-              <a:off x="2790596" y="2087903"/>
+              <a:off x="2790596" y="2710079"/>
               <a:ext cx="49651" cy="49651"/>
             </a:xfrm>
             <a:prstGeom prst="ellipse">
@@ -2830,7 +2830,7 @@
           </p:nvSpPr>
           <p:spPr>
             <a:xfrm>
-              <a:off x="2822400" y="1988145"/>
+              <a:off x="2822400" y="2532427"/>
               <a:ext cx="49651" cy="49651"/>
             </a:xfrm>
             <a:prstGeom prst="ellipse">
@@ -2865,7 +2865,7 @@
           </p:nvSpPr>
           <p:spPr>
             <a:xfrm>
-              <a:off x="2854203" y="1889226"/>
+              <a:off x="2854203" y="2356269"/>
               <a:ext cx="49651" cy="49651"/>
             </a:xfrm>
             <a:prstGeom prst="ellipse">
@@ -2900,7 +2900,7 @@
           </p:nvSpPr>
           <p:spPr>
             <a:xfrm>
-              <a:off x="2886007" y="1817630"/>
+              <a:off x="2886007" y="2228769"/>
               <a:ext cx="49651" cy="49651"/>
             </a:xfrm>
             <a:prstGeom prst="ellipse">
@@ -2935,7 +2935,7 @@
           </p:nvSpPr>
           <p:spPr>
             <a:xfrm>
-              <a:off x="2917811" y="1783237"/>
+              <a:off x="2917811" y="2167520"/>
               <a:ext cx="49651" cy="49651"/>
             </a:xfrm>
             <a:prstGeom prst="ellipse">
@@ -2970,7 +2970,7 @@
           </p:nvSpPr>
           <p:spPr>
             <a:xfrm>
-              <a:off x="2949614" y="1783483"/>
+              <a:off x="2949614" y="2167958"/>
               <a:ext cx="49651" cy="49651"/>
             </a:xfrm>
             <a:prstGeom prst="ellipse">
@@ -3005,7 +3005,7 @@
           </p:nvSpPr>
           <p:spPr>
             <a:xfrm>
-              <a:off x="2981418" y="1809823"/>
+              <a:off x="2981418" y="2214866"/>
               <a:ext cx="49651" cy="49651"/>
             </a:xfrm>
             <a:prstGeom prst="ellipse">
@@ -3040,7 +3040,7 @@
           </p:nvSpPr>
           <p:spPr>
             <a:xfrm>
-              <a:off x="3013222" y="1850092"/>
+              <a:off x="3013222" y="2286578"/>
               <a:ext cx="49651" cy="49651"/>
             </a:xfrm>
             <a:prstGeom prst="ellipse">
@@ -3075,7 +3075,7 @@
           </p:nvSpPr>
           <p:spPr>
             <a:xfrm>
-              <a:off x="3076829" y="1932167"/>
+              <a:off x="3076829" y="2432739"/>
               <a:ext cx="49651" cy="49651"/>
             </a:xfrm>
             <a:prstGeom prst="ellipse">
@@ -3110,7 +3110,7 @@
           </p:nvSpPr>
           <p:spPr>
             <a:xfrm>
-              <a:off x="3140436" y="1988682"/>
+              <a:off x="3140436" y="2533384"/>
               <a:ext cx="49651" cy="49651"/>
             </a:xfrm>
             <a:prstGeom prst="ellipse">
@@ -3145,7 +3145,7 @@
           </p:nvSpPr>
           <p:spPr>
             <a:xfrm>
-              <a:off x="3204044" y="2054320"/>
+              <a:off x="3204044" y="2650273"/>
               <a:ext cx="49651" cy="49651"/>
             </a:xfrm>
             <a:prstGeom prst="ellipse">
@@ -3180,7 +3180,7 @@
           </p:nvSpPr>
           <p:spPr>
             <a:xfrm>
-              <a:off x="3235847" y="2099307"/>
+              <a:off x="3235847" y="2730387"/>
               <a:ext cx="49651" cy="49651"/>
             </a:xfrm>
             <a:prstGeom prst="ellipse">
@@ -3215,7 +3215,7 @@
           </p:nvSpPr>
           <p:spPr>
             <a:xfrm>
-              <a:off x="3267651" y="2150299"/>
+              <a:off x="3267651" y="2821196"/>
               <a:ext cx="49651" cy="49651"/>
             </a:xfrm>
             <a:prstGeom prst="ellipse">
@@ -3250,7 +3250,7 @@
           </p:nvSpPr>
           <p:spPr>
             <a:xfrm>
-              <a:off x="3299455" y="2201962"/>
+              <a:off x="3299455" y="2913199"/>
               <a:ext cx="49651" cy="49651"/>
             </a:xfrm>
             <a:prstGeom prst="ellipse">
@@ -3285,7 +3285,7 @@
           </p:nvSpPr>
           <p:spPr>
             <a:xfrm>
-              <a:off x="3426669" y="2345897"/>
+              <a:off x="3426669" y="3169522"/>
               <a:ext cx="49651" cy="49651"/>
             </a:xfrm>
             <a:prstGeom prst="ellipse">
@@ -3320,7 +3320,7 @@
           </p:nvSpPr>
           <p:spPr>
             <a:xfrm>
-              <a:off x="2536167" y="2388163"/>
+              <a:off x="2536167" y="3244791"/>
               <a:ext cx="49651" cy="49651"/>
             </a:xfrm>
             <a:prstGeom prst="ellipse">
@@ -3355,7 +3355,7 @@
           </p:nvSpPr>
           <p:spPr>
             <a:xfrm>
-              <a:off x="2567970" y="2364722"/>
+              <a:off x="2567970" y="3203047"/>
               <a:ext cx="49651" cy="49651"/>
             </a:xfrm>
             <a:prstGeom prst="ellipse">
@@ -3390,7 +3390,7 @@
           </p:nvSpPr>
           <p:spPr>
             <a:xfrm>
-              <a:off x="2663381" y="2126199"/>
+              <a:off x="2663381" y="2778278"/>
               <a:ext cx="49651" cy="49651"/>
             </a:xfrm>
             <a:prstGeom prst="ellipse">
@@ -3425,7 +3425,7 @@
           </p:nvSpPr>
           <p:spPr>
             <a:xfrm>
-              <a:off x="2695185" y="1944338"/>
+              <a:off x="2695185" y="2454415"/>
               <a:ext cx="49651" cy="49651"/>
             </a:xfrm>
             <a:prstGeom prst="ellipse">
@@ -3460,7 +3460,7 @@
           </p:nvSpPr>
           <p:spPr>
             <a:xfrm>
-              <a:off x="2726989" y="1717942"/>
+              <a:off x="2726989" y="2051242"/>
               <a:ext cx="49651" cy="49651"/>
             </a:xfrm>
             <a:prstGeom prst="ellipse">
@@ -3495,7 +3495,7 @@
           </p:nvSpPr>
           <p:spPr>
             <a:xfrm>
-              <a:off x="2758792" y="1506886"/>
+              <a:off x="2758792" y="1675387"/>
               <a:ext cx="49651" cy="49651"/>
             </a:xfrm>
             <a:prstGeom prst="ellipse">
@@ -3530,7 +3530,7 @@
           </p:nvSpPr>
           <p:spPr>
             <a:xfrm>
-              <a:off x="2790596" y="1372150"/>
+              <a:off x="2790596" y="1435445"/>
               <a:ext cx="49651" cy="49651"/>
             </a:xfrm>
             <a:prstGeom prst="ellipse">
@@ -3565,7 +3565,7 @@
           </p:nvSpPr>
           <p:spPr>
             <a:xfrm>
-              <a:off x="2822400" y="1344318"/>
+              <a:off x="2822400" y="1385882"/>
               <a:ext cx="49651" cy="49651"/>
             </a:xfrm>
             <a:prstGeom prst="ellipse">
@@ -3600,7 +3600,7 @@
           </p:nvSpPr>
           <p:spPr>
             <a:xfrm>
-              <a:off x="2854203" y="1424897"/>
+              <a:off x="2854203" y="1529379"/>
               <a:ext cx="49651" cy="49651"/>
             </a:xfrm>
             <a:prstGeom prst="ellipse">
@@ -3635,7 +3635,7 @@
           </p:nvSpPr>
           <p:spPr>
             <a:xfrm>
-              <a:off x="2886007" y="1574388"/>
+              <a:off x="2886007" y="1795597"/>
               <a:ext cx="49651" cy="49651"/>
             </a:xfrm>
             <a:prstGeom prst="ellipse">
@@ -3670,7 +3670,7 @@
           </p:nvSpPr>
           <p:spPr>
             <a:xfrm>
-              <a:off x="2917811" y="1732878"/>
+              <a:off x="2917811" y="2077840"/>
               <a:ext cx="49651" cy="49651"/>
             </a:xfrm>
             <a:prstGeom prst="ellipse">
@@ -3705,7 +3705,7 @@
           </p:nvSpPr>
           <p:spPr>
             <a:xfrm>
-              <a:off x="2949614" y="1868175"/>
+              <a:off x="2949614" y="2318781"/>
               <a:ext cx="49651" cy="49651"/>
             </a:xfrm>
             <a:prstGeom prst="ellipse">
@@ -3740,7 +3740,7 @@
           </p:nvSpPr>
           <p:spPr>
             <a:xfrm>
-              <a:off x="2981418" y="1977328"/>
+              <a:off x="2981418" y="2513163"/>
               <a:ext cx="49651" cy="49651"/>
             </a:xfrm>
             <a:prstGeom prst="ellipse">
@@ -3775,7 +3775,7 @@
           </p:nvSpPr>
           <p:spPr>
             <a:xfrm>
-              <a:off x="3204044" y="2312062"/>
+              <a:off x="3204044" y="3109268"/>
               <a:ext cx="49651" cy="49651"/>
             </a:xfrm>
             <a:prstGeom prst="ellipse">
@@ -3810,7 +3810,7 @@
           </p:nvSpPr>
           <p:spPr>
             <a:xfrm>
-              <a:off x="3235847" y="2324437"/>
+              <a:off x="3235847" y="3131305"/>
               <a:ext cx="49651" cy="49651"/>
             </a:xfrm>
             <a:prstGeom prst="ellipse">
@@ -3845,7 +3845,7 @@
           </p:nvSpPr>
           <p:spPr>
             <a:xfrm>
-              <a:off x="3426669" y="2361648"/>
+              <a:off x="3426669" y="3197572"/>
               <a:ext cx="49651" cy="49651"/>
             </a:xfrm>
             <a:prstGeom prst="ellipse">
@@ -3880,7 +3880,7 @@
           </p:nvSpPr>
           <p:spPr>
             <a:xfrm>
-              <a:off x="2440755" y="2379589"/>
+              <a:off x="2440755" y="3229522"/>
               <a:ext cx="49651" cy="49651"/>
             </a:xfrm>
             <a:prstGeom prst="ellipse">
@@ -3915,7 +3915,7 @@
           </p:nvSpPr>
           <p:spPr>
             <a:xfrm>
-              <a:off x="2536167" y="2332315"/>
+              <a:off x="2536167" y="3145334"/>
               <a:ext cx="49651" cy="49651"/>
             </a:xfrm>
             <a:prstGeom prst="ellipse">
@@ -3950,7 +3950,7 @@
           </p:nvSpPr>
           <p:spPr>
             <a:xfrm>
-              <a:off x="2567970" y="2309455"/>
+              <a:off x="2567970" y="3104625"/>
               <a:ext cx="49651" cy="49651"/>
             </a:xfrm>
             <a:prstGeom prst="ellipse">
@@ -3985,7 +3985,7 @@
           </p:nvSpPr>
           <p:spPr>
             <a:xfrm>
-              <a:off x="2631578" y="2255922"/>
+              <a:off x="2631578" y="3009291"/>
               <a:ext cx="49651" cy="49651"/>
             </a:xfrm>
             <a:prstGeom prst="ellipse">
@@ -4020,7 +4020,7 @@
           </p:nvSpPr>
           <p:spPr>
             <a:xfrm>
-              <a:off x="2695185" y="2195184"/>
+              <a:off x="2695185" y="2901128"/>
               <a:ext cx="49651" cy="49651"/>
             </a:xfrm>
             <a:prstGeom prst="ellipse">
@@ -4055,7 +4055,7 @@
           </p:nvSpPr>
           <p:spPr>
             <a:xfrm>
-              <a:off x="2726989" y="2163833"/>
+              <a:off x="2726989" y="2845298"/>
               <a:ext cx="49651" cy="49651"/>
             </a:xfrm>
             <a:prstGeom prst="ellipse">
@@ -4090,7 +4090,7 @@
           </p:nvSpPr>
           <p:spPr>
             <a:xfrm>
-              <a:off x="2758792" y="2133636"/>
+              <a:off x="2758792" y="2791522"/>
               <a:ext cx="49651" cy="49651"/>
             </a:xfrm>
             <a:prstGeom prst="ellipse">
@@ -4125,7 +4125,7 @@
           </p:nvSpPr>
           <p:spPr>
             <a:xfrm>
-              <a:off x="2790596" y="2106682"/>
+              <a:off x="2790596" y="2743521"/>
               <a:ext cx="49651" cy="49651"/>
             </a:xfrm>
             <a:prstGeom prst="ellipse">
@@ -4160,7 +4160,7 @@
           </p:nvSpPr>
           <p:spPr>
             <a:xfrm>
-              <a:off x="2822400" y="2085196"/>
+              <a:off x="2822400" y="2705258"/>
               <a:ext cx="49651" cy="49651"/>
             </a:xfrm>
             <a:prstGeom prst="ellipse">
@@ -4195,7 +4195,7 @@
           </p:nvSpPr>
           <p:spPr>
             <a:xfrm>
-              <a:off x="2854203" y="2070655"/>
+              <a:off x="2854203" y="2679363"/>
               <a:ext cx="49651" cy="49651"/>
             </a:xfrm>
             <a:prstGeom prst="ellipse">
@@ -4230,7 +4230,7 @@
           </p:nvSpPr>
           <p:spPr>
             <a:xfrm>
-              <a:off x="2886007" y="2063200"/>
+              <a:off x="2886007" y="2666087"/>
               <a:ext cx="49651" cy="49651"/>
             </a:xfrm>
             <a:prstGeom prst="ellipse">
@@ -4265,7 +4265,7 @@
           </p:nvSpPr>
           <p:spPr>
             <a:xfrm>
-              <a:off x="2981418" y="2066169"/>
+              <a:off x="2981418" y="2671375"/>
               <a:ext cx="49651" cy="49651"/>
             </a:xfrm>
             <a:prstGeom prst="ellipse">
@@ -4300,7 +4300,7 @@
           </p:nvSpPr>
           <p:spPr>
             <a:xfrm>
-              <a:off x="3076829" y="2067402"/>
+              <a:off x="3076829" y="2673570"/>
               <a:ext cx="49651" cy="49651"/>
             </a:xfrm>
             <a:prstGeom prst="ellipse">
@@ -4335,7 +4335,7 @@
           </p:nvSpPr>
           <p:spPr>
             <a:xfrm>
-              <a:off x="3108633" y="2066603"/>
+              <a:off x="3108633" y="2672147"/>
               <a:ext cx="49651" cy="49651"/>
             </a:xfrm>
             <a:prstGeom prst="ellipse">
@@ -4370,7 +4370,7 @@
           </p:nvSpPr>
           <p:spPr>
             <a:xfrm>
-              <a:off x="3140436" y="2069009"/>
+              <a:off x="3140436" y="2676433"/>
               <a:ext cx="49651" cy="49651"/>
             </a:xfrm>
             <a:prstGeom prst="ellipse">
@@ -4405,7 +4405,7 @@
           </p:nvSpPr>
           <p:spPr>
             <a:xfrm>
-              <a:off x="3172240" y="2077582"/>
+              <a:off x="3172240" y="2691698"/>
               <a:ext cx="49651" cy="49651"/>
             </a:xfrm>
             <a:prstGeom prst="ellipse">
@@ -4440,7 +4440,7 @@
           </p:nvSpPr>
           <p:spPr>
             <a:xfrm>
-              <a:off x="3235847" y="2115969"/>
+              <a:off x="3235847" y="2760060"/>
               <a:ext cx="49651" cy="49651"/>
             </a:xfrm>
             <a:prstGeom prst="ellipse">
@@ -4475,7 +4475,7 @@
           </p:nvSpPr>
           <p:spPr>
             <a:xfrm>
-              <a:off x="3267651" y="2144866"/>
+              <a:off x="3267651" y="2811520"/>
               <a:ext cx="49651" cy="49651"/>
             </a:xfrm>
             <a:prstGeom prst="ellipse">
@@ -4510,7 +4510,7 @@
           </p:nvSpPr>
           <p:spPr>
             <a:xfrm>
-              <a:off x="3299455" y="2177695"/>
+              <a:off x="3299455" y="2869984"/>
               <a:ext cx="49651" cy="49651"/>
             </a:xfrm>
             <a:prstGeom prst="ellipse">
@@ -4545,7 +4545,7 @@
           </p:nvSpPr>
           <p:spPr>
             <a:xfrm>
-              <a:off x="3426669" y="2296273"/>
+              <a:off x="3426669" y="3081151"/>
               <a:ext cx="49651" cy="49651"/>
             </a:xfrm>
             <a:prstGeom prst="ellipse">
@@ -4581,7 +4581,7 @@
           <p:spPr>
             <a:xfrm>
               <a:off x="1648227" y="1315914"/>
-              <a:ext cx="1889138" cy="1171063"/>
+              <a:ext cx="1889138" cy="2085463"/>
             </a:xfrm>
             <a:prstGeom prst="rect">
               <a:avLst/>
@@ -4601,8 +4601,8 @@
           </p:nvSpPr>
           <p:spPr>
             <a:xfrm>
-              <a:off x="1648227" y="2850534"/>
-              <a:ext cx="1889138" cy="1171063"/>
+              <a:off x="1648227" y="3764934"/>
+              <a:ext cx="1889138" cy="2085463"/>
             </a:xfrm>
             <a:prstGeom prst="rect">
               <a:avLst/>
@@ -4627,60 +4627,60 @@
           </p:nvSpPr>
           <p:spPr>
             <a:xfrm>
-              <a:off x="2370170" y="3410562"/>
-              <a:ext cx="1081324" cy="556788"/>
+              <a:off x="2370170" y="4762248"/>
+              <a:ext cx="1081324" cy="991544"/>
             </a:xfrm>
             <a:custGeom>
               <a:avLst/>
               <a:pathLst>
-                <a:path w="1081324" h="556788">
+                <a:path w="1081324" h="991544">
                   <a:moveTo>
-                    <a:pt x="0" y="551025"/>
+                    <a:pt x="0" y="981282"/>
                   </a:moveTo>
                   <a:lnTo>
-                    <a:pt x="190822" y="475334"/>
-                  </a:lnTo>
-                  <a:lnTo>
-                    <a:pt x="254429" y="383869"/>
-                  </a:lnTo>
-                  <a:lnTo>
-                    <a:pt x="286233" y="312964"/>
-                  </a:lnTo>
-                  <a:lnTo>
-                    <a:pt x="318036" y="229244"/>
-                  </a:lnTo>
-                  <a:lnTo>
-                    <a:pt x="349840" y="143705"/>
-                  </a:lnTo>
-                  <a:lnTo>
-                    <a:pt x="381644" y="69409"/>
-                  </a:lnTo>
-                  <a:lnTo>
-                    <a:pt x="413447" y="18793"/>
+                    <a:pt x="190822" y="846489"/>
+                  </a:lnTo>
+                  <a:lnTo>
+                    <a:pt x="254429" y="683606"/>
+                  </a:lnTo>
+                  <a:lnTo>
+                    <a:pt x="286233" y="557337"/>
+                  </a:lnTo>
+                  <a:lnTo>
+                    <a:pt x="318036" y="408245"/>
+                  </a:lnTo>
+                  <a:lnTo>
+                    <a:pt x="349840" y="255915"/>
+                  </a:lnTo>
+                  <a:lnTo>
+                    <a:pt x="381644" y="123606"/>
+                  </a:lnTo>
+                  <a:lnTo>
+                    <a:pt x="413447" y="33468"/>
                   </a:lnTo>
                   <a:lnTo>
                     <a:pt x="445251" y="0"/>
                   </a:lnTo>
                   <a:lnTo>
-                    <a:pt x="477055" y="13681"/>
-                  </a:lnTo>
-                  <a:lnTo>
-                    <a:pt x="508858" y="53177"/>
-                  </a:lnTo>
-                  <a:lnTo>
-                    <a:pt x="540662" y="109764"/>
-                  </a:lnTo>
-                  <a:lnTo>
-                    <a:pt x="604269" y="239845"/>
-                  </a:lnTo>
-                  <a:lnTo>
-                    <a:pt x="667877" y="348382"/>
-                  </a:lnTo>
-                  <a:lnTo>
-                    <a:pt x="763288" y="460440"/>
-                  </a:lnTo>
-                  <a:lnTo>
-                    <a:pt x="1081324" y="556788"/>
+                    <a:pt x="477055" y="24364"/>
+                  </a:lnTo>
+                  <a:lnTo>
+                    <a:pt x="508858" y="94699"/>
+                  </a:lnTo>
+                  <a:lnTo>
+                    <a:pt x="540662" y="195471"/>
+                  </a:lnTo>
+                  <a:lnTo>
+                    <a:pt x="604269" y="427123"/>
+                  </a:lnTo>
+                  <a:lnTo>
+                    <a:pt x="667877" y="620409"/>
+                  </a:lnTo>
+                  <a:lnTo>
+                    <a:pt x="763288" y="819966"/>
+                  </a:lnTo>
+                  <a:lnTo>
+                    <a:pt x="1081324" y="991544"/>
                   </a:lnTo>
                 </a:path>
               </a:pathLst>
@@ -4709,69 +4709,69 @@
           </p:nvSpPr>
           <p:spPr>
             <a:xfrm>
-              <a:off x="2592796" y="3439718"/>
-              <a:ext cx="858699" cy="506744"/>
+              <a:off x="2592796" y="4814169"/>
+              <a:ext cx="858699" cy="902425"/>
             </a:xfrm>
             <a:custGeom>
               <a:avLst/>
               <a:pathLst>
-                <a:path w="858699" h="506744">
+                <a:path w="858699" h="902425">
                   <a:moveTo>
-                    <a:pt x="0" y="506744"/>
+                    <a:pt x="0" y="902425"/>
                   </a:moveTo>
                   <a:lnTo>
-                    <a:pt x="31803" y="489383"/>
-                  </a:lnTo>
-                  <a:lnTo>
-                    <a:pt x="63607" y="461873"/>
-                  </a:lnTo>
-                  <a:lnTo>
-                    <a:pt x="95411" y="421346"/>
-                  </a:lnTo>
-                  <a:lnTo>
-                    <a:pt x="127214" y="366080"/>
-                  </a:lnTo>
-                  <a:lnTo>
-                    <a:pt x="190822" y="215416"/>
-                  </a:lnTo>
-                  <a:lnTo>
-                    <a:pt x="222625" y="130142"/>
-                  </a:lnTo>
-                  <a:lnTo>
-                    <a:pt x="254429" y="54537"/>
-                  </a:lnTo>
-                  <a:lnTo>
-                    <a:pt x="286233" y="8680"/>
+                    <a:pt x="31803" y="871508"/>
+                  </a:lnTo>
+                  <a:lnTo>
+                    <a:pt x="63607" y="822518"/>
+                  </a:lnTo>
+                  <a:lnTo>
+                    <a:pt x="95411" y="750346"/>
+                  </a:lnTo>
+                  <a:lnTo>
+                    <a:pt x="127214" y="651927"/>
+                  </a:lnTo>
+                  <a:lnTo>
+                    <a:pt x="190822" y="383619"/>
+                  </a:lnTo>
+                  <a:lnTo>
+                    <a:pt x="222625" y="231761"/>
+                  </a:lnTo>
+                  <a:lnTo>
+                    <a:pt x="254429" y="97122"/>
+                  </a:lnTo>
+                  <a:lnTo>
+                    <a:pt x="286233" y="15457"/>
                   </a:lnTo>
                   <a:lnTo>
                     <a:pt x="318036" y="0"/>
                   </a:lnTo>
                   <a:lnTo>
-                    <a:pt x="349840" y="19670"/>
-                  </a:lnTo>
-                  <a:lnTo>
-                    <a:pt x="381644" y="57763"/>
-                  </a:lnTo>
-                  <a:lnTo>
-                    <a:pt x="413447" y="101531"/>
-                  </a:lnTo>
-                  <a:lnTo>
-                    <a:pt x="445251" y="143240"/>
-                  </a:lnTo>
-                  <a:lnTo>
-                    <a:pt x="508858" y="211714"/>
-                  </a:lnTo>
-                  <a:lnTo>
-                    <a:pt x="572466" y="265929"/>
-                  </a:lnTo>
-                  <a:lnTo>
-                    <a:pt x="667877" y="358477"/>
-                  </a:lnTo>
-                  <a:lnTo>
-                    <a:pt x="699680" y="389161"/>
-                  </a:lnTo>
-                  <a:lnTo>
-                    <a:pt x="858699" y="495236"/>
+                    <a:pt x="349840" y="35029"/>
+                  </a:lnTo>
+                  <a:lnTo>
+                    <a:pt x="381644" y="102867"/>
+                  </a:lnTo>
+                  <a:lnTo>
+                    <a:pt x="413447" y="180810"/>
+                  </a:lnTo>
+                  <a:lnTo>
+                    <a:pt x="445251" y="255086"/>
+                  </a:lnTo>
+                  <a:lnTo>
+                    <a:pt x="508858" y="377026"/>
+                  </a:lnTo>
+                  <a:lnTo>
+                    <a:pt x="572466" y="473574"/>
+                  </a:lnTo>
+                  <a:lnTo>
+                    <a:pt x="667877" y="638387"/>
+                  </a:lnTo>
+                  <a:lnTo>
+                    <a:pt x="699680" y="693029"/>
+                  </a:lnTo>
+                  <a:lnTo>
+                    <a:pt x="858699" y="881930"/>
                   </a:lnTo>
                 </a:path>
               </a:pathLst>
@@ -4800,63 +4800,63 @@
           </p:nvSpPr>
           <p:spPr>
             <a:xfrm>
-              <a:off x="2433778" y="3233287"/>
-              <a:ext cx="1017717" cy="727627"/>
+              <a:off x="2433778" y="4446552"/>
+              <a:ext cx="1017717" cy="1295779"/>
             </a:xfrm>
             <a:custGeom>
               <a:avLst/>
               <a:pathLst>
-                <a:path w="1017717" h="727627">
+                <a:path w="1017717" h="1295779">
                   <a:moveTo>
-                    <a:pt x="0" y="718056"/>
+                    <a:pt x="0" y="1278734"/>
                   </a:moveTo>
                   <a:lnTo>
-                    <a:pt x="63607" y="688381"/>
-                  </a:lnTo>
-                  <a:lnTo>
-                    <a:pt x="127214" y="625071"/>
-                  </a:lnTo>
-                  <a:lnTo>
-                    <a:pt x="159018" y="575878"/>
-                  </a:lnTo>
-                  <a:lnTo>
-                    <a:pt x="190822" y="513939"/>
-                  </a:lnTo>
-                  <a:lnTo>
-                    <a:pt x="254429" y="349189"/>
-                  </a:lnTo>
-                  <a:lnTo>
-                    <a:pt x="286233" y="246805"/>
-                  </a:lnTo>
-                  <a:lnTo>
-                    <a:pt x="318036" y="140514"/>
-                  </a:lnTo>
-                  <a:lnTo>
-                    <a:pt x="349840" y="49652"/>
+                    <a:pt x="63607" y="1225889"/>
+                  </a:lnTo>
+                  <a:lnTo>
+                    <a:pt x="127214" y="1113145"/>
+                  </a:lnTo>
+                  <a:lnTo>
+                    <a:pt x="159018" y="1025541"/>
+                  </a:lnTo>
+                  <a:lnTo>
+                    <a:pt x="190822" y="915238"/>
+                  </a:lnTo>
+                  <a:lnTo>
+                    <a:pt x="254429" y="621846"/>
+                  </a:lnTo>
+                  <a:lnTo>
+                    <a:pt x="286233" y="439518"/>
+                  </a:lnTo>
+                  <a:lnTo>
+                    <a:pt x="318036" y="250232"/>
+                  </a:lnTo>
+                  <a:lnTo>
+                    <a:pt x="349840" y="88422"/>
                   </a:lnTo>
                   <a:lnTo>
                     <a:pt x="381644" y="0"/>
                   </a:lnTo>
                   <a:lnTo>
-                    <a:pt x="413447" y="6285"/>
-                  </a:lnTo>
-                  <a:lnTo>
-                    <a:pt x="445251" y="58846"/>
-                  </a:lnTo>
-                  <a:lnTo>
-                    <a:pt x="477055" y="137033"/>
-                  </a:lnTo>
-                  <a:lnTo>
-                    <a:pt x="508858" y="223380"/>
-                  </a:lnTo>
-                  <a:lnTo>
-                    <a:pt x="540662" y="305948"/>
-                  </a:lnTo>
-                  <a:lnTo>
-                    <a:pt x="922306" y="713683"/>
-                  </a:lnTo>
-                  <a:lnTo>
-                    <a:pt x="1017717" y="727627"/>
+                    <a:pt x="413447" y="11192"/>
+                  </a:lnTo>
+                  <a:lnTo>
+                    <a:pt x="445251" y="104795"/>
+                  </a:lnTo>
+                  <a:lnTo>
+                    <a:pt x="477055" y="244033"/>
+                  </a:lnTo>
+                  <a:lnTo>
+                    <a:pt x="508858" y="397803"/>
+                  </a:lnTo>
+                  <a:lnTo>
+                    <a:pt x="540662" y="544841"/>
+                  </a:lnTo>
+                  <a:lnTo>
+                    <a:pt x="922306" y="1270947"/>
+                  </a:lnTo>
+                  <a:lnTo>
+                    <a:pt x="1017717" y="1295779"/>
                   </a:lnTo>
                 </a:path>
               </a:pathLst>
@@ -4885,7 +4885,7 @@
           </p:nvSpPr>
           <p:spPr>
             <a:xfrm>
-              <a:off x="2345344" y="3936762"/>
+              <a:off x="2345344" y="5718704"/>
               <a:ext cx="49651" cy="49651"/>
             </a:xfrm>
             <a:prstGeom prst="ellipse">
@@ -4920,7 +4920,7 @@
           </p:nvSpPr>
           <p:spPr>
             <a:xfrm>
-              <a:off x="2536167" y="3861070"/>
+              <a:off x="2536167" y="5583911"/>
               <a:ext cx="49651" cy="49651"/>
             </a:xfrm>
             <a:prstGeom prst="ellipse">
@@ -4955,7 +4955,7 @@
           </p:nvSpPr>
           <p:spPr>
             <a:xfrm>
-              <a:off x="2599774" y="3769606"/>
+              <a:off x="2599774" y="5421028"/>
               <a:ext cx="49651" cy="49651"/>
             </a:xfrm>
             <a:prstGeom prst="ellipse">
@@ -4990,7 +4990,7 @@
           </p:nvSpPr>
           <p:spPr>
             <a:xfrm>
-              <a:off x="2631578" y="3698701"/>
+              <a:off x="2631578" y="5294759"/>
               <a:ext cx="49651" cy="49651"/>
             </a:xfrm>
             <a:prstGeom prst="ellipse">
@@ -5025,7 +5025,7 @@
           </p:nvSpPr>
           <p:spPr>
             <a:xfrm>
-              <a:off x="2663381" y="3614980"/>
+              <a:off x="2663381" y="5145667"/>
               <a:ext cx="49651" cy="49651"/>
             </a:xfrm>
             <a:prstGeom prst="ellipse">
@@ -5060,7 +5060,7 @@
           </p:nvSpPr>
           <p:spPr>
             <a:xfrm>
-              <a:off x="2695185" y="3529442"/>
+              <a:off x="2695185" y="4993337"/>
               <a:ext cx="49651" cy="49651"/>
             </a:xfrm>
             <a:prstGeom prst="ellipse">
@@ -5095,7 +5095,7 @@
           </p:nvSpPr>
           <p:spPr>
             <a:xfrm>
-              <a:off x="2726989" y="3455146"/>
+              <a:off x="2726989" y="4861028"/>
               <a:ext cx="49651" cy="49651"/>
             </a:xfrm>
             <a:prstGeom prst="ellipse">
@@ -5130,7 +5130,7 @@
           </p:nvSpPr>
           <p:spPr>
             <a:xfrm>
-              <a:off x="2758792" y="3404530"/>
+              <a:off x="2758792" y="4770890"/>
               <a:ext cx="49651" cy="49651"/>
             </a:xfrm>
             <a:prstGeom prst="ellipse">
@@ -5165,7 +5165,7 @@
           </p:nvSpPr>
           <p:spPr>
             <a:xfrm>
-              <a:off x="2790596" y="3385736"/>
+              <a:off x="2790596" y="4737422"/>
               <a:ext cx="49651" cy="49651"/>
             </a:xfrm>
             <a:prstGeom prst="ellipse">
@@ -5200,7 +5200,7 @@
           </p:nvSpPr>
           <p:spPr>
             <a:xfrm>
-              <a:off x="2822400" y="3399417"/>
+              <a:off x="2822400" y="4761786"/>
               <a:ext cx="49651" cy="49651"/>
             </a:xfrm>
             <a:prstGeom prst="ellipse">
@@ -5235,7 +5235,7 @@
           </p:nvSpPr>
           <p:spPr>
             <a:xfrm>
-              <a:off x="2854203" y="3438913"/>
+              <a:off x="2854203" y="4832122"/>
               <a:ext cx="49651" cy="49651"/>
             </a:xfrm>
             <a:prstGeom prst="ellipse">
@@ -5270,7 +5270,7 @@
           </p:nvSpPr>
           <p:spPr>
             <a:xfrm>
-              <a:off x="2886007" y="3495500"/>
+              <a:off x="2886007" y="4932893"/>
               <a:ext cx="49651" cy="49651"/>
             </a:xfrm>
             <a:prstGeom prst="ellipse">
@@ -5305,7 +5305,7 @@
           </p:nvSpPr>
           <p:spPr>
             <a:xfrm>
-              <a:off x="2949614" y="3625581"/>
+              <a:off x="2949614" y="5164545"/>
               <a:ext cx="49651" cy="49651"/>
             </a:xfrm>
             <a:prstGeom prst="ellipse">
@@ -5340,7 +5340,7 @@
           </p:nvSpPr>
           <p:spPr>
             <a:xfrm>
-              <a:off x="3013222" y="3734118"/>
+              <a:off x="3013222" y="5357831"/>
               <a:ext cx="49651" cy="49651"/>
             </a:xfrm>
             <a:prstGeom prst="ellipse">
@@ -5375,7 +5375,7 @@
           </p:nvSpPr>
           <p:spPr>
             <a:xfrm>
-              <a:off x="3108633" y="3846177"/>
+              <a:off x="3108633" y="5557388"/>
               <a:ext cx="49651" cy="49651"/>
             </a:xfrm>
             <a:prstGeom prst="ellipse">
@@ -5410,7 +5410,7 @@
           </p:nvSpPr>
           <p:spPr>
             <a:xfrm>
-              <a:off x="3426669" y="3942524"/>
+              <a:off x="3426669" y="5728966"/>
               <a:ext cx="49651" cy="49651"/>
             </a:xfrm>
             <a:prstGeom prst="ellipse">
@@ -5445,7 +5445,7 @@
           </p:nvSpPr>
           <p:spPr>
             <a:xfrm>
-              <a:off x="2567970" y="3921636"/>
+              <a:off x="2567970" y="5691769"/>
               <a:ext cx="49651" cy="49651"/>
             </a:xfrm>
             <a:prstGeom prst="ellipse">
@@ -5480,7 +5480,7 @@
           </p:nvSpPr>
           <p:spPr>
             <a:xfrm>
-              <a:off x="2599774" y="3904276"/>
+              <a:off x="2599774" y="5660852"/>
               <a:ext cx="49651" cy="49651"/>
             </a:xfrm>
             <a:prstGeom prst="ellipse">
@@ -5515,7 +5515,7 @@
           </p:nvSpPr>
           <p:spPr>
             <a:xfrm>
-              <a:off x="2631578" y="3876766"/>
+              <a:off x="2631578" y="5611862"/>
               <a:ext cx="49651" cy="49651"/>
             </a:xfrm>
             <a:prstGeom prst="ellipse">
@@ -5550,7 +5550,7 @@
           </p:nvSpPr>
           <p:spPr>
             <a:xfrm>
-              <a:off x="2663381" y="3836239"/>
+              <a:off x="2663381" y="5539690"/>
               <a:ext cx="49651" cy="49651"/>
             </a:xfrm>
             <a:prstGeom prst="ellipse">
@@ -5585,7 +5585,7 @@
           </p:nvSpPr>
           <p:spPr>
             <a:xfrm>
-              <a:off x="2695185" y="3780973"/>
+              <a:off x="2695185" y="5441270"/>
               <a:ext cx="49651" cy="49651"/>
             </a:xfrm>
             <a:prstGeom prst="ellipse">
@@ -5620,7 +5620,7 @@
           </p:nvSpPr>
           <p:spPr>
             <a:xfrm>
-              <a:off x="2758792" y="3630308"/>
+              <a:off x="2758792" y="5172963"/>
               <a:ext cx="49651" cy="49651"/>
             </a:xfrm>
             <a:prstGeom prst="ellipse">
@@ -5655,7 +5655,7 @@
           </p:nvSpPr>
           <p:spPr>
             <a:xfrm>
-              <a:off x="2790596" y="3545034"/>
+              <a:off x="2790596" y="5021105"/>
               <a:ext cx="49651" cy="49651"/>
             </a:xfrm>
             <a:prstGeom prst="ellipse">
@@ -5690,7 +5690,7 @@
           </p:nvSpPr>
           <p:spPr>
             <a:xfrm>
-              <a:off x="2822400" y="3469430"/>
+              <a:off x="2822400" y="4886466"/>
               <a:ext cx="49651" cy="49651"/>
             </a:xfrm>
             <a:prstGeom prst="ellipse">
@@ -5725,7 +5725,7 @@
           </p:nvSpPr>
           <p:spPr>
             <a:xfrm>
-              <a:off x="2854203" y="3423572"/>
+              <a:off x="2854203" y="4804801"/>
               <a:ext cx="49651" cy="49651"/>
             </a:xfrm>
             <a:prstGeom prst="ellipse">
@@ -5760,7 +5760,7 @@
           </p:nvSpPr>
           <p:spPr>
             <a:xfrm>
-              <a:off x="2886007" y="3414892"/>
+              <a:off x="2886007" y="4789343"/>
               <a:ext cx="49651" cy="49651"/>
             </a:xfrm>
             <a:prstGeom prst="ellipse">
@@ -5795,7 +5795,7 @@
           </p:nvSpPr>
           <p:spPr>
             <a:xfrm>
-              <a:off x="2917811" y="3434562"/>
+              <a:off x="2917811" y="4824373"/>
               <a:ext cx="49651" cy="49651"/>
             </a:xfrm>
             <a:prstGeom prst="ellipse">
@@ -5830,7 +5830,7 @@
           </p:nvSpPr>
           <p:spPr>
             <a:xfrm>
-              <a:off x="2949614" y="3472656"/>
+              <a:off x="2949614" y="4892211"/>
               <a:ext cx="49651" cy="49651"/>
             </a:xfrm>
             <a:prstGeom prst="ellipse">
@@ -5865,7 +5865,7 @@
           </p:nvSpPr>
           <p:spPr>
             <a:xfrm>
-              <a:off x="2981418" y="3516423"/>
+              <a:off x="2981418" y="4970153"/>
               <a:ext cx="49651" cy="49651"/>
             </a:xfrm>
             <a:prstGeom prst="ellipse">
@@ -5900,7 +5900,7 @@
           </p:nvSpPr>
           <p:spPr>
             <a:xfrm>
-              <a:off x="3013222" y="3558132"/>
+              <a:off x="3013222" y="5044430"/>
               <a:ext cx="49651" cy="49651"/>
             </a:xfrm>
             <a:prstGeom prst="ellipse">
@@ -5935,7 +5935,7 @@
           </p:nvSpPr>
           <p:spPr>
             <a:xfrm>
-              <a:off x="3076829" y="3626606"/>
+              <a:off x="3076829" y="5166370"/>
               <a:ext cx="49651" cy="49651"/>
             </a:xfrm>
             <a:prstGeom prst="ellipse">
@@ -5970,7 +5970,7 @@
           </p:nvSpPr>
           <p:spPr>
             <a:xfrm>
-              <a:off x="3140436" y="3680821"/>
+              <a:off x="3140436" y="5262918"/>
               <a:ext cx="49651" cy="49651"/>
             </a:xfrm>
             <a:prstGeom prst="ellipse">
@@ -6005,7 +6005,7 @@
           </p:nvSpPr>
           <p:spPr>
             <a:xfrm>
-              <a:off x="3235847" y="3773370"/>
+              <a:off x="3235847" y="5427731"/>
               <a:ext cx="49651" cy="49651"/>
             </a:xfrm>
             <a:prstGeom prst="ellipse">
@@ -6040,7 +6040,7 @@
           </p:nvSpPr>
           <p:spPr>
             <a:xfrm>
-              <a:off x="3267651" y="3804053"/>
+              <a:off x="3267651" y="5482373"/>
               <a:ext cx="49651" cy="49651"/>
             </a:xfrm>
             <a:prstGeom prst="ellipse">
@@ -6075,7 +6075,7 @@
           </p:nvSpPr>
           <p:spPr>
             <a:xfrm>
-              <a:off x="3426669" y="3910128"/>
+              <a:off x="3426669" y="5671274"/>
               <a:ext cx="49651" cy="49651"/>
             </a:xfrm>
             <a:prstGeom prst="ellipse">
@@ -6110,7 +6110,7 @@
           </p:nvSpPr>
           <p:spPr>
             <a:xfrm>
-              <a:off x="2408952" y="3926517"/>
+              <a:off x="2408952" y="5700461"/>
               <a:ext cx="49651" cy="49651"/>
             </a:xfrm>
             <a:prstGeom prst="ellipse">
@@ -6145,7 +6145,7 @@
           </p:nvSpPr>
           <p:spPr>
             <a:xfrm>
-              <a:off x="2472559" y="3896842"/>
+              <a:off x="2472559" y="5647615"/>
               <a:ext cx="49651" cy="49651"/>
             </a:xfrm>
             <a:prstGeom prst="ellipse">
@@ -6180,7 +6180,7 @@
           </p:nvSpPr>
           <p:spPr>
             <a:xfrm>
-              <a:off x="2536167" y="3833533"/>
+              <a:off x="2536167" y="5534872"/>
               <a:ext cx="49651" cy="49651"/>
             </a:xfrm>
             <a:prstGeom prst="ellipse">
@@ -6215,7 +6215,7 @@
           </p:nvSpPr>
           <p:spPr>
             <a:xfrm>
-              <a:off x="2567970" y="3784340"/>
+              <a:off x="2567970" y="5447267"/>
               <a:ext cx="49651" cy="49651"/>
             </a:xfrm>
             <a:prstGeom prst="ellipse">
@@ -6250,7 +6250,7 @@
           </p:nvSpPr>
           <p:spPr>
             <a:xfrm>
-              <a:off x="2599774" y="3722401"/>
+              <a:off x="2599774" y="5336964"/>
               <a:ext cx="49651" cy="49651"/>
             </a:xfrm>
             <a:prstGeom prst="ellipse">
@@ -6285,7 +6285,7 @@
           </p:nvSpPr>
           <p:spPr>
             <a:xfrm>
-              <a:off x="2663381" y="3557651"/>
+              <a:off x="2663381" y="5043572"/>
               <a:ext cx="49651" cy="49651"/>
             </a:xfrm>
             <a:prstGeom prst="ellipse">
@@ -6320,7 +6320,7 @@
           </p:nvSpPr>
           <p:spPr>
             <a:xfrm>
-              <a:off x="2695185" y="3455267"/>
+              <a:off x="2695185" y="4861245"/>
               <a:ext cx="49651" cy="49651"/>
             </a:xfrm>
             <a:prstGeom prst="ellipse">
@@ -6355,7 +6355,7 @@
           </p:nvSpPr>
           <p:spPr>
             <a:xfrm>
-              <a:off x="2726989" y="3348976"/>
+              <a:off x="2726989" y="4671958"/>
               <a:ext cx="49651" cy="49651"/>
             </a:xfrm>
             <a:prstGeom prst="ellipse">
@@ -6390,7 +6390,7 @@
           </p:nvSpPr>
           <p:spPr>
             <a:xfrm>
-              <a:off x="2758792" y="3258114"/>
+              <a:off x="2758792" y="4510148"/>
               <a:ext cx="49651" cy="49651"/>
             </a:xfrm>
             <a:prstGeom prst="ellipse">
@@ -6425,7 +6425,7 @@
           </p:nvSpPr>
           <p:spPr>
             <a:xfrm>
-              <a:off x="2790596" y="3208461"/>
+              <a:off x="2790596" y="4421726"/>
               <a:ext cx="49651" cy="49651"/>
             </a:xfrm>
             <a:prstGeom prst="ellipse">
@@ -6460,7 +6460,7 @@
           </p:nvSpPr>
           <p:spPr>
             <a:xfrm>
-              <a:off x="2822400" y="3214746"/>
+              <a:off x="2822400" y="4432918"/>
               <a:ext cx="49651" cy="49651"/>
             </a:xfrm>
             <a:prstGeom prst="ellipse">
@@ -6495,7 +6495,7 @@
           </p:nvSpPr>
           <p:spPr>
             <a:xfrm>
-              <a:off x="2854203" y="3267307"/>
+              <a:off x="2854203" y="4526521"/>
               <a:ext cx="49651" cy="49651"/>
             </a:xfrm>
             <a:prstGeom prst="ellipse">
@@ -6530,7 +6530,7 @@
           </p:nvSpPr>
           <p:spPr>
             <a:xfrm>
-              <a:off x="2886007" y="3345495"/>
+              <a:off x="2886007" y="4665759"/>
               <a:ext cx="49651" cy="49651"/>
             </a:xfrm>
             <a:prstGeom prst="ellipse">
@@ -6565,7 +6565,7 @@
           </p:nvSpPr>
           <p:spPr>
             <a:xfrm>
-              <a:off x="2917811" y="3431842"/>
+              <a:off x="2917811" y="4819529"/>
               <a:ext cx="49651" cy="49651"/>
             </a:xfrm>
             <a:prstGeom prst="ellipse">
@@ -6600,7 +6600,7 @@
           </p:nvSpPr>
           <p:spPr>
             <a:xfrm>
-              <a:off x="2949614" y="3514409"/>
+              <a:off x="2949614" y="4966567"/>
               <a:ext cx="49651" cy="49651"/>
             </a:xfrm>
             <a:prstGeom prst="ellipse">
@@ -6635,7 +6635,7 @@
           </p:nvSpPr>
           <p:spPr>
             <a:xfrm>
-              <a:off x="3331258" y="3922144"/>
+              <a:off x="3331258" y="5692673"/>
               <a:ext cx="49651" cy="49651"/>
             </a:xfrm>
             <a:prstGeom prst="ellipse">
@@ -6670,7 +6670,7 @@
           </p:nvSpPr>
           <p:spPr>
             <a:xfrm>
-              <a:off x="3426669" y="3936088"/>
+              <a:off x="3426669" y="5717505"/>
               <a:ext cx="49651" cy="49651"/>
             </a:xfrm>
             <a:prstGeom prst="ellipse">
@@ -6705,8 +6705,8 @@
           </p:nvSpPr>
           <p:spPr>
             <a:xfrm>
-              <a:off x="1648227" y="2850534"/>
-              <a:ext cx="1889138" cy="1171063"/>
+              <a:off x="1648227" y="3764934"/>
+              <a:ext cx="1889138" cy="2085463"/>
             </a:xfrm>
             <a:prstGeom prst="rect">
               <a:avLst/>
@@ -6727,7 +6727,7 @@
           <p:spPr>
             <a:xfrm>
               <a:off x="3625933" y="1315914"/>
-              <a:ext cx="1889138" cy="1171063"/>
+              <a:ext cx="1889138" cy="2085463"/>
             </a:xfrm>
             <a:prstGeom prst="rect">
               <a:avLst/>
@@ -6752,72 +6752,72 @@
           </p:nvSpPr>
           <p:spPr>
             <a:xfrm>
-              <a:off x="4316073" y="1852615"/>
-              <a:ext cx="1113128" cy="563986"/>
+              <a:off x="4316073" y="2271686"/>
+              <a:ext cx="1113128" cy="1004363"/>
             </a:xfrm>
             <a:custGeom>
               <a:avLst/>
               <a:pathLst>
-                <a:path w="1113128" h="563986">
+                <a:path w="1113128" h="1004363">
                   <a:moveTo>
-                    <a:pt x="0" y="558744"/>
+                    <a:pt x="0" y="995029"/>
                   </a:moveTo>
                   <a:lnTo>
-                    <a:pt x="63607" y="537770"/>
-                  </a:lnTo>
-                  <a:lnTo>
-                    <a:pt x="95411" y="522309"/>
-                  </a:lnTo>
-                  <a:lnTo>
-                    <a:pt x="159018" y="478268"/>
-                  </a:lnTo>
-                  <a:lnTo>
-                    <a:pt x="254429" y="369278"/>
-                  </a:lnTo>
-                  <a:lnTo>
-                    <a:pt x="318036" y="263203"/>
-                  </a:lnTo>
-                  <a:lnTo>
-                    <a:pt x="349840" y="203347"/>
-                  </a:lnTo>
-                  <a:lnTo>
-                    <a:pt x="381644" y="143960"/>
-                  </a:lnTo>
-                  <a:lnTo>
-                    <a:pt x="445251" y="43565"/>
-                  </a:lnTo>
-                  <a:lnTo>
-                    <a:pt x="477055" y="13441"/>
+                    <a:pt x="63607" y="957677"/>
+                  </a:lnTo>
+                  <a:lnTo>
+                    <a:pt x="95411" y="930143"/>
+                  </a:lnTo>
+                  <a:lnTo>
+                    <a:pt x="159018" y="851713"/>
+                  </a:lnTo>
+                  <a:lnTo>
+                    <a:pt x="254429" y="657622"/>
+                  </a:lnTo>
+                  <a:lnTo>
+                    <a:pt x="318036" y="468720"/>
+                  </a:lnTo>
+                  <a:lnTo>
+                    <a:pt x="349840" y="362127"/>
+                  </a:lnTo>
+                  <a:lnTo>
+                    <a:pt x="381644" y="256369"/>
+                  </a:lnTo>
+                  <a:lnTo>
+                    <a:pt x="445251" y="77582"/>
+                  </a:lnTo>
+                  <a:lnTo>
+                    <a:pt x="477055" y="23937"/>
                   </a:lnTo>
                   <a:lnTo>
                     <a:pt x="508858" y="0"/>
                   </a:lnTo>
                   <a:lnTo>
-                    <a:pt x="540662" y="3522"/>
-                  </a:lnTo>
-                  <a:lnTo>
-                    <a:pt x="572466" y="21944"/>
-                  </a:lnTo>
-                  <a:lnTo>
-                    <a:pt x="604269" y="51963"/>
-                  </a:lnTo>
-                  <a:lnTo>
-                    <a:pt x="667877" y="133997"/>
-                  </a:lnTo>
-                  <a:lnTo>
-                    <a:pt x="699680" y="182552"/>
-                  </a:lnTo>
-                  <a:lnTo>
-                    <a:pt x="731484" y="233493"/>
-                  </a:lnTo>
-                  <a:lnTo>
-                    <a:pt x="763288" y="284771"/>
-                  </a:lnTo>
-                  <a:lnTo>
-                    <a:pt x="954110" y="505902"/>
-                  </a:lnTo>
-                  <a:lnTo>
-                    <a:pt x="1113128" y="563986"/>
+                    <a:pt x="540662" y="6272"/>
+                  </a:lnTo>
+                  <a:lnTo>
+                    <a:pt x="572466" y="39080"/>
+                  </a:lnTo>
+                  <a:lnTo>
+                    <a:pt x="604269" y="92537"/>
+                  </a:lnTo>
+                  <a:lnTo>
+                    <a:pt x="667877" y="238625"/>
+                  </a:lnTo>
+                  <a:lnTo>
+                    <a:pt x="699680" y="325094"/>
+                  </a:lnTo>
+                  <a:lnTo>
+                    <a:pt x="731484" y="415812"/>
+                  </a:lnTo>
+                  <a:lnTo>
+                    <a:pt x="763288" y="507129"/>
+                  </a:lnTo>
+                  <a:lnTo>
+                    <a:pt x="954110" y="900925"/>
+                  </a:lnTo>
+                  <a:lnTo>
+                    <a:pt x="1113128" y="1004363"/>
                   </a:lnTo>
                 </a:path>
               </a:pathLst>
@@ -6846,69 +6846,69 @@
           </p:nvSpPr>
           <p:spPr>
             <a:xfrm>
-              <a:off x="4347877" y="1652620"/>
-              <a:ext cx="1081324" cy="781127"/>
+              <a:off x="4347877" y="1915529"/>
+              <a:ext cx="1081324" cy="1391054"/>
             </a:xfrm>
             <a:custGeom>
               <a:avLst/>
               <a:pathLst>
-                <a:path w="1081324" h="781127">
+                <a:path w="1081324" h="1391054">
                   <a:moveTo>
-                    <a:pt x="0" y="759030"/>
+                    <a:pt x="0" y="1351703"/>
                   </a:moveTo>
                   <a:lnTo>
-                    <a:pt x="127214" y="608700"/>
-                  </a:lnTo>
-                  <a:lnTo>
-                    <a:pt x="159018" y="511492"/>
-                  </a:lnTo>
-                  <a:lnTo>
-                    <a:pt x="190822" y="381905"/>
-                  </a:lnTo>
-                  <a:lnTo>
-                    <a:pt x="222625" y="236762"/>
-                  </a:lnTo>
-                  <a:lnTo>
-                    <a:pt x="254429" y="106751"/>
-                  </a:lnTo>
-                  <a:lnTo>
-                    <a:pt x="286233" y="21096"/>
+                    <a:pt x="127214" y="1083991"/>
+                  </a:lnTo>
+                  <a:lnTo>
+                    <a:pt x="159018" y="910880"/>
+                  </a:lnTo>
+                  <a:lnTo>
+                    <a:pt x="190822" y="680108"/>
+                  </a:lnTo>
+                  <a:lnTo>
+                    <a:pt x="222625" y="421634"/>
+                  </a:lnTo>
+                  <a:lnTo>
+                    <a:pt x="254429" y="190106"/>
+                  </a:lnTo>
+                  <a:lnTo>
+                    <a:pt x="286233" y="37568"/>
                   </a:lnTo>
                   <a:lnTo>
                     <a:pt x="318036" y="0"/>
                   </a:lnTo>
                   <a:lnTo>
-                    <a:pt x="349840" y="33491"/>
-                  </a:lnTo>
-                  <a:lnTo>
-                    <a:pt x="381644" y="99647"/>
-                  </a:lnTo>
-                  <a:lnTo>
-                    <a:pt x="413447" y="177902"/>
-                  </a:lnTo>
-                  <a:lnTo>
-                    <a:pt x="445251" y="256271"/>
-                  </a:lnTo>
-                  <a:lnTo>
-                    <a:pt x="477055" y="330150"/>
-                  </a:lnTo>
-                  <a:lnTo>
-                    <a:pt x="508858" y="398312"/>
-                  </a:lnTo>
-                  <a:lnTo>
-                    <a:pt x="540662" y="459738"/>
-                  </a:lnTo>
-                  <a:lnTo>
-                    <a:pt x="572466" y="514835"/>
-                  </a:lnTo>
-                  <a:lnTo>
-                    <a:pt x="636073" y="605118"/>
-                  </a:lnTo>
-                  <a:lnTo>
-                    <a:pt x="731484" y="695414"/>
-                  </a:lnTo>
-                  <a:lnTo>
-                    <a:pt x="1081324" y="781127"/>
+                    <a:pt x="349840" y="59641"/>
+                  </a:lnTo>
+                  <a:lnTo>
+                    <a:pt x="381644" y="177455"/>
+                  </a:lnTo>
+                  <a:lnTo>
+                    <a:pt x="413447" y="316814"/>
+                  </a:lnTo>
+                  <a:lnTo>
+                    <a:pt x="445251" y="456375"/>
+                  </a:lnTo>
+                  <a:lnTo>
+                    <a:pt x="477055" y="587941"/>
+                  </a:lnTo>
+                  <a:lnTo>
+                    <a:pt x="508858" y="709326"/>
+                  </a:lnTo>
+                  <a:lnTo>
+                    <a:pt x="540662" y="818716"/>
+                  </a:lnTo>
+                  <a:lnTo>
+                    <a:pt x="572466" y="916834"/>
+                  </a:lnTo>
+                  <a:lnTo>
+                    <a:pt x="636073" y="1077612"/>
+                  </a:lnTo>
+                  <a:lnTo>
+                    <a:pt x="731484" y="1238415"/>
+                  </a:lnTo>
+                  <a:lnTo>
+                    <a:pt x="1081324" y="1391054"/>
                   </a:lnTo>
                 </a:path>
               </a:pathLst>
@@ -6937,66 +6937,66 @@
           </p:nvSpPr>
           <p:spPr>
             <a:xfrm>
-              <a:off x="3839018" y="1673793"/>
-              <a:ext cx="1590183" cy="758533"/>
+              <a:off x="3839018" y="1953236"/>
+              <a:ext cx="1590183" cy="1350818"/>
             </a:xfrm>
             <a:custGeom>
               <a:avLst/>
               <a:pathLst>
-                <a:path w="1590183" h="758533">
+                <a:path w="1590183" h="1350818">
                   <a:moveTo>
-                    <a:pt x="0" y="704974"/>
+                    <a:pt x="0" y="1255438"/>
                   </a:moveTo>
                   <a:lnTo>
-                    <a:pt x="95411" y="724046"/>
-                  </a:lnTo>
-                  <a:lnTo>
-                    <a:pt x="572466" y="724961"/>
-                  </a:lnTo>
-                  <a:lnTo>
-                    <a:pt x="667877" y="648969"/>
-                  </a:lnTo>
-                  <a:lnTo>
-                    <a:pt x="731484" y="506399"/>
-                  </a:lnTo>
-                  <a:lnTo>
-                    <a:pt x="763288" y="396717"/>
-                  </a:lnTo>
-                  <a:lnTo>
-                    <a:pt x="795091" y="252570"/>
-                  </a:lnTo>
-                  <a:lnTo>
-                    <a:pt x="826895" y="145398"/>
-                  </a:lnTo>
-                  <a:lnTo>
-                    <a:pt x="858699" y="47778"/>
-                  </a:lnTo>
-                  <a:lnTo>
-                    <a:pt x="890502" y="4258"/>
+                    <a:pt x="95411" y="1289403"/>
+                  </a:lnTo>
+                  <a:lnTo>
+                    <a:pt x="572466" y="1291032"/>
+                  </a:lnTo>
+                  <a:lnTo>
+                    <a:pt x="667877" y="1155703"/>
+                  </a:lnTo>
+                  <a:lnTo>
+                    <a:pt x="731484" y="901811"/>
+                  </a:lnTo>
+                  <a:lnTo>
+                    <a:pt x="763288" y="706485"/>
+                  </a:lnTo>
+                  <a:lnTo>
+                    <a:pt x="795091" y="449785"/>
+                  </a:lnTo>
+                  <a:lnTo>
+                    <a:pt x="826895" y="258930"/>
+                  </a:lnTo>
+                  <a:lnTo>
+                    <a:pt x="858699" y="85084"/>
+                  </a:lnTo>
+                  <a:lnTo>
+                    <a:pt x="890502" y="7583"/>
                   </a:lnTo>
                   <a:lnTo>
                     <a:pt x="922306" y="0"/>
                   </a:lnTo>
                   <a:lnTo>
-                    <a:pt x="954110" y="15959"/>
-                  </a:lnTo>
-                  <a:lnTo>
-                    <a:pt x="985913" y="72110"/>
-                  </a:lnTo>
-                  <a:lnTo>
-                    <a:pt x="1017717" y="134161"/>
-                  </a:lnTo>
-                  <a:lnTo>
-                    <a:pt x="1049521" y="208626"/>
-                  </a:lnTo>
-                  <a:lnTo>
-                    <a:pt x="1081324" y="290231"/>
-                  </a:lnTo>
-                  <a:lnTo>
-                    <a:pt x="1399361" y="729051"/>
-                  </a:lnTo>
-                  <a:lnTo>
-                    <a:pt x="1590183" y="758533"/>
+                    <a:pt x="954110" y="28421"/>
+                  </a:lnTo>
+                  <a:lnTo>
+                    <a:pt x="985913" y="128417"/>
+                  </a:lnTo>
+                  <a:lnTo>
+                    <a:pt x="1017717" y="238918"/>
+                  </a:lnTo>
+                  <a:lnTo>
+                    <a:pt x="1049521" y="371527"/>
+                  </a:lnTo>
+                  <a:lnTo>
+                    <a:pt x="1081324" y="516852"/>
+                  </a:lnTo>
+                  <a:lnTo>
+                    <a:pt x="1399361" y="1298315"/>
+                  </a:lnTo>
+                  <a:lnTo>
+                    <a:pt x="1590183" y="1350818"/>
                   </a:lnTo>
                 </a:path>
               </a:pathLst>
@@ -7025,7 +7025,7 @@
           </p:nvSpPr>
           <p:spPr>
             <a:xfrm>
-              <a:off x="4291247" y="2386534"/>
+              <a:off x="4291247" y="3241889"/>
               <a:ext cx="49651" cy="49651"/>
             </a:xfrm>
             <a:prstGeom prst="ellipse">
@@ -7060,7 +7060,7 @@
           </p:nvSpPr>
           <p:spPr>
             <a:xfrm>
-              <a:off x="4354854" y="2365560"/>
+              <a:off x="4354854" y="3204538"/>
               <a:ext cx="49651" cy="49651"/>
             </a:xfrm>
             <a:prstGeom prst="ellipse">
@@ -7095,7 +7095,7 @@
           </p:nvSpPr>
           <p:spPr>
             <a:xfrm>
-              <a:off x="4386658" y="2350098"/>
+              <a:off x="4386658" y="3177004"/>
               <a:ext cx="49651" cy="49651"/>
             </a:xfrm>
             <a:prstGeom prst="ellipse">
@@ -7130,7 +7130,7 @@
           </p:nvSpPr>
           <p:spPr>
             <a:xfrm>
-              <a:off x="4450265" y="2306057"/>
+              <a:off x="4450265" y="3098574"/>
               <a:ext cx="49651" cy="49651"/>
             </a:xfrm>
             <a:prstGeom prst="ellipse">
@@ -7165,7 +7165,7 @@
           </p:nvSpPr>
           <p:spPr>
             <a:xfrm>
-              <a:off x="4545676" y="2197068"/>
+              <a:off x="4545676" y="2904482"/>
               <a:ext cx="49651" cy="49651"/>
             </a:xfrm>
             <a:prstGeom prst="ellipse">
@@ -7200,7 +7200,7 @@
           </p:nvSpPr>
           <p:spPr>
             <a:xfrm>
-              <a:off x="4609284" y="2090993"/>
+              <a:off x="4609284" y="2715581"/>
               <a:ext cx="49651" cy="49651"/>
             </a:xfrm>
             <a:prstGeom prst="ellipse">
@@ -7235,7 +7235,7 @@
           </p:nvSpPr>
           <p:spPr>
             <a:xfrm>
-              <a:off x="4641087" y="2031137"/>
+              <a:off x="4641087" y="2608988"/>
               <a:ext cx="49651" cy="49651"/>
             </a:xfrm>
             <a:prstGeom prst="ellipse">
@@ -7270,7 +7270,7 @@
           </p:nvSpPr>
           <p:spPr>
             <a:xfrm>
-              <a:off x="4672891" y="1971750"/>
+              <a:off x="4672891" y="2503230"/>
               <a:ext cx="49651" cy="49651"/>
             </a:xfrm>
             <a:prstGeom prst="ellipse">
@@ -7305,7 +7305,7 @@
           </p:nvSpPr>
           <p:spPr>
             <a:xfrm>
-              <a:off x="4736498" y="1871354"/>
+              <a:off x="4736498" y="2324443"/>
               <a:ext cx="49651" cy="49651"/>
             </a:xfrm>
             <a:prstGeom prst="ellipse">
@@ -7340,7 +7340,7 @@
           </p:nvSpPr>
           <p:spPr>
             <a:xfrm>
-              <a:off x="4768302" y="1841231"/>
+              <a:off x="4768302" y="2270798"/>
               <a:ext cx="49651" cy="49651"/>
             </a:xfrm>
             <a:prstGeom prst="ellipse">
@@ -7375,7 +7375,7 @@
           </p:nvSpPr>
           <p:spPr>
             <a:xfrm>
-              <a:off x="4800106" y="1827789"/>
+              <a:off x="4800106" y="2246860"/>
               <a:ext cx="49651" cy="49651"/>
             </a:xfrm>
             <a:prstGeom prst="ellipse">
@@ -7410,7 +7410,7 @@
           </p:nvSpPr>
           <p:spPr>
             <a:xfrm>
-              <a:off x="4831909" y="1831311"/>
+              <a:off x="4831909" y="2253133"/>
               <a:ext cx="49651" cy="49651"/>
             </a:xfrm>
             <a:prstGeom prst="ellipse">
@@ -7445,7 +7445,7 @@
           </p:nvSpPr>
           <p:spPr>
             <a:xfrm>
-              <a:off x="4863713" y="1849734"/>
+              <a:off x="4863713" y="2285940"/>
               <a:ext cx="49651" cy="49651"/>
             </a:xfrm>
             <a:prstGeom prst="ellipse">
@@ -7480,7 +7480,7 @@
           </p:nvSpPr>
           <p:spPr>
             <a:xfrm>
-              <a:off x="4895517" y="1879752"/>
+              <a:off x="4895517" y="2339398"/>
               <a:ext cx="49651" cy="49651"/>
             </a:xfrm>
             <a:prstGeom prst="ellipse">
@@ -7515,7 +7515,7 @@
           </p:nvSpPr>
           <p:spPr>
             <a:xfrm>
-              <a:off x="4959124" y="1961786"/>
+              <a:off x="4959124" y="2485486"/>
               <a:ext cx="49651" cy="49651"/>
             </a:xfrm>
             <a:prstGeom prst="ellipse">
@@ -7550,7 +7550,7 @@
           </p:nvSpPr>
           <p:spPr>
             <a:xfrm>
-              <a:off x="4990928" y="2010341"/>
+              <a:off x="4990928" y="2571955"/>
               <a:ext cx="49651" cy="49651"/>
             </a:xfrm>
             <a:prstGeom prst="ellipse">
@@ -7585,7 +7585,7 @@
           </p:nvSpPr>
           <p:spPr>
             <a:xfrm>
-              <a:off x="5022731" y="2061282"/>
+              <a:off x="5022731" y="2662672"/>
               <a:ext cx="49651" cy="49651"/>
             </a:xfrm>
             <a:prstGeom prst="ellipse">
@@ -7620,7 +7620,7 @@
           </p:nvSpPr>
           <p:spPr>
             <a:xfrm>
-              <a:off x="5054535" y="2112560"/>
+              <a:off x="5054535" y="2753989"/>
               <a:ext cx="49651" cy="49651"/>
             </a:xfrm>
             <a:prstGeom prst="ellipse">
@@ -7655,7 +7655,7 @@
           </p:nvSpPr>
           <p:spPr>
             <a:xfrm>
-              <a:off x="5245357" y="2333691"/>
+              <a:off x="5245357" y="3147786"/>
               <a:ext cx="49651" cy="49651"/>
             </a:xfrm>
             <a:prstGeom prst="ellipse">
@@ -7690,7 +7690,7 @@
           </p:nvSpPr>
           <p:spPr>
             <a:xfrm>
-              <a:off x="5404376" y="2391775"/>
+              <a:off x="5404376" y="3251224"/>
               <a:ext cx="49651" cy="49651"/>
             </a:xfrm>
             <a:prstGeom prst="ellipse">
@@ -7725,7 +7725,7 @@
           </p:nvSpPr>
           <p:spPr>
             <a:xfrm>
-              <a:off x="4323051" y="2386824"/>
+              <a:off x="4323051" y="3242407"/>
               <a:ext cx="49651" cy="49651"/>
             </a:xfrm>
             <a:prstGeom prst="ellipse">
@@ -7760,7 +7760,7 @@
           </p:nvSpPr>
           <p:spPr>
             <a:xfrm>
-              <a:off x="4450265" y="2236494"/>
+              <a:off x="4450265" y="2974695"/>
               <a:ext cx="49651" cy="49651"/>
             </a:xfrm>
             <a:prstGeom prst="ellipse">
@@ -7795,7 +7795,7 @@
           </p:nvSpPr>
           <p:spPr>
             <a:xfrm>
-              <a:off x="4482069" y="2139286"/>
+              <a:off x="4482069" y="2801584"/>
               <a:ext cx="49651" cy="49651"/>
             </a:xfrm>
             <a:prstGeom prst="ellipse">
@@ -7830,7 +7830,7 @@
           </p:nvSpPr>
           <p:spPr>
             <a:xfrm>
-              <a:off x="4513873" y="2009699"/>
+              <a:off x="4513873" y="2570811"/>
               <a:ext cx="49651" cy="49651"/>
             </a:xfrm>
             <a:prstGeom prst="ellipse">
@@ -7865,7 +7865,7 @@
           </p:nvSpPr>
           <p:spPr>
             <a:xfrm>
-              <a:off x="4545676" y="1864557"/>
+              <a:off x="4545676" y="2312337"/>
               <a:ext cx="49651" cy="49651"/>
             </a:xfrm>
             <a:prstGeom prst="ellipse">
@@ -7900,7 +7900,7 @@
           </p:nvSpPr>
           <p:spPr>
             <a:xfrm>
-              <a:off x="4577480" y="1734546"/>
+              <a:off x="4577480" y="2080810"/>
               <a:ext cx="49651" cy="49651"/>
             </a:xfrm>
             <a:prstGeom prst="ellipse">
@@ -7935,7 +7935,7 @@
           </p:nvSpPr>
           <p:spPr>
             <a:xfrm>
-              <a:off x="4609284" y="1648890"/>
+              <a:off x="4609284" y="1928272"/>
               <a:ext cx="49651" cy="49651"/>
             </a:xfrm>
             <a:prstGeom prst="ellipse">
@@ -7970,7 +7970,7 @@
           </p:nvSpPr>
           <p:spPr>
             <a:xfrm>
-              <a:off x="4641087" y="1627794"/>
+              <a:off x="4641087" y="1890703"/>
               <a:ext cx="49651" cy="49651"/>
             </a:xfrm>
             <a:prstGeom prst="ellipse">
@@ -8005,7 +8005,7 @@
           </p:nvSpPr>
           <p:spPr>
             <a:xfrm>
-              <a:off x="4672891" y="1661285"/>
+              <a:off x="4672891" y="1950345"/>
               <a:ext cx="49651" cy="49651"/>
             </a:xfrm>
             <a:prstGeom prst="ellipse">
@@ -8040,7 +8040,7 @@
           </p:nvSpPr>
           <p:spPr>
             <a:xfrm>
-              <a:off x="4704695" y="1727442"/>
+              <a:off x="4704695" y="2068159"/>
               <a:ext cx="49651" cy="49651"/>
             </a:xfrm>
             <a:prstGeom prst="ellipse">
@@ -8075,7 +8075,7 @@
           </p:nvSpPr>
           <p:spPr>
             <a:xfrm>
-              <a:off x="4736498" y="1805697"/>
+              <a:off x="4736498" y="2207518"/>
               <a:ext cx="49651" cy="49651"/>
             </a:xfrm>
             <a:prstGeom prst="ellipse">
@@ -8110,7 +8110,7 @@
           </p:nvSpPr>
           <p:spPr>
             <a:xfrm>
-              <a:off x="4768302" y="1884065"/>
+              <a:off x="4768302" y="2347079"/>
               <a:ext cx="49651" cy="49651"/>
             </a:xfrm>
             <a:prstGeom prst="ellipse">
@@ -8145,7 +8145,7 @@
           </p:nvSpPr>
           <p:spPr>
             <a:xfrm>
-              <a:off x="4800106" y="1957944"/>
+              <a:off x="4800106" y="2478645"/>
               <a:ext cx="49651" cy="49651"/>
             </a:xfrm>
             <a:prstGeom prst="ellipse">
@@ -8180,7 +8180,7 @@
           </p:nvSpPr>
           <p:spPr>
             <a:xfrm>
-              <a:off x="4831909" y="2026106"/>
+              <a:off x="4831909" y="2600029"/>
               <a:ext cx="49651" cy="49651"/>
             </a:xfrm>
             <a:prstGeom prst="ellipse">
@@ -8215,7 +8215,7 @@
           </p:nvSpPr>
           <p:spPr>
             <a:xfrm>
-              <a:off x="4863713" y="2087533"/>
+              <a:off x="4863713" y="2709419"/>
               <a:ext cx="49651" cy="49651"/>
             </a:xfrm>
             <a:prstGeom prst="ellipse">
@@ -8250,7 +8250,7 @@
           </p:nvSpPr>
           <p:spPr>
             <a:xfrm>
-              <a:off x="4895517" y="2142630"/>
+              <a:off x="4895517" y="2807538"/>
               <a:ext cx="49651" cy="49651"/>
             </a:xfrm>
             <a:prstGeom prst="ellipse">
@@ -8285,7 +8285,7 @@
           </p:nvSpPr>
           <p:spPr>
             <a:xfrm>
-              <a:off x="4959124" y="2232912"/>
+              <a:off x="4959124" y="2968315"/>
               <a:ext cx="49651" cy="49651"/>
             </a:xfrm>
             <a:prstGeom prst="ellipse">
@@ -8320,7 +8320,7 @@
           </p:nvSpPr>
           <p:spPr>
             <a:xfrm>
-              <a:off x="5054535" y="2323209"/>
+              <a:off x="5054535" y="3129118"/>
               <a:ext cx="49651" cy="49651"/>
             </a:xfrm>
             <a:prstGeom prst="ellipse">
@@ -8355,7 +8355,7 @@
           </p:nvSpPr>
           <p:spPr>
             <a:xfrm>
-              <a:off x="5404376" y="2408921"/>
+              <a:off x="5404376" y="3281758"/>
               <a:ext cx="49651" cy="49651"/>
             </a:xfrm>
             <a:prstGeom prst="ellipse">
@@ -8390,7 +8390,7 @@
           </p:nvSpPr>
           <p:spPr>
             <a:xfrm>
-              <a:off x="3814192" y="2353942"/>
+              <a:off x="3814192" y="3183848"/>
               <a:ext cx="49651" cy="49651"/>
             </a:xfrm>
             <a:prstGeom prst="ellipse">
@@ -8425,7 +8425,7 @@
           </p:nvSpPr>
           <p:spPr>
             <a:xfrm>
-              <a:off x="3909603" y="2373015"/>
+              <a:off x="3909603" y="3217814"/>
               <a:ext cx="49651" cy="49651"/>
             </a:xfrm>
             <a:prstGeom prst="ellipse">
@@ -8460,7 +8460,7 @@
           </p:nvSpPr>
           <p:spPr>
             <a:xfrm>
-              <a:off x="4386658" y="2373929"/>
+              <a:off x="4386658" y="3219442"/>
               <a:ext cx="49651" cy="49651"/>
             </a:xfrm>
             <a:prstGeom prst="ellipse">
@@ -8495,7 +8495,7 @@
           </p:nvSpPr>
           <p:spPr>
             <a:xfrm>
-              <a:off x="4482069" y="2297937"/>
+              <a:off x="4482069" y="3084113"/>
               <a:ext cx="49651" cy="49651"/>
             </a:xfrm>
             <a:prstGeom prst="ellipse">
@@ -8530,7 +8530,7 @@
           </p:nvSpPr>
           <p:spPr>
             <a:xfrm>
-              <a:off x="4545676" y="2155367"/>
+              <a:off x="4545676" y="2830221"/>
               <a:ext cx="49651" cy="49651"/>
             </a:xfrm>
             <a:prstGeom prst="ellipse">
@@ -8565,7 +8565,7 @@
           </p:nvSpPr>
           <p:spPr>
             <a:xfrm>
-              <a:off x="4577480" y="2045685"/>
+              <a:off x="4577480" y="2634896"/>
               <a:ext cx="49651" cy="49651"/>
             </a:xfrm>
             <a:prstGeom prst="ellipse">
@@ -8600,7 +8600,7 @@
           </p:nvSpPr>
           <p:spPr>
             <a:xfrm>
-              <a:off x="4609284" y="1901538"/>
+              <a:off x="4609284" y="2378195"/>
               <a:ext cx="49651" cy="49651"/>
             </a:xfrm>
             <a:prstGeom prst="ellipse">
@@ -8635,7 +8635,7 @@
           </p:nvSpPr>
           <p:spPr>
             <a:xfrm>
-              <a:off x="4641087" y="1794366"/>
+              <a:off x="4641087" y="2187340"/>
               <a:ext cx="49651" cy="49651"/>
             </a:xfrm>
             <a:prstGeom prst="ellipse">
@@ -8670,7 +8670,7 @@
           </p:nvSpPr>
           <p:spPr>
             <a:xfrm>
-              <a:off x="4672891" y="1696746"/>
+              <a:off x="4672891" y="2013495"/>
               <a:ext cx="49651" cy="49651"/>
             </a:xfrm>
             <a:prstGeom prst="ellipse">
@@ -8705,7 +8705,7 @@
           </p:nvSpPr>
           <p:spPr>
             <a:xfrm>
-              <a:off x="4704695" y="1653226"/>
+              <a:off x="4704695" y="1935994"/>
               <a:ext cx="49651" cy="49651"/>
             </a:xfrm>
             <a:prstGeom prst="ellipse">
@@ -8740,7 +8740,7 @@
           </p:nvSpPr>
           <p:spPr>
             <a:xfrm>
-              <a:off x="4736498" y="1648968"/>
+              <a:off x="4736498" y="1928410"/>
               <a:ext cx="49651" cy="49651"/>
             </a:xfrm>
             <a:prstGeom prst="ellipse">
@@ -8775,7 +8775,7 @@
           </p:nvSpPr>
           <p:spPr>
             <a:xfrm>
-              <a:off x="4768302" y="1664928"/>
+              <a:off x="4768302" y="1956832"/>
               <a:ext cx="49651" cy="49651"/>
             </a:xfrm>
             <a:prstGeom prst="ellipse">
@@ -8810,7 +8810,7 @@
           </p:nvSpPr>
           <p:spPr>
             <a:xfrm>
-              <a:off x="4800106" y="1721079"/>
+              <a:off x="4800106" y="2056827"/>
               <a:ext cx="49651" cy="49651"/>
             </a:xfrm>
             <a:prstGeom prst="ellipse">
@@ -8845,7 +8845,7 @@
           </p:nvSpPr>
           <p:spPr>
             <a:xfrm>
-              <a:off x="4831909" y="1783129"/>
+              <a:off x="4831909" y="2167329"/>
               <a:ext cx="49651" cy="49651"/>
             </a:xfrm>
             <a:prstGeom prst="ellipse">
@@ -8880,7 +8880,7 @@
           </p:nvSpPr>
           <p:spPr>
             <a:xfrm>
-              <a:off x="4863713" y="1857594"/>
+              <a:off x="4863713" y="2299938"/>
               <a:ext cx="49651" cy="49651"/>
             </a:xfrm>
             <a:prstGeom prst="ellipse">
@@ -8915,7 +8915,7 @@
           </p:nvSpPr>
           <p:spPr>
             <a:xfrm>
-              <a:off x="4895517" y="1939199"/>
+              <a:off x="4895517" y="2445263"/>
               <a:ext cx="49651" cy="49651"/>
             </a:xfrm>
             <a:prstGeom prst="ellipse">
@@ -8950,7 +8950,7 @@
           </p:nvSpPr>
           <p:spPr>
             <a:xfrm>
-              <a:off x="5213554" y="2378019"/>
+              <a:off x="5213554" y="3226726"/>
               <a:ext cx="49651" cy="49651"/>
             </a:xfrm>
             <a:prstGeom prst="ellipse">
@@ -8985,7 +8985,7 @@
           </p:nvSpPr>
           <p:spPr>
             <a:xfrm>
-              <a:off x="5404376" y="2407501"/>
+              <a:off x="5404376" y="3279229"/>
               <a:ext cx="49651" cy="49651"/>
             </a:xfrm>
             <a:prstGeom prst="ellipse">
@@ -9021,7 +9021,7 @@
           <p:spPr>
             <a:xfrm>
               <a:off x="3625933" y="1315914"/>
-              <a:ext cx="1889138" cy="1171063"/>
+              <a:ext cx="1889138" cy="2085463"/>
             </a:xfrm>
             <a:prstGeom prst="rect">
               <a:avLst/>
@@ -9041,8 +9041,8 @@
           </p:nvSpPr>
           <p:spPr>
             <a:xfrm>
-              <a:off x="3625933" y="2850534"/>
-              <a:ext cx="1889138" cy="1171063"/>
+              <a:off x="3625933" y="3764934"/>
+              <a:ext cx="1889138" cy="2085463"/>
             </a:xfrm>
             <a:prstGeom prst="rect">
               <a:avLst/>
@@ -9067,60 +9067,60 @@
           </p:nvSpPr>
           <p:spPr>
             <a:xfrm>
-              <a:off x="4570502" y="3074788"/>
-              <a:ext cx="858699" cy="883978"/>
+              <a:off x="4570502" y="4164292"/>
+              <a:ext cx="858699" cy="1574213"/>
             </a:xfrm>
             <a:custGeom>
               <a:avLst/>
               <a:pathLst>
-                <a:path w="858699" h="883978">
+                <a:path w="858699" h="1574213">
                   <a:moveTo>
-                    <a:pt x="0" y="876670"/>
+                    <a:pt x="0" y="1561200"/>
                   </a:moveTo>
                   <a:lnTo>
-                    <a:pt x="63607" y="662121"/>
-                  </a:lnTo>
-                  <a:lnTo>
-                    <a:pt x="95411" y="349934"/>
-                  </a:lnTo>
-                  <a:lnTo>
-                    <a:pt x="127214" y="56240"/>
+                    <a:pt x="63607" y="1179124"/>
+                  </a:lnTo>
+                  <a:lnTo>
+                    <a:pt x="95411" y="623173"/>
+                  </a:lnTo>
+                  <a:lnTo>
+                    <a:pt x="127214" y="100154"/>
                   </a:lnTo>
                   <a:lnTo>
                     <a:pt x="159018" y="0"/>
                   </a:lnTo>
                   <a:lnTo>
-                    <a:pt x="190822" y="109325"/>
-                  </a:lnTo>
-                  <a:lnTo>
-                    <a:pt x="254429" y="284361"/>
-                  </a:lnTo>
-                  <a:lnTo>
-                    <a:pt x="286233" y="310587"/>
-                  </a:lnTo>
-                  <a:lnTo>
-                    <a:pt x="318036" y="369510"/>
-                  </a:lnTo>
-                  <a:lnTo>
-                    <a:pt x="349840" y="446500"/>
-                  </a:lnTo>
-                  <a:lnTo>
-                    <a:pt x="413447" y="617199"/>
-                  </a:lnTo>
-                  <a:lnTo>
-                    <a:pt x="572466" y="717473"/>
-                  </a:lnTo>
-                  <a:lnTo>
-                    <a:pt x="604269" y="707191"/>
-                  </a:lnTo>
-                  <a:lnTo>
-                    <a:pt x="636073" y="706662"/>
-                  </a:lnTo>
-                  <a:lnTo>
-                    <a:pt x="667877" y="725506"/>
-                  </a:lnTo>
-                  <a:lnTo>
-                    <a:pt x="858699" y="883978"/>
+                    <a:pt x="190822" y="194690"/>
+                  </a:lnTo>
+                  <a:lnTo>
+                    <a:pt x="254429" y="506398"/>
+                  </a:lnTo>
+                  <a:lnTo>
+                    <a:pt x="286233" y="553102"/>
+                  </a:lnTo>
+                  <a:lnTo>
+                    <a:pt x="318036" y="658034"/>
+                  </a:lnTo>
+                  <a:lnTo>
+                    <a:pt x="349840" y="795140"/>
+                  </a:lnTo>
+                  <a:lnTo>
+                    <a:pt x="413447" y="1099126"/>
+                  </a:lnTo>
+                  <a:lnTo>
+                    <a:pt x="572466" y="1277697"/>
+                  </a:lnTo>
+                  <a:lnTo>
+                    <a:pt x="604269" y="1259387"/>
+                  </a:lnTo>
+                  <a:lnTo>
+                    <a:pt x="636073" y="1258444"/>
+                  </a:lnTo>
+                  <a:lnTo>
+                    <a:pt x="667877" y="1292002"/>
+                  </a:lnTo>
+                  <a:lnTo>
+                    <a:pt x="858699" y="1574213"/>
                   </a:lnTo>
                 </a:path>
               </a:pathLst>
@@ -9149,54 +9149,54 @@
           </p:nvSpPr>
           <p:spPr>
             <a:xfrm>
-              <a:off x="4538699" y="3420106"/>
-              <a:ext cx="890502" cy="534791"/>
+              <a:off x="4538699" y="4779243"/>
+              <a:ext cx="890502" cy="952371"/>
             </a:xfrm>
             <a:custGeom>
               <a:avLst/>
               <a:pathLst>
-                <a:path w="890502" h="534791">
+                <a:path w="890502" h="952371">
                   <a:moveTo>
-                    <a:pt x="0" y="513907"/>
+                    <a:pt x="0" y="915181"/>
                   </a:moveTo>
                   <a:lnTo>
-                    <a:pt x="31803" y="485537"/>
-                  </a:lnTo>
-                  <a:lnTo>
-                    <a:pt x="95411" y="379551"/>
-                  </a:lnTo>
-                  <a:lnTo>
-                    <a:pt x="127214" y="309795"/>
-                  </a:lnTo>
-                  <a:lnTo>
-                    <a:pt x="222625" y="103061"/>
-                  </a:lnTo>
-                  <a:lnTo>
-                    <a:pt x="254429" y="39010"/>
+                    <a:pt x="31803" y="864658"/>
+                  </a:lnTo>
+                  <a:lnTo>
+                    <a:pt x="95411" y="675916"/>
+                  </a:lnTo>
+                  <a:lnTo>
+                    <a:pt x="127214" y="551693"/>
+                  </a:lnTo>
+                  <a:lnTo>
+                    <a:pt x="222625" y="183535"/>
+                  </a:lnTo>
+                  <a:lnTo>
+                    <a:pt x="254429" y="69470"/>
                   </a:lnTo>
                   <a:lnTo>
                     <a:pt x="286233" y="0"/>
                   </a:lnTo>
                   <a:lnTo>
-                    <a:pt x="318036" y="5627"/>
-                  </a:lnTo>
-                  <a:lnTo>
-                    <a:pt x="349840" y="49825"/>
-                  </a:lnTo>
-                  <a:lnTo>
-                    <a:pt x="381644" y="115085"/>
-                  </a:lnTo>
-                  <a:lnTo>
-                    <a:pt x="413447" y="185188"/>
-                  </a:lnTo>
-                  <a:lnTo>
-                    <a:pt x="667877" y="490481"/>
-                  </a:lnTo>
-                  <a:lnTo>
-                    <a:pt x="795091" y="522067"/>
-                  </a:lnTo>
-                  <a:lnTo>
-                    <a:pt x="890502" y="534791"/>
+                    <a:pt x="318036" y="10020"/>
+                  </a:lnTo>
+                  <a:lnTo>
+                    <a:pt x="349840" y="88731"/>
+                  </a:lnTo>
+                  <a:lnTo>
+                    <a:pt x="381644" y="204947"/>
+                  </a:lnTo>
+                  <a:lnTo>
+                    <a:pt x="413447" y="329788"/>
+                  </a:lnTo>
+                  <a:lnTo>
+                    <a:pt x="667877" y="873463"/>
+                  </a:lnTo>
+                  <a:lnTo>
+                    <a:pt x="795091" y="929712"/>
+                  </a:lnTo>
+                  <a:lnTo>
+                    <a:pt x="890502" y="952371"/>
                   </a:lnTo>
                 </a:path>
               </a:pathLst>
@@ -9225,66 +9225,66 @@
           </p:nvSpPr>
           <p:spPr>
             <a:xfrm>
-              <a:off x="4316073" y="3375737"/>
-              <a:ext cx="1113128" cy="573856"/>
+              <a:off x="4316073" y="4700231"/>
+              <a:ext cx="1113128" cy="1021940"/>
             </a:xfrm>
             <a:custGeom>
               <a:avLst/>
               <a:pathLst>
-                <a:path w="1113128" h="573856">
+                <a:path w="1113128" h="1021940">
                   <a:moveTo>
-                    <a:pt x="0" y="573856"/>
+                    <a:pt x="0" y="1021940"/>
                   </a:moveTo>
                   <a:lnTo>
-                    <a:pt x="63607" y="558756"/>
-                  </a:lnTo>
-                  <a:lnTo>
-                    <a:pt x="95411" y="548149"/>
-                  </a:lnTo>
-                  <a:lnTo>
-                    <a:pt x="190822" y="499002"/>
-                  </a:lnTo>
-                  <a:lnTo>
-                    <a:pt x="286233" y="407051"/>
-                  </a:lnTo>
-                  <a:lnTo>
-                    <a:pt x="349840" y="307509"/>
-                  </a:lnTo>
-                  <a:lnTo>
-                    <a:pt x="381644" y="246646"/>
-                  </a:lnTo>
-                  <a:lnTo>
-                    <a:pt x="445251" y="119923"/>
-                  </a:lnTo>
-                  <a:lnTo>
-                    <a:pt x="477055" y="63027"/>
-                  </a:lnTo>
-                  <a:lnTo>
-                    <a:pt x="508858" y="20757"/>
+                    <a:pt x="63607" y="995048"/>
+                  </a:lnTo>
+                  <a:lnTo>
+                    <a:pt x="95411" y="976160"/>
+                  </a:lnTo>
+                  <a:lnTo>
+                    <a:pt x="190822" y="888638"/>
+                  </a:lnTo>
+                  <a:lnTo>
+                    <a:pt x="286233" y="724888"/>
+                  </a:lnTo>
+                  <a:lnTo>
+                    <a:pt x="349840" y="547621"/>
+                  </a:lnTo>
+                  <a:lnTo>
+                    <a:pt x="381644" y="439235"/>
+                  </a:lnTo>
+                  <a:lnTo>
+                    <a:pt x="445251" y="213563"/>
+                  </a:lnTo>
+                  <a:lnTo>
+                    <a:pt x="477055" y="112240"/>
+                  </a:lnTo>
+                  <a:lnTo>
+                    <a:pt x="508858" y="36964"/>
                   </a:lnTo>
                   <a:lnTo>
                     <a:pt x="540662" y="0"/>
                   </a:lnTo>
                   <a:lnTo>
-                    <a:pt x="572466" y="2569"/>
-                  </a:lnTo>
-                  <a:lnTo>
-                    <a:pt x="604269" y="27454"/>
-                  </a:lnTo>
-                  <a:lnTo>
-                    <a:pt x="636073" y="72016"/>
-                  </a:lnTo>
-                  <a:lnTo>
-                    <a:pt x="667877" y="131368"/>
-                  </a:lnTo>
-                  <a:lnTo>
-                    <a:pt x="731484" y="260377"/>
-                  </a:lnTo>
-                  <a:lnTo>
-                    <a:pt x="922306" y="490804"/>
-                  </a:lnTo>
-                  <a:lnTo>
-                    <a:pt x="1113128" y="558747"/>
+                    <a:pt x="572466" y="4575"/>
+                  </a:lnTo>
+                  <a:lnTo>
+                    <a:pt x="604269" y="48892"/>
+                  </a:lnTo>
+                  <a:lnTo>
+                    <a:pt x="636073" y="128248"/>
+                  </a:lnTo>
+                  <a:lnTo>
+                    <a:pt x="667877" y="233944"/>
+                  </a:lnTo>
+                  <a:lnTo>
+                    <a:pt x="731484" y="463688"/>
+                  </a:lnTo>
+                  <a:lnTo>
+                    <a:pt x="922306" y="874038"/>
+                  </a:lnTo>
+                  <a:lnTo>
+                    <a:pt x="1113128" y="995033"/>
                   </a:lnTo>
                 </a:path>
               </a:pathLst>
@@ -9313,7 +9313,7 @@
           </p:nvSpPr>
           <p:spPr>
             <a:xfrm>
-              <a:off x="4545676" y="3926633"/>
+              <a:off x="4545676" y="5700666"/>
               <a:ext cx="49651" cy="49651"/>
             </a:xfrm>
             <a:prstGeom prst="ellipse">
@@ -9348,7 +9348,7 @@
           </p:nvSpPr>
           <p:spPr>
             <a:xfrm>
-              <a:off x="4609284" y="3712083"/>
+              <a:off x="4609284" y="5318590"/>
               <a:ext cx="49651" cy="49651"/>
             </a:xfrm>
             <a:prstGeom prst="ellipse">
@@ -9383,7 +9383,7 @@
           </p:nvSpPr>
           <p:spPr>
             <a:xfrm>
-              <a:off x="4641087" y="3399897"/>
+              <a:off x="4641087" y="4762639"/>
               <a:ext cx="49651" cy="49651"/>
             </a:xfrm>
             <a:prstGeom prst="ellipse">
@@ -9418,7 +9418,7 @@
           </p:nvSpPr>
           <p:spPr>
             <a:xfrm>
-              <a:off x="4672891" y="3106203"/>
+              <a:off x="4672891" y="4239621"/>
               <a:ext cx="49651" cy="49651"/>
             </a:xfrm>
             <a:prstGeom prst="ellipse">
@@ -9453,7 +9453,7 @@
           </p:nvSpPr>
           <p:spPr>
             <a:xfrm>
-              <a:off x="4704695" y="3049962"/>
+              <a:off x="4704695" y="4139466"/>
               <a:ext cx="49651" cy="49651"/>
             </a:xfrm>
             <a:prstGeom prst="ellipse">
@@ -9488,7 +9488,7 @@
           </p:nvSpPr>
           <p:spPr>
             <a:xfrm>
-              <a:off x="4736498" y="3159288"/>
+              <a:off x="4736498" y="4334156"/>
               <a:ext cx="49651" cy="49651"/>
             </a:xfrm>
             <a:prstGeom prst="ellipse">
@@ -9523,7 +9523,7 @@
           </p:nvSpPr>
           <p:spPr>
             <a:xfrm>
-              <a:off x="4800106" y="3334323"/>
+              <a:off x="4800106" y="4645864"/>
               <a:ext cx="49651" cy="49651"/>
             </a:xfrm>
             <a:prstGeom prst="ellipse">
@@ -9558,7 +9558,7 @@
           </p:nvSpPr>
           <p:spPr>
             <a:xfrm>
-              <a:off x="4831909" y="3360549"/>
+              <a:off x="4831909" y="4692569"/>
               <a:ext cx="49651" cy="49651"/>
             </a:xfrm>
             <a:prstGeom prst="ellipse">
@@ -9593,7 +9593,7 @@
           </p:nvSpPr>
           <p:spPr>
             <a:xfrm>
-              <a:off x="4863713" y="3419473"/>
+              <a:off x="4863713" y="4797501"/>
               <a:ext cx="49651" cy="49651"/>
             </a:xfrm>
             <a:prstGeom prst="ellipse">
@@ -9628,7 +9628,7 @@
           </p:nvSpPr>
           <p:spPr>
             <a:xfrm>
-              <a:off x="4895517" y="3496463"/>
+              <a:off x="4895517" y="4934607"/>
               <a:ext cx="49651" cy="49651"/>
             </a:xfrm>
             <a:prstGeom prst="ellipse">
@@ -9663,7 +9663,7 @@
           </p:nvSpPr>
           <p:spPr>
             <a:xfrm>
-              <a:off x="4959124" y="3667162"/>
+              <a:off x="4959124" y="5238592"/>
               <a:ext cx="49651" cy="49651"/>
             </a:xfrm>
             <a:prstGeom prst="ellipse">
@@ -9698,7 +9698,7 @@
           </p:nvSpPr>
           <p:spPr>
             <a:xfrm>
-              <a:off x="5118142" y="3767436"/>
+              <a:off x="5118142" y="5417163"/>
               <a:ext cx="49651" cy="49651"/>
             </a:xfrm>
             <a:prstGeom prst="ellipse">
@@ -9733,7 +9733,7 @@
           </p:nvSpPr>
           <p:spPr>
             <a:xfrm>
-              <a:off x="5149946" y="3757154"/>
+              <a:off x="5149946" y="5398853"/>
               <a:ext cx="49651" cy="49651"/>
             </a:xfrm>
             <a:prstGeom prst="ellipse">
@@ -9768,7 +9768,7 @@
           </p:nvSpPr>
           <p:spPr>
             <a:xfrm>
-              <a:off x="5181750" y="3756625"/>
+              <a:off x="5181750" y="5397911"/>
               <a:ext cx="49651" cy="49651"/>
             </a:xfrm>
             <a:prstGeom prst="ellipse">
@@ -9803,7 +9803,7 @@
           </p:nvSpPr>
           <p:spPr>
             <a:xfrm>
-              <a:off x="5213554" y="3775469"/>
+              <a:off x="5213554" y="5431469"/>
               <a:ext cx="49651" cy="49651"/>
             </a:xfrm>
             <a:prstGeom prst="ellipse">
@@ -9838,7 +9838,7 @@
           </p:nvSpPr>
           <p:spPr>
             <a:xfrm>
-              <a:off x="5404376" y="3933940"/>
+              <a:off x="5404376" y="5713679"/>
               <a:ext cx="49651" cy="49651"/>
             </a:xfrm>
             <a:prstGeom prst="ellipse">
@@ -9873,7 +9873,7 @@
           </p:nvSpPr>
           <p:spPr>
             <a:xfrm>
-              <a:off x="4513873" y="3909187"/>
+              <a:off x="4513873" y="5669598"/>
               <a:ext cx="49651" cy="49651"/>
             </a:xfrm>
             <a:prstGeom prst="ellipse">
@@ -9908,7 +9908,7 @@
           </p:nvSpPr>
           <p:spPr>
             <a:xfrm>
-              <a:off x="4545676" y="3880817"/>
+              <a:off x="4545676" y="5619076"/>
               <a:ext cx="49651" cy="49651"/>
             </a:xfrm>
             <a:prstGeom prst="ellipse">
@@ -9943,7 +9943,7 @@
           </p:nvSpPr>
           <p:spPr>
             <a:xfrm>
-              <a:off x="4609284" y="3774831"/>
+              <a:off x="4609284" y="5430334"/>
               <a:ext cx="49651" cy="49651"/>
             </a:xfrm>
             <a:prstGeom prst="ellipse">
@@ -9978,7 +9978,7 @@
           </p:nvSpPr>
           <p:spPr>
             <a:xfrm>
-              <a:off x="4641087" y="3705075"/>
+              <a:off x="4641087" y="5306110"/>
               <a:ext cx="49651" cy="49651"/>
             </a:xfrm>
             <a:prstGeom prst="ellipse">
@@ -10013,7 +10013,7 @@
           </p:nvSpPr>
           <p:spPr>
             <a:xfrm>
-              <a:off x="4736498" y="3498341"/>
+              <a:off x="4736498" y="4937953"/>
               <a:ext cx="49651" cy="49651"/>
             </a:xfrm>
             <a:prstGeom prst="ellipse">
@@ -10048,7 +10048,7 @@
           </p:nvSpPr>
           <p:spPr>
             <a:xfrm>
-              <a:off x="4768302" y="3434290"/>
+              <a:off x="4768302" y="4823888"/>
               <a:ext cx="49651" cy="49651"/>
             </a:xfrm>
             <a:prstGeom prst="ellipse">
@@ -10083,7 +10083,7 @@
           </p:nvSpPr>
           <p:spPr>
             <a:xfrm>
-              <a:off x="4800106" y="3395280"/>
+              <a:off x="4800106" y="4754417"/>
               <a:ext cx="49651" cy="49651"/>
             </a:xfrm>
             <a:prstGeom prst="ellipse">
@@ -10118,7 +10118,7 @@
           </p:nvSpPr>
           <p:spPr>
             <a:xfrm>
-              <a:off x="4831909" y="3400907"/>
+              <a:off x="4831909" y="4764438"/>
               <a:ext cx="49651" cy="49651"/>
             </a:xfrm>
             <a:prstGeom prst="ellipse">
@@ -10153,7 +10153,7 @@
           </p:nvSpPr>
           <p:spPr>
             <a:xfrm>
-              <a:off x="4863713" y="3445105"/>
+              <a:off x="4863713" y="4843148"/>
               <a:ext cx="49651" cy="49651"/>
             </a:xfrm>
             <a:prstGeom prst="ellipse">
@@ -10188,7 +10188,7 @@
           </p:nvSpPr>
           <p:spPr>
             <a:xfrm>
-              <a:off x="4895517" y="3510365"/>
+              <a:off x="4895517" y="4959365"/>
               <a:ext cx="49651" cy="49651"/>
             </a:xfrm>
             <a:prstGeom prst="ellipse">
@@ -10223,7 +10223,7 @@
           </p:nvSpPr>
           <p:spPr>
             <a:xfrm>
-              <a:off x="4927320" y="3580468"/>
+              <a:off x="4927320" y="5084206"/>
               <a:ext cx="49651" cy="49651"/>
             </a:xfrm>
             <a:prstGeom prst="ellipse">
@@ -10258,7 +10258,7 @@
           </p:nvSpPr>
           <p:spPr>
             <a:xfrm>
-              <a:off x="5181750" y="3885761"/>
+              <a:off x="5181750" y="5627881"/>
               <a:ext cx="49651" cy="49651"/>
             </a:xfrm>
             <a:prstGeom prst="ellipse">
@@ -10293,7 +10293,7 @@
           </p:nvSpPr>
           <p:spPr>
             <a:xfrm>
-              <a:off x="5308965" y="3917347"/>
+              <a:off x="5308965" y="5684130"/>
               <a:ext cx="49651" cy="49651"/>
             </a:xfrm>
             <a:prstGeom prst="ellipse">
@@ -10328,7 +10328,7 @@
           </p:nvSpPr>
           <p:spPr>
             <a:xfrm>
-              <a:off x="5404376" y="3930071"/>
+              <a:off x="5404376" y="5706789"/>
               <a:ext cx="49651" cy="49651"/>
             </a:xfrm>
             <a:prstGeom prst="ellipse">
@@ -10363,7 +10363,7 @@
           </p:nvSpPr>
           <p:spPr>
             <a:xfrm>
-              <a:off x="4291247" y="3924768"/>
+              <a:off x="4291247" y="5697346"/>
               <a:ext cx="49651" cy="49651"/>
             </a:xfrm>
             <a:prstGeom prst="ellipse">
@@ -10398,7 +10398,7 @@
           </p:nvSpPr>
           <p:spPr>
             <a:xfrm>
-              <a:off x="4354854" y="3909667"/>
+              <a:off x="4354854" y="5670454"/>
               <a:ext cx="49651" cy="49651"/>
             </a:xfrm>
             <a:prstGeom prst="ellipse">
@@ -10433,7 +10433,7 @@
           </p:nvSpPr>
           <p:spPr>
             <a:xfrm>
-              <a:off x="4386658" y="3899061"/>
+              <a:off x="4386658" y="5651565"/>
               <a:ext cx="49651" cy="49651"/>
             </a:xfrm>
             <a:prstGeom prst="ellipse">
@@ -10468,7 +10468,7 @@
           </p:nvSpPr>
           <p:spPr>
             <a:xfrm>
-              <a:off x="4482069" y="3849914"/>
+              <a:off x="4482069" y="5564043"/>
               <a:ext cx="49651" cy="49651"/>
             </a:xfrm>
             <a:prstGeom prst="ellipse">
@@ -10503,7 +10503,7 @@
           </p:nvSpPr>
           <p:spPr>
             <a:xfrm>
-              <a:off x="4577480" y="3757962"/>
+              <a:off x="4577480" y="5400293"/>
               <a:ext cx="49651" cy="49651"/>
             </a:xfrm>
             <a:prstGeom prst="ellipse">
@@ -10538,7 +10538,7 @@
           </p:nvSpPr>
           <p:spPr>
             <a:xfrm>
-              <a:off x="4641087" y="3658420"/>
+              <a:off x="4641087" y="5223026"/>
               <a:ext cx="49651" cy="49651"/>
             </a:xfrm>
             <a:prstGeom prst="ellipse">
@@ -10573,7 +10573,7 @@
           </p:nvSpPr>
           <p:spPr>
             <a:xfrm>
-              <a:off x="4672891" y="3597558"/>
+              <a:off x="4672891" y="5114640"/>
               <a:ext cx="49651" cy="49651"/>
             </a:xfrm>
             <a:prstGeom prst="ellipse">
@@ -10608,7 +10608,7 @@
           </p:nvSpPr>
           <p:spPr>
             <a:xfrm>
-              <a:off x="4736498" y="3470835"/>
+              <a:off x="4736498" y="4888968"/>
               <a:ext cx="49651" cy="49651"/>
             </a:xfrm>
             <a:prstGeom prst="ellipse">
@@ -10643,7 +10643,7 @@
           </p:nvSpPr>
           <p:spPr>
             <a:xfrm>
-              <a:off x="4768302" y="3413939"/>
+              <a:off x="4768302" y="4787646"/>
               <a:ext cx="49651" cy="49651"/>
             </a:xfrm>
             <a:prstGeom prst="ellipse">
@@ -10678,7 +10678,7 @@
           </p:nvSpPr>
           <p:spPr>
             <a:xfrm>
-              <a:off x="4800106" y="3371668"/>
+              <a:off x="4800106" y="4712370"/>
               <a:ext cx="49651" cy="49651"/>
             </a:xfrm>
             <a:prstGeom prst="ellipse">
@@ -10713,7 +10713,7 @@
           </p:nvSpPr>
           <p:spPr>
             <a:xfrm>
-              <a:off x="4831909" y="3350911"/>
+              <a:off x="4831909" y="4675405"/>
               <a:ext cx="49651" cy="49651"/>
             </a:xfrm>
             <a:prstGeom prst="ellipse">
@@ -10748,7 +10748,7 @@
           </p:nvSpPr>
           <p:spPr>
             <a:xfrm>
-              <a:off x="4863713" y="3353480"/>
+              <a:off x="4863713" y="4679980"/>
               <a:ext cx="49651" cy="49651"/>
             </a:xfrm>
             <a:prstGeom prst="ellipse">
@@ -10783,7 +10783,7 @@
           </p:nvSpPr>
           <p:spPr>
             <a:xfrm>
-              <a:off x="4895517" y="3378366"/>
+              <a:off x="4895517" y="4724297"/>
               <a:ext cx="49651" cy="49651"/>
             </a:xfrm>
             <a:prstGeom prst="ellipse">
@@ -10818,7 +10818,7 @@
           </p:nvSpPr>
           <p:spPr>
             <a:xfrm>
-              <a:off x="4927320" y="3422928"/>
+              <a:off x="4927320" y="4803653"/>
               <a:ext cx="49651" cy="49651"/>
             </a:xfrm>
             <a:prstGeom prst="ellipse">
@@ -10853,7 +10853,7 @@
           </p:nvSpPr>
           <p:spPr>
             <a:xfrm>
-              <a:off x="4959124" y="3482279"/>
+              <a:off x="4959124" y="4909349"/>
               <a:ext cx="49651" cy="49651"/>
             </a:xfrm>
             <a:prstGeom prst="ellipse">
@@ -10888,7 +10888,7 @@
           </p:nvSpPr>
           <p:spPr>
             <a:xfrm>
-              <a:off x="5022731" y="3611289"/>
+              <a:off x="5022731" y="5139093"/>
               <a:ext cx="49651" cy="49651"/>
             </a:xfrm>
             <a:prstGeom prst="ellipse">
@@ -10923,7 +10923,7 @@
           </p:nvSpPr>
           <p:spPr>
             <a:xfrm>
-              <a:off x="5213554" y="3841716"/>
+              <a:off x="5213554" y="5549444"/>
               <a:ext cx="49651" cy="49651"/>
             </a:xfrm>
             <a:prstGeom prst="ellipse">
@@ -10958,7 +10958,7 @@
           </p:nvSpPr>
           <p:spPr>
             <a:xfrm>
-              <a:off x="5404376" y="3909658"/>
+              <a:off x="5404376" y="5670438"/>
               <a:ext cx="49651" cy="49651"/>
             </a:xfrm>
             <a:prstGeom prst="ellipse">
@@ -10993,8 +10993,8 @@
           </p:nvSpPr>
           <p:spPr>
             <a:xfrm>
-              <a:off x="3625933" y="2850534"/>
-              <a:ext cx="1889138" cy="1171063"/>
+              <a:off x="3625933" y="3764934"/>
+              <a:ext cx="1889138" cy="2085463"/>
             </a:xfrm>
             <a:prstGeom prst="rect">
               <a:avLst/>
@@ -11014,7 +11014,7 @@
           </p:nvSpPr>
           <p:spPr>
             <a:xfrm>
-              <a:off x="1648227" y="2575545"/>
+              <a:off x="1648227" y="3489945"/>
               <a:ext cx="1889138" cy="274989"/>
             </a:xfrm>
             <a:prstGeom prst="rect">
@@ -11049,7 +11049,7 @@
           </p:nvSpPr>
           <p:spPr>
             <a:xfrm>
-              <a:off x="2540602" y="2657304"/>
+              <a:off x="2540602" y="3571704"/>
               <a:ext cx="104388" cy="107582"/>
             </a:xfrm>
             <a:prstGeom prst="rect">
@@ -11095,7 +11095,7 @@
           </p:nvSpPr>
           <p:spPr>
             <a:xfrm>
-              <a:off x="3625933" y="2575545"/>
+              <a:off x="3625933" y="3489945"/>
               <a:ext cx="1889138" cy="274989"/>
             </a:xfrm>
             <a:prstGeom prst="rect">
@@ -11130,7 +11130,7 @@
           </p:nvSpPr>
           <p:spPr>
             <a:xfrm>
-              <a:off x="4511467" y="2661193"/>
+              <a:off x="4511467" y="3575593"/>
               <a:ext cx="118070" cy="103693"/>
             </a:xfrm>
             <a:prstGeom prst="rect">
@@ -11338,7 +11338,7 @@
           </p:nvSpPr>
           <p:spPr>
             <a:xfrm>
-              <a:off x="1648227" y="4021598"/>
+              <a:off x="1648227" y="5850398"/>
               <a:ext cx="1889138" cy="0"/>
             </a:xfrm>
             <a:custGeom>
@@ -11378,7 +11378,7 @@
           </p:nvSpPr>
           <p:spPr>
             <a:xfrm>
-              <a:off x="1734097" y="4021598"/>
+              <a:off x="1734097" y="5850398"/>
               <a:ext cx="0" cy="44283"/>
             </a:xfrm>
             <a:custGeom>
@@ -11418,7 +11418,7 @@
           </p:nvSpPr>
           <p:spPr>
             <a:xfrm>
-              <a:off x="1861312" y="4021598"/>
+              <a:off x="1861312" y="5850398"/>
               <a:ext cx="0" cy="44283"/>
             </a:xfrm>
             <a:custGeom>
@@ -11458,7 +11458,7 @@
           </p:nvSpPr>
           <p:spPr>
             <a:xfrm>
-              <a:off x="1988526" y="4021598"/>
+              <a:off x="1988526" y="5850398"/>
               <a:ext cx="0" cy="44283"/>
             </a:xfrm>
             <a:custGeom>
@@ -11498,7 +11498,7 @@
           </p:nvSpPr>
           <p:spPr>
             <a:xfrm>
-              <a:off x="2115741" y="4021598"/>
+              <a:off x="2115741" y="5850398"/>
               <a:ext cx="0" cy="44283"/>
             </a:xfrm>
             <a:custGeom>
@@ -11538,7 +11538,7 @@
           </p:nvSpPr>
           <p:spPr>
             <a:xfrm>
-              <a:off x="2242956" y="4021598"/>
+              <a:off x="2242956" y="5850398"/>
               <a:ext cx="0" cy="44283"/>
             </a:xfrm>
             <a:custGeom>
@@ -11578,7 +11578,7 @@
           </p:nvSpPr>
           <p:spPr>
             <a:xfrm>
-              <a:off x="2370170" y="4021598"/>
+              <a:off x="2370170" y="5850398"/>
               <a:ext cx="0" cy="44283"/>
             </a:xfrm>
             <a:custGeom>
@@ -11618,7 +11618,7 @@
           </p:nvSpPr>
           <p:spPr>
             <a:xfrm>
-              <a:off x="2497385" y="4021598"/>
+              <a:off x="2497385" y="5850398"/>
               <a:ext cx="0" cy="44283"/>
             </a:xfrm>
             <a:custGeom>
@@ -11658,7 +11658,7 @@
           </p:nvSpPr>
           <p:spPr>
             <a:xfrm>
-              <a:off x="2624600" y="4021598"/>
+              <a:off x="2624600" y="5850398"/>
               <a:ext cx="0" cy="44283"/>
             </a:xfrm>
             <a:custGeom>
@@ -11698,7 +11698,7 @@
           </p:nvSpPr>
           <p:spPr>
             <a:xfrm>
-              <a:off x="2751815" y="4021598"/>
+              <a:off x="2751815" y="5850398"/>
               <a:ext cx="0" cy="44283"/>
             </a:xfrm>
             <a:custGeom>
@@ -11738,7 +11738,7 @@
           </p:nvSpPr>
           <p:spPr>
             <a:xfrm>
-              <a:off x="2879029" y="4021598"/>
+              <a:off x="2879029" y="5850398"/>
               <a:ext cx="0" cy="44283"/>
             </a:xfrm>
             <a:custGeom>
@@ -11778,7 +11778,7 @@
           </p:nvSpPr>
           <p:spPr>
             <a:xfrm>
-              <a:off x="3006244" y="4021598"/>
+              <a:off x="3006244" y="5850398"/>
               <a:ext cx="0" cy="44283"/>
             </a:xfrm>
             <a:custGeom>
@@ -11818,7 +11818,7 @@
           </p:nvSpPr>
           <p:spPr>
             <a:xfrm>
-              <a:off x="3133459" y="4021598"/>
+              <a:off x="3133459" y="5850398"/>
               <a:ext cx="0" cy="44283"/>
             </a:xfrm>
             <a:custGeom>
@@ -11858,7 +11858,7 @@
           </p:nvSpPr>
           <p:spPr>
             <a:xfrm>
-              <a:off x="3260673" y="4021598"/>
+              <a:off x="3260673" y="5850398"/>
               <a:ext cx="0" cy="44283"/>
             </a:xfrm>
             <a:custGeom>
@@ -11898,7 +11898,7 @@
           </p:nvSpPr>
           <p:spPr>
             <a:xfrm>
-              <a:off x="3387888" y="4021598"/>
+              <a:off x="3387888" y="5850398"/>
               <a:ext cx="0" cy="44283"/>
             </a:xfrm>
             <a:custGeom>
@@ -11938,7 +11938,7 @@
           </p:nvSpPr>
           <p:spPr>
             <a:xfrm>
-              <a:off x="3515103" y="4021598"/>
+              <a:off x="3515103" y="5850398"/>
               <a:ext cx="0" cy="44283"/>
             </a:xfrm>
             <a:custGeom>
@@ -11978,7 +11978,7 @@
           </p:nvSpPr>
           <p:spPr>
             <a:xfrm>
-              <a:off x="1688848" y="4097419"/>
+              <a:off x="1688848" y="5926219"/>
               <a:ext cx="90497" cy="107582"/>
             </a:xfrm>
             <a:prstGeom prst="rect">
@@ -12024,7 +12024,7 @@
           </p:nvSpPr>
           <p:spPr>
             <a:xfrm>
-              <a:off x="1816063" y="4101309"/>
+              <a:off x="1816063" y="5930109"/>
               <a:ext cx="90497" cy="103693"/>
             </a:xfrm>
             <a:prstGeom prst="rect">
@@ -12070,7 +12070,7 @@
           </p:nvSpPr>
           <p:spPr>
             <a:xfrm>
-              <a:off x="1943278" y="4097419"/>
+              <a:off x="1943278" y="5926219"/>
               <a:ext cx="90497" cy="107582"/>
             </a:xfrm>
             <a:prstGeom prst="rect">
@@ -12116,7 +12116,7 @@
           </p:nvSpPr>
           <p:spPr>
             <a:xfrm>
-              <a:off x="2025244" y="4099434"/>
+              <a:off x="2025244" y="5928234"/>
               <a:ext cx="180994" cy="105568"/>
             </a:xfrm>
             <a:prstGeom prst="rect">
@@ -12162,7 +12162,7 @@
           </p:nvSpPr>
           <p:spPr>
             <a:xfrm>
-              <a:off x="2152458" y="4097419"/>
+              <a:off x="2152458" y="5926219"/>
               <a:ext cx="180994" cy="107582"/>
             </a:xfrm>
             <a:prstGeom prst="rect">
@@ -12208,7 +12208,7 @@
           </p:nvSpPr>
           <p:spPr>
             <a:xfrm>
-              <a:off x="2279673" y="4097419"/>
+              <a:off x="2279673" y="5926219"/>
               <a:ext cx="180994" cy="107582"/>
             </a:xfrm>
             <a:prstGeom prst="rect">
@@ -12254,7 +12254,7 @@
           </p:nvSpPr>
           <p:spPr>
             <a:xfrm>
-              <a:off x="2406888" y="4099434"/>
+              <a:off x="2406888" y="5928234"/>
               <a:ext cx="180994" cy="105568"/>
             </a:xfrm>
             <a:prstGeom prst="rect">
@@ -12300,7 +12300,7 @@
           </p:nvSpPr>
           <p:spPr>
             <a:xfrm>
-              <a:off x="2534102" y="4097419"/>
+              <a:off x="2534102" y="5926219"/>
               <a:ext cx="180994" cy="107582"/>
             </a:xfrm>
             <a:prstGeom prst="rect">
@@ -12346,7 +12346,7 @@
           </p:nvSpPr>
           <p:spPr>
             <a:xfrm>
-              <a:off x="2661317" y="4097419"/>
+              <a:off x="2661317" y="5926219"/>
               <a:ext cx="180994" cy="107582"/>
             </a:xfrm>
             <a:prstGeom prst="rect">
@@ -12392,7 +12392,7 @@
           </p:nvSpPr>
           <p:spPr>
             <a:xfrm>
-              <a:off x="2788532" y="4097419"/>
+              <a:off x="2788532" y="5926219"/>
               <a:ext cx="180994" cy="107582"/>
             </a:xfrm>
             <a:prstGeom prst="rect">
@@ -12438,7 +12438,7 @@
           </p:nvSpPr>
           <p:spPr>
             <a:xfrm>
-              <a:off x="2915746" y="4097419"/>
+              <a:off x="2915746" y="5926219"/>
               <a:ext cx="180994" cy="107582"/>
             </a:xfrm>
             <a:prstGeom prst="rect">
@@ -12484,7 +12484,7 @@
           </p:nvSpPr>
           <p:spPr>
             <a:xfrm>
-              <a:off x="3042961" y="4101309"/>
+              <a:off x="3042961" y="5930109"/>
               <a:ext cx="180994" cy="103693"/>
             </a:xfrm>
             <a:prstGeom prst="rect">
@@ -12530,7 +12530,7 @@
           </p:nvSpPr>
           <p:spPr>
             <a:xfrm>
-              <a:off x="3170176" y="4097419"/>
+              <a:off x="3170176" y="5926219"/>
               <a:ext cx="180994" cy="107582"/>
             </a:xfrm>
             <a:prstGeom prst="rect">
@@ -12576,7 +12576,7 @@
           </p:nvSpPr>
           <p:spPr>
             <a:xfrm>
-              <a:off x="3297391" y="4097419"/>
+              <a:off x="3297391" y="5926219"/>
               <a:ext cx="180994" cy="107582"/>
             </a:xfrm>
             <a:prstGeom prst="rect">
@@ -12622,7 +12622,7 @@
           </p:nvSpPr>
           <p:spPr>
             <a:xfrm>
-              <a:off x="3424605" y="4097419"/>
+              <a:off x="3424605" y="5926219"/>
               <a:ext cx="180994" cy="107582"/>
             </a:xfrm>
             <a:prstGeom prst="rect">
@@ -12668,7 +12668,7 @@
           </p:nvSpPr>
           <p:spPr>
             <a:xfrm>
-              <a:off x="3625933" y="4021598"/>
+              <a:off x="3625933" y="5850398"/>
               <a:ext cx="1889138" cy="0"/>
             </a:xfrm>
             <a:custGeom>
@@ -12708,7 +12708,7 @@
           </p:nvSpPr>
           <p:spPr>
             <a:xfrm>
-              <a:off x="3711803" y="4021598"/>
+              <a:off x="3711803" y="5850398"/>
               <a:ext cx="0" cy="44283"/>
             </a:xfrm>
             <a:custGeom>
@@ -12748,7 +12748,7 @@
           </p:nvSpPr>
           <p:spPr>
             <a:xfrm>
-              <a:off x="3839018" y="4021598"/>
+              <a:off x="3839018" y="5850398"/>
               <a:ext cx="0" cy="44283"/>
             </a:xfrm>
             <a:custGeom>
@@ -12788,7 +12788,7 @@
           </p:nvSpPr>
           <p:spPr>
             <a:xfrm>
-              <a:off x="3966232" y="4021598"/>
+              <a:off x="3966232" y="5850398"/>
               <a:ext cx="0" cy="44283"/>
             </a:xfrm>
             <a:custGeom>
@@ -12828,7 +12828,7 @@
           </p:nvSpPr>
           <p:spPr>
             <a:xfrm>
-              <a:off x="4093447" y="4021598"/>
+              <a:off x="4093447" y="5850398"/>
               <a:ext cx="0" cy="44283"/>
             </a:xfrm>
             <a:custGeom>
@@ -12868,7 +12868,7 @@
           </p:nvSpPr>
           <p:spPr>
             <a:xfrm>
-              <a:off x="4220662" y="4021598"/>
+              <a:off x="4220662" y="5850398"/>
               <a:ext cx="0" cy="44283"/>
             </a:xfrm>
             <a:custGeom>
@@ -12908,7 +12908,7 @@
           </p:nvSpPr>
           <p:spPr>
             <a:xfrm>
-              <a:off x="4347877" y="4021598"/>
+              <a:off x="4347877" y="5850398"/>
               <a:ext cx="0" cy="44283"/>
             </a:xfrm>
             <a:custGeom>
@@ -12948,7 +12948,7 @@
           </p:nvSpPr>
           <p:spPr>
             <a:xfrm>
-              <a:off x="4475091" y="4021598"/>
+              <a:off x="4475091" y="5850398"/>
               <a:ext cx="0" cy="44283"/>
             </a:xfrm>
             <a:custGeom>
@@ -12988,7 +12988,7 @@
           </p:nvSpPr>
           <p:spPr>
             <a:xfrm>
-              <a:off x="4602306" y="4021598"/>
+              <a:off x="4602306" y="5850398"/>
               <a:ext cx="0" cy="44283"/>
             </a:xfrm>
             <a:custGeom>
@@ -13028,7 +13028,7 @@
           </p:nvSpPr>
           <p:spPr>
             <a:xfrm>
-              <a:off x="4729521" y="4021598"/>
+              <a:off x="4729521" y="5850398"/>
               <a:ext cx="0" cy="44283"/>
             </a:xfrm>
             <a:custGeom>
@@ -13068,7 +13068,7 @@
           </p:nvSpPr>
           <p:spPr>
             <a:xfrm>
-              <a:off x="4856735" y="4021598"/>
+              <a:off x="4856735" y="5850398"/>
               <a:ext cx="0" cy="44283"/>
             </a:xfrm>
             <a:custGeom>
@@ -13108,7 +13108,7 @@
           </p:nvSpPr>
           <p:spPr>
             <a:xfrm>
-              <a:off x="4983950" y="4021598"/>
+              <a:off x="4983950" y="5850398"/>
               <a:ext cx="0" cy="44283"/>
             </a:xfrm>
             <a:custGeom>
@@ -13148,7 +13148,7 @@
           </p:nvSpPr>
           <p:spPr>
             <a:xfrm>
-              <a:off x="5111165" y="4021598"/>
+              <a:off x="5111165" y="5850398"/>
               <a:ext cx="0" cy="44283"/>
             </a:xfrm>
             <a:custGeom>
@@ -13188,7 +13188,7 @@
           </p:nvSpPr>
           <p:spPr>
             <a:xfrm>
-              <a:off x="5238379" y="4021598"/>
+              <a:off x="5238379" y="5850398"/>
               <a:ext cx="0" cy="44283"/>
             </a:xfrm>
             <a:custGeom>
@@ -13228,7 +13228,7 @@
           </p:nvSpPr>
           <p:spPr>
             <a:xfrm>
-              <a:off x="5365594" y="4021598"/>
+              <a:off x="5365594" y="5850398"/>
               <a:ext cx="0" cy="44283"/>
             </a:xfrm>
             <a:custGeom>
@@ -13268,7 +13268,7 @@
           </p:nvSpPr>
           <p:spPr>
             <a:xfrm>
-              <a:off x="5492809" y="4021598"/>
+              <a:off x="5492809" y="5850398"/>
               <a:ext cx="0" cy="44283"/>
             </a:xfrm>
             <a:custGeom>
@@ -13308,7 +13308,7 @@
           </p:nvSpPr>
           <p:spPr>
             <a:xfrm>
-              <a:off x="3666554" y="4097419"/>
+              <a:off x="3666554" y="5926219"/>
               <a:ext cx="90497" cy="107582"/>
             </a:xfrm>
             <a:prstGeom prst="rect">
@@ -13354,7 +13354,7 @@
           </p:nvSpPr>
           <p:spPr>
             <a:xfrm>
-              <a:off x="3793769" y="4101309"/>
+              <a:off x="3793769" y="5930109"/>
               <a:ext cx="90497" cy="103693"/>
             </a:xfrm>
             <a:prstGeom prst="rect">
@@ -13400,7 +13400,7 @@
           </p:nvSpPr>
           <p:spPr>
             <a:xfrm>
-              <a:off x="3920984" y="4097419"/>
+              <a:off x="3920984" y="5926219"/>
               <a:ext cx="90497" cy="107582"/>
             </a:xfrm>
             <a:prstGeom prst="rect">
@@ -13446,7 +13446,7 @@
           </p:nvSpPr>
           <p:spPr>
             <a:xfrm>
-              <a:off x="4002950" y="4099434"/>
+              <a:off x="4002950" y="5928234"/>
               <a:ext cx="180994" cy="105568"/>
             </a:xfrm>
             <a:prstGeom prst="rect">
@@ -13492,7 +13492,7 @@
           </p:nvSpPr>
           <p:spPr>
             <a:xfrm>
-              <a:off x="4130164" y="4097419"/>
+              <a:off x="4130164" y="5926219"/>
               <a:ext cx="180994" cy="107582"/>
             </a:xfrm>
             <a:prstGeom prst="rect">
@@ -13538,7 +13538,7 @@
           </p:nvSpPr>
           <p:spPr>
             <a:xfrm>
-              <a:off x="4257379" y="4097419"/>
+              <a:off x="4257379" y="5926219"/>
               <a:ext cx="180994" cy="107582"/>
             </a:xfrm>
             <a:prstGeom prst="rect">
@@ -13584,7 +13584,7 @@
           </p:nvSpPr>
           <p:spPr>
             <a:xfrm>
-              <a:off x="4384594" y="4099434"/>
+              <a:off x="4384594" y="5928234"/>
               <a:ext cx="180994" cy="105568"/>
             </a:xfrm>
             <a:prstGeom prst="rect">
@@ -13630,7 +13630,7 @@
           </p:nvSpPr>
           <p:spPr>
             <a:xfrm>
-              <a:off x="4511809" y="4097419"/>
+              <a:off x="4511809" y="5926219"/>
               <a:ext cx="180994" cy="107582"/>
             </a:xfrm>
             <a:prstGeom prst="rect">
@@ -13676,7 +13676,7 @@
           </p:nvSpPr>
           <p:spPr>
             <a:xfrm>
-              <a:off x="4639023" y="4097419"/>
+              <a:off x="4639023" y="5926219"/>
               <a:ext cx="180994" cy="107582"/>
             </a:xfrm>
             <a:prstGeom prst="rect">
@@ -13722,7 +13722,7 @@
           </p:nvSpPr>
           <p:spPr>
             <a:xfrm>
-              <a:off x="4766238" y="4097419"/>
+              <a:off x="4766238" y="5926219"/>
               <a:ext cx="180994" cy="107582"/>
             </a:xfrm>
             <a:prstGeom prst="rect">
@@ -13768,7 +13768,7 @@
           </p:nvSpPr>
           <p:spPr>
             <a:xfrm>
-              <a:off x="4893453" y="4097419"/>
+              <a:off x="4893453" y="5926219"/>
               <a:ext cx="180994" cy="107582"/>
             </a:xfrm>
             <a:prstGeom prst="rect">
@@ -13814,7 +13814,7 @@
           </p:nvSpPr>
           <p:spPr>
             <a:xfrm>
-              <a:off x="5020667" y="4101309"/>
+              <a:off x="5020667" y="5930109"/>
               <a:ext cx="180994" cy="103693"/>
             </a:xfrm>
             <a:prstGeom prst="rect">
@@ -13860,7 +13860,7 @@
           </p:nvSpPr>
           <p:spPr>
             <a:xfrm>
-              <a:off x="5147882" y="4097419"/>
+              <a:off x="5147882" y="5926219"/>
               <a:ext cx="180994" cy="107582"/>
             </a:xfrm>
             <a:prstGeom prst="rect">
@@ -13906,7 +13906,7 @@
           </p:nvSpPr>
           <p:spPr>
             <a:xfrm>
-              <a:off x="5275097" y="4097419"/>
+              <a:off x="5275097" y="5926219"/>
               <a:ext cx="180994" cy="107582"/>
             </a:xfrm>
             <a:prstGeom prst="rect">
@@ -13952,7 +13952,7 @@
           </p:nvSpPr>
           <p:spPr>
             <a:xfrm>
-              <a:off x="5402311" y="4097419"/>
+              <a:off x="5402311" y="5926219"/>
               <a:ext cx="180994" cy="107582"/>
             </a:xfrm>
             <a:prstGeom prst="rect">
@@ -13999,14 +13999,14 @@
           <p:spPr>
             <a:xfrm>
               <a:off x="1648227" y="1315914"/>
-              <a:ext cx="0" cy="1171063"/>
+              <a:ext cx="0" cy="2085463"/>
             </a:xfrm>
             <a:custGeom>
               <a:avLst/>
               <a:pathLst>
-                <a:path w="0" h="1171063">
+                <a:path w="0" h="2085463">
                   <a:moveTo>
-                    <a:pt x="0" y="1171063"/>
+                    <a:pt x="0" y="2085463"/>
                   </a:moveTo>
                   <a:lnTo>
                     <a:pt x="0" y="0"/>
@@ -14038,7 +14038,7 @@
           </p:nvSpPr>
           <p:spPr>
             <a:xfrm>
-              <a:off x="1251810" y="2381077"/>
+              <a:off x="1251810" y="3256307"/>
               <a:ext cx="316706" cy="107582"/>
             </a:xfrm>
             <a:prstGeom prst="rect">
@@ -14084,7 +14084,7 @@
           </p:nvSpPr>
           <p:spPr>
             <a:xfrm>
-              <a:off x="1251810" y="2170257"/>
+              <a:off x="1251810" y="2880873"/>
               <a:ext cx="316706" cy="107582"/>
             </a:xfrm>
             <a:prstGeom prst="rect">
@@ -14130,7 +14130,7 @@
           </p:nvSpPr>
           <p:spPr>
             <a:xfrm>
-              <a:off x="1251810" y="1959437"/>
+              <a:off x="1251810" y="2505439"/>
               <a:ext cx="316706" cy="107582"/>
             </a:xfrm>
             <a:prstGeom prst="rect">
@@ -14176,7 +14176,7 @@
           </p:nvSpPr>
           <p:spPr>
             <a:xfrm>
-              <a:off x="1251810" y="1748618"/>
+              <a:off x="1251810" y="2130006"/>
               <a:ext cx="316706" cy="107582"/>
             </a:xfrm>
             <a:prstGeom prst="rect">
@@ -14222,7 +14222,7 @@
           </p:nvSpPr>
           <p:spPr>
             <a:xfrm>
-              <a:off x="1251810" y="1537798"/>
+              <a:off x="1251810" y="1754572"/>
               <a:ext cx="316706" cy="107582"/>
             </a:xfrm>
             <a:prstGeom prst="rect">
@@ -14268,7 +14268,7 @@
           </p:nvSpPr>
           <p:spPr>
             <a:xfrm>
-              <a:off x="1251810" y="1326978"/>
+              <a:off x="1251810" y="1379138"/>
               <a:ext cx="316706" cy="107582"/>
             </a:xfrm>
             <a:prstGeom prst="rect">
@@ -14314,7 +14314,7 @@
           </p:nvSpPr>
           <p:spPr>
             <a:xfrm>
-              <a:off x="1603943" y="2436813"/>
+              <a:off x="1603943" y="3312043"/>
               <a:ext cx="44283" cy="0"/>
             </a:xfrm>
             <a:custGeom>
@@ -14354,7 +14354,7 @@
           </p:nvSpPr>
           <p:spPr>
             <a:xfrm>
-              <a:off x="1603943" y="2225993"/>
+              <a:off x="1603943" y="2936609"/>
               <a:ext cx="44283" cy="0"/>
             </a:xfrm>
             <a:custGeom>
@@ -14394,7 +14394,7 @@
           </p:nvSpPr>
           <p:spPr>
             <a:xfrm>
-              <a:off x="1603943" y="2015174"/>
+              <a:off x="1603943" y="2561176"/>
               <a:ext cx="44283" cy="0"/>
             </a:xfrm>
             <a:custGeom>
@@ -14434,7 +14434,7 @@
           </p:nvSpPr>
           <p:spPr>
             <a:xfrm>
-              <a:off x="1603943" y="1804354"/>
+              <a:off x="1603943" y="2185742"/>
               <a:ext cx="44283" cy="0"/>
             </a:xfrm>
             <a:custGeom>
@@ -14474,7 +14474,7 @@
           </p:nvSpPr>
           <p:spPr>
             <a:xfrm>
-              <a:off x="1603943" y="1593534"/>
+              <a:off x="1603943" y="1810308"/>
               <a:ext cx="44283" cy="0"/>
             </a:xfrm>
             <a:custGeom>
@@ -14514,7 +14514,7 @@
           </p:nvSpPr>
           <p:spPr>
             <a:xfrm>
-              <a:off x="1603943" y="1382714"/>
+              <a:off x="1603943" y="1434874"/>
               <a:ext cx="44283" cy="0"/>
             </a:xfrm>
             <a:custGeom>
@@ -14554,15 +14554,15 @@
           </p:nvSpPr>
           <p:spPr>
             <a:xfrm>
-              <a:off x="1648227" y="2850534"/>
-              <a:ext cx="0" cy="1171063"/>
+              <a:off x="1648227" y="3764934"/>
+              <a:ext cx="0" cy="2085463"/>
             </a:xfrm>
             <a:custGeom>
               <a:avLst/>
               <a:pathLst>
-                <a:path w="0" h="1171063">
+                <a:path w="0" h="2085463">
                   <a:moveTo>
-                    <a:pt x="0" y="1171063"/>
+                    <a:pt x="0" y="2085463"/>
                   </a:moveTo>
                   <a:lnTo>
                     <a:pt x="0" y="0"/>
@@ -14594,7 +14594,7 @@
           </p:nvSpPr>
           <p:spPr>
             <a:xfrm>
-              <a:off x="1251810" y="3915697"/>
+              <a:off x="1251810" y="5705327"/>
               <a:ext cx="316706" cy="107582"/>
             </a:xfrm>
             <a:prstGeom prst="rect">
@@ -14640,7 +14640,7 @@
           </p:nvSpPr>
           <p:spPr>
             <a:xfrm>
-              <a:off x="1251810" y="3704878"/>
+              <a:off x="1251810" y="5329894"/>
               <a:ext cx="316706" cy="107582"/>
             </a:xfrm>
             <a:prstGeom prst="rect">
@@ -14686,7 +14686,7 @@
           </p:nvSpPr>
           <p:spPr>
             <a:xfrm>
-              <a:off x="1251810" y="3494058"/>
+              <a:off x="1251810" y="4954460"/>
               <a:ext cx="316706" cy="107582"/>
             </a:xfrm>
             <a:prstGeom prst="rect">
@@ -14732,7 +14732,7 @@
           </p:nvSpPr>
           <p:spPr>
             <a:xfrm>
-              <a:off x="1251810" y="3283238"/>
+              <a:off x="1251810" y="4579026"/>
               <a:ext cx="316706" cy="107582"/>
             </a:xfrm>
             <a:prstGeom prst="rect">
@@ -14778,7 +14778,7 @@
           </p:nvSpPr>
           <p:spPr>
             <a:xfrm>
-              <a:off x="1251810" y="3072418"/>
+              <a:off x="1251810" y="4203592"/>
               <a:ext cx="316706" cy="107582"/>
             </a:xfrm>
             <a:prstGeom prst="rect">
@@ -14824,7 +14824,7 @@
           </p:nvSpPr>
           <p:spPr>
             <a:xfrm>
-              <a:off x="1251810" y="2861599"/>
+              <a:off x="1251810" y="3828158"/>
               <a:ext cx="316706" cy="107582"/>
             </a:xfrm>
             <a:prstGeom prst="rect">
@@ -14870,7 +14870,7 @@
           </p:nvSpPr>
           <p:spPr>
             <a:xfrm>
-              <a:off x="1603943" y="3971433"/>
+              <a:off x="1603943" y="5761064"/>
               <a:ext cx="44283" cy="0"/>
             </a:xfrm>
             <a:custGeom>
@@ -14910,7 +14910,7 @@
           </p:nvSpPr>
           <p:spPr>
             <a:xfrm>
-              <a:off x="1603943" y="3760614"/>
+              <a:off x="1603943" y="5385630"/>
               <a:ext cx="44283" cy="0"/>
             </a:xfrm>
             <a:custGeom>
@@ -14950,7 +14950,7 @@
           </p:nvSpPr>
           <p:spPr>
             <a:xfrm>
-              <a:off x="1603943" y="3549794"/>
+              <a:off x="1603943" y="5010196"/>
               <a:ext cx="44283" cy="0"/>
             </a:xfrm>
             <a:custGeom>
@@ -14990,7 +14990,7 @@
           </p:nvSpPr>
           <p:spPr>
             <a:xfrm>
-              <a:off x="1603943" y="3338974"/>
+              <a:off x="1603943" y="4634762"/>
               <a:ext cx="44283" cy="0"/>
             </a:xfrm>
             <a:custGeom>
@@ -15030,7 +15030,7 @@
           </p:nvSpPr>
           <p:spPr>
             <a:xfrm>
-              <a:off x="1603943" y="3128154"/>
+              <a:off x="1603943" y="4259328"/>
               <a:ext cx="44283" cy="0"/>
             </a:xfrm>
             <a:custGeom>
@@ -15070,7 +15070,7 @@
           </p:nvSpPr>
           <p:spPr>
             <a:xfrm>
-              <a:off x="1603943" y="2917335"/>
+              <a:off x="1603943" y="3883894"/>
               <a:ext cx="44283" cy="0"/>
             </a:xfrm>
             <a:custGeom>
@@ -15110,7 +15110,7 @@
           </p:nvSpPr>
           <p:spPr>
             <a:xfrm>
-              <a:off x="3399639" y="4338047"/>
+              <a:off x="3399639" y="6166847"/>
               <a:ext cx="364021" cy="129616"/>
             </a:xfrm>
             <a:prstGeom prst="rect">
@@ -15156,7 +15156,7 @@
           </p:nvSpPr>
           <p:spPr>
             <a:xfrm rot="-5400000">
-              <a:off x="448967" y="2599954"/>
+              <a:off x="448967" y="3514354"/>
               <a:ext cx="1231577" cy="137604"/>
             </a:xfrm>
             <a:prstGeom prst="rect">
@@ -15202,7 +15202,7 @@
           </p:nvSpPr>
           <p:spPr>
             <a:xfrm>
-              <a:off x="5692207" y="1689072"/>
+              <a:off x="5692207" y="2603472"/>
               <a:ext cx="582066" cy="1959368"/>
             </a:xfrm>
             <a:prstGeom prst="rect">
@@ -15228,7 +15228,7 @@
           </p:nvSpPr>
           <p:spPr>
             <a:xfrm>
-              <a:off x="5692207" y="1698076"/>
+              <a:off x="5692207" y="2612476"/>
               <a:ext cx="582066" cy="117946"/>
             </a:xfrm>
             <a:prstGeom prst="rect">
@@ -15274,7 +15274,7 @@
           </p:nvSpPr>
           <p:spPr>
             <a:xfrm>
-              <a:off x="5706607" y="1992440"/>
+              <a:off x="5706607" y="2906840"/>
               <a:ext cx="115199" cy="0"/>
             </a:xfrm>
             <a:custGeom>
@@ -15314,7 +15314,7 @@
           </p:nvSpPr>
           <p:spPr>
             <a:xfrm>
-              <a:off x="5739381" y="1967614"/>
+              <a:off x="5739381" y="2882014"/>
               <a:ext cx="49651" cy="49651"/>
             </a:xfrm>
             <a:prstGeom prst="ellipse">
@@ -15349,7 +15349,7 @@
           </p:nvSpPr>
           <p:spPr>
             <a:xfrm>
-              <a:off x="5706607" y="2136440"/>
+              <a:off x="5706607" y="3050840"/>
               <a:ext cx="115199" cy="0"/>
             </a:xfrm>
             <a:custGeom>
@@ -15389,7 +15389,7 @@
           </p:nvSpPr>
           <p:spPr>
             <a:xfrm>
-              <a:off x="5739381" y="2111614"/>
+              <a:off x="5739381" y="3026014"/>
               <a:ext cx="49651" cy="49651"/>
             </a:xfrm>
             <a:prstGeom prst="ellipse">
@@ -15424,7 +15424,7 @@
           </p:nvSpPr>
           <p:spPr>
             <a:xfrm>
-              <a:off x="5706607" y="2280440"/>
+              <a:off x="5706607" y="3194840"/>
               <a:ext cx="115199" cy="0"/>
             </a:xfrm>
             <a:custGeom>
@@ -15464,7 +15464,7 @@
           </p:nvSpPr>
           <p:spPr>
             <a:xfrm>
-              <a:off x="5739381" y="2255614"/>
+              <a:off x="5739381" y="3170014"/>
               <a:ext cx="49651" cy="49651"/>
             </a:xfrm>
             <a:prstGeom prst="ellipse">
@@ -15499,7 +15499,7 @@
           </p:nvSpPr>
           <p:spPr>
             <a:xfrm>
-              <a:off x="5706607" y="2424440"/>
+              <a:off x="5706607" y="3338840"/>
               <a:ext cx="115199" cy="0"/>
             </a:xfrm>
             <a:custGeom>
@@ -15539,7 +15539,7 @@
           </p:nvSpPr>
           <p:spPr>
             <a:xfrm>
-              <a:off x="5739381" y="2399614"/>
+              <a:off x="5739381" y="3314014"/>
               <a:ext cx="49651" cy="49651"/>
             </a:xfrm>
             <a:prstGeom prst="ellipse">
@@ -15574,7 +15574,7 @@
           </p:nvSpPr>
           <p:spPr>
             <a:xfrm>
-              <a:off x="5706607" y="2568440"/>
+              <a:off x="5706607" y="3482840"/>
               <a:ext cx="115199" cy="0"/>
             </a:xfrm>
             <a:custGeom>
@@ -15614,7 +15614,7 @@
           </p:nvSpPr>
           <p:spPr>
             <a:xfrm>
-              <a:off x="5739381" y="2543614"/>
+              <a:off x="5739381" y="3458014"/>
               <a:ext cx="49651" cy="49651"/>
             </a:xfrm>
             <a:prstGeom prst="ellipse">
@@ -15649,7 +15649,7 @@
           </p:nvSpPr>
           <p:spPr>
             <a:xfrm>
-              <a:off x="5706607" y="2712440"/>
+              <a:off x="5706607" y="3626840"/>
               <a:ext cx="115199" cy="0"/>
             </a:xfrm>
             <a:custGeom>
@@ -15689,7 +15689,7 @@
           </p:nvSpPr>
           <p:spPr>
             <a:xfrm>
-              <a:off x="5739381" y="2687614"/>
+              <a:off x="5739381" y="3602014"/>
               <a:ext cx="49651" cy="49651"/>
             </a:xfrm>
             <a:prstGeom prst="ellipse">
@@ -15724,7 +15724,7 @@
           </p:nvSpPr>
           <p:spPr>
             <a:xfrm>
-              <a:off x="5706607" y="2856440"/>
+              <a:off x="5706607" y="3770840"/>
               <a:ext cx="115199" cy="0"/>
             </a:xfrm>
             <a:custGeom>
@@ -15764,7 +15764,7 @@
           </p:nvSpPr>
           <p:spPr>
             <a:xfrm>
-              <a:off x="5739381" y="2831614"/>
+              <a:off x="5739381" y="3746014"/>
               <a:ext cx="49651" cy="49651"/>
             </a:xfrm>
             <a:prstGeom prst="ellipse">
@@ -15799,7 +15799,7 @@
           </p:nvSpPr>
           <p:spPr>
             <a:xfrm>
-              <a:off x="5706607" y="3000440"/>
+              <a:off x="5706607" y="3914840"/>
               <a:ext cx="115199" cy="0"/>
             </a:xfrm>
             <a:custGeom>
@@ -15839,7 +15839,7 @@
           </p:nvSpPr>
           <p:spPr>
             <a:xfrm>
-              <a:off x="5739381" y="2975614"/>
+              <a:off x="5739381" y="3890014"/>
               <a:ext cx="49651" cy="49651"/>
             </a:xfrm>
             <a:prstGeom prst="ellipse">
@@ -15874,7 +15874,7 @@
           </p:nvSpPr>
           <p:spPr>
             <a:xfrm>
-              <a:off x="5706607" y="3144440"/>
+              <a:off x="5706607" y="4058840"/>
               <a:ext cx="115199" cy="0"/>
             </a:xfrm>
             <a:custGeom>
@@ -15914,7 +15914,7 @@
           </p:nvSpPr>
           <p:spPr>
             <a:xfrm>
-              <a:off x="5739381" y="3119614"/>
+              <a:off x="5739381" y="4034014"/>
               <a:ext cx="49651" cy="49651"/>
             </a:xfrm>
             <a:prstGeom prst="ellipse">
@@ -15949,7 +15949,7 @@
           </p:nvSpPr>
           <p:spPr>
             <a:xfrm>
-              <a:off x="5706607" y="3288440"/>
+              <a:off x="5706607" y="4202840"/>
               <a:ext cx="115199" cy="0"/>
             </a:xfrm>
             <a:custGeom>
@@ -15989,7 +15989,7 @@
           </p:nvSpPr>
           <p:spPr>
             <a:xfrm>
-              <a:off x="5739381" y="3263614"/>
+              <a:off x="5739381" y="4178014"/>
               <a:ext cx="49651" cy="49651"/>
             </a:xfrm>
             <a:prstGeom prst="ellipse">
@@ -16024,7 +16024,7 @@
           </p:nvSpPr>
           <p:spPr>
             <a:xfrm>
-              <a:off x="5706607" y="3432440"/>
+              <a:off x="5706607" y="4346840"/>
               <a:ext cx="115199" cy="0"/>
             </a:xfrm>
             <a:custGeom>
@@ -16064,7 +16064,7 @@
           </p:nvSpPr>
           <p:spPr>
             <a:xfrm>
-              <a:off x="5739381" y="3407614"/>
+              <a:off x="5739381" y="4322014"/>
               <a:ext cx="49651" cy="49651"/>
             </a:xfrm>
             <a:prstGeom prst="ellipse">
@@ -16099,7 +16099,7 @@
           </p:nvSpPr>
           <p:spPr>
             <a:xfrm>
-              <a:off x="5706607" y="3576440"/>
+              <a:off x="5706607" y="4490840"/>
               <a:ext cx="115199" cy="0"/>
             </a:xfrm>
             <a:custGeom>
@@ -16139,7 +16139,7 @@
           </p:nvSpPr>
           <p:spPr>
             <a:xfrm>
-              <a:off x="5739381" y="3551614"/>
+              <a:off x="5739381" y="4466014"/>
               <a:ext cx="49651" cy="49651"/>
             </a:xfrm>
             <a:prstGeom prst="ellipse">
@@ -16174,7 +16174,7 @@
           </p:nvSpPr>
           <p:spPr>
             <a:xfrm>
-              <a:off x="5924775" y="1936704"/>
+              <a:off x="5924775" y="2851104"/>
               <a:ext cx="189815" cy="107582"/>
             </a:xfrm>
             <a:prstGeom prst="rect">
@@ -16220,7 +16220,7 @@
           </p:nvSpPr>
           <p:spPr>
             <a:xfrm>
-              <a:off x="5924775" y="2080704"/>
+              <a:off x="5924775" y="2995104"/>
               <a:ext cx="280312" cy="107582"/>
             </a:xfrm>
             <a:prstGeom prst="rect">
@@ -16266,7 +16266,7 @@
           </p:nvSpPr>
           <p:spPr>
             <a:xfrm>
-              <a:off x="5924775" y="2224704"/>
+              <a:off x="5924775" y="3139104"/>
               <a:ext cx="280312" cy="107582"/>
             </a:xfrm>
             <a:prstGeom prst="rect">
@@ -16312,7 +16312,7 @@
           </p:nvSpPr>
           <p:spPr>
             <a:xfrm>
-              <a:off x="5924775" y="2368704"/>
+              <a:off x="5924775" y="3283104"/>
               <a:ext cx="280312" cy="107582"/>
             </a:xfrm>
             <a:prstGeom prst="rect">
@@ -16358,7 +16358,7 @@
           </p:nvSpPr>
           <p:spPr>
             <a:xfrm>
-              <a:off x="5924775" y="2512704"/>
+              <a:off x="5924775" y="3427104"/>
               <a:ext cx="280312" cy="107582"/>
             </a:xfrm>
             <a:prstGeom prst="rect">
@@ -16404,7 +16404,7 @@
           </p:nvSpPr>
           <p:spPr>
             <a:xfrm>
-              <a:off x="5924775" y="2656704"/>
+              <a:off x="5924775" y="3571104"/>
               <a:ext cx="189815" cy="107582"/>
             </a:xfrm>
             <a:prstGeom prst="rect">
@@ -16450,7 +16450,7 @@
           </p:nvSpPr>
           <p:spPr>
             <a:xfrm>
-              <a:off x="5924775" y="2800704"/>
+              <a:off x="5924775" y="3715104"/>
               <a:ext cx="189815" cy="107582"/>
             </a:xfrm>
             <a:prstGeom prst="rect">
@@ -16496,7 +16496,7 @@
           </p:nvSpPr>
           <p:spPr>
             <a:xfrm>
-              <a:off x="5924775" y="2944704"/>
+              <a:off x="5924775" y="3859104"/>
               <a:ext cx="189815" cy="107582"/>
             </a:xfrm>
             <a:prstGeom prst="rect">
@@ -16542,7 +16542,7 @@
           </p:nvSpPr>
           <p:spPr>
             <a:xfrm>
-              <a:off x="5924775" y="3088704"/>
+              <a:off x="5924775" y="4003104"/>
               <a:ext cx="189815" cy="107582"/>
             </a:xfrm>
             <a:prstGeom prst="rect">
@@ -16588,7 +16588,7 @@
           </p:nvSpPr>
           <p:spPr>
             <a:xfrm>
-              <a:off x="5924775" y="3232704"/>
+              <a:off x="5924775" y="4147104"/>
               <a:ext cx="189815" cy="107582"/>
             </a:xfrm>
             <a:prstGeom prst="rect">
@@ -16634,7 +16634,7 @@
           </p:nvSpPr>
           <p:spPr>
             <a:xfrm>
-              <a:off x="5924775" y="3376704"/>
+              <a:off x="5924775" y="4291104"/>
               <a:ext cx="189815" cy="107582"/>
             </a:xfrm>
             <a:prstGeom prst="rect">
@@ -16680,7 +16680,7 @@
           </p:nvSpPr>
           <p:spPr>
             <a:xfrm>
-              <a:off x="5924775" y="3520704"/>
+              <a:off x="5924775" y="4435104"/>
               <a:ext cx="189815" cy="107582"/>
             </a:xfrm>
             <a:prstGeom prst="rect">

--- a/reference/QCATC777-Hazard-Curve.pptx
+++ b/reference/QCATC777-Hazard-Curve.pptx
@@ -11418,7 +11418,7 @@
           </p:nvSpPr>
           <p:spPr>
             <a:xfrm>
-              <a:off x="1861312" y="5850398"/>
+              <a:off x="1988526" y="5850398"/>
               <a:ext cx="0" cy="44283"/>
             </a:xfrm>
             <a:custGeom>
@@ -11458,7 +11458,7 @@
           </p:nvSpPr>
           <p:spPr>
             <a:xfrm>
-              <a:off x="1988526" y="5850398"/>
+              <a:off x="2242956" y="5850398"/>
               <a:ext cx="0" cy="44283"/>
             </a:xfrm>
             <a:custGeom>
@@ -11498,7 +11498,7 @@
           </p:nvSpPr>
           <p:spPr>
             <a:xfrm>
-              <a:off x="2115741" y="5850398"/>
+              <a:off x="2497385" y="5850398"/>
               <a:ext cx="0" cy="44283"/>
             </a:xfrm>
             <a:custGeom>
@@ -11538,7 +11538,7 @@
           </p:nvSpPr>
           <p:spPr>
             <a:xfrm>
-              <a:off x="2242956" y="5850398"/>
+              <a:off x="2751815" y="5850398"/>
               <a:ext cx="0" cy="44283"/>
             </a:xfrm>
             <a:custGeom>
@@ -11578,7 +11578,7 @@
           </p:nvSpPr>
           <p:spPr>
             <a:xfrm>
-              <a:off x="2370170" y="5850398"/>
+              <a:off x="3006244" y="5850398"/>
               <a:ext cx="0" cy="44283"/>
             </a:xfrm>
             <a:custGeom>
@@ -11618,7 +11618,7 @@
           </p:nvSpPr>
           <p:spPr>
             <a:xfrm>
-              <a:off x="2497385" y="5850398"/>
+              <a:off x="3260673" y="5850398"/>
               <a:ext cx="0" cy="44283"/>
             </a:xfrm>
             <a:custGeom>
@@ -11658,7 +11658,7 @@
           </p:nvSpPr>
           <p:spPr>
             <a:xfrm>
-              <a:off x="2624600" y="5850398"/>
+              <a:off x="3515103" y="5850398"/>
               <a:ext cx="0" cy="44283"/>
             </a:xfrm>
             <a:custGeom>
@@ -11692,287 +11692,7 @@
         </p:sp>
         <p:sp>
           <p:nvSpPr>
-            <p:cNvPr id="256" name="pl255"/>
-            <p:cNvSpPr/>
-            <p:nvPr/>
-          </p:nvSpPr>
-          <p:spPr>
-            <a:xfrm>
-              <a:off x="2751815" y="5850398"/>
-              <a:ext cx="0" cy="44283"/>
-            </a:xfrm>
-            <a:custGeom>
-              <a:avLst/>
-              <a:pathLst>
-                <a:path w="0" h="44283">
-                  <a:moveTo>
-                    <a:pt x="0" y="44283"/>
-                  </a:moveTo>
-                  <a:lnTo>
-                    <a:pt x="0" y="0"/>
-                  </a:lnTo>
-                </a:path>
-              </a:pathLst>
-            </a:custGeom>
-            <a:ln w="17246" cap="flat">
-              <a:solidFill>
-                <a:srgbClr val="000000">
-                  <a:alpha val="100000"/>
-                </a:srgbClr>
-              </a:solidFill>
-              <a:prstDash val="solid"/>
-              <a:round/>
-            </a:ln>
-          </p:spPr>
-          <p:txBody>
-            <a:bodyPr/>
-            <a:lstStyle/>
-            <a:p/>
-          </p:txBody>
-        </p:sp>
-        <p:sp>
-          <p:nvSpPr>
-            <p:cNvPr id="257" name="pl256"/>
-            <p:cNvSpPr/>
-            <p:nvPr/>
-          </p:nvSpPr>
-          <p:spPr>
-            <a:xfrm>
-              <a:off x="2879029" y="5850398"/>
-              <a:ext cx="0" cy="44283"/>
-            </a:xfrm>
-            <a:custGeom>
-              <a:avLst/>
-              <a:pathLst>
-                <a:path w="0" h="44283">
-                  <a:moveTo>
-                    <a:pt x="0" y="44283"/>
-                  </a:moveTo>
-                  <a:lnTo>
-                    <a:pt x="0" y="0"/>
-                  </a:lnTo>
-                </a:path>
-              </a:pathLst>
-            </a:custGeom>
-            <a:ln w="17246" cap="flat">
-              <a:solidFill>
-                <a:srgbClr val="000000">
-                  <a:alpha val="100000"/>
-                </a:srgbClr>
-              </a:solidFill>
-              <a:prstDash val="solid"/>
-              <a:round/>
-            </a:ln>
-          </p:spPr>
-          <p:txBody>
-            <a:bodyPr/>
-            <a:lstStyle/>
-            <a:p/>
-          </p:txBody>
-        </p:sp>
-        <p:sp>
-          <p:nvSpPr>
-            <p:cNvPr id="258" name="pl257"/>
-            <p:cNvSpPr/>
-            <p:nvPr/>
-          </p:nvSpPr>
-          <p:spPr>
-            <a:xfrm>
-              <a:off x="3006244" y="5850398"/>
-              <a:ext cx="0" cy="44283"/>
-            </a:xfrm>
-            <a:custGeom>
-              <a:avLst/>
-              <a:pathLst>
-                <a:path w="0" h="44283">
-                  <a:moveTo>
-                    <a:pt x="0" y="44283"/>
-                  </a:moveTo>
-                  <a:lnTo>
-                    <a:pt x="0" y="0"/>
-                  </a:lnTo>
-                </a:path>
-              </a:pathLst>
-            </a:custGeom>
-            <a:ln w="17246" cap="flat">
-              <a:solidFill>
-                <a:srgbClr val="000000">
-                  <a:alpha val="100000"/>
-                </a:srgbClr>
-              </a:solidFill>
-              <a:prstDash val="solid"/>
-              <a:round/>
-            </a:ln>
-          </p:spPr>
-          <p:txBody>
-            <a:bodyPr/>
-            <a:lstStyle/>
-            <a:p/>
-          </p:txBody>
-        </p:sp>
-        <p:sp>
-          <p:nvSpPr>
-            <p:cNvPr id="259" name="pl258"/>
-            <p:cNvSpPr/>
-            <p:nvPr/>
-          </p:nvSpPr>
-          <p:spPr>
-            <a:xfrm>
-              <a:off x="3133459" y="5850398"/>
-              <a:ext cx="0" cy="44283"/>
-            </a:xfrm>
-            <a:custGeom>
-              <a:avLst/>
-              <a:pathLst>
-                <a:path w="0" h="44283">
-                  <a:moveTo>
-                    <a:pt x="0" y="44283"/>
-                  </a:moveTo>
-                  <a:lnTo>
-                    <a:pt x="0" y="0"/>
-                  </a:lnTo>
-                </a:path>
-              </a:pathLst>
-            </a:custGeom>
-            <a:ln w="17246" cap="flat">
-              <a:solidFill>
-                <a:srgbClr val="000000">
-                  <a:alpha val="100000"/>
-                </a:srgbClr>
-              </a:solidFill>
-              <a:prstDash val="solid"/>
-              <a:round/>
-            </a:ln>
-          </p:spPr>
-          <p:txBody>
-            <a:bodyPr/>
-            <a:lstStyle/>
-            <a:p/>
-          </p:txBody>
-        </p:sp>
-        <p:sp>
-          <p:nvSpPr>
-            <p:cNvPr id="260" name="pl259"/>
-            <p:cNvSpPr/>
-            <p:nvPr/>
-          </p:nvSpPr>
-          <p:spPr>
-            <a:xfrm>
-              <a:off x="3260673" y="5850398"/>
-              <a:ext cx="0" cy="44283"/>
-            </a:xfrm>
-            <a:custGeom>
-              <a:avLst/>
-              <a:pathLst>
-                <a:path w="0" h="44283">
-                  <a:moveTo>
-                    <a:pt x="0" y="44283"/>
-                  </a:moveTo>
-                  <a:lnTo>
-                    <a:pt x="0" y="0"/>
-                  </a:lnTo>
-                </a:path>
-              </a:pathLst>
-            </a:custGeom>
-            <a:ln w="17246" cap="flat">
-              <a:solidFill>
-                <a:srgbClr val="000000">
-                  <a:alpha val="100000"/>
-                </a:srgbClr>
-              </a:solidFill>
-              <a:prstDash val="solid"/>
-              <a:round/>
-            </a:ln>
-          </p:spPr>
-          <p:txBody>
-            <a:bodyPr/>
-            <a:lstStyle/>
-            <a:p/>
-          </p:txBody>
-        </p:sp>
-        <p:sp>
-          <p:nvSpPr>
-            <p:cNvPr id="261" name="pl260"/>
-            <p:cNvSpPr/>
-            <p:nvPr/>
-          </p:nvSpPr>
-          <p:spPr>
-            <a:xfrm>
-              <a:off x="3387888" y="5850398"/>
-              <a:ext cx="0" cy="44283"/>
-            </a:xfrm>
-            <a:custGeom>
-              <a:avLst/>
-              <a:pathLst>
-                <a:path w="0" h="44283">
-                  <a:moveTo>
-                    <a:pt x="0" y="44283"/>
-                  </a:moveTo>
-                  <a:lnTo>
-                    <a:pt x="0" y="0"/>
-                  </a:lnTo>
-                </a:path>
-              </a:pathLst>
-            </a:custGeom>
-            <a:ln w="17246" cap="flat">
-              <a:solidFill>
-                <a:srgbClr val="000000">
-                  <a:alpha val="100000"/>
-                </a:srgbClr>
-              </a:solidFill>
-              <a:prstDash val="solid"/>
-              <a:round/>
-            </a:ln>
-          </p:spPr>
-          <p:txBody>
-            <a:bodyPr/>
-            <a:lstStyle/>
-            <a:p/>
-          </p:txBody>
-        </p:sp>
-        <p:sp>
-          <p:nvSpPr>
-            <p:cNvPr id="262" name="pl261"/>
-            <p:cNvSpPr/>
-            <p:nvPr/>
-          </p:nvSpPr>
-          <p:spPr>
-            <a:xfrm>
-              <a:off x="3515103" y="5850398"/>
-              <a:ext cx="0" cy="44283"/>
-            </a:xfrm>
-            <a:custGeom>
-              <a:avLst/>
-              <a:pathLst>
-                <a:path w="0" h="44283">
-                  <a:moveTo>
-                    <a:pt x="0" y="44283"/>
-                  </a:moveTo>
-                  <a:lnTo>
-                    <a:pt x="0" y="0"/>
-                  </a:lnTo>
-                </a:path>
-              </a:pathLst>
-            </a:custGeom>
-            <a:ln w="17246" cap="flat">
-              <a:solidFill>
-                <a:srgbClr val="000000">
-                  <a:alpha val="100000"/>
-                </a:srgbClr>
-              </a:solidFill>
-              <a:prstDash val="solid"/>
-              <a:round/>
-            </a:ln>
-          </p:spPr>
-          <p:txBody>
-            <a:bodyPr/>
-            <a:lstStyle/>
-            <a:p/>
-          </p:txBody>
-        </p:sp>
-        <p:sp>
-          <p:nvSpPr>
-            <p:cNvPr id="263" name="tx262"/>
+            <p:cNvPr id="256" name="tx255"/>
             <p:cNvSpPr/>
             <p:nvPr/>
           </p:nvSpPr>
@@ -12018,53 +11738,7 @@
         </p:sp>
         <p:sp>
           <p:nvSpPr>
-            <p:cNvPr id="264" name="tx263"/>
-            <p:cNvSpPr/>
-            <p:nvPr/>
-          </p:nvSpPr>
-          <p:spPr>
-            <a:xfrm>
-              <a:off x="1816063" y="5930109"/>
-              <a:ext cx="90497" cy="103693"/>
-            </a:xfrm>
-            <a:prstGeom prst="rect">
-              <a:avLst/>
-            </a:prstGeom>
-            <a:noFill/>
-          </p:spPr>
-          <p:txBody>
-            <a:bodyPr lIns="0" rIns="0" tIns="0" bIns="0" anchorCtr="1" anchor="ctr" wrap="none"/>
-            <a:lstStyle/>
-            <a:p>
-              <a:pPr algn="l" marL="0" marR="0" indent="0">
-                <a:lnSpc>
-                  <a:spcPts val="1120"/>
-                </a:lnSpc>
-                <a:spcBef>
-                  <a:spcPts val="0"/>
-                </a:spcBef>
-                <a:spcAft>
-                  <a:spcPts val="0"/>
-                </a:spcAft>
-              </a:pPr>
-              <a:r>
-                <a:rPr sz="1120">
-                  <a:solidFill>
-                    <a:srgbClr val="000000">
-                      <a:alpha val="100000"/>
-                    </a:srgbClr>
-                  </a:solidFill>
-                  <a:latin typeface="DejaVu Sans"/>
-                  <a:cs typeface="DejaVu Sans"/>
-                </a:rPr>
-                <a:t>4</a:t>
-              </a:r>
-            </a:p>
-          </p:txBody>
-        </p:sp>
-        <p:sp>
-          <p:nvSpPr>
-            <p:cNvPr id="265" name="tx264"/>
+            <p:cNvPr id="257" name="tx256"/>
             <p:cNvSpPr/>
             <p:nvPr/>
           </p:nvSpPr>
@@ -12110,53 +11784,7 @@
         </p:sp>
         <p:sp>
           <p:nvSpPr>
-            <p:cNvPr id="266" name="tx265"/>
-            <p:cNvSpPr/>
-            <p:nvPr/>
-          </p:nvSpPr>
-          <p:spPr>
-            <a:xfrm>
-              <a:off x="2025244" y="5928234"/>
-              <a:ext cx="180994" cy="105568"/>
-            </a:xfrm>
-            <a:prstGeom prst="rect">
-              <a:avLst/>
-            </a:prstGeom>
-            <a:noFill/>
-          </p:spPr>
-          <p:txBody>
-            <a:bodyPr lIns="0" rIns="0" tIns="0" bIns="0" anchorCtr="1" anchor="ctr" wrap="none"/>
-            <a:lstStyle/>
-            <a:p>
-              <a:pPr algn="l" marL="0" marR="0" indent="0">
-                <a:lnSpc>
-                  <a:spcPts val="1120"/>
-                </a:lnSpc>
-                <a:spcBef>
-                  <a:spcPts val="0"/>
-                </a:spcBef>
-                <a:spcAft>
-                  <a:spcPts val="0"/>
-                </a:spcAft>
-              </a:pPr>
-              <a:r>
-                <a:rPr sz="1120">
-                  <a:solidFill>
-                    <a:srgbClr val="000000">
-                      <a:alpha val="100000"/>
-                    </a:srgbClr>
-                  </a:solidFill>
-                  <a:latin typeface="DejaVu Sans"/>
-                  <a:cs typeface="DejaVu Sans"/>
-                </a:rPr>
-                <a:t>12</a:t>
-              </a:r>
-            </a:p>
-          </p:txBody>
-        </p:sp>
-        <p:sp>
-          <p:nvSpPr>
-            <p:cNvPr id="267" name="tx266"/>
+            <p:cNvPr id="258" name="tx257"/>
             <p:cNvSpPr/>
             <p:nvPr/>
           </p:nvSpPr>
@@ -12202,53 +11830,7 @@
         </p:sp>
         <p:sp>
           <p:nvSpPr>
-            <p:cNvPr id="268" name="tx267"/>
-            <p:cNvSpPr/>
-            <p:nvPr/>
-          </p:nvSpPr>
-          <p:spPr>
-            <a:xfrm>
-              <a:off x="2279673" y="5926219"/>
-              <a:ext cx="180994" cy="107582"/>
-            </a:xfrm>
-            <a:prstGeom prst="rect">
-              <a:avLst/>
-            </a:prstGeom>
-            <a:noFill/>
-          </p:spPr>
-          <p:txBody>
-            <a:bodyPr lIns="0" rIns="0" tIns="0" bIns="0" anchorCtr="1" anchor="ctr" wrap="none"/>
-            <a:lstStyle/>
-            <a:p>
-              <a:pPr algn="l" marL="0" marR="0" indent="0">
-                <a:lnSpc>
-                  <a:spcPts val="1120"/>
-                </a:lnSpc>
-                <a:spcBef>
-                  <a:spcPts val="0"/>
-                </a:spcBef>
-                <a:spcAft>
-                  <a:spcPts val="0"/>
-                </a:spcAft>
-              </a:pPr>
-              <a:r>
-                <a:rPr sz="1120">
-                  <a:solidFill>
-                    <a:srgbClr val="000000">
-                      <a:alpha val="100000"/>
-                    </a:srgbClr>
-                  </a:solidFill>
-                  <a:latin typeface="DejaVu Sans"/>
-                  <a:cs typeface="DejaVu Sans"/>
-                </a:rPr>
-                <a:t>20</a:t>
-              </a:r>
-            </a:p>
-          </p:txBody>
-        </p:sp>
-        <p:sp>
-          <p:nvSpPr>
-            <p:cNvPr id="269" name="tx268"/>
+            <p:cNvPr id="259" name="tx258"/>
             <p:cNvSpPr/>
             <p:nvPr/>
           </p:nvSpPr>
@@ -12294,53 +11876,7 @@
         </p:sp>
         <p:sp>
           <p:nvSpPr>
-            <p:cNvPr id="270" name="tx269"/>
-            <p:cNvSpPr/>
-            <p:nvPr/>
-          </p:nvSpPr>
-          <p:spPr>
-            <a:xfrm>
-              <a:off x="2534102" y="5926219"/>
-              <a:ext cx="180994" cy="107582"/>
-            </a:xfrm>
-            <a:prstGeom prst="rect">
-              <a:avLst/>
-            </a:prstGeom>
-            <a:noFill/>
-          </p:spPr>
-          <p:txBody>
-            <a:bodyPr lIns="0" rIns="0" tIns="0" bIns="0" anchorCtr="1" anchor="ctr" wrap="none"/>
-            <a:lstStyle/>
-            <a:p>
-              <a:pPr algn="l" marL="0" marR="0" indent="0">
-                <a:lnSpc>
-                  <a:spcPts val="1120"/>
-                </a:lnSpc>
-                <a:spcBef>
-                  <a:spcPts val="0"/>
-                </a:spcBef>
-                <a:spcAft>
-                  <a:spcPts val="0"/>
-                </a:spcAft>
-              </a:pPr>
-              <a:r>
-                <a:rPr sz="1120">
-                  <a:solidFill>
-                    <a:srgbClr val="000000">
-                      <a:alpha val="100000"/>
-                    </a:srgbClr>
-                  </a:solidFill>
-                  <a:latin typeface="DejaVu Sans"/>
-                  <a:cs typeface="DejaVu Sans"/>
-                </a:rPr>
-                <a:t>28</a:t>
-              </a:r>
-            </a:p>
-          </p:txBody>
-        </p:sp>
-        <p:sp>
-          <p:nvSpPr>
-            <p:cNvPr id="271" name="tx270"/>
+            <p:cNvPr id="260" name="tx259"/>
             <p:cNvSpPr/>
             <p:nvPr/>
           </p:nvSpPr>
@@ -12386,53 +11922,7 @@
         </p:sp>
         <p:sp>
           <p:nvSpPr>
-            <p:cNvPr id="272" name="tx271"/>
-            <p:cNvSpPr/>
-            <p:nvPr/>
-          </p:nvSpPr>
-          <p:spPr>
-            <a:xfrm>
-              <a:off x="2788532" y="5926219"/>
-              <a:ext cx="180994" cy="107582"/>
-            </a:xfrm>
-            <a:prstGeom prst="rect">
-              <a:avLst/>
-            </a:prstGeom>
-            <a:noFill/>
-          </p:spPr>
-          <p:txBody>
-            <a:bodyPr lIns="0" rIns="0" tIns="0" bIns="0" anchorCtr="1" anchor="ctr" wrap="none"/>
-            <a:lstStyle/>
-            <a:p>
-              <a:pPr algn="l" marL="0" marR="0" indent="0">
-                <a:lnSpc>
-                  <a:spcPts val="1120"/>
-                </a:lnSpc>
-                <a:spcBef>
-                  <a:spcPts val="0"/>
-                </a:spcBef>
-                <a:spcAft>
-                  <a:spcPts val="0"/>
-                </a:spcAft>
-              </a:pPr>
-              <a:r>
-                <a:rPr sz="1120">
-                  <a:solidFill>
-                    <a:srgbClr val="000000">
-                      <a:alpha val="100000"/>
-                    </a:srgbClr>
-                  </a:solidFill>
-                  <a:latin typeface="DejaVu Sans"/>
-                  <a:cs typeface="DejaVu Sans"/>
-                </a:rPr>
-                <a:t>36</a:t>
-              </a:r>
-            </a:p>
-          </p:txBody>
-        </p:sp>
-        <p:sp>
-          <p:nvSpPr>
-            <p:cNvPr id="273" name="tx272"/>
+            <p:cNvPr id="261" name="tx260"/>
             <p:cNvSpPr/>
             <p:nvPr/>
           </p:nvSpPr>
@@ -12478,53 +11968,7 @@
         </p:sp>
         <p:sp>
           <p:nvSpPr>
-            <p:cNvPr id="274" name="tx273"/>
-            <p:cNvSpPr/>
-            <p:nvPr/>
-          </p:nvSpPr>
-          <p:spPr>
-            <a:xfrm>
-              <a:off x="3042961" y="5930109"/>
-              <a:ext cx="180994" cy="103693"/>
-            </a:xfrm>
-            <a:prstGeom prst="rect">
-              <a:avLst/>
-            </a:prstGeom>
-            <a:noFill/>
-          </p:spPr>
-          <p:txBody>
-            <a:bodyPr lIns="0" rIns="0" tIns="0" bIns="0" anchorCtr="1" anchor="ctr" wrap="none"/>
-            <a:lstStyle/>
-            <a:p>
-              <a:pPr algn="l" marL="0" marR="0" indent="0">
-                <a:lnSpc>
-                  <a:spcPts val="1120"/>
-                </a:lnSpc>
-                <a:spcBef>
-                  <a:spcPts val="0"/>
-                </a:spcBef>
-                <a:spcAft>
-                  <a:spcPts val="0"/>
-                </a:spcAft>
-              </a:pPr>
-              <a:r>
-                <a:rPr sz="1120">
-                  <a:solidFill>
-                    <a:srgbClr val="000000">
-                      <a:alpha val="100000"/>
-                    </a:srgbClr>
-                  </a:solidFill>
-                  <a:latin typeface="DejaVu Sans"/>
-                  <a:cs typeface="DejaVu Sans"/>
-                </a:rPr>
-                <a:t>44</a:t>
-              </a:r>
-            </a:p>
-          </p:txBody>
-        </p:sp>
-        <p:sp>
-          <p:nvSpPr>
-            <p:cNvPr id="275" name="tx274"/>
+            <p:cNvPr id="262" name="tx261"/>
             <p:cNvSpPr/>
             <p:nvPr/>
           </p:nvSpPr>
@@ -12570,53 +12014,7 @@
         </p:sp>
         <p:sp>
           <p:nvSpPr>
-            <p:cNvPr id="276" name="tx275"/>
-            <p:cNvSpPr/>
-            <p:nvPr/>
-          </p:nvSpPr>
-          <p:spPr>
-            <a:xfrm>
-              <a:off x="3297391" y="5926219"/>
-              <a:ext cx="180994" cy="107582"/>
-            </a:xfrm>
-            <a:prstGeom prst="rect">
-              <a:avLst/>
-            </a:prstGeom>
-            <a:noFill/>
-          </p:spPr>
-          <p:txBody>
-            <a:bodyPr lIns="0" rIns="0" tIns="0" bIns="0" anchorCtr="1" anchor="ctr" wrap="none"/>
-            <a:lstStyle/>
-            <a:p>
-              <a:pPr algn="l" marL="0" marR="0" indent="0">
-                <a:lnSpc>
-                  <a:spcPts val="1120"/>
-                </a:lnSpc>
-                <a:spcBef>
-                  <a:spcPts val="0"/>
-                </a:spcBef>
-                <a:spcAft>
-                  <a:spcPts val="0"/>
-                </a:spcAft>
-              </a:pPr>
-              <a:r>
-                <a:rPr sz="1120">
-                  <a:solidFill>
-                    <a:srgbClr val="000000">
-                      <a:alpha val="100000"/>
-                    </a:srgbClr>
-                  </a:solidFill>
-                  <a:latin typeface="DejaVu Sans"/>
-                  <a:cs typeface="DejaVu Sans"/>
-                </a:rPr>
-                <a:t>52</a:t>
-              </a:r>
-            </a:p>
-          </p:txBody>
-        </p:sp>
-        <p:sp>
-          <p:nvSpPr>
-            <p:cNvPr id="277" name="tx276"/>
+            <p:cNvPr id="263" name="tx262"/>
             <p:cNvSpPr/>
             <p:nvPr/>
           </p:nvSpPr>
@@ -12662,7 +12060,7 @@
         </p:sp>
         <p:sp>
           <p:nvSpPr>
-            <p:cNvPr id="278" name="pl277"/>
+            <p:cNvPr id="264" name="pl263"/>
             <p:cNvSpPr/>
             <p:nvPr/>
           </p:nvSpPr>
@@ -12702,7 +12100,7 @@
         </p:sp>
         <p:sp>
           <p:nvSpPr>
-            <p:cNvPr id="279" name="pl278"/>
+            <p:cNvPr id="265" name="pl264"/>
             <p:cNvSpPr/>
             <p:nvPr/>
           </p:nvSpPr>
@@ -12742,13 +12140,13 @@
         </p:sp>
         <p:sp>
           <p:nvSpPr>
-            <p:cNvPr id="280" name="pl279"/>
-            <p:cNvSpPr/>
-            <p:nvPr/>
-          </p:nvSpPr>
-          <p:spPr>
-            <a:xfrm>
-              <a:off x="3839018" y="5850398"/>
+            <p:cNvPr id="266" name="pl265"/>
+            <p:cNvSpPr/>
+            <p:nvPr/>
+          </p:nvSpPr>
+          <p:spPr>
+            <a:xfrm>
+              <a:off x="3966232" y="5850398"/>
               <a:ext cx="0" cy="44283"/>
             </a:xfrm>
             <a:custGeom>
@@ -12782,13 +12180,13 @@
         </p:sp>
         <p:sp>
           <p:nvSpPr>
-            <p:cNvPr id="281" name="pl280"/>
-            <p:cNvSpPr/>
-            <p:nvPr/>
-          </p:nvSpPr>
-          <p:spPr>
-            <a:xfrm>
-              <a:off x="3966232" y="5850398"/>
+            <p:cNvPr id="267" name="pl266"/>
+            <p:cNvSpPr/>
+            <p:nvPr/>
+          </p:nvSpPr>
+          <p:spPr>
+            <a:xfrm>
+              <a:off x="4220662" y="5850398"/>
               <a:ext cx="0" cy="44283"/>
             </a:xfrm>
             <a:custGeom>
@@ -12822,13 +12220,13 @@
         </p:sp>
         <p:sp>
           <p:nvSpPr>
-            <p:cNvPr id="282" name="pl281"/>
-            <p:cNvSpPr/>
-            <p:nvPr/>
-          </p:nvSpPr>
-          <p:spPr>
-            <a:xfrm>
-              <a:off x="4093447" y="5850398"/>
+            <p:cNvPr id="268" name="pl267"/>
+            <p:cNvSpPr/>
+            <p:nvPr/>
+          </p:nvSpPr>
+          <p:spPr>
+            <a:xfrm>
+              <a:off x="4475091" y="5850398"/>
               <a:ext cx="0" cy="44283"/>
             </a:xfrm>
             <a:custGeom>
@@ -12862,13 +12260,13 @@
         </p:sp>
         <p:sp>
           <p:nvSpPr>
-            <p:cNvPr id="283" name="pl282"/>
-            <p:cNvSpPr/>
-            <p:nvPr/>
-          </p:nvSpPr>
-          <p:spPr>
-            <a:xfrm>
-              <a:off x="4220662" y="5850398"/>
+            <p:cNvPr id="269" name="pl268"/>
+            <p:cNvSpPr/>
+            <p:nvPr/>
+          </p:nvSpPr>
+          <p:spPr>
+            <a:xfrm>
+              <a:off x="4729521" y="5850398"/>
               <a:ext cx="0" cy="44283"/>
             </a:xfrm>
             <a:custGeom>
@@ -12902,13 +12300,13 @@
         </p:sp>
         <p:sp>
           <p:nvSpPr>
-            <p:cNvPr id="284" name="pl283"/>
-            <p:cNvSpPr/>
-            <p:nvPr/>
-          </p:nvSpPr>
-          <p:spPr>
-            <a:xfrm>
-              <a:off x="4347877" y="5850398"/>
+            <p:cNvPr id="270" name="pl269"/>
+            <p:cNvSpPr/>
+            <p:nvPr/>
+          </p:nvSpPr>
+          <p:spPr>
+            <a:xfrm>
+              <a:off x="4983950" y="5850398"/>
               <a:ext cx="0" cy="44283"/>
             </a:xfrm>
             <a:custGeom>
@@ -12942,13 +12340,13 @@
         </p:sp>
         <p:sp>
           <p:nvSpPr>
-            <p:cNvPr id="285" name="pl284"/>
-            <p:cNvSpPr/>
-            <p:nvPr/>
-          </p:nvSpPr>
-          <p:spPr>
-            <a:xfrm>
-              <a:off x="4475091" y="5850398"/>
+            <p:cNvPr id="271" name="pl270"/>
+            <p:cNvSpPr/>
+            <p:nvPr/>
+          </p:nvSpPr>
+          <p:spPr>
+            <a:xfrm>
+              <a:off x="5238379" y="5850398"/>
               <a:ext cx="0" cy="44283"/>
             </a:xfrm>
             <a:custGeom>
@@ -12982,13 +12380,13 @@
         </p:sp>
         <p:sp>
           <p:nvSpPr>
-            <p:cNvPr id="286" name="pl285"/>
-            <p:cNvSpPr/>
-            <p:nvPr/>
-          </p:nvSpPr>
-          <p:spPr>
-            <a:xfrm>
-              <a:off x="4602306" y="5850398"/>
+            <p:cNvPr id="272" name="pl271"/>
+            <p:cNvSpPr/>
+            <p:nvPr/>
+          </p:nvSpPr>
+          <p:spPr>
+            <a:xfrm>
+              <a:off x="5492809" y="5850398"/>
               <a:ext cx="0" cy="44283"/>
             </a:xfrm>
             <a:custGeom>
@@ -13022,287 +12420,7 @@
         </p:sp>
         <p:sp>
           <p:nvSpPr>
-            <p:cNvPr id="287" name="pl286"/>
-            <p:cNvSpPr/>
-            <p:nvPr/>
-          </p:nvSpPr>
-          <p:spPr>
-            <a:xfrm>
-              <a:off x="4729521" y="5850398"/>
-              <a:ext cx="0" cy="44283"/>
-            </a:xfrm>
-            <a:custGeom>
-              <a:avLst/>
-              <a:pathLst>
-                <a:path w="0" h="44283">
-                  <a:moveTo>
-                    <a:pt x="0" y="44283"/>
-                  </a:moveTo>
-                  <a:lnTo>
-                    <a:pt x="0" y="0"/>
-                  </a:lnTo>
-                </a:path>
-              </a:pathLst>
-            </a:custGeom>
-            <a:ln w="17246" cap="flat">
-              <a:solidFill>
-                <a:srgbClr val="000000">
-                  <a:alpha val="100000"/>
-                </a:srgbClr>
-              </a:solidFill>
-              <a:prstDash val="solid"/>
-              <a:round/>
-            </a:ln>
-          </p:spPr>
-          <p:txBody>
-            <a:bodyPr/>
-            <a:lstStyle/>
-            <a:p/>
-          </p:txBody>
-        </p:sp>
-        <p:sp>
-          <p:nvSpPr>
-            <p:cNvPr id="288" name="pl287"/>
-            <p:cNvSpPr/>
-            <p:nvPr/>
-          </p:nvSpPr>
-          <p:spPr>
-            <a:xfrm>
-              <a:off x="4856735" y="5850398"/>
-              <a:ext cx="0" cy="44283"/>
-            </a:xfrm>
-            <a:custGeom>
-              <a:avLst/>
-              <a:pathLst>
-                <a:path w="0" h="44283">
-                  <a:moveTo>
-                    <a:pt x="0" y="44283"/>
-                  </a:moveTo>
-                  <a:lnTo>
-                    <a:pt x="0" y="0"/>
-                  </a:lnTo>
-                </a:path>
-              </a:pathLst>
-            </a:custGeom>
-            <a:ln w="17246" cap="flat">
-              <a:solidFill>
-                <a:srgbClr val="000000">
-                  <a:alpha val="100000"/>
-                </a:srgbClr>
-              </a:solidFill>
-              <a:prstDash val="solid"/>
-              <a:round/>
-            </a:ln>
-          </p:spPr>
-          <p:txBody>
-            <a:bodyPr/>
-            <a:lstStyle/>
-            <a:p/>
-          </p:txBody>
-        </p:sp>
-        <p:sp>
-          <p:nvSpPr>
-            <p:cNvPr id="289" name="pl288"/>
-            <p:cNvSpPr/>
-            <p:nvPr/>
-          </p:nvSpPr>
-          <p:spPr>
-            <a:xfrm>
-              <a:off x="4983950" y="5850398"/>
-              <a:ext cx="0" cy="44283"/>
-            </a:xfrm>
-            <a:custGeom>
-              <a:avLst/>
-              <a:pathLst>
-                <a:path w="0" h="44283">
-                  <a:moveTo>
-                    <a:pt x="0" y="44283"/>
-                  </a:moveTo>
-                  <a:lnTo>
-                    <a:pt x="0" y="0"/>
-                  </a:lnTo>
-                </a:path>
-              </a:pathLst>
-            </a:custGeom>
-            <a:ln w="17246" cap="flat">
-              <a:solidFill>
-                <a:srgbClr val="000000">
-                  <a:alpha val="100000"/>
-                </a:srgbClr>
-              </a:solidFill>
-              <a:prstDash val="solid"/>
-              <a:round/>
-            </a:ln>
-          </p:spPr>
-          <p:txBody>
-            <a:bodyPr/>
-            <a:lstStyle/>
-            <a:p/>
-          </p:txBody>
-        </p:sp>
-        <p:sp>
-          <p:nvSpPr>
-            <p:cNvPr id="290" name="pl289"/>
-            <p:cNvSpPr/>
-            <p:nvPr/>
-          </p:nvSpPr>
-          <p:spPr>
-            <a:xfrm>
-              <a:off x="5111165" y="5850398"/>
-              <a:ext cx="0" cy="44283"/>
-            </a:xfrm>
-            <a:custGeom>
-              <a:avLst/>
-              <a:pathLst>
-                <a:path w="0" h="44283">
-                  <a:moveTo>
-                    <a:pt x="0" y="44283"/>
-                  </a:moveTo>
-                  <a:lnTo>
-                    <a:pt x="0" y="0"/>
-                  </a:lnTo>
-                </a:path>
-              </a:pathLst>
-            </a:custGeom>
-            <a:ln w="17246" cap="flat">
-              <a:solidFill>
-                <a:srgbClr val="000000">
-                  <a:alpha val="100000"/>
-                </a:srgbClr>
-              </a:solidFill>
-              <a:prstDash val="solid"/>
-              <a:round/>
-            </a:ln>
-          </p:spPr>
-          <p:txBody>
-            <a:bodyPr/>
-            <a:lstStyle/>
-            <a:p/>
-          </p:txBody>
-        </p:sp>
-        <p:sp>
-          <p:nvSpPr>
-            <p:cNvPr id="291" name="pl290"/>
-            <p:cNvSpPr/>
-            <p:nvPr/>
-          </p:nvSpPr>
-          <p:spPr>
-            <a:xfrm>
-              <a:off x="5238379" y="5850398"/>
-              <a:ext cx="0" cy="44283"/>
-            </a:xfrm>
-            <a:custGeom>
-              <a:avLst/>
-              <a:pathLst>
-                <a:path w="0" h="44283">
-                  <a:moveTo>
-                    <a:pt x="0" y="44283"/>
-                  </a:moveTo>
-                  <a:lnTo>
-                    <a:pt x="0" y="0"/>
-                  </a:lnTo>
-                </a:path>
-              </a:pathLst>
-            </a:custGeom>
-            <a:ln w="17246" cap="flat">
-              <a:solidFill>
-                <a:srgbClr val="000000">
-                  <a:alpha val="100000"/>
-                </a:srgbClr>
-              </a:solidFill>
-              <a:prstDash val="solid"/>
-              <a:round/>
-            </a:ln>
-          </p:spPr>
-          <p:txBody>
-            <a:bodyPr/>
-            <a:lstStyle/>
-            <a:p/>
-          </p:txBody>
-        </p:sp>
-        <p:sp>
-          <p:nvSpPr>
-            <p:cNvPr id="292" name="pl291"/>
-            <p:cNvSpPr/>
-            <p:nvPr/>
-          </p:nvSpPr>
-          <p:spPr>
-            <a:xfrm>
-              <a:off x="5365594" y="5850398"/>
-              <a:ext cx="0" cy="44283"/>
-            </a:xfrm>
-            <a:custGeom>
-              <a:avLst/>
-              <a:pathLst>
-                <a:path w="0" h="44283">
-                  <a:moveTo>
-                    <a:pt x="0" y="44283"/>
-                  </a:moveTo>
-                  <a:lnTo>
-                    <a:pt x="0" y="0"/>
-                  </a:lnTo>
-                </a:path>
-              </a:pathLst>
-            </a:custGeom>
-            <a:ln w="17246" cap="flat">
-              <a:solidFill>
-                <a:srgbClr val="000000">
-                  <a:alpha val="100000"/>
-                </a:srgbClr>
-              </a:solidFill>
-              <a:prstDash val="solid"/>
-              <a:round/>
-            </a:ln>
-          </p:spPr>
-          <p:txBody>
-            <a:bodyPr/>
-            <a:lstStyle/>
-            <a:p/>
-          </p:txBody>
-        </p:sp>
-        <p:sp>
-          <p:nvSpPr>
-            <p:cNvPr id="293" name="pl292"/>
-            <p:cNvSpPr/>
-            <p:nvPr/>
-          </p:nvSpPr>
-          <p:spPr>
-            <a:xfrm>
-              <a:off x="5492809" y="5850398"/>
-              <a:ext cx="0" cy="44283"/>
-            </a:xfrm>
-            <a:custGeom>
-              <a:avLst/>
-              <a:pathLst>
-                <a:path w="0" h="44283">
-                  <a:moveTo>
-                    <a:pt x="0" y="44283"/>
-                  </a:moveTo>
-                  <a:lnTo>
-                    <a:pt x="0" y="0"/>
-                  </a:lnTo>
-                </a:path>
-              </a:pathLst>
-            </a:custGeom>
-            <a:ln w="17246" cap="flat">
-              <a:solidFill>
-                <a:srgbClr val="000000">
-                  <a:alpha val="100000"/>
-                </a:srgbClr>
-              </a:solidFill>
-              <a:prstDash val="solid"/>
-              <a:round/>
-            </a:ln>
-          </p:spPr>
-          <p:txBody>
-            <a:bodyPr/>
-            <a:lstStyle/>
-            <a:p/>
-          </p:txBody>
-        </p:sp>
-        <p:sp>
-          <p:nvSpPr>
-            <p:cNvPr id="294" name="tx293"/>
+            <p:cNvPr id="273" name="tx272"/>
             <p:cNvSpPr/>
             <p:nvPr/>
           </p:nvSpPr>
@@ -13348,53 +12466,7 @@
         </p:sp>
         <p:sp>
           <p:nvSpPr>
-            <p:cNvPr id="295" name="tx294"/>
-            <p:cNvSpPr/>
-            <p:nvPr/>
-          </p:nvSpPr>
-          <p:spPr>
-            <a:xfrm>
-              <a:off x="3793769" y="5930109"/>
-              <a:ext cx="90497" cy="103693"/>
-            </a:xfrm>
-            <a:prstGeom prst="rect">
-              <a:avLst/>
-            </a:prstGeom>
-            <a:noFill/>
-          </p:spPr>
-          <p:txBody>
-            <a:bodyPr lIns="0" rIns="0" tIns="0" bIns="0" anchorCtr="1" anchor="ctr" wrap="none"/>
-            <a:lstStyle/>
-            <a:p>
-              <a:pPr algn="l" marL="0" marR="0" indent="0">
-                <a:lnSpc>
-                  <a:spcPts val="1120"/>
-                </a:lnSpc>
-                <a:spcBef>
-                  <a:spcPts val="0"/>
-                </a:spcBef>
-                <a:spcAft>
-                  <a:spcPts val="0"/>
-                </a:spcAft>
-              </a:pPr>
-              <a:r>
-                <a:rPr sz="1120">
-                  <a:solidFill>
-                    <a:srgbClr val="000000">
-                      <a:alpha val="100000"/>
-                    </a:srgbClr>
-                  </a:solidFill>
-                  <a:latin typeface="DejaVu Sans"/>
-                  <a:cs typeface="DejaVu Sans"/>
-                </a:rPr>
-                <a:t>4</a:t>
-              </a:r>
-            </a:p>
-          </p:txBody>
-        </p:sp>
-        <p:sp>
-          <p:nvSpPr>
-            <p:cNvPr id="296" name="tx295"/>
+            <p:cNvPr id="274" name="tx273"/>
             <p:cNvSpPr/>
             <p:nvPr/>
           </p:nvSpPr>
@@ -13440,53 +12512,7 @@
         </p:sp>
         <p:sp>
           <p:nvSpPr>
-            <p:cNvPr id="297" name="tx296"/>
-            <p:cNvSpPr/>
-            <p:nvPr/>
-          </p:nvSpPr>
-          <p:spPr>
-            <a:xfrm>
-              <a:off x="4002950" y="5928234"/>
-              <a:ext cx="180994" cy="105568"/>
-            </a:xfrm>
-            <a:prstGeom prst="rect">
-              <a:avLst/>
-            </a:prstGeom>
-            <a:noFill/>
-          </p:spPr>
-          <p:txBody>
-            <a:bodyPr lIns="0" rIns="0" tIns="0" bIns="0" anchorCtr="1" anchor="ctr" wrap="none"/>
-            <a:lstStyle/>
-            <a:p>
-              <a:pPr algn="l" marL="0" marR="0" indent="0">
-                <a:lnSpc>
-                  <a:spcPts val="1120"/>
-                </a:lnSpc>
-                <a:spcBef>
-                  <a:spcPts val="0"/>
-                </a:spcBef>
-                <a:spcAft>
-                  <a:spcPts val="0"/>
-                </a:spcAft>
-              </a:pPr>
-              <a:r>
-                <a:rPr sz="1120">
-                  <a:solidFill>
-                    <a:srgbClr val="000000">
-                      <a:alpha val="100000"/>
-                    </a:srgbClr>
-                  </a:solidFill>
-                  <a:latin typeface="DejaVu Sans"/>
-                  <a:cs typeface="DejaVu Sans"/>
-                </a:rPr>
-                <a:t>12</a:t>
-              </a:r>
-            </a:p>
-          </p:txBody>
-        </p:sp>
-        <p:sp>
-          <p:nvSpPr>
-            <p:cNvPr id="298" name="tx297"/>
+            <p:cNvPr id="275" name="tx274"/>
             <p:cNvSpPr/>
             <p:nvPr/>
           </p:nvSpPr>
@@ -13532,53 +12558,7 @@
         </p:sp>
         <p:sp>
           <p:nvSpPr>
-            <p:cNvPr id="299" name="tx298"/>
-            <p:cNvSpPr/>
-            <p:nvPr/>
-          </p:nvSpPr>
-          <p:spPr>
-            <a:xfrm>
-              <a:off x="4257379" y="5926219"/>
-              <a:ext cx="180994" cy="107582"/>
-            </a:xfrm>
-            <a:prstGeom prst="rect">
-              <a:avLst/>
-            </a:prstGeom>
-            <a:noFill/>
-          </p:spPr>
-          <p:txBody>
-            <a:bodyPr lIns="0" rIns="0" tIns="0" bIns="0" anchorCtr="1" anchor="ctr" wrap="none"/>
-            <a:lstStyle/>
-            <a:p>
-              <a:pPr algn="l" marL="0" marR="0" indent="0">
-                <a:lnSpc>
-                  <a:spcPts val="1120"/>
-                </a:lnSpc>
-                <a:spcBef>
-                  <a:spcPts val="0"/>
-                </a:spcBef>
-                <a:spcAft>
-                  <a:spcPts val="0"/>
-                </a:spcAft>
-              </a:pPr>
-              <a:r>
-                <a:rPr sz="1120">
-                  <a:solidFill>
-                    <a:srgbClr val="000000">
-                      <a:alpha val="100000"/>
-                    </a:srgbClr>
-                  </a:solidFill>
-                  <a:latin typeface="DejaVu Sans"/>
-                  <a:cs typeface="DejaVu Sans"/>
-                </a:rPr>
-                <a:t>20</a:t>
-              </a:r>
-            </a:p>
-          </p:txBody>
-        </p:sp>
-        <p:sp>
-          <p:nvSpPr>
-            <p:cNvPr id="300" name="tx299"/>
+            <p:cNvPr id="276" name="tx275"/>
             <p:cNvSpPr/>
             <p:nvPr/>
           </p:nvSpPr>
@@ -13624,53 +12604,7 @@
         </p:sp>
         <p:sp>
           <p:nvSpPr>
-            <p:cNvPr id="301" name="tx300"/>
-            <p:cNvSpPr/>
-            <p:nvPr/>
-          </p:nvSpPr>
-          <p:spPr>
-            <a:xfrm>
-              <a:off x="4511809" y="5926219"/>
-              <a:ext cx="180994" cy="107582"/>
-            </a:xfrm>
-            <a:prstGeom prst="rect">
-              <a:avLst/>
-            </a:prstGeom>
-            <a:noFill/>
-          </p:spPr>
-          <p:txBody>
-            <a:bodyPr lIns="0" rIns="0" tIns="0" bIns="0" anchorCtr="1" anchor="ctr" wrap="none"/>
-            <a:lstStyle/>
-            <a:p>
-              <a:pPr algn="l" marL="0" marR="0" indent="0">
-                <a:lnSpc>
-                  <a:spcPts val="1120"/>
-                </a:lnSpc>
-                <a:spcBef>
-                  <a:spcPts val="0"/>
-                </a:spcBef>
-                <a:spcAft>
-                  <a:spcPts val="0"/>
-                </a:spcAft>
-              </a:pPr>
-              <a:r>
-                <a:rPr sz="1120">
-                  <a:solidFill>
-                    <a:srgbClr val="000000">
-                      <a:alpha val="100000"/>
-                    </a:srgbClr>
-                  </a:solidFill>
-                  <a:latin typeface="DejaVu Sans"/>
-                  <a:cs typeface="DejaVu Sans"/>
-                </a:rPr>
-                <a:t>28</a:t>
-              </a:r>
-            </a:p>
-          </p:txBody>
-        </p:sp>
-        <p:sp>
-          <p:nvSpPr>
-            <p:cNvPr id="302" name="tx301"/>
+            <p:cNvPr id="277" name="tx276"/>
             <p:cNvSpPr/>
             <p:nvPr/>
           </p:nvSpPr>
@@ -13716,53 +12650,7 @@
         </p:sp>
         <p:sp>
           <p:nvSpPr>
-            <p:cNvPr id="303" name="tx302"/>
-            <p:cNvSpPr/>
-            <p:nvPr/>
-          </p:nvSpPr>
-          <p:spPr>
-            <a:xfrm>
-              <a:off x="4766238" y="5926219"/>
-              <a:ext cx="180994" cy="107582"/>
-            </a:xfrm>
-            <a:prstGeom prst="rect">
-              <a:avLst/>
-            </a:prstGeom>
-            <a:noFill/>
-          </p:spPr>
-          <p:txBody>
-            <a:bodyPr lIns="0" rIns="0" tIns="0" bIns="0" anchorCtr="1" anchor="ctr" wrap="none"/>
-            <a:lstStyle/>
-            <a:p>
-              <a:pPr algn="l" marL="0" marR="0" indent="0">
-                <a:lnSpc>
-                  <a:spcPts val="1120"/>
-                </a:lnSpc>
-                <a:spcBef>
-                  <a:spcPts val="0"/>
-                </a:spcBef>
-                <a:spcAft>
-                  <a:spcPts val="0"/>
-                </a:spcAft>
-              </a:pPr>
-              <a:r>
-                <a:rPr sz="1120">
-                  <a:solidFill>
-                    <a:srgbClr val="000000">
-                      <a:alpha val="100000"/>
-                    </a:srgbClr>
-                  </a:solidFill>
-                  <a:latin typeface="DejaVu Sans"/>
-                  <a:cs typeface="DejaVu Sans"/>
-                </a:rPr>
-                <a:t>36</a:t>
-              </a:r>
-            </a:p>
-          </p:txBody>
-        </p:sp>
-        <p:sp>
-          <p:nvSpPr>
-            <p:cNvPr id="304" name="tx303"/>
+            <p:cNvPr id="278" name="tx277"/>
             <p:cNvSpPr/>
             <p:nvPr/>
           </p:nvSpPr>
@@ -13808,53 +12696,7 @@
         </p:sp>
         <p:sp>
           <p:nvSpPr>
-            <p:cNvPr id="305" name="tx304"/>
-            <p:cNvSpPr/>
-            <p:nvPr/>
-          </p:nvSpPr>
-          <p:spPr>
-            <a:xfrm>
-              <a:off x="5020667" y="5930109"/>
-              <a:ext cx="180994" cy="103693"/>
-            </a:xfrm>
-            <a:prstGeom prst="rect">
-              <a:avLst/>
-            </a:prstGeom>
-            <a:noFill/>
-          </p:spPr>
-          <p:txBody>
-            <a:bodyPr lIns="0" rIns="0" tIns="0" bIns="0" anchorCtr="1" anchor="ctr" wrap="none"/>
-            <a:lstStyle/>
-            <a:p>
-              <a:pPr algn="l" marL="0" marR="0" indent="0">
-                <a:lnSpc>
-                  <a:spcPts val="1120"/>
-                </a:lnSpc>
-                <a:spcBef>
-                  <a:spcPts val="0"/>
-                </a:spcBef>
-                <a:spcAft>
-                  <a:spcPts val="0"/>
-                </a:spcAft>
-              </a:pPr>
-              <a:r>
-                <a:rPr sz="1120">
-                  <a:solidFill>
-                    <a:srgbClr val="000000">
-                      <a:alpha val="100000"/>
-                    </a:srgbClr>
-                  </a:solidFill>
-                  <a:latin typeface="DejaVu Sans"/>
-                  <a:cs typeface="DejaVu Sans"/>
-                </a:rPr>
-                <a:t>44</a:t>
-              </a:r>
-            </a:p>
-          </p:txBody>
-        </p:sp>
-        <p:sp>
-          <p:nvSpPr>
-            <p:cNvPr id="306" name="tx305"/>
+            <p:cNvPr id="279" name="tx278"/>
             <p:cNvSpPr/>
             <p:nvPr/>
           </p:nvSpPr>
@@ -13900,53 +12742,7 @@
         </p:sp>
         <p:sp>
           <p:nvSpPr>
-            <p:cNvPr id="307" name="tx306"/>
-            <p:cNvSpPr/>
-            <p:nvPr/>
-          </p:nvSpPr>
-          <p:spPr>
-            <a:xfrm>
-              <a:off x="5275097" y="5926219"/>
-              <a:ext cx="180994" cy="107582"/>
-            </a:xfrm>
-            <a:prstGeom prst="rect">
-              <a:avLst/>
-            </a:prstGeom>
-            <a:noFill/>
-          </p:spPr>
-          <p:txBody>
-            <a:bodyPr lIns="0" rIns="0" tIns="0" bIns="0" anchorCtr="1" anchor="ctr" wrap="none"/>
-            <a:lstStyle/>
-            <a:p>
-              <a:pPr algn="l" marL="0" marR="0" indent="0">
-                <a:lnSpc>
-                  <a:spcPts val="1120"/>
-                </a:lnSpc>
-                <a:spcBef>
-                  <a:spcPts val="0"/>
-                </a:spcBef>
-                <a:spcAft>
-                  <a:spcPts val="0"/>
-                </a:spcAft>
-              </a:pPr>
-              <a:r>
-                <a:rPr sz="1120">
-                  <a:solidFill>
-                    <a:srgbClr val="000000">
-                      <a:alpha val="100000"/>
-                    </a:srgbClr>
-                  </a:solidFill>
-                  <a:latin typeface="DejaVu Sans"/>
-                  <a:cs typeface="DejaVu Sans"/>
-                </a:rPr>
-                <a:t>52</a:t>
-              </a:r>
-            </a:p>
-          </p:txBody>
-        </p:sp>
-        <p:sp>
-          <p:nvSpPr>
-            <p:cNvPr id="308" name="tx307"/>
+            <p:cNvPr id="280" name="tx279"/>
             <p:cNvSpPr/>
             <p:nvPr/>
           </p:nvSpPr>
@@ -13992,7 +12788,7 @@
         </p:sp>
         <p:sp>
           <p:nvSpPr>
-            <p:cNvPr id="309" name="pl308"/>
+            <p:cNvPr id="281" name="pl280"/>
             <p:cNvSpPr/>
             <p:nvPr/>
           </p:nvSpPr>
@@ -14032,7 +12828,7 @@
         </p:sp>
         <p:sp>
           <p:nvSpPr>
-            <p:cNvPr id="310" name="tx309"/>
+            <p:cNvPr id="282" name="tx281"/>
             <p:cNvSpPr/>
             <p:nvPr/>
           </p:nvSpPr>
@@ -14078,7 +12874,7 @@
         </p:sp>
         <p:sp>
           <p:nvSpPr>
-            <p:cNvPr id="311" name="tx310"/>
+            <p:cNvPr id="283" name="tx282"/>
             <p:cNvSpPr/>
             <p:nvPr/>
           </p:nvSpPr>
@@ -14124,7 +12920,7 @@
         </p:sp>
         <p:sp>
           <p:nvSpPr>
-            <p:cNvPr id="312" name="tx311"/>
+            <p:cNvPr id="284" name="tx283"/>
             <p:cNvSpPr/>
             <p:nvPr/>
           </p:nvSpPr>
@@ -14170,7 +12966,7 @@
         </p:sp>
         <p:sp>
           <p:nvSpPr>
-            <p:cNvPr id="313" name="tx312"/>
+            <p:cNvPr id="285" name="tx284"/>
             <p:cNvSpPr/>
             <p:nvPr/>
           </p:nvSpPr>
@@ -14216,7 +13012,7 @@
         </p:sp>
         <p:sp>
           <p:nvSpPr>
-            <p:cNvPr id="314" name="tx313"/>
+            <p:cNvPr id="286" name="tx285"/>
             <p:cNvSpPr/>
             <p:nvPr/>
           </p:nvSpPr>
@@ -14262,7 +13058,7 @@
         </p:sp>
         <p:sp>
           <p:nvSpPr>
-            <p:cNvPr id="315" name="tx314"/>
+            <p:cNvPr id="287" name="tx286"/>
             <p:cNvSpPr/>
             <p:nvPr/>
           </p:nvSpPr>
@@ -14308,7 +13104,7 @@
         </p:sp>
         <p:sp>
           <p:nvSpPr>
-            <p:cNvPr id="316" name="pl315"/>
+            <p:cNvPr id="288" name="pl287"/>
             <p:cNvSpPr/>
             <p:nvPr/>
           </p:nvSpPr>
@@ -14348,7 +13144,7 @@
         </p:sp>
         <p:sp>
           <p:nvSpPr>
-            <p:cNvPr id="317" name="pl316"/>
+            <p:cNvPr id="289" name="pl288"/>
             <p:cNvSpPr/>
             <p:nvPr/>
           </p:nvSpPr>
@@ -14388,7 +13184,7 @@
         </p:sp>
         <p:sp>
           <p:nvSpPr>
-            <p:cNvPr id="318" name="pl317"/>
+            <p:cNvPr id="290" name="pl289"/>
             <p:cNvSpPr/>
             <p:nvPr/>
           </p:nvSpPr>
@@ -14428,7 +13224,7 @@
         </p:sp>
         <p:sp>
           <p:nvSpPr>
-            <p:cNvPr id="319" name="pl318"/>
+            <p:cNvPr id="291" name="pl290"/>
             <p:cNvSpPr/>
             <p:nvPr/>
           </p:nvSpPr>
@@ -14468,7 +13264,7 @@
         </p:sp>
         <p:sp>
           <p:nvSpPr>
-            <p:cNvPr id="320" name="pl319"/>
+            <p:cNvPr id="292" name="pl291"/>
             <p:cNvSpPr/>
             <p:nvPr/>
           </p:nvSpPr>
@@ -14508,7 +13304,7 @@
         </p:sp>
         <p:sp>
           <p:nvSpPr>
-            <p:cNvPr id="321" name="pl320"/>
+            <p:cNvPr id="293" name="pl292"/>
             <p:cNvSpPr/>
             <p:nvPr/>
           </p:nvSpPr>
@@ -14548,7 +13344,7 @@
         </p:sp>
         <p:sp>
           <p:nvSpPr>
-            <p:cNvPr id="322" name="pl321"/>
+            <p:cNvPr id="294" name="pl293"/>
             <p:cNvSpPr/>
             <p:nvPr/>
           </p:nvSpPr>
@@ -14588,7 +13384,7 @@
         </p:sp>
         <p:sp>
           <p:nvSpPr>
-            <p:cNvPr id="323" name="tx322"/>
+            <p:cNvPr id="295" name="tx294"/>
             <p:cNvSpPr/>
             <p:nvPr/>
           </p:nvSpPr>
@@ -14634,7 +13430,7 @@
         </p:sp>
         <p:sp>
           <p:nvSpPr>
-            <p:cNvPr id="324" name="tx323"/>
+            <p:cNvPr id="296" name="tx295"/>
             <p:cNvSpPr/>
             <p:nvPr/>
           </p:nvSpPr>
@@ -14680,7 +13476,7 @@
         </p:sp>
         <p:sp>
           <p:nvSpPr>
-            <p:cNvPr id="325" name="tx324"/>
+            <p:cNvPr id="297" name="tx296"/>
             <p:cNvSpPr/>
             <p:nvPr/>
           </p:nvSpPr>
@@ -14726,7 +13522,7 @@
         </p:sp>
         <p:sp>
           <p:nvSpPr>
-            <p:cNvPr id="326" name="tx325"/>
+            <p:cNvPr id="298" name="tx297"/>
             <p:cNvSpPr/>
             <p:nvPr/>
           </p:nvSpPr>
@@ -14772,7 +13568,7 @@
         </p:sp>
         <p:sp>
           <p:nvSpPr>
-            <p:cNvPr id="327" name="tx326"/>
+            <p:cNvPr id="299" name="tx298"/>
             <p:cNvSpPr/>
             <p:nvPr/>
           </p:nvSpPr>
@@ -14818,7 +13614,7 @@
         </p:sp>
         <p:sp>
           <p:nvSpPr>
-            <p:cNvPr id="328" name="tx327"/>
+            <p:cNvPr id="300" name="tx299"/>
             <p:cNvSpPr/>
             <p:nvPr/>
           </p:nvSpPr>
@@ -14864,7 +13660,7 @@
         </p:sp>
         <p:sp>
           <p:nvSpPr>
-            <p:cNvPr id="329" name="pl328"/>
+            <p:cNvPr id="301" name="pl300"/>
             <p:cNvSpPr/>
             <p:nvPr/>
           </p:nvSpPr>
@@ -14904,7 +13700,7 @@
         </p:sp>
         <p:sp>
           <p:nvSpPr>
-            <p:cNvPr id="330" name="pl329"/>
+            <p:cNvPr id="302" name="pl301"/>
             <p:cNvSpPr/>
             <p:nvPr/>
           </p:nvSpPr>
@@ -14944,7 +13740,7 @@
         </p:sp>
         <p:sp>
           <p:nvSpPr>
-            <p:cNvPr id="331" name="pl330"/>
+            <p:cNvPr id="303" name="pl302"/>
             <p:cNvSpPr/>
             <p:nvPr/>
           </p:nvSpPr>
@@ -14984,7 +13780,7 @@
         </p:sp>
         <p:sp>
           <p:nvSpPr>
-            <p:cNvPr id="332" name="pl331"/>
+            <p:cNvPr id="304" name="pl303"/>
             <p:cNvSpPr/>
             <p:nvPr/>
           </p:nvSpPr>
@@ -15024,7 +13820,7 @@
         </p:sp>
         <p:sp>
           <p:nvSpPr>
-            <p:cNvPr id="333" name="pl332"/>
+            <p:cNvPr id="305" name="pl304"/>
             <p:cNvSpPr/>
             <p:nvPr/>
           </p:nvSpPr>
@@ -15064,7 +13860,7 @@
         </p:sp>
         <p:sp>
           <p:nvSpPr>
-            <p:cNvPr id="334" name="pl333"/>
+            <p:cNvPr id="306" name="pl305"/>
             <p:cNvSpPr/>
             <p:nvPr/>
           </p:nvSpPr>
@@ -15104,7 +13900,7 @@
         </p:sp>
         <p:sp>
           <p:nvSpPr>
-            <p:cNvPr id="335" name="tx334"/>
+            <p:cNvPr id="307" name="tx306"/>
             <p:cNvSpPr/>
             <p:nvPr/>
           </p:nvSpPr>
@@ -15150,7 +13946,7 @@
         </p:sp>
         <p:sp>
           <p:nvSpPr>
-            <p:cNvPr id="336" name="tx335"/>
+            <p:cNvPr id="308" name="tx307"/>
             <p:cNvSpPr/>
             <p:nvPr/>
           </p:nvSpPr>
@@ -15196,7 +13992,7 @@
         </p:sp>
         <p:sp>
           <p:nvSpPr>
-            <p:cNvPr id="337" name="rc336"/>
+            <p:cNvPr id="309" name="rc308"/>
             <p:cNvSpPr/>
             <p:nvPr/>
           </p:nvSpPr>
@@ -15222,7 +14018,7 @@
         </p:sp>
         <p:sp>
           <p:nvSpPr>
-            <p:cNvPr id="338" name="tx337"/>
+            <p:cNvPr id="310" name="tx309"/>
             <p:cNvSpPr/>
             <p:nvPr/>
           </p:nvSpPr>
@@ -15268,7 +14064,7 @@
         </p:sp>
         <p:sp>
           <p:nvSpPr>
-            <p:cNvPr id="339" name="pl338"/>
+            <p:cNvPr id="311" name="pl310"/>
             <p:cNvSpPr/>
             <p:nvPr/>
           </p:nvSpPr>
@@ -15308,7 +14104,7 @@
         </p:sp>
         <p:sp>
           <p:nvSpPr>
-            <p:cNvPr id="340" name="pt339"/>
+            <p:cNvPr id="312" name="pt311"/>
             <p:cNvSpPr/>
             <p:nvPr/>
           </p:nvSpPr>
@@ -15343,7 +14139,7 @@
         </p:sp>
         <p:sp>
           <p:nvSpPr>
-            <p:cNvPr id="341" name="pl340"/>
+            <p:cNvPr id="313" name="pl312"/>
             <p:cNvSpPr/>
             <p:nvPr/>
           </p:nvSpPr>
@@ -15383,7 +14179,7 @@
         </p:sp>
         <p:sp>
           <p:nvSpPr>
-            <p:cNvPr id="342" name="pt341"/>
+            <p:cNvPr id="314" name="pt313"/>
             <p:cNvSpPr/>
             <p:nvPr/>
           </p:nvSpPr>
@@ -15418,7 +14214,7 @@
         </p:sp>
         <p:sp>
           <p:nvSpPr>
-            <p:cNvPr id="343" name="pl342"/>
+            <p:cNvPr id="315" name="pl314"/>
             <p:cNvSpPr/>
             <p:nvPr/>
           </p:nvSpPr>
@@ -15458,7 +14254,7 @@
         </p:sp>
         <p:sp>
           <p:nvSpPr>
-            <p:cNvPr id="344" name="pt343"/>
+            <p:cNvPr id="316" name="pt315"/>
             <p:cNvSpPr/>
             <p:nvPr/>
           </p:nvSpPr>
@@ -15493,7 +14289,7 @@
         </p:sp>
         <p:sp>
           <p:nvSpPr>
-            <p:cNvPr id="345" name="pl344"/>
+            <p:cNvPr id="317" name="pl316"/>
             <p:cNvSpPr/>
             <p:nvPr/>
           </p:nvSpPr>
@@ -15533,7 +14329,7 @@
         </p:sp>
         <p:sp>
           <p:nvSpPr>
-            <p:cNvPr id="346" name="pt345"/>
+            <p:cNvPr id="318" name="pt317"/>
             <p:cNvSpPr/>
             <p:nvPr/>
           </p:nvSpPr>
@@ -15568,7 +14364,7 @@
         </p:sp>
         <p:sp>
           <p:nvSpPr>
-            <p:cNvPr id="347" name="pl346"/>
+            <p:cNvPr id="319" name="pl318"/>
             <p:cNvSpPr/>
             <p:nvPr/>
           </p:nvSpPr>
@@ -15608,7 +14404,7 @@
         </p:sp>
         <p:sp>
           <p:nvSpPr>
-            <p:cNvPr id="348" name="pt347"/>
+            <p:cNvPr id="320" name="pt319"/>
             <p:cNvSpPr/>
             <p:nvPr/>
           </p:nvSpPr>
@@ -15643,7 +14439,7 @@
         </p:sp>
         <p:sp>
           <p:nvSpPr>
-            <p:cNvPr id="349" name="pl348"/>
+            <p:cNvPr id="321" name="pl320"/>
             <p:cNvSpPr/>
             <p:nvPr/>
           </p:nvSpPr>
@@ -15683,7 +14479,7 @@
         </p:sp>
         <p:sp>
           <p:nvSpPr>
-            <p:cNvPr id="350" name="pt349"/>
+            <p:cNvPr id="322" name="pt321"/>
             <p:cNvSpPr/>
             <p:nvPr/>
           </p:nvSpPr>
@@ -15718,7 +14514,7 @@
         </p:sp>
         <p:sp>
           <p:nvSpPr>
-            <p:cNvPr id="351" name="pl350"/>
+            <p:cNvPr id="323" name="pl322"/>
             <p:cNvSpPr/>
             <p:nvPr/>
           </p:nvSpPr>
@@ -15758,7 +14554,7 @@
         </p:sp>
         <p:sp>
           <p:nvSpPr>
-            <p:cNvPr id="352" name="pt351"/>
+            <p:cNvPr id="324" name="pt323"/>
             <p:cNvSpPr/>
             <p:nvPr/>
           </p:nvSpPr>
@@ -15793,7 +14589,7 @@
         </p:sp>
         <p:sp>
           <p:nvSpPr>
-            <p:cNvPr id="353" name="pl352"/>
+            <p:cNvPr id="325" name="pl324"/>
             <p:cNvSpPr/>
             <p:nvPr/>
           </p:nvSpPr>
@@ -15833,7 +14629,7 @@
         </p:sp>
         <p:sp>
           <p:nvSpPr>
-            <p:cNvPr id="354" name="pt353"/>
+            <p:cNvPr id="326" name="pt325"/>
             <p:cNvSpPr/>
             <p:nvPr/>
           </p:nvSpPr>
@@ -15868,7 +14664,7 @@
         </p:sp>
         <p:sp>
           <p:nvSpPr>
-            <p:cNvPr id="355" name="pl354"/>
+            <p:cNvPr id="327" name="pl326"/>
             <p:cNvSpPr/>
             <p:nvPr/>
           </p:nvSpPr>
@@ -15908,7 +14704,7 @@
         </p:sp>
         <p:sp>
           <p:nvSpPr>
-            <p:cNvPr id="356" name="pt355"/>
+            <p:cNvPr id="328" name="pt327"/>
             <p:cNvSpPr/>
             <p:nvPr/>
           </p:nvSpPr>
@@ -15943,7 +14739,7 @@
         </p:sp>
         <p:sp>
           <p:nvSpPr>
-            <p:cNvPr id="357" name="pl356"/>
+            <p:cNvPr id="329" name="pl328"/>
             <p:cNvSpPr/>
             <p:nvPr/>
           </p:nvSpPr>
@@ -15983,7 +14779,7 @@
         </p:sp>
         <p:sp>
           <p:nvSpPr>
-            <p:cNvPr id="358" name="pt357"/>
+            <p:cNvPr id="330" name="pt329"/>
             <p:cNvSpPr/>
             <p:nvPr/>
           </p:nvSpPr>
@@ -16018,7 +14814,7 @@
         </p:sp>
         <p:sp>
           <p:nvSpPr>
-            <p:cNvPr id="359" name="pl358"/>
+            <p:cNvPr id="331" name="pl330"/>
             <p:cNvSpPr/>
             <p:nvPr/>
           </p:nvSpPr>
@@ -16058,7 +14854,7 @@
         </p:sp>
         <p:sp>
           <p:nvSpPr>
-            <p:cNvPr id="360" name="pt359"/>
+            <p:cNvPr id="332" name="pt331"/>
             <p:cNvSpPr/>
             <p:nvPr/>
           </p:nvSpPr>
@@ -16093,7 +14889,7 @@
         </p:sp>
         <p:sp>
           <p:nvSpPr>
-            <p:cNvPr id="361" name="pl360"/>
+            <p:cNvPr id="333" name="pl332"/>
             <p:cNvSpPr/>
             <p:nvPr/>
           </p:nvSpPr>
@@ -16133,7 +14929,7 @@
         </p:sp>
         <p:sp>
           <p:nvSpPr>
-            <p:cNvPr id="362" name="pt361"/>
+            <p:cNvPr id="334" name="pt333"/>
             <p:cNvSpPr/>
             <p:nvPr/>
           </p:nvSpPr>
@@ -16168,7 +14964,7 @@
         </p:sp>
         <p:sp>
           <p:nvSpPr>
-            <p:cNvPr id="363" name="tx362"/>
+            <p:cNvPr id="335" name="tx334"/>
             <p:cNvSpPr/>
             <p:nvPr/>
           </p:nvSpPr>
@@ -16214,7 +15010,7 @@
         </p:sp>
         <p:sp>
           <p:nvSpPr>
-            <p:cNvPr id="364" name="tx363"/>
+            <p:cNvPr id="336" name="tx335"/>
             <p:cNvSpPr/>
             <p:nvPr/>
           </p:nvSpPr>
@@ -16260,7 +15056,7 @@
         </p:sp>
         <p:sp>
           <p:nvSpPr>
-            <p:cNvPr id="365" name="tx364"/>
+            <p:cNvPr id="337" name="tx336"/>
             <p:cNvSpPr/>
             <p:nvPr/>
           </p:nvSpPr>
@@ -16306,7 +15102,7 @@
         </p:sp>
         <p:sp>
           <p:nvSpPr>
-            <p:cNvPr id="366" name="tx365"/>
+            <p:cNvPr id="338" name="tx337"/>
             <p:cNvSpPr/>
             <p:nvPr/>
           </p:nvSpPr>
@@ -16352,7 +15148,7 @@
         </p:sp>
         <p:sp>
           <p:nvSpPr>
-            <p:cNvPr id="367" name="tx366"/>
+            <p:cNvPr id="339" name="tx338"/>
             <p:cNvSpPr/>
             <p:nvPr/>
           </p:nvSpPr>
@@ -16398,7 +15194,7 @@
         </p:sp>
         <p:sp>
           <p:nvSpPr>
-            <p:cNvPr id="368" name="tx367"/>
+            <p:cNvPr id="340" name="tx339"/>
             <p:cNvSpPr/>
             <p:nvPr/>
           </p:nvSpPr>
@@ -16444,7 +15240,7 @@
         </p:sp>
         <p:sp>
           <p:nvSpPr>
-            <p:cNvPr id="369" name="tx368"/>
+            <p:cNvPr id="341" name="tx340"/>
             <p:cNvSpPr/>
             <p:nvPr/>
           </p:nvSpPr>
@@ -16490,7 +15286,7 @@
         </p:sp>
         <p:sp>
           <p:nvSpPr>
-            <p:cNvPr id="370" name="tx369"/>
+            <p:cNvPr id="342" name="tx341"/>
             <p:cNvSpPr/>
             <p:nvPr/>
           </p:nvSpPr>
@@ -16536,7 +15332,7 @@
         </p:sp>
         <p:sp>
           <p:nvSpPr>
-            <p:cNvPr id="371" name="tx370"/>
+            <p:cNvPr id="343" name="tx342"/>
             <p:cNvSpPr/>
             <p:nvPr/>
           </p:nvSpPr>
@@ -16582,7 +15378,7 @@
         </p:sp>
         <p:sp>
           <p:nvSpPr>
-            <p:cNvPr id="372" name="tx371"/>
+            <p:cNvPr id="344" name="tx343"/>
             <p:cNvSpPr/>
             <p:nvPr/>
           </p:nvSpPr>
@@ -16628,7 +15424,7 @@
         </p:sp>
         <p:sp>
           <p:nvSpPr>
-            <p:cNvPr id="373" name="tx372"/>
+            <p:cNvPr id="345" name="tx344"/>
             <p:cNvSpPr/>
             <p:nvPr/>
           </p:nvSpPr>
@@ -16674,7 +15470,7 @@
         </p:sp>
         <p:sp>
           <p:nvSpPr>
-            <p:cNvPr id="374" name="tx373"/>
+            <p:cNvPr id="346" name="tx345"/>
             <p:cNvSpPr/>
             <p:nvPr/>
           </p:nvSpPr>

--- a/reference/QCATC777-Hazard-Curve.pptx
+++ b/reference/QCATC777-Hazard-Curve.pptx
@@ -12031,8 +12031,8 @@
           </p:nvSpPr>
           <p:spPr>
             <a:xfrm rot="-5400000">
-              <a:off x="448967" y="2462459"/>
-              <a:ext cx="1231577" cy="137604"/>
+              <a:off x="711153" y="2462459"/>
+              <a:ext cx="707206" cy="137604"/>
             </a:xfrm>
             <a:prstGeom prst="rect">
               <a:avLst/>
@@ -12064,7 +12064,7 @@
                   <a:latin typeface="DejaVu Sans"/>
                   <a:cs typeface="DejaVu Sans"/>
                 </a:rPr>
-                <a:t>Hazard Rate</a:t>
+                <a:t>Hazard</a:t>
               </a:r>
             </a:p>
           </p:txBody>
